--- a/项目答辩总ppt.pptx
+++ b/项目答辩总ppt.pptx
@@ -7,18 +7,20 @@
     <p:sldMasterId id="2147483652" r:id="rId3"/>
   </p:sldMasterIdLst>
   <p:notesMasterIdLst>
-    <p:notesMasterId r:id="rId13"/>
+    <p:notesMasterId r:id="rId15"/>
   </p:notesMasterIdLst>
   <p:sldIdLst>
     <p:sldId id="256" r:id="rId4"/>
     <p:sldId id="318" r:id="rId5"/>
     <p:sldId id="290" r:id="rId6"/>
     <p:sldId id="295" r:id="rId7"/>
-    <p:sldId id="320" r:id="rId8"/>
-    <p:sldId id="321" r:id="rId9"/>
-    <p:sldId id="319" r:id="rId10"/>
-    <p:sldId id="322" r:id="rId11"/>
-    <p:sldId id="279" r:id="rId12"/>
+    <p:sldId id="324" r:id="rId8"/>
+    <p:sldId id="320" r:id="rId9"/>
+    <p:sldId id="321" r:id="rId10"/>
+    <p:sldId id="319" r:id="rId11"/>
+    <p:sldId id="325" r:id="rId12"/>
+    <p:sldId id="322" r:id="rId13"/>
+    <p:sldId id="279" r:id="rId14"/>
   </p:sldIdLst>
   <p:sldSz cx="12192000" cy="6858000"/>
   <p:notesSz cx="6858000" cy="9144000"/>
@@ -11139,7 +11141,7 @@
           </a:lstStyle>
           <a:p>
             <a:r>
-              <a:rPr lang="zh-CN" altLang="en-US" sz="2400" b="1">
+              <a:rPr lang="zh-CN" altLang="en-US" sz="2400" b="1" dirty="0">
                 <a:solidFill>
                   <a:srgbClr val="777777"/>
                 </a:solidFill>
@@ -11160,8 +11162,8 @@
         </p:nvSpPr>
         <p:spPr bwMode="auto">
           <a:xfrm>
-            <a:off x="1658938" y="3397250"/>
-            <a:ext cx="3624262" cy="1077913"/>
+            <a:off x="1658937" y="3397250"/>
+            <a:ext cx="4416425" cy="1077218"/>
           </a:xfrm>
           <a:prstGeom prst="rect">
             <a:avLst/>
@@ -11191,7 +11193,7 @@
           </a:extLst>
         </p:spPr>
         <p:txBody>
-          <a:bodyPr>
+          <a:bodyPr wrap="square">
             <a:spAutoFit/>
           </a:bodyPr>
           <a:lstStyle>
@@ -11308,24 +11310,22 @@
           <a:p>
             <a:pPr eaLnBrk="1" hangingPunct="1"/>
             <a:r>
-              <a:rPr lang="en-US" altLang="zh-CN" sz="3200" b="1"/>
-              <a:t>MarketOnline</a:t>
-            </a:r>
+              <a:rPr lang="en-US" altLang="zh-CN" sz="3200" b="1" dirty="0"/>
+              <a:t>Electronic Dictionary</a:t>
+            </a:r>
+            <a:r>
+              <a:rPr lang="zh-CN" altLang="en-US" sz="3200" b="1" dirty="0"/>
+              <a:t>    </a:t>
+            </a:r>
+            <a:endParaRPr lang="en-US" altLang="zh-CN" sz="3200" b="1" dirty="0"/>
           </a:p>
           <a:p>
             <a:pPr eaLnBrk="1" hangingPunct="1"/>
             <a:r>
-              <a:rPr lang="zh-CN" altLang="en-US" sz="3200" b="1"/>
-              <a:t>    超市</a:t>
-            </a:r>
-            <a:r>
-              <a:rPr lang="en-US" altLang="zh-CN" sz="3200" b="1"/>
-              <a:t>Android</a:t>
-            </a:r>
-            <a:r>
-              <a:rPr lang="zh-CN" altLang="en-US" sz="3200" b="1"/>
-              <a:t>平台</a:t>
-            </a:r>
+              <a:rPr lang="zh-CN" altLang="en-US" sz="3200" b="1" dirty="0"/>
+              <a:t>                电子辞典</a:t>
+            </a:r>
+            <a:endParaRPr lang="en-US" altLang="zh-CN" sz="3200" b="1" dirty="0"/>
           </a:p>
         </p:txBody>
       </p:sp>
@@ -11706,6 +11706,869 @@
 </p:sld>
 </file>
 
+<file path=ppt/slides/slide10.xml><?xml version="1.0" encoding="utf-8"?>
+<p:sld xmlns:a="http://schemas.openxmlformats.org/drawingml/2006/main" xmlns:r="http://schemas.openxmlformats.org/officeDocument/2006/relationships" xmlns:p="http://schemas.openxmlformats.org/presentationml/2006/main">
+  <p:cSld>
+    <p:spTree>
+      <p:nvGrpSpPr>
+        <p:cNvPr id="1" name=""/>
+        <p:cNvGrpSpPr/>
+        <p:nvPr/>
+      </p:nvGrpSpPr>
+      <p:grpSpPr>
+        <a:xfrm>
+          <a:off x="0" y="0"/>
+          <a:ext cx="0" cy="0"/>
+          <a:chOff x="0" y="0"/>
+          <a:chExt cx="0" cy="0"/>
+        </a:xfrm>
+      </p:grpSpPr>
+    </p:spTree>
+    <p:extLst>
+      <p:ext uri="{BB962C8B-B14F-4D97-AF65-F5344CB8AC3E}">
+        <p14:creationId xmlns:p14="http://schemas.microsoft.com/office/powerpoint/2010/main" val="251605402"/>
+      </p:ext>
+    </p:extLst>
+  </p:cSld>
+  <p:clrMapOvr>
+    <a:masterClrMapping/>
+  </p:clrMapOvr>
+</p:sld>
+</file>
+
+<file path=ppt/slides/slide11.xml><?xml version="1.0" encoding="utf-8"?>
+<p:sld xmlns:a="http://schemas.openxmlformats.org/drawingml/2006/main" xmlns:r="http://schemas.openxmlformats.org/officeDocument/2006/relationships" xmlns:p="http://schemas.openxmlformats.org/presentationml/2006/main">
+  <p:cSld>
+    <p:spTree>
+      <p:nvGrpSpPr>
+        <p:cNvPr id="1" name=""/>
+        <p:cNvGrpSpPr/>
+        <p:nvPr/>
+      </p:nvGrpSpPr>
+      <p:grpSpPr>
+        <a:xfrm>
+          <a:off x="0" y="0"/>
+          <a:ext cx="0" cy="0"/>
+          <a:chOff x="0" y="0"/>
+          <a:chExt cx="0" cy="0"/>
+        </a:xfrm>
+      </p:grpSpPr>
+      <p:pic>
+        <p:nvPicPr>
+          <p:cNvPr id="27650" name="Picture 2" descr="12-1"/>
+          <p:cNvPicPr>
+            <a:picLocks noChangeAspect="1" noChangeArrowheads="1"/>
+          </p:cNvPicPr>
+          <p:nvPr/>
+        </p:nvPicPr>
+        <p:blipFill>
+          <a:blip r:embed="rId2" cstate="email">
+            <a:extLst>
+              <a:ext uri="{28A0092B-C50C-407E-A947-70E740481C1C}">
+                <a14:useLocalDpi xmlns:a14="http://schemas.microsoft.com/office/drawing/2010/main"/>
+              </a:ext>
+            </a:extLst>
+          </a:blip>
+          <a:srcRect/>
+          <a:stretch>
+            <a:fillRect/>
+          </a:stretch>
+        </p:blipFill>
+        <p:spPr bwMode="auto">
+          <a:xfrm>
+            <a:off x="-28575" y="11113"/>
+            <a:ext cx="12244388" cy="6883400"/>
+          </a:xfrm>
+          <a:prstGeom prst="rect">
+            <a:avLst/>
+          </a:prstGeom>
+          <a:noFill/>
+          <a:ln>
+            <a:noFill/>
+          </a:ln>
+          <a:extLst>
+            <a:ext uri="{909E8E84-426E-40DD-AFC4-6F175D3DCCD1}">
+              <a14:hiddenFill xmlns:a14="http://schemas.microsoft.com/office/drawing/2010/main">
+                <a:solidFill>
+                  <a:srgbClr val="FFFFFF"/>
+                </a:solidFill>
+              </a14:hiddenFill>
+            </a:ext>
+            <a:ext uri="{91240B29-F687-4F45-9708-019B960494DF}">
+              <a14:hiddenLine xmlns:a14="http://schemas.microsoft.com/office/drawing/2010/main" w="9525">
+                <a:solidFill>
+                  <a:srgbClr val="000000"/>
+                </a:solidFill>
+                <a:miter lim="800000"/>
+                <a:headEnd/>
+                <a:tailEnd/>
+              </a14:hiddenLine>
+            </a:ext>
+          </a:extLst>
+        </p:spPr>
+      </p:pic>
+      <p:pic>
+        <p:nvPicPr>
+          <p:cNvPr id="21507" name="Picture 3" descr="4-1"/>
+          <p:cNvPicPr>
+            <a:picLocks noChangeAspect="1" noChangeArrowheads="1"/>
+          </p:cNvPicPr>
+          <p:nvPr/>
+        </p:nvPicPr>
+        <p:blipFill>
+          <a:blip r:embed="rId3" cstate="email">
+            <a:extLst>
+              <a:ext uri="{28A0092B-C50C-407E-A947-70E740481C1C}">
+                <a14:useLocalDpi xmlns:a14="http://schemas.microsoft.com/office/drawing/2010/main"/>
+              </a:ext>
+            </a:extLst>
+          </a:blip>
+          <a:srcRect/>
+          <a:stretch>
+            <a:fillRect/>
+          </a:stretch>
+        </p:blipFill>
+        <p:spPr bwMode="auto">
+          <a:xfrm>
+            <a:off x="11625263" y="-3175"/>
+            <a:ext cx="254000" cy="6521450"/>
+          </a:xfrm>
+          <a:prstGeom prst="rect">
+            <a:avLst/>
+          </a:prstGeom>
+          <a:noFill/>
+          <a:ln>
+            <a:noFill/>
+          </a:ln>
+          <a:extLst>
+            <a:ext uri="{909E8E84-426E-40DD-AFC4-6F175D3DCCD1}">
+              <a14:hiddenFill xmlns:a14="http://schemas.microsoft.com/office/drawing/2010/main">
+                <a:solidFill>
+                  <a:srgbClr val="FFFFFF"/>
+                </a:solidFill>
+              </a14:hiddenFill>
+            </a:ext>
+            <a:ext uri="{91240B29-F687-4F45-9708-019B960494DF}">
+              <a14:hiddenLine xmlns:a14="http://schemas.microsoft.com/office/drawing/2010/main" w="9525">
+                <a:solidFill>
+                  <a:srgbClr val="000000"/>
+                </a:solidFill>
+                <a:miter lim="800000"/>
+                <a:headEnd/>
+                <a:tailEnd/>
+              </a14:hiddenLine>
+            </a:ext>
+          </a:extLst>
+        </p:spPr>
+      </p:pic>
+      <p:pic>
+        <p:nvPicPr>
+          <p:cNvPr id="21508" name="Picture 4" descr="4-2"/>
+          <p:cNvPicPr>
+            <a:picLocks noChangeAspect="1" noChangeArrowheads="1"/>
+          </p:cNvPicPr>
+          <p:nvPr/>
+        </p:nvPicPr>
+        <p:blipFill>
+          <a:blip r:embed="rId4" cstate="email">
+            <a:extLst>
+              <a:ext uri="{28A0092B-C50C-407E-A947-70E740481C1C}">
+                <a14:useLocalDpi xmlns:a14="http://schemas.microsoft.com/office/drawing/2010/main"/>
+              </a:ext>
+            </a:extLst>
+          </a:blip>
+          <a:srcRect/>
+          <a:stretch>
+            <a:fillRect/>
+          </a:stretch>
+        </p:blipFill>
+        <p:spPr bwMode="auto">
+          <a:xfrm>
+            <a:off x="11603038" y="6246813"/>
+            <a:ext cx="309562" cy="436562"/>
+          </a:xfrm>
+          <a:prstGeom prst="rect">
+            <a:avLst/>
+          </a:prstGeom>
+          <a:noFill/>
+          <a:ln>
+            <a:noFill/>
+          </a:ln>
+          <a:extLst>
+            <a:ext uri="{909E8E84-426E-40DD-AFC4-6F175D3DCCD1}">
+              <a14:hiddenFill xmlns:a14="http://schemas.microsoft.com/office/drawing/2010/main">
+                <a:solidFill>
+                  <a:srgbClr val="FFFFFF"/>
+                </a:solidFill>
+              </a14:hiddenFill>
+            </a:ext>
+            <a:ext uri="{91240B29-F687-4F45-9708-019B960494DF}">
+              <a14:hiddenLine xmlns:a14="http://schemas.microsoft.com/office/drawing/2010/main" w="9525">
+                <a:solidFill>
+                  <a:srgbClr val="000000"/>
+                </a:solidFill>
+                <a:miter lim="800000"/>
+                <a:headEnd/>
+                <a:tailEnd/>
+              </a14:hiddenLine>
+            </a:ext>
+          </a:extLst>
+        </p:spPr>
+      </p:pic>
+      <p:pic>
+        <p:nvPicPr>
+          <p:cNvPr id="21509" name="Picture 5" descr="12-1"/>
+          <p:cNvPicPr>
+            <a:picLocks noChangeAspect="1" noChangeArrowheads="1"/>
+          </p:cNvPicPr>
+          <p:nvPr/>
+        </p:nvPicPr>
+        <p:blipFill>
+          <a:blip r:embed="rId5" cstate="email">
+            <a:extLst>
+              <a:ext uri="{28A0092B-C50C-407E-A947-70E740481C1C}">
+                <a14:useLocalDpi xmlns:a14="http://schemas.microsoft.com/office/drawing/2010/main"/>
+              </a:ext>
+            </a:extLst>
+          </a:blip>
+          <a:srcRect/>
+          <a:stretch>
+            <a:fillRect/>
+          </a:stretch>
+        </p:blipFill>
+        <p:spPr bwMode="auto">
+          <a:xfrm>
+            <a:off x="5969000" y="-23813"/>
+            <a:ext cx="419100" cy="3668713"/>
+          </a:xfrm>
+          <a:prstGeom prst="rect">
+            <a:avLst/>
+          </a:prstGeom>
+          <a:noFill/>
+          <a:ln>
+            <a:noFill/>
+          </a:ln>
+          <a:extLst>
+            <a:ext uri="{909E8E84-426E-40DD-AFC4-6F175D3DCCD1}">
+              <a14:hiddenFill xmlns:a14="http://schemas.microsoft.com/office/drawing/2010/main">
+                <a:solidFill>
+                  <a:srgbClr val="FFFFFF"/>
+                </a:solidFill>
+              </a14:hiddenFill>
+            </a:ext>
+            <a:ext uri="{91240B29-F687-4F45-9708-019B960494DF}">
+              <a14:hiddenLine xmlns:a14="http://schemas.microsoft.com/office/drawing/2010/main" w="9525">
+                <a:solidFill>
+                  <a:srgbClr val="000000"/>
+                </a:solidFill>
+                <a:miter lim="800000"/>
+                <a:headEnd/>
+                <a:tailEnd/>
+              </a14:hiddenLine>
+            </a:ext>
+          </a:extLst>
+        </p:spPr>
+      </p:pic>
+      <p:pic>
+        <p:nvPicPr>
+          <p:cNvPr id="21511" name="Picture 7" descr="12-3"/>
+          <p:cNvPicPr>
+            <a:picLocks noChangeAspect="1" noChangeArrowheads="1"/>
+          </p:cNvPicPr>
+          <p:nvPr/>
+        </p:nvPicPr>
+        <p:blipFill>
+          <a:blip r:embed="rId6" cstate="email">
+            <a:extLst>
+              <a:ext uri="{28A0092B-C50C-407E-A947-70E740481C1C}">
+                <a14:useLocalDpi xmlns:a14="http://schemas.microsoft.com/office/drawing/2010/main"/>
+              </a:ext>
+            </a:extLst>
+          </a:blip>
+          <a:srcRect/>
+          <a:stretch>
+            <a:fillRect/>
+          </a:stretch>
+        </p:blipFill>
+        <p:spPr bwMode="auto">
+          <a:xfrm>
+            <a:off x="6318250" y="3162300"/>
+            <a:ext cx="1296988" cy="449263"/>
+          </a:xfrm>
+          <a:prstGeom prst="rect">
+            <a:avLst/>
+          </a:prstGeom>
+          <a:noFill/>
+          <a:ln>
+            <a:noFill/>
+          </a:ln>
+          <a:extLst>
+            <a:ext uri="{909E8E84-426E-40DD-AFC4-6F175D3DCCD1}">
+              <a14:hiddenFill xmlns:a14="http://schemas.microsoft.com/office/drawing/2010/main">
+                <a:solidFill>
+                  <a:srgbClr val="FFFFFF"/>
+                </a:solidFill>
+              </a14:hiddenFill>
+            </a:ext>
+            <a:ext uri="{91240B29-F687-4F45-9708-019B960494DF}">
+              <a14:hiddenLine xmlns:a14="http://schemas.microsoft.com/office/drawing/2010/main" w="9525">
+                <a:solidFill>
+                  <a:srgbClr val="000000"/>
+                </a:solidFill>
+                <a:miter lim="800000"/>
+                <a:headEnd/>
+                <a:tailEnd/>
+              </a14:hiddenLine>
+            </a:ext>
+          </a:extLst>
+        </p:spPr>
+      </p:pic>
+      <p:sp>
+        <p:nvSpPr>
+          <p:cNvPr id="27655" name="TextBox 1"/>
+          <p:cNvSpPr txBox="1">
+            <a:spLocks noChangeArrowheads="1"/>
+          </p:cNvSpPr>
+          <p:nvPr/>
+        </p:nvSpPr>
+        <p:spPr bwMode="auto">
+          <a:xfrm>
+            <a:off x="4075113" y="3136900"/>
+            <a:ext cx="1724025" cy="423863"/>
+          </a:xfrm>
+          <a:prstGeom prst="rect">
+            <a:avLst/>
+          </a:prstGeom>
+          <a:noFill/>
+          <a:ln>
+            <a:noFill/>
+          </a:ln>
+          <a:extLst>
+            <a:ext uri="{909E8E84-426E-40DD-AFC4-6F175D3DCCD1}">
+              <a14:hiddenFill xmlns:a14="http://schemas.microsoft.com/office/drawing/2010/main">
+                <a:solidFill>
+                  <a:srgbClr val="FFFFFF"/>
+                </a:solidFill>
+              </a14:hiddenFill>
+            </a:ext>
+            <a:ext uri="{91240B29-F687-4F45-9708-019B960494DF}">
+              <a14:hiddenLine xmlns:a14="http://schemas.microsoft.com/office/drawing/2010/main" w="9525">
+                <a:solidFill>
+                  <a:srgbClr val="000000"/>
+                </a:solidFill>
+                <a:miter lim="800000"/>
+                <a:headEnd/>
+                <a:tailEnd/>
+              </a14:hiddenLine>
+            </a:ext>
+          </a:extLst>
+        </p:spPr>
+        <p:txBody>
+          <a:bodyPr wrap="none">
+            <a:spAutoFit/>
+          </a:bodyPr>
+          <a:lstStyle>
+            <a:lvl1pPr eaLnBrk="0" hangingPunct="0">
+              <a:defRPr>
+                <a:solidFill>
+                  <a:schemeClr val="tx1"/>
+                </a:solidFill>
+                <a:latin typeface="Calibri" panose="020F0502020204030204" pitchFamily="34" charset="0"/>
+                <a:ea typeface="宋体" panose="02010600030101010101" pitchFamily="2" charset="-122"/>
+              </a:defRPr>
+            </a:lvl1pPr>
+            <a:lvl2pPr marL="742950" indent="-285750" eaLnBrk="0" hangingPunct="0">
+              <a:defRPr>
+                <a:solidFill>
+                  <a:schemeClr val="tx1"/>
+                </a:solidFill>
+                <a:latin typeface="Calibri" panose="020F0502020204030204" pitchFamily="34" charset="0"/>
+                <a:ea typeface="宋体" panose="02010600030101010101" pitchFamily="2" charset="-122"/>
+              </a:defRPr>
+            </a:lvl2pPr>
+            <a:lvl3pPr marL="1143000" indent="-228600" eaLnBrk="0" hangingPunct="0">
+              <a:defRPr>
+                <a:solidFill>
+                  <a:schemeClr val="tx1"/>
+                </a:solidFill>
+                <a:latin typeface="Calibri" panose="020F0502020204030204" pitchFamily="34" charset="0"/>
+                <a:ea typeface="宋体" panose="02010600030101010101" pitchFamily="2" charset="-122"/>
+              </a:defRPr>
+            </a:lvl3pPr>
+            <a:lvl4pPr marL="1600200" indent="-228600" eaLnBrk="0" hangingPunct="0">
+              <a:defRPr>
+                <a:solidFill>
+                  <a:schemeClr val="tx1"/>
+                </a:solidFill>
+                <a:latin typeface="Calibri" panose="020F0502020204030204" pitchFamily="34" charset="0"/>
+                <a:ea typeface="宋体" panose="02010600030101010101" pitchFamily="2" charset="-122"/>
+              </a:defRPr>
+            </a:lvl4pPr>
+            <a:lvl5pPr marL="2057400" indent="-228600" eaLnBrk="0" hangingPunct="0">
+              <a:defRPr>
+                <a:solidFill>
+                  <a:schemeClr val="tx1"/>
+                </a:solidFill>
+                <a:latin typeface="Calibri" panose="020F0502020204030204" pitchFamily="34" charset="0"/>
+                <a:ea typeface="宋体" panose="02010600030101010101" pitchFamily="2" charset="-122"/>
+              </a:defRPr>
+            </a:lvl5pPr>
+            <a:lvl6pPr marL="2514600" indent="-228600" eaLnBrk="0" fontAlgn="base" hangingPunct="0">
+              <a:spcBef>
+                <a:spcPct val="0"/>
+              </a:spcBef>
+              <a:spcAft>
+                <a:spcPct val="0"/>
+              </a:spcAft>
+              <a:buFont typeface="Arial" panose="020B0604020202020204" pitchFamily="34" charset="0"/>
+              <a:defRPr>
+                <a:solidFill>
+                  <a:schemeClr val="tx1"/>
+                </a:solidFill>
+                <a:latin typeface="Calibri" panose="020F0502020204030204" pitchFamily="34" charset="0"/>
+                <a:ea typeface="宋体" panose="02010600030101010101" pitchFamily="2" charset="-122"/>
+              </a:defRPr>
+            </a:lvl6pPr>
+            <a:lvl7pPr marL="2971800" indent="-228600" eaLnBrk="0" fontAlgn="base" hangingPunct="0">
+              <a:spcBef>
+                <a:spcPct val="0"/>
+              </a:spcBef>
+              <a:spcAft>
+                <a:spcPct val="0"/>
+              </a:spcAft>
+              <a:buFont typeface="Arial" panose="020B0604020202020204" pitchFamily="34" charset="0"/>
+              <a:defRPr>
+                <a:solidFill>
+                  <a:schemeClr val="tx1"/>
+                </a:solidFill>
+                <a:latin typeface="Calibri" panose="020F0502020204030204" pitchFamily="34" charset="0"/>
+                <a:ea typeface="宋体" panose="02010600030101010101" pitchFamily="2" charset="-122"/>
+              </a:defRPr>
+            </a:lvl7pPr>
+            <a:lvl8pPr marL="3429000" indent="-228600" eaLnBrk="0" fontAlgn="base" hangingPunct="0">
+              <a:spcBef>
+                <a:spcPct val="0"/>
+              </a:spcBef>
+              <a:spcAft>
+                <a:spcPct val="0"/>
+              </a:spcAft>
+              <a:buFont typeface="Arial" panose="020B0604020202020204" pitchFamily="34" charset="0"/>
+              <a:defRPr>
+                <a:solidFill>
+                  <a:schemeClr val="tx1"/>
+                </a:solidFill>
+                <a:latin typeface="Calibri" panose="020F0502020204030204" pitchFamily="34" charset="0"/>
+                <a:ea typeface="宋体" panose="02010600030101010101" pitchFamily="2" charset="-122"/>
+              </a:defRPr>
+            </a:lvl8pPr>
+            <a:lvl9pPr marL="3886200" indent="-228600" eaLnBrk="0" fontAlgn="base" hangingPunct="0">
+              <a:spcBef>
+                <a:spcPct val="0"/>
+              </a:spcBef>
+              <a:spcAft>
+                <a:spcPct val="0"/>
+              </a:spcAft>
+              <a:buFont typeface="Arial" panose="020B0604020202020204" pitchFamily="34" charset="0"/>
+              <a:defRPr>
+                <a:solidFill>
+                  <a:schemeClr val="tx1"/>
+                </a:solidFill>
+                <a:latin typeface="Calibri" panose="020F0502020204030204" pitchFamily="34" charset="0"/>
+                <a:ea typeface="宋体" panose="02010600030101010101" pitchFamily="2" charset="-122"/>
+              </a:defRPr>
+            </a:lvl9pPr>
+          </a:lstStyle>
+          <a:p>
+            <a:pPr eaLnBrk="1">
+              <a:lnSpc>
+                <a:spcPct val="90000"/>
+              </a:lnSpc>
+            </a:pPr>
+            <a:r>
+              <a:rPr lang="zh-CN" altLang="en-US" sz="2400" b="1">
+                <a:solidFill>
+                  <a:srgbClr val="777777"/>
+                </a:solidFill>
+                <a:ea typeface="微软雅黑" panose="020B0503020204020204" pitchFamily="34" charset="-122"/>
+              </a:rPr>
+              <a:t>谢谢观看！</a:t>
+            </a:r>
+          </a:p>
+        </p:txBody>
+      </p:sp>
+    </p:spTree>
+  </p:cSld>
+  <p:clrMapOvr>
+    <a:masterClrMapping/>
+  </p:clrMapOvr>
+  <p:timing>
+    <p:tnLst>
+      <p:par>
+        <p:cTn id="1" dur="indefinite" restart="never" nodeType="tmRoot">
+          <p:childTnLst>
+            <p:seq concurrent="1" nextAc="seek">
+              <p:cTn id="2" dur="indefinite" nodeType="mainSeq">
+                <p:childTnLst>
+                  <p:par>
+                    <p:cTn id="3" fill="hold" nodeType="clickPar">
+                      <p:stCondLst>
+                        <p:cond delay="indefinite"/>
+                        <p:cond evt="onBegin" delay="0">
+                          <p:tn val="2"/>
+                        </p:cond>
+                      </p:stCondLst>
+                      <p:childTnLst>
+                        <p:par>
+                          <p:cTn id="4" fill="hold" nodeType="withGroup">
+                            <p:stCondLst>
+                              <p:cond delay="0"/>
+                            </p:stCondLst>
+                            <p:childTnLst>
+                              <p:par>
+                                <p:cTn id="5" presetID="29" presetClass="entr" presetSubtype="0" fill="hold" nodeType="withEffect">
+                                  <p:stCondLst>
+                                    <p:cond delay="0"/>
+                                  </p:stCondLst>
+                                  <p:childTnLst>
+                                    <p:set>
+                                      <p:cBhvr>
+                                        <p:cTn id="6" dur="1" fill="hold">
+                                          <p:stCondLst>
+                                            <p:cond delay="0"/>
+                                          </p:stCondLst>
+                                        </p:cTn>
+                                        <p:tgtEl>
+                                          <p:spTgt spid="21508"/>
+                                        </p:tgtEl>
+                                        <p:attrNameLst>
+                                          <p:attrName>style.visibility</p:attrName>
+                                        </p:attrNameLst>
+                                      </p:cBhvr>
+                                      <p:to>
+                                        <p:strVal val="visible"/>
+                                      </p:to>
+                                    </p:set>
+                                    <p:anim calcmode="lin" valueType="num">
+                                      <p:cBhvr>
+                                        <p:cTn id="7" dur="500" fill="hold"/>
+                                        <p:tgtEl>
+                                          <p:spTgt spid="21508"/>
+                                        </p:tgtEl>
+                                        <p:attrNameLst>
+                                          <p:attrName>ppt_x</p:attrName>
+                                        </p:attrNameLst>
+                                      </p:cBhvr>
+                                      <p:tavLst>
+                                        <p:tav tm="0">
+                                          <p:val>
+                                            <p:strVal val="#ppt_x-.2"/>
+                                          </p:val>
+                                        </p:tav>
+                                        <p:tav tm="100000">
+                                          <p:val>
+                                            <p:strVal val="#ppt_x"/>
+                                          </p:val>
+                                        </p:tav>
+                                      </p:tavLst>
+                                    </p:anim>
+                                    <p:anim calcmode="lin" valueType="num">
+                                      <p:cBhvr>
+                                        <p:cTn id="8" dur="500" fill="hold"/>
+                                        <p:tgtEl>
+                                          <p:spTgt spid="21508"/>
+                                        </p:tgtEl>
+                                        <p:attrNameLst>
+                                          <p:attrName>ppt_y</p:attrName>
+                                        </p:attrNameLst>
+                                      </p:cBhvr>
+                                      <p:tavLst>
+                                        <p:tav tm="0">
+                                          <p:val>
+                                            <p:strVal val="#ppt_y"/>
+                                          </p:val>
+                                        </p:tav>
+                                        <p:tav tm="100000">
+                                          <p:val>
+                                            <p:strVal val="#ppt_y"/>
+                                          </p:val>
+                                        </p:tav>
+                                      </p:tavLst>
+                                    </p:anim>
+                                    <p:animEffect transition="in" filter="wipe(right)" prLst="gradientSize: 0.1">
+                                      <p:cBhvr>
+                                        <p:cTn id="9" dur="500"/>
+                                        <p:tgtEl>
+                                          <p:spTgt spid="21508"/>
+                                        </p:tgtEl>
+                                      </p:cBhvr>
+                                    </p:animEffect>
+                                  </p:childTnLst>
+                                </p:cTn>
+                              </p:par>
+                              <p:par>
+                                <p:cTn id="10" presetID="47" presetClass="entr" presetSubtype="0" fill="hold" nodeType="withEffect">
+                                  <p:stCondLst>
+                                    <p:cond delay="0"/>
+                                  </p:stCondLst>
+                                  <p:childTnLst>
+                                    <p:set>
+                                      <p:cBhvr>
+                                        <p:cTn id="11" dur="1" fill="hold">
+                                          <p:stCondLst>
+                                            <p:cond delay="0"/>
+                                          </p:stCondLst>
+                                        </p:cTn>
+                                        <p:tgtEl>
+                                          <p:spTgt spid="21507"/>
+                                        </p:tgtEl>
+                                        <p:attrNameLst>
+                                          <p:attrName>style.visibility</p:attrName>
+                                        </p:attrNameLst>
+                                      </p:cBhvr>
+                                      <p:to>
+                                        <p:strVal val="visible"/>
+                                      </p:to>
+                                    </p:set>
+                                    <p:animEffect transition="in" filter="fade">
+                                      <p:cBhvr>
+                                        <p:cTn id="12" dur="500"/>
+                                        <p:tgtEl>
+                                          <p:spTgt spid="21507"/>
+                                        </p:tgtEl>
+                                      </p:cBhvr>
+                                    </p:animEffect>
+                                    <p:anim calcmode="lin" valueType="num">
+                                      <p:cBhvr>
+                                        <p:cTn id="13" dur="500" fill="hold"/>
+                                        <p:tgtEl>
+                                          <p:spTgt spid="21507"/>
+                                        </p:tgtEl>
+                                        <p:attrNameLst>
+                                          <p:attrName>ppt_x</p:attrName>
+                                        </p:attrNameLst>
+                                      </p:cBhvr>
+                                      <p:tavLst>
+                                        <p:tav tm="0">
+                                          <p:val>
+                                            <p:strVal val="#ppt_x"/>
+                                          </p:val>
+                                        </p:tav>
+                                        <p:tav tm="100000">
+                                          <p:val>
+                                            <p:strVal val="#ppt_x"/>
+                                          </p:val>
+                                        </p:tav>
+                                      </p:tavLst>
+                                    </p:anim>
+                                    <p:anim calcmode="lin" valueType="num">
+                                      <p:cBhvr>
+                                        <p:cTn id="14" dur="500" fill="hold"/>
+                                        <p:tgtEl>
+                                          <p:spTgt spid="21507"/>
+                                        </p:tgtEl>
+                                        <p:attrNameLst>
+                                          <p:attrName>ppt_y</p:attrName>
+                                        </p:attrNameLst>
+                                      </p:cBhvr>
+                                      <p:tavLst>
+                                        <p:tav tm="0">
+                                          <p:val>
+                                            <p:strVal val="#ppt_y-.1"/>
+                                          </p:val>
+                                        </p:tav>
+                                        <p:tav tm="100000">
+                                          <p:val>
+                                            <p:strVal val="#ppt_y"/>
+                                          </p:val>
+                                        </p:tav>
+                                      </p:tavLst>
+                                    </p:anim>
+                                  </p:childTnLst>
+                                </p:cTn>
+                              </p:par>
+                            </p:childTnLst>
+                          </p:cTn>
+                        </p:par>
+                        <p:par>
+                          <p:cTn id="15" fill="hold" nodeType="afterGroup">
+                            <p:stCondLst>
+                              <p:cond delay="500"/>
+                            </p:stCondLst>
+                            <p:childTnLst>
+                              <p:par>
+                                <p:cTn id="16" presetID="37" presetClass="entr" presetSubtype="0" fill="hold" nodeType="afterEffect">
+                                  <p:stCondLst>
+                                    <p:cond delay="0"/>
+                                  </p:stCondLst>
+                                  <p:childTnLst>
+                                    <p:set>
+                                      <p:cBhvr>
+                                        <p:cTn id="17" dur="1" fill="hold">
+                                          <p:stCondLst>
+                                            <p:cond delay="0"/>
+                                          </p:stCondLst>
+                                        </p:cTn>
+                                        <p:tgtEl>
+                                          <p:spTgt spid="21509"/>
+                                        </p:tgtEl>
+                                        <p:attrNameLst>
+                                          <p:attrName>style.visibility</p:attrName>
+                                        </p:attrNameLst>
+                                      </p:cBhvr>
+                                      <p:to>
+                                        <p:strVal val="visible"/>
+                                      </p:to>
+                                    </p:set>
+                                    <p:animEffect transition="in" filter="fade">
+                                      <p:cBhvr>
+                                        <p:cTn id="18" dur="500"/>
+                                        <p:tgtEl>
+                                          <p:spTgt spid="21509"/>
+                                        </p:tgtEl>
+                                      </p:cBhvr>
+                                    </p:animEffect>
+                                    <p:anim calcmode="lin" valueType="num">
+                                      <p:cBhvr>
+                                        <p:cTn id="19" dur="500" fill="hold"/>
+                                        <p:tgtEl>
+                                          <p:spTgt spid="21509"/>
+                                        </p:tgtEl>
+                                        <p:attrNameLst>
+                                          <p:attrName>ppt_x</p:attrName>
+                                        </p:attrNameLst>
+                                      </p:cBhvr>
+                                      <p:tavLst>
+                                        <p:tav tm="0">
+                                          <p:val>
+                                            <p:strVal val="#ppt_x"/>
+                                          </p:val>
+                                        </p:tav>
+                                        <p:tav tm="100000">
+                                          <p:val>
+                                            <p:strVal val="#ppt_x"/>
+                                          </p:val>
+                                        </p:tav>
+                                      </p:tavLst>
+                                    </p:anim>
+                                    <p:anim calcmode="lin" valueType="num">
+                                      <p:cBhvr>
+                                        <p:cTn id="20" dur="450" decel="100000" fill="hold"/>
+                                        <p:tgtEl>
+                                          <p:spTgt spid="21509"/>
+                                        </p:tgtEl>
+                                        <p:attrNameLst>
+                                          <p:attrName>ppt_y</p:attrName>
+                                        </p:attrNameLst>
+                                      </p:cBhvr>
+                                      <p:tavLst>
+                                        <p:tav tm="0">
+                                          <p:val>
+                                            <p:strVal val="#ppt_y+1"/>
+                                          </p:val>
+                                        </p:tav>
+                                        <p:tav tm="100000">
+                                          <p:val>
+                                            <p:strVal val="#ppt_y-.03"/>
+                                          </p:val>
+                                        </p:tav>
+                                      </p:tavLst>
+                                    </p:anim>
+                                    <p:anim calcmode="lin" valueType="num">
+                                      <p:cBhvr>
+                                        <p:cTn id="21" dur="50" accel="100000" fill="hold">
+                                          <p:stCondLst>
+                                            <p:cond delay="450"/>
+                                          </p:stCondLst>
+                                        </p:cTn>
+                                        <p:tgtEl>
+                                          <p:spTgt spid="21509"/>
+                                        </p:tgtEl>
+                                        <p:attrNameLst>
+                                          <p:attrName>ppt_y</p:attrName>
+                                        </p:attrNameLst>
+                                      </p:cBhvr>
+                                      <p:tavLst>
+                                        <p:tav tm="0">
+                                          <p:val>
+                                            <p:strVal val="#ppt_y-.03"/>
+                                          </p:val>
+                                        </p:tav>
+                                        <p:tav tm="100000">
+                                          <p:val>
+                                            <p:strVal val="#ppt_y"/>
+                                          </p:val>
+                                        </p:tav>
+                                      </p:tavLst>
+                                    </p:anim>
+                                  </p:childTnLst>
+                                </p:cTn>
+                              </p:par>
+                              <p:par>
+                                <p:cTn id="22" presetID="12" presetClass="entr" presetSubtype="8" fill="hold" nodeType="withEffect">
+                                  <p:stCondLst>
+                                    <p:cond delay="0"/>
+                                  </p:stCondLst>
+                                  <p:childTnLst>
+                                    <p:set>
+                                      <p:cBhvr>
+                                        <p:cTn id="23" dur="1" fill="hold">
+                                          <p:stCondLst>
+                                            <p:cond delay="0"/>
+                                          </p:stCondLst>
+                                        </p:cTn>
+                                        <p:tgtEl>
+                                          <p:spTgt spid="21511"/>
+                                        </p:tgtEl>
+                                        <p:attrNameLst>
+                                          <p:attrName>style.visibility</p:attrName>
+                                        </p:attrNameLst>
+                                      </p:cBhvr>
+                                      <p:to>
+                                        <p:strVal val="visible"/>
+                                      </p:to>
+                                    </p:set>
+                                    <p:animEffect transition="in" filter="slide(fromLeft)">
+                                      <p:cBhvr>
+                                        <p:cTn id="24" dur="500"/>
+                                        <p:tgtEl>
+                                          <p:spTgt spid="21511"/>
+                                        </p:tgtEl>
+                                      </p:cBhvr>
+                                    </p:animEffect>
+                                  </p:childTnLst>
+                                </p:cTn>
+                              </p:par>
+                            </p:childTnLst>
+                          </p:cTn>
+                        </p:par>
+                      </p:childTnLst>
+                    </p:cTn>
+                  </p:par>
+                </p:childTnLst>
+              </p:cTn>
+              <p:prevCondLst>
+                <p:cond evt="onPrev" delay="0">
+                  <p:tgtEl>
+                    <p:sldTgt/>
+                  </p:tgtEl>
+                </p:cond>
+              </p:prevCondLst>
+              <p:nextCondLst>
+                <p:cond evt="onNext" delay="0">
+                  <p:tgtEl>
+                    <p:sldTgt/>
+                  </p:tgtEl>
+                </p:cond>
+              </p:nextCondLst>
+            </p:seq>
+          </p:childTnLst>
+        </p:cTn>
+      </p:par>
+    </p:tnLst>
+  </p:timing>
+</p:sld>
+</file>
+
 <file path=ppt/slides/slide2.xml><?xml version="1.0" encoding="utf-8"?>
 <p:sld xmlns:a="http://schemas.openxmlformats.org/drawingml/2006/main" xmlns:r="http://schemas.openxmlformats.org/officeDocument/2006/relationships" xmlns:p="http://schemas.openxmlformats.org/presentationml/2006/main">
   <p:cSld>
@@ -12004,7 +12867,7 @@
         <p:spPr bwMode="auto">
           <a:xfrm>
             <a:off x="993775" y="2130425"/>
-            <a:ext cx="8704263" cy="1492250"/>
+            <a:ext cx="8704263" cy="1465401"/>
           </a:xfrm>
           <a:prstGeom prst="rect">
             <a:avLst/>
@@ -12155,44 +13018,44 @@
               </a:lnSpc>
             </a:pPr>
             <a:r>
-              <a:rPr lang="zh-CN" altLang="en-US" sz="1400">
+              <a:rPr lang="zh-CN" altLang="en-US" sz="1400" dirty="0">
                 <a:solidFill>
                   <a:srgbClr val="777777"/>
                 </a:solidFill>
                 <a:latin typeface="微软雅黑" panose="020B0503020204020204" pitchFamily="34" charset="-122"/>
                 <a:ea typeface="微软雅黑" panose="020B0503020204020204" pitchFamily="34" charset="-122"/>
               </a:rPr>
-              <a:t>              本项目为网上超市安卓端，随着信息技术的发展，在线超市交易管理从交易内容、交易形式、交易方法与手段等相比传统的交易管理均发生了很大变化与发展，通过网络进行商场交易管理无疑是最佳的选择。本系统旨在为用户提供安卓端的网上超市，让用户随时随地都能享受购物带来的乐趣。本系统的模块分为：商品模块，商品分类模块，购物车模块，用户模块，订单模块，共</a:t>
-            </a:r>
-            <a:r>
-              <a:rPr lang="en-US" altLang="zh-CN" sz="1400">
+              <a:t>              本项目为本地电子辞典。随着信息技术的发展，书籍资料的保存与传播发生了很大变化与发展，尤其是辞典这一传统工具书，通过计算机进行信息的检索无疑是最佳的选择。本系统旨在为用户提供</a:t>
+            </a:r>
+            <a:r>
+              <a:rPr lang="en-US" altLang="zh-CN" sz="1400" dirty="0">
                 <a:solidFill>
                   <a:srgbClr val="777777"/>
                 </a:solidFill>
                 <a:latin typeface="微软雅黑" panose="020B0503020204020204" pitchFamily="34" charset="-122"/>
                 <a:ea typeface="微软雅黑" panose="020B0503020204020204" pitchFamily="34" charset="-122"/>
               </a:rPr>
-              <a:t>5</a:t>
-            </a:r>
-            <a:r>
-              <a:rPr lang="zh-CN" altLang="en-US" sz="1400">
+              <a:t>PC</a:t>
+            </a:r>
+            <a:r>
+              <a:rPr lang="zh-CN" altLang="en-US" sz="1400" dirty="0">
                 <a:solidFill>
                   <a:srgbClr val="777777"/>
                 </a:solidFill>
                 <a:latin typeface="微软雅黑" panose="020B0503020204020204" pitchFamily="34" charset="-122"/>
                 <a:ea typeface="微软雅黑" panose="020B0503020204020204" pitchFamily="34" charset="-122"/>
               </a:rPr>
-              <a:t>个模块，模块之间划分得当，而服务器端采用</a:t>
-            </a:r>
-            <a:r>
-              <a:rPr lang="en-US" altLang="zh-CN" sz="1400">
+              <a:t>端的电子辞典，让用户能够便捷的进行中英互译。本系统的模块分为：中英互译模块，词库增删改模块，单词听写模块，用户模块，收藏夹模块，小游戏模块共</a:t>
+            </a:r>
+            <a:r>
+              <a:rPr lang="en-US" altLang="zh-CN" sz="1400" dirty="0">
                 <a:solidFill>
                   <a:srgbClr val="777777"/>
                 </a:solidFill>
                 <a:latin typeface="微软雅黑" panose="020B0503020204020204" pitchFamily="34" charset="-122"/>
                 <a:ea typeface="微软雅黑" panose="020B0503020204020204" pitchFamily="34" charset="-122"/>
               </a:rPr>
-              <a:t>ssm(Spring+Struts2+Mybatis)</a:t>
+              <a:t>6</a:t>
             </a:r>
             <a:r>
               <a:rPr lang="zh-CN" altLang="en-US" sz="1400">
@@ -12202,7 +13065,17 @@
                 <a:latin typeface="微软雅黑" panose="020B0503020204020204" pitchFamily="34" charset="-122"/>
                 <a:ea typeface="微软雅黑" panose="020B0503020204020204" pitchFamily="34" charset="-122"/>
               </a:rPr>
-              <a:t>框架，项目整体架构简洁明了，分工明确。</a:t>
+              <a:t>个</a:t>
+            </a:r>
+            <a:r>
+              <a:rPr lang="zh-CN" altLang="en-US" sz="1400" dirty="0">
+                <a:solidFill>
+                  <a:srgbClr val="777777"/>
+                </a:solidFill>
+                <a:latin typeface="微软雅黑" panose="020B0503020204020204" pitchFamily="34" charset="-122"/>
+                <a:ea typeface="微软雅黑" panose="020B0503020204020204" pitchFamily="34" charset="-122"/>
+              </a:rPr>
+              <a:t>模块，模块之间划分得当，项目整体架构简洁明了，分工明确。</a:t>
             </a:r>
           </a:p>
         </p:txBody>
@@ -13016,7 +13889,7 @@
         <p:spPr bwMode="auto">
           <a:xfrm>
             <a:off x="682625" y="1624013"/>
-            <a:ext cx="5376863" cy="3706812"/>
+            <a:ext cx="5376863" cy="3675493"/>
           </a:xfrm>
           <a:prstGeom prst="rect">
             <a:avLst/>
@@ -13173,25 +14046,16 @@
                 </a:solidFill>
                 <a:ea typeface="微软雅黑" panose="020B0503020204020204" pitchFamily="34" charset="-122"/>
               </a:rPr>
-              <a:t>王俊伟</a:t>
-            </a:r>
-            <a:r>
-              <a:rPr lang="zh-CN" altLang="en-US" sz="1200" dirty="0">
+              <a:t>熊伟</a:t>
+            </a:r>
+            <a:r>
+              <a:rPr lang="zh-CN" altLang="en-US" sz="1400" dirty="0">
                 <a:solidFill>
                   <a:srgbClr val="777777"/>
                 </a:solidFill>
                 <a:ea typeface="微软雅黑" panose="020B0503020204020204" pitchFamily="34" charset="-122"/>
               </a:rPr>
-              <a:t>     </a:t>
-            </a:r>
-            <a:r>
-              <a:rPr lang="zh-CN" altLang="en-US" sz="1400" dirty="0">
-                <a:solidFill>
-                  <a:srgbClr val="777777"/>
-                </a:solidFill>
-                <a:ea typeface="微软雅黑" panose="020B0503020204020204" pitchFamily="34" charset="-122"/>
-              </a:rPr>
-              <a:t> 搭建框架，建服务器，合并项目</a:t>
+              <a:t>搭建框架，建服务器，合并项目</a:t>
             </a:r>
           </a:p>
           <a:p>
@@ -13220,16 +14084,7 @@
                 </a:solidFill>
                 <a:ea typeface="微软雅黑" panose="020B0503020204020204" pitchFamily="34" charset="-122"/>
               </a:rPr>
-              <a:t>詹伟坚</a:t>
-            </a:r>
-            <a:r>
-              <a:rPr lang="zh-CN" altLang="en-US" sz="1200" dirty="0">
-                <a:solidFill>
-                  <a:srgbClr val="777777"/>
-                </a:solidFill>
-                <a:ea typeface="微软雅黑" panose="020B0503020204020204" pitchFamily="34" charset="-122"/>
-              </a:rPr>
-              <a:t>       </a:t>
+              <a:t>贾聪</a:t>
             </a:r>
             <a:r>
               <a:rPr lang="zh-CN" altLang="en-US" sz="1400" dirty="0">
@@ -13267,7 +14122,7 @@
                 </a:solidFill>
                 <a:ea typeface="微软雅黑" panose="020B0503020204020204" pitchFamily="34" charset="-122"/>
               </a:rPr>
-              <a:t>孔祥燮</a:t>
+              <a:t>樊阳</a:t>
             </a:r>
             <a:r>
               <a:rPr lang="zh-CN" altLang="en-US" sz="1200" dirty="0">
@@ -13314,7 +14169,7 @@
                 </a:solidFill>
                 <a:ea typeface="微软雅黑" panose="020B0503020204020204" pitchFamily="34" charset="-122"/>
               </a:rPr>
-              <a:t>黄泽凯</a:t>
+              <a:t>邢国浩</a:t>
             </a:r>
             <a:r>
               <a:rPr lang="zh-CN" altLang="en-US" sz="1200" dirty="0">
@@ -13361,7 +14216,7 @@
                 </a:solidFill>
                 <a:ea typeface="微软雅黑" panose="020B0503020204020204" pitchFamily="34" charset="-122"/>
               </a:rPr>
-              <a:t>罗华彬</a:t>
+              <a:t>王锦祥</a:t>
             </a:r>
             <a:r>
               <a:rPr lang="zh-CN" altLang="en-US" sz="1200" dirty="0">
@@ -13399,7 +14254,7 @@
                 </a:solidFill>
                 <a:ea typeface="微软雅黑" panose="020B0503020204020204" pitchFamily="34" charset="-122"/>
               </a:rPr>
-              <a:t>许敏凤</a:t>
+              <a:t>常智裕</a:t>
             </a:r>
             <a:r>
               <a:rPr lang="zh-CN" altLang="en-US" sz="1200" dirty="0">
@@ -13992,7 +14847,7 @@
           <a:p>
             <a:pPr algn="ctr"/>
             <a:r>
-              <a:rPr lang="zh-CN" altLang="en-US" sz="2400" b="1">
+              <a:rPr lang="zh-CN" altLang="en-US" sz="2400" b="1" dirty="0">
                 <a:solidFill>
                   <a:schemeClr val="bg1"/>
                 </a:solidFill>
@@ -14004,7 +14859,7 @@
           <a:p>
             <a:pPr algn="ctr"/>
             <a:r>
-              <a:rPr lang="zh-CN" altLang="en-US">
+              <a:rPr lang="zh-CN" altLang="en-US" dirty="0">
                 <a:solidFill>
                   <a:schemeClr val="bg1"/>
                 </a:solidFill>
@@ -16813,205 +17668,9 @@
           <a:chExt cx="0" cy="0"/>
         </a:xfrm>
       </p:grpSpPr>
-    </p:spTree>
-    <p:extLst>
-      <p:ext uri="{BB962C8B-B14F-4D97-AF65-F5344CB8AC3E}">
-        <p14:creationId xmlns:p14="http://schemas.microsoft.com/office/powerpoint/2010/main" val="3080008779"/>
-      </p:ext>
-    </p:extLst>
-  </p:cSld>
-  <p:clrMapOvr>
-    <a:masterClrMapping/>
-  </p:clrMapOvr>
-</p:sld>
-</file>
-
-<file path=ppt/slides/slide6.xml><?xml version="1.0" encoding="utf-8"?>
-<p:sld xmlns:a="http://schemas.openxmlformats.org/drawingml/2006/main" xmlns:r="http://schemas.openxmlformats.org/officeDocument/2006/relationships" xmlns:p="http://schemas.openxmlformats.org/presentationml/2006/main">
-  <p:cSld>
-    <p:spTree>
-      <p:nvGrpSpPr>
-        <p:cNvPr id="1" name=""/>
-        <p:cNvGrpSpPr/>
-        <p:nvPr/>
-      </p:nvGrpSpPr>
-      <p:grpSpPr>
-        <a:xfrm>
-          <a:off x="0" y="0"/>
-          <a:ext cx="0" cy="0"/>
-          <a:chOff x="0" y="0"/>
-          <a:chExt cx="0" cy="0"/>
-        </a:xfrm>
-      </p:grpSpPr>
-      <p:sp>
-        <p:nvSpPr>
-          <p:cNvPr id="2" name="文本框 1">
-            <a:extLst>
-              <a:ext uri="{FF2B5EF4-FFF2-40B4-BE49-F238E27FC236}">
-                <a16:creationId xmlns:a16="http://schemas.microsoft.com/office/drawing/2014/main" id="{B51FFF96-07FC-49AB-BBE7-EAB48C4859DD}"/>
-              </a:ext>
-            </a:extLst>
-          </p:cNvPr>
-          <p:cNvSpPr txBox="1"/>
-          <p:nvPr/>
-        </p:nvSpPr>
-        <p:spPr>
-          <a:xfrm rot="12434109" flipH="1" flipV="1">
-            <a:off x="4746070" y="3418606"/>
-            <a:ext cx="5611129" cy="830997"/>
-          </a:xfrm>
-          <a:prstGeom prst="rect">
-            <a:avLst/>
-          </a:prstGeom>
-          <a:noFill/>
-        </p:spPr>
-        <p:txBody>
-          <a:bodyPr wrap="square" rtlCol="0">
-            <a:spAutoFit/>
-          </a:bodyPr>
-          <a:lstStyle/>
-          <a:p>
-            <a:r>
-              <a:rPr lang="zh-CN" altLang="en-US" sz="4800" dirty="0"/>
-              <a:t>总结部分</a:t>
-            </a:r>
-          </a:p>
-        </p:txBody>
-      </p:sp>
-    </p:spTree>
-    <p:extLst>
-      <p:ext uri="{BB962C8B-B14F-4D97-AF65-F5344CB8AC3E}">
-        <p14:creationId xmlns:p14="http://schemas.microsoft.com/office/powerpoint/2010/main" val="375229243"/>
-      </p:ext>
-    </p:extLst>
-  </p:cSld>
-  <p:clrMapOvr>
-    <a:masterClrMapping/>
-  </p:clrMapOvr>
-</p:sld>
-</file>
-
-<file path=ppt/slides/slide7.xml><?xml version="1.0" encoding="utf-8"?>
-<p:sld xmlns:a="http://schemas.openxmlformats.org/drawingml/2006/main" xmlns:r="http://schemas.openxmlformats.org/officeDocument/2006/relationships" xmlns:p="http://schemas.openxmlformats.org/presentationml/2006/main">
-  <p:cSld>
-    <p:spTree>
-      <p:nvGrpSpPr>
-        <p:cNvPr id="1" name=""/>
-        <p:cNvGrpSpPr/>
-        <p:nvPr/>
-      </p:nvGrpSpPr>
-      <p:grpSpPr>
-        <a:xfrm>
-          <a:off x="0" y="0"/>
-          <a:ext cx="0" cy="0"/>
-          <a:chOff x="0" y="0"/>
-          <a:chExt cx="0" cy="0"/>
-        </a:xfrm>
-      </p:grpSpPr>
-      <p:sp>
-        <p:nvSpPr>
-          <p:cNvPr id="2" name="矩形 1">
-            <a:extLst>
-              <a:ext uri="{FF2B5EF4-FFF2-40B4-BE49-F238E27FC236}">
-                <a16:creationId xmlns:a16="http://schemas.microsoft.com/office/drawing/2014/main" id="{356BEA1B-EC87-4DCE-8132-0B967D4D22F1}"/>
-              </a:ext>
-            </a:extLst>
-          </p:cNvPr>
-          <p:cNvSpPr/>
-          <p:nvPr/>
-        </p:nvSpPr>
-        <p:spPr>
-          <a:xfrm>
-            <a:off x="218804" y="640080"/>
-            <a:ext cx="3185487" cy="369332"/>
-          </a:xfrm>
-          <a:prstGeom prst="rect">
-            <a:avLst/>
-          </a:prstGeom>
-        </p:spPr>
-        <p:txBody>
-          <a:bodyPr wrap="none">
-            <a:spAutoFit/>
-          </a:bodyPr>
-          <a:lstStyle/>
-          <a:p>
-            <a:r>
-              <a:rPr lang="zh-CN" altLang="en-US" b="1" noProof="1">
-                <a:solidFill>
-                  <a:srgbClr val="777777"/>
-                </a:solidFill>
-                <a:latin typeface="微软雅黑" panose="020B0503020204020204" pitchFamily="34" charset="-122"/>
-                <a:ea typeface="微软雅黑" panose="020B0503020204020204" pitchFamily="34" charset="-122"/>
-              </a:rPr>
-              <a:t>邢国浩的总结、体会、评价：</a:t>
-            </a:r>
-            <a:endParaRPr lang="zh-CN" altLang="en-US" dirty="0"/>
-          </a:p>
-        </p:txBody>
-      </p:sp>
-    </p:spTree>
-    <p:extLst>
-      <p:ext uri="{BB962C8B-B14F-4D97-AF65-F5344CB8AC3E}">
-        <p14:creationId xmlns:p14="http://schemas.microsoft.com/office/powerpoint/2010/main" val="834949214"/>
-      </p:ext>
-    </p:extLst>
-  </p:cSld>
-  <p:clrMapOvr>
-    <a:masterClrMapping/>
-  </p:clrMapOvr>
-</p:sld>
-</file>
-
-<file path=ppt/slides/slide8.xml><?xml version="1.0" encoding="utf-8"?>
-<p:sld xmlns:a="http://schemas.openxmlformats.org/drawingml/2006/main" xmlns:r="http://schemas.openxmlformats.org/officeDocument/2006/relationships" xmlns:p="http://schemas.openxmlformats.org/presentationml/2006/main">
-  <p:cSld>
-    <p:spTree>
-      <p:nvGrpSpPr>
-        <p:cNvPr id="1" name=""/>
-        <p:cNvGrpSpPr/>
-        <p:nvPr/>
-      </p:nvGrpSpPr>
-      <p:grpSpPr>
-        <a:xfrm>
-          <a:off x="0" y="0"/>
-          <a:ext cx="0" cy="0"/>
-          <a:chOff x="0" y="0"/>
-          <a:chExt cx="0" cy="0"/>
-        </a:xfrm>
-      </p:grpSpPr>
-    </p:spTree>
-    <p:extLst>
-      <p:ext uri="{BB962C8B-B14F-4D97-AF65-F5344CB8AC3E}">
-        <p14:creationId xmlns:p14="http://schemas.microsoft.com/office/powerpoint/2010/main" val="251605402"/>
-      </p:ext>
-    </p:extLst>
-  </p:cSld>
-  <p:clrMapOvr>
-    <a:masterClrMapping/>
-  </p:clrMapOvr>
-</p:sld>
-</file>
-
-<file path=ppt/slides/slide9.xml><?xml version="1.0" encoding="utf-8"?>
-<p:sld xmlns:a="http://schemas.openxmlformats.org/drawingml/2006/main" xmlns:r="http://schemas.openxmlformats.org/officeDocument/2006/relationships" xmlns:p="http://schemas.openxmlformats.org/presentationml/2006/main">
-  <p:cSld>
-    <p:spTree>
-      <p:nvGrpSpPr>
-        <p:cNvPr id="1" name=""/>
-        <p:cNvGrpSpPr/>
-        <p:nvPr/>
-      </p:nvGrpSpPr>
-      <p:grpSpPr>
-        <a:xfrm>
-          <a:off x="0" y="0"/>
-          <a:ext cx="0" cy="0"/>
-          <a:chOff x="0" y="0"/>
-          <a:chExt cx="0" cy="0"/>
-        </a:xfrm>
-      </p:grpSpPr>
       <p:pic>
         <p:nvPicPr>
-          <p:cNvPr id="27650" name="Picture 2" descr="12-1"/>
+          <p:cNvPr id="8194" name="Picture 2" descr="4-1"/>
           <p:cNvPicPr>
             <a:picLocks noChangeAspect="1" noChangeArrowheads="1"/>
           </p:cNvPicPr>
@@ -17032,8 +17691,8 @@
         </p:blipFill>
         <p:spPr bwMode="auto">
           <a:xfrm>
-            <a:off x="-28575" y="11113"/>
-            <a:ext cx="12244388" cy="6883400"/>
+            <a:off x="0" y="-3175"/>
+            <a:ext cx="12241213" cy="6881813"/>
           </a:xfrm>
           <a:prstGeom prst="rect">
             <a:avLst/>
@@ -17065,7 +17724,7 @@
       </p:pic>
       <p:pic>
         <p:nvPicPr>
-          <p:cNvPr id="21507" name="Picture 3" descr="4-1"/>
+          <p:cNvPr id="16387" name="Picture 3" descr="4-1"/>
           <p:cNvPicPr>
             <a:picLocks noChangeAspect="1" noChangeArrowheads="1"/>
           </p:cNvPicPr>
@@ -17119,7 +17778,7 @@
       </p:pic>
       <p:pic>
         <p:nvPicPr>
-          <p:cNvPr id="21508" name="Picture 4" descr="4-2"/>
+          <p:cNvPr id="16388" name="Picture 4" descr="4-2"/>
           <p:cNvPicPr>
             <a:picLocks noChangeAspect="1" noChangeArrowheads="1"/>
           </p:cNvPicPr>
@@ -17140,8 +17799,8 @@
         </p:blipFill>
         <p:spPr bwMode="auto">
           <a:xfrm>
-            <a:off x="11603038" y="6246813"/>
-            <a:ext cx="309562" cy="436562"/>
+            <a:off x="1730375" y="6297613"/>
+            <a:ext cx="271463" cy="384175"/>
           </a:xfrm>
           <a:prstGeom prst="rect">
             <a:avLst/>
@@ -17173,7 +17832,7 @@
       </p:pic>
       <p:pic>
         <p:nvPicPr>
-          <p:cNvPr id="21509" name="Picture 5" descr="12-1"/>
+          <p:cNvPr id="8197" name="Picture 5" descr="5-6"/>
           <p:cNvPicPr>
             <a:picLocks noChangeAspect="1" noChangeArrowheads="1"/>
           </p:cNvPicPr>
@@ -17194,8 +17853,8 @@
         </p:blipFill>
         <p:spPr bwMode="auto">
           <a:xfrm>
-            <a:off x="5969000" y="-23813"/>
-            <a:ext cx="419100" cy="3668713"/>
+            <a:off x="355600" y="4397375"/>
+            <a:ext cx="774700" cy="787400"/>
           </a:xfrm>
           <a:prstGeom prst="rect">
             <a:avLst/>
@@ -17227,7 +17886,7 @@
       </p:pic>
       <p:pic>
         <p:nvPicPr>
-          <p:cNvPr id="21511" name="Picture 7" descr="12-3"/>
+          <p:cNvPr id="8198" name="Picture 6" descr="5-6"/>
           <p:cNvPicPr>
             <a:picLocks noChangeAspect="1" noChangeArrowheads="1"/>
           </p:cNvPicPr>
@@ -17248,8 +17907,8 @@
         </p:blipFill>
         <p:spPr bwMode="auto">
           <a:xfrm>
-            <a:off x="6318250" y="3162300"/>
-            <a:ext cx="1296988" cy="449263"/>
+            <a:off x="3746500" y="1330325"/>
+            <a:ext cx="776288" cy="788988"/>
           </a:xfrm>
           <a:prstGeom prst="rect">
             <a:avLst/>
@@ -17281,178 +17940,260 @@
       </p:pic>
       <p:sp>
         <p:nvSpPr>
-          <p:cNvPr id="27655" name="TextBox 1"/>
-          <p:cNvSpPr txBox="1">
-            <a:spLocks noChangeArrowheads="1"/>
-          </p:cNvSpPr>
+          <p:cNvPr id="16391" name="Text Box 7"/>
+          <p:cNvSpPr txBox="1"/>
           <p:nvPr/>
         </p:nvSpPr>
-        <p:spPr bwMode="auto">
+        <p:spPr>
           <a:xfrm>
-            <a:off x="4075113" y="3136900"/>
-            <a:ext cx="1724025" cy="423863"/>
+            <a:off x="742950" y="1300903"/>
+            <a:ext cx="3568700" cy="2197525"/>
           </a:xfrm>
           <a:prstGeom prst="rect">
             <a:avLst/>
           </a:prstGeom>
           <a:noFill/>
-          <a:ln>
+          <a:ln w="9525">
             <a:noFill/>
           </a:ln>
-          <a:extLst>
-            <a:ext uri="{909E8E84-426E-40DD-AFC4-6F175D3DCCD1}">
-              <a14:hiddenFill xmlns:a14="http://schemas.microsoft.com/office/drawing/2010/main">
-                <a:solidFill>
-                  <a:srgbClr val="FFFFFF"/>
-                </a:solidFill>
-              </a14:hiddenFill>
-            </a:ext>
-            <a:ext uri="{91240B29-F687-4F45-9708-019B960494DF}">
-              <a14:hiddenLine xmlns:a14="http://schemas.microsoft.com/office/drawing/2010/main" w="9525">
-                <a:solidFill>
-                  <a:srgbClr val="000000"/>
-                </a:solidFill>
-                <a:miter lim="800000"/>
-                <a:headEnd/>
-                <a:tailEnd/>
-              </a14:hiddenLine>
-            </a:ext>
-          </a:extLst>
-        </p:spPr>
-        <p:txBody>
-          <a:bodyPr wrap="none">
+        </p:spPr>
+        <p:txBody>
+          <a:bodyPr>
             <a:spAutoFit/>
           </a:bodyPr>
           <a:lstStyle>
-            <a:lvl1pPr eaLnBrk="0" hangingPunct="0">
-              <a:defRPr>
-                <a:solidFill>
-                  <a:schemeClr val="tx1"/>
-                </a:solidFill>
-                <a:latin typeface="Calibri" panose="020F0502020204030204" pitchFamily="34" charset="0"/>
-                <a:ea typeface="宋体" panose="02010600030101010101" pitchFamily="2" charset="-122"/>
-              </a:defRPr>
-            </a:lvl1pPr>
-            <a:lvl2pPr marL="742950" indent="-285750" eaLnBrk="0" hangingPunct="0">
-              <a:defRPr>
-                <a:solidFill>
-                  <a:schemeClr val="tx1"/>
-                </a:solidFill>
-                <a:latin typeface="Calibri" panose="020F0502020204030204" pitchFamily="34" charset="0"/>
-                <a:ea typeface="宋体" panose="02010600030101010101" pitchFamily="2" charset="-122"/>
-              </a:defRPr>
-            </a:lvl2pPr>
-            <a:lvl3pPr marL="1143000" indent="-228600" eaLnBrk="0" hangingPunct="0">
-              <a:defRPr>
-                <a:solidFill>
-                  <a:schemeClr val="tx1"/>
-                </a:solidFill>
-                <a:latin typeface="Calibri" panose="020F0502020204030204" pitchFamily="34" charset="0"/>
-                <a:ea typeface="宋体" panose="02010600030101010101" pitchFamily="2" charset="-122"/>
-              </a:defRPr>
-            </a:lvl3pPr>
-            <a:lvl4pPr marL="1600200" indent="-228600" eaLnBrk="0" hangingPunct="0">
-              <a:defRPr>
-                <a:solidFill>
-                  <a:schemeClr val="tx1"/>
-                </a:solidFill>
-                <a:latin typeface="Calibri" panose="020F0502020204030204" pitchFamily="34" charset="0"/>
-                <a:ea typeface="宋体" panose="02010600030101010101" pitchFamily="2" charset="-122"/>
-              </a:defRPr>
-            </a:lvl4pPr>
-            <a:lvl5pPr marL="2057400" indent="-228600" eaLnBrk="0" hangingPunct="0">
-              <a:defRPr>
-                <a:solidFill>
-                  <a:schemeClr val="tx1"/>
-                </a:solidFill>
-                <a:latin typeface="Calibri" panose="020F0502020204030204" pitchFamily="34" charset="0"/>
-                <a:ea typeface="宋体" panose="02010600030101010101" pitchFamily="2" charset="-122"/>
-              </a:defRPr>
-            </a:lvl5pPr>
-            <a:lvl6pPr marL="2514600" indent="-228600" eaLnBrk="0" fontAlgn="base" hangingPunct="0">
+            <a:lvl1pPr marL="228600" indent="-228600" algn="l" rtl="0" eaLnBrk="0" fontAlgn="base" hangingPunct="0">
+              <a:lnSpc>
+                <a:spcPct val="90000"/>
+              </a:lnSpc>
               <a:spcBef>
-                <a:spcPct val="0"/>
+                <a:spcPct val="30000"/>
               </a:spcBef>
               <a:spcAft>
                 <a:spcPct val="0"/>
               </a:spcAft>
               <a:buFont typeface="Arial" panose="020B0604020202020204" pitchFamily="34" charset="0"/>
-              <a:defRPr>
+              <a:buChar char="•"/>
+              <a:defRPr sz="2800">
                 <a:solidFill>
                   <a:schemeClr val="tx1"/>
                 </a:solidFill>
-                <a:latin typeface="Calibri" panose="020F0502020204030204" pitchFamily="34" charset="0"/>
-                <a:ea typeface="宋体" panose="02010600030101010101" pitchFamily="2" charset="-122"/>
+                <a:latin typeface="+mn-lt"/>
+                <a:ea typeface="+mn-ea"/>
+                <a:cs typeface="+mn-cs"/>
               </a:defRPr>
-            </a:lvl6pPr>
-            <a:lvl7pPr marL="2971800" indent="-228600" eaLnBrk="0" fontAlgn="base" hangingPunct="0">
+            </a:lvl1pPr>
+            <a:lvl2pPr marL="685800" indent="-228600" algn="l" rtl="0" eaLnBrk="0" fontAlgn="base" hangingPunct="0">
+              <a:lnSpc>
+                <a:spcPct val="90000"/>
+              </a:lnSpc>
               <a:spcBef>
-                <a:spcPct val="0"/>
+                <a:spcPct val="30000"/>
               </a:spcBef>
               <a:spcAft>
                 <a:spcPct val="0"/>
               </a:spcAft>
               <a:buFont typeface="Arial" panose="020B0604020202020204" pitchFamily="34" charset="0"/>
-              <a:defRPr>
+              <a:buChar char="•"/>
+              <a:defRPr sz="2400">
                 <a:solidFill>
                   <a:schemeClr val="tx1"/>
                 </a:solidFill>
-                <a:latin typeface="Calibri" panose="020F0502020204030204" pitchFamily="34" charset="0"/>
-                <a:ea typeface="宋体" panose="02010600030101010101" pitchFamily="2" charset="-122"/>
+                <a:latin typeface="+mn-lt"/>
+                <a:ea typeface="+mn-ea"/>
               </a:defRPr>
-            </a:lvl7pPr>
-            <a:lvl8pPr marL="3429000" indent="-228600" eaLnBrk="0" fontAlgn="base" hangingPunct="0">
+            </a:lvl2pPr>
+            <a:lvl3pPr marL="1143000" indent="-228600" algn="l" rtl="0" eaLnBrk="0" fontAlgn="base" hangingPunct="0">
+              <a:lnSpc>
+                <a:spcPct val="90000"/>
+              </a:lnSpc>
               <a:spcBef>
-                <a:spcPct val="0"/>
+                <a:spcPct val="30000"/>
               </a:spcBef>
               <a:spcAft>
                 <a:spcPct val="0"/>
               </a:spcAft>
               <a:buFont typeface="Arial" panose="020B0604020202020204" pitchFamily="34" charset="0"/>
-              <a:defRPr>
+              <a:buChar char="•"/>
+              <a:defRPr sz="2000">
                 <a:solidFill>
                   <a:schemeClr val="tx1"/>
                 </a:solidFill>
-                <a:latin typeface="Calibri" panose="020F0502020204030204" pitchFamily="34" charset="0"/>
-                <a:ea typeface="宋体" panose="02010600030101010101" pitchFamily="2" charset="-122"/>
+                <a:latin typeface="+mn-lt"/>
+                <a:ea typeface="+mn-ea"/>
               </a:defRPr>
-            </a:lvl8pPr>
-            <a:lvl9pPr marL="3886200" indent="-228600" eaLnBrk="0" fontAlgn="base" hangingPunct="0">
+            </a:lvl3pPr>
+            <a:lvl4pPr marL="1600200" indent="-228600" algn="l" rtl="0" eaLnBrk="0" fontAlgn="base" hangingPunct="0">
+              <a:lnSpc>
+                <a:spcPct val="90000"/>
+              </a:lnSpc>
               <a:spcBef>
-                <a:spcPct val="0"/>
+                <a:spcPct val="30000"/>
               </a:spcBef>
               <a:spcAft>
                 <a:spcPct val="0"/>
               </a:spcAft>
               <a:buFont typeface="Arial" panose="020B0604020202020204" pitchFamily="34" charset="0"/>
-              <a:defRPr>
+              <a:buChar char="•"/>
+              <a:defRPr sz="2000">
                 <a:solidFill>
                   <a:schemeClr val="tx1"/>
                 </a:solidFill>
-                <a:latin typeface="Calibri" panose="020F0502020204030204" pitchFamily="34" charset="0"/>
-                <a:ea typeface="宋体" panose="02010600030101010101" pitchFamily="2" charset="-122"/>
+                <a:latin typeface="+mn-lt"/>
+                <a:ea typeface="+mn-ea"/>
               </a:defRPr>
-            </a:lvl9pPr>
-          </a:lstStyle>
-          <a:p>
-            <a:pPr eaLnBrk="1">
+            </a:lvl4pPr>
+            <a:lvl5pPr marL="2057400" indent="-228600" algn="l" rtl="0" eaLnBrk="0" fontAlgn="base" hangingPunct="0">
               <a:lnSpc>
                 <a:spcPct val="90000"/>
               </a:lnSpc>
+              <a:spcBef>
+                <a:spcPct val="30000"/>
+              </a:spcBef>
+              <a:spcAft>
+                <a:spcPct val="0"/>
+              </a:spcAft>
+              <a:buFont typeface="Arial" panose="020B0604020202020204" pitchFamily="34" charset="0"/>
+              <a:buChar char="•"/>
+              <a:defRPr sz="2000">
+                <a:solidFill>
+                  <a:schemeClr val="tx1"/>
+                </a:solidFill>
+                <a:latin typeface="+mn-lt"/>
+                <a:ea typeface="+mn-ea"/>
+              </a:defRPr>
+            </a:lvl5pPr>
+          </a:lstStyle>
+          <a:p>
+            <a:pPr marL="0" indent="0" eaLnBrk="1">
+              <a:spcBef>
+                <a:spcPct val="0"/>
+              </a:spcBef>
+              <a:buFont typeface="Arial" panose="020B0604020202020204" pitchFamily="34" charset="0"/>
+              <a:buNone/>
+              <a:defRPr/>
             </a:pPr>
             <a:r>
-              <a:rPr lang="zh-CN" altLang="en-US" sz="2400" b="1">
+              <a:rPr lang="zh-CN" altLang="en-US" sz="2400" b="1" noProof="1">
                 <a:solidFill>
                   <a:srgbClr val="777777"/>
                 </a:solidFill>
                 <a:ea typeface="微软雅黑" panose="020B0503020204020204" pitchFamily="34" charset="-122"/>
               </a:rPr>
-              <a:t>谢谢观看！</a:t>
-            </a:r>
+              <a:t>功能</a:t>
+            </a:r>
+            <a:r>
+              <a:rPr lang="en-US" altLang="zh-CN" sz="2400" b="1" noProof="1">
+                <a:solidFill>
+                  <a:srgbClr val="777777"/>
+                </a:solidFill>
+                <a:ea typeface="微软雅黑" panose="020B0503020204020204" pitchFamily="34" charset="-122"/>
+              </a:rPr>
+              <a:t>2</a:t>
+            </a:r>
+            <a:r>
+              <a:rPr lang="zh-CN" altLang="en-US" sz="2400" b="1" noProof="1">
+                <a:solidFill>
+                  <a:srgbClr val="777777"/>
+                </a:solidFill>
+                <a:ea typeface="微软雅黑" panose="020B0503020204020204" pitchFamily="34" charset="-122"/>
+              </a:rPr>
+              <a:t>：</a:t>
+            </a:r>
+          </a:p>
+          <a:p>
+            <a:pPr marL="0" indent="0" eaLnBrk="1">
+              <a:spcBef>
+                <a:spcPct val="0"/>
+              </a:spcBef>
+              <a:buFont typeface="Arial" panose="020B0604020202020204" pitchFamily="34" charset="0"/>
+              <a:buNone/>
+              <a:defRPr/>
+            </a:pPr>
+            <a:r>
+              <a:rPr lang="zh-CN" altLang="en-US" sz="2400" b="1" dirty="0">
+                <a:solidFill>
+                  <a:srgbClr val="777777"/>
+                </a:solidFill>
+                <a:ea typeface="微软雅黑" panose="020B0503020204020204" pitchFamily="34" charset="-122"/>
+              </a:rPr>
+              <a:t>单词听写（常智裕）：</a:t>
+            </a:r>
+            <a:endParaRPr lang="en-US" altLang="zh-CN" sz="2400" b="1" dirty="0">
+              <a:solidFill>
+                <a:srgbClr val="777777"/>
+              </a:solidFill>
+              <a:ea typeface="微软雅黑" panose="020B0503020204020204" pitchFamily="34" charset="-122"/>
+            </a:endParaRPr>
+          </a:p>
+          <a:p>
+            <a:pPr marL="0" indent="0" eaLnBrk="1">
+              <a:spcBef>
+                <a:spcPct val="0"/>
+              </a:spcBef>
+              <a:buFont typeface="Arial" panose="020B0604020202020204" pitchFamily="34" charset="0"/>
+              <a:buNone/>
+              <a:defRPr/>
+            </a:pPr>
+            <a:endParaRPr lang="en-US" altLang="zh-CN" sz="2400" b="1" dirty="0">
+              <a:solidFill>
+                <a:srgbClr val="777777"/>
+              </a:solidFill>
+              <a:ea typeface="微软雅黑" panose="020B0503020204020204" pitchFamily="34" charset="-122"/>
+            </a:endParaRPr>
+          </a:p>
+          <a:p>
+            <a:pPr marL="342900" indent="-342900" eaLnBrk="1">
+              <a:spcBef>
+                <a:spcPct val="0"/>
+              </a:spcBef>
+              <a:buFont typeface="Wingdings" panose="05000000000000000000" charset="0"/>
+              <a:buChar char="Ø"/>
+              <a:defRPr/>
+            </a:pPr>
+            <a:r>
+              <a:rPr lang="en-US" altLang="zh-CN" sz="1600" b="1" noProof="1">
+                <a:solidFill>
+                  <a:srgbClr val="777777"/>
+                </a:solidFill>
+                <a:ea typeface="微软雅黑" panose="020B0503020204020204" pitchFamily="34" charset="-122"/>
+              </a:rPr>
+              <a:t>  </a:t>
+            </a:r>
+            <a:r>
+              <a:rPr lang="zh-CN" altLang="en-US" sz="1600" b="1" dirty="0">
+                <a:solidFill>
+                  <a:srgbClr val="777777"/>
+                </a:solidFill>
+                <a:ea typeface="微软雅黑" panose="020B0503020204020204" pitchFamily="34" charset="-122"/>
+              </a:rPr>
+              <a:t>  随机获取词库中已有的中文释义并将其打印出来，用户需要正确并写出单词。系统会自动判断对错</a:t>
+            </a:r>
+          </a:p>
+          <a:p>
+            <a:pPr marL="285750" indent="-285750" eaLnBrk="1">
+              <a:spcBef>
+                <a:spcPct val="0"/>
+              </a:spcBef>
+              <a:buFont typeface="Wingdings" panose="05000000000000000000" charset="0"/>
+              <a:buChar char="Ø"/>
+              <a:defRPr/>
+            </a:pPr>
+            <a:endParaRPr lang="zh-CN" altLang="en-US" sz="1600" b="1" dirty="0">
+              <a:solidFill>
+                <a:srgbClr val="777777"/>
+              </a:solidFill>
+              <a:ea typeface="微软雅黑" panose="020B0503020204020204" pitchFamily="34" charset="-122"/>
+            </a:endParaRPr>
           </a:p>
         </p:txBody>
       </p:sp>
     </p:spTree>
+    <p:extLst>
+      <p:ext uri="{BB962C8B-B14F-4D97-AF65-F5344CB8AC3E}">
+        <p14:creationId xmlns:p14="http://schemas.microsoft.com/office/powerpoint/2010/main" val="2733817632"/>
+      </p:ext>
+    </p:extLst>
   </p:cSld>
   <p:clrMapOvr>
     <a:masterClrMapping/>
@@ -17494,7 +18235,7 @@
                                           </p:stCondLst>
                                         </p:cTn>
                                         <p:tgtEl>
-                                          <p:spTgt spid="21508"/>
+                                          <p:spTgt spid="16388"/>
                                         </p:tgtEl>
                                         <p:attrNameLst>
                                           <p:attrName>style.visibility</p:attrName>
@@ -17508,7 +18249,7 @@
                                       <p:cBhvr>
                                         <p:cTn id="7" dur="500" fill="hold"/>
                                         <p:tgtEl>
-                                          <p:spTgt spid="21508"/>
+                                          <p:spTgt spid="16388"/>
                                         </p:tgtEl>
                                         <p:attrNameLst>
                                           <p:attrName>ppt_x</p:attrName>
@@ -17531,7 +18272,7 @@
                                       <p:cBhvr>
                                         <p:cTn id="8" dur="500" fill="hold"/>
                                         <p:tgtEl>
-                                          <p:spTgt spid="21508"/>
+                                          <p:spTgt spid="16388"/>
                                         </p:tgtEl>
                                         <p:attrNameLst>
                                           <p:attrName>ppt_y</p:attrName>
@@ -17554,7 +18295,7 @@
                                       <p:cBhvr>
                                         <p:cTn id="9" dur="500"/>
                                         <p:tgtEl>
-                                          <p:spTgt spid="21508"/>
+                                          <p:spTgt spid="16388"/>
                                         </p:tgtEl>
                                       </p:cBhvr>
                                     </p:animEffect>
@@ -17575,7 +18316,7 @@
                                           </p:stCondLst>
                                         </p:cTn>
                                         <p:tgtEl>
-                                          <p:spTgt spid="21507"/>
+                                          <p:spTgt spid="16387"/>
                                         </p:tgtEl>
                                         <p:attrNameLst>
                                           <p:attrName>style.visibility</p:attrName>
@@ -17589,7 +18330,7 @@
                                       <p:cBhvr>
                                         <p:cTn id="12" dur="500"/>
                                         <p:tgtEl>
-                                          <p:spTgt spid="21507"/>
+                                          <p:spTgt spid="16387"/>
                                         </p:tgtEl>
                                       </p:cBhvr>
                                     </p:animEffect>
@@ -17597,7 +18338,7 @@
                                       <p:cBhvr>
                                         <p:cTn id="13" dur="500" fill="hold"/>
                                         <p:tgtEl>
-                                          <p:spTgt spid="21507"/>
+                                          <p:spTgt spid="16387"/>
                                         </p:tgtEl>
                                         <p:attrNameLst>
                                           <p:attrName>ppt_x</p:attrName>
@@ -17620,7 +18361,7 @@
                                       <p:cBhvr>
                                         <p:cTn id="14" dur="500" fill="hold"/>
                                         <p:tgtEl>
-                                          <p:spTgt spid="21507"/>
+                                          <p:spTgt spid="16387"/>
                                         </p:tgtEl>
                                         <p:attrNameLst>
                                           <p:attrName>ppt_y</p:attrName>
@@ -17642,30 +18383,21 @@
                                   </p:childTnLst>
                                 </p:cTn>
                               </p:par>
-                            </p:childTnLst>
-                          </p:cTn>
-                        </p:par>
-                        <p:par>
-                          <p:cTn id="15" fill="hold" nodeType="afterGroup">
-                            <p:stCondLst>
-                              <p:cond delay="500"/>
-                            </p:stCondLst>
-                            <p:childTnLst>
                               <p:par>
-                                <p:cTn id="16" presetID="37" presetClass="entr" presetSubtype="0" fill="hold" nodeType="afterEffect">
+                                <p:cTn id="15" presetID="10" presetClass="entr" presetSubtype="0" fill="hold" grpId="0" nodeType="withEffect">
                                   <p:stCondLst>
-                                    <p:cond delay="0"/>
+                                    <p:cond delay="500"/>
                                   </p:stCondLst>
                                   <p:childTnLst>
                                     <p:set>
                                       <p:cBhvr>
-                                        <p:cTn id="17" dur="1" fill="hold">
+                                        <p:cTn id="16" dur="1" fill="hold">
                                           <p:stCondLst>
                                             <p:cond delay="0"/>
                                           </p:stCondLst>
                                         </p:cTn>
                                         <p:tgtEl>
-                                          <p:spTgt spid="21509"/>
+                                          <p:spTgt spid="16391"/>
                                         </p:tgtEl>
                                         <p:attrNameLst>
                                           <p:attrName>style.visibility</p:attrName>
@@ -17677,117 +18409,9 @@
                                     </p:set>
                                     <p:animEffect transition="in" filter="fade">
                                       <p:cBhvr>
-                                        <p:cTn id="18" dur="500"/>
+                                        <p:cTn id="17" dur="500"/>
                                         <p:tgtEl>
-                                          <p:spTgt spid="21509"/>
-                                        </p:tgtEl>
-                                      </p:cBhvr>
-                                    </p:animEffect>
-                                    <p:anim calcmode="lin" valueType="num">
-                                      <p:cBhvr>
-                                        <p:cTn id="19" dur="500" fill="hold"/>
-                                        <p:tgtEl>
-                                          <p:spTgt spid="21509"/>
-                                        </p:tgtEl>
-                                        <p:attrNameLst>
-                                          <p:attrName>ppt_x</p:attrName>
-                                        </p:attrNameLst>
-                                      </p:cBhvr>
-                                      <p:tavLst>
-                                        <p:tav tm="0">
-                                          <p:val>
-                                            <p:strVal val="#ppt_x"/>
-                                          </p:val>
-                                        </p:tav>
-                                        <p:tav tm="100000">
-                                          <p:val>
-                                            <p:strVal val="#ppt_x"/>
-                                          </p:val>
-                                        </p:tav>
-                                      </p:tavLst>
-                                    </p:anim>
-                                    <p:anim calcmode="lin" valueType="num">
-                                      <p:cBhvr>
-                                        <p:cTn id="20" dur="450" decel="100000" fill="hold"/>
-                                        <p:tgtEl>
-                                          <p:spTgt spid="21509"/>
-                                        </p:tgtEl>
-                                        <p:attrNameLst>
-                                          <p:attrName>ppt_y</p:attrName>
-                                        </p:attrNameLst>
-                                      </p:cBhvr>
-                                      <p:tavLst>
-                                        <p:tav tm="0">
-                                          <p:val>
-                                            <p:strVal val="#ppt_y+1"/>
-                                          </p:val>
-                                        </p:tav>
-                                        <p:tav tm="100000">
-                                          <p:val>
-                                            <p:strVal val="#ppt_y-.03"/>
-                                          </p:val>
-                                        </p:tav>
-                                      </p:tavLst>
-                                    </p:anim>
-                                    <p:anim calcmode="lin" valueType="num">
-                                      <p:cBhvr>
-                                        <p:cTn id="21" dur="50" accel="100000" fill="hold">
-                                          <p:stCondLst>
-                                            <p:cond delay="450"/>
-                                          </p:stCondLst>
-                                        </p:cTn>
-                                        <p:tgtEl>
-                                          <p:spTgt spid="21509"/>
-                                        </p:tgtEl>
-                                        <p:attrNameLst>
-                                          <p:attrName>ppt_y</p:attrName>
-                                        </p:attrNameLst>
-                                      </p:cBhvr>
-                                      <p:tavLst>
-                                        <p:tav tm="0">
-                                          <p:val>
-                                            <p:strVal val="#ppt_y-.03"/>
-                                          </p:val>
-                                        </p:tav>
-                                        <p:tav tm="100000">
-                                          <p:val>
-                                            <p:strVal val="#ppt_y"/>
-                                          </p:val>
-                                        </p:tav>
-                                      </p:tavLst>
-                                    </p:anim>
-                                  </p:childTnLst>
-                                </p:cTn>
-                              </p:par>
-                              <p:par>
-                                <p:cTn id="22" presetID="12" presetClass="entr" presetSubtype="8" fill="hold" nodeType="withEffect">
-                                  <p:stCondLst>
-                                    <p:cond delay="0"/>
-                                  </p:stCondLst>
-                                  <p:childTnLst>
-                                    <p:set>
-                                      <p:cBhvr>
-                                        <p:cTn id="23" dur="1" fill="hold">
-                                          <p:stCondLst>
-                                            <p:cond delay="0"/>
-                                          </p:stCondLst>
-                                        </p:cTn>
-                                        <p:tgtEl>
-                                          <p:spTgt spid="21511"/>
-                                        </p:tgtEl>
-                                        <p:attrNameLst>
-                                          <p:attrName>style.visibility</p:attrName>
-                                        </p:attrNameLst>
-                                      </p:cBhvr>
-                                      <p:to>
-                                        <p:strVal val="visible"/>
-                                      </p:to>
-                                    </p:set>
-                                    <p:animEffect transition="in" filter="slide(fromLeft)">
-                                      <p:cBhvr>
-                                        <p:cTn id="24" dur="500"/>
-                                        <p:tgtEl>
-                                          <p:spTgt spid="21511"/>
+                                          <p:spTgt spid="16391"/>
                                         </p:tgtEl>
                                       </p:cBhvr>
                                     </p:animEffect>
@@ -17821,7 +18445,323 @@
         </p:cTn>
       </p:par>
     </p:tnLst>
+    <p:bldLst>
+      <p:bldP spid="16391" grpId="0" bldLvl="0"/>
+    </p:bldLst>
   </p:timing>
+</p:sld>
+</file>
+
+<file path=ppt/slides/slide6.xml><?xml version="1.0" encoding="utf-8"?>
+<p:sld xmlns:a="http://schemas.openxmlformats.org/drawingml/2006/main" xmlns:r="http://schemas.openxmlformats.org/officeDocument/2006/relationships" xmlns:p="http://schemas.openxmlformats.org/presentationml/2006/main">
+  <p:cSld>
+    <p:spTree>
+      <p:nvGrpSpPr>
+        <p:cNvPr id="1" name=""/>
+        <p:cNvGrpSpPr/>
+        <p:nvPr/>
+      </p:nvGrpSpPr>
+      <p:grpSpPr>
+        <a:xfrm>
+          <a:off x="0" y="0"/>
+          <a:ext cx="0" cy="0"/>
+          <a:chOff x="0" y="0"/>
+          <a:chExt cx="0" cy="0"/>
+        </a:xfrm>
+      </p:grpSpPr>
+    </p:spTree>
+    <p:extLst>
+      <p:ext uri="{BB962C8B-B14F-4D97-AF65-F5344CB8AC3E}">
+        <p14:creationId xmlns:p14="http://schemas.microsoft.com/office/powerpoint/2010/main" val="3080008779"/>
+      </p:ext>
+    </p:extLst>
+  </p:cSld>
+  <p:clrMapOvr>
+    <a:masterClrMapping/>
+  </p:clrMapOvr>
+</p:sld>
+</file>
+
+<file path=ppt/slides/slide7.xml><?xml version="1.0" encoding="utf-8"?>
+<p:sld xmlns:a="http://schemas.openxmlformats.org/drawingml/2006/main" xmlns:r="http://schemas.openxmlformats.org/officeDocument/2006/relationships" xmlns:p="http://schemas.openxmlformats.org/presentationml/2006/main">
+  <p:cSld>
+    <p:spTree>
+      <p:nvGrpSpPr>
+        <p:cNvPr id="1" name=""/>
+        <p:cNvGrpSpPr/>
+        <p:nvPr/>
+      </p:nvGrpSpPr>
+      <p:grpSpPr>
+        <a:xfrm>
+          <a:off x="0" y="0"/>
+          <a:ext cx="0" cy="0"/>
+          <a:chOff x="0" y="0"/>
+          <a:chExt cx="0" cy="0"/>
+        </a:xfrm>
+      </p:grpSpPr>
+      <p:sp>
+        <p:nvSpPr>
+          <p:cNvPr id="2" name="文本框 1">
+            <a:extLst>
+              <a:ext uri="{FF2B5EF4-FFF2-40B4-BE49-F238E27FC236}">
+                <a16:creationId xmlns:a16="http://schemas.microsoft.com/office/drawing/2014/main" id="{B51FFF96-07FC-49AB-BBE7-EAB48C4859DD}"/>
+              </a:ext>
+            </a:extLst>
+          </p:cNvPr>
+          <p:cNvSpPr txBox="1"/>
+          <p:nvPr/>
+        </p:nvSpPr>
+        <p:spPr>
+          <a:xfrm rot="12434109" flipH="1" flipV="1">
+            <a:off x="4746070" y="3418606"/>
+            <a:ext cx="5611129" cy="830997"/>
+          </a:xfrm>
+          <a:prstGeom prst="rect">
+            <a:avLst/>
+          </a:prstGeom>
+          <a:noFill/>
+        </p:spPr>
+        <p:txBody>
+          <a:bodyPr wrap="square" rtlCol="0">
+            <a:spAutoFit/>
+          </a:bodyPr>
+          <a:lstStyle/>
+          <a:p>
+            <a:r>
+              <a:rPr lang="zh-CN" altLang="en-US" sz="4800" dirty="0"/>
+              <a:t>总结部分</a:t>
+            </a:r>
+          </a:p>
+        </p:txBody>
+      </p:sp>
+    </p:spTree>
+    <p:extLst>
+      <p:ext uri="{BB962C8B-B14F-4D97-AF65-F5344CB8AC3E}">
+        <p14:creationId xmlns:p14="http://schemas.microsoft.com/office/powerpoint/2010/main" val="375229243"/>
+      </p:ext>
+    </p:extLst>
+  </p:cSld>
+  <p:clrMapOvr>
+    <a:masterClrMapping/>
+  </p:clrMapOvr>
+</p:sld>
+</file>
+
+<file path=ppt/slides/slide8.xml><?xml version="1.0" encoding="utf-8"?>
+<p:sld xmlns:a="http://schemas.openxmlformats.org/drawingml/2006/main" xmlns:r="http://schemas.openxmlformats.org/officeDocument/2006/relationships" xmlns:p="http://schemas.openxmlformats.org/presentationml/2006/main">
+  <p:cSld>
+    <p:spTree>
+      <p:nvGrpSpPr>
+        <p:cNvPr id="1" name=""/>
+        <p:cNvGrpSpPr/>
+        <p:nvPr/>
+      </p:nvGrpSpPr>
+      <p:grpSpPr>
+        <a:xfrm>
+          <a:off x="0" y="0"/>
+          <a:ext cx="0" cy="0"/>
+          <a:chOff x="0" y="0"/>
+          <a:chExt cx="0" cy="0"/>
+        </a:xfrm>
+      </p:grpSpPr>
+      <p:sp>
+        <p:nvSpPr>
+          <p:cNvPr id="2" name="矩形 1">
+            <a:extLst>
+              <a:ext uri="{FF2B5EF4-FFF2-40B4-BE49-F238E27FC236}">
+                <a16:creationId xmlns:a16="http://schemas.microsoft.com/office/drawing/2014/main" id="{356BEA1B-EC87-4DCE-8132-0B967D4D22F1}"/>
+              </a:ext>
+            </a:extLst>
+          </p:cNvPr>
+          <p:cNvSpPr/>
+          <p:nvPr/>
+        </p:nvSpPr>
+        <p:spPr>
+          <a:xfrm>
+            <a:off x="218804" y="640080"/>
+            <a:ext cx="3185487" cy="369332"/>
+          </a:xfrm>
+          <a:prstGeom prst="rect">
+            <a:avLst/>
+          </a:prstGeom>
+        </p:spPr>
+        <p:txBody>
+          <a:bodyPr wrap="none">
+            <a:spAutoFit/>
+          </a:bodyPr>
+          <a:lstStyle/>
+          <a:p>
+            <a:r>
+              <a:rPr lang="zh-CN" altLang="en-US" b="1" noProof="1">
+                <a:solidFill>
+                  <a:srgbClr val="777777"/>
+                </a:solidFill>
+                <a:latin typeface="微软雅黑" panose="020B0503020204020204" pitchFamily="34" charset="-122"/>
+                <a:ea typeface="微软雅黑" panose="020B0503020204020204" pitchFamily="34" charset="-122"/>
+              </a:rPr>
+              <a:t>邢国浩的总结、体会、评价：</a:t>
+            </a:r>
+            <a:endParaRPr lang="zh-CN" altLang="en-US" dirty="0"/>
+          </a:p>
+        </p:txBody>
+      </p:sp>
+    </p:spTree>
+    <p:extLst>
+      <p:ext uri="{BB962C8B-B14F-4D97-AF65-F5344CB8AC3E}">
+        <p14:creationId xmlns:p14="http://schemas.microsoft.com/office/powerpoint/2010/main" val="834949214"/>
+      </p:ext>
+    </p:extLst>
+  </p:cSld>
+  <p:clrMapOvr>
+    <a:masterClrMapping/>
+  </p:clrMapOvr>
+</p:sld>
+</file>
+
+<file path=ppt/slides/slide9.xml><?xml version="1.0" encoding="utf-8"?>
+<p:sld xmlns:a="http://schemas.openxmlformats.org/drawingml/2006/main" xmlns:r="http://schemas.openxmlformats.org/officeDocument/2006/relationships" xmlns:p="http://schemas.openxmlformats.org/presentationml/2006/main">
+  <p:cSld>
+    <p:spTree>
+      <p:nvGrpSpPr>
+        <p:cNvPr id="1" name=""/>
+        <p:cNvGrpSpPr/>
+        <p:nvPr/>
+      </p:nvGrpSpPr>
+      <p:grpSpPr>
+        <a:xfrm>
+          <a:off x="0" y="0"/>
+          <a:ext cx="0" cy="0"/>
+          <a:chOff x="0" y="0"/>
+          <a:chExt cx="0" cy="0"/>
+        </a:xfrm>
+      </p:grpSpPr>
+      <p:sp>
+        <p:nvSpPr>
+          <p:cNvPr id="2" name="矩形 1">
+            <a:extLst>
+              <a:ext uri="{FF2B5EF4-FFF2-40B4-BE49-F238E27FC236}">
+                <a16:creationId xmlns:a16="http://schemas.microsoft.com/office/drawing/2014/main" id="{356BEA1B-EC87-4DCE-8132-0B967D4D22F1}"/>
+              </a:ext>
+            </a:extLst>
+          </p:cNvPr>
+          <p:cNvSpPr/>
+          <p:nvPr/>
+        </p:nvSpPr>
+        <p:spPr>
+          <a:xfrm>
+            <a:off x="218804" y="640080"/>
+            <a:ext cx="3185487" cy="369332"/>
+          </a:xfrm>
+          <a:prstGeom prst="rect">
+            <a:avLst/>
+          </a:prstGeom>
+        </p:spPr>
+        <p:txBody>
+          <a:bodyPr wrap="none">
+            <a:spAutoFit/>
+          </a:bodyPr>
+          <a:lstStyle/>
+          <a:p>
+            <a:r>
+              <a:rPr lang="zh-CN" altLang="en-US" b="1" noProof="1">
+                <a:solidFill>
+                  <a:srgbClr val="777777"/>
+                </a:solidFill>
+                <a:latin typeface="微软雅黑" panose="020B0503020204020204" pitchFamily="34" charset="-122"/>
+                <a:ea typeface="微软雅黑" panose="020B0503020204020204" pitchFamily="34" charset="-122"/>
+              </a:rPr>
+              <a:t>常智裕的总结、体会、评价：</a:t>
+            </a:r>
+            <a:endParaRPr lang="zh-CN" altLang="en-US" dirty="0"/>
+          </a:p>
+        </p:txBody>
+      </p:sp>
+      <p:sp>
+        <p:nvSpPr>
+          <p:cNvPr id="3" name="文本框 2">
+            <a:extLst>
+              <a:ext uri="{FF2B5EF4-FFF2-40B4-BE49-F238E27FC236}">
+                <a16:creationId xmlns:a16="http://schemas.microsoft.com/office/drawing/2014/main" id="{82A59AA0-51C5-4620-9101-508425FB679F}"/>
+              </a:ext>
+            </a:extLst>
+          </p:cNvPr>
+          <p:cNvSpPr txBox="1"/>
+          <p:nvPr/>
+        </p:nvSpPr>
+        <p:spPr>
+          <a:xfrm>
+            <a:off x="2139007" y="1566148"/>
+            <a:ext cx="6583680" cy="2585323"/>
+          </a:xfrm>
+          <a:prstGeom prst="rect">
+            <a:avLst/>
+          </a:prstGeom>
+          <a:noFill/>
+        </p:spPr>
+        <p:txBody>
+          <a:bodyPr wrap="square" rtlCol="0">
+            <a:spAutoFit/>
+          </a:bodyPr>
+          <a:lstStyle/>
+          <a:p>
+            <a:r>
+              <a:rPr lang="zh-CN" altLang="en-US" dirty="0"/>
+              <a:t>         在这几天的</a:t>
+            </a:r>
+            <a:r>
+              <a:rPr lang="en-US" altLang="zh-CN" dirty="0"/>
+              <a:t>c</a:t>
+            </a:r>
+            <a:r>
+              <a:rPr lang="zh-CN" altLang="en-US" dirty="0"/>
+              <a:t>语言实训中，我首先跟着老师复习了很多我理解到不到位的旧知识，如结构体链表。花费不少时间完成了作业之后能明显感到提升。</a:t>
+            </a:r>
+            <a:endParaRPr lang="en-US" altLang="zh-CN" dirty="0"/>
+          </a:p>
+          <a:p>
+            <a:r>
+              <a:rPr lang="en-US" altLang="zh-CN" dirty="0"/>
+              <a:t>         </a:t>
+            </a:r>
+            <a:r>
+              <a:rPr lang="zh-CN" altLang="en-US" dirty="0"/>
+              <a:t>之后便是学习制作个人项目报告，这是我第一次上手写这些东西，大概了解了流程，学会了画流程图的方法。</a:t>
+            </a:r>
+          </a:p>
+          <a:p>
+            <a:r>
+              <a:rPr lang="zh-CN" altLang="en-US" dirty="0"/>
+              <a:t>         最后便是学习使用</a:t>
+            </a:r>
+            <a:r>
+              <a:rPr lang="en-US" altLang="zh-CN" dirty="0"/>
+              <a:t>MFC</a:t>
+            </a:r>
+            <a:r>
+              <a:rPr lang="zh-CN" altLang="en-US" dirty="0"/>
+              <a:t>了。一开始我一头雾水，对他各种函数的调用和操作劝退了。后来经过老师讲解之后有种恍然大悟的感觉。然后经过漫长的</a:t>
+            </a:r>
+            <a:r>
+              <a:rPr lang="en-US" altLang="zh-CN" dirty="0"/>
+              <a:t>debug</a:t>
+            </a:r>
+            <a:r>
+              <a:rPr lang="zh-CN" altLang="en-US" dirty="0"/>
+              <a:t>时间终于自主万和城能了自己的功能模块，成功完成任务，没给小组拖后腿，我感到很高兴。</a:t>
+            </a:r>
+          </a:p>
+        </p:txBody>
+      </p:sp>
+    </p:spTree>
+    <p:extLst>
+      <p:ext uri="{BB962C8B-B14F-4D97-AF65-F5344CB8AC3E}">
+        <p14:creationId xmlns:p14="http://schemas.microsoft.com/office/powerpoint/2010/main" val="3786740947"/>
+      </p:ext>
+    </p:extLst>
+  </p:cSld>
+  <p:clrMapOvr>
+    <a:masterClrMapping/>
+  </p:clrMapOvr>
 </p:sld>
 </file>
 

--- a/项目答辩总ppt.pptx
+++ b/项目答辩总ppt.pptx
@@ -7,20 +7,21 @@
     <p:sldMasterId id="2147483652" r:id="rId3"/>
   </p:sldMasterIdLst>
   <p:notesMasterIdLst>
-    <p:notesMasterId r:id="rId15"/>
+    <p:notesMasterId r:id="rId16"/>
   </p:notesMasterIdLst>
   <p:sldIdLst>
     <p:sldId id="256" r:id="rId4"/>
     <p:sldId id="318" r:id="rId5"/>
     <p:sldId id="290" r:id="rId6"/>
-    <p:sldId id="295" r:id="rId7"/>
-    <p:sldId id="324" r:id="rId8"/>
-    <p:sldId id="320" r:id="rId9"/>
-    <p:sldId id="321" r:id="rId10"/>
-    <p:sldId id="319" r:id="rId11"/>
-    <p:sldId id="325" r:id="rId12"/>
-    <p:sldId id="322" r:id="rId13"/>
-    <p:sldId id="279" r:id="rId14"/>
+    <p:sldId id="326" r:id="rId7"/>
+    <p:sldId id="295" r:id="rId8"/>
+    <p:sldId id="324" r:id="rId9"/>
+    <p:sldId id="320" r:id="rId10"/>
+    <p:sldId id="321" r:id="rId11"/>
+    <p:sldId id="319" r:id="rId12"/>
+    <p:sldId id="325" r:id="rId13"/>
+    <p:sldId id="322" r:id="rId14"/>
+    <p:sldId id="279" r:id="rId15"/>
   </p:sldIdLst>
   <p:sldSz cx="12192000" cy="6858000"/>
   <p:notesSz cx="6858000" cy="9144000"/>
@@ -11723,6 +11724,153 @@
           <a:chExt cx="0" cy="0"/>
         </a:xfrm>
       </p:grpSpPr>
+      <p:sp>
+        <p:nvSpPr>
+          <p:cNvPr id="2" name="矩形 1">
+            <a:extLst>
+              <a:ext uri="{FF2B5EF4-FFF2-40B4-BE49-F238E27FC236}">
+                <a16:creationId xmlns:a16="http://schemas.microsoft.com/office/drawing/2014/main" id="{356BEA1B-EC87-4DCE-8132-0B967D4D22F1}"/>
+              </a:ext>
+            </a:extLst>
+          </p:cNvPr>
+          <p:cNvSpPr/>
+          <p:nvPr/>
+        </p:nvSpPr>
+        <p:spPr>
+          <a:xfrm>
+            <a:off x="218804" y="640080"/>
+            <a:ext cx="3185487" cy="369332"/>
+          </a:xfrm>
+          <a:prstGeom prst="rect">
+            <a:avLst/>
+          </a:prstGeom>
+        </p:spPr>
+        <p:txBody>
+          <a:bodyPr wrap="none">
+            <a:spAutoFit/>
+          </a:bodyPr>
+          <a:lstStyle/>
+          <a:p>
+            <a:r>
+              <a:rPr lang="zh-CN" altLang="en-US" b="1" noProof="1">
+                <a:solidFill>
+                  <a:srgbClr val="777777"/>
+                </a:solidFill>
+                <a:latin typeface="微软雅黑" panose="020B0503020204020204" pitchFamily="34" charset="-122"/>
+                <a:ea typeface="微软雅黑" panose="020B0503020204020204" pitchFamily="34" charset="-122"/>
+              </a:rPr>
+              <a:t>常智裕的总结、体会、评价：</a:t>
+            </a:r>
+            <a:endParaRPr lang="zh-CN" altLang="en-US" dirty="0"/>
+          </a:p>
+        </p:txBody>
+      </p:sp>
+      <p:sp>
+        <p:nvSpPr>
+          <p:cNvPr id="3" name="文本框 2">
+            <a:extLst>
+              <a:ext uri="{FF2B5EF4-FFF2-40B4-BE49-F238E27FC236}">
+                <a16:creationId xmlns:a16="http://schemas.microsoft.com/office/drawing/2014/main" id="{82A59AA0-51C5-4620-9101-508425FB679F}"/>
+              </a:ext>
+            </a:extLst>
+          </p:cNvPr>
+          <p:cNvSpPr txBox="1"/>
+          <p:nvPr/>
+        </p:nvSpPr>
+        <p:spPr>
+          <a:xfrm>
+            <a:off x="876693" y="1566148"/>
+            <a:ext cx="10246936" cy="2031325"/>
+          </a:xfrm>
+          <a:prstGeom prst="rect">
+            <a:avLst/>
+          </a:prstGeom>
+          <a:noFill/>
+        </p:spPr>
+        <p:txBody>
+          <a:bodyPr wrap="square" rtlCol="0">
+            <a:spAutoFit/>
+          </a:bodyPr>
+          <a:lstStyle/>
+          <a:p>
+            <a:r>
+              <a:rPr lang="zh-CN" altLang="en-US" dirty="0"/>
+              <a:t>         在这几天的</a:t>
+            </a:r>
+            <a:r>
+              <a:rPr lang="en-US" altLang="zh-CN" dirty="0"/>
+              <a:t>c</a:t>
+            </a:r>
+            <a:r>
+              <a:rPr lang="zh-CN" altLang="en-US" dirty="0"/>
+              <a:t>语言实训中，我首先跟着老师复习了很多我理解到不到位的旧知识，如结构体链表。花费不少时间完成了作业之后能明显感到提升。</a:t>
+            </a:r>
+            <a:endParaRPr lang="en-US" altLang="zh-CN" dirty="0"/>
+          </a:p>
+          <a:p>
+            <a:r>
+              <a:rPr lang="en-US" altLang="zh-CN" dirty="0"/>
+              <a:t>         </a:t>
+            </a:r>
+            <a:r>
+              <a:rPr lang="zh-CN" altLang="en-US" dirty="0"/>
+              <a:t>之后便是学习制作个人项目报告，这是我第一次上手写这些东西，大概了解了流程，学会了画流程图的方法。</a:t>
+            </a:r>
+          </a:p>
+          <a:p>
+            <a:r>
+              <a:rPr lang="zh-CN" altLang="en-US" dirty="0"/>
+              <a:t>         最后便是学习使用</a:t>
+            </a:r>
+            <a:r>
+              <a:rPr lang="en-US" altLang="zh-CN" dirty="0"/>
+              <a:t>MFC</a:t>
+            </a:r>
+            <a:r>
+              <a:rPr lang="zh-CN" altLang="en-US" dirty="0"/>
+              <a:t>了。一开始我一头雾水，对他各种函数的调用和操作劝退了。后来经过老师讲解之后有种恍然大悟的感觉。然后经过漫长的</a:t>
+            </a:r>
+            <a:r>
+              <a:rPr lang="en-US" altLang="zh-CN" dirty="0"/>
+              <a:t>debug</a:t>
+            </a:r>
+            <a:r>
+              <a:rPr lang="zh-CN" altLang="en-US" dirty="0"/>
+              <a:t>时间终于自主万和城能了自己的功能模块，成功完成任务，没给小组拖后腿，我感到很高兴。</a:t>
+            </a:r>
+          </a:p>
+        </p:txBody>
+      </p:sp>
+    </p:spTree>
+    <p:extLst>
+      <p:ext uri="{BB962C8B-B14F-4D97-AF65-F5344CB8AC3E}">
+        <p14:creationId xmlns:p14="http://schemas.microsoft.com/office/powerpoint/2010/main" val="3786740947"/>
+      </p:ext>
+    </p:extLst>
+  </p:cSld>
+  <p:clrMapOvr>
+    <a:masterClrMapping/>
+  </p:clrMapOvr>
+</p:sld>
+</file>
+
+<file path=ppt/slides/slide11.xml><?xml version="1.0" encoding="utf-8"?>
+<p:sld xmlns:a="http://schemas.openxmlformats.org/drawingml/2006/main" xmlns:r="http://schemas.openxmlformats.org/officeDocument/2006/relationships" xmlns:p="http://schemas.openxmlformats.org/presentationml/2006/main">
+  <p:cSld>
+    <p:spTree>
+      <p:nvGrpSpPr>
+        <p:cNvPr id="1" name=""/>
+        <p:cNvGrpSpPr/>
+        <p:nvPr/>
+      </p:nvGrpSpPr>
+      <p:grpSpPr>
+        <a:xfrm>
+          <a:off x="0" y="0"/>
+          <a:ext cx="0" cy="0"/>
+          <a:chOff x="0" y="0"/>
+          <a:chExt cx="0" cy="0"/>
+        </a:xfrm>
+      </p:grpSpPr>
     </p:spTree>
     <p:extLst>
       <p:ext uri="{BB962C8B-B14F-4D97-AF65-F5344CB8AC3E}">
@@ -11736,7 +11884,7 @@
 </p:sld>
 </file>
 
-<file path=ppt/slides/slide11.xml><?xml version="1.0" encoding="utf-8"?>
+<file path=ppt/slides/slide12.xml><?xml version="1.0" encoding="utf-8"?>
 <p:sld xmlns:a="http://schemas.openxmlformats.org/drawingml/2006/main" xmlns:r="http://schemas.openxmlformats.org/officeDocument/2006/relationships" xmlns:p="http://schemas.openxmlformats.org/presentationml/2006/main">
   <p:cSld>
     <p:spTree>
@@ -13631,7 +13779,7 @@
         </p:blipFill>
         <p:spPr bwMode="auto">
           <a:xfrm>
-            <a:off x="-11113" y="0"/>
+            <a:off x="-124235" y="0"/>
             <a:ext cx="12241213" cy="6881813"/>
           </a:xfrm>
           <a:prstGeom prst="rect">
@@ -13888,8 +14036,8 @@
         </p:nvSpPr>
         <p:spPr bwMode="auto">
           <a:xfrm>
-            <a:off x="682625" y="1624013"/>
-            <a:ext cx="5376863" cy="3675493"/>
+            <a:off x="266700" y="1677489"/>
+            <a:ext cx="5376863" cy="3429272"/>
           </a:xfrm>
           <a:prstGeom prst="rect">
             <a:avLst/>
@@ -14048,53 +14196,12 @@
               </a:rPr>
               <a:t>熊伟</a:t>
             </a:r>
-            <a:r>
-              <a:rPr lang="zh-CN" altLang="en-US" sz="1400" dirty="0">
-                <a:solidFill>
-                  <a:srgbClr val="777777"/>
-                </a:solidFill>
-                <a:ea typeface="微软雅黑" panose="020B0503020204020204" pitchFamily="34" charset="-122"/>
-              </a:rPr>
-              <a:t>搭建框架，建服务器，合并项目</a:t>
-            </a:r>
-          </a:p>
-          <a:p>
-            <a:pPr eaLnBrk="1">
-              <a:lnSpc>
-                <a:spcPct val="110000"/>
-              </a:lnSpc>
-            </a:pPr>
-            <a:endParaRPr lang="zh-CN" altLang="en-US" sz="1400" dirty="0">
+            <a:endParaRPr lang="en-US" altLang="zh-CN" sz="2400" b="1" dirty="0">
               <a:solidFill>
                 <a:srgbClr val="777777"/>
               </a:solidFill>
               <a:ea typeface="微软雅黑" panose="020B0503020204020204" pitchFamily="34" charset="-122"/>
             </a:endParaRPr>
-          </a:p>
-          <a:p>
-            <a:pPr eaLnBrk="1">
-              <a:lnSpc>
-                <a:spcPct val="90000"/>
-              </a:lnSpc>
-            </a:pPr>
-            <a:r>
-              <a:rPr lang="zh-CN" altLang="en-US" sz="2400" b="1" dirty="0">
-                <a:solidFill>
-                  <a:srgbClr val="777777"/>
-                </a:solidFill>
-                <a:ea typeface="微软雅黑" panose="020B0503020204020204" pitchFamily="34" charset="-122"/>
-              </a:rPr>
-              <a:t>贾聪</a:t>
-            </a:r>
-            <a:r>
-              <a:rPr lang="zh-CN" altLang="en-US" sz="1400" dirty="0">
-                <a:solidFill>
-                  <a:srgbClr val="777777"/>
-                </a:solidFill>
-                <a:ea typeface="微软雅黑" panose="020B0503020204020204" pitchFamily="34" charset="-122"/>
-              </a:rPr>
-              <a:t>商品加入购物车，获取购物车信息，购物车下单</a:t>
-            </a:r>
           </a:p>
           <a:p>
             <a:pPr eaLnBrk="1">
@@ -14122,26 +14229,14 @@
                 </a:solidFill>
                 <a:ea typeface="微软雅黑" panose="020B0503020204020204" pitchFamily="34" charset="-122"/>
               </a:rPr>
-              <a:t>樊阳</a:t>
-            </a:r>
-            <a:r>
-              <a:rPr lang="zh-CN" altLang="en-US" sz="1200" dirty="0">
-                <a:solidFill>
-                  <a:srgbClr val="777777"/>
-                </a:solidFill>
-                <a:ea typeface="微软雅黑" panose="020B0503020204020204" pitchFamily="34" charset="-122"/>
-              </a:rPr>
-              <a:t>        </a:t>
-            </a:r>
-            <a:r>
-              <a:rPr lang="zh-CN" altLang="en-US" sz="1400" dirty="0">
-                <a:solidFill>
-                  <a:srgbClr val="777777"/>
-                </a:solidFill>
-                <a:ea typeface="微软雅黑" panose="020B0503020204020204" pitchFamily="34" charset="-122"/>
-              </a:rPr>
-              <a:t>商品下单，查询订单信息，查看订单详细信息</a:t>
-            </a:r>
+              <a:t>贾聪</a:t>
+            </a:r>
+            <a:endParaRPr lang="en-US" altLang="zh-CN" sz="2400" b="1" dirty="0">
+              <a:solidFill>
+                <a:srgbClr val="777777"/>
+              </a:solidFill>
+              <a:ea typeface="微软雅黑" panose="020B0503020204020204" pitchFamily="34" charset="-122"/>
+            </a:endParaRPr>
           </a:p>
           <a:p>
             <a:pPr eaLnBrk="1">
@@ -14169,26 +14264,67 @@
                 </a:solidFill>
                 <a:ea typeface="微软雅黑" panose="020B0503020204020204" pitchFamily="34" charset="-122"/>
               </a:rPr>
-              <a:t>邢国浩</a:t>
-            </a:r>
-            <a:r>
-              <a:rPr lang="zh-CN" altLang="en-US" sz="1200" dirty="0">
+              <a:t>樊阳</a:t>
+            </a:r>
+            <a:endParaRPr lang="en-US" altLang="zh-CN" sz="2400" b="1" dirty="0">
+              <a:solidFill>
+                <a:srgbClr val="777777"/>
+              </a:solidFill>
+              <a:ea typeface="微软雅黑" panose="020B0503020204020204" pitchFamily="34" charset="-122"/>
+            </a:endParaRPr>
+          </a:p>
+          <a:p>
+            <a:pPr eaLnBrk="1">
+              <a:lnSpc>
+                <a:spcPct val="90000"/>
+              </a:lnSpc>
+            </a:pPr>
+            <a:endParaRPr lang="zh-CN" altLang="en-US" sz="1400" dirty="0">
+              <a:solidFill>
+                <a:srgbClr val="777777"/>
+              </a:solidFill>
+              <a:ea typeface="微软雅黑" panose="020B0503020204020204" pitchFamily="34" charset="-122"/>
+            </a:endParaRPr>
+          </a:p>
+          <a:p>
+            <a:pPr eaLnBrk="1">
+              <a:lnSpc>
+                <a:spcPct val="90000"/>
+              </a:lnSpc>
+            </a:pPr>
+            <a:r>
+              <a:rPr lang="zh-CN" altLang="en-US" sz="2400" b="1" dirty="0">
                 <a:solidFill>
                   <a:srgbClr val="777777"/>
                 </a:solidFill>
                 <a:ea typeface="微软雅黑" panose="020B0503020204020204" pitchFamily="34" charset="-122"/>
               </a:rPr>
-              <a:t>        </a:t>
-            </a:r>
-            <a:r>
-              <a:rPr lang="zh-CN" altLang="en-US" sz="1400" dirty="0">
-                <a:solidFill>
-                  <a:srgbClr val="777777"/>
+              <a:t>邢国浩    </a:t>
+            </a:r>
+            <a:r>
+              <a:rPr lang="en-US" altLang="zh-CN" b="1" dirty="0">
+                <a:solidFill>
+                  <a:srgbClr val="0070C0"/>
                 </a:solidFill>
                 <a:ea typeface="微软雅黑" panose="020B0503020204020204" pitchFamily="34" charset="-122"/>
               </a:rPr>
-              <a:t>用户登录，用户退出，修改密码</a:t>
-            </a:r>
+              <a:t>VIP</a:t>
+            </a:r>
+            <a:r>
+              <a:rPr lang="zh-CN" altLang="en-US" b="1" dirty="0">
+                <a:solidFill>
+                  <a:srgbClr val="0070C0"/>
+                </a:solidFill>
+                <a:ea typeface="微软雅黑" panose="020B0503020204020204" pitchFamily="34" charset="-122"/>
+              </a:rPr>
+              <a:t>用户登陆界面 总体界面连接</a:t>
+            </a:r>
+            <a:endParaRPr lang="zh-CN" altLang="en-US" dirty="0">
+              <a:solidFill>
+                <a:srgbClr val="777777"/>
+              </a:solidFill>
+              <a:ea typeface="微软雅黑" panose="020B0503020204020204" pitchFamily="34" charset="-122"/>
+            </a:endParaRPr>
           </a:p>
           <a:p>
             <a:pPr eaLnBrk="1">
@@ -14218,15 +14354,12 @@
               </a:rPr>
               <a:t>王锦祥</a:t>
             </a:r>
-            <a:r>
-              <a:rPr lang="zh-CN" altLang="en-US" sz="1200" dirty="0">
-                <a:solidFill>
-                  <a:srgbClr val="777777"/>
-                </a:solidFill>
-                <a:ea typeface="微软雅黑" panose="020B0503020204020204" pitchFamily="34" charset="-122"/>
-              </a:rPr>
-              <a:t>         显示商品列表，查询商品详情，根据关键字查询商品</a:t>
-            </a:r>
+            <a:endParaRPr lang="zh-CN" altLang="en-US" sz="1200" dirty="0">
+              <a:solidFill>
+                <a:srgbClr val="777777"/>
+              </a:solidFill>
+              <a:ea typeface="微软雅黑" panose="020B0503020204020204" pitchFamily="34" charset="-122"/>
+            </a:endParaRPr>
           </a:p>
           <a:p>
             <a:pPr eaLnBrk="1">
@@ -14256,31 +14389,6 @@
               </a:rPr>
               <a:t>常智裕</a:t>
             </a:r>
-            <a:r>
-              <a:rPr lang="zh-CN" altLang="en-US" sz="1200" dirty="0">
-                <a:solidFill>
-                  <a:srgbClr val="777777"/>
-                </a:solidFill>
-                <a:ea typeface="微软雅黑" panose="020B0503020204020204" pitchFamily="34" charset="-122"/>
-              </a:rPr>
-              <a:t>        </a:t>
-            </a:r>
-            <a:r>
-              <a:rPr lang="zh-CN" altLang="en-US" sz="1400" dirty="0">
-                <a:solidFill>
-                  <a:srgbClr val="777777"/>
-                </a:solidFill>
-                <a:ea typeface="微软雅黑" panose="020B0503020204020204" pitchFamily="34" charset="-122"/>
-              </a:rPr>
-              <a:t> 获取商品分类信息，查询指定商品类别的商品</a:t>
-            </a:r>
-          </a:p>
-          <a:p>
-            <a:pPr eaLnBrk="1">
-              <a:lnSpc>
-                <a:spcPct val="110000"/>
-              </a:lnSpc>
-            </a:pPr>
             <a:endParaRPr lang="zh-CN" altLang="en-US" sz="1200" dirty="0">
               <a:solidFill>
                 <a:srgbClr val="777777"/>
@@ -14308,565 +14416,6 @@
               </a:solidFill>
               <a:ea typeface="微软雅黑" panose="020B0503020204020204" pitchFamily="34" charset="-122"/>
             </a:endParaRPr>
-          </a:p>
-        </p:txBody>
-      </p:sp>
-      <p:pic>
-        <p:nvPicPr>
-          <p:cNvPr id="18440" name="Picture 8" descr="9-1"/>
-          <p:cNvPicPr>
-            <a:picLocks noChangeAspect="1" noChangeArrowheads="1"/>
-          </p:cNvPicPr>
-          <p:nvPr/>
-        </p:nvPicPr>
-        <p:blipFill>
-          <a:blip r:embed="rId7" cstate="email">
-            <a:extLst>
-              <a:ext uri="{28A0092B-C50C-407E-A947-70E740481C1C}">
-                <a14:useLocalDpi xmlns:a14="http://schemas.microsoft.com/office/drawing/2010/main"/>
-              </a:ext>
-            </a:extLst>
-          </a:blip>
-          <a:srcRect/>
-          <a:stretch>
-            <a:fillRect/>
-          </a:stretch>
-        </p:blipFill>
-        <p:spPr bwMode="auto">
-          <a:xfrm>
-            <a:off x="7610475" y="298450"/>
-            <a:ext cx="2724150" cy="3189288"/>
-          </a:xfrm>
-          <a:prstGeom prst="rect">
-            <a:avLst/>
-          </a:prstGeom>
-          <a:noFill/>
-          <a:ln>
-            <a:noFill/>
-          </a:ln>
-          <a:extLst>
-            <a:ext uri="{909E8E84-426E-40DD-AFC4-6F175D3DCCD1}">
-              <a14:hiddenFill xmlns:a14="http://schemas.microsoft.com/office/drawing/2010/main">
-                <a:solidFill>
-                  <a:srgbClr val="FFFFFF"/>
-                </a:solidFill>
-              </a14:hiddenFill>
-            </a:ext>
-            <a:ext uri="{91240B29-F687-4F45-9708-019B960494DF}">
-              <a14:hiddenLine xmlns:a14="http://schemas.microsoft.com/office/drawing/2010/main" w="9525">
-                <a:solidFill>
-                  <a:srgbClr val="000000"/>
-                </a:solidFill>
-                <a:miter lim="800000"/>
-                <a:headEnd/>
-                <a:tailEnd/>
-              </a14:hiddenLine>
-            </a:ext>
-          </a:extLst>
-        </p:spPr>
-      </p:pic>
-      <p:pic>
-        <p:nvPicPr>
-          <p:cNvPr id="18441" name="Picture 9" descr="9-1"/>
-          <p:cNvPicPr>
-            <a:picLocks noChangeAspect="1" noChangeArrowheads="1"/>
-          </p:cNvPicPr>
-          <p:nvPr/>
-        </p:nvPicPr>
-        <p:blipFill>
-          <a:blip r:embed="rId7" cstate="email">
-            <a:extLst>
-              <a:ext uri="{28A0092B-C50C-407E-A947-70E740481C1C}">
-                <a14:useLocalDpi xmlns:a14="http://schemas.microsoft.com/office/drawing/2010/main"/>
-              </a:ext>
-            </a:extLst>
-          </a:blip>
-          <a:srcRect/>
-          <a:stretch>
-            <a:fillRect/>
-          </a:stretch>
-        </p:blipFill>
-        <p:spPr bwMode="auto">
-          <a:xfrm>
-            <a:off x="6977063" y="3200400"/>
-            <a:ext cx="1676400" cy="1962150"/>
-          </a:xfrm>
-          <a:prstGeom prst="rect">
-            <a:avLst/>
-          </a:prstGeom>
-          <a:noFill/>
-          <a:ln>
-            <a:noFill/>
-          </a:ln>
-          <a:extLst>
-            <a:ext uri="{909E8E84-426E-40DD-AFC4-6F175D3DCCD1}">
-              <a14:hiddenFill xmlns:a14="http://schemas.microsoft.com/office/drawing/2010/main">
-                <a:solidFill>
-                  <a:srgbClr val="FFFFFF"/>
-                </a:solidFill>
-              </a14:hiddenFill>
-            </a:ext>
-            <a:ext uri="{91240B29-F687-4F45-9708-019B960494DF}">
-              <a14:hiddenLine xmlns:a14="http://schemas.microsoft.com/office/drawing/2010/main" w="9525">
-                <a:solidFill>
-                  <a:srgbClr val="000000"/>
-                </a:solidFill>
-                <a:miter lim="800000"/>
-                <a:headEnd/>
-                <a:tailEnd/>
-              </a14:hiddenLine>
-            </a:ext>
-          </a:extLst>
-        </p:spPr>
-      </p:pic>
-      <p:pic>
-        <p:nvPicPr>
-          <p:cNvPr id="18442" name="Picture 10" descr="9-1"/>
-          <p:cNvPicPr>
-            <a:picLocks noChangeAspect="1" noChangeArrowheads="1"/>
-          </p:cNvPicPr>
-          <p:nvPr/>
-        </p:nvPicPr>
-        <p:blipFill>
-          <a:blip r:embed="rId7" cstate="email">
-            <a:extLst>
-              <a:ext uri="{28A0092B-C50C-407E-A947-70E740481C1C}">
-                <a14:useLocalDpi xmlns:a14="http://schemas.microsoft.com/office/drawing/2010/main"/>
-              </a:ext>
-            </a:extLst>
-          </a:blip>
-          <a:srcRect/>
-          <a:stretch>
-            <a:fillRect/>
-          </a:stretch>
-        </p:blipFill>
-        <p:spPr bwMode="auto">
-          <a:xfrm>
-            <a:off x="9277350" y="3187700"/>
-            <a:ext cx="1676400" cy="1962150"/>
-          </a:xfrm>
-          <a:prstGeom prst="rect">
-            <a:avLst/>
-          </a:prstGeom>
-          <a:noFill/>
-          <a:ln>
-            <a:noFill/>
-          </a:ln>
-          <a:extLst>
-            <a:ext uri="{909E8E84-426E-40DD-AFC4-6F175D3DCCD1}">
-              <a14:hiddenFill xmlns:a14="http://schemas.microsoft.com/office/drawing/2010/main">
-                <a:solidFill>
-                  <a:srgbClr val="FFFFFF"/>
-                </a:solidFill>
-              </a14:hiddenFill>
-            </a:ext>
-            <a:ext uri="{91240B29-F687-4F45-9708-019B960494DF}">
-              <a14:hiddenLine xmlns:a14="http://schemas.microsoft.com/office/drawing/2010/main" w="9525">
-                <a:solidFill>
-                  <a:srgbClr val="000000"/>
-                </a:solidFill>
-                <a:miter lim="800000"/>
-                <a:headEnd/>
-                <a:tailEnd/>
-              </a14:hiddenLine>
-            </a:ext>
-          </a:extLst>
-        </p:spPr>
-      </p:pic>
-      <p:pic>
-        <p:nvPicPr>
-          <p:cNvPr id="18443" name="Picture 11" descr="9-2"/>
-          <p:cNvPicPr>
-            <a:picLocks noChangeAspect="1" noChangeArrowheads="1"/>
-          </p:cNvPicPr>
-          <p:nvPr/>
-        </p:nvPicPr>
-        <p:blipFill>
-          <a:blip r:embed="rId8" cstate="email">
-            <a:extLst>
-              <a:ext uri="{28A0092B-C50C-407E-A947-70E740481C1C}">
-                <a14:useLocalDpi xmlns:a14="http://schemas.microsoft.com/office/drawing/2010/main"/>
-              </a:ext>
-            </a:extLst>
-          </a:blip>
-          <a:srcRect/>
-          <a:stretch>
-            <a:fillRect/>
-          </a:stretch>
-        </p:blipFill>
-        <p:spPr bwMode="auto">
-          <a:xfrm>
-            <a:off x="6626225" y="4975225"/>
-            <a:ext cx="957263" cy="1187450"/>
-          </a:xfrm>
-          <a:prstGeom prst="rect">
-            <a:avLst/>
-          </a:prstGeom>
-          <a:noFill/>
-          <a:ln>
-            <a:noFill/>
-          </a:ln>
-          <a:extLst>
-            <a:ext uri="{909E8E84-426E-40DD-AFC4-6F175D3DCCD1}">
-              <a14:hiddenFill xmlns:a14="http://schemas.microsoft.com/office/drawing/2010/main">
-                <a:solidFill>
-                  <a:srgbClr val="FFFFFF"/>
-                </a:solidFill>
-              </a14:hiddenFill>
-            </a:ext>
-            <a:ext uri="{91240B29-F687-4F45-9708-019B960494DF}">
-              <a14:hiddenLine xmlns:a14="http://schemas.microsoft.com/office/drawing/2010/main" w="9525">
-                <a:solidFill>
-                  <a:srgbClr val="000000"/>
-                </a:solidFill>
-                <a:miter lim="800000"/>
-                <a:headEnd/>
-                <a:tailEnd/>
-              </a14:hiddenLine>
-            </a:ext>
-          </a:extLst>
-        </p:spPr>
-      </p:pic>
-      <p:pic>
-        <p:nvPicPr>
-          <p:cNvPr id="18444" name="Picture 12" descr="9-2"/>
-          <p:cNvPicPr>
-            <a:picLocks noChangeAspect="1" noChangeArrowheads="1"/>
-          </p:cNvPicPr>
-          <p:nvPr/>
-        </p:nvPicPr>
-        <p:blipFill>
-          <a:blip r:embed="rId8" cstate="email">
-            <a:extLst>
-              <a:ext uri="{28A0092B-C50C-407E-A947-70E740481C1C}">
-                <a14:useLocalDpi xmlns:a14="http://schemas.microsoft.com/office/drawing/2010/main"/>
-              </a:ext>
-            </a:extLst>
-          </a:blip>
-          <a:srcRect/>
-          <a:stretch>
-            <a:fillRect/>
-          </a:stretch>
-        </p:blipFill>
-        <p:spPr bwMode="auto">
-          <a:xfrm>
-            <a:off x="8032750" y="4987925"/>
-            <a:ext cx="955675" cy="1187450"/>
-          </a:xfrm>
-          <a:prstGeom prst="rect">
-            <a:avLst/>
-          </a:prstGeom>
-          <a:noFill/>
-          <a:ln>
-            <a:noFill/>
-          </a:ln>
-          <a:extLst>
-            <a:ext uri="{909E8E84-426E-40DD-AFC4-6F175D3DCCD1}">
-              <a14:hiddenFill xmlns:a14="http://schemas.microsoft.com/office/drawing/2010/main">
-                <a:solidFill>
-                  <a:srgbClr val="FFFFFF"/>
-                </a:solidFill>
-              </a14:hiddenFill>
-            </a:ext>
-            <a:ext uri="{91240B29-F687-4F45-9708-019B960494DF}">
-              <a14:hiddenLine xmlns:a14="http://schemas.microsoft.com/office/drawing/2010/main" w="9525">
-                <a:solidFill>
-                  <a:srgbClr val="000000"/>
-                </a:solidFill>
-                <a:miter lim="800000"/>
-                <a:headEnd/>
-                <a:tailEnd/>
-              </a14:hiddenLine>
-            </a:ext>
-          </a:extLst>
-        </p:spPr>
-      </p:pic>
-      <p:pic>
-        <p:nvPicPr>
-          <p:cNvPr id="18445" name="Picture 13" descr="9-2"/>
-          <p:cNvPicPr>
-            <a:picLocks noChangeAspect="1" noChangeArrowheads="1"/>
-          </p:cNvPicPr>
-          <p:nvPr/>
-        </p:nvPicPr>
-        <p:blipFill>
-          <a:blip r:embed="rId8" cstate="email">
-            <a:extLst>
-              <a:ext uri="{28A0092B-C50C-407E-A947-70E740481C1C}">
-                <a14:useLocalDpi xmlns:a14="http://schemas.microsoft.com/office/drawing/2010/main"/>
-              </a:ext>
-            </a:extLst>
-          </a:blip>
-          <a:srcRect/>
-          <a:stretch>
-            <a:fillRect/>
-          </a:stretch>
-        </p:blipFill>
-        <p:spPr bwMode="auto">
-          <a:xfrm>
-            <a:off x="8937625" y="5000625"/>
-            <a:ext cx="957263" cy="1187450"/>
-          </a:xfrm>
-          <a:prstGeom prst="rect">
-            <a:avLst/>
-          </a:prstGeom>
-          <a:noFill/>
-          <a:ln>
-            <a:noFill/>
-          </a:ln>
-          <a:extLst>
-            <a:ext uri="{909E8E84-426E-40DD-AFC4-6F175D3DCCD1}">
-              <a14:hiddenFill xmlns:a14="http://schemas.microsoft.com/office/drawing/2010/main">
-                <a:solidFill>
-                  <a:srgbClr val="FFFFFF"/>
-                </a:solidFill>
-              </a14:hiddenFill>
-            </a:ext>
-            <a:ext uri="{91240B29-F687-4F45-9708-019B960494DF}">
-              <a14:hiddenLine xmlns:a14="http://schemas.microsoft.com/office/drawing/2010/main" w="9525">
-                <a:solidFill>
-                  <a:srgbClr val="000000"/>
-                </a:solidFill>
-                <a:miter lim="800000"/>
-                <a:headEnd/>
-                <a:tailEnd/>
-              </a14:hiddenLine>
-            </a:ext>
-          </a:extLst>
-        </p:spPr>
-      </p:pic>
-      <p:pic>
-        <p:nvPicPr>
-          <p:cNvPr id="18446" name="Picture 14" descr="9-2"/>
-          <p:cNvPicPr>
-            <a:picLocks noChangeAspect="1" noChangeArrowheads="1"/>
-          </p:cNvPicPr>
-          <p:nvPr/>
-        </p:nvPicPr>
-        <p:blipFill>
-          <a:blip r:embed="rId8" cstate="email">
-            <a:extLst>
-              <a:ext uri="{28A0092B-C50C-407E-A947-70E740481C1C}">
-                <a14:useLocalDpi xmlns:a14="http://schemas.microsoft.com/office/drawing/2010/main"/>
-              </a:ext>
-            </a:extLst>
-          </a:blip>
-          <a:srcRect/>
-          <a:stretch>
-            <a:fillRect/>
-          </a:stretch>
-        </p:blipFill>
-        <p:spPr bwMode="auto">
-          <a:xfrm>
-            <a:off x="10339388" y="5013325"/>
-            <a:ext cx="957262" cy="1187450"/>
-          </a:xfrm>
-          <a:prstGeom prst="rect">
-            <a:avLst/>
-          </a:prstGeom>
-          <a:noFill/>
-          <a:ln>
-            <a:noFill/>
-          </a:ln>
-          <a:extLst>
-            <a:ext uri="{909E8E84-426E-40DD-AFC4-6F175D3DCCD1}">
-              <a14:hiddenFill xmlns:a14="http://schemas.microsoft.com/office/drawing/2010/main">
-                <a:solidFill>
-                  <a:srgbClr val="FFFFFF"/>
-                </a:solidFill>
-              </a14:hiddenFill>
-            </a:ext>
-            <a:ext uri="{91240B29-F687-4F45-9708-019B960494DF}">
-              <a14:hiddenLine xmlns:a14="http://schemas.microsoft.com/office/drawing/2010/main" w="9525">
-                <a:solidFill>
-                  <a:srgbClr val="000000"/>
-                </a:solidFill>
-                <a:miter lim="800000"/>
-                <a:headEnd/>
-                <a:tailEnd/>
-              </a14:hiddenLine>
-            </a:ext>
-          </a:extLst>
-        </p:spPr>
-      </p:pic>
-      <p:sp>
-        <p:nvSpPr>
-          <p:cNvPr id="18448" name="Text Box 16"/>
-          <p:cNvSpPr txBox="1">
-            <a:spLocks noChangeArrowheads="1"/>
-          </p:cNvSpPr>
-          <p:nvPr/>
-        </p:nvSpPr>
-        <p:spPr bwMode="auto">
-          <a:xfrm>
-            <a:off x="8450263" y="1895475"/>
-            <a:ext cx="1106487" cy="738188"/>
-          </a:xfrm>
-          <a:prstGeom prst="rect">
-            <a:avLst/>
-          </a:prstGeom>
-          <a:noFill/>
-          <a:ln>
-            <a:noFill/>
-          </a:ln>
-          <a:extLst>
-            <a:ext uri="{909E8E84-426E-40DD-AFC4-6F175D3DCCD1}">
-              <a14:hiddenFill xmlns:a14="http://schemas.microsoft.com/office/drawing/2010/main">
-                <a:solidFill>
-                  <a:srgbClr val="FFFFFF"/>
-                </a:solidFill>
-              </a14:hiddenFill>
-            </a:ext>
-            <a:ext uri="{91240B29-F687-4F45-9708-019B960494DF}">
-              <a14:hiddenLine xmlns:a14="http://schemas.microsoft.com/office/drawing/2010/main" w="9525">
-                <a:solidFill>
-                  <a:srgbClr val="000000"/>
-                </a:solidFill>
-                <a:miter lim="800000"/>
-                <a:headEnd/>
-                <a:tailEnd/>
-              </a14:hiddenLine>
-            </a:ext>
-          </a:extLst>
-        </p:spPr>
-        <p:txBody>
-          <a:bodyPr wrap="none">
-            <a:spAutoFit/>
-          </a:bodyPr>
-          <a:lstStyle>
-            <a:lvl1pPr eaLnBrk="0" hangingPunct="0">
-              <a:defRPr>
-                <a:solidFill>
-                  <a:schemeClr val="tx1"/>
-                </a:solidFill>
-                <a:latin typeface="Calibri" panose="020F0502020204030204" pitchFamily="34" charset="0"/>
-                <a:ea typeface="宋体" panose="02010600030101010101" pitchFamily="2" charset="-122"/>
-              </a:defRPr>
-            </a:lvl1pPr>
-            <a:lvl2pPr marL="742950" indent="-285750" eaLnBrk="0" hangingPunct="0">
-              <a:defRPr>
-                <a:solidFill>
-                  <a:schemeClr val="tx1"/>
-                </a:solidFill>
-                <a:latin typeface="Calibri" panose="020F0502020204030204" pitchFamily="34" charset="0"/>
-                <a:ea typeface="宋体" panose="02010600030101010101" pitchFamily="2" charset="-122"/>
-              </a:defRPr>
-            </a:lvl2pPr>
-            <a:lvl3pPr marL="1143000" indent="-228600" eaLnBrk="0" hangingPunct="0">
-              <a:defRPr>
-                <a:solidFill>
-                  <a:schemeClr val="tx1"/>
-                </a:solidFill>
-                <a:latin typeface="Calibri" panose="020F0502020204030204" pitchFamily="34" charset="0"/>
-                <a:ea typeface="宋体" panose="02010600030101010101" pitchFamily="2" charset="-122"/>
-              </a:defRPr>
-            </a:lvl3pPr>
-            <a:lvl4pPr marL="1600200" indent="-228600" eaLnBrk="0" hangingPunct="0">
-              <a:defRPr>
-                <a:solidFill>
-                  <a:schemeClr val="tx1"/>
-                </a:solidFill>
-                <a:latin typeface="Calibri" panose="020F0502020204030204" pitchFamily="34" charset="0"/>
-                <a:ea typeface="宋体" panose="02010600030101010101" pitchFamily="2" charset="-122"/>
-              </a:defRPr>
-            </a:lvl4pPr>
-            <a:lvl5pPr marL="2057400" indent="-228600" eaLnBrk="0" hangingPunct="0">
-              <a:defRPr>
-                <a:solidFill>
-                  <a:schemeClr val="tx1"/>
-                </a:solidFill>
-                <a:latin typeface="Calibri" panose="020F0502020204030204" pitchFamily="34" charset="0"/>
-                <a:ea typeface="宋体" panose="02010600030101010101" pitchFamily="2" charset="-122"/>
-              </a:defRPr>
-            </a:lvl5pPr>
-            <a:lvl6pPr marL="2514600" indent="-228600" eaLnBrk="0" fontAlgn="base" hangingPunct="0">
-              <a:spcBef>
-                <a:spcPct val="0"/>
-              </a:spcBef>
-              <a:spcAft>
-                <a:spcPct val="0"/>
-              </a:spcAft>
-              <a:buFont typeface="Arial" panose="020B0604020202020204" pitchFamily="34" charset="0"/>
-              <a:defRPr>
-                <a:solidFill>
-                  <a:schemeClr val="tx1"/>
-                </a:solidFill>
-                <a:latin typeface="Calibri" panose="020F0502020204030204" pitchFamily="34" charset="0"/>
-                <a:ea typeface="宋体" panose="02010600030101010101" pitchFamily="2" charset="-122"/>
-              </a:defRPr>
-            </a:lvl6pPr>
-            <a:lvl7pPr marL="2971800" indent="-228600" eaLnBrk="0" fontAlgn="base" hangingPunct="0">
-              <a:spcBef>
-                <a:spcPct val="0"/>
-              </a:spcBef>
-              <a:spcAft>
-                <a:spcPct val="0"/>
-              </a:spcAft>
-              <a:buFont typeface="Arial" panose="020B0604020202020204" pitchFamily="34" charset="0"/>
-              <a:defRPr>
-                <a:solidFill>
-                  <a:schemeClr val="tx1"/>
-                </a:solidFill>
-                <a:latin typeface="Calibri" panose="020F0502020204030204" pitchFamily="34" charset="0"/>
-                <a:ea typeface="宋体" panose="02010600030101010101" pitchFamily="2" charset="-122"/>
-              </a:defRPr>
-            </a:lvl7pPr>
-            <a:lvl8pPr marL="3429000" indent="-228600" eaLnBrk="0" fontAlgn="base" hangingPunct="0">
-              <a:spcBef>
-                <a:spcPct val="0"/>
-              </a:spcBef>
-              <a:spcAft>
-                <a:spcPct val="0"/>
-              </a:spcAft>
-              <a:buFont typeface="Arial" panose="020B0604020202020204" pitchFamily="34" charset="0"/>
-              <a:defRPr>
-                <a:solidFill>
-                  <a:schemeClr val="tx1"/>
-                </a:solidFill>
-                <a:latin typeface="Calibri" panose="020F0502020204030204" pitchFamily="34" charset="0"/>
-                <a:ea typeface="宋体" panose="02010600030101010101" pitchFamily="2" charset="-122"/>
-              </a:defRPr>
-            </a:lvl8pPr>
-            <a:lvl9pPr marL="3886200" indent="-228600" eaLnBrk="0" fontAlgn="base" hangingPunct="0">
-              <a:spcBef>
-                <a:spcPct val="0"/>
-              </a:spcBef>
-              <a:spcAft>
-                <a:spcPct val="0"/>
-              </a:spcAft>
-              <a:buFont typeface="Arial" panose="020B0604020202020204" pitchFamily="34" charset="0"/>
-              <a:defRPr>
-                <a:solidFill>
-                  <a:schemeClr val="tx1"/>
-                </a:solidFill>
-                <a:latin typeface="Calibri" panose="020F0502020204030204" pitchFamily="34" charset="0"/>
-                <a:ea typeface="宋体" panose="02010600030101010101" pitchFamily="2" charset="-122"/>
-              </a:defRPr>
-            </a:lvl9pPr>
-          </a:lstStyle>
-          <a:p>
-            <a:pPr algn="ctr"/>
-            <a:r>
-              <a:rPr lang="zh-CN" altLang="en-US" sz="2400" b="1" dirty="0">
-                <a:solidFill>
-                  <a:schemeClr val="bg1"/>
-                </a:solidFill>
-                <a:ea typeface="微软雅黑" panose="020B0503020204020204" pitchFamily="34" charset="-122"/>
-              </a:rPr>
-              <a:t>王俊伟</a:t>
-            </a:r>
-          </a:p>
-          <a:p>
-            <a:pPr algn="ctr"/>
-            <a:r>
-              <a:rPr lang="zh-CN" altLang="en-US" dirty="0">
-                <a:solidFill>
-                  <a:schemeClr val="bg1"/>
-                </a:solidFill>
-                <a:ea typeface="微软雅黑" panose="020B0503020204020204" pitchFamily="34" charset="-122"/>
-              </a:rPr>
-              <a:t>组长</a:t>
-            </a:r>
           </a:p>
         </p:txBody>
       </p:sp>
@@ -15053,187 +14602,6 @@
       </p:sp>
       <p:sp>
         <p:nvSpPr>
-          <p:cNvPr id="18450" name="Text Box 18"/>
-          <p:cNvSpPr txBox="1">
-            <a:spLocks noChangeArrowheads="1"/>
-          </p:cNvSpPr>
-          <p:nvPr/>
-        </p:nvSpPr>
-        <p:spPr bwMode="auto">
-          <a:xfrm>
-            <a:off x="9637713" y="4152900"/>
-            <a:ext cx="955675" cy="646113"/>
-          </a:xfrm>
-          <a:prstGeom prst="rect">
-            <a:avLst/>
-          </a:prstGeom>
-          <a:noFill/>
-          <a:ln>
-            <a:noFill/>
-          </a:ln>
-          <a:extLst>
-            <a:ext uri="{909E8E84-426E-40DD-AFC4-6F175D3DCCD1}">
-              <a14:hiddenFill xmlns:a14="http://schemas.microsoft.com/office/drawing/2010/main">
-                <a:solidFill>
-                  <a:srgbClr val="FFFFFF"/>
-                </a:solidFill>
-              </a14:hiddenFill>
-            </a:ext>
-            <a:ext uri="{91240B29-F687-4F45-9708-019B960494DF}">
-              <a14:hiddenLine xmlns:a14="http://schemas.microsoft.com/office/drawing/2010/main" w="9525">
-                <a:solidFill>
-                  <a:srgbClr val="000000"/>
-                </a:solidFill>
-                <a:miter lim="800000"/>
-                <a:headEnd/>
-                <a:tailEnd/>
-              </a14:hiddenLine>
-            </a:ext>
-          </a:extLst>
-        </p:spPr>
-        <p:txBody>
-          <a:bodyPr wrap="none">
-            <a:spAutoFit/>
-          </a:bodyPr>
-          <a:lstStyle>
-            <a:lvl1pPr eaLnBrk="0" hangingPunct="0">
-              <a:defRPr>
-                <a:solidFill>
-                  <a:schemeClr val="tx1"/>
-                </a:solidFill>
-                <a:latin typeface="Calibri" panose="020F0502020204030204" pitchFamily="34" charset="0"/>
-                <a:ea typeface="宋体" panose="02010600030101010101" pitchFamily="2" charset="-122"/>
-              </a:defRPr>
-            </a:lvl1pPr>
-            <a:lvl2pPr marL="742950" indent="-285750" eaLnBrk="0" hangingPunct="0">
-              <a:defRPr>
-                <a:solidFill>
-                  <a:schemeClr val="tx1"/>
-                </a:solidFill>
-                <a:latin typeface="Calibri" panose="020F0502020204030204" pitchFamily="34" charset="0"/>
-                <a:ea typeface="宋体" panose="02010600030101010101" pitchFamily="2" charset="-122"/>
-              </a:defRPr>
-            </a:lvl2pPr>
-            <a:lvl3pPr marL="1143000" indent="-228600" eaLnBrk="0" hangingPunct="0">
-              <a:defRPr>
-                <a:solidFill>
-                  <a:schemeClr val="tx1"/>
-                </a:solidFill>
-                <a:latin typeface="Calibri" panose="020F0502020204030204" pitchFamily="34" charset="0"/>
-                <a:ea typeface="宋体" panose="02010600030101010101" pitchFamily="2" charset="-122"/>
-              </a:defRPr>
-            </a:lvl3pPr>
-            <a:lvl4pPr marL="1600200" indent="-228600" eaLnBrk="0" hangingPunct="0">
-              <a:defRPr>
-                <a:solidFill>
-                  <a:schemeClr val="tx1"/>
-                </a:solidFill>
-                <a:latin typeface="Calibri" panose="020F0502020204030204" pitchFamily="34" charset="0"/>
-                <a:ea typeface="宋体" panose="02010600030101010101" pitchFamily="2" charset="-122"/>
-              </a:defRPr>
-            </a:lvl4pPr>
-            <a:lvl5pPr marL="2057400" indent="-228600" eaLnBrk="0" hangingPunct="0">
-              <a:defRPr>
-                <a:solidFill>
-                  <a:schemeClr val="tx1"/>
-                </a:solidFill>
-                <a:latin typeface="Calibri" panose="020F0502020204030204" pitchFamily="34" charset="0"/>
-                <a:ea typeface="宋体" panose="02010600030101010101" pitchFamily="2" charset="-122"/>
-              </a:defRPr>
-            </a:lvl5pPr>
-            <a:lvl6pPr marL="2514600" indent="-228600" eaLnBrk="0" fontAlgn="base" hangingPunct="0">
-              <a:spcBef>
-                <a:spcPct val="0"/>
-              </a:spcBef>
-              <a:spcAft>
-                <a:spcPct val="0"/>
-              </a:spcAft>
-              <a:buFont typeface="Arial" panose="020B0604020202020204" pitchFamily="34" charset="0"/>
-              <a:defRPr>
-                <a:solidFill>
-                  <a:schemeClr val="tx1"/>
-                </a:solidFill>
-                <a:latin typeface="Calibri" panose="020F0502020204030204" pitchFamily="34" charset="0"/>
-                <a:ea typeface="宋体" panose="02010600030101010101" pitchFamily="2" charset="-122"/>
-              </a:defRPr>
-            </a:lvl6pPr>
-            <a:lvl7pPr marL="2971800" indent="-228600" eaLnBrk="0" fontAlgn="base" hangingPunct="0">
-              <a:spcBef>
-                <a:spcPct val="0"/>
-              </a:spcBef>
-              <a:spcAft>
-                <a:spcPct val="0"/>
-              </a:spcAft>
-              <a:buFont typeface="Arial" panose="020B0604020202020204" pitchFamily="34" charset="0"/>
-              <a:defRPr>
-                <a:solidFill>
-                  <a:schemeClr val="tx1"/>
-                </a:solidFill>
-                <a:latin typeface="Calibri" panose="020F0502020204030204" pitchFamily="34" charset="0"/>
-                <a:ea typeface="宋体" panose="02010600030101010101" pitchFamily="2" charset="-122"/>
-              </a:defRPr>
-            </a:lvl7pPr>
-            <a:lvl8pPr marL="3429000" indent="-228600" eaLnBrk="0" fontAlgn="base" hangingPunct="0">
-              <a:spcBef>
-                <a:spcPct val="0"/>
-              </a:spcBef>
-              <a:spcAft>
-                <a:spcPct val="0"/>
-              </a:spcAft>
-              <a:buFont typeface="Arial" panose="020B0604020202020204" pitchFamily="34" charset="0"/>
-              <a:defRPr>
-                <a:solidFill>
-                  <a:schemeClr val="tx1"/>
-                </a:solidFill>
-                <a:latin typeface="Calibri" panose="020F0502020204030204" pitchFamily="34" charset="0"/>
-                <a:ea typeface="宋体" panose="02010600030101010101" pitchFamily="2" charset="-122"/>
-              </a:defRPr>
-            </a:lvl8pPr>
-            <a:lvl9pPr marL="3886200" indent="-228600" eaLnBrk="0" fontAlgn="base" hangingPunct="0">
-              <a:spcBef>
-                <a:spcPct val="0"/>
-              </a:spcBef>
-              <a:spcAft>
-                <a:spcPct val="0"/>
-              </a:spcAft>
-              <a:buFont typeface="Arial" panose="020B0604020202020204" pitchFamily="34" charset="0"/>
-              <a:defRPr>
-                <a:solidFill>
-                  <a:schemeClr val="tx1"/>
-                </a:solidFill>
-                <a:latin typeface="Calibri" panose="020F0502020204030204" pitchFamily="34" charset="0"/>
-                <a:ea typeface="宋体" panose="02010600030101010101" pitchFamily="2" charset="-122"/>
-              </a:defRPr>
-            </a:lvl9pPr>
-          </a:lstStyle>
-          <a:p>
-            <a:pPr algn="ctr"/>
-            <a:r>
-              <a:rPr lang="zh-CN" altLang="en-US" sz="2000" b="1">
-                <a:solidFill>
-                  <a:schemeClr val="bg1"/>
-                </a:solidFill>
-                <a:ea typeface="微软雅黑" panose="020B0503020204020204" pitchFamily="34" charset="-122"/>
-              </a:rPr>
-              <a:t>孔祥燮</a:t>
-            </a:r>
-          </a:p>
-          <a:p>
-            <a:pPr algn="ctr"/>
-            <a:r>
-              <a:rPr lang="zh-CN" altLang="en-US" sz="1600">
-                <a:solidFill>
-                  <a:schemeClr val="bg1"/>
-                </a:solidFill>
-                <a:ea typeface="微软雅黑" panose="020B0503020204020204" pitchFamily="34" charset="-122"/>
-              </a:rPr>
-              <a:t>组员</a:t>
-            </a:r>
-          </a:p>
-        </p:txBody>
-      </p:sp>
-      <p:sp>
-        <p:nvSpPr>
           <p:cNvPr id="18451" name="Text Box 19"/>
           <p:cNvSpPr txBox="1">
             <a:spLocks noChangeArrowheads="1"/>
@@ -15397,368 +14765,6 @@
                 <a:ea typeface="微软雅黑" panose="020B0503020204020204" pitchFamily="34" charset="-122"/>
               </a:rPr>
               <a:t>许敏凤</a:t>
-            </a:r>
-          </a:p>
-          <a:p>
-            <a:pPr algn="ctr"/>
-            <a:r>
-              <a:rPr lang="zh-CN" altLang="en-US" sz="1000">
-                <a:solidFill>
-                  <a:schemeClr val="bg1"/>
-                </a:solidFill>
-                <a:ea typeface="微软雅黑" panose="020B0503020204020204" pitchFamily="34" charset="-122"/>
-              </a:rPr>
-              <a:t>组员</a:t>
-            </a:r>
-          </a:p>
-        </p:txBody>
-      </p:sp>
-      <p:sp>
-        <p:nvSpPr>
-          <p:cNvPr id="18452" name="Text Box 20"/>
-          <p:cNvSpPr txBox="1">
-            <a:spLocks noChangeArrowheads="1"/>
-          </p:cNvSpPr>
-          <p:nvPr/>
-        </p:nvSpPr>
-        <p:spPr bwMode="auto">
-          <a:xfrm>
-            <a:off x="8167688" y="5492750"/>
-            <a:ext cx="722312" cy="461963"/>
-          </a:xfrm>
-          <a:prstGeom prst="rect">
-            <a:avLst/>
-          </a:prstGeom>
-          <a:noFill/>
-          <a:ln>
-            <a:noFill/>
-          </a:ln>
-          <a:extLst>
-            <a:ext uri="{909E8E84-426E-40DD-AFC4-6F175D3DCCD1}">
-              <a14:hiddenFill xmlns:a14="http://schemas.microsoft.com/office/drawing/2010/main">
-                <a:solidFill>
-                  <a:srgbClr val="FFFFFF"/>
-                </a:solidFill>
-              </a14:hiddenFill>
-            </a:ext>
-            <a:ext uri="{91240B29-F687-4F45-9708-019B960494DF}">
-              <a14:hiddenLine xmlns:a14="http://schemas.microsoft.com/office/drawing/2010/main" w="9525">
-                <a:solidFill>
-                  <a:srgbClr val="000000"/>
-                </a:solidFill>
-                <a:miter lim="800000"/>
-                <a:headEnd/>
-                <a:tailEnd/>
-              </a14:hiddenLine>
-            </a:ext>
-          </a:extLst>
-        </p:spPr>
-        <p:txBody>
-          <a:bodyPr wrap="none">
-            <a:spAutoFit/>
-          </a:bodyPr>
-          <a:lstStyle>
-            <a:lvl1pPr eaLnBrk="0" hangingPunct="0">
-              <a:defRPr>
-                <a:solidFill>
-                  <a:schemeClr val="tx1"/>
-                </a:solidFill>
-                <a:latin typeface="Calibri" panose="020F0502020204030204" pitchFamily="34" charset="0"/>
-                <a:ea typeface="宋体" panose="02010600030101010101" pitchFamily="2" charset="-122"/>
-              </a:defRPr>
-            </a:lvl1pPr>
-            <a:lvl2pPr marL="742950" indent="-285750" eaLnBrk="0" hangingPunct="0">
-              <a:defRPr>
-                <a:solidFill>
-                  <a:schemeClr val="tx1"/>
-                </a:solidFill>
-                <a:latin typeface="Calibri" panose="020F0502020204030204" pitchFamily="34" charset="0"/>
-                <a:ea typeface="宋体" panose="02010600030101010101" pitchFamily="2" charset="-122"/>
-              </a:defRPr>
-            </a:lvl2pPr>
-            <a:lvl3pPr marL="1143000" indent="-228600" eaLnBrk="0" hangingPunct="0">
-              <a:defRPr>
-                <a:solidFill>
-                  <a:schemeClr val="tx1"/>
-                </a:solidFill>
-                <a:latin typeface="Calibri" panose="020F0502020204030204" pitchFamily="34" charset="0"/>
-                <a:ea typeface="宋体" panose="02010600030101010101" pitchFamily="2" charset="-122"/>
-              </a:defRPr>
-            </a:lvl3pPr>
-            <a:lvl4pPr marL="1600200" indent="-228600" eaLnBrk="0" hangingPunct="0">
-              <a:defRPr>
-                <a:solidFill>
-                  <a:schemeClr val="tx1"/>
-                </a:solidFill>
-                <a:latin typeface="Calibri" panose="020F0502020204030204" pitchFamily="34" charset="0"/>
-                <a:ea typeface="宋体" panose="02010600030101010101" pitchFamily="2" charset="-122"/>
-              </a:defRPr>
-            </a:lvl4pPr>
-            <a:lvl5pPr marL="2057400" indent="-228600" eaLnBrk="0" hangingPunct="0">
-              <a:defRPr>
-                <a:solidFill>
-                  <a:schemeClr val="tx1"/>
-                </a:solidFill>
-                <a:latin typeface="Calibri" panose="020F0502020204030204" pitchFamily="34" charset="0"/>
-                <a:ea typeface="宋体" panose="02010600030101010101" pitchFamily="2" charset="-122"/>
-              </a:defRPr>
-            </a:lvl5pPr>
-            <a:lvl6pPr marL="2514600" indent="-228600" eaLnBrk="0" fontAlgn="base" hangingPunct="0">
-              <a:spcBef>
-                <a:spcPct val="0"/>
-              </a:spcBef>
-              <a:spcAft>
-                <a:spcPct val="0"/>
-              </a:spcAft>
-              <a:buFont typeface="Arial" panose="020B0604020202020204" pitchFamily="34" charset="0"/>
-              <a:defRPr>
-                <a:solidFill>
-                  <a:schemeClr val="tx1"/>
-                </a:solidFill>
-                <a:latin typeface="Calibri" panose="020F0502020204030204" pitchFamily="34" charset="0"/>
-                <a:ea typeface="宋体" panose="02010600030101010101" pitchFamily="2" charset="-122"/>
-              </a:defRPr>
-            </a:lvl6pPr>
-            <a:lvl7pPr marL="2971800" indent="-228600" eaLnBrk="0" fontAlgn="base" hangingPunct="0">
-              <a:spcBef>
-                <a:spcPct val="0"/>
-              </a:spcBef>
-              <a:spcAft>
-                <a:spcPct val="0"/>
-              </a:spcAft>
-              <a:buFont typeface="Arial" panose="020B0604020202020204" pitchFamily="34" charset="0"/>
-              <a:defRPr>
-                <a:solidFill>
-                  <a:schemeClr val="tx1"/>
-                </a:solidFill>
-                <a:latin typeface="Calibri" panose="020F0502020204030204" pitchFamily="34" charset="0"/>
-                <a:ea typeface="宋体" panose="02010600030101010101" pitchFamily="2" charset="-122"/>
-              </a:defRPr>
-            </a:lvl7pPr>
-            <a:lvl8pPr marL="3429000" indent="-228600" eaLnBrk="0" fontAlgn="base" hangingPunct="0">
-              <a:spcBef>
-                <a:spcPct val="0"/>
-              </a:spcBef>
-              <a:spcAft>
-                <a:spcPct val="0"/>
-              </a:spcAft>
-              <a:buFont typeface="Arial" panose="020B0604020202020204" pitchFamily="34" charset="0"/>
-              <a:defRPr>
-                <a:solidFill>
-                  <a:schemeClr val="tx1"/>
-                </a:solidFill>
-                <a:latin typeface="Calibri" panose="020F0502020204030204" pitchFamily="34" charset="0"/>
-                <a:ea typeface="宋体" panose="02010600030101010101" pitchFamily="2" charset="-122"/>
-              </a:defRPr>
-            </a:lvl8pPr>
-            <a:lvl9pPr marL="3886200" indent="-228600" eaLnBrk="0" fontAlgn="base" hangingPunct="0">
-              <a:spcBef>
-                <a:spcPct val="0"/>
-              </a:spcBef>
-              <a:spcAft>
-                <a:spcPct val="0"/>
-              </a:spcAft>
-              <a:buFont typeface="Arial" panose="020B0604020202020204" pitchFamily="34" charset="0"/>
-              <a:defRPr>
-                <a:solidFill>
-                  <a:schemeClr val="tx1"/>
-                </a:solidFill>
-                <a:latin typeface="Calibri" panose="020F0502020204030204" pitchFamily="34" charset="0"/>
-                <a:ea typeface="宋体" panose="02010600030101010101" pitchFamily="2" charset="-122"/>
-              </a:defRPr>
-            </a:lvl9pPr>
-          </a:lstStyle>
-          <a:p>
-            <a:pPr algn="ctr"/>
-            <a:r>
-              <a:rPr lang="zh-CN" altLang="en-US" sz="1400" b="1">
-                <a:solidFill>
-                  <a:schemeClr val="bg1"/>
-                </a:solidFill>
-                <a:ea typeface="微软雅黑" panose="020B0503020204020204" pitchFamily="34" charset="-122"/>
-              </a:rPr>
-              <a:t>黄泽凯</a:t>
-            </a:r>
-          </a:p>
-          <a:p>
-            <a:pPr algn="ctr"/>
-            <a:r>
-              <a:rPr lang="zh-CN" altLang="en-US" sz="1000">
-                <a:solidFill>
-                  <a:schemeClr val="bg1"/>
-                </a:solidFill>
-                <a:ea typeface="微软雅黑" panose="020B0503020204020204" pitchFamily="34" charset="-122"/>
-              </a:rPr>
-              <a:t>组员</a:t>
-            </a:r>
-          </a:p>
-        </p:txBody>
-      </p:sp>
-      <p:sp>
-        <p:nvSpPr>
-          <p:cNvPr id="18453" name="Text Box 21"/>
-          <p:cNvSpPr txBox="1">
-            <a:spLocks noChangeArrowheads="1"/>
-          </p:cNvSpPr>
-          <p:nvPr/>
-        </p:nvSpPr>
-        <p:spPr bwMode="auto">
-          <a:xfrm>
-            <a:off x="9066213" y="5486400"/>
-            <a:ext cx="722312" cy="461963"/>
-          </a:xfrm>
-          <a:prstGeom prst="rect">
-            <a:avLst/>
-          </a:prstGeom>
-          <a:noFill/>
-          <a:ln>
-            <a:noFill/>
-          </a:ln>
-          <a:extLst>
-            <a:ext uri="{909E8E84-426E-40DD-AFC4-6F175D3DCCD1}">
-              <a14:hiddenFill xmlns:a14="http://schemas.microsoft.com/office/drawing/2010/main">
-                <a:solidFill>
-                  <a:srgbClr val="FFFFFF"/>
-                </a:solidFill>
-              </a14:hiddenFill>
-            </a:ext>
-            <a:ext uri="{91240B29-F687-4F45-9708-019B960494DF}">
-              <a14:hiddenLine xmlns:a14="http://schemas.microsoft.com/office/drawing/2010/main" w="9525">
-                <a:solidFill>
-                  <a:srgbClr val="000000"/>
-                </a:solidFill>
-                <a:miter lim="800000"/>
-                <a:headEnd/>
-                <a:tailEnd/>
-              </a14:hiddenLine>
-            </a:ext>
-          </a:extLst>
-        </p:spPr>
-        <p:txBody>
-          <a:bodyPr wrap="none">
-            <a:spAutoFit/>
-          </a:bodyPr>
-          <a:lstStyle>
-            <a:lvl1pPr eaLnBrk="0" hangingPunct="0">
-              <a:defRPr>
-                <a:solidFill>
-                  <a:schemeClr val="tx1"/>
-                </a:solidFill>
-                <a:latin typeface="Calibri" panose="020F0502020204030204" pitchFamily="34" charset="0"/>
-                <a:ea typeface="宋体" panose="02010600030101010101" pitchFamily="2" charset="-122"/>
-              </a:defRPr>
-            </a:lvl1pPr>
-            <a:lvl2pPr marL="742950" indent="-285750" eaLnBrk="0" hangingPunct="0">
-              <a:defRPr>
-                <a:solidFill>
-                  <a:schemeClr val="tx1"/>
-                </a:solidFill>
-                <a:latin typeface="Calibri" panose="020F0502020204030204" pitchFamily="34" charset="0"/>
-                <a:ea typeface="宋体" panose="02010600030101010101" pitchFamily="2" charset="-122"/>
-              </a:defRPr>
-            </a:lvl2pPr>
-            <a:lvl3pPr marL="1143000" indent="-228600" eaLnBrk="0" hangingPunct="0">
-              <a:defRPr>
-                <a:solidFill>
-                  <a:schemeClr val="tx1"/>
-                </a:solidFill>
-                <a:latin typeface="Calibri" panose="020F0502020204030204" pitchFamily="34" charset="0"/>
-                <a:ea typeface="宋体" panose="02010600030101010101" pitchFamily="2" charset="-122"/>
-              </a:defRPr>
-            </a:lvl3pPr>
-            <a:lvl4pPr marL="1600200" indent="-228600" eaLnBrk="0" hangingPunct="0">
-              <a:defRPr>
-                <a:solidFill>
-                  <a:schemeClr val="tx1"/>
-                </a:solidFill>
-                <a:latin typeface="Calibri" panose="020F0502020204030204" pitchFamily="34" charset="0"/>
-                <a:ea typeface="宋体" panose="02010600030101010101" pitchFamily="2" charset="-122"/>
-              </a:defRPr>
-            </a:lvl4pPr>
-            <a:lvl5pPr marL="2057400" indent="-228600" eaLnBrk="0" hangingPunct="0">
-              <a:defRPr>
-                <a:solidFill>
-                  <a:schemeClr val="tx1"/>
-                </a:solidFill>
-                <a:latin typeface="Calibri" panose="020F0502020204030204" pitchFamily="34" charset="0"/>
-                <a:ea typeface="宋体" panose="02010600030101010101" pitchFamily="2" charset="-122"/>
-              </a:defRPr>
-            </a:lvl5pPr>
-            <a:lvl6pPr marL="2514600" indent="-228600" eaLnBrk="0" fontAlgn="base" hangingPunct="0">
-              <a:spcBef>
-                <a:spcPct val="0"/>
-              </a:spcBef>
-              <a:spcAft>
-                <a:spcPct val="0"/>
-              </a:spcAft>
-              <a:buFont typeface="Arial" panose="020B0604020202020204" pitchFamily="34" charset="0"/>
-              <a:defRPr>
-                <a:solidFill>
-                  <a:schemeClr val="tx1"/>
-                </a:solidFill>
-                <a:latin typeface="Calibri" panose="020F0502020204030204" pitchFamily="34" charset="0"/>
-                <a:ea typeface="宋体" panose="02010600030101010101" pitchFamily="2" charset="-122"/>
-              </a:defRPr>
-            </a:lvl6pPr>
-            <a:lvl7pPr marL="2971800" indent="-228600" eaLnBrk="0" fontAlgn="base" hangingPunct="0">
-              <a:spcBef>
-                <a:spcPct val="0"/>
-              </a:spcBef>
-              <a:spcAft>
-                <a:spcPct val="0"/>
-              </a:spcAft>
-              <a:buFont typeface="Arial" panose="020B0604020202020204" pitchFamily="34" charset="0"/>
-              <a:defRPr>
-                <a:solidFill>
-                  <a:schemeClr val="tx1"/>
-                </a:solidFill>
-                <a:latin typeface="Calibri" panose="020F0502020204030204" pitchFamily="34" charset="0"/>
-                <a:ea typeface="宋体" panose="02010600030101010101" pitchFamily="2" charset="-122"/>
-              </a:defRPr>
-            </a:lvl7pPr>
-            <a:lvl8pPr marL="3429000" indent="-228600" eaLnBrk="0" fontAlgn="base" hangingPunct="0">
-              <a:spcBef>
-                <a:spcPct val="0"/>
-              </a:spcBef>
-              <a:spcAft>
-                <a:spcPct val="0"/>
-              </a:spcAft>
-              <a:buFont typeface="Arial" panose="020B0604020202020204" pitchFamily="34" charset="0"/>
-              <a:defRPr>
-                <a:solidFill>
-                  <a:schemeClr val="tx1"/>
-                </a:solidFill>
-                <a:latin typeface="Calibri" panose="020F0502020204030204" pitchFamily="34" charset="0"/>
-                <a:ea typeface="宋体" panose="02010600030101010101" pitchFamily="2" charset="-122"/>
-              </a:defRPr>
-            </a:lvl8pPr>
-            <a:lvl9pPr marL="3886200" indent="-228600" eaLnBrk="0" fontAlgn="base" hangingPunct="0">
-              <a:spcBef>
-                <a:spcPct val="0"/>
-              </a:spcBef>
-              <a:spcAft>
-                <a:spcPct val="0"/>
-              </a:spcAft>
-              <a:buFont typeface="Arial" panose="020B0604020202020204" pitchFamily="34" charset="0"/>
-              <a:defRPr>
-                <a:solidFill>
-                  <a:schemeClr val="tx1"/>
-                </a:solidFill>
-                <a:latin typeface="Calibri" panose="020F0502020204030204" pitchFamily="34" charset="0"/>
-                <a:ea typeface="宋体" panose="02010600030101010101" pitchFamily="2" charset="-122"/>
-              </a:defRPr>
-            </a:lvl9pPr>
-          </a:lstStyle>
-          <a:p>
-            <a:pPr algn="ctr"/>
-            <a:r>
-              <a:rPr lang="zh-CN" altLang="en-US" sz="1400" b="1">
-                <a:solidFill>
-                  <a:schemeClr val="bg1"/>
-                </a:solidFill>
-                <a:ea typeface="微软雅黑" panose="020B0503020204020204" pitchFamily="34" charset="-122"/>
-              </a:rPr>
-              <a:t>罗华彬</a:t>
             </a:r>
           </a:p>
           <a:p>
@@ -16169,304 +15175,15 @@
                                   </p:childTnLst>
                                 </p:cTn>
                               </p:par>
-                            </p:childTnLst>
-                          </p:cTn>
-                        </p:par>
-                        <p:par>
-                          <p:cTn id="18" fill="hold" nodeType="afterGroup">
-                            <p:stCondLst>
-                              <p:cond delay="1000"/>
-                            </p:stCondLst>
-                            <p:childTnLst>
                               <p:par>
-                                <p:cTn id="19" presetID="12" presetClass="entr" presetSubtype="1" fill="hold" nodeType="afterEffect">
-                                  <p:stCondLst>
-                                    <p:cond delay="0"/>
-                                  </p:stCondLst>
-                                  <p:childTnLst>
-                                    <p:set>
-                                      <p:cBhvr>
-                                        <p:cTn id="20" dur="1" fill="hold">
-                                          <p:stCondLst>
-                                            <p:cond delay="0"/>
-                                          </p:stCondLst>
-                                        </p:cTn>
-                                        <p:tgtEl>
-                                          <p:spTgt spid="18440"/>
-                                        </p:tgtEl>
-                                        <p:attrNameLst>
-                                          <p:attrName>style.visibility</p:attrName>
-                                        </p:attrNameLst>
-                                      </p:cBhvr>
-                                      <p:to>
-                                        <p:strVal val="visible"/>
-                                      </p:to>
-                                    </p:set>
-                                    <p:animEffect transition="in" filter="slide(fromTop)">
-                                      <p:cBhvr>
-                                        <p:cTn id="21" dur="500"/>
-                                        <p:tgtEl>
-                                          <p:spTgt spid="18440"/>
-                                        </p:tgtEl>
-                                      </p:cBhvr>
-                                    </p:animEffect>
-                                  </p:childTnLst>
-                                </p:cTn>
-                              </p:par>
-                              <p:par>
-                                <p:cTn id="22" presetID="12" presetClass="entr" presetSubtype="1" fill="hold" nodeType="withEffect">
-                                  <p:stCondLst>
-                                    <p:cond delay="500"/>
-                                  </p:stCondLst>
-                                  <p:childTnLst>
-                                    <p:set>
-                                      <p:cBhvr>
-                                        <p:cTn id="23" dur="1" fill="hold">
-                                          <p:stCondLst>
-                                            <p:cond delay="0"/>
-                                          </p:stCondLst>
-                                        </p:cTn>
-                                        <p:tgtEl>
-                                          <p:spTgt spid="18441"/>
-                                        </p:tgtEl>
-                                        <p:attrNameLst>
-                                          <p:attrName>style.visibility</p:attrName>
-                                        </p:attrNameLst>
-                                      </p:cBhvr>
-                                      <p:to>
-                                        <p:strVal val="visible"/>
-                                      </p:to>
-                                    </p:set>
-                                    <p:animEffect transition="in" filter="slide(fromTop)">
-                                      <p:cBhvr>
-                                        <p:cTn id="24" dur="500"/>
-                                        <p:tgtEl>
-                                          <p:spTgt spid="18441"/>
-                                        </p:tgtEl>
-                                      </p:cBhvr>
-                                    </p:animEffect>
-                                  </p:childTnLst>
-                                </p:cTn>
-                              </p:par>
-                              <p:par>
-                                <p:cTn id="25" presetID="12" presetClass="entr" presetSubtype="1" fill="hold" nodeType="withEffect">
-                                  <p:stCondLst>
-                                    <p:cond delay="500"/>
-                                  </p:stCondLst>
-                                  <p:childTnLst>
-                                    <p:set>
-                                      <p:cBhvr>
-                                        <p:cTn id="26" dur="1" fill="hold">
-                                          <p:stCondLst>
-                                            <p:cond delay="0"/>
-                                          </p:stCondLst>
-                                        </p:cTn>
-                                        <p:tgtEl>
-                                          <p:spTgt spid="18442"/>
-                                        </p:tgtEl>
-                                        <p:attrNameLst>
-                                          <p:attrName>style.visibility</p:attrName>
-                                        </p:attrNameLst>
-                                      </p:cBhvr>
-                                      <p:to>
-                                        <p:strVal val="visible"/>
-                                      </p:to>
-                                    </p:set>
-                                    <p:animEffect transition="in" filter="slide(fromTop)">
-                                      <p:cBhvr>
-                                        <p:cTn id="27" dur="500"/>
-                                        <p:tgtEl>
-                                          <p:spTgt spid="18442"/>
-                                        </p:tgtEl>
-                                      </p:cBhvr>
-                                    </p:animEffect>
-                                  </p:childTnLst>
-                                </p:cTn>
-                              </p:par>
-                              <p:par>
-                                <p:cTn id="28" presetID="12" presetClass="entr" presetSubtype="1" fill="hold" nodeType="withEffect">
-                                  <p:stCondLst>
-                                    <p:cond delay="1000"/>
-                                  </p:stCondLst>
-                                  <p:childTnLst>
-                                    <p:set>
-                                      <p:cBhvr>
-                                        <p:cTn id="29" dur="1" fill="hold">
-                                          <p:stCondLst>
-                                            <p:cond delay="0"/>
-                                          </p:stCondLst>
-                                        </p:cTn>
-                                        <p:tgtEl>
-                                          <p:spTgt spid="18443"/>
-                                        </p:tgtEl>
-                                        <p:attrNameLst>
-                                          <p:attrName>style.visibility</p:attrName>
-                                        </p:attrNameLst>
-                                      </p:cBhvr>
-                                      <p:to>
-                                        <p:strVal val="visible"/>
-                                      </p:to>
-                                    </p:set>
-                                    <p:animEffect transition="in" filter="slide(fromTop)">
-                                      <p:cBhvr>
-                                        <p:cTn id="30" dur="500"/>
-                                        <p:tgtEl>
-                                          <p:spTgt spid="18443"/>
-                                        </p:tgtEl>
-                                      </p:cBhvr>
-                                    </p:animEffect>
-                                  </p:childTnLst>
-                                </p:cTn>
-                              </p:par>
-                              <p:par>
-                                <p:cTn id="31" presetID="12" presetClass="entr" presetSubtype="1" fill="hold" nodeType="withEffect">
-                                  <p:stCondLst>
-                                    <p:cond delay="1000"/>
-                                  </p:stCondLst>
-                                  <p:childTnLst>
-                                    <p:set>
-                                      <p:cBhvr>
-                                        <p:cTn id="32" dur="1" fill="hold">
-                                          <p:stCondLst>
-                                            <p:cond delay="0"/>
-                                          </p:stCondLst>
-                                        </p:cTn>
-                                        <p:tgtEl>
-                                          <p:spTgt spid="18444"/>
-                                        </p:tgtEl>
-                                        <p:attrNameLst>
-                                          <p:attrName>style.visibility</p:attrName>
-                                        </p:attrNameLst>
-                                      </p:cBhvr>
-                                      <p:to>
-                                        <p:strVal val="visible"/>
-                                      </p:to>
-                                    </p:set>
-                                    <p:animEffect transition="in" filter="slide(fromTop)">
-                                      <p:cBhvr>
-                                        <p:cTn id="33" dur="500"/>
-                                        <p:tgtEl>
-                                          <p:spTgt spid="18444"/>
-                                        </p:tgtEl>
-                                      </p:cBhvr>
-                                    </p:animEffect>
-                                  </p:childTnLst>
-                                </p:cTn>
-                              </p:par>
-                              <p:par>
-                                <p:cTn id="34" presetID="12" presetClass="entr" presetSubtype="1" fill="hold" nodeType="withEffect">
-                                  <p:stCondLst>
-                                    <p:cond delay="1000"/>
-                                  </p:stCondLst>
-                                  <p:childTnLst>
-                                    <p:set>
-                                      <p:cBhvr>
-                                        <p:cTn id="35" dur="1" fill="hold">
-                                          <p:stCondLst>
-                                            <p:cond delay="0"/>
-                                          </p:stCondLst>
-                                        </p:cTn>
-                                        <p:tgtEl>
-                                          <p:spTgt spid="18445"/>
-                                        </p:tgtEl>
-                                        <p:attrNameLst>
-                                          <p:attrName>style.visibility</p:attrName>
-                                        </p:attrNameLst>
-                                      </p:cBhvr>
-                                      <p:to>
-                                        <p:strVal val="visible"/>
-                                      </p:to>
-                                    </p:set>
-                                    <p:animEffect transition="in" filter="slide(fromTop)">
-                                      <p:cBhvr>
-                                        <p:cTn id="36" dur="500"/>
-                                        <p:tgtEl>
-                                          <p:spTgt spid="18445"/>
-                                        </p:tgtEl>
-                                      </p:cBhvr>
-                                    </p:animEffect>
-                                  </p:childTnLst>
-                                </p:cTn>
-                              </p:par>
-                              <p:par>
-                                <p:cTn id="37" presetID="12" presetClass="entr" presetSubtype="1" fill="hold" nodeType="withEffect">
-                                  <p:stCondLst>
-                                    <p:cond delay="1000"/>
-                                  </p:stCondLst>
-                                  <p:childTnLst>
-                                    <p:set>
-                                      <p:cBhvr>
-                                        <p:cTn id="38" dur="1" fill="hold">
-                                          <p:stCondLst>
-                                            <p:cond delay="0"/>
-                                          </p:stCondLst>
-                                        </p:cTn>
-                                        <p:tgtEl>
-                                          <p:spTgt spid="18446"/>
-                                        </p:tgtEl>
-                                        <p:attrNameLst>
-                                          <p:attrName>style.visibility</p:attrName>
-                                        </p:attrNameLst>
-                                      </p:cBhvr>
-                                      <p:to>
-                                        <p:strVal val="visible"/>
-                                      </p:to>
-                                    </p:set>
-                                    <p:animEffect transition="in" filter="slide(fromTop)">
-                                      <p:cBhvr>
-                                        <p:cTn id="39" dur="500"/>
-                                        <p:tgtEl>
-                                          <p:spTgt spid="18446"/>
-                                        </p:tgtEl>
-                                      </p:cBhvr>
-                                    </p:animEffect>
-                                  </p:childTnLst>
-                                </p:cTn>
-                              </p:par>
-                              <p:par>
-                                <p:cTn id="40" presetID="10" presetClass="entr" presetSubtype="0" fill="hold" grpId="1" nodeType="withEffect">
-                                  <p:stCondLst>
-                                    <p:cond delay="600"/>
-                                  </p:stCondLst>
-                                  <p:childTnLst>
-                                    <p:set>
-                                      <p:cBhvr>
-                                        <p:cTn id="41" dur="1" fill="hold">
-                                          <p:stCondLst>
-                                            <p:cond delay="0"/>
-                                          </p:stCondLst>
-                                        </p:cTn>
-                                        <p:tgtEl>
-                                          <p:spTgt spid="18448"/>
-                                        </p:tgtEl>
-                                        <p:attrNameLst>
-                                          <p:attrName>style.visibility</p:attrName>
-                                        </p:attrNameLst>
-                                      </p:cBhvr>
-                                      <p:to>
-                                        <p:strVal val="visible"/>
-                                      </p:to>
-                                    </p:set>
-                                    <p:animEffect transition="in" filter="fade">
-                                      <p:cBhvr>
-                                        <p:cTn id="42" dur="2000"/>
-                                        <p:tgtEl>
-                                          <p:spTgt spid="18448"/>
-                                        </p:tgtEl>
-                                      </p:cBhvr>
-                                    </p:animEffect>
-                                  </p:childTnLst>
-                                </p:cTn>
-                              </p:par>
-                              <p:par>
-                                <p:cTn id="43" presetID="10" presetClass="entr" presetSubtype="0" fill="hold" grpId="1" nodeType="withEffect">
+                                <p:cTn id="18" presetID="10" presetClass="entr" presetSubtype="0" fill="hold" grpId="1" nodeType="withEffect">
                                   <p:stCondLst>
                                     <p:cond delay="1200"/>
                                   </p:stCondLst>
                                   <p:childTnLst>
                                     <p:set>
                                       <p:cBhvr>
-                                        <p:cTn id="44" dur="1" fill="hold">
+                                        <p:cTn id="19" dur="1" fill="hold">
                                           <p:stCondLst>
                                             <p:cond delay="0"/>
                                           </p:stCondLst>
@@ -16484,7 +15201,7 @@
                                     </p:set>
                                     <p:animEffect transition="in" filter="fade">
                                       <p:cBhvr>
-                                        <p:cTn id="45" dur="2000"/>
+                                        <p:cTn id="20" dur="2000"/>
                                         <p:tgtEl>
                                           <p:spTgt spid="18449"/>
                                         </p:tgtEl>
@@ -16494,49 +15211,14 @@
                                 </p:cTn>
                               </p:par>
                               <p:par>
-                                <p:cTn id="46" presetID="10" presetClass="entr" presetSubtype="0" fill="hold" grpId="1" nodeType="withEffect">
-                                  <p:stCondLst>
-                                    <p:cond delay="1200"/>
-                                  </p:stCondLst>
-                                  <p:childTnLst>
-                                    <p:set>
-                                      <p:cBhvr>
-                                        <p:cTn id="47" dur="1" fill="hold">
-                                          <p:stCondLst>
-                                            <p:cond delay="0"/>
-                                          </p:stCondLst>
-                                        </p:cTn>
-                                        <p:tgtEl>
-                                          <p:spTgt spid="18450"/>
-                                        </p:tgtEl>
-                                        <p:attrNameLst>
-                                          <p:attrName>style.visibility</p:attrName>
-                                        </p:attrNameLst>
-                                      </p:cBhvr>
-                                      <p:to>
-                                        <p:strVal val="visible"/>
-                                      </p:to>
-                                    </p:set>
-                                    <p:animEffect transition="in" filter="fade">
-                                      <p:cBhvr>
-                                        <p:cTn id="48" dur="2000"/>
-                                        <p:tgtEl>
-                                          <p:spTgt spid="18450"/>
-                                        </p:tgtEl>
-                                      </p:cBhvr>
-                                    </p:animEffect>
-                                  </p:childTnLst>
-                                </p:cTn>
-                              </p:par>
-                              <p:par>
-                                <p:cTn id="49" presetID="10" presetClass="entr" presetSubtype="0" fill="hold" grpId="1" nodeType="withEffect">
+                                <p:cTn id="21" presetID="10" presetClass="entr" presetSubtype="0" fill="hold" grpId="1" nodeType="withEffect">
                                   <p:stCondLst>
                                     <p:cond delay="1800"/>
                                   </p:stCondLst>
                                   <p:childTnLst>
                                     <p:set>
                                       <p:cBhvr>
-                                        <p:cTn id="50" dur="1" fill="hold">
+                                        <p:cTn id="22" dur="1" fill="hold">
                                           <p:stCondLst>
                                             <p:cond delay="0"/>
                                           </p:stCondLst>
@@ -16554,79 +15236,9 @@
                                     </p:set>
                                     <p:animEffect transition="in" filter="fade">
                                       <p:cBhvr>
-                                        <p:cTn id="51" dur="2000"/>
+                                        <p:cTn id="23" dur="2000"/>
                                         <p:tgtEl>
                                           <p:spTgt spid="18451"/>
-                                        </p:tgtEl>
-                                      </p:cBhvr>
-                                    </p:animEffect>
-                                  </p:childTnLst>
-                                </p:cTn>
-                              </p:par>
-                              <p:par>
-                                <p:cTn id="52" presetID="10" presetClass="entr" presetSubtype="0" fill="hold" grpId="1" nodeType="withEffect">
-                                  <p:stCondLst>
-                                    <p:cond delay="1800"/>
-                                  </p:stCondLst>
-                                  <p:childTnLst>
-                                    <p:set>
-                                      <p:cBhvr>
-                                        <p:cTn id="53" dur="1" fill="hold">
-                                          <p:stCondLst>
-                                            <p:cond delay="0"/>
-                                          </p:stCondLst>
-                                        </p:cTn>
-                                        <p:tgtEl>
-                                          <p:spTgt spid="18452"/>
-                                        </p:tgtEl>
-                                        <p:attrNameLst>
-                                          <p:attrName>style.visibility</p:attrName>
-                                        </p:attrNameLst>
-                                      </p:cBhvr>
-                                      <p:to>
-                                        <p:strVal val="visible"/>
-                                      </p:to>
-                                    </p:set>
-                                    <p:animEffect transition="in" filter="fade">
-                                      <p:cBhvr>
-                                        <p:cTn id="54" dur="2000"/>
-                                        <p:tgtEl>
-                                          <p:spTgt spid="18452"/>
-                                        </p:tgtEl>
-                                      </p:cBhvr>
-                                    </p:animEffect>
-                                  </p:childTnLst>
-                                </p:cTn>
-                              </p:par>
-                              <p:par>
-                                <p:cTn id="55" presetID="10" presetClass="entr" presetSubtype="0" fill="hold" grpId="1" nodeType="withEffect">
-                                  <p:stCondLst>
-                                    <p:cond delay="1800"/>
-                                  </p:stCondLst>
-                                  <p:childTnLst>
-                                    <p:set>
-                                      <p:cBhvr>
-                                        <p:cTn id="56" dur="1" fill="hold">
-                                          <p:stCondLst>
-                                            <p:cond delay="0"/>
-                                          </p:stCondLst>
-                                        </p:cTn>
-                                        <p:tgtEl>
-                                          <p:spTgt spid="18453"/>
-                                        </p:tgtEl>
-                                        <p:attrNameLst>
-                                          <p:attrName>style.visibility</p:attrName>
-                                        </p:attrNameLst>
-                                      </p:cBhvr>
-                                      <p:to>
-                                        <p:strVal val="visible"/>
-                                      </p:to>
-                                    </p:set>
-                                    <p:animEffect transition="in" filter="fade">
-                                      <p:cBhvr>
-                                        <p:cTn id="57" dur="2000"/>
-                                        <p:tgtEl>
-                                          <p:spTgt spid="18453"/>
                                         </p:tgtEl>
                                       </p:cBhvr>
                                     </p:animEffect>
@@ -16662,24 +15274,460 @@
     </p:tnLst>
     <p:bldLst>
       <p:bldP spid="18439" grpId="0" bldLvl="0"/>
-      <p:bldP spid="18448" grpId="0" bldLvl="0"/>
-      <p:bldP spid="18448" grpId="1" bldLvl="0"/>
       <p:bldP spid="18449" grpId="0" bldLvl="0"/>
       <p:bldP spid="18449" grpId="1" bldLvl="0"/>
-      <p:bldP spid="18450" grpId="0" bldLvl="0"/>
-      <p:bldP spid="18450" grpId="1" bldLvl="0"/>
       <p:bldP spid="18451" grpId="0" bldLvl="0"/>
       <p:bldP spid="18451" grpId="1" bldLvl="0"/>
-      <p:bldP spid="18452" grpId="0" bldLvl="0"/>
-      <p:bldP spid="18452" grpId="1" bldLvl="0"/>
-      <p:bldP spid="18453" grpId="0" bldLvl="0"/>
-      <p:bldP spid="18453" grpId="1" bldLvl="0"/>
     </p:bldLst>
   </p:timing>
 </p:sld>
 </file>
 
 <file path=ppt/slides/slide4.xml><?xml version="1.0" encoding="utf-8"?>
+<p:sld xmlns:a="http://schemas.openxmlformats.org/drawingml/2006/main" xmlns:r="http://schemas.openxmlformats.org/officeDocument/2006/relationships" xmlns:p="http://schemas.openxmlformats.org/presentationml/2006/main">
+  <p:cSld>
+    <p:spTree>
+      <p:nvGrpSpPr>
+        <p:cNvPr id="1" name=""/>
+        <p:cNvGrpSpPr/>
+        <p:nvPr/>
+      </p:nvGrpSpPr>
+      <p:grpSpPr>
+        <a:xfrm>
+          <a:off x="0" y="0"/>
+          <a:ext cx="0" cy="0"/>
+          <a:chOff x="0" y="0"/>
+          <a:chExt cx="0" cy="0"/>
+        </a:xfrm>
+      </p:grpSpPr>
+      <p:sp>
+        <p:nvSpPr>
+          <p:cNvPr id="2" name="Text Box 7">
+            <a:extLst>
+              <a:ext uri="{FF2B5EF4-FFF2-40B4-BE49-F238E27FC236}">
+                <a16:creationId xmlns:a16="http://schemas.microsoft.com/office/drawing/2014/main" id="{EE019B40-4E47-4F66-889E-7D1D3C67D077}"/>
+              </a:ext>
+            </a:extLst>
+          </p:cNvPr>
+          <p:cNvSpPr txBox="1"/>
+          <p:nvPr/>
+        </p:nvSpPr>
+        <p:spPr>
+          <a:xfrm>
+            <a:off x="692150" y="804830"/>
+            <a:ext cx="7650572" cy="1311128"/>
+          </a:xfrm>
+          <a:prstGeom prst="rect">
+            <a:avLst/>
+          </a:prstGeom>
+          <a:noFill/>
+          <a:ln w="9525">
+            <a:noFill/>
+          </a:ln>
+        </p:spPr>
+        <p:txBody>
+          <a:bodyPr wrap="square">
+            <a:spAutoFit/>
+          </a:bodyPr>
+          <a:lstStyle>
+            <a:lvl1pPr marL="228600" indent="-228600" algn="l" rtl="0" eaLnBrk="0" fontAlgn="base" hangingPunct="0">
+              <a:lnSpc>
+                <a:spcPct val="90000"/>
+              </a:lnSpc>
+              <a:spcBef>
+                <a:spcPct val="30000"/>
+              </a:spcBef>
+              <a:spcAft>
+                <a:spcPct val="0"/>
+              </a:spcAft>
+              <a:buFont typeface="Arial" panose="020B0604020202020204" pitchFamily="34" charset="0"/>
+              <a:buChar char="•"/>
+              <a:defRPr sz="2800">
+                <a:solidFill>
+                  <a:schemeClr val="tx1"/>
+                </a:solidFill>
+                <a:latin typeface="+mn-lt"/>
+                <a:ea typeface="+mn-ea"/>
+                <a:cs typeface="+mn-cs"/>
+              </a:defRPr>
+            </a:lvl1pPr>
+            <a:lvl2pPr marL="685800" indent="-228600" algn="l" rtl="0" eaLnBrk="0" fontAlgn="base" hangingPunct="0">
+              <a:lnSpc>
+                <a:spcPct val="90000"/>
+              </a:lnSpc>
+              <a:spcBef>
+                <a:spcPct val="30000"/>
+              </a:spcBef>
+              <a:spcAft>
+                <a:spcPct val="0"/>
+              </a:spcAft>
+              <a:buFont typeface="Arial" panose="020B0604020202020204" pitchFamily="34" charset="0"/>
+              <a:buChar char="•"/>
+              <a:defRPr sz="2400">
+                <a:solidFill>
+                  <a:schemeClr val="tx1"/>
+                </a:solidFill>
+                <a:latin typeface="+mn-lt"/>
+                <a:ea typeface="+mn-ea"/>
+              </a:defRPr>
+            </a:lvl2pPr>
+            <a:lvl3pPr marL="1143000" indent="-228600" algn="l" rtl="0" eaLnBrk="0" fontAlgn="base" hangingPunct="0">
+              <a:lnSpc>
+                <a:spcPct val="90000"/>
+              </a:lnSpc>
+              <a:spcBef>
+                <a:spcPct val="30000"/>
+              </a:spcBef>
+              <a:spcAft>
+                <a:spcPct val="0"/>
+              </a:spcAft>
+              <a:buFont typeface="Arial" panose="020B0604020202020204" pitchFamily="34" charset="0"/>
+              <a:buChar char="•"/>
+              <a:defRPr sz="2000">
+                <a:solidFill>
+                  <a:schemeClr val="tx1"/>
+                </a:solidFill>
+                <a:latin typeface="+mn-lt"/>
+                <a:ea typeface="+mn-ea"/>
+              </a:defRPr>
+            </a:lvl3pPr>
+            <a:lvl4pPr marL="1600200" indent="-228600" algn="l" rtl="0" eaLnBrk="0" fontAlgn="base" hangingPunct="0">
+              <a:lnSpc>
+                <a:spcPct val="90000"/>
+              </a:lnSpc>
+              <a:spcBef>
+                <a:spcPct val="30000"/>
+              </a:spcBef>
+              <a:spcAft>
+                <a:spcPct val="0"/>
+              </a:spcAft>
+              <a:buFont typeface="Arial" panose="020B0604020202020204" pitchFamily="34" charset="0"/>
+              <a:buChar char="•"/>
+              <a:defRPr sz="2000">
+                <a:solidFill>
+                  <a:schemeClr val="tx1"/>
+                </a:solidFill>
+                <a:latin typeface="+mn-lt"/>
+                <a:ea typeface="+mn-ea"/>
+              </a:defRPr>
+            </a:lvl4pPr>
+            <a:lvl5pPr marL="2057400" indent="-228600" algn="l" rtl="0" eaLnBrk="0" fontAlgn="base" hangingPunct="0">
+              <a:lnSpc>
+                <a:spcPct val="90000"/>
+              </a:lnSpc>
+              <a:spcBef>
+                <a:spcPct val="30000"/>
+              </a:spcBef>
+              <a:spcAft>
+                <a:spcPct val="0"/>
+              </a:spcAft>
+              <a:buFont typeface="Arial" panose="020B0604020202020204" pitchFamily="34" charset="0"/>
+              <a:buChar char="•"/>
+              <a:defRPr sz="2000">
+                <a:solidFill>
+                  <a:schemeClr val="tx1"/>
+                </a:solidFill>
+                <a:latin typeface="+mn-lt"/>
+                <a:ea typeface="+mn-ea"/>
+              </a:defRPr>
+            </a:lvl5pPr>
+          </a:lstStyle>
+          <a:p>
+            <a:pPr marL="0" indent="0" eaLnBrk="1">
+              <a:spcBef>
+                <a:spcPct val="0"/>
+              </a:spcBef>
+              <a:buFont typeface="Arial" panose="020B0604020202020204" pitchFamily="34" charset="0"/>
+              <a:buNone/>
+              <a:defRPr/>
+            </a:pPr>
+            <a:r>
+              <a:rPr lang="zh-CN" altLang="en-US" sz="2400" b="1" noProof="1">
+                <a:solidFill>
+                  <a:srgbClr val="777777"/>
+                </a:solidFill>
+                <a:ea typeface="微软雅黑" panose="020B0503020204020204" pitchFamily="34" charset="-122"/>
+              </a:rPr>
+              <a:t>功能：</a:t>
+            </a:r>
+          </a:p>
+          <a:p>
+            <a:pPr marL="0" indent="0" eaLnBrk="1">
+              <a:spcBef>
+                <a:spcPct val="0"/>
+              </a:spcBef>
+              <a:buFont typeface="Arial" panose="020B0604020202020204" pitchFamily="34" charset="0"/>
+              <a:buNone/>
+              <a:defRPr/>
+            </a:pPr>
+            <a:r>
+              <a:rPr lang="zh-CN" altLang="en-US" sz="2400" b="1" dirty="0">
+                <a:solidFill>
+                  <a:srgbClr val="777777"/>
+                </a:solidFill>
+                <a:ea typeface="微软雅黑" panose="020B0503020204020204" pitchFamily="34" charset="-122"/>
+              </a:rPr>
+              <a:t>总体界面</a:t>
+            </a:r>
+            <a:r>
+              <a:rPr lang="en-US" altLang="zh-CN" sz="2400" b="1" dirty="0">
+                <a:solidFill>
+                  <a:srgbClr val="777777"/>
+                </a:solidFill>
+                <a:ea typeface="微软雅黑" panose="020B0503020204020204" pitchFamily="34" charset="-122"/>
+              </a:rPr>
+              <a:t> VIP</a:t>
+            </a:r>
+            <a:r>
+              <a:rPr lang="zh-CN" altLang="en-US" sz="2400" b="1" dirty="0">
+                <a:solidFill>
+                  <a:srgbClr val="777777"/>
+                </a:solidFill>
+                <a:ea typeface="微软雅黑" panose="020B0503020204020204" pitchFamily="34" charset="-122"/>
+              </a:rPr>
+              <a:t>用户登陆 记录使用时间 退出（邢国浩）：</a:t>
+            </a:r>
+            <a:endParaRPr lang="en-US" altLang="zh-CN" sz="2400" b="1" dirty="0">
+              <a:solidFill>
+                <a:srgbClr val="777777"/>
+              </a:solidFill>
+              <a:ea typeface="微软雅黑" panose="020B0503020204020204" pitchFamily="34" charset="-122"/>
+            </a:endParaRPr>
+          </a:p>
+          <a:p>
+            <a:pPr marL="0" indent="0" eaLnBrk="1">
+              <a:spcBef>
+                <a:spcPct val="0"/>
+              </a:spcBef>
+              <a:buFont typeface="Arial" panose="020B0604020202020204" pitchFamily="34" charset="0"/>
+              <a:buNone/>
+              <a:defRPr/>
+            </a:pPr>
+            <a:endParaRPr lang="en-US" altLang="zh-CN" sz="2400" b="1" dirty="0">
+              <a:solidFill>
+                <a:srgbClr val="777777"/>
+              </a:solidFill>
+              <a:ea typeface="微软雅黑" panose="020B0503020204020204" pitchFamily="34" charset="-122"/>
+            </a:endParaRPr>
+          </a:p>
+          <a:p>
+            <a:pPr marL="285750" indent="-285750" eaLnBrk="1">
+              <a:spcBef>
+                <a:spcPct val="0"/>
+              </a:spcBef>
+              <a:buFont typeface="Wingdings" panose="05000000000000000000" charset="0"/>
+              <a:buChar char="Ø"/>
+              <a:defRPr/>
+            </a:pPr>
+            <a:endParaRPr lang="zh-CN" altLang="en-US" sz="1600" b="1" dirty="0">
+              <a:solidFill>
+                <a:srgbClr val="777777"/>
+              </a:solidFill>
+              <a:ea typeface="微软雅黑" panose="020B0503020204020204" pitchFamily="34" charset="-122"/>
+            </a:endParaRPr>
+          </a:p>
+        </p:txBody>
+      </p:sp>
+      <p:sp>
+        <p:nvSpPr>
+          <p:cNvPr id="3" name="文本框 2">
+            <a:extLst>
+              <a:ext uri="{FF2B5EF4-FFF2-40B4-BE49-F238E27FC236}">
+                <a16:creationId xmlns:a16="http://schemas.microsoft.com/office/drawing/2014/main" id="{B7F7C060-86F8-4221-A696-E503036BE5AC}"/>
+              </a:ext>
+            </a:extLst>
+          </p:cNvPr>
+          <p:cNvSpPr txBox="1"/>
+          <p:nvPr/>
+        </p:nvSpPr>
+        <p:spPr>
+          <a:xfrm>
+            <a:off x="692149" y="1970200"/>
+            <a:ext cx="10997088" cy="2585323"/>
+          </a:xfrm>
+          <a:prstGeom prst="rect">
+            <a:avLst/>
+          </a:prstGeom>
+          <a:noFill/>
+        </p:spPr>
+        <p:txBody>
+          <a:bodyPr wrap="square" rtlCol="0">
+            <a:spAutoFit/>
+          </a:bodyPr>
+          <a:lstStyle/>
+          <a:p>
+            <a:r>
+              <a:rPr lang="zh-CN" altLang="en-US" dirty="0"/>
+              <a:t>实现了</a:t>
+            </a:r>
+            <a:r>
+              <a:rPr lang="en-US" altLang="zh-CN" dirty="0"/>
+              <a:t>VIP</a:t>
+            </a:r>
+            <a:r>
+              <a:rPr lang="zh-CN" altLang="en-US" dirty="0"/>
+              <a:t>的登陆功能，用户用密码登陆</a:t>
+            </a:r>
+            <a:r>
+              <a:rPr lang="en-US" altLang="zh-CN" dirty="0"/>
+              <a:t>VIP</a:t>
+            </a:r>
+            <a:r>
+              <a:rPr lang="zh-CN" altLang="en-US" dirty="0"/>
+              <a:t>后（要选是才算登陆，否则不算登陆了）。可以拥有对词库源文件查看的权限（可以直接打开了）</a:t>
+            </a:r>
+            <a:endParaRPr lang="en-US" altLang="zh-CN" dirty="0"/>
+          </a:p>
+          <a:p>
+            <a:endParaRPr lang="en-US" altLang="zh-CN" dirty="0"/>
+          </a:p>
+          <a:p>
+            <a:r>
+              <a:rPr lang="zh-CN" altLang="en-US" dirty="0"/>
+              <a:t>如果它不是</a:t>
+            </a:r>
+            <a:r>
+              <a:rPr lang="en-US" altLang="zh-CN" dirty="0"/>
+              <a:t>VIP</a:t>
+            </a:r>
+            <a:r>
+              <a:rPr lang="zh-CN" altLang="en-US" dirty="0"/>
+              <a:t>用户 我们给出的对话框里面会提示它上网开通（当然这个网站我们没做，就用项目的</a:t>
+            </a:r>
+            <a:r>
+              <a:rPr lang="en-US" altLang="zh-CN" dirty="0"/>
+              <a:t>GITHUB</a:t>
+            </a:r>
+            <a:r>
+              <a:rPr lang="zh-CN" altLang="en-US" dirty="0"/>
+              <a:t>网址代替了）</a:t>
+            </a:r>
+            <a:endParaRPr lang="en-US" altLang="zh-CN" dirty="0"/>
+          </a:p>
+          <a:p>
+            <a:endParaRPr lang="en-US" altLang="zh-CN" dirty="0"/>
+          </a:p>
+          <a:p>
+            <a:r>
+              <a:rPr lang="zh-CN" altLang="en-US" dirty="0"/>
+              <a:t>用户单击使用时间按钮，可以看到使用时间（为了防止闪烁问题，我们并没有把这个做成自己更新）</a:t>
+            </a:r>
+            <a:endParaRPr lang="en-US" altLang="zh-CN" dirty="0"/>
+          </a:p>
+          <a:p>
+            <a:endParaRPr lang="en-US" altLang="zh-CN" dirty="0"/>
+          </a:p>
+          <a:p>
+            <a:r>
+              <a:rPr lang="zh-CN" altLang="en-US" dirty="0"/>
+              <a:t>单击退出，显示“是否退出”。选“是”就退出了</a:t>
+            </a:r>
+          </a:p>
+        </p:txBody>
+      </p:sp>
+    </p:spTree>
+    <p:extLst>
+      <p:ext uri="{BB962C8B-B14F-4D97-AF65-F5344CB8AC3E}">
+        <p14:creationId xmlns:p14="http://schemas.microsoft.com/office/powerpoint/2010/main" val="568665674"/>
+      </p:ext>
+    </p:extLst>
+  </p:cSld>
+  <p:clrMapOvr>
+    <a:masterClrMapping/>
+  </p:clrMapOvr>
+  <p:timing>
+    <p:tnLst>
+      <p:par>
+        <p:cTn id="1" dur="indefinite" restart="never" nodeType="tmRoot">
+          <p:childTnLst>
+            <p:seq concurrent="1" nextAc="seek">
+              <p:cTn id="2" dur="indefinite" nodeType="mainSeq">
+                <p:childTnLst>
+                  <p:par>
+                    <p:cTn id="3" fill="hold">
+                      <p:stCondLst>
+                        <p:cond delay="indefinite"/>
+                        <p:cond evt="onBegin" delay="0">
+                          <p:tn val="2"/>
+                        </p:cond>
+                      </p:stCondLst>
+                      <p:childTnLst>
+                        <p:par>
+                          <p:cTn id="4" fill="hold">
+                            <p:stCondLst>
+                              <p:cond delay="0"/>
+                            </p:stCondLst>
+                            <p:childTnLst>
+                              <p:par>
+                                <p:cTn id="5" presetID="10" presetClass="entr" presetSubtype="0" fill="hold" grpId="0" nodeType="withEffect">
+                                  <p:stCondLst>
+                                    <p:cond delay="500"/>
+                                  </p:stCondLst>
+                                  <p:childTnLst>
+                                    <p:set>
+                                      <p:cBhvr>
+                                        <p:cTn id="6" dur="1" fill="hold">
+                                          <p:stCondLst>
+                                            <p:cond delay="0"/>
+                                          </p:stCondLst>
+                                        </p:cTn>
+                                        <p:tgtEl>
+                                          <p:spTgt spid="2"/>
+                                        </p:tgtEl>
+                                        <p:attrNameLst>
+                                          <p:attrName>style.visibility</p:attrName>
+                                        </p:attrNameLst>
+                                      </p:cBhvr>
+                                      <p:to>
+                                        <p:strVal val="visible"/>
+                                      </p:to>
+                                    </p:set>
+                                    <p:animEffect transition="in" filter="fade">
+                                      <p:cBhvr>
+                                        <p:cTn id="7" dur="500"/>
+                                        <p:tgtEl>
+                                          <p:spTgt spid="2"/>
+                                        </p:tgtEl>
+                                      </p:cBhvr>
+                                    </p:animEffect>
+                                  </p:childTnLst>
+                                </p:cTn>
+                              </p:par>
+                            </p:childTnLst>
+                          </p:cTn>
+                        </p:par>
+                      </p:childTnLst>
+                    </p:cTn>
+                  </p:par>
+                </p:childTnLst>
+              </p:cTn>
+              <p:prevCondLst>
+                <p:cond evt="onPrev" delay="0">
+                  <p:tgtEl>
+                    <p:sldTgt/>
+                  </p:tgtEl>
+                </p:cond>
+              </p:prevCondLst>
+              <p:nextCondLst>
+                <p:cond evt="onNext" delay="0">
+                  <p:tgtEl>
+                    <p:sldTgt/>
+                  </p:tgtEl>
+                </p:cond>
+              </p:nextCondLst>
+            </p:seq>
+          </p:childTnLst>
+        </p:cTn>
+      </p:par>
+    </p:tnLst>
+    <p:bldLst>
+      <p:bldP spid="2" grpId="0" bldLvl="0"/>
+    </p:bldLst>
+  </p:timing>
+</p:sld>
+</file>
+
+<file path=ppt/slides/slide5.xml><?xml version="1.0" encoding="utf-8"?>
 <p:sld xmlns:a="http://schemas.openxmlformats.org/drawingml/2006/main" xmlns:r="http://schemas.openxmlformats.org/officeDocument/2006/relationships" xmlns:p="http://schemas.openxmlformats.org/presentationml/2006/main">
   <p:cSld>
     <p:spTree>
@@ -16975,7 +16023,7 @@
         <p:spPr>
           <a:xfrm>
             <a:off x="692150" y="1106488"/>
-            <a:ext cx="3568700" cy="4191917"/>
+            <a:ext cx="3568700" cy="1311128"/>
           </a:xfrm>
           <a:prstGeom prst="rect">
             <a:avLst/>
@@ -17108,25 +16156,7 @@
                 </a:solidFill>
                 <a:ea typeface="微软雅黑" panose="020B0503020204020204" pitchFamily="34" charset="-122"/>
               </a:rPr>
-              <a:t>功能</a:t>
-            </a:r>
-            <a:r>
-              <a:rPr lang="en-US" altLang="zh-CN" sz="2400" b="1" noProof="1">
-                <a:solidFill>
-                  <a:srgbClr val="777777"/>
-                </a:solidFill>
-                <a:ea typeface="微软雅黑" panose="020B0503020204020204" pitchFamily="34" charset="-122"/>
-              </a:rPr>
-              <a:t>1</a:t>
-            </a:r>
-            <a:r>
-              <a:rPr lang="zh-CN" altLang="en-US" sz="2400" b="1" noProof="1">
-                <a:solidFill>
-                  <a:srgbClr val="777777"/>
-                </a:solidFill>
-                <a:ea typeface="微软雅黑" panose="020B0503020204020204" pitchFamily="34" charset="-122"/>
-              </a:rPr>
-              <a:t>：</a:t>
+              <a:t>功能：</a:t>
             </a:r>
           </a:p>
           <a:p>
@@ -17171,34 +16201,6 @@
             </a:endParaRPr>
           </a:p>
           <a:p>
-            <a:pPr marL="342900" indent="-342900" eaLnBrk="1">
-              <a:spcBef>
-                <a:spcPct val="0"/>
-              </a:spcBef>
-              <a:buFont typeface="Wingdings" panose="05000000000000000000" charset="0"/>
-              <a:buChar char="Ø"/>
-              <a:defRPr/>
-            </a:pPr>
-            <a:r>
-              <a:rPr lang="en-US" altLang="zh-CN" sz="1600" b="1" noProof="1">
-                <a:solidFill>
-                  <a:srgbClr val="777777"/>
-                </a:solidFill>
-                <a:ea typeface="微软雅黑" panose="020B0503020204020204" pitchFamily="34" charset="-122"/>
-              </a:rPr>
-              <a:t>  </a:t>
-            </a:r>
-            <a:r>
-              <a:rPr lang="zh-CN" altLang="en-US" sz="1600" b="1" dirty="0">
-                <a:solidFill>
-                  <a:srgbClr val="777777"/>
-                </a:solidFill>
-                <a:ea typeface="微软雅黑" panose="020B0503020204020204" pitchFamily="34" charset="-122"/>
-              </a:rPr>
-              <a:t>   轮播：使用了网上找到的轮播方法并对其修改，Fragment中内嵌Fragment</a:t>
-            </a:r>
-          </a:p>
-          <a:p>
             <a:pPr marL="285750" indent="-285750" eaLnBrk="1">
               <a:spcBef>
                 <a:spcPct val="0"/>
@@ -17214,986 +16216,9 @@
               <a:ea typeface="微软雅黑" panose="020B0503020204020204" pitchFamily="34" charset="-122"/>
             </a:endParaRPr>
           </a:p>
-          <a:p>
-            <a:pPr marL="285750" indent="-285750" eaLnBrk="1">
-              <a:spcBef>
-                <a:spcPct val="0"/>
-              </a:spcBef>
-              <a:buFont typeface="Wingdings" panose="05000000000000000000" charset="0"/>
-              <a:buChar char="Ø"/>
-              <a:defRPr/>
-            </a:pPr>
-            <a:r>
-              <a:rPr lang="zh-CN" altLang="en-US" sz="1600" b="1" dirty="0">
-                <a:solidFill>
-                  <a:srgbClr val="777777"/>
-                </a:solidFill>
-                <a:ea typeface="微软雅黑" panose="020B0503020204020204" pitchFamily="34" charset="-122"/>
-              </a:rPr>
-              <a:t>     获取所有商品:向服务器发出获取所有商品的请求，最后展示ListView中。</a:t>
-            </a:r>
-          </a:p>
-          <a:p>
-            <a:pPr marL="285750" indent="-285750" eaLnBrk="1">
-              <a:spcBef>
-                <a:spcPct val="0"/>
-              </a:spcBef>
-              <a:buFont typeface="Wingdings" panose="05000000000000000000" charset="0"/>
-              <a:buChar char="Ø"/>
-              <a:defRPr/>
-            </a:pPr>
-            <a:endParaRPr lang="zh-CN" altLang="en-US" sz="1600" b="1" dirty="0">
-              <a:solidFill>
-                <a:srgbClr val="777777"/>
-              </a:solidFill>
-              <a:ea typeface="微软雅黑" panose="020B0503020204020204" pitchFamily="34" charset="-122"/>
-            </a:endParaRPr>
-          </a:p>
-          <a:p>
-            <a:pPr marL="285750" indent="-285750" eaLnBrk="1">
-              <a:spcBef>
-                <a:spcPct val="0"/>
-              </a:spcBef>
-              <a:buFont typeface="Wingdings" panose="05000000000000000000" charset="0"/>
-              <a:buChar char="Ø"/>
-              <a:defRPr/>
-            </a:pPr>
-            <a:r>
-              <a:rPr lang="en-US" altLang="zh-CN" sz="1600" b="1" noProof="1">
-                <a:solidFill>
-                  <a:srgbClr val="777777"/>
-                </a:solidFill>
-                <a:ea typeface="微软雅黑" panose="020B0503020204020204" pitchFamily="34" charset="-122"/>
-                <a:sym typeface="+mn-ea"/>
-              </a:rPr>
-              <a:t>    </a:t>
-            </a:r>
-            <a:r>
-              <a:rPr lang="zh-CN" altLang="en-US" sz="1600" b="1" noProof="1">
-                <a:solidFill>
-                  <a:srgbClr val="777777"/>
-                </a:solidFill>
-                <a:ea typeface="微软雅黑" panose="020B0503020204020204" pitchFamily="34" charset="-122"/>
-                <a:sym typeface="+mn-ea"/>
-              </a:rPr>
-              <a:t>搜索功能</a:t>
-            </a:r>
-            <a:r>
-              <a:rPr lang="en-US" altLang="zh-CN" sz="1600" b="1" noProof="1">
-                <a:solidFill>
-                  <a:srgbClr val="777777"/>
-                </a:solidFill>
-                <a:ea typeface="微软雅黑" panose="020B0503020204020204" pitchFamily="34" charset="-122"/>
-                <a:sym typeface="+mn-ea"/>
-              </a:rPr>
-              <a:t>:</a:t>
-            </a:r>
-            <a:r>
-              <a:rPr lang="zh-CN" altLang="en-US" sz="1600" b="1" noProof="1">
-                <a:solidFill>
-                  <a:srgbClr val="777777"/>
-                </a:solidFill>
-                <a:ea typeface="微软雅黑" panose="020B0503020204020204" pitchFamily="34" charset="-122"/>
-                <a:sym typeface="+mn-ea"/>
-              </a:rPr>
-              <a:t>输入要查找的的关键字，然后点击搜索按钮，把文本框中的输入的字符串传入到服务器进行模糊查询，再把查询到的数据输出回来再放到</a:t>
-            </a:r>
-            <a:r>
-              <a:rPr lang="en-US" altLang="zh-CN" sz="1600" b="1" noProof="1">
-                <a:solidFill>
-                  <a:srgbClr val="777777"/>
-                </a:solidFill>
-                <a:ea typeface="微软雅黑" panose="020B0503020204020204" pitchFamily="34" charset="-122"/>
-                <a:sym typeface="+mn-ea"/>
-              </a:rPr>
-              <a:t>ListView</a:t>
-            </a:r>
-            <a:r>
-              <a:rPr lang="zh-CN" altLang="en-US" sz="1600" b="1" noProof="1">
-                <a:solidFill>
-                  <a:srgbClr val="777777"/>
-                </a:solidFill>
-                <a:ea typeface="微软雅黑" panose="020B0503020204020204" pitchFamily="34" charset="-122"/>
-                <a:sym typeface="+mn-ea"/>
-              </a:rPr>
-              <a:t>中显示。</a:t>
-            </a:r>
-            <a:endParaRPr lang="zh-CN" altLang="en-US" sz="1600" noProof="1"/>
-          </a:p>
-          <a:p>
-            <a:pPr marL="285750" indent="-285750" eaLnBrk="1">
-              <a:spcBef>
-                <a:spcPct val="0"/>
-              </a:spcBef>
-              <a:buFont typeface="Wingdings" panose="05000000000000000000" charset="0"/>
-              <a:buChar char="Ø"/>
-              <a:defRPr/>
-            </a:pPr>
-            <a:endParaRPr lang="zh-CN" altLang="en-US" sz="1600" b="1" dirty="0">
-              <a:solidFill>
-                <a:srgbClr val="777777"/>
-              </a:solidFill>
-              <a:ea typeface="微软雅黑" panose="020B0503020204020204" pitchFamily="34" charset="-122"/>
-            </a:endParaRPr>
-          </a:p>
-        </p:txBody>
-      </p:sp>
-      <p:pic>
-        <p:nvPicPr>
-          <p:cNvPr id="8200" name="图片 1"/>
-          <p:cNvPicPr>
-            <a:picLocks noChangeAspect="1" noChangeArrowheads="1"/>
-          </p:cNvPicPr>
-          <p:nvPr/>
-        </p:nvPicPr>
-        <p:blipFill>
-          <a:blip r:embed="rId7" cstate="email">
-            <a:extLst>
-              <a:ext uri="{28A0092B-C50C-407E-A947-70E740481C1C}">
-                <a14:useLocalDpi xmlns:a14="http://schemas.microsoft.com/office/drawing/2010/main"/>
-              </a:ext>
-            </a:extLst>
-          </a:blip>
-          <a:srcRect/>
-          <a:stretch>
-            <a:fillRect/>
-          </a:stretch>
-        </p:blipFill>
-        <p:spPr bwMode="auto">
-          <a:xfrm>
-            <a:off x="7196138" y="269875"/>
-            <a:ext cx="3919537" cy="6326188"/>
-          </a:xfrm>
-          <a:prstGeom prst="rect">
-            <a:avLst/>
-          </a:prstGeom>
-          <a:noFill/>
-          <a:ln>
-            <a:noFill/>
-          </a:ln>
-          <a:extLst>
-            <a:ext uri="{909E8E84-426E-40DD-AFC4-6F175D3DCCD1}">
-              <a14:hiddenFill xmlns:a14="http://schemas.microsoft.com/office/drawing/2010/main">
-                <a:solidFill>
-                  <a:srgbClr val="FFFFFF"/>
-                </a:solidFill>
-              </a14:hiddenFill>
-            </a:ext>
-            <a:ext uri="{91240B29-F687-4F45-9708-019B960494DF}">
-              <a14:hiddenLine xmlns:a14="http://schemas.microsoft.com/office/drawing/2010/main" w="9525">
-                <a:solidFill>
-                  <a:srgbClr val="000000"/>
-                </a:solidFill>
-                <a:miter lim="800000"/>
-                <a:headEnd/>
-                <a:tailEnd/>
-              </a14:hiddenLine>
-            </a:ext>
-          </a:extLst>
-        </p:spPr>
-      </p:pic>
+        </p:txBody>
+      </p:sp>
     </p:spTree>
-  </p:cSld>
-  <p:clrMapOvr>
-    <a:masterClrMapping/>
-  </p:clrMapOvr>
-  <p:timing>
-    <p:tnLst>
-      <p:par>
-        <p:cTn id="1" dur="indefinite" restart="never" nodeType="tmRoot">
-          <p:childTnLst>
-            <p:seq concurrent="1" nextAc="seek">
-              <p:cTn id="2" dur="indefinite" nodeType="mainSeq">
-                <p:childTnLst>
-                  <p:par>
-                    <p:cTn id="3" fill="hold" nodeType="clickPar">
-                      <p:stCondLst>
-                        <p:cond delay="indefinite"/>
-                        <p:cond evt="onBegin" delay="0">
-                          <p:tn val="2"/>
-                        </p:cond>
-                      </p:stCondLst>
-                      <p:childTnLst>
-                        <p:par>
-                          <p:cTn id="4" fill="hold" nodeType="withGroup">
-                            <p:stCondLst>
-                              <p:cond delay="0"/>
-                            </p:stCondLst>
-                            <p:childTnLst>
-                              <p:par>
-                                <p:cTn id="5" presetID="29" presetClass="entr" presetSubtype="0" fill="hold" nodeType="withEffect">
-                                  <p:stCondLst>
-                                    <p:cond delay="0"/>
-                                  </p:stCondLst>
-                                  <p:childTnLst>
-                                    <p:set>
-                                      <p:cBhvr>
-                                        <p:cTn id="6" dur="1" fill="hold">
-                                          <p:stCondLst>
-                                            <p:cond delay="0"/>
-                                          </p:stCondLst>
-                                        </p:cTn>
-                                        <p:tgtEl>
-                                          <p:spTgt spid="16388"/>
-                                        </p:tgtEl>
-                                        <p:attrNameLst>
-                                          <p:attrName>style.visibility</p:attrName>
-                                        </p:attrNameLst>
-                                      </p:cBhvr>
-                                      <p:to>
-                                        <p:strVal val="visible"/>
-                                      </p:to>
-                                    </p:set>
-                                    <p:anim calcmode="lin" valueType="num">
-                                      <p:cBhvr>
-                                        <p:cTn id="7" dur="500" fill="hold"/>
-                                        <p:tgtEl>
-                                          <p:spTgt spid="16388"/>
-                                        </p:tgtEl>
-                                        <p:attrNameLst>
-                                          <p:attrName>ppt_x</p:attrName>
-                                        </p:attrNameLst>
-                                      </p:cBhvr>
-                                      <p:tavLst>
-                                        <p:tav tm="0">
-                                          <p:val>
-                                            <p:strVal val="#ppt_x-.2"/>
-                                          </p:val>
-                                        </p:tav>
-                                        <p:tav tm="100000">
-                                          <p:val>
-                                            <p:strVal val="#ppt_x"/>
-                                          </p:val>
-                                        </p:tav>
-                                      </p:tavLst>
-                                    </p:anim>
-                                    <p:anim calcmode="lin" valueType="num">
-                                      <p:cBhvr>
-                                        <p:cTn id="8" dur="500" fill="hold"/>
-                                        <p:tgtEl>
-                                          <p:spTgt spid="16388"/>
-                                        </p:tgtEl>
-                                        <p:attrNameLst>
-                                          <p:attrName>ppt_y</p:attrName>
-                                        </p:attrNameLst>
-                                      </p:cBhvr>
-                                      <p:tavLst>
-                                        <p:tav tm="0">
-                                          <p:val>
-                                            <p:strVal val="#ppt_y"/>
-                                          </p:val>
-                                        </p:tav>
-                                        <p:tav tm="100000">
-                                          <p:val>
-                                            <p:strVal val="#ppt_y"/>
-                                          </p:val>
-                                        </p:tav>
-                                      </p:tavLst>
-                                    </p:anim>
-                                    <p:animEffect transition="in" filter="wipe(right)" prLst="gradientSize: 0.1">
-                                      <p:cBhvr>
-                                        <p:cTn id="9" dur="500"/>
-                                        <p:tgtEl>
-                                          <p:spTgt spid="16388"/>
-                                        </p:tgtEl>
-                                      </p:cBhvr>
-                                    </p:animEffect>
-                                  </p:childTnLst>
-                                </p:cTn>
-                              </p:par>
-                              <p:par>
-                                <p:cTn id="10" presetID="47" presetClass="entr" presetSubtype="0" fill="hold" nodeType="withEffect">
-                                  <p:stCondLst>
-                                    <p:cond delay="0"/>
-                                  </p:stCondLst>
-                                  <p:childTnLst>
-                                    <p:set>
-                                      <p:cBhvr>
-                                        <p:cTn id="11" dur="1" fill="hold">
-                                          <p:stCondLst>
-                                            <p:cond delay="0"/>
-                                          </p:stCondLst>
-                                        </p:cTn>
-                                        <p:tgtEl>
-                                          <p:spTgt spid="16387"/>
-                                        </p:tgtEl>
-                                        <p:attrNameLst>
-                                          <p:attrName>style.visibility</p:attrName>
-                                        </p:attrNameLst>
-                                      </p:cBhvr>
-                                      <p:to>
-                                        <p:strVal val="visible"/>
-                                      </p:to>
-                                    </p:set>
-                                    <p:animEffect transition="in" filter="fade">
-                                      <p:cBhvr>
-                                        <p:cTn id="12" dur="500"/>
-                                        <p:tgtEl>
-                                          <p:spTgt spid="16387"/>
-                                        </p:tgtEl>
-                                      </p:cBhvr>
-                                    </p:animEffect>
-                                    <p:anim calcmode="lin" valueType="num">
-                                      <p:cBhvr>
-                                        <p:cTn id="13" dur="500" fill="hold"/>
-                                        <p:tgtEl>
-                                          <p:spTgt spid="16387"/>
-                                        </p:tgtEl>
-                                        <p:attrNameLst>
-                                          <p:attrName>ppt_x</p:attrName>
-                                        </p:attrNameLst>
-                                      </p:cBhvr>
-                                      <p:tavLst>
-                                        <p:tav tm="0">
-                                          <p:val>
-                                            <p:strVal val="#ppt_x"/>
-                                          </p:val>
-                                        </p:tav>
-                                        <p:tav tm="100000">
-                                          <p:val>
-                                            <p:strVal val="#ppt_x"/>
-                                          </p:val>
-                                        </p:tav>
-                                      </p:tavLst>
-                                    </p:anim>
-                                    <p:anim calcmode="lin" valueType="num">
-                                      <p:cBhvr>
-                                        <p:cTn id="14" dur="500" fill="hold"/>
-                                        <p:tgtEl>
-                                          <p:spTgt spid="16387"/>
-                                        </p:tgtEl>
-                                        <p:attrNameLst>
-                                          <p:attrName>ppt_y</p:attrName>
-                                        </p:attrNameLst>
-                                      </p:cBhvr>
-                                      <p:tavLst>
-                                        <p:tav tm="0">
-                                          <p:val>
-                                            <p:strVal val="#ppt_y-.1"/>
-                                          </p:val>
-                                        </p:tav>
-                                        <p:tav tm="100000">
-                                          <p:val>
-                                            <p:strVal val="#ppt_y"/>
-                                          </p:val>
-                                        </p:tav>
-                                      </p:tavLst>
-                                    </p:anim>
-                                  </p:childTnLst>
-                                </p:cTn>
-                              </p:par>
-                              <p:par>
-                                <p:cTn id="15" presetID="10" presetClass="entr" presetSubtype="0" fill="hold" grpId="0" nodeType="withEffect">
-                                  <p:stCondLst>
-                                    <p:cond delay="500"/>
-                                  </p:stCondLst>
-                                  <p:childTnLst>
-                                    <p:set>
-                                      <p:cBhvr>
-                                        <p:cTn id="16" dur="1" fill="hold">
-                                          <p:stCondLst>
-                                            <p:cond delay="0"/>
-                                          </p:stCondLst>
-                                        </p:cTn>
-                                        <p:tgtEl>
-                                          <p:spTgt spid="16391"/>
-                                        </p:tgtEl>
-                                        <p:attrNameLst>
-                                          <p:attrName>style.visibility</p:attrName>
-                                        </p:attrNameLst>
-                                      </p:cBhvr>
-                                      <p:to>
-                                        <p:strVal val="visible"/>
-                                      </p:to>
-                                    </p:set>
-                                    <p:animEffect transition="in" filter="fade">
-                                      <p:cBhvr>
-                                        <p:cTn id="17" dur="500"/>
-                                        <p:tgtEl>
-                                          <p:spTgt spid="16391"/>
-                                        </p:tgtEl>
-                                      </p:cBhvr>
-                                    </p:animEffect>
-                                  </p:childTnLst>
-                                </p:cTn>
-                              </p:par>
-                            </p:childTnLst>
-                          </p:cTn>
-                        </p:par>
-                      </p:childTnLst>
-                    </p:cTn>
-                  </p:par>
-                </p:childTnLst>
-              </p:cTn>
-              <p:prevCondLst>
-                <p:cond evt="onPrev" delay="0">
-                  <p:tgtEl>
-                    <p:sldTgt/>
-                  </p:tgtEl>
-                </p:cond>
-              </p:prevCondLst>
-              <p:nextCondLst>
-                <p:cond evt="onNext" delay="0">
-                  <p:tgtEl>
-                    <p:sldTgt/>
-                  </p:tgtEl>
-                </p:cond>
-              </p:nextCondLst>
-            </p:seq>
-          </p:childTnLst>
-        </p:cTn>
-      </p:par>
-    </p:tnLst>
-    <p:bldLst>
-      <p:bldP spid="16391" grpId="0" bldLvl="0"/>
-    </p:bldLst>
-  </p:timing>
-</p:sld>
-</file>
-
-<file path=ppt/slides/slide5.xml><?xml version="1.0" encoding="utf-8"?>
-<p:sld xmlns:a="http://schemas.openxmlformats.org/drawingml/2006/main" xmlns:r="http://schemas.openxmlformats.org/officeDocument/2006/relationships" xmlns:p="http://schemas.openxmlformats.org/presentationml/2006/main">
-  <p:cSld>
-    <p:spTree>
-      <p:nvGrpSpPr>
-        <p:cNvPr id="1" name=""/>
-        <p:cNvGrpSpPr/>
-        <p:nvPr/>
-      </p:nvGrpSpPr>
-      <p:grpSpPr>
-        <a:xfrm>
-          <a:off x="0" y="0"/>
-          <a:ext cx="0" cy="0"/>
-          <a:chOff x="0" y="0"/>
-          <a:chExt cx="0" cy="0"/>
-        </a:xfrm>
-      </p:grpSpPr>
-      <p:pic>
-        <p:nvPicPr>
-          <p:cNvPr id="8194" name="Picture 2" descr="4-1"/>
-          <p:cNvPicPr>
-            <a:picLocks noChangeAspect="1" noChangeArrowheads="1"/>
-          </p:cNvPicPr>
-          <p:nvPr/>
-        </p:nvPicPr>
-        <p:blipFill>
-          <a:blip r:embed="rId2" cstate="email">
-            <a:extLst>
-              <a:ext uri="{28A0092B-C50C-407E-A947-70E740481C1C}">
-                <a14:useLocalDpi xmlns:a14="http://schemas.microsoft.com/office/drawing/2010/main"/>
-              </a:ext>
-            </a:extLst>
-          </a:blip>
-          <a:srcRect/>
-          <a:stretch>
-            <a:fillRect/>
-          </a:stretch>
-        </p:blipFill>
-        <p:spPr bwMode="auto">
-          <a:xfrm>
-            <a:off x="0" y="-3175"/>
-            <a:ext cx="12241213" cy="6881813"/>
-          </a:xfrm>
-          <a:prstGeom prst="rect">
-            <a:avLst/>
-          </a:prstGeom>
-          <a:noFill/>
-          <a:ln>
-            <a:noFill/>
-          </a:ln>
-          <a:extLst>
-            <a:ext uri="{909E8E84-426E-40DD-AFC4-6F175D3DCCD1}">
-              <a14:hiddenFill xmlns:a14="http://schemas.microsoft.com/office/drawing/2010/main">
-                <a:solidFill>
-                  <a:srgbClr val="FFFFFF"/>
-                </a:solidFill>
-              </a14:hiddenFill>
-            </a:ext>
-            <a:ext uri="{91240B29-F687-4F45-9708-019B960494DF}">
-              <a14:hiddenLine xmlns:a14="http://schemas.microsoft.com/office/drawing/2010/main" w="9525">
-                <a:solidFill>
-                  <a:srgbClr val="000000"/>
-                </a:solidFill>
-                <a:miter lim="800000"/>
-                <a:headEnd/>
-                <a:tailEnd/>
-              </a14:hiddenLine>
-            </a:ext>
-          </a:extLst>
-        </p:spPr>
-      </p:pic>
-      <p:pic>
-        <p:nvPicPr>
-          <p:cNvPr id="16387" name="Picture 3" descr="4-1"/>
-          <p:cNvPicPr>
-            <a:picLocks noChangeAspect="1" noChangeArrowheads="1"/>
-          </p:cNvPicPr>
-          <p:nvPr/>
-        </p:nvPicPr>
-        <p:blipFill>
-          <a:blip r:embed="rId3" cstate="email">
-            <a:extLst>
-              <a:ext uri="{28A0092B-C50C-407E-A947-70E740481C1C}">
-                <a14:useLocalDpi xmlns:a14="http://schemas.microsoft.com/office/drawing/2010/main"/>
-              </a:ext>
-            </a:extLst>
-          </a:blip>
-          <a:srcRect/>
-          <a:stretch>
-            <a:fillRect/>
-          </a:stretch>
-        </p:blipFill>
-        <p:spPr bwMode="auto">
-          <a:xfrm>
-            <a:off x="11625263" y="-3175"/>
-            <a:ext cx="254000" cy="6521450"/>
-          </a:xfrm>
-          <a:prstGeom prst="rect">
-            <a:avLst/>
-          </a:prstGeom>
-          <a:noFill/>
-          <a:ln>
-            <a:noFill/>
-          </a:ln>
-          <a:extLst>
-            <a:ext uri="{909E8E84-426E-40DD-AFC4-6F175D3DCCD1}">
-              <a14:hiddenFill xmlns:a14="http://schemas.microsoft.com/office/drawing/2010/main">
-                <a:solidFill>
-                  <a:srgbClr val="FFFFFF"/>
-                </a:solidFill>
-              </a14:hiddenFill>
-            </a:ext>
-            <a:ext uri="{91240B29-F687-4F45-9708-019B960494DF}">
-              <a14:hiddenLine xmlns:a14="http://schemas.microsoft.com/office/drawing/2010/main" w="9525">
-                <a:solidFill>
-                  <a:srgbClr val="000000"/>
-                </a:solidFill>
-                <a:miter lim="800000"/>
-                <a:headEnd/>
-                <a:tailEnd/>
-              </a14:hiddenLine>
-            </a:ext>
-          </a:extLst>
-        </p:spPr>
-      </p:pic>
-      <p:pic>
-        <p:nvPicPr>
-          <p:cNvPr id="16388" name="Picture 4" descr="4-2"/>
-          <p:cNvPicPr>
-            <a:picLocks noChangeAspect="1" noChangeArrowheads="1"/>
-          </p:cNvPicPr>
-          <p:nvPr/>
-        </p:nvPicPr>
-        <p:blipFill>
-          <a:blip r:embed="rId4" cstate="email">
-            <a:extLst>
-              <a:ext uri="{28A0092B-C50C-407E-A947-70E740481C1C}">
-                <a14:useLocalDpi xmlns:a14="http://schemas.microsoft.com/office/drawing/2010/main"/>
-              </a:ext>
-            </a:extLst>
-          </a:blip>
-          <a:srcRect/>
-          <a:stretch>
-            <a:fillRect/>
-          </a:stretch>
-        </p:blipFill>
-        <p:spPr bwMode="auto">
-          <a:xfrm>
-            <a:off x="1730375" y="6297613"/>
-            <a:ext cx="271463" cy="384175"/>
-          </a:xfrm>
-          <a:prstGeom prst="rect">
-            <a:avLst/>
-          </a:prstGeom>
-          <a:noFill/>
-          <a:ln>
-            <a:noFill/>
-          </a:ln>
-          <a:extLst>
-            <a:ext uri="{909E8E84-426E-40DD-AFC4-6F175D3DCCD1}">
-              <a14:hiddenFill xmlns:a14="http://schemas.microsoft.com/office/drawing/2010/main">
-                <a:solidFill>
-                  <a:srgbClr val="FFFFFF"/>
-                </a:solidFill>
-              </a14:hiddenFill>
-            </a:ext>
-            <a:ext uri="{91240B29-F687-4F45-9708-019B960494DF}">
-              <a14:hiddenLine xmlns:a14="http://schemas.microsoft.com/office/drawing/2010/main" w="9525">
-                <a:solidFill>
-                  <a:srgbClr val="000000"/>
-                </a:solidFill>
-                <a:miter lim="800000"/>
-                <a:headEnd/>
-                <a:tailEnd/>
-              </a14:hiddenLine>
-            </a:ext>
-          </a:extLst>
-        </p:spPr>
-      </p:pic>
-      <p:pic>
-        <p:nvPicPr>
-          <p:cNvPr id="8197" name="Picture 5" descr="5-6"/>
-          <p:cNvPicPr>
-            <a:picLocks noChangeAspect="1" noChangeArrowheads="1"/>
-          </p:cNvPicPr>
-          <p:nvPr/>
-        </p:nvPicPr>
-        <p:blipFill>
-          <a:blip r:embed="rId5" cstate="email">
-            <a:extLst>
-              <a:ext uri="{28A0092B-C50C-407E-A947-70E740481C1C}">
-                <a14:useLocalDpi xmlns:a14="http://schemas.microsoft.com/office/drawing/2010/main"/>
-              </a:ext>
-            </a:extLst>
-          </a:blip>
-          <a:srcRect/>
-          <a:stretch>
-            <a:fillRect/>
-          </a:stretch>
-        </p:blipFill>
-        <p:spPr bwMode="auto">
-          <a:xfrm>
-            <a:off x="355600" y="4397375"/>
-            <a:ext cx="774700" cy="787400"/>
-          </a:xfrm>
-          <a:prstGeom prst="rect">
-            <a:avLst/>
-          </a:prstGeom>
-          <a:noFill/>
-          <a:ln>
-            <a:noFill/>
-          </a:ln>
-          <a:extLst>
-            <a:ext uri="{909E8E84-426E-40DD-AFC4-6F175D3DCCD1}">
-              <a14:hiddenFill xmlns:a14="http://schemas.microsoft.com/office/drawing/2010/main">
-                <a:solidFill>
-                  <a:srgbClr val="FFFFFF"/>
-                </a:solidFill>
-              </a14:hiddenFill>
-            </a:ext>
-            <a:ext uri="{91240B29-F687-4F45-9708-019B960494DF}">
-              <a14:hiddenLine xmlns:a14="http://schemas.microsoft.com/office/drawing/2010/main" w="9525">
-                <a:solidFill>
-                  <a:srgbClr val="000000"/>
-                </a:solidFill>
-                <a:miter lim="800000"/>
-                <a:headEnd/>
-                <a:tailEnd/>
-              </a14:hiddenLine>
-            </a:ext>
-          </a:extLst>
-        </p:spPr>
-      </p:pic>
-      <p:pic>
-        <p:nvPicPr>
-          <p:cNvPr id="8198" name="Picture 6" descr="5-6"/>
-          <p:cNvPicPr>
-            <a:picLocks noChangeAspect="1" noChangeArrowheads="1"/>
-          </p:cNvPicPr>
-          <p:nvPr/>
-        </p:nvPicPr>
-        <p:blipFill>
-          <a:blip r:embed="rId6" cstate="email">
-            <a:extLst>
-              <a:ext uri="{28A0092B-C50C-407E-A947-70E740481C1C}">
-                <a14:useLocalDpi xmlns:a14="http://schemas.microsoft.com/office/drawing/2010/main"/>
-              </a:ext>
-            </a:extLst>
-          </a:blip>
-          <a:srcRect/>
-          <a:stretch>
-            <a:fillRect/>
-          </a:stretch>
-        </p:blipFill>
-        <p:spPr bwMode="auto">
-          <a:xfrm>
-            <a:off x="3746500" y="1330325"/>
-            <a:ext cx="776288" cy="788988"/>
-          </a:xfrm>
-          <a:prstGeom prst="rect">
-            <a:avLst/>
-          </a:prstGeom>
-          <a:noFill/>
-          <a:ln>
-            <a:noFill/>
-          </a:ln>
-          <a:extLst>
-            <a:ext uri="{909E8E84-426E-40DD-AFC4-6F175D3DCCD1}">
-              <a14:hiddenFill xmlns:a14="http://schemas.microsoft.com/office/drawing/2010/main">
-                <a:solidFill>
-                  <a:srgbClr val="FFFFFF"/>
-                </a:solidFill>
-              </a14:hiddenFill>
-            </a:ext>
-            <a:ext uri="{91240B29-F687-4F45-9708-019B960494DF}">
-              <a14:hiddenLine xmlns:a14="http://schemas.microsoft.com/office/drawing/2010/main" w="9525">
-                <a:solidFill>
-                  <a:srgbClr val="000000"/>
-                </a:solidFill>
-                <a:miter lim="800000"/>
-                <a:headEnd/>
-                <a:tailEnd/>
-              </a14:hiddenLine>
-            </a:ext>
-          </a:extLst>
-        </p:spPr>
-      </p:pic>
-      <p:sp>
-        <p:nvSpPr>
-          <p:cNvPr id="16391" name="Text Box 7"/>
-          <p:cNvSpPr txBox="1"/>
-          <p:nvPr/>
-        </p:nvSpPr>
-        <p:spPr>
-          <a:xfrm>
-            <a:off x="742950" y="1300903"/>
-            <a:ext cx="3568700" cy="2197525"/>
-          </a:xfrm>
-          <a:prstGeom prst="rect">
-            <a:avLst/>
-          </a:prstGeom>
-          <a:noFill/>
-          <a:ln w="9525">
-            <a:noFill/>
-          </a:ln>
-        </p:spPr>
-        <p:txBody>
-          <a:bodyPr>
-            <a:spAutoFit/>
-          </a:bodyPr>
-          <a:lstStyle>
-            <a:lvl1pPr marL="228600" indent="-228600" algn="l" rtl="0" eaLnBrk="0" fontAlgn="base" hangingPunct="0">
-              <a:lnSpc>
-                <a:spcPct val="90000"/>
-              </a:lnSpc>
-              <a:spcBef>
-                <a:spcPct val="30000"/>
-              </a:spcBef>
-              <a:spcAft>
-                <a:spcPct val="0"/>
-              </a:spcAft>
-              <a:buFont typeface="Arial" panose="020B0604020202020204" pitchFamily="34" charset="0"/>
-              <a:buChar char="•"/>
-              <a:defRPr sz="2800">
-                <a:solidFill>
-                  <a:schemeClr val="tx1"/>
-                </a:solidFill>
-                <a:latin typeface="+mn-lt"/>
-                <a:ea typeface="+mn-ea"/>
-                <a:cs typeface="+mn-cs"/>
-              </a:defRPr>
-            </a:lvl1pPr>
-            <a:lvl2pPr marL="685800" indent="-228600" algn="l" rtl="0" eaLnBrk="0" fontAlgn="base" hangingPunct="0">
-              <a:lnSpc>
-                <a:spcPct val="90000"/>
-              </a:lnSpc>
-              <a:spcBef>
-                <a:spcPct val="30000"/>
-              </a:spcBef>
-              <a:spcAft>
-                <a:spcPct val="0"/>
-              </a:spcAft>
-              <a:buFont typeface="Arial" panose="020B0604020202020204" pitchFamily="34" charset="0"/>
-              <a:buChar char="•"/>
-              <a:defRPr sz="2400">
-                <a:solidFill>
-                  <a:schemeClr val="tx1"/>
-                </a:solidFill>
-                <a:latin typeface="+mn-lt"/>
-                <a:ea typeface="+mn-ea"/>
-              </a:defRPr>
-            </a:lvl2pPr>
-            <a:lvl3pPr marL="1143000" indent="-228600" algn="l" rtl="0" eaLnBrk="0" fontAlgn="base" hangingPunct="0">
-              <a:lnSpc>
-                <a:spcPct val="90000"/>
-              </a:lnSpc>
-              <a:spcBef>
-                <a:spcPct val="30000"/>
-              </a:spcBef>
-              <a:spcAft>
-                <a:spcPct val="0"/>
-              </a:spcAft>
-              <a:buFont typeface="Arial" panose="020B0604020202020204" pitchFamily="34" charset="0"/>
-              <a:buChar char="•"/>
-              <a:defRPr sz="2000">
-                <a:solidFill>
-                  <a:schemeClr val="tx1"/>
-                </a:solidFill>
-                <a:latin typeface="+mn-lt"/>
-                <a:ea typeface="+mn-ea"/>
-              </a:defRPr>
-            </a:lvl3pPr>
-            <a:lvl4pPr marL="1600200" indent="-228600" algn="l" rtl="0" eaLnBrk="0" fontAlgn="base" hangingPunct="0">
-              <a:lnSpc>
-                <a:spcPct val="90000"/>
-              </a:lnSpc>
-              <a:spcBef>
-                <a:spcPct val="30000"/>
-              </a:spcBef>
-              <a:spcAft>
-                <a:spcPct val="0"/>
-              </a:spcAft>
-              <a:buFont typeface="Arial" panose="020B0604020202020204" pitchFamily="34" charset="0"/>
-              <a:buChar char="•"/>
-              <a:defRPr sz="2000">
-                <a:solidFill>
-                  <a:schemeClr val="tx1"/>
-                </a:solidFill>
-                <a:latin typeface="+mn-lt"/>
-                <a:ea typeface="+mn-ea"/>
-              </a:defRPr>
-            </a:lvl4pPr>
-            <a:lvl5pPr marL="2057400" indent="-228600" algn="l" rtl="0" eaLnBrk="0" fontAlgn="base" hangingPunct="0">
-              <a:lnSpc>
-                <a:spcPct val="90000"/>
-              </a:lnSpc>
-              <a:spcBef>
-                <a:spcPct val="30000"/>
-              </a:spcBef>
-              <a:spcAft>
-                <a:spcPct val="0"/>
-              </a:spcAft>
-              <a:buFont typeface="Arial" panose="020B0604020202020204" pitchFamily="34" charset="0"/>
-              <a:buChar char="•"/>
-              <a:defRPr sz="2000">
-                <a:solidFill>
-                  <a:schemeClr val="tx1"/>
-                </a:solidFill>
-                <a:latin typeface="+mn-lt"/>
-                <a:ea typeface="+mn-ea"/>
-              </a:defRPr>
-            </a:lvl5pPr>
-          </a:lstStyle>
-          <a:p>
-            <a:pPr marL="0" indent="0" eaLnBrk="1">
-              <a:spcBef>
-                <a:spcPct val="0"/>
-              </a:spcBef>
-              <a:buFont typeface="Arial" panose="020B0604020202020204" pitchFamily="34" charset="0"/>
-              <a:buNone/>
-              <a:defRPr/>
-            </a:pPr>
-            <a:r>
-              <a:rPr lang="zh-CN" altLang="en-US" sz="2400" b="1" noProof="1">
-                <a:solidFill>
-                  <a:srgbClr val="777777"/>
-                </a:solidFill>
-                <a:ea typeface="微软雅黑" panose="020B0503020204020204" pitchFamily="34" charset="-122"/>
-              </a:rPr>
-              <a:t>功能</a:t>
-            </a:r>
-            <a:r>
-              <a:rPr lang="en-US" altLang="zh-CN" sz="2400" b="1" noProof="1">
-                <a:solidFill>
-                  <a:srgbClr val="777777"/>
-                </a:solidFill>
-                <a:ea typeface="微软雅黑" panose="020B0503020204020204" pitchFamily="34" charset="-122"/>
-              </a:rPr>
-              <a:t>2</a:t>
-            </a:r>
-            <a:r>
-              <a:rPr lang="zh-CN" altLang="en-US" sz="2400" b="1" noProof="1">
-                <a:solidFill>
-                  <a:srgbClr val="777777"/>
-                </a:solidFill>
-                <a:ea typeface="微软雅黑" panose="020B0503020204020204" pitchFamily="34" charset="-122"/>
-              </a:rPr>
-              <a:t>：</a:t>
-            </a:r>
-          </a:p>
-          <a:p>
-            <a:pPr marL="0" indent="0" eaLnBrk="1">
-              <a:spcBef>
-                <a:spcPct val="0"/>
-              </a:spcBef>
-              <a:buFont typeface="Arial" panose="020B0604020202020204" pitchFamily="34" charset="0"/>
-              <a:buNone/>
-              <a:defRPr/>
-            </a:pPr>
-            <a:r>
-              <a:rPr lang="zh-CN" altLang="en-US" sz="2400" b="1" dirty="0">
-                <a:solidFill>
-                  <a:srgbClr val="777777"/>
-                </a:solidFill>
-                <a:ea typeface="微软雅黑" panose="020B0503020204020204" pitchFamily="34" charset="-122"/>
-              </a:rPr>
-              <a:t>单词听写（常智裕）：</a:t>
-            </a:r>
-            <a:endParaRPr lang="en-US" altLang="zh-CN" sz="2400" b="1" dirty="0">
-              <a:solidFill>
-                <a:srgbClr val="777777"/>
-              </a:solidFill>
-              <a:ea typeface="微软雅黑" panose="020B0503020204020204" pitchFamily="34" charset="-122"/>
-            </a:endParaRPr>
-          </a:p>
-          <a:p>
-            <a:pPr marL="0" indent="0" eaLnBrk="1">
-              <a:spcBef>
-                <a:spcPct val="0"/>
-              </a:spcBef>
-              <a:buFont typeface="Arial" panose="020B0604020202020204" pitchFamily="34" charset="0"/>
-              <a:buNone/>
-              <a:defRPr/>
-            </a:pPr>
-            <a:endParaRPr lang="en-US" altLang="zh-CN" sz="2400" b="1" dirty="0">
-              <a:solidFill>
-                <a:srgbClr val="777777"/>
-              </a:solidFill>
-              <a:ea typeface="微软雅黑" panose="020B0503020204020204" pitchFamily="34" charset="-122"/>
-            </a:endParaRPr>
-          </a:p>
-          <a:p>
-            <a:pPr marL="342900" indent="-342900" eaLnBrk="1">
-              <a:spcBef>
-                <a:spcPct val="0"/>
-              </a:spcBef>
-              <a:buFont typeface="Wingdings" panose="05000000000000000000" charset="0"/>
-              <a:buChar char="Ø"/>
-              <a:defRPr/>
-            </a:pPr>
-            <a:r>
-              <a:rPr lang="en-US" altLang="zh-CN" sz="1600" b="1" noProof="1">
-                <a:solidFill>
-                  <a:srgbClr val="777777"/>
-                </a:solidFill>
-                <a:ea typeface="微软雅黑" panose="020B0503020204020204" pitchFamily="34" charset="-122"/>
-              </a:rPr>
-              <a:t>  </a:t>
-            </a:r>
-            <a:r>
-              <a:rPr lang="zh-CN" altLang="en-US" sz="1600" b="1" dirty="0">
-                <a:solidFill>
-                  <a:srgbClr val="777777"/>
-                </a:solidFill>
-                <a:ea typeface="微软雅黑" panose="020B0503020204020204" pitchFamily="34" charset="-122"/>
-              </a:rPr>
-              <a:t>  随机获取词库中已有的中文释义并将其打印出来，用户需要正确并写出单词。系统会自动判断对错</a:t>
-            </a:r>
-          </a:p>
-          <a:p>
-            <a:pPr marL="285750" indent="-285750" eaLnBrk="1">
-              <a:spcBef>
-                <a:spcPct val="0"/>
-              </a:spcBef>
-              <a:buFont typeface="Wingdings" panose="05000000000000000000" charset="0"/>
-              <a:buChar char="Ø"/>
-              <a:defRPr/>
-            </a:pPr>
-            <a:endParaRPr lang="zh-CN" altLang="en-US" sz="1600" b="1" dirty="0">
-              <a:solidFill>
-                <a:srgbClr val="777777"/>
-              </a:solidFill>
-              <a:ea typeface="微软雅黑" panose="020B0503020204020204" pitchFamily="34" charset="-122"/>
-            </a:endParaRPr>
-          </a:p>
-        </p:txBody>
-      </p:sp>
-    </p:spTree>
-    <p:extLst>
-      <p:ext uri="{BB962C8B-B14F-4D97-AF65-F5344CB8AC3E}">
-        <p14:creationId xmlns:p14="http://schemas.microsoft.com/office/powerpoint/2010/main" val="2733817632"/>
-      </p:ext>
-    </p:extLst>
   </p:cSld>
   <p:clrMapOvr>
     <a:masterClrMapping/>
@@ -18469,16 +16494,769 @@
           <a:chExt cx="0" cy="0"/>
         </a:xfrm>
       </p:grpSpPr>
+      <p:pic>
+        <p:nvPicPr>
+          <p:cNvPr id="8194" name="Picture 2" descr="4-1"/>
+          <p:cNvPicPr>
+            <a:picLocks noChangeAspect="1" noChangeArrowheads="1"/>
+          </p:cNvPicPr>
+          <p:nvPr/>
+        </p:nvPicPr>
+        <p:blipFill>
+          <a:blip r:embed="rId2" cstate="email">
+            <a:extLst>
+              <a:ext uri="{28A0092B-C50C-407E-A947-70E740481C1C}">
+                <a14:useLocalDpi xmlns:a14="http://schemas.microsoft.com/office/drawing/2010/main"/>
+              </a:ext>
+            </a:extLst>
+          </a:blip>
+          <a:srcRect/>
+          <a:stretch>
+            <a:fillRect/>
+          </a:stretch>
+        </p:blipFill>
+        <p:spPr bwMode="auto">
+          <a:xfrm>
+            <a:off x="0" y="-3175"/>
+            <a:ext cx="12241213" cy="6881813"/>
+          </a:xfrm>
+          <a:prstGeom prst="rect">
+            <a:avLst/>
+          </a:prstGeom>
+          <a:noFill/>
+          <a:ln>
+            <a:noFill/>
+          </a:ln>
+          <a:extLst>
+            <a:ext uri="{909E8E84-426E-40DD-AFC4-6F175D3DCCD1}">
+              <a14:hiddenFill xmlns:a14="http://schemas.microsoft.com/office/drawing/2010/main">
+                <a:solidFill>
+                  <a:srgbClr val="FFFFFF"/>
+                </a:solidFill>
+              </a14:hiddenFill>
+            </a:ext>
+            <a:ext uri="{91240B29-F687-4F45-9708-019B960494DF}">
+              <a14:hiddenLine xmlns:a14="http://schemas.microsoft.com/office/drawing/2010/main" w="9525">
+                <a:solidFill>
+                  <a:srgbClr val="000000"/>
+                </a:solidFill>
+                <a:miter lim="800000"/>
+                <a:headEnd/>
+                <a:tailEnd/>
+              </a14:hiddenLine>
+            </a:ext>
+          </a:extLst>
+        </p:spPr>
+      </p:pic>
+      <p:pic>
+        <p:nvPicPr>
+          <p:cNvPr id="16387" name="Picture 3" descr="4-1"/>
+          <p:cNvPicPr>
+            <a:picLocks noChangeAspect="1" noChangeArrowheads="1"/>
+          </p:cNvPicPr>
+          <p:nvPr/>
+        </p:nvPicPr>
+        <p:blipFill>
+          <a:blip r:embed="rId3" cstate="email">
+            <a:extLst>
+              <a:ext uri="{28A0092B-C50C-407E-A947-70E740481C1C}">
+                <a14:useLocalDpi xmlns:a14="http://schemas.microsoft.com/office/drawing/2010/main"/>
+              </a:ext>
+            </a:extLst>
+          </a:blip>
+          <a:srcRect/>
+          <a:stretch>
+            <a:fillRect/>
+          </a:stretch>
+        </p:blipFill>
+        <p:spPr bwMode="auto">
+          <a:xfrm>
+            <a:off x="11625263" y="-3175"/>
+            <a:ext cx="254000" cy="6521450"/>
+          </a:xfrm>
+          <a:prstGeom prst="rect">
+            <a:avLst/>
+          </a:prstGeom>
+          <a:noFill/>
+          <a:ln>
+            <a:noFill/>
+          </a:ln>
+          <a:extLst>
+            <a:ext uri="{909E8E84-426E-40DD-AFC4-6F175D3DCCD1}">
+              <a14:hiddenFill xmlns:a14="http://schemas.microsoft.com/office/drawing/2010/main">
+                <a:solidFill>
+                  <a:srgbClr val="FFFFFF"/>
+                </a:solidFill>
+              </a14:hiddenFill>
+            </a:ext>
+            <a:ext uri="{91240B29-F687-4F45-9708-019B960494DF}">
+              <a14:hiddenLine xmlns:a14="http://schemas.microsoft.com/office/drawing/2010/main" w="9525">
+                <a:solidFill>
+                  <a:srgbClr val="000000"/>
+                </a:solidFill>
+                <a:miter lim="800000"/>
+                <a:headEnd/>
+                <a:tailEnd/>
+              </a14:hiddenLine>
+            </a:ext>
+          </a:extLst>
+        </p:spPr>
+      </p:pic>
+      <p:pic>
+        <p:nvPicPr>
+          <p:cNvPr id="16388" name="Picture 4" descr="4-2"/>
+          <p:cNvPicPr>
+            <a:picLocks noChangeAspect="1" noChangeArrowheads="1"/>
+          </p:cNvPicPr>
+          <p:nvPr/>
+        </p:nvPicPr>
+        <p:blipFill>
+          <a:blip r:embed="rId4" cstate="email">
+            <a:extLst>
+              <a:ext uri="{28A0092B-C50C-407E-A947-70E740481C1C}">
+                <a14:useLocalDpi xmlns:a14="http://schemas.microsoft.com/office/drawing/2010/main"/>
+              </a:ext>
+            </a:extLst>
+          </a:blip>
+          <a:srcRect/>
+          <a:stretch>
+            <a:fillRect/>
+          </a:stretch>
+        </p:blipFill>
+        <p:spPr bwMode="auto">
+          <a:xfrm>
+            <a:off x="1730375" y="6297613"/>
+            <a:ext cx="271463" cy="384175"/>
+          </a:xfrm>
+          <a:prstGeom prst="rect">
+            <a:avLst/>
+          </a:prstGeom>
+          <a:noFill/>
+          <a:ln>
+            <a:noFill/>
+          </a:ln>
+          <a:extLst>
+            <a:ext uri="{909E8E84-426E-40DD-AFC4-6F175D3DCCD1}">
+              <a14:hiddenFill xmlns:a14="http://schemas.microsoft.com/office/drawing/2010/main">
+                <a:solidFill>
+                  <a:srgbClr val="FFFFFF"/>
+                </a:solidFill>
+              </a14:hiddenFill>
+            </a:ext>
+            <a:ext uri="{91240B29-F687-4F45-9708-019B960494DF}">
+              <a14:hiddenLine xmlns:a14="http://schemas.microsoft.com/office/drawing/2010/main" w="9525">
+                <a:solidFill>
+                  <a:srgbClr val="000000"/>
+                </a:solidFill>
+                <a:miter lim="800000"/>
+                <a:headEnd/>
+                <a:tailEnd/>
+              </a14:hiddenLine>
+            </a:ext>
+          </a:extLst>
+        </p:spPr>
+      </p:pic>
+      <p:pic>
+        <p:nvPicPr>
+          <p:cNvPr id="8197" name="Picture 5" descr="5-6"/>
+          <p:cNvPicPr>
+            <a:picLocks noChangeAspect="1" noChangeArrowheads="1"/>
+          </p:cNvPicPr>
+          <p:nvPr/>
+        </p:nvPicPr>
+        <p:blipFill>
+          <a:blip r:embed="rId5" cstate="email">
+            <a:extLst>
+              <a:ext uri="{28A0092B-C50C-407E-A947-70E740481C1C}">
+                <a14:useLocalDpi xmlns:a14="http://schemas.microsoft.com/office/drawing/2010/main"/>
+              </a:ext>
+            </a:extLst>
+          </a:blip>
+          <a:srcRect/>
+          <a:stretch>
+            <a:fillRect/>
+          </a:stretch>
+        </p:blipFill>
+        <p:spPr bwMode="auto">
+          <a:xfrm>
+            <a:off x="355600" y="4397375"/>
+            <a:ext cx="774700" cy="787400"/>
+          </a:xfrm>
+          <a:prstGeom prst="rect">
+            <a:avLst/>
+          </a:prstGeom>
+          <a:noFill/>
+          <a:ln>
+            <a:noFill/>
+          </a:ln>
+          <a:extLst>
+            <a:ext uri="{909E8E84-426E-40DD-AFC4-6F175D3DCCD1}">
+              <a14:hiddenFill xmlns:a14="http://schemas.microsoft.com/office/drawing/2010/main">
+                <a:solidFill>
+                  <a:srgbClr val="FFFFFF"/>
+                </a:solidFill>
+              </a14:hiddenFill>
+            </a:ext>
+            <a:ext uri="{91240B29-F687-4F45-9708-019B960494DF}">
+              <a14:hiddenLine xmlns:a14="http://schemas.microsoft.com/office/drawing/2010/main" w="9525">
+                <a:solidFill>
+                  <a:srgbClr val="000000"/>
+                </a:solidFill>
+                <a:miter lim="800000"/>
+                <a:headEnd/>
+                <a:tailEnd/>
+              </a14:hiddenLine>
+            </a:ext>
+          </a:extLst>
+        </p:spPr>
+      </p:pic>
+      <p:pic>
+        <p:nvPicPr>
+          <p:cNvPr id="8198" name="Picture 6" descr="5-6"/>
+          <p:cNvPicPr>
+            <a:picLocks noChangeAspect="1" noChangeArrowheads="1"/>
+          </p:cNvPicPr>
+          <p:nvPr/>
+        </p:nvPicPr>
+        <p:blipFill>
+          <a:blip r:embed="rId6" cstate="email">
+            <a:extLst>
+              <a:ext uri="{28A0092B-C50C-407E-A947-70E740481C1C}">
+                <a14:useLocalDpi xmlns:a14="http://schemas.microsoft.com/office/drawing/2010/main"/>
+              </a:ext>
+            </a:extLst>
+          </a:blip>
+          <a:srcRect/>
+          <a:stretch>
+            <a:fillRect/>
+          </a:stretch>
+        </p:blipFill>
+        <p:spPr bwMode="auto">
+          <a:xfrm>
+            <a:off x="3746500" y="1330325"/>
+            <a:ext cx="776288" cy="788988"/>
+          </a:xfrm>
+          <a:prstGeom prst="rect">
+            <a:avLst/>
+          </a:prstGeom>
+          <a:noFill/>
+          <a:ln>
+            <a:noFill/>
+          </a:ln>
+          <a:extLst>
+            <a:ext uri="{909E8E84-426E-40DD-AFC4-6F175D3DCCD1}">
+              <a14:hiddenFill xmlns:a14="http://schemas.microsoft.com/office/drawing/2010/main">
+                <a:solidFill>
+                  <a:srgbClr val="FFFFFF"/>
+                </a:solidFill>
+              </a14:hiddenFill>
+            </a:ext>
+            <a:ext uri="{91240B29-F687-4F45-9708-019B960494DF}">
+              <a14:hiddenLine xmlns:a14="http://schemas.microsoft.com/office/drawing/2010/main" w="9525">
+                <a:solidFill>
+                  <a:srgbClr val="000000"/>
+                </a:solidFill>
+                <a:miter lim="800000"/>
+                <a:headEnd/>
+                <a:tailEnd/>
+              </a14:hiddenLine>
+            </a:ext>
+          </a:extLst>
+        </p:spPr>
+      </p:pic>
+      <p:sp>
+        <p:nvSpPr>
+          <p:cNvPr id="16391" name="Text Box 7"/>
+          <p:cNvSpPr txBox="1"/>
+          <p:nvPr/>
+        </p:nvSpPr>
+        <p:spPr>
+          <a:xfrm>
+            <a:off x="742950" y="1300903"/>
+            <a:ext cx="10625776" cy="1532727"/>
+          </a:xfrm>
+          <a:prstGeom prst="rect">
+            <a:avLst/>
+          </a:prstGeom>
+          <a:noFill/>
+          <a:ln w="9525">
+            <a:noFill/>
+          </a:ln>
+        </p:spPr>
+        <p:txBody>
+          <a:bodyPr wrap="square">
+            <a:spAutoFit/>
+          </a:bodyPr>
+          <a:lstStyle>
+            <a:lvl1pPr marL="228600" indent="-228600" algn="l" rtl="0" eaLnBrk="0" fontAlgn="base" hangingPunct="0">
+              <a:lnSpc>
+                <a:spcPct val="90000"/>
+              </a:lnSpc>
+              <a:spcBef>
+                <a:spcPct val="30000"/>
+              </a:spcBef>
+              <a:spcAft>
+                <a:spcPct val="0"/>
+              </a:spcAft>
+              <a:buFont typeface="Arial" panose="020B0604020202020204" pitchFamily="34" charset="0"/>
+              <a:buChar char="•"/>
+              <a:defRPr sz="2800">
+                <a:solidFill>
+                  <a:schemeClr val="tx1"/>
+                </a:solidFill>
+                <a:latin typeface="+mn-lt"/>
+                <a:ea typeface="+mn-ea"/>
+                <a:cs typeface="+mn-cs"/>
+              </a:defRPr>
+            </a:lvl1pPr>
+            <a:lvl2pPr marL="685800" indent="-228600" algn="l" rtl="0" eaLnBrk="0" fontAlgn="base" hangingPunct="0">
+              <a:lnSpc>
+                <a:spcPct val="90000"/>
+              </a:lnSpc>
+              <a:spcBef>
+                <a:spcPct val="30000"/>
+              </a:spcBef>
+              <a:spcAft>
+                <a:spcPct val="0"/>
+              </a:spcAft>
+              <a:buFont typeface="Arial" panose="020B0604020202020204" pitchFamily="34" charset="0"/>
+              <a:buChar char="•"/>
+              <a:defRPr sz="2400">
+                <a:solidFill>
+                  <a:schemeClr val="tx1"/>
+                </a:solidFill>
+                <a:latin typeface="+mn-lt"/>
+                <a:ea typeface="+mn-ea"/>
+              </a:defRPr>
+            </a:lvl2pPr>
+            <a:lvl3pPr marL="1143000" indent="-228600" algn="l" rtl="0" eaLnBrk="0" fontAlgn="base" hangingPunct="0">
+              <a:lnSpc>
+                <a:spcPct val="90000"/>
+              </a:lnSpc>
+              <a:spcBef>
+                <a:spcPct val="30000"/>
+              </a:spcBef>
+              <a:spcAft>
+                <a:spcPct val="0"/>
+              </a:spcAft>
+              <a:buFont typeface="Arial" panose="020B0604020202020204" pitchFamily="34" charset="0"/>
+              <a:buChar char="•"/>
+              <a:defRPr sz="2000">
+                <a:solidFill>
+                  <a:schemeClr val="tx1"/>
+                </a:solidFill>
+                <a:latin typeface="+mn-lt"/>
+                <a:ea typeface="+mn-ea"/>
+              </a:defRPr>
+            </a:lvl3pPr>
+            <a:lvl4pPr marL="1600200" indent="-228600" algn="l" rtl="0" eaLnBrk="0" fontAlgn="base" hangingPunct="0">
+              <a:lnSpc>
+                <a:spcPct val="90000"/>
+              </a:lnSpc>
+              <a:spcBef>
+                <a:spcPct val="30000"/>
+              </a:spcBef>
+              <a:spcAft>
+                <a:spcPct val="0"/>
+              </a:spcAft>
+              <a:buFont typeface="Arial" panose="020B0604020202020204" pitchFamily="34" charset="0"/>
+              <a:buChar char="•"/>
+              <a:defRPr sz="2000">
+                <a:solidFill>
+                  <a:schemeClr val="tx1"/>
+                </a:solidFill>
+                <a:latin typeface="+mn-lt"/>
+                <a:ea typeface="+mn-ea"/>
+              </a:defRPr>
+            </a:lvl4pPr>
+            <a:lvl5pPr marL="2057400" indent="-228600" algn="l" rtl="0" eaLnBrk="0" fontAlgn="base" hangingPunct="0">
+              <a:lnSpc>
+                <a:spcPct val="90000"/>
+              </a:lnSpc>
+              <a:spcBef>
+                <a:spcPct val="30000"/>
+              </a:spcBef>
+              <a:spcAft>
+                <a:spcPct val="0"/>
+              </a:spcAft>
+              <a:buFont typeface="Arial" panose="020B0604020202020204" pitchFamily="34" charset="0"/>
+              <a:buChar char="•"/>
+              <a:defRPr sz="2000">
+                <a:solidFill>
+                  <a:schemeClr val="tx1"/>
+                </a:solidFill>
+                <a:latin typeface="+mn-lt"/>
+                <a:ea typeface="+mn-ea"/>
+              </a:defRPr>
+            </a:lvl5pPr>
+          </a:lstStyle>
+          <a:p>
+            <a:pPr marL="0" indent="0" eaLnBrk="1">
+              <a:spcBef>
+                <a:spcPct val="0"/>
+              </a:spcBef>
+              <a:buFont typeface="Arial" panose="020B0604020202020204" pitchFamily="34" charset="0"/>
+              <a:buNone/>
+              <a:defRPr/>
+            </a:pPr>
+            <a:r>
+              <a:rPr lang="zh-CN" altLang="en-US" sz="2400" b="1" noProof="1">
+                <a:solidFill>
+                  <a:srgbClr val="777777"/>
+                </a:solidFill>
+                <a:ea typeface="微软雅黑" panose="020B0503020204020204" pitchFamily="34" charset="-122"/>
+              </a:rPr>
+              <a:t>功能：</a:t>
+            </a:r>
+          </a:p>
+          <a:p>
+            <a:pPr marL="0" indent="0" eaLnBrk="1">
+              <a:spcBef>
+                <a:spcPct val="0"/>
+              </a:spcBef>
+              <a:buFont typeface="Arial" panose="020B0604020202020204" pitchFamily="34" charset="0"/>
+              <a:buNone/>
+              <a:defRPr/>
+            </a:pPr>
+            <a:r>
+              <a:rPr lang="zh-CN" altLang="en-US" sz="2400" b="1" dirty="0">
+                <a:solidFill>
+                  <a:srgbClr val="777777"/>
+                </a:solidFill>
+                <a:ea typeface="微软雅黑" panose="020B0503020204020204" pitchFamily="34" charset="-122"/>
+              </a:rPr>
+              <a:t>单词听写（常智裕）：</a:t>
+            </a:r>
+            <a:endParaRPr lang="en-US" altLang="zh-CN" sz="2400" b="1" dirty="0">
+              <a:solidFill>
+                <a:srgbClr val="777777"/>
+              </a:solidFill>
+              <a:ea typeface="微软雅黑" panose="020B0503020204020204" pitchFamily="34" charset="-122"/>
+            </a:endParaRPr>
+          </a:p>
+          <a:p>
+            <a:pPr marL="0" indent="0" eaLnBrk="1">
+              <a:spcBef>
+                <a:spcPct val="0"/>
+              </a:spcBef>
+              <a:buFont typeface="Arial" panose="020B0604020202020204" pitchFamily="34" charset="0"/>
+              <a:buNone/>
+              <a:defRPr/>
+            </a:pPr>
+            <a:endParaRPr lang="en-US" altLang="zh-CN" sz="2400" b="1" dirty="0">
+              <a:solidFill>
+                <a:srgbClr val="777777"/>
+              </a:solidFill>
+              <a:ea typeface="微软雅黑" panose="020B0503020204020204" pitchFamily="34" charset="-122"/>
+            </a:endParaRPr>
+          </a:p>
+          <a:p>
+            <a:pPr marL="342900" indent="-342900" eaLnBrk="1">
+              <a:spcBef>
+                <a:spcPct val="0"/>
+              </a:spcBef>
+              <a:buFont typeface="Wingdings" panose="05000000000000000000" charset="0"/>
+              <a:buChar char="Ø"/>
+              <a:defRPr/>
+            </a:pPr>
+            <a:r>
+              <a:rPr lang="en-US" altLang="zh-CN" sz="1600" b="1" noProof="1">
+                <a:solidFill>
+                  <a:srgbClr val="777777"/>
+                </a:solidFill>
+                <a:ea typeface="微软雅黑" panose="020B0503020204020204" pitchFamily="34" charset="-122"/>
+              </a:rPr>
+              <a:t>  </a:t>
+            </a:r>
+            <a:r>
+              <a:rPr lang="zh-CN" altLang="en-US" sz="1600" b="1" dirty="0">
+                <a:solidFill>
+                  <a:srgbClr val="777777"/>
+                </a:solidFill>
+                <a:ea typeface="微软雅黑" panose="020B0503020204020204" pitchFamily="34" charset="-122"/>
+              </a:rPr>
+              <a:t>  随机获取词库中已有的中文释义并将其打印出来，用户需要正确并写出单词。系统会自动判断对错</a:t>
+            </a:r>
+          </a:p>
+          <a:p>
+            <a:pPr marL="285750" indent="-285750" eaLnBrk="1">
+              <a:spcBef>
+                <a:spcPct val="0"/>
+              </a:spcBef>
+              <a:buFont typeface="Wingdings" panose="05000000000000000000" charset="0"/>
+              <a:buChar char="Ø"/>
+              <a:defRPr/>
+            </a:pPr>
+            <a:endParaRPr lang="zh-CN" altLang="en-US" sz="1600" b="1" dirty="0">
+              <a:solidFill>
+                <a:srgbClr val="777777"/>
+              </a:solidFill>
+              <a:ea typeface="微软雅黑" panose="020B0503020204020204" pitchFamily="34" charset="-122"/>
+            </a:endParaRPr>
+          </a:p>
+        </p:txBody>
+      </p:sp>
     </p:spTree>
     <p:extLst>
       <p:ext uri="{BB962C8B-B14F-4D97-AF65-F5344CB8AC3E}">
-        <p14:creationId xmlns:p14="http://schemas.microsoft.com/office/powerpoint/2010/main" val="3080008779"/>
+        <p14:creationId xmlns:p14="http://schemas.microsoft.com/office/powerpoint/2010/main" val="2733817632"/>
       </p:ext>
     </p:extLst>
   </p:cSld>
   <p:clrMapOvr>
     <a:masterClrMapping/>
   </p:clrMapOvr>
+  <p:timing>
+    <p:tnLst>
+      <p:par>
+        <p:cTn id="1" dur="indefinite" restart="never" nodeType="tmRoot">
+          <p:childTnLst>
+            <p:seq concurrent="1" nextAc="seek">
+              <p:cTn id="2" dur="indefinite" nodeType="mainSeq">
+                <p:childTnLst>
+                  <p:par>
+                    <p:cTn id="3" fill="hold" nodeType="clickPar">
+                      <p:stCondLst>
+                        <p:cond delay="indefinite"/>
+                        <p:cond evt="onBegin" delay="0">
+                          <p:tn val="2"/>
+                        </p:cond>
+                      </p:stCondLst>
+                      <p:childTnLst>
+                        <p:par>
+                          <p:cTn id="4" fill="hold" nodeType="withGroup">
+                            <p:stCondLst>
+                              <p:cond delay="0"/>
+                            </p:stCondLst>
+                            <p:childTnLst>
+                              <p:par>
+                                <p:cTn id="5" presetID="29" presetClass="entr" presetSubtype="0" fill="hold" nodeType="withEffect">
+                                  <p:stCondLst>
+                                    <p:cond delay="0"/>
+                                  </p:stCondLst>
+                                  <p:childTnLst>
+                                    <p:set>
+                                      <p:cBhvr>
+                                        <p:cTn id="6" dur="1" fill="hold">
+                                          <p:stCondLst>
+                                            <p:cond delay="0"/>
+                                          </p:stCondLst>
+                                        </p:cTn>
+                                        <p:tgtEl>
+                                          <p:spTgt spid="16388"/>
+                                        </p:tgtEl>
+                                        <p:attrNameLst>
+                                          <p:attrName>style.visibility</p:attrName>
+                                        </p:attrNameLst>
+                                      </p:cBhvr>
+                                      <p:to>
+                                        <p:strVal val="visible"/>
+                                      </p:to>
+                                    </p:set>
+                                    <p:anim calcmode="lin" valueType="num">
+                                      <p:cBhvr>
+                                        <p:cTn id="7" dur="500" fill="hold"/>
+                                        <p:tgtEl>
+                                          <p:spTgt spid="16388"/>
+                                        </p:tgtEl>
+                                        <p:attrNameLst>
+                                          <p:attrName>ppt_x</p:attrName>
+                                        </p:attrNameLst>
+                                      </p:cBhvr>
+                                      <p:tavLst>
+                                        <p:tav tm="0">
+                                          <p:val>
+                                            <p:strVal val="#ppt_x-.2"/>
+                                          </p:val>
+                                        </p:tav>
+                                        <p:tav tm="100000">
+                                          <p:val>
+                                            <p:strVal val="#ppt_x"/>
+                                          </p:val>
+                                        </p:tav>
+                                      </p:tavLst>
+                                    </p:anim>
+                                    <p:anim calcmode="lin" valueType="num">
+                                      <p:cBhvr>
+                                        <p:cTn id="8" dur="500" fill="hold"/>
+                                        <p:tgtEl>
+                                          <p:spTgt spid="16388"/>
+                                        </p:tgtEl>
+                                        <p:attrNameLst>
+                                          <p:attrName>ppt_y</p:attrName>
+                                        </p:attrNameLst>
+                                      </p:cBhvr>
+                                      <p:tavLst>
+                                        <p:tav tm="0">
+                                          <p:val>
+                                            <p:strVal val="#ppt_y"/>
+                                          </p:val>
+                                        </p:tav>
+                                        <p:tav tm="100000">
+                                          <p:val>
+                                            <p:strVal val="#ppt_y"/>
+                                          </p:val>
+                                        </p:tav>
+                                      </p:tavLst>
+                                    </p:anim>
+                                    <p:animEffect transition="in" filter="wipe(right)" prLst="gradientSize: 0.1">
+                                      <p:cBhvr>
+                                        <p:cTn id="9" dur="500"/>
+                                        <p:tgtEl>
+                                          <p:spTgt spid="16388"/>
+                                        </p:tgtEl>
+                                      </p:cBhvr>
+                                    </p:animEffect>
+                                  </p:childTnLst>
+                                </p:cTn>
+                              </p:par>
+                              <p:par>
+                                <p:cTn id="10" presetID="47" presetClass="entr" presetSubtype="0" fill="hold" nodeType="withEffect">
+                                  <p:stCondLst>
+                                    <p:cond delay="0"/>
+                                  </p:stCondLst>
+                                  <p:childTnLst>
+                                    <p:set>
+                                      <p:cBhvr>
+                                        <p:cTn id="11" dur="1" fill="hold">
+                                          <p:stCondLst>
+                                            <p:cond delay="0"/>
+                                          </p:stCondLst>
+                                        </p:cTn>
+                                        <p:tgtEl>
+                                          <p:spTgt spid="16387"/>
+                                        </p:tgtEl>
+                                        <p:attrNameLst>
+                                          <p:attrName>style.visibility</p:attrName>
+                                        </p:attrNameLst>
+                                      </p:cBhvr>
+                                      <p:to>
+                                        <p:strVal val="visible"/>
+                                      </p:to>
+                                    </p:set>
+                                    <p:animEffect transition="in" filter="fade">
+                                      <p:cBhvr>
+                                        <p:cTn id="12" dur="500"/>
+                                        <p:tgtEl>
+                                          <p:spTgt spid="16387"/>
+                                        </p:tgtEl>
+                                      </p:cBhvr>
+                                    </p:animEffect>
+                                    <p:anim calcmode="lin" valueType="num">
+                                      <p:cBhvr>
+                                        <p:cTn id="13" dur="500" fill="hold"/>
+                                        <p:tgtEl>
+                                          <p:spTgt spid="16387"/>
+                                        </p:tgtEl>
+                                        <p:attrNameLst>
+                                          <p:attrName>ppt_x</p:attrName>
+                                        </p:attrNameLst>
+                                      </p:cBhvr>
+                                      <p:tavLst>
+                                        <p:tav tm="0">
+                                          <p:val>
+                                            <p:strVal val="#ppt_x"/>
+                                          </p:val>
+                                        </p:tav>
+                                        <p:tav tm="100000">
+                                          <p:val>
+                                            <p:strVal val="#ppt_x"/>
+                                          </p:val>
+                                        </p:tav>
+                                      </p:tavLst>
+                                    </p:anim>
+                                    <p:anim calcmode="lin" valueType="num">
+                                      <p:cBhvr>
+                                        <p:cTn id="14" dur="500" fill="hold"/>
+                                        <p:tgtEl>
+                                          <p:spTgt spid="16387"/>
+                                        </p:tgtEl>
+                                        <p:attrNameLst>
+                                          <p:attrName>ppt_y</p:attrName>
+                                        </p:attrNameLst>
+                                      </p:cBhvr>
+                                      <p:tavLst>
+                                        <p:tav tm="0">
+                                          <p:val>
+                                            <p:strVal val="#ppt_y-.1"/>
+                                          </p:val>
+                                        </p:tav>
+                                        <p:tav tm="100000">
+                                          <p:val>
+                                            <p:strVal val="#ppt_y"/>
+                                          </p:val>
+                                        </p:tav>
+                                      </p:tavLst>
+                                    </p:anim>
+                                  </p:childTnLst>
+                                </p:cTn>
+                              </p:par>
+                              <p:par>
+                                <p:cTn id="15" presetID="10" presetClass="entr" presetSubtype="0" fill="hold" grpId="0" nodeType="withEffect">
+                                  <p:stCondLst>
+                                    <p:cond delay="500"/>
+                                  </p:stCondLst>
+                                  <p:childTnLst>
+                                    <p:set>
+                                      <p:cBhvr>
+                                        <p:cTn id="16" dur="1" fill="hold">
+                                          <p:stCondLst>
+                                            <p:cond delay="0"/>
+                                          </p:stCondLst>
+                                        </p:cTn>
+                                        <p:tgtEl>
+                                          <p:spTgt spid="16391"/>
+                                        </p:tgtEl>
+                                        <p:attrNameLst>
+                                          <p:attrName>style.visibility</p:attrName>
+                                        </p:attrNameLst>
+                                      </p:cBhvr>
+                                      <p:to>
+                                        <p:strVal val="visible"/>
+                                      </p:to>
+                                    </p:set>
+                                    <p:animEffect transition="in" filter="fade">
+                                      <p:cBhvr>
+                                        <p:cTn id="17" dur="500"/>
+                                        <p:tgtEl>
+                                          <p:spTgt spid="16391"/>
+                                        </p:tgtEl>
+                                      </p:cBhvr>
+                                    </p:animEffect>
+                                  </p:childTnLst>
+                                </p:cTn>
+                              </p:par>
+                            </p:childTnLst>
+                          </p:cTn>
+                        </p:par>
+                      </p:childTnLst>
+                    </p:cTn>
+                  </p:par>
+                </p:childTnLst>
+              </p:cTn>
+              <p:prevCondLst>
+                <p:cond evt="onPrev" delay="0">
+                  <p:tgtEl>
+                    <p:sldTgt/>
+                  </p:tgtEl>
+                </p:cond>
+              </p:prevCondLst>
+              <p:nextCondLst>
+                <p:cond evt="onNext" delay="0">
+                  <p:tgtEl>
+                    <p:sldTgt/>
+                  </p:tgtEl>
+                </p:cond>
+              </p:nextCondLst>
+            </p:seq>
+          </p:childTnLst>
+        </p:cTn>
+      </p:par>
+    </p:tnLst>
+    <p:bldLst>
+      <p:bldP spid="16391" grpId="0" bldLvl="0"/>
+    </p:bldLst>
+  </p:timing>
 </p:sld>
 </file>
 
@@ -18499,45 +17277,10 @@
           <a:chExt cx="0" cy="0"/>
         </a:xfrm>
       </p:grpSpPr>
-      <p:sp>
-        <p:nvSpPr>
-          <p:cNvPr id="2" name="文本框 1">
-            <a:extLst>
-              <a:ext uri="{FF2B5EF4-FFF2-40B4-BE49-F238E27FC236}">
-                <a16:creationId xmlns:a16="http://schemas.microsoft.com/office/drawing/2014/main" id="{B51FFF96-07FC-49AB-BBE7-EAB48C4859DD}"/>
-              </a:ext>
-            </a:extLst>
-          </p:cNvPr>
-          <p:cNvSpPr txBox="1"/>
-          <p:nvPr/>
-        </p:nvSpPr>
-        <p:spPr>
-          <a:xfrm rot="12434109" flipH="1" flipV="1">
-            <a:off x="4746070" y="3418606"/>
-            <a:ext cx="5611129" cy="830997"/>
-          </a:xfrm>
-          <a:prstGeom prst="rect">
-            <a:avLst/>
-          </a:prstGeom>
-          <a:noFill/>
-        </p:spPr>
-        <p:txBody>
-          <a:bodyPr wrap="square" rtlCol="0">
-            <a:spAutoFit/>
-          </a:bodyPr>
-          <a:lstStyle/>
-          <a:p>
-            <a:r>
-              <a:rPr lang="zh-CN" altLang="en-US" sz="4800" dirty="0"/>
-              <a:t>总结部分</a:t>
-            </a:r>
-          </a:p>
-        </p:txBody>
-      </p:sp>
     </p:spTree>
     <p:extLst>
       <p:ext uri="{BB962C8B-B14F-4D97-AF65-F5344CB8AC3E}">
-        <p14:creationId xmlns:p14="http://schemas.microsoft.com/office/powerpoint/2010/main" val="375229243"/>
+        <p14:creationId xmlns:p14="http://schemas.microsoft.com/office/powerpoint/2010/main" val="3080008779"/>
       </p:ext>
     </p:extLst>
   </p:cSld>
@@ -18566,49 +17309,43 @@
       </p:grpSpPr>
       <p:sp>
         <p:nvSpPr>
-          <p:cNvPr id="2" name="矩形 1">
+          <p:cNvPr id="2" name="文本框 1">
             <a:extLst>
               <a:ext uri="{FF2B5EF4-FFF2-40B4-BE49-F238E27FC236}">
-                <a16:creationId xmlns:a16="http://schemas.microsoft.com/office/drawing/2014/main" id="{356BEA1B-EC87-4DCE-8132-0B967D4D22F1}"/>
+                <a16:creationId xmlns:a16="http://schemas.microsoft.com/office/drawing/2014/main" id="{B51FFF96-07FC-49AB-BBE7-EAB48C4859DD}"/>
               </a:ext>
             </a:extLst>
           </p:cNvPr>
-          <p:cNvSpPr/>
+          <p:cNvSpPr txBox="1"/>
           <p:nvPr/>
         </p:nvSpPr>
         <p:spPr>
-          <a:xfrm>
-            <a:off x="218804" y="640080"/>
-            <a:ext cx="3185487" cy="369332"/>
+          <a:xfrm rot="12434109" flipH="1" flipV="1">
+            <a:off x="4746070" y="3418606"/>
+            <a:ext cx="5611129" cy="830997"/>
           </a:xfrm>
           <a:prstGeom prst="rect">
             <a:avLst/>
           </a:prstGeom>
-        </p:spPr>
-        <p:txBody>
-          <a:bodyPr wrap="none">
+          <a:noFill/>
+        </p:spPr>
+        <p:txBody>
+          <a:bodyPr wrap="square" rtlCol="0">
             <a:spAutoFit/>
           </a:bodyPr>
           <a:lstStyle/>
           <a:p>
             <a:r>
-              <a:rPr lang="zh-CN" altLang="en-US" b="1" noProof="1">
-                <a:solidFill>
-                  <a:srgbClr val="777777"/>
-                </a:solidFill>
-                <a:latin typeface="微软雅黑" panose="020B0503020204020204" pitchFamily="34" charset="-122"/>
-                <a:ea typeface="微软雅黑" panose="020B0503020204020204" pitchFamily="34" charset="-122"/>
-              </a:rPr>
-              <a:t>邢国浩的总结、体会、评价：</a:t>
-            </a:r>
-            <a:endParaRPr lang="zh-CN" altLang="en-US" dirty="0"/>
+              <a:rPr lang="zh-CN" altLang="en-US" sz="4800" dirty="0"/>
+              <a:t>总结部分</a:t>
+            </a:r>
           </a:p>
         </p:txBody>
       </p:sp>
     </p:spTree>
     <p:extLst>
       <p:ext uri="{BB962C8B-B14F-4D97-AF65-F5344CB8AC3E}">
-        <p14:creationId xmlns:p14="http://schemas.microsoft.com/office/powerpoint/2010/main" val="834949214"/>
+        <p14:creationId xmlns:p14="http://schemas.microsoft.com/office/powerpoint/2010/main" val="375229243"/>
       </p:ext>
     </p:extLst>
   </p:cSld>
@@ -18670,92 +17407,16 @@
                 <a:latin typeface="微软雅黑" panose="020B0503020204020204" pitchFamily="34" charset="-122"/>
                 <a:ea typeface="微软雅黑" panose="020B0503020204020204" pitchFamily="34" charset="-122"/>
               </a:rPr>
-              <a:t>常智裕的总结、体会、评价：</a:t>
+              <a:t>邢国浩的总结、体会、评价：</a:t>
             </a:r>
             <a:endParaRPr lang="zh-CN" altLang="en-US" dirty="0"/>
-          </a:p>
-        </p:txBody>
-      </p:sp>
-      <p:sp>
-        <p:nvSpPr>
-          <p:cNvPr id="3" name="文本框 2">
-            <a:extLst>
-              <a:ext uri="{FF2B5EF4-FFF2-40B4-BE49-F238E27FC236}">
-                <a16:creationId xmlns:a16="http://schemas.microsoft.com/office/drawing/2014/main" id="{82A59AA0-51C5-4620-9101-508425FB679F}"/>
-              </a:ext>
-            </a:extLst>
-          </p:cNvPr>
-          <p:cNvSpPr txBox="1"/>
-          <p:nvPr/>
-        </p:nvSpPr>
-        <p:spPr>
-          <a:xfrm>
-            <a:off x="2139007" y="1566148"/>
-            <a:ext cx="6583680" cy="2585323"/>
-          </a:xfrm>
-          <a:prstGeom prst="rect">
-            <a:avLst/>
-          </a:prstGeom>
-          <a:noFill/>
-        </p:spPr>
-        <p:txBody>
-          <a:bodyPr wrap="square" rtlCol="0">
-            <a:spAutoFit/>
-          </a:bodyPr>
-          <a:lstStyle/>
-          <a:p>
-            <a:r>
-              <a:rPr lang="zh-CN" altLang="en-US" dirty="0"/>
-              <a:t>         在这几天的</a:t>
-            </a:r>
-            <a:r>
-              <a:rPr lang="en-US" altLang="zh-CN" dirty="0"/>
-              <a:t>c</a:t>
-            </a:r>
-            <a:r>
-              <a:rPr lang="zh-CN" altLang="en-US" dirty="0"/>
-              <a:t>语言实训中，我首先跟着老师复习了很多我理解到不到位的旧知识，如结构体链表。花费不少时间完成了作业之后能明显感到提升。</a:t>
-            </a:r>
-            <a:endParaRPr lang="en-US" altLang="zh-CN" dirty="0"/>
-          </a:p>
-          <a:p>
-            <a:r>
-              <a:rPr lang="en-US" altLang="zh-CN" dirty="0"/>
-              <a:t>         </a:t>
-            </a:r>
-            <a:r>
-              <a:rPr lang="zh-CN" altLang="en-US" dirty="0"/>
-              <a:t>之后便是学习制作个人项目报告，这是我第一次上手写这些东西，大概了解了流程，学会了画流程图的方法。</a:t>
-            </a:r>
-          </a:p>
-          <a:p>
-            <a:r>
-              <a:rPr lang="zh-CN" altLang="en-US" dirty="0"/>
-              <a:t>         最后便是学习使用</a:t>
-            </a:r>
-            <a:r>
-              <a:rPr lang="en-US" altLang="zh-CN" dirty="0"/>
-              <a:t>MFC</a:t>
-            </a:r>
-            <a:r>
-              <a:rPr lang="zh-CN" altLang="en-US" dirty="0"/>
-              <a:t>了。一开始我一头雾水，对他各种函数的调用和操作劝退了。后来经过老师讲解之后有种恍然大悟的感觉。然后经过漫长的</a:t>
-            </a:r>
-            <a:r>
-              <a:rPr lang="en-US" altLang="zh-CN" dirty="0"/>
-              <a:t>debug</a:t>
-            </a:r>
-            <a:r>
-              <a:rPr lang="zh-CN" altLang="en-US" dirty="0"/>
-              <a:t>时间终于自主万和城能了自己的功能模块，成功完成任务，没给小组拖后腿，我感到很高兴。</a:t>
-            </a:r>
           </a:p>
         </p:txBody>
       </p:sp>
     </p:spTree>
     <p:extLst>
       <p:ext uri="{BB962C8B-B14F-4D97-AF65-F5344CB8AC3E}">
-        <p14:creationId xmlns:p14="http://schemas.microsoft.com/office/powerpoint/2010/main" val="3786740947"/>
+        <p14:creationId xmlns:p14="http://schemas.microsoft.com/office/powerpoint/2010/main" val="834949214"/>
       </p:ext>
     </p:extLst>
   </p:cSld>

--- a/项目答辩总ppt.pptx
+++ b/项目答辩总ppt.pptx
@@ -17386,15 +17386,15 @@
         </p:nvSpPr>
         <p:spPr>
           <a:xfrm>
-            <a:off x="218804" y="640080"/>
-            <a:ext cx="3185487" cy="369332"/>
+            <a:off x="175098" y="688717"/>
+            <a:ext cx="34027757" cy="3416320"/>
           </a:xfrm>
           <a:prstGeom prst="rect">
             <a:avLst/>
           </a:prstGeom>
         </p:spPr>
         <p:txBody>
-          <a:bodyPr wrap="none">
+          <a:bodyPr wrap="square">
             <a:spAutoFit/>
           </a:bodyPr>
           <a:lstStyle/>
@@ -17409,7 +17409,145 @@
               </a:rPr>
               <a:t>邢国浩的总结、体会、评价：</a:t>
             </a:r>
+            <a:endParaRPr lang="en-US" altLang="zh-CN" b="1" noProof="1">
+              <a:solidFill>
+                <a:srgbClr val="777777"/>
+              </a:solidFill>
+              <a:latin typeface="微软雅黑" panose="020B0503020204020204" pitchFamily="34" charset="-122"/>
+              <a:ea typeface="微软雅黑" panose="020B0503020204020204" pitchFamily="34" charset="-122"/>
+            </a:endParaRPr>
+          </a:p>
+          <a:p>
+            <a:endParaRPr lang="en-US" altLang="zh-CN" b="1" noProof="1">
+              <a:solidFill>
+                <a:srgbClr val="777777"/>
+              </a:solidFill>
+              <a:latin typeface="微软雅黑" panose="020B0503020204020204" pitchFamily="34" charset="-122"/>
+              <a:ea typeface="微软雅黑" panose="020B0503020204020204" pitchFamily="34" charset="-122"/>
+            </a:endParaRPr>
+          </a:p>
+          <a:p>
+            <a:endParaRPr lang="en-US" altLang="zh-CN" b="1" noProof="1">
+              <a:solidFill>
+                <a:srgbClr val="777777"/>
+              </a:solidFill>
+              <a:latin typeface="微软雅黑" panose="020B0503020204020204" pitchFamily="34" charset="-122"/>
+              <a:ea typeface="微软雅黑" panose="020B0503020204020204" pitchFamily="34" charset="-122"/>
+            </a:endParaRPr>
+          </a:p>
+          <a:p>
+            <a:r>
+              <a:rPr lang="en-US" altLang="zh-CN" dirty="0"/>
+              <a:t>	</a:t>
+            </a:r>
+            <a:r>
+              <a:rPr lang="zh-CN" altLang="en-US" dirty="0"/>
+              <a:t>短短</a:t>
+            </a:r>
+            <a:r>
+              <a:rPr lang="en-US" altLang="zh-CN" dirty="0"/>
+              <a:t>10</a:t>
+            </a:r>
+            <a:r>
+              <a:rPr lang="zh-CN" altLang="en-US" dirty="0"/>
+              <a:t>天的实训接近尾声，项目虽然比较简单，但收获了不少东西。</a:t>
+            </a:r>
+            <a:endParaRPr lang="en-US" altLang="zh-CN" dirty="0"/>
+          </a:p>
+          <a:p>
+            <a:r>
+              <a:rPr lang="zh-CN" altLang="en-US" dirty="0"/>
+              <a:t>最重要的是团队合作的能力达到了提高，选择适当的合作方式，分配任务，完成部分之后再无缝对接，</a:t>
+            </a:r>
+            <a:endParaRPr lang="en-US" altLang="zh-CN" dirty="0"/>
+          </a:p>
+          <a:p>
+            <a:r>
+              <a:rPr lang="zh-CN" altLang="en-US" dirty="0"/>
+              <a:t>这个流程正是软件工程学生的软实力之一，即使是个人的项目，也可以涉及到代码重用，爬上巨人的肩膀是</a:t>
+            </a:r>
+            <a:endParaRPr lang="en-US" altLang="zh-CN" dirty="0"/>
+          </a:p>
+          <a:p>
+            <a:r>
+              <a:rPr lang="zh-CN" altLang="en-US" dirty="0"/>
+              <a:t>每个人都应该养成的素质。</a:t>
+            </a:r>
+            <a:endParaRPr lang="en-US" altLang="zh-CN" dirty="0"/>
+          </a:p>
+          <a:p>
             <a:endParaRPr lang="zh-CN" altLang="en-US" dirty="0"/>
+          </a:p>
+          <a:p>
+            <a:r>
+              <a:rPr lang="en-US" altLang="zh-CN" dirty="0"/>
+              <a:t>	</a:t>
+            </a:r>
+            <a:r>
+              <a:rPr lang="zh-CN" altLang="en-US" dirty="0"/>
+              <a:t>在代码方面，我学习了如何写一个规范的需求报告和设计报告，熟练了用</a:t>
+            </a:r>
+            <a:r>
+              <a:rPr lang="en-US" altLang="zh-CN" dirty="0" err="1"/>
+              <a:t>MicrosoftVisio</a:t>
+            </a:r>
+            <a:r>
+              <a:rPr lang="zh-CN" altLang="en-US" dirty="0"/>
+              <a:t>画流程图的操作，</a:t>
+            </a:r>
+            <a:endParaRPr lang="en-US" altLang="zh-CN" dirty="0"/>
+          </a:p>
+          <a:p>
+            <a:r>
+              <a:rPr lang="zh-CN" altLang="en-US" dirty="0"/>
+              <a:t>熟练了</a:t>
+            </a:r>
+            <a:r>
+              <a:rPr lang="en-US" altLang="zh-CN" dirty="0"/>
+              <a:t>C</a:t>
+            </a:r>
+            <a:r>
+              <a:rPr lang="zh-CN" altLang="en-US" dirty="0"/>
+              <a:t>语言中链表的使用和文件的操作和快速架构及重用的方法，并学了诸如</a:t>
+            </a:r>
+            <a:r>
+              <a:rPr lang="en-US" altLang="zh-CN" dirty="0" err="1"/>
+              <a:t>shellExecute</a:t>
+            </a:r>
+            <a:r>
+              <a:rPr lang="zh-CN" altLang="en-US" dirty="0"/>
+              <a:t>之类的新函数。</a:t>
+            </a:r>
+            <a:endParaRPr lang="en-US" altLang="zh-CN" dirty="0"/>
+          </a:p>
+          <a:p>
+            <a:r>
+              <a:rPr lang="zh-CN" altLang="en-US" dirty="0"/>
+              <a:t>熟练了</a:t>
+            </a:r>
+            <a:r>
+              <a:rPr lang="en-US" altLang="zh-CN" dirty="0" err="1"/>
+              <a:t>github</a:t>
+            </a:r>
+            <a:r>
+              <a:rPr lang="zh-CN" altLang="en-US" dirty="0"/>
+              <a:t>的操作和掌握了</a:t>
+            </a:r>
+            <a:r>
+              <a:rPr lang="en-US" altLang="zh-CN" dirty="0"/>
+              <a:t>MFC</a:t>
+            </a:r>
+            <a:r>
+              <a:rPr lang="zh-CN" altLang="en-US" dirty="0"/>
+              <a:t>的使用。对软件工程的开发流程有了一个更好的认识。</a:t>
+            </a:r>
+            <a:endParaRPr lang="en-US" altLang="zh-CN" dirty="0"/>
+          </a:p>
+          <a:p>
+            <a:r>
+              <a:rPr lang="zh-CN" altLang="en-US" dirty="0"/>
+              <a:t>收获还是很大的</a:t>
+            </a:r>
           </a:p>
         </p:txBody>
       </p:sp>

--- a/项目答辩总ppt.pptx
+++ b/项目答辩总ppt.pptx
@@ -1,27 +1,27 @@
 
 <file path=ppt/presentation.xml><?xml version="1.0" encoding="utf-8"?>
-<p:presentation xmlns:a="http://schemas.openxmlformats.org/drawingml/2006/main" xmlns:r="http://schemas.openxmlformats.org/officeDocument/2006/relationships" xmlns:p="http://schemas.openxmlformats.org/presentationml/2006/main" saveSubsetFonts="1">
+<p:presentation xmlns:a="http://schemas.openxmlformats.org/drawingml/2006/main" xmlns:r="http://schemas.openxmlformats.org/officeDocument/2006/relationships" xmlns:p="http://schemas.openxmlformats.org/presentationml/2006/main">
   <p:sldMasterIdLst>
     <p:sldMasterId id="2147483648" r:id="rId1"/>
-    <p:sldMasterId id="2147483651" r:id="rId2"/>
-    <p:sldMasterId id="2147483652" r:id="rId3"/>
+    <p:sldMasterId id="2147483660" r:id="rId3"/>
+    <p:sldMasterId id="2147483672" r:id="rId4"/>
   </p:sldMasterIdLst>
   <p:notesMasterIdLst>
-    <p:notesMasterId r:id="rId16"/>
+    <p:notesMasterId r:id="rId17"/>
   </p:notesMasterIdLst>
   <p:sldIdLst>
-    <p:sldId id="256" r:id="rId4"/>
-    <p:sldId id="318" r:id="rId5"/>
-    <p:sldId id="290" r:id="rId6"/>
-    <p:sldId id="326" r:id="rId7"/>
-    <p:sldId id="295" r:id="rId8"/>
-    <p:sldId id="324" r:id="rId9"/>
-    <p:sldId id="320" r:id="rId10"/>
-    <p:sldId id="321" r:id="rId11"/>
-    <p:sldId id="319" r:id="rId12"/>
-    <p:sldId id="325" r:id="rId13"/>
-    <p:sldId id="322" r:id="rId14"/>
-    <p:sldId id="279" r:id="rId15"/>
+    <p:sldId id="256" r:id="rId5"/>
+    <p:sldId id="318" r:id="rId6"/>
+    <p:sldId id="290" r:id="rId7"/>
+    <p:sldId id="326" r:id="rId8"/>
+    <p:sldId id="295" r:id="rId9"/>
+    <p:sldId id="324" r:id="rId10"/>
+    <p:sldId id="320" r:id="rId11"/>
+    <p:sldId id="321" r:id="rId12"/>
+    <p:sldId id="319" r:id="rId13"/>
+    <p:sldId id="325" r:id="rId14"/>
+    <p:sldId id="322" r:id="rId15"/>
+    <p:sldId id="279" r:id="rId16"/>
   </p:sldIdLst>
   <p:sldSz cx="12192000" cy="6858000"/>
   <p:notesSz cx="6858000" cy="9144000"/>
@@ -155,22 +155,6 @@
       </a:defRPr>
     </a:lvl9pPr>
   </p:defaultTextStyle>
-  <p:extLst>
-    <p:ext uri="{EFAFB233-063F-42B5-8137-9DF3F51BA10A}">
-      <p15:sldGuideLst xmlns:p15="http://schemas.microsoft.com/office/powerpoint/2012/main">
-        <p15:guide id="1" orient="horz" pos="2160">
-          <p15:clr>
-            <a:srgbClr val="A4A3A4"/>
-          </p15:clr>
-        </p15:guide>
-        <p15:guide id="2" pos="3840">
-          <p15:clr>
-            <a:srgbClr val="A4A3A4"/>
-          </p15:clr>
-        </p15:guide>
-      </p15:sldGuideLst>
-    </p:ext>
-  </p:extLst>
 </p:presentation>
 </file>
 
@@ -274,6 +258,7 @@
               <a:rPr lang="zh-CN" noProof="0"/>
               <a:t>单击此处编辑母版文本样式</a:t>
             </a:r>
+            <a:endParaRPr lang="zh-CN" noProof="0"/>
           </a:p>
           <a:p>
             <a:pPr lvl="1"/>
@@ -281,6 +266,7 @@
               <a:rPr lang="zh-CN" noProof="0"/>
               <a:t>第二级</a:t>
             </a:r>
+            <a:endParaRPr lang="zh-CN" noProof="0"/>
           </a:p>
           <a:p>
             <a:pPr lvl="2"/>
@@ -288,6 +274,7 @@
               <a:rPr lang="zh-CN" noProof="0"/>
               <a:t>第三级</a:t>
             </a:r>
+            <a:endParaRPr lang="zh-CN" noProof="0"/>
           </a:p>
           <a:p>
             <a:pPr lvl="3"/>
@@ -295,6 +282,7 @@
               <a:rPr lang="zh-CN" noProof="0"/>
               <a:t>第四级</a:t>
             </a:r>
+            <a:endParaRPr lang="zh-CN" noProof="0"/>
           </a:p>
           <a:p>
             <a:pPr lvl="4"/>
@@ -302,6 +290,7 @@
               <a:rPr lang="zh-CN" noProof="0"/>
               <a:t>第五级</a:t>
             </a:r>
+            <a:endParaRPr lang="zh-CN" noProof="0"/>
           </a:p>
         </p:txBody>
       </p:sp>
@@ -449,11 +438,7 @@
           </a:ln>
         </p:spPr>
         <p:txBody>
-          <a:bodyPr vert="horz" wrap="square" lIns="91440" tIns="45720" rIns="91440" bIns="45720" numCol="1" anchor="t" anchorCtr="0" compatLnSpc="1">
-            <a:prstTxWarp prst="textNoShape">
-              <a:avLst/>
-            </a:prstTxWarp>
-          </a:bodyPr>
+          <a:bodyPr vert="horz" wrap="square" lIns="91440" tIns="45720" rIns="91440" bIns="45720" numCol="1" anchor="t" anchorCtr="0" compatLnSpc="1"/>
           <a:lstStyle>
             <a:lvl1pPr algn="r">
               <a:defRPr sz="1200"/>
@@ -462,8 +447,6 @@
           <a:p>
             <a:fld id="{92EDF170-FC22-4FFF-B31B-4310B2AB7759}" type="slidenum">
               <a:rPr lang="zh-CN" altLang="en-US"/>
-              <a:pPr/>
-              <a:t>‹#›</a:t>
             </a:fld>
             <a:endParaRPr lang="zh-CN" altLang="en-US"/>
           </a:p>
@@ -638,6 +621,7 @@
               <a:rPr lang="zh-CN" altLang="en-US" noProof="1"/>
               <a:t>单击此处编辑母版标题样式</a:t>
             </a:r>
+            <a:endParaRPr lang="zh-CN" altLang="en-US" noProof="1"/>
           </a:p>
         </p:txBody>
       </p:sp>
@@ -702,6 +686,7 @@
               <a:rPr lang="zh-CN" altLang="en-US" noProof="1"/>
               <a:t>单击此处编辑母版副标题样式</a:t>
             </a:r>
+            <a:endParaRPr lang="zh-CN" altLang="en-US" noProof="1"/>
           </a:p>
         </p:txBody>
       </p:sp>
@@ -715,9 +700,7 @@
             <p:ph type="dt" sz="half" idx="10"/>
           </p:nvPr>
         </p:nvSpPr>
-        <p:spPr>
-          <a:ln/>
-        </p:spPr>
+        <p:spPr/>
         <p:txBody>
           <a:bodyPr/>
           <a:lstStyle>
@@ -743,9 +726,7 @@
             <p:ph type="ftr" sz="quarter" idx="11"/>
           </p:nvPr>
         </p:nvSpPr>
-        <p:spPr>
-          <a:ln/>
-        </p:spPr>
+        <p:spPr/>
         <p:txBody>
           <a:bodyPr/>
           <a:lstStyle>
@@ -771,9 +752,7 @@
             <p:ph type="sldNum" sz="quarter" idx="12"/>
           </p:nvPr>
         </p:nvSpPr>
-        <p:spPr>
-          <a:ln/>
-        </p:spPr>
+        <p:spPr/>
         <p:txBody>
           <a:bodyPr/>
           <a:lstStyle>
@@ -784,19 +763,12 @@
           <a:p>
             <a:fld id="{A552AB89-C5E4-46E4-9008-B7A1631BF54F}" type="slidenum">
               <a:rPr lang="zh-CN" altLang="en-US"/>
-              <a:pPr/>
-              <a:t>‹#›</a:t>
             </a:fld>
             <a:endParaRPr lang="zh-CN" altLang="en-US"/>
           </a:p>
         </p:txBody>
       </p:sp>
     </p:spTree>
-    <p:extLst>
-      <p:ext uri="{BB962C8B-B14F-4D97-AF65-F5344CB8AC3E}">
-        <p14:creationId xmlns:p14="http://schemas.microsoft.com/office/powerpoint/2010/main" val="547471054"/>
-      </p:ext>
-    </p:extLst>
   </p:cSld>
   <p:clrMapOvr>
     <a:masterClrMapping/>
@@ -840,6 +812,7 @@
               <a:rPr lang="zh-CN" altLang="en-US" noProof="1"/>
               <a:t>单击此处编辑母版标题样式</a:t>
             </a:r>
+            <a:endParaRPr lang="zh-CN" altLang="en-US" noProof="1"/>
           </a:p>
         </p:txBody>
       </p:sp>
@@ -863,6 +836,7 @@
               <a:rPr lang="zh-CN" altLang="en-US" noProof="1"/>
               <a:t>单击此处编辑母版文本样式</a:t>
             </a:r>
+            <a:endParaRPr lang="zh-CN" altLang="en-US" noProof="1"/>
           </a:p>
           <a:p>
             <a:pPr lvl="1"/>
@@ -870,6 +844,7 @@
               <a:rPr lang="zh-CN" altLang="en-US" noProof="1"/>
               <a:t>第二级</a:t>
             </a:r>
+            <a:endParaRPr lang="zh-CN" altLang="en-US" noProof="1"/>
           </a:p>
           <a:p>
             <a:pPr lvl="2"/>
@@ -877,6 +852,7 @@
               <a:rPr lang="zh-CN" altLang="en-US" noProof="1"/>
               <a:t>第三级</a:t>
             </a:r>
+            <a:endParaRPr lang="zh-CN" altLang="en-US" noProof="1"/>
           </a:p>
           <a:p>
             <a:pPr lvl="3"/>
@@ -884,6 +860,7 @@
               <a:rPr lang="zh-CN" altLang="en-US" noProof="1"/>
               <a:t>第四级</a:t>
             </a:r>
+            <a:endParaRPr lang="zh-CN" altLang="en-US" noProof="1"/>
           </a:p>
           <a:p>
             <a:pPr lvl="4"/>
@@ -891,6 +868,7 @@
               <a:rPr lang="zh-CN" altLang="en-US" noProof="1"/>
               <a:t>第五级</a:t>
             </a:r>
+            <a:endParaRPr lang="zh-CN" altLang="en-US" noProof="1"/>
           </a:p>
         </p:txBody>
       </p:sp>
@@ -904,9 +882,7 @@
             <p:ph type="dt" sz="half" idx="10"/>
           </p:nvPr>
         </p:nvSpPr>
-        <p:spPr>
-          <a:ln/>
-        </p:spPr>
+        <p:spPr/>
         <p:txBody>
           <a:bodyPr/>
           <a:lstStyle>
@@ -932,9 +908,7 @@
             <p:ph type="ftr" sz="quarter" idx="11"/>
           </p:nvPr>
         </p:nvSpPr>
-        <p:spPr>
-          <a:ln/>
-        </p:spPr>
+        <p:spPr/>
         <p:txBody>
           <a:bodyPr/>
           <a:lstStyle>
@@ -960,9 +934,7 @@
             <p:ph type="sldNum" sz="quarter" idx="12"/>
           </p:nvPr>
         </p:nvSpPr>
-        <p:spPr>
-          <a:ln/>
-        </p:spPr>
+        <p:spPr/>
         <p:txBody>
           <a:bodyPr/>
           <a:lstStyle>
@@ -973,19 +945,12 @@
           <a:p>
             <a:fld id="{3C42EF91-7F16-4813-A1A6-28B95A302C2E}" type="slidenum">
               <a:rPr lang="zh-CN" altLang="en-US"/>
-              <a:pPr/>
-              <a:t>‹#›</a:t>
             </a:fld>
             <a:endParaRPr lang="zh-CN" altLang="en-US"/>
           </a:p>
         </p:txBody>
       </p:sp>
     </p:spTree>
-    <p:extLst>
-      <p:ext uri="{BB962C8B-B14F-4D97-AF65-F5344CB8AC3E}">
-        <p14:creationId xmlns:p14="http://schemas.microsoft.com/office/powerpoint/2010/main" val="1310986060"/>
-      </p:ext>
-    </p:extLst>
   </p:cSld>
   <p:clrMapOvr>
     <a:masterClrMapping/>
@@ -1034,6 +999,7 @@
               <a:rPr lang="zh-CN" altLang="en-US" noProof="1"/>
               <a:t>单击此处编辑母版标题样式</a:t>
             </a:r>
+            <a:endParaRPr lang="zh-CN" altLang="en-US" noProof="1"/>
           </a:p>
         </p:txBody>
       </p:sp>
@@ -1062,6 +1028,7 @@
               <a:rPr lang="zh-CN" altLang="en-US" noProof="1"/>
               <a:t>单击此处编辑母版文本样式</a:t>
             </a:r>
+            <a:endParaRPr lang="zh-CN" altLang="en-US" noProof="1"/>
           </a:p>
           <a:p>
             <a:pPr lvl="1"/>
@@ -1069,6 +1036,7 @@
               <a:rPr lang="zh-CN" altLang="en-US" noProof="1"/>
               <a:t>第二级</a:t>
             </a:r>
+            <a:endParaRPr lang="zh-CN" altLang="en-US" noProof="1"/>
           </a:p>
           <a:p>
             <a:pPr lvl="2"/>
@@ -1076,6 +1044,7 @@
               <a:rPr lang="zh-CN" altLang="en-US" noProof="1"/>
               <a:t>第三级</a:t>
             </a:r>
+            <a:endParaRPr lang="zh-CN" altLang="en-US" noProof="1"/>
           </a:p>
           <a:p>
             <a:pPr lvl="3"/>
@@ -1083,6 +1052,7 @@
               <a:rPr lang="zh-CN" altLang="en-US" noProof="1"/>
               <a:t>第四级</a:t>
             </a:r>
+            <a:endParaRPr lang="zh-CN" altLang="en-US" noProof="1"/>
           </a:p>
           <a:p>
             <a:pPr lvl="4"/>
@@ -1090,6 +1060,7 @@
               <a:rPr lang="zh-CN" altLang="en-US" noProof="1"/>
               <a:t>第五级</a:t>
             </a:r>
+            <a:endParaRPr lang="zh-CN" altLang="en-US" noProof="1"/>
           </a:p>
         </p:txBody>
       </p:sp>
@@ -1103,9 +1074,7 @@
             <p:ph type="dt" sz="half" idx="10"/>
           </p:nvPr>
         </p:nvSpPr>
-        <p:spPr>
-          <a:ln/>
-        </p:spPr>
+        <p:spPr/>
         <p:txBody>
           <a:bodyPr/>
           <a:lstStyle>
@@ -1131,9 +1100,7 @@
             <p:ph type="ftr" sz="quarter" idx="11"/>
           </p:nvPr>
         </p:nvSpPr>
-        <p:spPr>
-          <a:ln/>
-        </p:spPr>
+        <p:spPr/>
         <p:txBody>
           <a:bodyPr/>
           <a:lstStyle>
@@ -1159,9 +1126,7 @@
             <p:ph type="sldNum" sz="quarter" idx="12"/>
           </p:nvPr>
         </p:nvSpPr>
-        <p:spPr>
-          <a:ln/>
-        </p:spPr>
+        <p:spPr/>
         <p:txBody>
           <a:bodyPr/>
           <a:lstStyle>
@@ -1172,19 +1137,12 @@
           <a:p>
             <a:fld id="{9F9646EF-CFFA-4291-A938-B16EAAFFC21F}" type="slidenum">
               <a:rPr lang="zh-CN" altLang="en-US"/>
-              <a:pPr/>
-              <a:t>‹#›</a:t>
             </a:fld>
             <a:endParaRPr lang="zh-CN" altLang="en-US"/>
           </a:p>
         </p:txBody>
       </p:sp>
     </p:spTree>
-    <p:extLst>
-      <p:ext uri="{BB962C8B-B14F-4D97-AF65-F5344CB8AC3E}">
-        <p14:creationId xmlns:p14="http://schemas.microsoft.com/office/powerpoint/2010/main" val="4049190677"/>
-      </p:ext>
-    </p:extLst>
   </p:cSld>
   <p:clrMapOvr>
     <a:masterClrMapping/>
@@ -1233,6 +1191,7 @@
               <a:rPr lang="zh-CN" altLang="en-US" noProof="1"/>
               <a:t>单击此处编辑母版标题样式</a:t>
             </a:r>
+            <a:endParaRPr lang="zh-CN" altLang="en-US" noProof="1"/>
           </a:p>
         </p:txBody>
       </p:sp>
@@ -1297,6 +1256,7 @@
               <a:rPr lang="zh-CN" altLang="en-US" noProof="1"/>
               <a:t>单击此处编辑母版副标题样式</a:t>
             </a:r>
+            <a:endParaRPr lang="zh-CN" altLang="en-US" noProof="1"/>
           </a:p>
         </p:txBody>
       </p:sp>
@@ -1310,9 +1270,7 @@
             <p:ph type="dt" sz="half" idx="10"/>
           </p:nvPr>
         </p:nvSpPr>
-        <p:spPr>
-          <a:ln/>
-        </p:spPr>
+        <p:spPr/>
         <p:txBody>
           <a:bodyPr/>
           <a:lstStyle>
@@ -1338,9 +1296,7 @@
             <p:ph type="ftr" sz="quarter" idx="11"/>
           </p:nvPr>
         </p:nvSpPr>
-        <p:spPr>
-          <a:ln/>
-        </p:spPr>
+        <p:spPr/>
         <p:txBody>
           <a:bodyPr/>
           <a:lstStyle>
@@ -1366,9 +1322,7 @@
             <p:ph type="sldNum" sz="quarter" idx="12"/>
           </p:nvPr>
         </p:nvSpPr>
-        <p:spPr>
-          <a:ln/>
-        </p:spPr>
+        <p:spPr/>
         <p:txBody>
           <a:bodyPr/>
           <a:lstStyle>
@@ -1379,19 +1333,12 @@
           <a:p>
             <a:fld id="{8B0FD704-1505-4148-BB19-F3A6623C5230}" type="slidenum">
               <a:rPr lang="zh-CN" altLang="en-US"/>
-              <a:pPr/>
-              <a:t>‹#›</a:t>
             </a:fld>
             <a:endParaRPr lang="zh-CN" altLang="en-US"/>
           </a:p>
         </p:txBody>
       </p:sp>
     </p:spTree>
-    <p:extLst>
-      <p:ext uri="{BB962C8B-B14F-4D97-AF65-F5344CB8AC3E}">
-        <p14:creationId xmlns:p14="http://schemas.microsoft.com/office/powerpoint/2010/main" val="2971590303"/>
-      </p:ext>
-    </p:extLst>
   </p:cSld>
   <p:clrMapOvr>
     <a:masterClrMapping/>
@@ -1435,6 +1382,7 @@
               <a:rPr lang="zh-CN" altLang="en-US" noProof="1"/>
               <a:t>单击此处编辑母版标题样式</a:t>
             </a:r>
+            <a:endParaRPr lang="zh-CN" altLang="en-US" noProof="1"/>
           </a:p>
         </p:txBody>
       </p:sp>
@@ -1458,6 +1406,7 @@
               <a:rPr lang="zh-CN" altLang="en-US" noProof="1"/>
               <a:t>单击此处编辑母版文本样式</a:t>
             </a:r>
+            <a:endParaRPr lang="zh-CN" altLang="en-US" noProof="1"/>
           </a:p>
           <a:p>
             <a:pPr lvl="1"/>
@@ -1465,6 +1414,7 @@
               <a:rPr lang="zh-CN" altLang="en-US" noProof="1"/>
               <a:t>第二级</a:t>
             </a:r>
+            <a:endParaRPr lang="zh-CN" altLang="en-US" noProof="1"/>
           </a:p>
           <a:p>
             <a:pPr lvl="2"/>
@@ -1472,6 +1422,7 @@
               <a:rPr lang="zh-CN" altLang="en-US" noProof="1"/>
               <a:t>第三级</a:t>
             </a:r>
+            <a:endParaRPr lang="zh-CN" altLang="en-US" noProof="1"/>
           </a:p>
           <a:p>
             <a:pPr lvl="3"/>
@@ -1479,6 +1430,7 @@
               <a:rPr lang="zh-CN" altLang="en-US" noProof="1"/>
               <a:t>第四级</a:t>
             </a:r>
+            <a:endParaRPr lang="zh-CN" altLang="en-US" noProof="1"/>
           </a:p>
           <a:p>
             <a:pPr lvl="4"/>
@@ -1486,6 +1438,7 @@
               <a:rPr lang="zh-CN" altLang="en-US" noProof="1"/>
               <a:t>第五级</a:t>
             </a:r>
+            <a:endParaRPr lang="zh-CN" altLang="en-US" noProof="1"/>
           </a:p>
         </p:txBody>
       </p:sp>
@@ -1499,9 +1452,7 @@
             <p:ph type="dt" sz="half" idx="10"/>
           </p:nvPr>
         </p:nvSpPr>
-        <p:spPr>
-          <a:ln/>
-        </p:spPr>
+        <p:spPr/>
         <p:txBody>
           <a:bodyPr/>
           <a:lstStyle>
@@ -1527,9 +1478,7 @@
             <p:ph type="ftr" sz="quarter" idx="11"/>
           </p:nvPr>
         </p:nvSpPr>
-        <p:spPr>
-          <a:ln/>
-        </p:spPr>
+        <p:spPr/>
         <p:txBody>
           <a:bodyPr/>
           <a:lstStyle>
@@ -1555,9 +1504,7 @@
             <p:ph type="sldNum" sz="quarter" idx="12"/>
           </p:nvPr>
         </p:nvSpPr>
-        <p:spPr>
-          <a:ln/>
-        </p:spPr>
+        <p:spPr/>
         <p:txBody>
           <a:bodyPr/>
           <a:lstStyle>
@@ -1568,19 +1515,12 @@
           <a:p>
             <a:fld id="{457EA7F5-67CA-43BD-B2EF-EA0A32557FC5}" type="slidenum">
               <a:rPr lang="zh-CN" altLang="en-US"/>
-              <a:pPr/>
-              <a:t>‹#›</a:t>
             </a:fld>
             <a:endParaRPr lang="zh-CN" altLang="en-US"/>
           </a:p>
         </p:txBody>
       </p:sp>
     </p:spTree>
-    <p:extLst>
-      <p:ext uri="{BB962C8B-B14F-4D97-AF65-F5344CB8AC3E}">
-        <p14:creationId xmlns:p14="http://schemas.microsoft.com/office/powerpoint/2010/main" val="2521472205"/>
-      </p:ext>
-    </p:extLst>
   </p:cSld>
   <p:clrMapOvr>
     <a:masterClrMapping/>
@@ -1633,6 +1573,7 @@
               <a:rPr lang="zh-CN" altLang="en-US" noProof="1"/>
               <a:t>单击此处编辑母版标题样式</a:t>
             </a:r>
+            <a:endParaRPr lang="zh-CN" altLang="en-US" noProof="1"/>
           </a:p>
         </p:txBody>
       </p:sp>
@@ -1698,6 +1639,7 @@
               <a:rPr lang="zh-CN" altLang="en-US" noProof="1"/>
               <a:t>单击此处编辑母版文本样式</a:t>
             </a:r>
+            <a:endParaRPr lang="zh-CN" altLang="en-US" noProof="1"/>
           </a:p>
         </p:txBody>
       </p:sp>
@@ -1711,9 +1653,7 @@
             <p:ph type="dt" sz="half" idx="10"/>
           </p:nvPr>
         </p:nvSpPr>
-        <p:spPr>
-          <a:ln/>
-        </p:spPr>
+        <p:spPr/>
         <p:txBody>
           <a:bodyPr/>
           <a:lstStyle>
@@ -1739,9 +1679,7 @@
             <p:ph type="ftr" sz="quarter" idx="11"/>
           </p:nvPr>
         </p:nvSpPr>
-        <p:spPr>
-          <a:ln/>
-        </p:spPr>
+        <p:spPr/>
         <p:txBody>
           <a:bodyPr/>
           <a:lstStyle>
@@ -1767,9 +1705,7 @@
             <p:ph type="sldNum" sz="quarter" idx="12"/>
           </p:nvPr>
         </p:nvSpPr>
-        <p:spPr>
-          <a:ln/>
-        </p:spPr>
+        <p:spPr/>
         <p:txBody>
           <a:bodyPr/>
           <a:lstStyle>
@@ -1780,19 +1716,12 @@
           <a:p>
             <a:fld id="{C49510E2-A952-4817-BBFE-EAD2391D4DF0}" type="slidenum">
               <a:rPr lang="zh-CN" altLang="en-US"/>
-              <a:pPr/>
-              <a:t>‹#›</a:t>
             </a:fld>
             <a:endParaRPr lang="zh-CN" altLang="en-US"/>
           </a:p>
         </p:txBody>
       </p:sp>
     </p:spTree>
-    <p:extLst>
-      <p:ext uri="{BB962C8B-B14F-4D97-AF65-F5344CB8AC3E}">
-        <p14:creationId xmlns:p14="http://schemas.microsoft.com/office/powerpoint/2010/main" val="3922213675"/>
-      </p:ext>
-    </p:extLst>
   </p:cSld>
   <p:clrMapOvr>
     <a:masterClrMapping/>
@@ -1836,6 +1765,7 @@
               <a:rPr lang="zh-CN" altLang="en-US" noProof="1"/>
               <a:t>单击此处编辑母版标题样式</a:t>
             </a:r>
+            <a:endParaRPr lang="zh-CN" altLang="en-US" noProof="1"/>
           </a:p>
         </p:txBody>
       </p:sp>
@@ -1892,6 +1822,7 @@
               <a:rPr lang="zh-CN" altLang="en-US" noProof="1"/>
               <a:t>单击此处编辑母版文本样式</a:t>
             </a:r>
+            <a:endParaRPr lang="zh-CN" altLang="en-US" noProof="1"/>
           </a:p>
           <a:p>
             <a:pPr lvl="1"/>
@@ -1899,6 +1830,7 @@
               <a:rPr lang="zh-CN" altLang="en-US" noProof="1"/>
               <a:t>第二级</a:t>
             </a:r>
+            <a:endParaRPr lang="zh-CN" altLang="en-US" noProof="1"/>
           </a:p>
           <a:p>
             <a:pPr lvl="2"/>
@@ -1906,6 +1838,7 @@
               <a:rPr lang="zh-CN" altLang="en-US" noProof="1"/>
               <a:t>第三级</a:t>
             </a:r>
+            <a:endParaRPr lang="zh-CN" altLang="en-US" noProof="1"/>
           </a:p>
           <a:p>
             <a:pPr lvl="3"/>
@@ -1913,6 +1846,7 @@
               <a:rPr lang="zh-CN" altLang="en-US" noProof="1"/>
               <a:t>第四级</a:t>
             </a:r>
+            <a:endParaRPr lang="zh-CN" altLang="en-US" noProof="1"/>
           </a:p>
           <a:p>
             <a:pPr lvl="4"/>
@@ -1920,6 +1854,7 @@
               <a:rPr lang="zh-CN" altLang="en-US" noProof="1"/>
               <a:t>第五级</a:t>
             </a:r>
+            <a:endParaRPr lang="zh-CN" altLang="en-US" noProof="1"/>
           </a:p>
         </p:txBody>
       </p:sp>
@@ -1976,6 +1911,7 @@
               <a:rPr lang="zh-CN" altLang="en-US" noProof="1"/>
               <a:t>单击此处编辑母版文本样式</a:t>
             </a:r>
+            <a:endParaRPr lang="zh-CN" altLang="en-US" noProof="1"/>
           </a:p>
           <a:p>
             <a:pPr lvl="1"/>
@@ -1983,6 +1919,7 @@
               <a:rPr lang="zh-CN" altLang="en-US" noProof="1"/>
               <a:t>第二级</a:t>
             </a:r>
+            <a:endParaRPr lang="zh-CN" altLang="en-US" noProof="1"/>
           </a:p>
           <a:p>
             <a:pPr lvl="2"/>
@@ -1990,6 +1927,7 @@
               <a:rPr lang="zh-CN" altLang="en-US" noProof="1"/>
               <a:t>第三级</a:t>
             </a:r>
+            <a:endParaRPr lang="zh-CN" altLang="en-US" noProof="1"/>
           </a:p>
           <a:p>
             <a:pPr lvl="3"/>
@@ -1997,6 +1935,7 @@
               <a:rPr lang="zh-CN" altLang="en-US" noProof="1"/>
               <a:t>第四级</a:t>
             </a:r>
+            <a:endParaRPr lang="zh-CN" altLang="en-US" noProof="1"/>
           </a:p>
           <a:p>
             <a:pPr lvl="4"/>
@@ -2004,6 +1943,7 @@
               <a:rPr lang="zh-CN" altLang="en-US" noProof="1"/>
               <a:t>第五级</a:t>
             </a:r>
+            <a:endParaRPr lang="zh-CN" altLang="en-US" noProof="1"/>
           </a:p>
         </p:txBody>
       </p:sp>
@@ -2017,9 +1957,7 @@
             <p:ph type="dt" sz="half" idx="10"/>
           </p:nvPr>
         </p:nvSpPr>
-        <p:spPr>
-          <a:ln/>
-        </p:spPr>
+        <p:spPr/>
         <p:txBody>
           <a:bodyPr/>
           <a:lstStyle>
@@ -2045,9 +1983,7 @@
             <p:ph type="ftr" sz="quarter" idx="11"/>
           </p:nvPr>
         </p:nvSpPr>
-        <p:spPr>
-          <a:ln/>
-        </p:spPr>
+        <p:spPr/>
         <p:txBody>
           <a:bodyPr/>
           <a:lstStyle>
@@ -2073,9 +2009,7 @@
             <p:ph type="sldNum" sz="quarter" idx="12"/>
           </p:nvPr>
         </p:nvSpPr>
-        <p:spPr>
-          <a:ln/>
-        </p:spPr>
+        <p:spPr/>
         <p:txBody>
           <a:bodyPr/>
           <a:lstStyle>
@@ -2086,19 +2020,12 @@
           <a:p>
             <a:fld id="{786E1B60-C34E-44AA-8A0D-6781ADD2DC96}" type="slidenum">
               <a:rPr lang="zh-CN" altLang="en-US"/>
-              <a:pPr/>
-              <a:t>‹#›</a:t>
             </a:fld>
             <a:endParaRPr lang="zh-CN" altLang="en-US"/>
           </a:p>
         </p:txBody>
       </p:sp>
     </p:spTree>
-    <p:extLst>
-      <p:ext uri="{BB962C8B-B14F-4D97-AF65-F5344CB8AC3E}">
-        <p14:creationId xmlns:p14="http://schemas.microsoft.com/office/powerpoint/2010/main" val="432330340"/>
-      </p:ext>
-    </p:extLst>
   </p:cSld>
   <p:clrMapOvr>
     <a:masterClrMapping/>
@@ -2151,6 +2078,7 @@
               <a:rPr lang="zh-CN" altLang="en-US" noProof="1"/>
               <a:t>单击此处编辑母版标题样式</a:t>
             </a:r>
+            <a:endParaRPr lang="zh-CN" altLang="en-US" noProof="1"/>
           </a:p>
         </p:txBody>
       </p:sp>
@@ -2216,6 +2144,7 @@
               <a:rPr lang="zh-CN" altLang="en-US" noProof="1"/>
               <a:t>单击此处编辑母版文本样式</a:t>
             </a:r>
+            <a:endParaRPr lang="zh-CN" altLang="en-US" noProof="1"/>
           </a:p>
         </p:txBody>
       </p:sp>
@@ -2272,6 +2201,7 @@
               <a:rPr lang="zh-CN" altLang="en-US" noProof="1"/>
               <a:t>单击此处编辑母版文本样式</a:t>
             </a:r>
+            <a:endParaRPr lang="zh-CN" altLang="en-US" noProof="1"/>
           </a:p>
           <a:p>
             <a:pPr lvl="1"/>
@@ -2279,6 +2209,7 @@
               <a:rPr lang="zh-CN" altLang="en-US" noProof="1"/>
               <a:t>第二级</a:t>
             </a:r>
+            <a:endParaRPr lang="zh-CN" altLang="en-US" noProof="1"/>
           </a:p>
           <a:p>
             <a:pPr lvl="2"/>
@@ -2286,6 +2217,7 @@
               <a:rPr lang="zh-CN" altLang="en-US" noProof="1"/>
               <a:t>第三级</a:t>
             </a:r>
+            <a:endParaRPr lang="zh-CN" altLang="en-US" noProof="1"/>
           </a:p>
           <a:p>
             <a:pPr lvl="3"/>
@@ -2293,6 +2225,7 @@
               <a:rPr lang="zh-CN" altLang="en-US" noProof="1"/>
               <a:t>第四级</a:t>
             </a:r>
+            <a:endParaRPr lang="zh-CN" altLang="en-US" noProof="1"/>
           </a:p>
           <a:p>
             <a:pPr lvl="4"/>
@@ -2300,6 +2233,7 @@
               <a:rPr lang="zh-CN" altLang="en-US" noProof="1"/>
               <a:t>第五级</a:t>
             </a:r>
+            <a:endParaRPr lang="zh-CN" altLang="en-US" noProof="1"/>
           </a:p>
         </p:txBody>
       </p:sp>
@@ -2365,6 +2299,7 @@
               <a:rPr lang="zh-CN" altLang="en-US" noProof="1"/>
               <a:t>单击此处编辑母版文本样式</a:t>
             </a:r>
+            <a:endParaRPr lang="zh-CN" altLang="en-US" noProof="1"/>
           </a:p>
         </p:txBody>
       </p:sp>
@@ -2421,6 +2356,7 @@
               <a:rPr lang="zh-CN" altLang="en-US" noProof="1"/>
               <a:t>单击此处编辑母版文本样式</a:t>
             </a:r>
+            <a:endParaRPr lang="zh-CN" altLang="en-US" noProof="1"/>
           </a:p>
           <a:p>
             <a:pPr lvl="1"/>
@@ -2428,6 +2364,7 @@
               <a:rPr lang="zh-CN" altLang="en-US" noProof="1"/>
               <a:t>第二级</a:t>
             </a:r>
+            <a:endParaRPr lang="zh-CN" altLang="en-US" noProof="1"/>
           </a:p>
           <a:p>
             <a:pPr lvl="2"/>
@@ -2435,6 +2372,7 @@
               <a:rPr lang="zh-CN" altLang="en-US" noProof="1"/>
               <a:t>第三级</a:t>
             </a:r>
+            <a:endParaRPr lang="zh-CN" altLang="en-US" noProof="1"/>
           </a:p>
           <a:p>
             <a:pPr lvl="3"/>
@@ -2442,6 +2380,7 @@
               <a:rPr lang="zh-CN" altLang="en-US" noProof="1"/>
               <a:t>第四级</a:t>
             </a:r>
+            <a:endParaRPr lang="zh-CN" altLang="en-US" noProof="1"/>
           </a:p>
           <a:p>
             <a:pPr lvl="4"/>
@@ -2449,6 +2388,7 @@
               <a:rPr lang="zh-CN" altLang="en-US" noProof="1"/>
               <a:t>第五级</a:t>
             </a:r>
+            <a:endParaRPr lang="zh-CN" altLang="en-US" noProof="1"/>
           </a:p>
         </p:txBody>
       </p:sp>
@@ -2462,9 +2402,7 @@
             <p:ph type="dt" sz="half" idx="10"/>
           </p:nvPr>
         </p:nvSpPr>
-        <p:spPr>
-          <a:ln/>
-        </p:spPr>
+        <p:spPr/>
         <p:txBody>
           <a:bodyPr/>
           <a:lstStyle>
@@ -2490,9 +2428,7 @@
             <p:ph type="ftr" sz="quarter" idx="11"/>
           </p:nvPr>
         </p:nvSpPr>
-        <p:spPr>
-          <a:ln/>
-        </p:spPr>
+        <p:spPr/>
         <p:txBody>
           <a:bodyPr/>
           <a:lstStyle>
@@ -2518,9 +2454,7 @@
             <p:ph type="sldNum" sz="quarter" idx="12"/>
           </p:nvPr>
         </p:nvSpPr>
-        <p:spPr>
-          <a:ln/>
-        </p:spPr>
+        <p:spPr/>
         <p:txBody>
           <a:bodyPr/>
           <a:lstStyle>
@@ -2531,19 +2465,12 @@
           <a:p>
             <a:fld id="{50CBC835-C918-478B-85A7-60DA953C5844}" type="slidenum">
               <a:rPr lang="zh-CN" altLang="en-US"/>
-              <a:pPr/>
-              <a:t>‹#›</a:t>
             </a:fld>
             <a:endParaRPr lang="zh-CN" altLang="en-US"/>
           </a:p>
         </p:txBody>
       </p:sp>
     </p:spTree>
-    <p:extLst>
-      <p:ext uri="{BB962C8B-B14F-4D97-AF65-F5344CB8AC3E}">
-        <p14:creationId xmlns:p14="http://schemas.microsoft.com/office/powerpoint/2010/main" val="257208989"/>
-      </p:ext>
-    </p:extLst>
   </p:cSld>
   <p:clrMapOvr>
     <a:masterClrMapping/>
@@ -2587,6 +2514,7 @@
               <a:rPr lang="zh-CN" altLang="en-US" noProof="1"/>
               <a:t>单击此处编辑母版标题样式</a:t>
             </a:r>
+            <a:endParaRPr lang="zh-CN" altLang="en-US" noProof="1"/>
           </a:p>
         </p:txBody>
       </p:sp>
@@ -2600,9 +2528,7 @@
             <p:ph type="dt" sz="half" idx="10"/>
           </p:nvPr>
         </p:nvSpPr>
-        <p:spPr>
-          <a:ln/>
-        </p:spPr>
+        <p:spPr/>
         <p:txBody>
           <a:bodyPr/>
           <a:lstStyle>
@@ -2628,9 +2554,7 @@
             <p:ph type="ftr" sz="quarter" idx="11"/>
           </p:nvPr>
         </p:nvSpPr>
-        <p:spPr>
-          <a:ln/>
-        </p:spPr>
+        <p:spPr/>
         <p:txBody>
           <a:bodyPr/>
           <a:lstStyle>
@@ -2656,9 +2580,7 @@
             <p:ph type="sldNum" sz="quarter" idx="12"/>
           </p:nvPr>
         </p:nvSpPr>
-        <p:spPr>
-          <a:ln/>
-        </p:spPr>
+        <p:spPr/>
         <p:txBody>
           <a:bodyPr/>
           <a:lstStyle>
@@ -2669,19 +2591,12 @@
           <a:p>
             <a:fld id="{AB5053A4-3550-46B2-81DF-96743B958A09}" type="slidenum">
               <a:rPr lang="zh-CN" altLang="en-US"/>
-              <a:pPr/>
-              <a:t>‹#›</a:t>
             </a:fld>
             <a:endParaRPr lang="zh-CN" altLang="en-US"/>
           </a:p>
         </p:txBody>
       </p:sp>
     </p:spTree>
-    <p:extLst>
-      <p:ext uri="{BB962C8B-B14F-4D97-AF65-F5344CB8AC3E}">
-        <p14:creationId xmlns:p14="http://schemas.microsoft.com/office/powerpoint/2010/main" val="4070647832"/>
-      </p:ext>
-    </p:extLst>
   </p:cSld>
   <p:clrMapOvr>
     <a:masterClrMapping/>
@@ -2716,9 +2631,7 @@
             <p:ph type="dt" sz="half" idx="10"/>
           </p:nvPr>
         </p:nvSpPr>
-        <p:spPr>
-          <a:ln/>
-        </p:spPr>
+        <p:spPr/>
         <p:txBody>
           <a:bodyPr/>
           <a:lstStyle>
@@ -2744,9 +2657,7 @@
             <p:ph type="ftr" sz="quarter" idx="11"/>
           </p:nvPr>
         </p:nvSpPr>
-        <p:spPr>
-          <a:ln/>
-        </p:spPr>
+        <p:spPr/>
         <p:txBody>
           <a:bodyPr/>
           <a:lstStyle>
@@ -2772,9 +2683,7 @@
             <p:ph type="sldNum" sz="quarter" idx="12"/>
           </p:nvPr>
         </p:nvSpPr>
-        <p:spPr>
-          <a:ln/>
-        </p:spPr>
+        <p:spPr/>
         <p:txBody>
           <a:bodyPr/>
           <a:lstStyle>
@@ -2785,19 +2694,12 @@
           <a:p>
             <a:fld id="{8AD3F889-553E-4720-A9AC-3CAF8152009F}" type="slidenum">
               <a:rPr lang="zh-CN" altLang="en-US"/>
-              <a:pPr/>
-              <a:t>‹#›</a:t>
             </a:fld>
             <a:endParaRPr lang="zh-CN" altLang="en-US"/>
           </a:p>
         </p:txBody>
       </p:sp>
     </p:spTree>
-    <p:extLst>
-      <p:ext uri="{BB962C8B-B14F-4D97-AF65-F5344CB8AC3E}">
-        <p14:creationId xmlns:p14="http://schemas.microsoft.com/office/powerpoint/2010/main" val="3913499900"/>
-      </p:ext>
-    </p:extLst>
   </p:cSld>
   <p:clrMapOvr>
     <a:masterClrMapping/>
@@ -2850,6 +2752,7 @@
               <a:rPr lang="zh-CN" altLang="en-US" noProof="1"/>
               <a:t>单击此处编辑母版标题样式</a:t>
             </a:r>
+            <a:endParaRPr lang="zh-CN" altLang="en-US" noProof="1"/>
           </a:p>
         </p:txBody>
       </p:sp>
@@ -2906,6 +2809,7 @@
               <a:rPr lang="zh-CN" altLang="en-US" noProof="1"/>
               <a:t>单击此处编辑母版文本样式</a:t>
             </a:r>
+            <a:endParaRPr lang="zh-CN" altLang="en-US" noProof="1"/>
           </a:p>
           <a:p>
             <a:pPr lvl="1"/>
@@ -2913,6 +2817,7 @@
               <a:rPr lang="zh-CN" altLang="en-US" noProof="1"/>
               <a:t>第二级</a:t>
             </a:r>
+            <a:endParaRPr lang="zh-CN" altLang="en-US" noProof="1"/>
           </a:p>
           <a:p>
             <a:pPr lvl="2"/>
@@ -2920,6 +2825,7 @@
               <a:rPr lang="zh-CN" altLang="en-US" noProof="1"/>
               <a:t>第三级</a:t>
             </a:r>
+            <a:endParaRPr lang="zh-CN" altLang="en-US" noProof="1"/>
           </a:p>
           <a:p>
             <a:pPr lvl="3"/>
@@ -2927,6 +2833,7 @@
               <a:rPr lang="zh-CN" altLang="en-US" noProof="1"/>
               <a:t>第四级</a:t>
             </a:r>
+            <a:endParaRPr lang="zh-CN" altLang="en-US" noProof="1"/>
           </a:p>
           <a:p>
             <a:pPr lvl="4"/>
@@ -2934,6 +2841,7 @@
               <a:rPr lang="zh-CN" altLang="en-US" noProof="1"/>
               <a:t>第五级</a:t>
             </a:r>
+            <a:endParaRPr lang="zh-CN" altLang="en-US" noProof="1"/>
           </a:p>
         </p:txBody>
       </p:sp>
@@ -2999,6 +2907,7 @@
               <a:rPr lang="zh-CN" altLang="en-US" noProof="1"/>
               <a:t>单击此处编辑母版文本样式</a:t>
             </a:r>
+            <a:endParaRPr lang="zh-CN" altLang="en-US" noProof="1"/>
           </a:p>
         </p:txBody>
       </p:sp>
@@ -3012,9 +2921,7 @@
             <p:ph type="dt" sz="half" idx="10"/>
           </p:nvPr>
         </p:nvSpPr>
-        <p:spPr>
-          <a:ln/>
-        </p:spPr>
+        <p:spPr/>
         <p:txBody>
           <a:bodyPr/>
           <a:lstStyle>
@@ -3040,9 +2947,7 @@
             <p:ph type="ftr" sz="quarter" idx="11"/>
           </p:nvPr>
         </p:nvSpPr>
-        <p:spPr>
-          <a:ln/>
-        </p:spPr>
+        <p:spPr/>
         <p:txBody>
           <a:bodyPr/>
           <a:lstStyle>
@@ -3068,9 +2973,7 @@
             <p:ph type="sldNum" sz="quarter" idx="12"/>
           </p:nvPr>
         </p:nvSpPr>
-        <p:spPr>
-          <a:ln/>
-        </p:spPr>
+        <p:spPr/>
         <p:txBody>
           <a:bodyPr/>
           <a:lstStyle>
@@ -3081,19 +2984,12 @@
           <a:p>
             <a:fld id="{2D611EA2-7A8B-4E16-88B6-B9B0B206B445}" type="slidenum">
               <a:rPr lang="zh-CN" altLang="en-US"/>
-              <a:pPr/>
-              <a:t>‹#›</a:t>
             </a:fld>
             <a:endParaRPr lang="zh-CN" altLang="en-US"/>
           </a:p>
         </p:txBody>
       </p:sp>
     </p:spTree>
-    <p:extLst>
-      <p:ext uri="{BB962C8B-B14F-4D97-AF65-F5344CB8AC3E}">
-        <p14:creationId xmlns:p14="http://schemas.microsoft.com/office/powerpoint/2010/main" val="244171328"/>
-      </p:ext>
-    </p:extLst>
   </p:cSld>
   <p:clrMapOvr>
     <a:masterClrMapping/>
@@ -3137,6 +3033,7 @@
               <a:rPr lang="zh-CN" altLang="en-US" noProof="1"/>
               <a:t>单击此处编辑母版标题样式</a:t>
             </a:r>
+            <a:endParaRPr lang="zh-CN" altLang="en-US" noProof="1"/>
           </a:p>
         </p:txBody>
       </p:sp>
@@ -3160,6 +3057,7 @@
               <a:rPr lang="zh-CN" altLang="en-US" noProof="1"/>
               <a:t>单击此处编辑母版文本样式</a:t>
             </a:r>
+            <a:endParaRPr lang="zh-CN" altLang="en-US" noProof="1"/>
           </a:p>
           <a:p>
             <a:pPr lvl="1"/>
@@ -3167,6 +3065,7 @@
               <a:rPr lang="zh-CN" altLang="en-US" noProof="1"/>
               <a:t>第二级</a:t>
             </a:r>
+            <a:endParaRPr lang="zh-CN" altLang="en-US" noProof="1"/>
           </a:p>
           <a:p>
             <a:pPr lvl="2"/>
@@ -3174,6 +3073,7 @@
               <a:rPr lang="zh-CN" altLang="en-US" noProof="1"/>
               <a:t>第三级</a:t>
             </a:r>
+            <a:endParaRPr lang="zh-CN" altLang="en-US" noProof="1"/>
           </a:p>
           <a:p>
             <a:pPr lvl="3"/>
@@ -3181,6 +3081,7 @@
               <a:rPr lang="zh-CN" altLang="en-US" noProof="1"/>
               <a:t>第四级</a:t>
             </a:r>
+            <a:endParaRPr lang="zh-CN" altLang="en-US" noProof="1"/>
           </a:p>
           <a:p>
             <a:pPr lvl="4"/>
@@ -3188,6 +3089,7 @@
               <a:rPr lang="zh-CN" altLang="en-US" noProof="1"/>
               <a:t>第五级</a:t>
             </a:r>
+            <a:endParaRPr lang="zh-CN" altLang="en-US" noProof="1"/>
           </a:p>
         </p:txBody>
       </p:sp>
@@ -3201,9 +3103,7 @@
             <p:ph type="dt" sz="half" idx="10"/>
           </p:nvPr>
         </p:nvSpPr>
-        <p:spPr>
-          <a:ln/>
-        </p:spPr>
+        <p:spPr/>
         <p:txBody>
           <a:bodyPr/>
           <a:lstStyle>
@@ -3229,9 +3129,7 @@
             <p:ph type="ftr" sz="quarter" idx="11"/>
           </p:nvPr>
         </p:nvSpPr>
-        <p:spPr>
-          <a:ln/>
-        </p:spPr>
+        <p:spPr/>
         <p:txBody>
           <a:bodyPr/>
           <a:lstStyle>
@@ -3257,9 +3155,7 @@
             <p:ph type="sldNum" sz="quarter" idx="12"/>
           </p:nvPr>
         </p:nvSpPr>
-        <p:spPr>
-          <a:ln/>
-        </p:spPr>
+        <p:spPr/>
         <p:txBody>
           <a:bodyPr/>
           <a:lstStyle>
@@ -3270,19 +3166,12 @@
           <a:p>
             <a:fld id="{542EE0B9-630D-4491-89A1-CFD6A77446CE}" type="slidenum">
               <a:rPr lang="zh-CN" altLang="en-US"/>
-              <a:pPr/>
-              <a:t>‹#›</a:t>
             </a:fld>
             <a:endParaRPr lang="zh-CN" altLang="en-US"/>
           </a:p>
         </p:txBody>
       </p:sp>
     </p:spTree>
-    <p:extLst>
-      <p:ext uri="{BB962C8B-B14F-4D97-AF65-F5344CB8AC3E}">
-        <p14:creationId xmlns:p14="http://schemas.microsoft.com/office/powerpoint/2010/main" val="3952033737"/>
-      </p:ext>
-    </p:extLst>
   </p:cSld>
   <p:clrMapOvr>
     <a:masterClrMapping/>
@@ -3335,6 +3224,7 @@
               <a:rPr lang="zh-CN" altLang="en-US" noProof="1"/>
               <a:t>单击此处编辑母版标题样式</a:t>
             </a:r>
+            <a:endParaRPr lang="zh-CN" altLang="en-US" noProof="1"/>
           </a:p>
         </p:txBody>
       </p:sp>
@@ -3462,6 +3352,7 @@
               <a:rPr lang="zh-CN" altLang="en-US" noProof="1"/>
               <a:t>单击此处编辑母版文本样式</a:t>
             </a:r>
+            <a:endParaRPr lang="zh-CN" altLang="en-US" noProof="1"/>
           </a:p>
         </p:txBody>
       </p:sp>
@@ -3475,9 +3366,7 @@
             <p:ph type="dt" sz="half" idx="10"/>
           </p:nvPr>
         </p:nvSpPr>
-        <p:spPr>
-          <a:ln/>
-        </p:spPr>
+        <p:spPr/>
         <p:txBody>
           <a:bodyPr/>
           <a:lstStyle>
@@ -3503,9 +3392,7 @@
             <p:ph type="ftr" sz="quarter" idx="11"/>
           </p:nvPr>
         </p:nvSpPr>
-        <p:spPr>
-          <a:ln/>
-        </p:spPr>
+        <p:spPr/>
         <p:txBody>
           <a:bodyPr/>
           <a:lstStyle>
@@ -3531,9 +3418,7 @@
             <p:ph type="sldNum" sz="quarter" idx="12"/>
           </p:nvPr>
         </p:nvSpPr>
-        <p:spPr>
-          <a:ln/>
-        </p:spPr>
+        <p:spPr/>
         <p:txBody>
           <a:bodyPr/>
           <a:lstStyle>
@@ -3544,19 +3429,12 @@
           <a:p>
             <a:fld id="{4D07E1A3-2A81-47D4-B03B-47998404098D}" type="slidenum">
               <a:rPr lang="zh-CN" altLang="en-US"/>
-              <a:pPr/>
-              <a:t>‹#›</a:t>
             </a:fld>
             <a:endParaRPr lang="zh-CN" altLang="en-US"/>
           </a:p>
         </p:txBody>
       </p:sp>
     </p:spTree>
-    <p:extLst>
-      <p:ext uri="{BB962C8B-B14F-4D97-AF65-F5344CB8AC3E}">
-        <p14:creationId xmlns:p14="http://schemas.microsoft.com/office/powerpoint/2010/main" val="3420170411"/>
-      </p:ext>
-    </p:extLst>
   </p:cSld>
   <p:clrMapOvr>
     <a:masterClrMapping/>
@@ -3600,6 +3478,7 @@
               <a:rPr lang="zh-CN" altLang="en-US" noProof="1"/>
               <a:t>单击此处编辑母版标题样式</a:t>
             </a:r>
+            <a:endParaRPr lang="zh-CN" altLang="en-US" noProof="1"/>
           </a:p>
         </p:txBody>
       </p:sp>
@@ -3623,6 +3502,7 @@
               <a:rPr lang="zh-CN" altLang="en-US" noProof="1"/>
               <a:t>单击此处编辑母版文本样式</a:t>
             </a:r>
+            <a:endParaRPr lang="zh-CN" altLang="en-US" noProof="1"/>
           </a:p>
           <a:p>
             <a:pPr lvl="1"/>
@@ -3630,6 +3510,7 @@
               <a:rPr lang="zh-CN" altLang="en-US" noProof="1"/>
               <a:t>第二级</a:t>
             </a:r>
+            <a:endParaRPr lang="zh-CN" altLang="en-US" noProof="1"/>
           </a:p>
           <a:p>
             <a:pPr lvl="2"/>
@@ -3637,6 +3518,7 @@
               <a:rPr lang="zh-CN" altLang="en-US" noProof="1"/>
               <a:t>第三级</a:t>
             </a:r>
+            <a:endParaRPr lang="zh-CN" altLang="en-US" noProof="1"/>
           </a:p>
           <a:p>
             <a:pPr lvl="3"/>
@@ -3644,6 +3526,7 @@
               <a:rPr lang="zh-CN" altLang="en-US" noProof="1"/>
               <a:t>第四级</a:t>
             </a:r>
+            <a:endParaRPr lang="zh-CN" altLang="en-US" noProof="1"/>
           </a:p>
           <a:p>
             <a:pPr lvl="4"/>
@@ -3651,6 +3534,7 @@
               <a:rPr lang="zh-CN" altLang="en-US" noProof="1"/>
               <a:t>第五级</a:t>
             </a:r>
+            <a:endParaRPr lang="zh-CN" altLang="en-US" noProof="1"/>
           </a:p>
         </p:txBody>
       </p:sp>
@@ -3664,9 +3548,7 @@
             <p:ph type="dt" sz="half" idx="10"/>
           </p:nvPr>
         </p:nvSpPr>
-        <p:spPr>
-          <a:ln/>
-        </p:spPr>
+        <p:spPr/>
         <p:txBody>
           <a:bodyPr/>
           <a:lstStyle>
@@ -3692,9 +3574,7 @@
             <p:ph type="ftr" sz="quarter" idx="11"/>
           </p:nvPr>
         </p:nvSpPr>
-        <p:spPr>
-          <a:ln/>
-        </p:spPr>
+        <p:spPr/>
         <p:txBody>
           <a:bodyPr/>
           <a:lstStyle>
@@ -3720,9 +3600,7 @@
             <p:ph type="sldNum" sz="quarter" idx="12"/>
           </p:nvPr>
         </p:nvSpPr>
-        <p:spPr>
-          <a:ln/>
-        </p:spPr>
+        <p:spPr/>
         <p:txBody>
           <a:bodyPr/>
           <a:lstStyle>
@@ -3733,19 +3611,12 @@
           <a:p>
             <a:fld id="{0C6A2595-DE89-4102-998E-F1D661E452F0}" type="slidenum">
               <a:rPr lang="zh-CN" altLang="en-US"/>
-              <a:pPr/>
-              <a:t>‹#›</a:t>
             </a:fld>
             <a:endParaRPr lang="zh-CN" altLang="en-US"/>
           </a:p>
         </p:txBody>
       </p:sp>
     </p:spTree>
-    <p:extLst>
-      <p:ext uri="{BB962C8B-B14F-4D97-AF65-F5344CB8AC3E}">
-        <p14:creationId xmlns:p14="http://schemas.microsoft.com/office/powerpoint/2010/main" val="3351834194"/>
-      </p:ext>
-    </p:extLst>
   </p:cSld>
   <p:clrMapOvr>
     <a:masterClrMapping/>
@@ -3794,6 +3665,7 @@
               <a:rPr lang="zh-CN" altLang="en-US" noProof="1"/>
               <a:t>单击此处编辑母版标题样式</a:t>
             </a:r>
+            <a:endParaRPr lang="zh-CN" altLang="en-US" noProof="1"/>
           </a:p>
         </p:txBody>
       </p:sp>
@@ -3822,6 +3694,7 @@
               <a:rPr lang="zh-CN" altLang="en-US" noProof="1"/>
               <a:t>单击此处编辑母版文本样式</a:t>
             </a:r>
+            <a:endParaRPr lang="zh-CN" altLang="en-US" noProof="1"/>
           </a:p>
           <a:p>
             <a:pPr lvl="1"/>
@@ -3829,6 +3702,7 @@
               <a:rPr lang="zh-CN" altLang="en-US" noProof="1"/>
               <a:t>第二级</a:t>
             </a:r>
+            <a:endParaRPr lang="zh-CN" altLang="en-US" noProof="1"/>
           </a:p>
           <a:p>
             <a:pPr lvl="2"/>
@@ -3836,6 +3710,7 @@
               <a:rPr lang="zh-CN" altLang="en-US" noProof="1"/>
               <a:t>第三级</a:t>
             </a:r>
+            <a:endParaRPr lang="zh-CN" altLang="en-US" noProof="1"/>
           </a:p>
           <a:p>
             <a:pPr lvl="3"/>
@@ -3843,6 +3718,7 @@
               <a:rPr lang="zh-CN" altLang="en-US" noProof="1"/>
               <a:t>第四级</a:t>
             </a:r>
+            <a:endParaRPr lang="zh-CN" altLang="en-US" noProof="1"/>
           </a:p>
           <a:p>
             <a:pPr lvl="4"/>
@@ -3850,6 +3726,7 @@
               <a:rPr lang="zh-CN" altLang="en-US" noProof="1"/>
               <a:t>第五级</a:t>
             </a:r>
+            <a:endParaRPr lang="zh-CN" altLang="en-US" noProof="1"/>
           </a:p>
         </p:txBody>
       </p:sp>
@@ -3863,9 +3740,7 @@
             <p:ph type="dt" sz="half" idx="10"/>
           </p:nvPr>
         </p:nvSpPr>
-        <p:spPr>
-          <a:ln/>
-        </p:spPr>
+        <p:spPr/>
         <p:txBody>
           <a:bodyPr/>
           <a:lstStyle>
@@ -3891,9 +3766,7 @@
             <p:ph type="ftr" sz="quarter" idx="11"/>
           </p:nvPr>
         </p:nvSpPr>
-        <p:spPr>
-          <a:ln/>
-        </p:spPr>
+        <p:spPr/>
         <p:txBody>
           <a:bodyPr/>
           <a:lstStyle>
@@ -3919,9 +3792,7 @@
             <p:ph type="sldNum" sz="quarter" idx="12"/>
           </p:nvPr>
         </p:nvSpPr>
-        <p:spPr>
-          <a:ln/>
-        </p:spPr>
+        <p:spPr/>
         <p:txBody>
           <a:bodyPr/>
           <a:lstStyle>
@@ -3932,19 +3803,12 @@
           <a:p>
             <a:fld id="{E463A98E-2E80-47DC-8878-09EEC11AF752}" type="slidenum">
               <a:rPr lang="zh-CN" altLang="en-US"/>
-              <a:pPr/>
-              <a:t>‹#›</a:t>
             </a:fld>
             <a:endParaRPr lang="zh-CN" altLang="en-US"/>
           </a:p>
         </p:txBody>
       </p:sp>
     </p:spTree>
-    <p:extLst>
-      <p:ext uri="{BB962C8B-B14F-4D97-AF65-F5344CB8AC3E}">
-        <p14:creationId xmlns:p14="http://schemas.microsoft.com/office/powerpoint/2010/main" val="83264944"/>
-      </p:ext>
-    </p:extLst>
   </p:cSld>
   <p:clrMapOvr>
     <a:masterClrMapping/>
@@ -3993,6 +3857,7 @@
               <a:rPr lang="zh-CN" altLang="en-US" noProof="1"/>
               <a:t>单击此处编辑母版标题样式</a:t>
             </a:r>
+            <a:endParaRPr lang="zh-CN" altLang="en-US" noProof="1"/>
           </a:p>
         </p:txBody>
       </p:sp>
@@ -4057,6 +3922,7 @@
               <a:rPr lang="zh-CN" altLang="en-US" noProof="1"/>
               <a:t>单击此处编辑母版副标题样式</a:t>
             </a:r>
+            <a:endParaRPr lang="zh-CN" altLang="en-US" noProof="1"/>
           </a:p>
         </p:txBody>
       </p:sp>
@@ -4070,9 +3936,7 @@
             <p:ph type="dt" sz="half" idx="10"/>
           </p:nvPr>
         </p:nvSpPr>
-        <p:spPr>
-          <a:ln/>
-        </p:spPr>
+        <p:spPr/>
         <p:txBody>
           <a:bodyPr/>
           <a:lstStyle>
@@ -4098,9 +3962,7 @@
             <p:ph type="ftr" sz="quarter" idx="11"/>
           </p:nvPr>
         </p:nvSpPr>
-        <p:spPr>
-          <a:ln/>
-        </p:spPr>
+        <p:spPr/>
         <p:txBody>
           <a:bodyPr/>
           <a:lstStyle>
@@ -4126,9 +3988,7 @@
             <p:ph type="sldNum" sz="quarter" idx="12"/>
           </p:nvPr>
         </p:nvSpPr>
-        <p:spPr>
-          <a:ln/>
-        </p:spPr>
+        <p:spPr/>
         <p:txBody>
           <a:bodyPr/>
           <a:lstStyle>
@@ -4139,19 +3999,12 @@
           <a:p>
             <a:fld id="{52CF8105-AB3F-43BE-91EA-426E62C46180}" type="slidenum">
               <a:rPr lang="zh-CN" altLang="en-US"/>
-              <a:pPr/>
-              <a:t>‹#›</a:t>
             </a:fld>
             <a:endParaRPr lang="zh-CN" altLang="en-US"/>
           </a:p>
         </p:txBody>
       </p:sp>
     </p:spTree>
-    <p:extLst>
-      <p:ext uri="{BB962C8B-B14F-4D97-AF65-F5344CB8AC3E}">
-        <p14:creationId xmlns:p14="http://schemas.microsoft.com/office/powerpoint/2010/main" val="262573462"/>
-      </p:ext>
-    </p:extLst>
   </p:cSld>
   <p:clrMapOvr>
     <a:masterClrMapping/>
@@ -4195,6 +4048,7 @@
               <a:rPr lang="zh-CN" altLang="en-US" noProof="1"/>
               <a:t>单击此处编辑母版标题样式</a:t>
             </a:r>
+            <a:endParaRPr lang="zh-CN" altLang="en-US" noProof="1"/>
           </a:p>
         </p:txBody>
       </p:sp>
@@ -4218,6 +4072,7 @@
               <a:rPr lang="zh-CN" altLang="en-US" noProof="1"/>
               <a:t>单击此处编辑母版文本样式</a:t>
             </a:r>
+            <a:endParaRPr lang="zh-CN" altLang="en-US" noProof="1"/>
           </a:p>
           <a:p>
             <a:pPr lvl="1"/>
@@ -4225,6 +4080,7 @@
               <a:rPr lang="zh-CN" altLang="en-US" noProof="1"/>
               <a:t>第二级</a:t>
             </a:r>
+            <a:endParaRPr lang="zh-CN" altLang="en-US" noProof="1"/>
           </a:p>
           <a:p>
             <a:pPr lvl="2"/>
@@ -4232,6 +4088,7 @@
               <a:rPr lang="zh-CN" altLang="en-US" noProof="1"/>
               <a:t>第三级</a:t>
             </a:r>
+            <a:endParaRPr lang="zh-CN" altLang="en-US" noProof="1"/>
           </a:p>
           <a:p>
             <a:pPr lvl="3"/>
@@ -4239,6 +4096,7 @@
               <a:rPr lang="zh-CN" altLang="en-US" noProof="1"/>
               <a:t>第四级</a:t>
             </a:r>
+            <a:endParaRPr lang="zh-CN" altLang="en-US" noProof="1"/>
           </a:p>
           <a:p>
             <a:pPr lvl="4"/>
@@ -4246,6 +4104,7 @@
               <a:rPr lang="zh-CN" altLang="en-US" noProof="1"/>
               <a:t>第五级</a:t>
             </a:r>
+            <a:endParaRPr lang="zh-CN" altLang="en-US" noProof="1"/>
           </a:p>
         </p:txBody>
       </p:sp>
@@ -4259,9 +4118,7 @@
             <p:ph type="dt" sz="half" idx="10"/>
           </p:nvPr>
         </p:nvSpPr>
-        <p:spPr>
-          <a:ln/>
-        </p:spPr>
+        <p:spPr/>
         <p:txBody>
           <a:bodyPr/>
           <a:lstStyle>
@@ -4287,9 +4144,7 @@
             <p:ph type="ftr" sz="quarter" idx="11"/>
           </p:nvPr>
         </p:nvSpPr>
-        <p:spPr>
-          <a:ln/>
-        </p:spPr>
+        <p:spPr/>
         <p:txBody>
           <a:bodyPr/>
           <a:lstStyle>
@@ -4315,9 +4170,7 @@
             <p:ph type="sldNum" sz="quarter" idx="12"/>
           </p:nvPr>
         </p:nvSpPr>
-        <p:spPr>
-          <a:ln/>
-        </p:spPr>
+        <p:spPr/>
         <p:txBody>
           <a:bodyPr/>
           <a:lstStyle>
@@ -4328,19 +4181,12 @@
           <a:p>
             <a:fld id="{BB95AB0C-43DE-4098-9EF5-BC2AD838F4BE}" type="slidenum">
               <a:rPr lang="zh-CN" altLang="en-US"/>
-              <a:pPr/>
-              <a:t>‹#›</a:t>
             </a:fld>
             <a:endParaRPr lang="zh-CN" altLang="en-US"/>
           </a:p>
         </p:txBody>
       </p:sp>
     </p:spTree>
-    <p:extLst>
-      <p:ext uri="{BB962C8B-B14F-4D97-AF65-F5344CB8AC3E}">
-        <p14:creationId xmlns:p14="http://schemas.microsoft.com/office/powerpoint/2010/main" val="1158494512"/>
-      </p:ext>
-    </p:extLst>
   </p:cSld>
   <p:clrMapOvr>
     <a:masterClrMapping/>
@@ -4393,6 +4239,7 @@
               <a:rPr lang="zh-CN" altLang="en-US" noProof="1"/>
               <a:t>单击此处编辑母版标题样式</a:t>
             </a:r>
+            <a:endParaRPr lang="zh-CN" altLang="en-US" noProof="1"/>
           </a:p>
         </p:txBody>
       </p:sp>
@@ -4458,6 +4305,7 @@
               <a:rPr lang="zh-CN" altLang="en-US" noProof="1"/>
               <a:t>单击此处编辑母版文本样式</a:t>
             </a:r>
+            <a:endParaRPr lang="zh-CN" altLang="en-US" noProof="1"/>
           </a:p>
         </p:txBody>
       </p:sp>
@@ -4471,9 +4319,7 @@
             <p:ph type="dt" sz="half" idx="10"/>
           </p:nvPr>
         </p:nvSpPr>
-        <p:spPr>
-          <a:ln/>
-        </p:spPr>
+        <p:spPr/>
         <p:txBody>
           <a:bodyPr/>
           <a:lstStyle>
@@ -4499,9 +4345,7 @@
             <p:ph type="ftr" sz="quarter" idx="11"/>
           </p:nvPr>
         </p:nvSpPr>
-        <p:spPr>
-          <a:ln/>
-        </p:spPr>
+        <p:spPr/>
         <p:txBody>
           <a:bodyPr/>
           <a:lstStyle>
@@ -4527,9 +4371,7 @@
             <p:ph type="sldNum" sz="quarter" idx="12"/>
           </p:nvPr>
         </p:nvSpPr>
-        <p:spPr>
-          <a:ln/>
-        </p:spPr>
+        <p:spPr/>
         <p:txBody>
           <a:bodyPr/>
           <a:lstStyle>
@@ -4540,19 +4382,12 @@
           <a:p>
             <a:fld id="{91093FB3-1C80-418F-A543-6D36CEEFA631}" type="slidenum">
               <a:rPr lang="zh-CN" altLang="en-US"/>
-              <a:pPr/>
-              <a:t>‹#›</a:t>
             </a:fld>
             <a:endParaRPr lang="zh-CN" altLang="en-US"/>
           </a:p>
         </p:txBody>
       </p:sp>
     </p:spTree>
-    <p:extLst>
-      <p:ext uri="{BB962C8B-B14F-4D97-AF65-F5344CB8AC3E}">
-        <p14:creationId xmlns:p14="http://schemas.microsoft.com/office/powerpoint/2010/main" val="269004433"/>
-      </p:ext>
-    </p:extLst>
   </p:cSld>
   <p:clrMapOvr>
     <a:masterClrMapping/>
@@ -4596,6 +4431,7 @@
               <a:rPr lang="zh-CN" altLang="en-US" noProof="1"/>
               <a:t>单击此处编辑母版标题样式</a:t>
             </a:r>
+            <a:endParaRPr lang="zh-CN" altLang="en-US" noProof="1"/>
           </a:p>
         </p:txBody>
       </p:sp>
@@ -4652,6 +4488,7 @@
               <a:rPr lang="zh-CN" altLang="en-US" noProof="1"/>
               <a:t>单击此处编辑母版文本样式</a:t>
             </a:r>
+            <a:endParaRPr lang="zh-CN" altLang="en-US" noProof="1"/>
           </a:p>
           <a:p>
             <a:pPr lvl="1"/>
@@ -4659,6 +4496,7 @@
               <a:rPr lang="zh-CN" altLang="en-US" noProof="1"/>
               <a:t>第二级</a:t>
             </a:r>
+            <a:endParaRPr lang="zh-CN" altLang="en-US" noProof="1"/>
           </a:p>
           <a:p>
             <a:pPr lvl="2"/>
@@ -4666,6 +4504,7 @@
               <a:rPr lang="zh-CN" altLang="en-US" noProof="1"/>
               <a:t>第三级</a:t>
             </a:r>
+            <a:endParaRPr lang="zh-CN" altLang="en-US" noProof="1"/>
           </a:p>
           <a:p>
             <a:pPr lvl="3"/>
@@ -4673,6 +4512,7 @@
               <a:rPr lang="zh-CN" altLang="en-US" noProof="1"/>
               <a:t>第四级</a:t>
             </a:r>
+            <a:endParaRPr lang="zh-CN" altLang="en-US" noProof="1"/>
           </a:p>
           <a:p>
             <a:pPr lvl="4"/>
@@ -4680,6 +4520,7 @@
               <a:rPr lang="zh-CN" altLang="en-US" noProof="1"/>
               <a:t>第五级</a:t>
             </a:r>
+            <a:endParaRPr lang="zh-CN" altLang="en-US" noProof="1"/>
           </a:p>
         </p:txBody>
       </p:sp>
@@ -4736,6 +4577,7 @@
               <a:rPr lang="zh-CN" altLang="en-US" noProof="1"/>
               <a:t>单击此处编辑母版文本样式</a:t>
             </a:r>
+            <a:endParaRPr lang="zh-CN" altLang="en-US" noProof="1"/>
           </a:p>
           <a:p>
             <a:pPr lvl="1"/>
@@ -4743,6 +4585,7 @@
               <a:rPr lang="zh-CN" altLang="en-US" noProof="1"/>
               <a:t>第二级</a:t>
             </a:r>
+            <a:endParaRPr lang="zh-CN" altLang="en-US" noProof="1"/>
           </a:p>
           <a:p>
             <a:pPr lvl="2"/>
@@ -4750,6 +4593,7 @@
               <a:rPr lang="zh-CN" altLang="en-US" noProof="1"/>
               <a:t>第三级</a:t>
             </a:r>
+            <a:endParaRPr lang="zh-CN" altLang="en-US" noProof="1"/>
           </a:p>
           <a:p>
             <a:pPr lvl="3"/>
@@ -4757,6 +4601,7 @@
               <a:rPr lang="zh-CN" altLang="en-US" noProof="1"/>
               <a:t>第四级</a:t>
             </a:r>
+            <a:endParaRPr lang="zh-CN" altLang="en-US" noProof="1"/>
           </a:p>
           <a:p>
             <a:pPr lvl="4"/>
@@ -4764,6 +4609,7 @@
               <a:rPr lang="zh-CN" altLang="en-US" noProof="1"/>
               <a:t>第五级</a:t>
             </a:r>
+            <a:endParaRPr lang="zh-CN" altLang="en-US" noProof="1"/>
           </a:p>
         </p:txBody>
       </p:sp>
@@ -4777,9 +4623,7 @@
             <p:ph type="dt" sz="half" idx="10"/>
           </p:nvPr>
         </p:nvSpPr>
-        <p:spPr>
-          <a:ln/>
-        </p:spPr>
+        <p:spPr/>
         <p:txBody>
           <a:bodyPr/>
           <a:lstStyle>
@@ -4805,9 +4649,7 @@
             <p:ph type="ftr" sz="quarter" idx="11"/>
           </p:nvPr>
         </p:nvSpPr>
-        <p:spPr>
-          <a:ln/>
-        </p:spPr>
+        <p:spPr/>
         <p:txBody>
           <a:bodyPr/>
           <a:lstStyle>
@@ -4833,9 +4675,7 @@
             <p:ph type="sldNum" sz="quarter" idx="12"/>
           </p:nvPr>
         </p:nvSpPr>
-        <p:spPr>
-          <a:ln/>
-        </p:spPr>
+        <p:spPr/>
         <p:txBody>
           <a:bodyPr/>
           <a:lstStyle>
@@ -4846,19 +4686,12 @@
           <a:p>
             <a:fld id="{59FBAEAB-B87D-4597-8B21-8E61775A2EB6}" type="slidenum">
               <a:rPr lang="zh-CN" altLang="en-US"/>
-              <a:pPr/>
-              <a:t>‹#›</a:t>
             </a:fld>
             <a:endParaRPr lang="zh-CN" altLang="en-US"/>
           </a:p>
         </p:txBody>
       </p:sp>
     </p:spTree>
-    <p:extLst>
-      <p:ext uri="{BB962C8B-B14F-4D97-AF65-F5344CB8AC3E}">
-        <p14:creationId xmlns:p14="http://schemas.microsoft.com/office/powerpoint/2010/main" val="2502033150"/>
-      </p:ext>
-    </p:extLst>
   </p:cSld>
   <p:clrMapOvr>
     <a:masterClrMapping/>
@@ -4911,6 +4744,7 @@
               <a:rPr lang="zh-CN" altLang="en-US" noProof="1"/>
               <a:t>单击此处编辑母版标题样式</a:t>
             </a:r>
+            <a:endParaRPr lang="zh-CN" altLang="en-US" noProof="1"/>
           </a:p>
         </p:txBody>
       </p:sp>
@@ -4976,6 +4810,7 @@
               <a:rPr lang="zh-CN" altLang="en-US" noProof="1"/>
               <a:t>单击此处编辑母版文本样式</a:t>
             </a:r>
+            <a:endParaRPr lang="zh-CN" altLang="en-US" noProof="1"/>
           </a:p>
         </p:txBody>
       </p:sp>
@@ -5032,6 +4867,7 @@
               <a:rPr lang="zh-CN" altLang="en-US" noProof="1"/>
               <a:t>单击此处编辑母版文本样式</a:t>
             </a:r>
+            <a:endParaRPr lang="zh-CN" altLang="en-US" noProof="1"/>
           </a:p>
           <a:p>
             <a:pPr lvl="1"/>
@@ -5039,6 +4875,7 @@
               <a:rPr lang="zh-CN" altLang="en-US" noProof="1"/>
               <a:t>第二级</a:t>
             </a:r>
+            <a:endParaRPr lang="zh-CN" altLang="en-US" noProof="1"/>
           </a:p>
           <a:p>
             <a:pPr lvl="2"/>
@@ -5046,6 +4883,7 @@
               <a:rPr lang="zh-CN" altLang="en-US" noProof="1"/>
               <a:t>第三级</a:t>
             </a:r>
+            <a:endParaRPr lang="zh-CN" altLang="en-US" noProof="1"/>
           </a:p>
           <a:p>
             <a:pPr lvl="3"/>
@@ -5053,6 +4891,7 @@
               <a:rPr lang="zh-CN" altLang="en-US" noProof="1"/>
               <a:t>第四级</a:t>
             </a:r>
+            <a:endParaRPr lang="zh-CN" altLang="en-US" noProof="1"/>
           </a:p>
           <a:p>
             <a:pPr lvl="4"/>
@@ -5060,6 +4899,7 @@
               <a:rPr lang="zh-CN" altLang="en-US" noProof="1"/>
               <a:t>第五级</a:t>
             </a:r>
+            <a:endParaRPr lang="zh-CN" altLang="en-US" noProof="1"/>
           </a:p>
         </p:txBody>
       </p:sp>
@@ -5125,6 +4965,7 @@
               <a:rPr lang="zh-CN" altLang="en-US" noProof="1"/>
               <a:t>单击此处编辑母版文本样式</a:t>
             </a:r>
+            <a:endParaRPr lang="zh-CN" altLang="en-US" noProof="1"/>
           </a:p>
         </p:txBody>
       </p:sp>
@@ -5181,6 +5022,7 @@
               <a:rPr lang="zh-CN" altLang="en-US" noProof="1"/>
               <a:t>单击此处编辑母版文本样式</a:t>
             </a:r>
+            <a:endParaRPr lang="zh-CN" altLang="en-US" noProof="1"/>
           </a:p>
           <a:p>
             <a:pPr lvl="1"/>
@@ -5188,6 +5030,7 @@
               <a:rPr lang="zh-CN" altLang="en-US" noProof="1"/>
               <a:t>第二级</a:t>
             </a:r>
+            <a:endParaRPr lang="zh-CN" altLang="en-US" noProof="1"/>
           </a:p>
           <a:p>
             <a:pPr lvl="2"/>
@@ -5195,6 +5038,7 @@
               <a:rPr lang="zh-CN" altLang="en-US" noProof="1"/>
               <a:t>第三级</a:t>
             </a:r>
+            <a:endParaRPr lang="zh-CN" altLang="en-US" noProof="1"/>
           </a:p>
           <a:p>
             <a:pPr lvl="3"/>
@@ -5202,6 +5046,7 @@
               <a:rPr lang="zh-CN" altLang="en-US" noProof="1"/>
               <a:t>第四级</a:t>
             </a:r>
+            <a:endParaRPr lang="zh-CN" altLang="en-US" noProof="1"/>
           </a:p>
           <a:p>
             <a:pPr lvl="4"/>
@@ -5209,6 +5054,7 @@
               <a:rPr lang="zh-CN" altLang="en-US" noProof="1"/>
               <a:t>第五级</a:t>
             </a:r>
+            <a:endParaRPr lang="zh-CN" altLang="en-US" noProof="1"/>
           </a:p>
         </p:txBody>
       </p:sp>
@@ -5222,9 +5068,7 @@
             <p:ph type="dt" sz="half" idx="10"/>
           </p:nvPr>
         </p:nvSpPr>
-        <p:spPr>
-          <a:ln/>
-        </p:spPr>
+        <p:spPr/>
         <p:txBody>
           <a:bodyPr/>
           <a:lstStyle>
@@ -5250,9 +5094,7 @@
             <p:ph type="ftr" sz="quarter" idx="11"/>
           </p:nvPr>
         </p:nvSpPr>
-        <p:spPr>
-          <a:ln/>
-        </p:spPr>
+        <p:spPr/>
         <p:txBody>
           <a:bodyPr/>
           <a:lstStyle>
@@ -5278,9 +5120,7 @@
             <p:ph type="sldNum" sz="quarter" idx="12"/>
           </p:nvPr>
         </p:nvSpPr>
-        <p:spPr>
-          <a:ln/>
-        </p:spPr>
+        <p:spPr/>
         <p:txBody>
           <a:bodyPr/>
           <a:lstStyle>
@@ -5291,19 +5131,12 @@
           <a:p>
             <a:fld id="{2FBE6AF7-A260-41AD-A774-F0E725E0CC17}" type="slidenum">
               <a:rPr lang="zh-CN" altLang="en-US"/>
-              <a:pPr/>
-              <a:t>‹#›</a:t>
             </a:fld>
             <a:endParaRPr lang="zh-CN" altLang="en-US"/>
           </a:p>
         </p:txBody>
       </p:sp>
     </p:spTree>
-    <p:extLst>
-      <p:ext uri="{BB962C8B-B14F-4D97-AF65-F5344CB8AC3E}">
-        <p14:creationId xmlns:p14="http://schemas.microsoft.com/office/powerpoint/2010/main" val="1555989967"/>
-      </p:ext>
-    </p:extLst>
   </p:cSld>
   <p:clrMapOvr>
     <a:masterClrMapping/>
@@ -5347,6 +5180,7 @@
               <a:rPr lang="zh-CN" altLang="en-US" noProof="1"/>
               <a:t>单击此处编辑母版标题样式</a:t>
             </a:r>
+            <a:endParaRPr lang="zh-CN" altLang="en-US" noProof="1"/>
           </a:p>
         </p:txBody>
       </p:sp>
@@ -5360,9 +5194,7 @@
             <p:ph type="dt" sz="half" idx="10"/>
           </p:nvPr>
         </p:nvSpPr>
-        <p:spPr>
-          <a:ln/>
-        </p:spPr>
+        <p:spPr/>
         <p:txBody>
           <a:bodyPr/>
           <a:lstStyle>
@@ -5388,9 +5220,7 @@
             <p:ph type="ftr" sz="quarter" idx="11"/>
           </p:nvPr>
         </p:nvSpPr>
-        <p:spPr>
-          <a:ln/>
-        </p:spPr>
+        <p:spPr/>
         <p:txBody>
           <a:bodyPr/>
           <a:lstStyle>
@@ -5416,9 +5246,7 @@
             <p:ph type="sldNum" sz="quarter" idx="12"/>
           </p:nvPr>
         </p:nvSpPr>
-        <p:spPr>
-          <a:ln/>
-        </p:spPr>
+        <p:spPr/>
         <p:txBody>
           <a:bodyPr/>
           <a:lstStyle>
@@ -5429,19 +5257,12 @@
           <a:p>
             <a:fld id="{49DBD9B3-D802-4B52-BBC0-356DB01C943A}" type="slidenum">
               <a:rPr lang="zh-CN" altLang="en-US"/>
-              <a:pPr/>
-              <a:t>‹#›</a:t>
             </a:fld>
             <a:endParaRPr lang="zh-CN" altLang="en-US"/>
           </a:p>
         </p:txBody>
       </p:sp>
     </p:spTree>
-    <p:extLst>
-      <p:ext uri="{BB962C8B-B14F-4D97-AF65-F5344CB8AC3E}">
-        <p14:creationId xmlns:p14="http://schemas.microsoft.com/office/powerpoint/2010/main" val="1632581480"/>
-      </p:ext>
-    </p:extLst>
   </p:cSld>
   <p:clrMapOvr>
     <a:masterClrMapping/>
@@ -5476,9 +5297,7 @@
             <p:ph type="dt" sz="half" idx="10"/>
           </p:nvPr>
         </p:nvSpPr>
-        <p:spPr>
-          <a:ln/>
-        </p:spPr>
+        <p:spPr/>
         <p:txBody>
           <a:bodyPr/>
           <a:lstStyle>
@@ -5504,9 +5323,7 @@
             <p:ph type="ftr" sz="quarter" idx="11"/>
           </p:nvPr>
         </p:nvSpPr>
-        <p:spPr>
-          <a:ln/>
-        </p:spPr>
+        <p:spPr/>
         <p:txBody>
           <a:bodyPr/>
           <a:lstStyle>
@@ -5532,9 +5349,7 @@
             <p:ph type="sldNum" sz="quarter" idx="12"/>
           </p:nvPr>
         </p:nvSpPr>
-        <p:spPr>
-          <a:ln/>
-        </p:spPr>
+        <p:spPr/>
         <p:txBody>
           <a:bodyPr/>
           <a:lstStyle>
@@ -5545,19 +5360,12 @@
           <a:p>
             <a:fld id="{4AC6D94D-98F1-445B-A735-C7FB024827F3}" type="slidenum">
               <a:rPr lang="zh-CN" altLang="en-US"/>
-              <a:pPr/>
-              <a:t>‹#›</a:t>
             </a:fld>
             <a:endParaRPr lang="zh-CN" altLang="en-US"/>
           </a:p>
         </p:txBody>
       </p:sp>
     </p:spTree>
-    <p:extLst>
-      <p:ext uri="{BB962C8B-B14F-4D97-AF65-F5344CB8AC3E}">
-        <p14:creationId xmlns:p14="http://schemas.microsoft.com/office/powerpoint/2010/main" val="2421376140"/>
-      </p:ext>
-    </p:extLst>
   </p:cSld>
   <p:clrMapOvr>
     <a:masterClrMapping/>
@@ -5610,6 +5418,7 @@
               <a:rPr lang="zh-CN" altLang="en-US" noProof="1"/>
               <a:t>单击此处编辑母版标题样式</a:t>
             </a:r>
+            <a:endParaRPr lang="zh-CN" altLang="en-US" noProof="1"/>
           </a:p>
         </p:txBody>
       </p:sp>
@@ -5675,6 +5484,7 @@
               <a:rPr lang="zh-CN" altLang="en-US" noProof="1"/>
               <a:t>单击此处编辑母版文本样式</a:t>
             </a:r>
+            <a:endParaRPr lang="zh-CN" altLang="en-US" noProof="1"/>
           </a:p>
         </p:txBody>
       </p:sp>
@@ -5688,9 +5498,7 @@
             <p:ph type="dt" sz="half" idx="10"/>
           </p:nvPr>
         </p:nvSpPr>
-        <p:spPr>
-          <a:ln/>
-        </p:spPr>
+        <p:spPr/>
         <p:txBody>
           <a:bodyPr/>
           <a:lstStyle>
@@ -5716,9 +5524,7 @@
             <p:ph type="ftr" sz="quarter" idx="11"/>
           </p:nvPr>
         </p:nvSpPr>
-        <p:spPr>
-          <a:ln/>
-        </p:spPr>
+        <p:spPr/>
         <p:txBody>
           <a:bodyPr/>
           <a:lstStyle>
@@ -5744,9 +5550,7 @@
             <p:ph type="sldNum" sz="quarter" idx="12"/>
           </p:nvPr>
         </p:nvSpPr>
-        <p:spPr>
-          <a:ln/>
-        </p:spPr>
+        <p:spPr/>
         <p:txBody>
           <a:bodyPr/>
           <a:lstStyle>
@@ -5757,19 +5561,12 @@
           <a:p>
             <a:fld id="{628B05E4-2856-4481-AE21-2A268A3992CF}" type="slidenum">
               <a:rPr lang="zh-CN" altLang="en-US"/>
-              <a:pPr/>
-              <a:t>‹#›</a:t>
             </a:fld>
             <a:endParaRPr lang="zh-CN" altLang="en-US"/>
           </a:p>
         </p:txBody>
       </p:sp>
     </p:spTree>
-    <p:extLst>
-      <p:ext uri="{BB962C8B-B14F-4D97-AF65-F5344CB8AC3E}">
-        <p14:creationId xmlns:p14="http://schemas.microsoft.com/office/powerpoint/2010/main" val="3494531224"/>
-      </p:ext>
-    </p:extLst>
   </p:cSld>
   <p:clrMapOvr>
     <a:masterClrMapping/>
@@ -5822,6 +5619,7 @@
               <a:rPr lang="zh-CN" altLang="en-US" noProof="1"/>
               <a:t>单击此处编辑母版标题样式</a:t>
             </a:r>
+            <a:endParaRPr lang="zh-CN" altLang="en-US" noProof="1"/>
           </a:p>
         </p:txBody>
       </p:sp>
@@ -5878,6 +5676,7 @@
               <a:rPr lang="zh-CN" altLang="en-US" noProof="1"/>
               <a:t>单击此处编辑母版文本样式</a:t>
             </a:r>
+            <a:endParaRPr lang="zh-CN" altLang="en-US" noProof="1"/>
           </a:p>
           <a:p>
             <a:pPr lvl="1"/>
@@ -5885,6 +5684,7 @@
               <a:rPr lang="zh-CN" altLang="en-US" noProof="1"/>
               <a:t>第二级</a:t>
             </a:r>
+            <a:endParaRPr lang="zh-CN" altLang="en-US" noProof="1"/>
           </a:p>
           <a:p>
             <a:pPr lvl="2"/>
@@ -5892,6 +5692,7 @@
               <a:rPr lang="zh-CN" altLang="en-US" noProof="1"/>
               <a:t>第三级</a:t>
             </a:r>
+            <a:endParaRPr lang="zh-CN" altLang="en-US" noProof="1"/>
           </a:p>
           <a:p>
             <a:pPr lvl="3"/>
@@ -5899,6 +5700,7 @@
               <a:rPr lang="zh-CN" altLang="en-US" noProof="1"/>
               <a:t>第四级</a:t>
             </a:r>
+            <a:endParaRPr lang="zh-CN" altLang="en-US" noProof="1"/>
           </a:p>
           <a:p>
             <a:pPr lvl="4"/>
@@ -5906,6 +5708,7 @@
               <a:rPr lang="zh-CN" altLang="en-US" noProof="1"/>
               <a:t>第五级</a:t>
             </a:r>
+            <a:endParaRPr lang="zh-CN" altLang="en-US" noProof="1"/>
           </a:p>
         </p:txBody>
       </p:sp>
@@ -5971,6 +5774,7 @@
               <a:rPr lang="zh-CN" altLang="en-US" noProof="1"/>
               <a:t>单击此处编辑母版文本样式</a:t>
             </a:r>
+            <a:endParaRPr lang="zh-CN" altLang="en-US" noProof="1"/>
           </a:p>
         </p:txBody>
       </p:sp>
@@ -5984,9 +5788,7 @@
             <p:ph type="dt" sz="half" idx="10"/>
           </p:nvPr>
         </p:nvSpPr>
-        <p:spPr>
-          <a:ln/>
-        </p:spPr>
+        <p:spPr/>
         <p:txBody>
           <a:bodyPr/>
           <a:lstStyle>
@@ -6012,9 +5814,7 @@
             <p:ph type="ftr" sz="quarter" idx="11"/>
           </p:nvPr>
         </p:nvSpPr>
-        <p:spPr>
-          <a:ln/>
-        </p:spPr>
+        <p:spPr/>
         <p:txBody>
           <a:bodyPr/>
           <a:lstStyle>
@@ -6040,9 +5840,7 @@
             <p:ph type="sldNum" sz="quarter" idx="12"/>
           </p:nvPr>
         </p:nvSpPr>
-        <p:spPr>
-          <a:ln/>
-        </p:spPr>
+        <p:spPr/>
         <p:txBody>
           <a:bodyPr/>
           <a:lstStyle>
@@ -6053,19 +5851,12 @@
           <a:p>
             <a:fld id="{5855E881-E1EB-475D-A46B-8F6EE3037E25}" type="slidenum">
               <a:rPr lang="zh-CN" altLang="en-US"/>
-              <a:pPr/>
-              <a:t>‹#›</a:t>
             </a:fld>
             <a:endParaRPr lang="zh-CN" altLang="en-US"/>
           </a:p>
         </p:txBody>
       </p:sp>
     </p:spTree>
-    <p:extLst>
-      <p:ext uri="{BB962C8B-B14F-4D97-AF65-F5344CB8AC3E}">
-        <p14:creationId xmlns:p14="http://schemas.microsoft.com/office/powerpoint/2010/main" val="672528545"/>
-      </p:ext>
-    </p:extLst>
   </p:cSld>
   <p:clrMapOvr>
     <a:masterClrMapping/>
@@ -6118,6 +5909,7 @@
               <a:rPr lang="zh-CN" altLang="en-US" noProof="1"/>
               <a:t>单击此处编辑母版标题样式</a:t>
             </a:r>
+            <a:endParaRPr lang="zh-CN" altLang="en-US" noProof="1"/>
           </a:p>
         </p:txBody>
       </p:sp>
@@ -6245,6 +6037,7 @@
               <a:rPr lang="zh-CN" altLang="en-US" noProof="1"/>
               <a:t>单击此处编辑母版文本样式</a:t>
             </a:r>
+            <a:endParaRPr lang="zh-CN" altLang="en-US" noProof="1"/>
           </a:p>
         </p:txBody>
       </p:sp>
@@ -6258,9 +6051,7 @@
             <p:ph type="dt" sz="half" idx="10"/>
           </p:nvPr>
         </p:nvSpPr>
-        <p:spPr>
-          <a:ln/>
-        </p:spPr>
+        <p:spPr/>
         <p:txBody>
           <a:bodyPr/>
           <a:lstStyle>
@@ -6286,9 +6077,7 @@
             <p:ph type="ftr" sz="quarter" idx="11"/>
           </p:nvPr>
         </p:nvSpPr>
-        <p:spPr>
-          <a:ln/>
-        </p:spPr>
+        <p:spPr/>
         <p:txBody>
           <a:bodyPr/>
           <a:lstStyle>
@@ -6314,9 +6103,7 @@
             <p:ph type="sldNum" sz="quarter" idx="12"/>
           </p:nvPr>
         </p:nvSpPr>
-        <p:spPr>
-          <a:ln/>
-        </p:spPr>
+        <p:spPr/>
         <p:txBody>
           <a:bodyPr/>
           <a:lstStyle>
@@ -6327,19 +6114,12 @@
           <a:p>
             <a:fld id="{91A4EDD2-AE65-4EC5-A6B1-91C4376D972B}" type="slidenum">
               <a:rPr lang="zh-CN" altLang="en-US"/>
-              <a:pPr/>
-              <a:t>‹#›</a:t>
             </a:fld>
             <a:endParaRPr lang="zh-CN" altLang="en-US"/>
           </a:p>
         </p:txBody>
       </p:sp>
     </p:spTree>
-    <p:extLst>
-      <p:ext uri="{BB962C8B-B14F-4D97-AF65-F5344CB8AC3E}">
-        <p14:creationId xmlns:p14="http://schemas.microsoft.com/office/powerpoint/2010/main" val="4180546215"/>
-      </p:ext>
-    </p:extLst>
   </p:cSld>
   <p:clrMapOvr>
     <a:masterClrMapping/>
@@ -6383,6 +6163,7 @@
               <a:rPr lang="zh-CN" altLang="en-US" noProof="1"/>
               <a:t>单击此处编辑母版标题样式</a:t>
             </a:r>
+            <a:endParaRPr lang="zh-CN" altLang="en-US" noProof="1"/>
           </a:p>
         </p:txBody>
       </p:sp>
@@ -6406,6 +6187,7 @@
               <a:rPr lang="zh-CN" altLang="en-US" noProof="1"/>
               <a:t>单击此处编辑母版文本样式</a:t>
             </a:r>
+            <a:endParaRPr lang="zh-CN" altLang="en-US" noProof="1"/>
           </a:p>
           <a:p>
             <a:pPr lvl="1"/>
@@ -6413,6 +6195,7 @@
               <a:rPr lang="zh-CN" altLang="en-US" noProof="1"/>
               <a:t>第二级</a:t>
             </a:r>
+            <a:endParaRPr lang="zh-CN" altLang="en-US" noProof="1"/>
           </a:p>
           <a:p>
             <a:pPr lvl="2"/>
@@ -6420,6 +6203,7 @@
               <a:rPr lang="zh-CN" altLang="en-US" noProof="1"/>
               <a:t>第三级</a:t>
             </a:r>
+            <a:endParaRPr lang="zh-CN" altLang="en-US" noProof="1"/>
           </a:p>
           <a:p>
             <a:pPr lvl="3"/>
@@ -6427,6 +6211,7 @@
               <a:rPr lang="zh-CN" altLang="en-US" noProof="1"/>
               <a:t>第四级</a:t>
             </a:r>
+            <a:endParaRPr lang="zh-CN" altLang="en-US" noProof="1"/>
           </a:p>
           <a:p>
             <a:pPr lvl="4"/>
@@ -6434,6 +6219,7 @@
               <a:rPr lang="zh-CN" altLang="en-US" noProof="1"/>
               <a:t>第五级</a:t>
             </a:r>
+            <a:endParaRPr lang="zh-CN" altLang="en-US" noProof="1"/>
           </a:p>
         </p:txBody>
       </p:sp>
@@ -6447,9 +6233,7 @@
             <p:ph type="dt" sz="half" idx="10"/>
           </p:nvPr>
         </p:nvSpPr>
-        <p:spPr>
-          <a:ln/>
-        </p:spPr>
+        <p:spPr/>
         <p:txBody>
           <a:bodyPr/>
           <a:lstStyle>
@@ -6475,9 +6259,7 @@
             <p:ph type="ftr" sz="quarter" idx="11"/>
           </p:nvPr>
         </p:nvSpPr>
-        <p:spPr>
-          <a:ln/>
-        </p:spPr>
+        <p:spPr/>
         <p:txBody>
           <a:bodyPr/>
           <a:lstStyle>
@@ -6503,9 +6285,7 @@
             <p:ph type="sldNum" sz="quarter" idx="12"/>
           </p:nvPr>
         </p:nvSpPr>
-        <p:spPr>
-          <a:ln/>
-        </p:spPr>
+        <p:spPr/>
         <p:txBody>
           <a:bodyPr/>
           <a:lstStyle>
@@ -6516,19 +6296,12 @@
           <a:p>
             <a:fld id="{5CD1289C-36B1-4E2F-A125-6015FB44921E}" type="slidenum">
               <a:rPr lang="zh-CN" altLang="en-US"/>
-              <a:pPr/>
-              <a:t>‹#›</a:t>
             </a:fld>
             <a:endParaRPr lang="zh-CN" altLang="en-US"/>
           </a:p>
         </p:txBody>
       </p:sp>
     </p:spTree>
-    <p:extLst>
-      <p:ext uri="{BB962C8B-B14F-4D97-AF65-F5344CB8AC3E}">
-        <p14:creationId xmlns:p14="http://schemas.microsoft.com/office/powerpoint/2010/main" val="2343687654"/>
-      </p:ext>
-    </p:extLst>
   </p:cSld>
   <p:clrMapOvr>
     <a:masterClrMapping/>
@@ -6577,6 +6350,7 @@
               <a:rPr lang="zh-CN" altLang="en-US" noProof="1"/>
               <a:t>单击此处编辑母版标题样式</a:t>
             </a:r>
+            <a:endParaRPr lang="zh-CN" altLang="en-US" noProof="1"/>
           </a:p>
         </p:txBody>
       </p:sp>
@@ -6605,6 +6379,7 @@
               <a:rPr lang="zh-CN" altLang="en-US" noProof="1"/>
               <a:t>单击此处编辑母版文本样式</a:t>
             </a:r>
+            <a:endParaRPr lang="zh-CN" altLang="en-US" noProof="1"/>
           </a:p>
           <a:p>
             <a:pPr lvl="1"/>
@@ -6612,6 +6387,7 @@
               <a:rPr lang="zh-CN" altLang="en-US" noProof="1"/>
               <a:t>第二级</a:t>
             </a:r>
+            <a:endParaRPr lang="zh-CN" altLang="en-US" noProof="1"/>
           </a:p>
           <a:p>
             <a:pPr lvl="2"/>
@@ -6619,6 +6395,7 @@
               <a:rPr lang="zh-CN" altLang="en-US" noProof="1"/>
               <a:t>第三级</a:t>
             </a:r>
+            <a:endParaRPr lang="zh-CN" altLang="en-US" noProof="1"/>
           </a:p>
           <a:p>
             <a:pPr lvl="3"/>
@@ -6626,6 +6403,7 @@
               <a:rPr lang="zh-CN" altLang="en-US" noProof="1"/>
               <a:t>第四级</a:t>
             </a:r>
+            <a:endParaRPr lang="zh-CN" altLang="en-US" noProof="1"/>
           </a:p>
           <a:p>
             <a:pPr lvl="4"/>
@@ -6633,6 +6411,7 @@
               <a:rPr lang="zh-CN" altLang="en-US" noProof="1"/>
               <a:t>第五级</a:t>
             </a:r>
+            <a:endParaRPr lang="zh-CN" altLang="en-US" noProof="1"/>
           </a:p>
         </p:txBody>
       </p:sp>
@@ -6646,9 +6425,7 @@
             <p:ph type="dt" sz="half" idx="10"/>
           </p:nvPr>
         </p:nvSpPr>
-        <p:spPr>
-          <a:ln/>
-        </p:spPr>
+        <p:spPr/>
         <p:txBody>
           <a:bodyPr/>
           <a:lstStyle>
@@ -6674,9 +6451,7 @@
             <p:ph type="ftr" sz="quarter" idx="11"/>
           </p:nvPr>
         </p:nvSpPr>
-        <p:spPr>
-          <a:ln/>
-        </p:spPr>
+        <p:spPr/>
         <p:txBody>
           <a:bodyPr/>
           <a:lstStyle>
@@ -6702,9 +6477,7 @@
             <p:ph type="sldNum" sz="quarter" idx="12"/>
           </p:nvPr>
         </p:nvSpPr>
-        <p:spPr>
-          <a:ln/>
-        </p:spPr>
+        <p:spPr/>
         <p:txBody>
           <a:bodyPr/>
           <a:lstStyle>
@@ -6715,19 +6488,12 @@
           <a:p>
             <a:fld id="{5463BCAD-8B50-420D-A323-34025C267196}" type="slidenum">
               <a:rPr lang="zh-CN" altLang="en-US"/>
-              <a:pPr/>
-              <a:t>‹#›</a:t>
             </a:fld>
             <a:endParaRPr lang="zh-CN" altLang="en-US"/>
           </a:p>
         </p:txBody>
       </p:sp>
     </p:spTree>
-    <p:extLst>
-      <p:ext uri="{BB962C8B-B14F-4D97-AF65-F5344CB8AC3E}">
-        <p14:creationId xmlns:p14="http://schemas.microsoft.com/office/powerpoint/2010/main" val="3411584150"/>
-      </p:ext>
-    </p:extLst>
   </p:cSld>
   <p:clrMapOvr>
     <a:masterClrMapping/>
@@ -6771,6 +6537,7 @@
               <a:rPr lang="zh-CN" altLang="en-US" noProof="1"/>
               <a:t>单击此处编辑母版标题样式</a:t>
             </a:r>
+            <a:endParaRPr lang="zh-CN" altLang="en-US" noProof="1"/>
           </a:p>
         </p:txBody>
       </p:sp>
@@ -6827,6 +6594,7 @@
               <a:rPr lang="zh-CN" altLang="en-US" noProof="1"/>
               <a:t>单击此处编辑母版文本样式</a:t>
             </a:r>
+            <a:endParaRPr lang="zh-CN" altLang="en-US" noProof="1"/>
           </a:p>
           <a:p>
             <a:pPr lvl="1"/>
@@ -6834,6 +6602,7 @@
               <a:rPr lang="zh-CN" altLang="en-US" noProof="1"/>
               <a:t>第二级</a:t>
             </a:r>
+            <a:endParaRPr lang="zh-CN" altLang="en-US" noProof="1"/>
           </a:p>
           <a:p>
             <a:pPr lvl="2"/>
@@ -6841,6 +6610,7 @@
               <a:rPr lang="zh-CN" altLang="en-US" noProof="1"/>
               <a:t>第三级</a:t>
             </a:r>
+            <a:endParaRPr lang="zh-CN" altLang="en-US" noProof="1"/>
           </a:p>
           <a:p>
             <a:pPr lvl="3"/>
@@ -6848,6 +6618,7 @@
               <a:rPr lang="zh-CN" altLang="en-US" noProof="1"/>
               <a:t>第四级</a:t>
             </a:r>
+            <a:endParaRPr lang="zh-CN" altLang="en-US" noProof="1"/>
           </a:p>
           <a:p>
             <a:pPr lvl="4"/>
@@ -6855,6 +6626,7 @@
               <a:rPr lang="zh-CN" altLang="en-US" noProof="1"/>
               <a:t>第五级</a:t>
             </a:r>
+            <a:endParaRPr lang="zh-CN" altLang="en-US" noProof="1"/>
           </a:p>
         </p:txBody>
       </p:sp>
@@ -6911,6 +6683,7 @@
               <a:rPr lang="zh-CN" altLang="en-US" noProof="1"/>
               <a:t>单击此处编辑母版文本样式</a:t>
             </a:r>
+            <a:endParaRPr lang="zh-CN" altLang="en-US" noProof="1"/>
           </a:p>
           <a:p>
             <a:pPr lvl="1"/>
@@ -6918,6 +6691,7 @@
               <a:rPr lang="zh-CN" altLang="en-US" noProof="1"/>
               <a:t>第二级</a:t>
             </a:r>
+            <a:endParaRPr lang="zh-CN" altLang="en-US" noProof="1"/>
           </a:p>
           <a:p>
             <a:pPr lvl="2"/>
@@ -6925,6 +6699,7 @@
               <a:rPr lang="zh-CN" altLang="en-US" noProof="1"/>
               <a:t>第三级</a:t>
             </a:r>
+            <a:endParaRPr lang="zh-CN" altLang="en-US" noProof="1"/>
           </a:p>
           <a:p>
             <a:pPr lvl="3"/>
@@ -6932,6 +6707,7 @@
               <a:rPr lang="zh-CN" altLang="en-US" noProof="1"/>
               <a:t>第四级</a:t>
             </a:r>
+            <a:endParaRPr lang="zh-CN" altLang="en-US" noProof="1"/>
           </a:p>
           <a:p>
             <a:pPr lvl="4"/>
@@ -6939,6 +6715,7 @@
               <a:rPr lang="zh-CN" altLang="en-US" noProof="1"/>
               <a:t>第五级</a:t>
             </a:r>
+            <a:endParaRPr lang="zh-CN" altLang="en-US" noProof="1"/>
           </a:p>
         </p:txBody>
       </p:sp>
@@ -6952,9 +6729,7 @@
             <p:ph type="dt" sz="half" idx="10"/>
           </p:nvPr>
         </p:nvSpPr>
-        <p:spPr>
-          <a:ln/>
-        </p:spPr>
+        <p:spPr/>
         <p:txBody>
           <a:bodyPr/>
           <a:lstStyle>
@@ -6980,9 +6755,7 @@
             <p:ph type="ftr" sz="quarter" idx="11"/>
           </p:nvPr>
         </p:nvSpPr>
-        <p:spPr>
-          <a:ln/>
-        </p:spPr>
+        <p:spPr/>
         <p:txBody>
           <a:bodyPr/>
           <a:lstStyle>
@@ -7008,9 +6781,7 @@
             <p:ph type="sldNum" sz="quarter" idx="12"/>
           </p:nvPr>
         </p:nvSpPr>
-        <p:spPr>
-          <a:ln/>
-        </p:spPr>
+        <p:spPr/>
         <p:txBody>
           <a:bodyPr/>
           <a:lstStyle>
@@ -7021,19 +6792,12 @@
           <a:p>
             <a:fld id="{6404D022-504E-4EAD-B00E-DB353A4E13D4}" type="slidenum">
               <a:rPr lang="zh-CN" altLang="en-US"/>
-              <a:pPr/>
-              <a:t>‹#›</a:t>
             </a:fld>
             <a:endParaRPr lang="zh-CN" altLang="en-US"/>
           </a:p>
         </p:txBody>
       </p:sp>
     </p:spTree>
-    <p:extLst>
-      <p:ext uri="{BB962C8B-B14F-4D97-AF65-F5344CB8AC3E}">
-        <p14:creationId xmlns:p14="http://schemas.microsoft.com/office/powerpoint/2010/main" val="3891426304"/>
-      </p:ext>
-    </p:extLst>
   </p:cSld>
   <p:clrMapOvr>
     <a:masterClrMapping/>
@@ -7086,6 +6850,7 @@
               <a:rPr lang="zh-CN" altLang="en-US" noProof="1"/>
               <a:t>单击此处编辑母版标题样式</a:t>
             </a:r>
+            <a:endParaRPr lang="zh-CN" altLang="en-US" noProof="1"/>
           </a:p>
         </p:txBody>
       </p:sp>
@@ -7151,6 +6916,7 @@
               <a:rPr lang="zh-CN" altLang="en-US" noProof="1"/>
               <a:t>单击此处编辑母版文本样式</a:t>
             </a:r>
+            <a:endParaRPr lang="zh-CN" altLang="en-US" noProof="1"/>
           </a:p>
         </p:txBody>
       </p:sp>
@@ -7207,6 +6973,7 @@
               <a:rPr lang="zh-CN" altLang="en-US" noProof="1"/>
               <a:t>单击此处编辑母版文本样式</a:t>
             </a:r>
+            <a:endParaRPr lang="zh-CN" altLang="en-US" noProof="1"/>
           </a:p>
           <a:p>
             <a:pPr lvl="1"/>
@@ -7214,6 +6981,7 @@
               <a:rPr lang="zh-CN" altLang="en-US" noProof="1"/>
               <a:t>第二级</a:t>
             </a:r>
+            <a:endParaRPr lang="zh-CN" altLang="en-US" noProof="1"/>
           </a:p>
           <a:p>
             <a:pPr lvl="2"/>
@@ -7221,6 +6989,7 @@
               <a:rPr lang="zh-CN" altLang="en-US" noProof="1"/>
               <a:t>第三级</a:t>
             </a:r>
+            <a:endParaRPr lang="zh-CN" altLang="en-US" noProof="1"/>
           </a:p>
           <a:p>
             <a:pPr lvl="3"/>
@@ -7228,6 +6997,7 @@
               <a:rPr lang="zh-CN" altLang="en-US" noProof="1"/>
               <a:t>第四级</a:t>
             </a:r>
+            <a:endParaRPr lang="zh-CN" altLang="en-US" noProof="1"/>
           </a:p>
           <a:p>
             <a:pPr lvl="4"/>
@@ -7235,6 +7005,7 @@
               <a:rPr lang="zh-CN" altLang="en-US" noProof="1"/>
               <a:t>第五级</a:t>
             </a:r>
+            <a:endParaRPr lang="zh-CN" altLang="en-US" noProof="1"/>
           </a:p>
         </p:txBody>
       </p:sp>
@@ -7300,6 +7071,7 @@
               <a:rPr lang="zh-CN" altLang="en-US" noProof="1"/>
               <a:t>单击此处编辑母版文本样式</a:t>
             </a:r>
+            <a:endParaRPr lang="zh-CN" altLang="en-US" noProof="1"/>
           </a:p>
         </p:txBody>
       </p:sp>
@@ -7356,6 +7128,7 @@
               <a:rPr lang="zh-CN" altLang="en-US" noProof="1"/>
               <a:t>单击此处编辑母版文本样式</a:t>
             </a:r>
+            <a:endParaRPr lang="zh-CN" altLang="en-US" noProof="1"/>
           </a:p>
           <a:p>
             <a:pPr lvl="1"/>
@@ -7363,6 +7136,7 @@
               <a:rPr lang="zh-CN" altLang="en-US" noProof="1"/>
               <a:t>第二级</a:t>
             </a:r>
+            <a:endParaRPr lang="zh-CN" altLang="en-US" noProof="1"/>
           </a:p>
           <a:p>
             <a:pPr lvl="2"/>
@@ -7370,6 +7144,7 @@
               <a:rPr lang="zh-CN" altLang="en-US" noProof="1"/>
               <a:t>第三级</a:t>
             </a:r>
+            <a:endParaRPr lang="zh-CN" altLang="en-US" noProof="1"/>
           </a:p>
           <a:p>
             <a:pPr lvl="3"/>
@@ -7377,6 +7152,7 @@
               <a:rPr lang="zh-CN" altLang="en-US" noProof="1"/>
               <a:t>第四级</a:t>
             </a:r>
+            <a:endParaRPr lang="zh-CN" altLang="en-US" noProof="1"/>
           </a:p>
           <a:p>
             <a:pPr lvl="4"/>
@@ -7384,6 +7160,7 @@
               <a:rPr lang="zh-CN" altLang="en-US" noProof="1"/>
               <a:t>第五级</a:t>
             </a:r>
+            <a:endParaRPr lang="zh-CN" altLang="en-US" noProof="1"/>
           </a:p>
         </p:txBody>
       </p:sp>
@@ -7397,9 +7174,7 @@
             <p:ph type="dt" sz="half" idx="10"/>
           </p:nvPr>
         </p:nvSpPr>
-        <p:spPr>
-          <a:ln/>
-        </p:spPr>
+        <p:spPr/>
         <p:txBody>
           <a:bodyPr/>
           <a:lstStyle>
@@ -7425,9 +7200,7 @@
             <p:ph type="ftr" sz="quarter" idx="11"/>
           </p:nvPr>
         </p:nvSpPr>
-        <p:spPr>
-          <a:ln/>
-        </p:spPr>
+        <p:spPr/>
         <p:txBody>
           <a:bodyPr/>
           <a:lstStyle>
@@ -7453,9 +7226,7 @@
             <p:ph type="sldNum" sz="quarter" idx="12"/>
           </p:nvPr>
         </p:nvSpPr>
-        <p:spPr>
-          <a:ln/>
-        </p:spPr>
+        <p:spPr/>
         <p:txBody>
           <a:bodyPr/>
           <a:lstStyle>
@@ -7466,19 +7237,12 @@
           <a:p>
             <a:fld id="{062BBA69-5369-4E07-AD2D-78FAC4C1BFBB}" type="slidenum">
               <a:rPr lang="zh-CN" altLang="en-US"/>
-              <a:pPr/>
-              <a:t>‹#›</a:t>
             </a:fld>
             <a:endParaRPr lang="zh-CN" altLang="en-US"/>
           </a:p>
         </p:txBody>
       </p:sp>
     </p:spTree>
-    <p:extLst>
-      <p:ext uri="{BB962C8B-B14F-4D97-AF65-F5344CB8AC3E}">
-        <p14:creationId xmlns:p14="http://schemas.microsoft.com/office/powerpoint/2010/main" val="1802544223"/>
-      </p:ext>
-    </p:extLst>
   </p:cSld>
   <p:clrMapOvr>
     <a:masterClrMapping/>
@@ -7522,6 +7286,7 @@
               <a:rPr lang="zh-CN" altLang="en-US" noProof="1"/>
               <a:t>单击此处编辑母版标题样式</a:t>
             </a:r>
+            <a:endParaRPr lang="zh-CN" altLang="en-US" noProof="1"/>
           </a:p>
         </p:txBody>
       </p:sp>
@@ -7535,9 +7300,7 @@
             <p:ph type="dt" sz="half" idx="10"/>
           </p:nvPr>
         </p:nvSpPr>
-        <p:spPr>
-          <a:ln/>
-        </p:spPr>
+        <p:spPr/>
         <p:txBody>
           <a:bodyPr/>
           <a:lstStyle>
@@ -7563,9 +7326,7 @@
             <p:ph type="ftr" sz="quarter" idx="11"/>
           </p:nvPr>
         </p:nvSpPr>
-        <p:spPr>
-          <a:ln/>
-        </p:spPr>
+        <p:spPr/>
         <p:txBody>
           <a:bodyPr/>
           <a:lstStyle>
@@ -7591,9 +7352,7 @@
             <p:ph type="sldNum" sz="quarter" idx="12"/>
           </p:nvPr>
         </p:nvSpPr>
-        <p:spPr>
-          <a:ln/>
-        </p:spPr>
+        <p:spPr/>
         <p:txBody>
           <a:bodyPr/>
           <a:lstStyle>
@@ -7604,19 +7363,12 @@
           <a:p>
             <a:fld id="{B0447C40-2693-4A10-9A95-BF1D4E5A7782}" type="slidenum">
               <a:rPr lang="zh-CN" altLang="en-US"/>
-              <a:pPr/>
-              <a:t>‹#›</a:t>
             </a:fld>
             <a:endParaRPr lang="zh-CN" altLang="en-US"/>
           </a:p>
         </p:txBody>
       </p:sp>
     </p:spTree>
-    <p:extLst>
-      <p:ext uri="{BB962C8B-B14F-4D97-AF65-F5344CB8AC3E}">
-        <p14:creationId xmlns:p14="http://schemas.microsoft.com/office/powerpoint/2010/main" val="89659952"/>
-      </p:ext>
-    </p:extLst>
   </p:cSld>
   <p:clrMapOvr>
     <a:masterClrMapping/>
@@ -7651,9 +7403,7 @@
             <p:ph type="dt" sz="half" idx="10"/>
           </p:nvPr>
         </p:nvSpPr>
-        <p:spPr>
-          <a:ln/>
-        </p:spPr>
+        <p:spPr/>
         <p:txBody>
           <a:bodyPr/>
           <a:lstStyle>
@@ -7679,9 +7429,7 @@
             <p:ph type="ftr" sz="quarter" idx="11"/>
           </p:nvPr>
         </p:nvSpPr>
-        <p:spPr>
-          <a:ln/>
-        </p:spPr>
+        <p:spPr/>
         <p:txBody>
           <a:bodyPr/>
           <a:lstStyle>
@@ -7707,9 +7455,7 @@
             <p:ph type="sldNum" sz="quarter" idx="12"/>
           </p:nvPr>
         </p:nvSpPr>
-        <p:spPr>
-          <a:ln/>
-        </p:spPr>
+        <p:spPr/>
         <p:txBody>
           <a:bodyPr/>
           <a:lstStyle>
@@ -7720,19 +7466,12 @@
           <a:p>
             <a:fld id="{A4841655-5C2B-444A-9F33-658B2EF630AF}" type="slidenum">
               <a:rPr lang="zh-CN" altLang="en-US"/>
-              <a:pPr/>
-              <a:t>‹#›</a:t>
             </a:fld>
             <a:endParaRPr lang="zh-CN" altLang="en-US"/>
           </a:p>
         </p:txBody>
       </p:sp>
     </p:spTree>
-    <p:extLst>
-      <p:ext uri="{BB962C8B-B14F-4D97-AF65-F5344CB8AC3E}">
-        <p14:creationId xmlns:p14="http://schemas.microsoft.com/office/powerpoint/2010/main" val="2682669728"/>
-      </p:ext>
-    </p:extLst>
   </p:cSld>
   <p:clrMapOvr>
     <a:masterClrMapping/>
@@ -7785,6 +7524,7 @@
               <a:rPr lang="zh-CN" altLang="en-US" noProof="1"/>
               <a:t>单击此处编辑母版标题样式</a:t>
             </a:r>
+            <a:endParaRPr lang="zh-CN" altLang="en-US" noProof="1"/>
           </a:p>
         </p:txBody>
       </p:sp>
@@ -7841,6 +7581,7 @@
               <a:rPr lang="zh-CN" altLang="en-US" noProof="1"/>
               <a:t>单击此处编辑母版文本样式</a:t>
             </a:r>
+            <a:endParaRPr lang="zh-CN" altLang="en-US" noProof="1"/>
           </a:p>
           <a:p>
             <a:pPr lvl="1"/>
@@ -7848,6 +7589,7 @@
               <a:rPr lang="zh-CN" altLang="en-US" noProof="1"/>
               <a:t>第二级</a:t>
             </a:r>
+            <a:endParaRPr lang="zh-CN" altLang="en-US" noProof="1"/>
           </a:p>
           <a:p>
             <a:pPr lvl="2"/>
@@ -7855,6 +7597,7 @@
               <a:rPr lang="zh-CN" altLang="en-US" noProof="1"/>
               <a:t>第三级</a:t>
             </a:r>
+            <a:endParaRPr lang="zh-CN" altLang="en-US" noProof="1"/>
           </a:p>
           <a:p>
             <a:pPr lvl="3"/>
@@ -7862,6 +7605,7 @@
               <a:rPr lang="zh-CN" altLang="en-US" noProof="1"/>
               <a:t>第四级</a:t>
             </a:r>
+            <a:endParaRPr lang="zh-CN" altLang="en-US" noProof="1"/>
           </a:p>
           <a:p>
             <a:pPr lvl="4"/>
@@ -7869,6 +7613,7 @@
               <a:rPr lang="zh-CN" altLang="en-US" noProof="1"/>
               <a:t>第五级</a:t>
             </a:r>
+            <a:endParaRPr lang="zh-CN" altLang="en-US" noProof="1"/>
           </a:p>
         </p:txBody>
       </p:sp>
@@ -7934,6 +7679,7 @@
               <a:rPr lang="zh-CN" altLang="en-US" noProof="1"/>
               <a:t>单击此处编辑母版文本样式</a:t>
             </a:r>
+            <a:endParaRPr lang="zh-CN" altLang="en-US" noProof="1"/>
           </a:p>
         </p:txBody>
       </p:sp>
@@ -7947,9 +7693,7 @@
             <p:ph type="dt" sz="half" idx="10"/>
           </p:nvPr>
         </p:nvSpPr>
-        <p:spPr>
-          <a:ln/>
-        </p:spPr>
+        <p:spPr/>
         <p:txBody>
           <a:bodyPr/>
           <a:lstStyle>
@@ -7975,9 +7719,7 @@
             <p:ph type="ftr" sz="quarter" idx="11"/>
           </p:nvPr>
         </p:nvSpPr>
-        <p:spPr>
-          <a:ln/>
-        </p:spPr>
+        <p:spPr/>
         <p:txBody>
           <a:bodyPr/>
           <a:lstStyle>
@@ -8003,9 +7745,7 @@
             <p:ph type="sldNum" sz="quarter" idx="12"/>
           </p:nvPr>
         </p:nvSpPr>
-        <p:spPr>
-          <a:ln/>
-        </p:spPr>
+        <p:spPr/>
         <p:txBody>
           <a:bodyPr/>
           <a:lstStyle>
@@ -8016,19 +7756,12 @@
           <a:p>
             <a:fld id="{6F94A8BF-BA86-4A2E-B3E9-BEF9EDE53871}" type="slidenum">
               <a:rPr lang="zh-CN" altLang="en-US"/>
-              <a:pPr/>
-              <a:t>‹#›</a:t>
             </a:fld>
             <a:endParaRPr lang="zh-CN" altLang="en-US"/>
           </a:p>
         </p:txBody>
       </p:sp>
     </p:spTree>
-    <p:extLst>
-      <p:ext uri="{BB962C8B-B14F-4D97-AF65-F5344CB8AC3E}">
-        <p14:creationId xmlns:p14="http://schemas.microsoft.com/office/powerpoint/2010/main" val="289011821"/>
-      </p:ext>
-    </p:extLst>
   </p:cSld>
   <p:clrMapOvr>
     <a:masterClrMapping/>
@@ -8081,6 +7814,7 @@
               <a:rPr lang="zh-CN" altLang="en-US" noProof="1"/>
               <a:t>单击此处编辑母版标题样式</a:t>
             </a:r>
+            <a:endParaRPr lang="zh-CN" altLang="en-US" noProof="1"/>
           </a:p>
         </p:txBody>
       </p:sp>
@@ -8208,6 +7942,7 @@
               <a:rPr lang="zh-CN" altLang="en-US" noProof="1"/>
               <a:t>单击此处编辑母版文本样式</a:t>
             </a:r>
+            <a:endParaRPr lang="zh-CN" altLang="en-US" noProof="1"/>
           </a:p>
         </p:txBody>
       </p:sp>
@@ -8221,9 +7956,7 @@
             <p:ph type="dt" sz="half" idx="10"/>
           </p:nvPr>
         </p:nvSpPr>
-        <p:spPr>
-          <a:ln/>
-        </p:spPr>
+        <p:spPr/>
         <p:txBody>
           <a:bodyPr/>
           <a:lstStyle>
@@ -8249,9 +7982,7 @@
             <p:ph type="ftr" sz="quarter" idx="11"/>
           </p:nvPr>
         </p:nvSpPr>
-        <p:spPr>
-          <a:ln/>
-        </p:spPr>
+        <p:spPr/>
         <p:txBody>
           <a:bodyPr/>
           <a:lstStyle>
@@ -8277,9 +8008,7 @@
             <p:ph type="sldNum" sz="quarter" idx="12"/>
           </p:nvPr>
         </p:nvSpPr>
-        <p:spPr>
-          <a:ln/>
-        </p:spPr>
+        <p:spPr/>
         <p:txBody>
           <a:bodyPr/>
           <a:lstStyle>
@@ -8290,19 +8019,12 @@
           <a:p>
             <a:fld id="{646C6A92-FB6E-448F-9672-EA9F08D76714}" type="slidenum">
               <a:rPr lang="zh-CN" altLang="en-US"/>
-              <a:pPr/>
-              <a:t>‹#›</a:t>
             </a:fld>
             <a:endParaRPr lang="zh-CN" altLang="en-US"/>
           </a:p>
         </p:txBody>
       </p:sp>
     </p:spTree>
-    <p:extLst>
-      <p:ext uri="{BB962C8B-B14F-4D97-AF65-F5344CB8AC3E}">
-        <p14:creationId xmlns:p14="http://schemas.microsoft.com/office/powerpoint/2010/main" val="4065035573"/>
-      </p:ext>
-    </p:extLst>
   </p:cSld>
   <p:clrMapOvr>
     <a:masterClrMapping/>
@@ -8378,11 +8100,7 @@
           </a:extLst>
         </p:spPr>
         <p:txBody>
-          <a:bodyPr vert="horz" wrap="square" lIns="91440" tIns="45720" rIns="91440" bIns="45720" numCol="1" anchor="ctr" anchorCtr="0" compatLnSpc="1">
-            <a:prstTxWarp prst="textNoShape">
-              <a:avLst/>
-            </a:prstTxWarp>
-          </a:bodyPr>
+          <a:bodyPr vert="horz" wrap="square" lIns="91440" tIns="45720" rIns="91440" bIns="45720" numCol="1" anchor="ctr" anchorCtr="0" compatLnSpc="1"/>
           <a:lstStyle/>
           <a:p>
             <a:pPr lvl="0"/>
@@ -8390,6 +8108,7 @@
               <a:rPr lang="zh-CN" altLang="zh-CN"/>
               <a:t>Click to edit Master title style</a:t>
             </a:r>
+            <a:endParaRPr lang="zh-CN" altLang="zh-CN"/>
           </a:p>
         </p:txBody>
       </p:sp>
@@ -8400,7 +8119,7 @@
             <a:spLocks noGrp="1" noChangeArrowheads="1"/>
           </p:cNvSpPr>
           <p:nvPr>
-            <p:ph type="body" idx="4294967295"/>
+            <p:ph type="body" idx="9"/>
           </p:nvPr>
         </p:nvSpPr>
         <p:spPr bwMode="auto">
@@ -8436,11 +8155,7 @@
           </a:extLst>
         </p:spPr>
         <p:txBody>
-          <a:bodyPr vert="horz" wrap="square" lIns="91440" tIns="45720" rIns="91440" bIns="45720" numCol="1" anchor="t" anchorCtr="0" compatLnSpc="1">
-            <a:prstTxWarp prst="textNoShape">
-              <a:avLst/>
-            </a:prstTxWarp>
-          </a:bodyPr>
+          <a:bodyPr vert="horz" wrap="square" lIns="91440" tIns="45720" rIns="91440" bIns="45720" numCol="1" anchor="t" anchorCtr="0" compatLnSpc="1"/>
           <a:lstStyle/>
           <a:p>
             <a:pPr lvl="0"/>
@@ -8448,6 +8163,7 @@
               <a:rPr lang="zh-CN" altLang="zh-CN"/>
               <a:t>Click to edit Master text styles</a:t>
             </a:r>
+            <a:endParaRPr lang="zh-CN" altLang="zh-CN"/>
           </a:p>
           <a:p>
             <a:pPr lvl="1"/>
@@ -8455,6 +8171,7 @@
               <a:rPr lang="zh-CN" altLang="zh-CN"/>
               <a:t>Second level</a:t>
             </a:r>
+            <a:endParaRPr lang="zh-CN" altLang="zh-CN"/>
           </a:p>
           <a:p>
             <a:pPr lvl="2"/>
@@ -8462,6 +8179,7 @@
               <a:rPr lang="zh-CN" altLang="zh-CN"/>
               <a:t>Third level</a:t>
             </a:r>
+            <a:endParaRPr lang="zh-CN" altLang="zh-CN"/>
           </a:p>
           <a:p>
             <a:pPr lvl="3"/>
@@ -8469,6 +8187,7 @@
               <a:rPr lang="zh-CN" altLang="zh-CN"/>
               <a:t>Fourth level</a:t>
             </a:r>
+            <a:endParaRPr lang="zh-CN" altLang="zh-CN"/>
           </a:p>
           <a:p>
             <a:pPr lvl="4"/>
@@ -8476,6 +8195,7 @@
               <a:rPr lang="zh-CN" altLang="zh-CN"/>
               <a:t>Fifth level</a:t>
             </a:r>
+            <a:endParaRPr lang="zh-CN" altLang="zh-CN"/>
           </a:p>
         </p:txBody>
       </p:sp>
@@ -8591,11 +8311,7 @@
           </a:ln>
         </p:spPr>
         <p:txBody>
-          <a:bodyPr vert="horz" wrap="square" lIns="91440" tIns="45720" rIns="91440" bIns="45720" numCol="1" anchor="ctr" anchorCtr="0" compatLnSpc="1">
-            <a:prstTxWarp prst="textNoShape">
-              <a:avLst/>
-            </a:prstTxWarp>
-          </a:bodyPr>
+          <a:bodyPr vert="horz" wrap="square" lIns="91440" tIns="45720" rIns="91440" bIns="45720" numCol="1" anchor="ctr" anchorCtr="0" compatLnSpc="1"/>
           <a:lstStyle>
             <a:lvl1pPr algn="r">
               <a:defRPr sz="1200">
@@ -8608,8 +8324,6 @@
           <a:p>
             <a:fld id="{CB2E9D06-BFC0-42E9-8849-C2A024C9B00C}" type="slidenum">
               <a:rPr lang="zh-CN" altLang="en-US"/>
-              <a:pPr/>
-              <a:t>‹#›</a:t>
             </a:fld>
             <a:endParaRPr lang="zh-CN" altLang="en-US"/>
           </a:p>
@@ -8624,13 +8338,7 @@
           <p:nvPr userDrawn="1"/>
         </p:nvPicPr>
         <p:blipFill>
-          <a:blip r:embed="rId13" cstate="email">
-            <a:extLst>
-              <a:ext uri="{28A0092B-C50C-407E-A947-70E740481C1C}">
-                <a14:useLocalDpi xmlns:a14="http://schemas.microsoft.com/office/drawing/2010/main"/>
-              </a:ext>
-            </a:extLst>
-          </a:blip>
+          <a:blip r:embed="rId12" cstate="email"/>
           <a:srcRect/>
           <a:stretch>
             <a:fillRect/>
@@ -8673,17 +8381,17 @@
   </p:cSld>
   <p:clrMap bg1="lt1" tx1="dk1" bg2="lt2" tx2="dk2" accent1="accent1" accent2="accent2" accent3="accent3" accent4="accent4" accent5="accent5" accent6="accent6" hlink="hlink" folHlink="folHlink"/>
   <p:sldLayoutIdLst>
-    <p:sldLayoutId id="2147483653" r:id="rId1"/>
-    <p:sldLayoutId id="2147483654" r:id="rId2"/>
-    <p:sldLayoutId id="2147483655" r:id="rId3"/>
-    <p:sldLayoutId id="2147483656" r:id="rId4"/>
-    <p:sldLayoutId id="2147483657" r:id="rId5"/>
-    <p:sldLayoutId id="2147483658" r:id="rId6"/>
-    <p:sldLayoutId id="2147483659" r:id="rId7"/>
-    <p:sldLayoutId id="2147483660" r:id="rId8"/>
-    <p:sldLayoutId id="2147483661" r:id="rId9"/>
-    <p:sldLayoutId id="2147483662" r:id="rId10"/>
-    <p:sldLayoutId id="2147483663" r:id="rId11"/>
+    <p:sldLayoutId id="2147483649" r:id="rId1"/>
+    <p:sldLayoutId id="2147483650" r:id="rId2"/>
+    <p:sldLayoutId id="2147483651" r:id="rId3"/>
+    <p:sldLayoutId id="2147483652" r:id="rId4"/>
+    <p:sldLayoutId id="2147483653" r:id="rId5"/>
+    <p:sldLayoutId id="2147483654" r:id="rId6"/>
+    <p:sldLayoutId id="2147483655" r:id="rId7"/>
+    <p:sldLayoutId id="2147483656" r:id="rId8"/>
+    <p:sldLayoutId id="2147483657" r:id="rId9"/>
+    <p:sldLayoutId id="2147483658" r:id="rId10"/>
+    <p:sldLayoutId id="2147483659" r:id="rId11"/>
   </p:sldLayoutIdLst>
   <p:txStyles>
     <p:titleStyle>
@@ -8714,7 +8422,7 @@
           <a:solidFill>
             <a:schemeClr val="tx1"/>
           </a:solidFill>
-          <a:latin typeface="Calibri Light" pitchFamily="34" charset="0"/>
+          <a:latin typeface="Calibri Light" panose="020F0302020204030204" pitchFamily="34" charset="0"/>
           <a:ea typeface="宋体" panose="02010600030101010101" pitchFamily="2" charset="-122"/>
         </a:defRPr>
       </a:lvl2pPr>
@@ -8729,7 +8437,7 @@
           <a:solidFill>
             <a:schemeClr val="tx1"/>
           </a:solidFill>
-          <a:latin typeface="Calibri Light" pitchFamily="34" charset="0"/>
+          <a:latin typeface="Calibri Light" panose="020F0302020204030204" pitchFamily="34" charset="0"/>
           <a:ea typeface="宋体" panose="02010600030101010101" pitchFamily="2" charset="-122"/>
         </a:defRPr>
       </a:lvl3pPr>
@@ -8744,7 +8452,7 @@
           <a:solidFill>
             <a:schemeClr val="tx1"/>
           </a:solidFill>
-          <a:latin typeface="Calibri Light" pitchFamily="34" charset="0"/>
+          <a:latin typeface="Calibri Light" panose="020F0302020204030204" pitchFamily="34" charset="0"/>
           <a:ea typeface="宋体" panose="02010600030101010101" pitchFamily="2" charset="-122"/>
         </a:defRPr>
       </a:lvl4pPr>
@@ -8759,7 +8467,7 @@
           <a:solidFill>
             <a:schemeClr val="tx1"/>
           </a:solidFill>
-          <a:latin typeface="Calibri Light" pitchFamily="34" charset="0"/>
+          <a:latin typeface="Calibri Light" panose="020F0302020204030204" pitchFamily="34" charset="0"/>
           <a:ea typeface="宋体" panose="02010600030101010101" pitchFamily="2" charset="-122"/>
         </a:defRPr>
       </a:lvl5pPr>
@@ -8774,7 +8482,7 @@
           <a:solidFill>
             <a:schemeClr val="tx1"/>
           </a:solidFill>
-          <a:latin typeface="Calibri Light" pitchFamily="34" charset="0"/>
+          <a:latin typeface="Calibri Light" panose="020F0302020204030204" pitchFamily="34" charset="0"/>
           <a:ea typeface="宋体" panose="02010600030101010101" pitchFamily="2" charset="-122"/>
         </a:defRPr>
       </a:lvl6pPr>
@@ -8789,7 +8497,7 @@
           <a:solidFill>
             <a:schemeClr val="tx1"/>
           </a:solidFill>
-          <a:latin typeface="Calibri Light" pitchFamily="34" charset="0"/>
+          <a:latin typeface="Calibri Light" panose="020F0302020204030204" pitchFamily="34" charset="0"/>
           <a:ea typeface="宋体" panose="02010600030101010101" pitchFamily="2" charset="-122"/>
         </a:defRPr>
       </a:lvl7pPr>
@@ -8804,7 +8512,7 @@
           <a:solidFill>
             <a:schemeClr val="tx1"/>
           </a:solidFill>
-          <a:latin typeface="Calibri Light" pitchFamily="34" charset="0"/>
+          <a:latin typeface="Calibri Light" panose="020F0302020204030204" pitchFamily="34" charset="0"/>
           <a:ea typeface="宋体" panose="02010600030101010101" pitchFamily="2" charset="-122"/>
         </a:defRPr>
       </a:lvl8pPr>
@@ -8819,7 +8527,7 @@
           <a:solidFill>
             <a:schemeClr val="tx1"/>
           </a:solidFill>
-          <a:latin typeface="Calibri Light" pitchFamily="34" charset="0"/>
+          <a:latin typeface="Calibri Light" panose="020F0302020204030204" pitchFamily="34" charset="0"/>
           <a:ea typeface="宋体" panose="02010600030101010101" pitchFamily="2" charset="-122"/>
         </a:defRPr>
       </a:lvl9pPr>
@@ -9174,11 +8882,7 @@
           </a:extLst>
         </p:spPr>
         <p:txBody>
-          <a:bodyPr vert="horz" wrap="square" lIns="91440" tIns="45720" rIns="91440" bIns="45720" numCol="1" anchor="ctr" anchorCtr="0" compatLnSpc="1">
-            <a:prstTxWarp prst="textNoShape">
-              <a:avLst/>
-            </a:prstTxWarp>
-          </a:bodyPr>
+          <a:bodyPr vert="horz" wrap="square" lIns="91440" tIns="45720" rIns="91440" bIns="45720" numCol="1" anchor="ctr" anchorCtr="0" compatLnSpc="1"/>
           <a:lstStyle/>
           <a:p>
             <a:pPr lvl="0"/>
@@ -9186,6 +8890,7 @@
               <a:rPr lang="zh-CN" altLang="zh-CN"/>
               <a:t>Click to edit Master title style</a:t>
             </a:r>
+            <a:endParaRPr lang="zh-CN" altLang="zh-CN"/>
           </a:p>
         </p:txBody>
       </p:sp>
@@ -9196,7 +8901,7 @@
             <a:spLocks noGrp="1" noChangeArrowheads="1"/>
           </p:cNvSpPr>
           <p:nvPr>
-            <p:ph type="body" idx="4294967295"/>
+            <p:ph type="body" idx="9"/>
           </p:nvPr>
         </p:nvSpPr>
         <p:spPr bwMode="auto">
@@ -9232,11 +8937,7 @@
           </a:extLst>
         </p:spPr>
         <p:txBody>
-          <a:bodyPr vert="horz" wrap="square" lIns="91440" tIns="45720" rIns="91440" bIns="45720" numCol="1" anchor="t" anchorCtr="0" compatLnSpc="1">
-            <a:prstTxWarp prst="textNoShape">
-              <a:avLst/>
-            </a:prstTxWarp>
-          </a:bodyPr>
+          <a:bodyPr vert="horz" wrap="square" lIns="91440" tIns="45720" rIns="91440" bIns="45720" numCol="1" anchor="t" anchorCtr="0" compatLnSpc="1"/>
           <a:lstStyle/>
           <a:p>
             <a:pPr lvl="0"/>
@@ -9244,6 +8945,7 @@
               <a:rPr lang="zh-CN" altLang="zh-CN"/>
               <a:t>Click to edit Master text styles</a:t>
             </a:r>
+            <a:endParaRPr lang="zh-CN" altLang="zh-CN"/>
           </a:p>
           <a:p>
             <a:pPr lvl="1"/>
@@ -9251,6 +8953,7 @@
               <a:rPr lang="zh-CN" altLang="zh-CN"/>
               <a:t>Second level</a:t>
             </a:r>
+            <a:endParaRPr lang="zh-CN" altLang="zh-CN"/>
           </a:p>
           <a:p>
             <a:pPr lvl="2"/>
@@ -9258,6 +8961,7 @@
               <a:rPr lang="zh-CN" altLang="zh-CN"/>
               <a:t>Third level</a:t>
             </a:r>
+            <a:endParaRPr lang="zh-CN" altLang="zh-CN"/>
           </a:p>
           <a:p>
             <a:pPr lvl="3"/>
@@ -9265,6 +8969,7 @@
               <a:rPr lang="zh-CN" altLang="zh-CN"/>
               <a:t>Fourth level</a:t>
             </a:r>
+            <a:endParaRPr lang="zh-CN" altLang="zh-CN"/>
           </a:p>
           <a:p>
             <a:pPr lvl="4"/>
@@ -9272,6 +8977,7 @@
               <a:rPr lang="zh-CN" altLang="zh-CN"/>
               <a:t>Fifth level</a:t>
             </a:r>
+            <a:endParaRPr lang="zh-CN" altLang="zh-CN"/>
           </a:p>
         </p:txBody>
       </p:sp>
@@ -9387,11 +9093,7 @@
           </a:ln>
         </p:spPr>
         <p:txBody>
-          <a:bodyPr vert="horz" wrap="square" lIns="91440" tIns="45720" rIns="91440" bIns="45720" numCol="1" anchor="ctr" anchorCtr="0" compatLnSpc="1">
-            <a:prstTxWarp prst="textNoShape">
-              <a:avLst/>
-            </a:prstTxWarp>
-          </a:bodyPr>
+          <a:bodyPr vert="horz" wrap="square" lIns="91440" tIns="45720" rIns="91440" bIns="45720" numCol="1" anchor="ctr" anchorCtr="0" compatLnSpc="1"/>
           <a:lstStyle>
             <a:lvl1pPr algn="r">
               <a:defRPr sz="1200">
@@ -9404,8 +9106,6 @@
           <a:p>
             <a:fld id="{B782126C-6681-4D3D-B6BC-F5A69180D485}" type="slidenum">
               <a:rPr lang="zh-CN" altLang="en-US"/>
-              <a:pPr/>
-              <a:t>‹#›</a:t>
             </a:fld>
             <a:endParaRPr lang="zh-CN" altLang="en-US"/>
           </a:p>
@@ -9420,13 +9120,7 @@
           <p:nvPr userDrawn="1"/>
         </p:nvPicPr>
         <p:blipFill>
-          <a:blip r:embed="rId13" cstate="email">
-            <a:extLst>
-              <a:ext uri="{28A0092B-C50C-407E-A947-70E740481C1C}">
-                <a14:useLocalDpi xmlns:a14="http://schemas.microsoft.com/office/drawing/2010/main"/>
-              </a:ext>
-            </a:extLst>
-          </a:blip>
+          <a:blip r:embed="rId12" cstate="email"/>
           <a:srcRect/>
           <a:stretch>
             <a:fillRect/>
@@ -9469,17 +9163,17 @@
   </p:cSld>
   <p:clrMap bg1="lt1" tx1="dk1" bg2="lt2" tx2="dk2" accent1="accent1" accent2="accent2" accent3="accent3" accent4="accent4" accent5="accent5" accent6="accent6" hlink="hlink" folHlink="folHlink"/>
   <p:sldLayoutIdLst>
-    <p:sldLayoutId id="2147483664" r:id="rId1"/>
-    <p:sldLayoutId id="2147483665" r:id="rId2"/>
-    <p:sldLayoutId id="2147483666" r:id="rId3"/>
-    <p:sldLayoutId id="2147483667" r:id="rId4"/>
-    <p:sldLayoutId id="2147483668" r:id="rId5"/>
-    <p:sldLayoutId id="2147483669" r:id="rId6"/>
-    <p:sldLayoutId id="2147483670" r:id="rId7"/>
-    <p:sldLayoutId id="2147483671" r:id="rId8"/>
-    <p:sldLayoutId id="2147483672" r:id="rId9"/>
-    <p:sldLayoutId id="2147483673" r:id="rId10"/>
-    <p:sldLayoutId id="2147483674" r:id="rId11"/>
+    <p:sldLayoutId id="2147483661" r:id="rId1"/>
+    <p:sldLayoutId id="2147483662" r:id="rId2"/>
+    <p:sldLayoutId id="2147483663" r:id="rId3"/>
+    <p:sldLayoutId id="2147483664" r:id="rId4"/>
+    <p:sldLayoutId id="2147483665" r:id="rId5"/>
+    <p:sldLayoutId id="2147483666" r:id="rId6"/>
+    <p:sldLayoutId id="2147483667" r:id="rId7"/>
+    <p:sldLayoutId id="2147483668" r:id="rId8"/>
+    <p:sldLayoutId id="2147483669" r:id="rId9"/>
+    <p:sldLayoutId id="2147483670" r:id="rId10"/>
+    <p:sldLayoutId id="2147483671" r:id="rId11"/>
   </p:sldLayoutIdLst>
   <p:txStyles>
     <p:titleStyle>
@@ -9510,7 +9204,7 @@
           <a:solidFill>
             <a:schemeClr val="tx1"/>
           </a:solidFill>
-          <a:latin typeface="Calibri Light" pitchFamily="34" charset="0"/>
+          <a:latin typeface="Calibri Light" panose="020F0302020204030204" pitchFamily="34" charset="0"/>
           <a:ea typeface="宋体" panose="02010600030101010101" pitchFamily="2" charset="-122"/>
         </a:defRPr>
       </a:lvl2pPr>
@@ -9525,7 +9219,7 @@
           <a:solidFill>
             <a:schemeClr val="tx1"/>
           </a:solidFill>
-          <a:latin typeface="Calibri Light" pitchFamily="34" charset="0"/>
+          <a:latin typeface="Calibri Light" panose="020F0302020204030204" pitchFamily="34" charset="0"/>
           <a:ea typeface="宋体" panose="02010600030101010101" pitchFamily="2" charset="-122"/>
         </a:defRPr>
       </a:lvl3pPr>
@@ -9540,7 +9234,7 @@
           <a:solidFill>
             <a:schemeClr val="tx1"/>
           </a:solidFill>
-          <a:latin typeface="Calibri Light" pitchFamily="34" charset="0"/>
+          <a:latin typeface="Calibri Light" panose="020F0302020204030204" pitchFamily="34" charset="0"/>
           <a:ea typeface="宋体" panose="02010600030101010101" pitchFamily="2" charset="-122"/>
         </a:defRPr>
       </a:lvl4pPr>
@@ -9555,7 +9249,7 @@
           <a:solidFill>
             <a:schemeClr val="tx1"/>
           </a:solidFill>
-          <a:latin typeface="Calibri Light" pitchFamily="34" charset="0"/>
+          <a:latin typeface="Calibri Light" panose="020F0302020204030204" pitchFamily="34" charset="0"/>
           <a:ea typeface="宋体" panose="02010600030101010101" pitchFamily="2" charset="-122"/>
         </a:defRPr>
       </a:lvl5pPr>
@@ -9570,7 +9264,7 @@
           <a:solidFill>
             <a:schemeClr val="tx1"/>
           </a:solidFill>
-          <a:latin typeface="Calibri Light" pitchFamily="34" charset="0"/>
+          <a:latin typeface="Calibri Light" panose="020F0302020204030204" pitchFamily="34" charset="0"/>
           <a:ea typeface="宋体" panose="02010600030101010101" pitchFamily="2" charset="-122"/>
         </a:defRPr>
       </a:lvl6pPr>
@@ -9585,7 +9279,7 @@
           <a:solidFill>
             <a:schemeClr val="tx1"/>
           </a:solidFill>
-          <a:latin typeface="Calibri Light" pitchFamily="34" charset="0"/>
+          <a:latin typeface="Calibri Light" panose="020F0302020204030204" pitchFamily="34" charset="0"/>
           <a:ea typeface="宋体" panose="02010600030101010101" pitchFamily="2" charset="-122"/>
         </a:defRPr>
       </a:lvl7pPr>
@@ -9600,7 +9294,7 @@
           <a:solidFill>
             <a:schemeClr val="tx1"/>
           </a:solidFill>
-          <a:latin typeface="Calibri Light" pitchFamily="34" charset="0"/>
+          <a:latin typeface="Calibri Light" panose="020F0302020204030204" pitchFamily="34" charset="0"/>
           <a:ea typeface="宋体" panose="02010600030101010101" pitchFamily="2" charset="-122"/>
         </a:defRPr>
       </a:lvl8pPr>
@@ -9615,7 +9309,7 @@
           <a:solidFill>
             <a:schemeClr val="tx1"/>
           </a:solidFill>
-          <a:latin typeface="Calibri Light" pitchFamily="34" charset="0"/>
+          <a:latin typeface="Calibri Light" panose="020F0302020204030204" pitchFamily="34" charset="0"/>
           <a:ea typeface="宋体" panose="02010600030101010101" pitchFamily="2" charset="-122"/>
         </a:defRPr>
       </a:lvl9pPr>
@@ -9970,11 +9664,7 @@
           </a:extLst>
         </p:spPr>
         <p:txBody>
-          <a:bodyPr vert="horz" wrap="square" lIns="91440" tIns="45720" rIns="91440" bIns="45720" numCol="1" anchor="ctr" anchorCtr="0" compatLnSpc="1">
-            <a:prstTxWarp prst="textNoShape">
-              <a:avLst/>
-            </a:prstTxWarp>
-          </a:bodyPr>
+          <a:bodyPr vert="horz" wrap="square" lIns="91440" tIns="45720" rIns="91440" bIns="45720" numCol="1" anchor="ctr" anchorCtr="0" compatLnSpc="1"/>
           <a:lstStyle/>
           <a:p>
             <a:pPr lvl="0"/>
@@ -9982,6 +9672,7 @@
               <a:rPr lang="zh-CN" altLang="zh-CN"/>
               <a:t>Click to edit Master title style</a:t>
             </a:r>
+            <a:endParaRPr lang="zh-CN" altLang="zh-CN"/>
           </a:p>
         </p:txBody>
       </p:sp>
@@ -9992,7 +9683,7 @@
             <a:spLocks noGrp="1" noChangeArrowheads="1"/>
           </p:cNvSpPr>
           <p:nvPr>
-            <p:ph type="body" idx="4294967295"/>
+            <p:ph type="body" idx="9"/>
           </p:nvPr>
         </p:nvSpPr>
         <p:spPr bwMode="auto">
@@ -10028,11 +9719,7 @@
           </a:extLst>
         </p:spPr>
         <p:txBody>
-          <a:bodyPr vert="horz" wrap="square" lIns="91440" tIns="45720" rIns="91440" bIns="45720" numCol="1" anchor="t" anchorCtr="0" compatLnSpc="1">
-            <a:prstTxWarp prst="textNoShape">
-              <a:avLst/>
-            </a:prstTxWarp>
-          </a:bodyPr>
+          <a:bodyPr vert="horz" wrap="square" lIns="91440" tIns="45720" rIns="91440" bIns="45720" numCol="1" anchor="t" anchorCtr="0" compatLnSpc="1"/>
           <a:lstStyle/>
           <a:p>
             <a:pPr lvl="0"/>
@@ -10040,6 +9727,7 @@
               <a:rPr lang="zh-CN" altLang="zh-CN"/>
               <a:t>Click to edit Master text styles</a:t>
             </a:r>
+            <a:endParaRPr lang="zh-CN" altLang="zh-CN"/>
           </a:p>
           <a:p>
             <a:pPr lvl="1"/>
@@ -10047,6 +9735,7 @@
               <a:rPr lang="zh-CN" altLang="zh-CN"/>
               <a:t>Second level</a:t>
             </a:r>
+            <a:endParaRPr lang="zh-CN" altLang="zh-CN"/>
           </a:p>
           <a:p>
             <a:pPr lvl="2"/>
@@ -10054,6 +9743,7 @@
               <a:rPr lang="zh-CN" altLang="zh-CN"/>
               <a:t>Third level</a:t>
             </a:r>
+            <a:endParaRPr lang="zh-CN" altLang="zh-CN"/>
           </a:p>
           <a:p>
             <a:pPr lvl="3"/>
@@ -10061,6 +9751,7 @@
               <a:rPr lang="zh-CN" altLang="zh-CN"/>
               <a:t>Fourth level</a:t>
             </a:r>
+            <a:endParaRPr lang="zh-CN" altLang="zh-CN"/>
           </a:p>
           <a:p>
             <a:pPr lvl="4"/>
@@ -10068,6 +9759,7 @@
               <a:rPr lang="zh-CN" altLang="zh-CN"/>
               <a:t>Fifth level</a:t>
             </a:r>
+            <a:endParaRPr lang="zh-CN" altLang="zh-CN"/>
           </a:p>
         </p:txBody>
       </p:sp>
@@ -10183,11 +9875,7 @@
           </a:ln>
         </p:spPr>
         <p:txBody>
-          <a:bodyPr vert="horz" wrap="square" lIns="91440" tIns="45720" rIns="91440" bIns="45720" numCol="1" anchor="ctr" anchorCtr="0" compatLnSpc="1">
-            <a:prstTxWarp prst="textNoShape">
-              <a:avLst/>
-            </a:prstTxWarp>
-          </a:bodyPr>
+          <a:bodyPr vert="horz" wrap="square" lIns="91440" tIns="45720" rIns="91440" bIns="45720" numCol="1" anchor="ctr" anchorCtr="0" compatLnSpc="1"/>
           <a:lstStyle>
             <a:lvl1pPr algn="r">
               <a:defRPr sz="1200">
@@ -10200,8 +9888,6 @@
           <a:p>
             <a:fld id="{ACE0F740-134C-4D13-9881-4C1D70DFCEEE}" type="slidenum">
               <a:rPr lang="zh-CN" altLang="en-US"/>
-              <a:pPr/>
-              <a:t>‹#›</a:t>
             </a:fld>
             <a:endParaRPr lang="zh-CN" altLang="en-US"/>
           </a:p>
@@ -10216,13 +9902,7 @@
           <p:nvPr userDrawn="1"/>
         </p:nvPicPr>
         <p:blipFill>
-          <a:blip r:embed="rId13" cstate="email">
-            <a:extLst>
-              <a:ext uri="{28A0092B-C50C-407E-A947-70E740481C1C}">
-                <a14:useLocalDpi xmlns:a14="http://schemas.microsoft.com/office/drawing/2010/main"/>
-              </a:ext>
-            </a:extLst>
-          </a:blip>
+          <a:blip r:embed="rId12" cstate="email"/>
           <a:srcRect/>
           <a:stretch>
             <a:fillRect/>
@@ -10265,17 +9945,17 @@
   </p:cSld>
   <p:clrMap bg1="lt1" tx1="dk1" bg2="lt2" tx2="dk2" accent1="accent1" accent2="accent2" accent3="accent3" accent4="accent4" accent5="accent5" accent6="accent6" hlink="hlink" folHlink="folHlink"/>
   <p:sldLayoutIdLst>
-    <p:sldLayoutId id="2147483675" r:id="rId1"/>
-    <p:sldLayoutId id="2147483676" r:id="rId2"/>
-    <p:sldLayoutId id="2147483677" r:id="rId3"/>
-    <p:sldLayoutId id="2147483678" r:id="rId4"/>
-    <p:sldLayoutId id="2147483679" r:id="rId5"/>
-    <p:sldLayoutId id="2147483680" r:id="rId6"/>
-    <p:sldLayoutId id="2147483681" r:id="rId7"/>
-    <p:sldLayoutId id="2147483682" r:id="rId8"/>
-    <p:sldLayoutId id="2147483683" r:id="rId9"/>
-    <p:sldLayoutId id="2147483684" r:id="rId10"/>
-    <p:sldLayoutId id="2147483685" r:id="rId11"/>
+    <p:sldLayoutId id="2147483673" r:id="rId1"/>
+    <p:sldLayoutId id="2147483674" r:id="rId2"/>
+    <p:sldLayoutId id="2147483675" r:id="rId3"/>
+    <p:sldLayoutId id="2147483676" r:id="rId4"/>
+    <p:sldLayoutId id="2147483677" r:id="rId5"/>
+    <p:sldLayoutId id="2147483678" r:id="rId6"/>
+    <p:sldLayoutId id="2147483679" r:id="rId7"/>
+    <p:sldLayoutId id="2147483680" r:id="rId8"/>
+    <p:sldLayoutId id="2147483681" r:id="rId9"/>
+    <p:sldLayoutId id="2147483682" r:id="rId10"/>
+    <p:sldLayoutId id="2147483683" r:id="rId11"/>
   </p:sldLayoutIdLst>
   <p:txStyles>
     <p:titleStyle>
@@ -10306,7 +9986,7 @@
           <a:solidFill>
             <a:schemeClr val="tx1"/>
           </a:solidFill>
-          <a:latin typeface="Calibri Light" pitchFamily="34" charset="0"/>
+          <a:latin typeface="Calibri Light" panose="020F0302020204030204" pitchFamily="34" charset="0"/>
           <a:ea typeface="宋体" panose="02010600030101010101" pitchFamily="2" charset="-122"/>
         </a:defRPr>
       </a:lvl2pPr>
@@ -10321,7 +10001,7 @@
           <a:solidFill>
             <a:schemeClr val="tx1"/>
           </a:solidFill>
-          <a:latin typeface="Calibri Light" pitchFamily="34" charset="0"/>
+          <a:latin typeface="Calibri Light" panose="020F0302020204030204" pitchFamily="34" charset="0"/>
           <a:ea typeface="宋体" panose="02010600030101010101" pitchFamily="2" charset="-122"/>
         </a:defRPr>
       </a:lvl3pPr>
@@ -10336,7 +10016,7 @@
           <a:solidFill>
             <a:schemeClr val="tx1"/>
           </a:solidFill>
-          <a:latin typeface="Calibri Light" pitchFamily="34" charset="0"/>
+          <a:latin typeface="Calibri Light" panose="020F0302020204030204" pitchFamily="34" charset="0"/>
           <a:ea typeface="宋体" panose="02010600030101010101" pitchFamily="2" charset="-122"/>
         </a:defRPr>
       </a:lvl4pPr>
@@ -10351,7 +10031,7 @@
           <a:solidFill>
             <a:schemeClr val="tx1"/>
           </a:solidFill>
-          <a:latin typeface="Calibri Light" pitchFamily="34" charset="0"/>
+          <a:latin typeface="Calibri Light" panose="020F0302020204030204" pitchFamily="34" charset="0"/>
           <a:ea typeface="宋体" panose="02010600030101010101" pitchFamily="2" charset="-122"/>
         </a:defRPr>
       </a:lvl5pPr>
@@ -10366,7 +10046,7 @@
           <a:solidFill>
             <a:schemeClr val="tx1"/>
           </a:solidFill>
-          <a:latin typeface="Calibri Light" pitchFamily="34" charset="0"/>
+          <a:latin typeface="Calibri Light" panose="020F0302020204030204" pitchFamily="34" charset="0"/>
           <a:ea typeface="宋体" panose="02010600030101010101" pitchFamily="2" charset="-122"/>
         </a:defRPr>
       </a:lvl6pPr>
@@ -10381,7 +10061,7 @@
           <a:solidFill>
             <a:schemeClr val="tx1"/>
           </a:solidFill>
-          <a:latin typeface="Calibri Light" pitchFamily="34" charset="0"/>
+          <a:latin typeface="Calibri Light" panose="020F0302020204030204" pitchFamily="34" charset="0"/>
           <a:ea typeface="宋体" panose="02010600030101010101" pitchFamily="2" charset="-122"/>
         </a:defRPr>
       </a:lvl7pPr>
@@ -10396,7 +10076,7 @@
           <a:solidFill>
             <a:schemeClr val="tx1"/>
           </a:solidFill>
-          <a:latin typeface="Calibri Light" pitchFamily="34" charset="0"/>
+          <a:latin typeface="Calibri Light" panose="020F0302020204030204" pitchFamily="34" charset="0"/>
           <a:ea typeface="宋体" panose="02010600030101010101" pitchFamily="2" charset="-122"/>
         </a:defRPr>
       </a:lvl8pPr>
@@ -10411,7 +10091,7 @@
           <a:solidFill>
             <a:schemeClr val="tx1"/>
           </a:solidFill>
-          <a:latin typeface="Calibri Light" pitchFamily="34" charset="0"/>
+          <a:latin typeface="Calibri Light" panose="020F0302020204030204" pitchFamily="34" charset="0"/>
           <a:ea typeface="宋体" panose="02010600030101010101" pitchFamily="2" charset="-122"/>
         </a:defRPr>
       </a:lvl9pPr>
@@ -10724,13 +10404,7 @@
           <p:nvPr/>
         </p:nvPicPr>
         <p:blipFill>
-          <a:blip r:embed="rId2" cstate="email">
-            <a:extLst>
-              <a:ext uri="{28A0092B-C50C-407E-A947-70E740481C1C}">
-                <a14:useLocalDpi xmlns:a14="http://schemas.microsoft.com/office/drawing/2010/main"/>
-              </a:ext>
-            </a:extLst>
-          </a:blip>
+          <a:blip r:embed="rId1" cstate="email"/>
           <a:srcRect/>
           <a:stretch>
             <a:fillRect/>
@@ -10778,13 +10452,7 @@
           <p:nvPr/>
         </p:nvPicPr>
         <p:blipFill>
-          <a:blip r:embed="rId3" cstate="email">
-            <a:extLst>
-              <a:ext uri="{28A0092B-C50C-407E-A947-70E740481C1C}">
-                <a14:useLocalDpi xmlns:a14="http://schemas.microsoft.com/office/drawing/2010/main"/>
-              </a:ext>
-            </a:extLst>
-          </a:blip>
+          <a:blip r:embed="rId2" cstate="email"/>
           <a:srcRect/>
           <a:stretch>
             <a:fillRect/>
@@ -10832,13 +10500,7 @@
           <p:nvPr/>
         </p:nvPicPr>
         <p:blipFill>
-          <a:blip r:embed="rId4" cstate="email">
-            <a:extLst>
-              <a:ext uri="{28A0092B-C50C-407E-A947-70E740481C1C}">
-                <a14:useLocalDpi xmlns:a14="http://schemas.microsoft.com/office/drawing/2010/main"/>
-              </a:ext>
-            </a:extLst>
-          </a:blip>
+          <a:blip r:embed="rId3" cstate="email"/>
           <a:srcRect/>
           <a:stretch>
             <a:fillRect/>
@@ -10886,13 +10548,7 @@
           <p:nvPr/>
         </p:nvPicPr>
         <p:blipFill>
-          <a:blip r:embed="rId5" cstate="email">
-            <a:extLst>
-              <a:ext uri="{28A0092B-C50C-407E-A947-70E740481C1C}">
-                <a14:useLocalDpi xmlns:a14="http://schemas.microsoft.com/office/drawing/2010/main"/>
-              </a:ext>
-            </a:extLst>
-          </a:blip>
+          <a:blip r:embed="rId4" cstate="email"/>
           <a:srcRect/>
           <a:stretch>
             <a:fillRect/>
@@ -10940,13 +10596,7 @@
           <p:nvPr/>
         </p:nvPicPr>
         <p:blipFill>
-          <a:blip r:embed="rId5" cstate="email">
-            <a:extLst>
-              <a:ext uri="{28A0092B-C50C-407E-A947-70E740481C1C}">
-                <a14:useLocalDpi xmlns:a14="http://schemas.microsoft.com/office/drawing/2010/main"/>
-              </a:ext>
-            </a:extLst>
-          </a:blip>
+          <a:blip r:embed="rId4" cstate="email"/>
           <a:srcRect/>
           <a:stretch>
             <a:fillRect/>
@@ -11150,6 +10800,12 @@
               </a:rPr>
               <a:t>欢迎观看！</a:t>
             </a:r>
+            <a:endParaRPr lang="zh-CN" altLang="en-US" sz="2400" b="1" dirty="0">
+              <a:solidFill>
+                <a:srgbClr val="777777"/>
+              </a:solidFill>
+              <a:ea typeface="微软雅黑" panose="020B0503020204020204" pitchFamily="34" charset="-122"/>
+            </a:endParaRPr>
           </a:p>
         </p:txBody>
       </p:sp>
@@ -11347,7 +11003,7 @@
               <p:cTn id="2" dur="indefinite" nodeType="mainSeq">
                 <p:childTnLst>
                   <p:par>
-                    <p:cTn id="3" fill="hold" nodeType="clickPar">
+                    <p:cTn id="3" fill="hold">
                       <p:stCondLst>
                         <p:cond delay="indefinite"/>
                         <p:cond evt="onBegin" delay="0">
@@ -11356,7 +11012,7 @@
                       </p:stCondLst>
                       <p:childTnLst>
                         <p:par>
-                          <p:cTn id="4" fill="hold" nodeType="withGroup">
+                          <p:cTn id="4" fill="hold">
                             <p:stCondLst>
                               <p:cond delay="0"/>
                             </p:stCondLst>
@@ -11446,7 +11102,7 @@
                           </p:cTn>
                         </p:par>
                         <p:par>
-                          <p:cTn id="10" fill="hold" nodeType="afterGroup">
+                          <p:cTn id="10" fill="hold">
                             <p:stCondLst>
                               <p:cond delay="500"/>
                             </p:stCondLst>
@@ -11563,9 +11219,9 @@
                           </p:cTn>
                         </p:par>
                         <p:par>
-                          <p:cTn id="18" fill="hold" nodeType="afterGroup">
+                          <p:cTn id="18" fill="hold">
                             <p:stCondLst>
-                              <p:cond delay="1500"/>
+                              <p:cond delay="1100"/>
                             </p:stCondLst>
                             <p:childTnLst>
                               <p:par>
@@ -11726,13 +11382,7 @@
       </p:grpSpPr>
       <p:sp>
         <p:nvSpPr>
-          <p:cNvPr id="2" name="矩形 1">
-            <a:extLst>
-              <a:ext uri="{FF2B5EF4-FFF2-40B4-BE49-F238E27FC236}">
-                <a16:creationId xmlns:a16="http://schemas.microsoft.com/office/drawing/2014/main" id="{356BEA1B-EC87-4DCE-8132-0B967D4D22F1}"/>
-              </a:ext>
-            </a:extLst>
-          </p:cNvPr>
+          <p:cNvPr id="2" name="矩形 1"/>
           <p:cNvSpPr/>
           <p:nvPr/>
         </p:nvSpPr>
@@ -11767,13 +11417,7 @@
       </p:sp>
       <p:sp>
         <p:nvSpPr>
-          <p:cNvPr id="3" name="文本框 2">
-            <a:extLst>
-              <a:ext uri="{FF2B5EF4-FFF2-40B4-BE49-F238E27FC236}">
-                <a16:creationId xmlns:a16="http://schemas.microsoft.com/office/drawing/2014/main" id="{82A59AA0-51C5-4620-9101-508425FB679F}"/>
-              </a:ext>
-            </a:extLst>
-          </p:cNvPr>
+          <p:cNvPr id="3" name="文本框 2"/>
           <p:cNvSpPr txBox="1"/>
           <p:nvPr/>
         </p:nvSpPr>
@@ -11816,6 +11460,7 @@
               <a:rPr lang="zh-CN" altLang="en-US" dirty="0"/>
               <a:t>之后便是学习制作个人项目报告，这是我第一次上手写这些东西，大概了解了流程，学会了画流程图的方法。</a:t>
             </a:r>
+            <a:endParaRPr lang="zh-CN" altLang="en-US" dirty="0"/>
           </a:p>
           <a:p>
             <a:r>
@@ -11838,15 +11483,11 @@
               <a:rPr lang="zh-CN" altLang="en-US" dirty="0"/>
               <a:t>时间终于自主万和城能了自己的功能模块，成功完成任务，没给小组拖后腿，我感到很高兴。</a:t>
             </a:r>
+            <a:endParaRPr lang="zh-CN" altLang="en-US" dirty="0"/>
           </a:p>
         </p:txBody>
       </p:sp>
     </p:spTree>
-    <p:extLst>
-      <p:ext uri="{BB962C8B-B14F-4D97-AF65-F5344CB8AC3E}">
-        <p14:creationId xmlns:p14="http://schemas.microsoft.com/office/powerpoint/2010/main" val="3786740947"/>
-      </p:ext>
-    </p:extLst>
   </p:cSld>
   <p:clrMapOvr>
     <a:masterClrMapping/>
@@ -11871,12 +11512,185 @@
           <a:chExt cx="0" cy="0"/>
         </a:xfrm>
       </p:grpSpPr>
+      <p:sp>
+        <p:nvSpPr>
+          <p:cNvPr id="2" name="矩形 1"/>
+          <p:cNvSpPr/>
+          <p:nvPr/>
+        </p:nvSpPr>
+        <p:spPr>
+          <a:xfrm>
+            <a:off x="218804" y="640080"/>
+            <a:ext cx="2926080" cy="368300"/>
+          </a:xfrm>
+          <a:prstGeom prst="rect">
+            <a:avLst/>
+          </a:prstGeom>
+        </p:spPr>
+        <p:txBody>
+          <a:bodyPr wrap="none">
+            <a:spAutoFit/>
+          </a:bodyPr>
+          <a:p>
+            <a:r>
+              <a:rPr lang="zh-CN" altLang="en-US" b="1" noProof="1">
+                <a:solidFill>
+                  <a:srgbClr val="777777"/>
+                </a:solidFill>
+                <a:latin typeface="微软雅黑" panose="020B0503020204020204" pitchFamily="34" charset="-122"/>
+                <a:ea typeface="微软雅黑" panose="020B0503020204020204" pitchFamily="34" charset="-122"/>
+              </a:rPr>
+              <a:t>熊伟的总结、体会、评价：</a:t>
+            </a:r>
+            <a:endParaRPr lang="zh-CN" altLang="en-US" dirty="0"/>
+          </a:p>
+        </p:txBody>
+      </p:sp>
+      <p:sp>
+        <p:nvSpPr>
+          <p:cNvPr id="3" name="文本框 2"/>
+          <p:cNvSpPr txBox="1"/>
+          <p:nvPr/>
+        </p:nvSpPr>
+        <p:spPr>
+          <a:xfrm>
+            <a:off x="876693" y="1566148"/>
+            <a:ext cx="10246936" cy="5323205"/>
+          </a:xfrm>
+          <a:prstGeom prst="rect">
+            <a:avLst/>
+          </a:prstGeom>
+          <a:noFill/>
+        </p:spPr>
+        <p:txBody>
+          <a:bodyPr wrap="square" rtlCol="0">
+            <a:spAutoFit/>
+          </a:bodyPr>
+          <a:p>
+            <a:r>
+              <a:rPr sz="2000" dirty="0">
+                <a:latin typeface="楷体" panose="02010609060101010101" charset="-122"/>
+                <a:ea typeface="楷体" panose="02010609060101010101" charset="-122"/>
+                <a:cs typeface="楷体" panose="02010609060101010101" charset="-122"/>
+              </a:rPr>
+              <a:t>    这次做项目的过程中我真的学会了很多很多！</a:t>
+            </a:r>
+            <a:endParaRPr sz="2000" dirty="0">
+              <a:latin typeface="楷体" panose="02010609060101010101" charset="-122"/>
+              <a:ea typeface="楷体" panose="02010609060101010101" charset="-122"/>
+              <a:cs typeface="楷体" panose="02010609060101010101" charset="-122"/>
+            </a:endParaRPr>
+          </a:p>
+          <a:p>
+            <a:r>
+              <a:rPr sz="2000" dirty="0">
+                <a:latin typeface="楷体" panose="02010609060101010101" charset="-122"/>
+                <a:ea typeface="楷体" panose="02010609060101010101" charset="-122"/>
+                <a:cs typeface="楷体" panose="02010609060101010101" charset="-122"/>
+              </a:rPr>
+              <a:t>    开始几天是对C语言的复习，在复习过程中我发现自己对C语言已经不熟悉了，在上学期学习C的过程中，我对指针，结构体，文件这一块掌握的不好，通过这个复习过程的多次练习，我已经基本掌握了这些内容，也为后续的“电子词典”代码的编写打下了基础。</a:t>
+            </a:r>
+            <a:endParaRPr sz="2000" dirty="0">
+              <a:latin typeface="楷体" panose="02010609060101010101" charset="-122"/>
+              <a:ea typeface="楷体" panose="02010609060101010101" charset="-122"/>
+              <a:cs typeface="楷体" panose="02010609060101010101" charset="-122"/>
+            </a:endParaRPr>
+          </a:p>
+          <a:p>
+            <a:r>
+              <a:rPr sz="2000" dirty="0">
+                <a:latin typeface="楷体" panose="02010609060101010101" charset="-122"/>
+                <a:ea typeface="楷体" panose="02010609060101010101" charset="-122"/>
+                <a:cs typeface="楷体" panose="02010609060101010101" charset="-122"/>
+              </a:rPr>
+              <a:t>    在写“电子词典”的过程中，有很多函数都是我借鉴网上的大神的，看了他们的方法，我学会了遍历文件、搜索关键词等方法。开始做项目的第一天上午我就做成了项目雏形，其中大部分方法都是从CSDN上学来的，从这一点我真正体会到了“学习”的重要性，真的能够节省很多时间。</a:t>
+            </a:r>
+            <a:endParaRPr sz="2000" dirty="0">
+              <a:latin typeface="楷体" panose="02010609060101010101" charset="-122"/>
+              <a:ea typeface="楷体" panose="02010609060101010101" charset="-122"/>
+              <a:cs typeface="楷体" panose="02010609060101010101" charset="-122"/>
+            </a:endParaRPr>
+          </a:p>
+          <a:p>
+            <a:r>
+              <a:rPr sz="2000" dirty="0">
+                <a:latin typeface="楷体" panose="02010609060101010101" charset="-122"/>
+                <a:ea typeface="楷体" panose="02010609060101010101" charset="-122"/>
+                <a:cs typeface="楷体" panose="02010609060101010101" charset="-122"/>
+              </a:rPr>
+              <a:t>    后在后来完善“电子词典”功能的过程中，我们小组的组员们一起讨论能够添加哪些特色功能，然后“单词听写”“收藏夹”等功能就这样出来了，讲实话，如果让我一个人来做这个项目，这些特色功能我是想不到的，从这一点我也感受到了团队合作的重要性！</a:t>
+            </a:r>
+            <a:endParaRPr sz="2000" dirty="0">
+              <a:latin typeface="楷体" panose="02010609060101010101" charset="-122"/>
+              <a:ea typeface="楷体" panose="02010609060101010101" charset="-122"/>
+              <a:cs typeface="楷体" panose="02010609060101010101" charset="-122"/>
+            </a:endParaRPr>
+          </a:p>
+          <a:p>
+            <a:r>
+              <a:rPr sz="2000" dirty="0">
+                <a:latin typeface="楷体" panose="02010609060101010101" charset="-122"/>
+                <a:ea typeface="楷体" panose="02010609060101010101" charset="-122"/>
+                <a:cs typeface="楷体" panose="02010609060101010101" charset="-122"/>
+              </a:rPr>
+              <a:t>    最后是用MFC完成小组项目，大家一起合作完成这个项目，本应该要轻松许多，但一开始其实并不轻松，因为我们都对MFC这个东西是完全陌生的，于是组长带领大家一起学习MFC的使用，最终我们使用MFC完成了这个项目，</a:t>
+            </a:r>
+            <a:r>
+              <a:rPr sz="2000" b="1" dirty="0">
+                <a:latin typeface="楷体" panose="02010609060101010101" charset="-122"/>
+                <a:ea typeface="楷体" panose="02010609060101010101" charset="-122"/>
+                <a:cs typeface="楷体" panose="02010609060101010101" charset="-122"/>
+              </a:rPr>
+              <a:t>从学习到使用再到完成</a:t>
+            </a:r>
+            <a:r>
+              <a:rPr sz="2000" dirty="0">
+                <a:latin typeface="楷体" panose="02010609060101010101" charset="-122"/>
+                <a:ea typeface="楷体" panose="02010609060101010101" charset="-122"/>
+                <a:cs typeface="楷体" panose="02010609060101010101" charset="-122"/>
+              </a:rPr>
+              <a:t>，虽然只有短短几天时间，但我们的成就却并不小，做完这个之后我们都挺有</a:t>
+            </a:r>
+            <a:r>
+              <a:rPr sz="2000" b="1" dirty="0">
+                <a:latin typeface="楷体" panose="02010609060101010101" charset="-122"/>
+                <a:ea typeface="楷体" panose="02010609060101010101" charset="-122"/>
+                <a:cs typeface="楷体" panose="02010609060101010101" charset="-122"/>
+              </a:rPr>
+              <a:t>成就感</a:t>
+            </a:r>
+            <a:r>
+              <a:rPr sz="2000" dirty="0">
+                <a:latin typeface="楷体" panose="02010609060101010101" charset="-122"/>
+                <a:ea typeface="楷体" panose="02010609060101010101" charset="-122"/>
+                <a:cs typeface="楷体" panose="02010609060101010101" charset="-122"/>
+              </a:rPr>
+              <a:t>的！</a:t>
+            </a:r>
+            <a:endParaRPr sz="2000" dirty="0">
+              <a:latin typeface="楷体" panose="02010609060101010101" charset="-122"/>
+              <a:ea typeface="楷体" panose="02010609060101010101" charset="-122"/>
+              <a:cs typeface="楷体" panose="02010609060101010101" charset="-122"/>
+            </a:endParaRPr>
+          </a:p>
+          <a:p>
+            <a:r>
+              <a:rPr sz="2000" dirty="0">
+                <a:latin typeface="楷体" panose="02010609060101010101" charset="-122"/>
+                <a:ea typeface="楷体" panose="02010609060101010101" charset="-122"/>
+                <a:cs typeface="楷体" panose="02010609060101010101" charset="-122"/>
+              </a:rPr>
+              <a:t>    很幸运能够参加这次暑假实训，真的让我学会了很多，感谢老师的帮助，感谢组员们的帮助！</a:t>
+            </a:r>
+            <a:endParaRPr sz="2000" dirty="0">
+              <a:latin typeface="楷体" panose="02010609060101010101" charset="-122"/>
+              <a:ea typeface="楷体" panose="02010609060101010101" charset="-122"/>
+              <a:cs typeface="楷体" panose="02010609060101010101" charset="-122"/>
+            </a:endParaRPr>
+          </a:p>
+        </p:txBody>
+      </p:sp>
     </p:spTree>
-    <p:extLst>
-      <p:ext uri="{BB962C8B-B14F-4D97-AF65-F5344CB8AC3E}">
-        <p14:creationId xmlns:p14="http://schemas.microsoft.com/office/powerpoint/2010/main" val="251605402"/>
-      </p:ext>
-    </p:extLst>
   </p:cSld>
   <p:clrMapOvr>
     <a:masterClrMapping/>
@@ -11910,13 +11724,7 @@
           <p:nvPr/>
         </p:nvPicPr>
         <p:blipFill>
-          <a:blip r:embed="rId2" cstate="email">
-            <a:extLst>
-              <a:ext uri="{28A0092B-C50C-407E-A947-70E740481C1C}">
-                <a14:useLocalDpi xmlns:a14="http://schemas.microsoft.com/office/drawing/2010/main"/>
-              </a:ext>
-            </a:extLst>
-          </a:blip>
+          <a:blip r:embed="rId1" cstate="email"/>
           <a:srcRect/>
           <a:stretch>
             <a:fillRect/>
@@ -11964,13 +11772,7 @@
           <p:nvPr/>
         </p:nvPicPr>
         <p:blipFill>
-          <a:blip r:embed="rId3" cstate="email">
-            <a:extLst>
-              <a:ext uri="{28A0092B-C50C-407E-A947-70E740481C1C}">
-                <a14:useLocalDpi xmlns:a14="http://schemas.microsoft.com/office/drawing/2010/main"/>
-              </a:ext>
-            </a:extLst>
-          </a:blip>
+          <a:blip r:embed="rId2" cstate="email"/>
           <a:srcRect/>
           <a:stretch>
             <a:fillRect/>
@@ -12018,13 +11820,7 @@
           <p:nvPr/>
         </p:nvPicPr>
         <p:blipFill>
-          <a:blip r:embed="rId4" cstate="email">
-            <a:extLst>
-              <a:ext uri="{28A0092B-C50C-407E-A947-70E740481C1C}">
-                <a14:useLocalDpi xmlns:a14="http://schemas.microsoft.com/office/drawing/2010/main"/>
-              </a:ext>
-            </a:extLst>
-          </a:blip>
+          <a:blip r:embed="rId3" cstate="email"/>
           <a:srcRect/>
           <a:stretch>
             <a:fillRect/>
@@ -12072,13 +11868,7 @@
           <p:nvPr/>
         </p:nvPicPr>
         <p:blipFill>
-          <a:blip r:embed="rId5" cstate="email">
-            <a:extLst>
-              <a:ext uri="{28A0092B-C50C-407E-A947-70E740481C1C}">
-                <a14:useLocalDpi xmlns:a14="http://schemas.microsoft.com/office/drawing/2010/main"/>
-              </a:ext>
-            </a:extLst>
-          </a:blip>
+          <a:blip r:embed="rId4" cstate="email"/>
           <a:srcRect/>
           <a:stretch>
             <a:fillRect/>
@@ -12126,13 +11916,7 @@
           <p:nvPr/>
         </p:nvPicPr>
         <p:blipFill>
-          <a:blip r:embed="rId6" cstate="email">
-            <a:extLst>
-              <a:ext uri="{28A0092B-C50C-407E-A947-70E740481C1C}">
-                <a14:useLocalDpi xmlns:a14="http://schemas.microsoft.com/office/drawing/2010/main"/>
-              </a:ext>
-            </a:extLst>
-          </a:blip>
+          <a:blip r:embed="rId5" cstate="email"/>
           <a:srcRect/>
           <a:stretch>
             <a:fillRect/>
@@ -12341,6 +12125,12 @@
               </a:rPr>
               <a:t>谢谢观看！</a:t>
             </a:r>
+            <a:endParaRPr lang="zh-CN" altLang="en-US" sz="2400" b="1">
+              <a:solidFill>
+                <a:srgbClr val="777777"/>
+              </a:solidFill>
+              <a:ea typeface="微软雅黑" panose="020B0503020204020204" pitchFamily="34" charset="-122"/>
+            </a:endParaRPr>
           </a:p>
         </p:txBody>
       </p:sp>
@@ -12358,7 +12148,7 @@
               <p:cTn id="2" dur="indefinite" nodeType="mainSeq">
                 <p:childTnLst>
                   <p:par>
-                    <p:cTn id="3" fill="hold" nodeType="clickPar">
+                    <p:cTn id="3" fill="hold">
                       <p:stCondLst>
                         <p:cond delay="indefinite"/>
                         <p:cond evt="onBegin" delay="0">
@@ -12367,7 +12157,7 @@
                       </p:stCondLst>
                       <p:childTnLst>
                         <p:par>
-                          <p:cTn id="4" fill="hold" nodeType="withGroup">
+                          <p:cTn id="4" fill="hold">
                             <p:stCondLst>
                               <p:cond delay="0"/>
                             </p:stCondLst>
@@ -12538,7 +12328,7 @@
                           </p:cTn>
                         </p:par>
                         <p:par>
-                          <p:cTn id="15" fill="hold" nodeType="afterGroup">
+                          <p:cTn id="15" fill="hold">
                             <p:stCondLst>
                               <p:cond delay="500"/>
                             </p:stCondLst>
@@ -12743,13 +12533,7 @@
           <p:nvPr/>
         </p:nvPicPr>
         <p:blipFill>
-          <a:blip r:embed="rId2" cstate="email">
-            <a:extLst>
-              <a:ext uri="{28A0092B-C50C-407E-A947-70E740481C1C}">
-                <a14:useLocalDpi xmlns:a14="http://schemas.microsoft.com/office/drawing/2010/main"/>
-              </a:ext>
-            </a:extLst>
-          </a:blip>
+          <a:blip r:embed="rId1" cstate="email"/>
           <a:srcRect/>
           <a:stretch>
             <a:fillRect/>
@@ -12797,13 +12581,7 @@
           <p:nvPr/>
         </p:nvPicPr>
         <p:blipFill>
-          <a:blip r:embed="rId3" cstate="email">
-            <a:extLst>
-              <a:ext uri="{28A0092B-C50C-407E-A947-70E740481C1C}">
-                <a14:useLocalDpi xmlns:a14="http://schemas.microsoft.com/office/drawing/2010/main"/>
-              </a:ext>
-            </a:extLst>
-          </a:blip>
+          <a:blip r:embed="rId2" cstate="email"/>
           <a:srcRect/>
           <a:stretch>
             <a:fillRect/>
@@ -12851,13 +12629,7 @@
           <p:nvPr/>
         </p:nvPicPr>
         <p:blipFill>
-          <a:blip r:embed="rId4" cstate="email">
-            <a:extLst>
-              <a:ext uri="{28A0092B-C50C-407E-A947-70E740481C1C}">
-                <a14:useLocalDpi xmlns:a14="http://schemas.microsoft.com/office/drawing/2010/main"/>
-              </a:ext>
-            </a:extLst>
-          </a:blip>
+          <a:blip r:embed="rId3" cstate="email"/>
           <a:srcRect/>
           <a:stretch>
             <a:fillRect/>
@@ -12905,13 +12677,7 @@
           <p:nvPr/>
         </p:nvPicPr>
         <p:blipFill>
-          <a:blip r:embed="rId5" cstate="email">
-            <a:extLst>
-              <a:ext uri="{28A0092B-C50C-407E-A947-70E740481C1C}">
-                <a14:useLocalDpi xmlns:a14="http://schemas.microsoft.com/office/drawing/2010/main"/>
-              </a:ext>
-            </a:extLst>
-          </a:blip>
+          <a:blip r:embed="rId4" cstate="email"/>
           <a:srcRect/>
           <a:stretch>
             <a:fillRect/>
@@ -12959,13 +12725,7 @@
           <p:nvPr/>
         </p:nvPicPr>
         <p:blipFill>
-          <a:blip r:embed="rId6" cstate="email">
-            <a:extLst>
-              <a:ext uri="{28A0092B-C50C-407E-A947-70E740481C1C}">
-                <a14:useLocalDpi xmlns:a14="http://schemas.microsoft.com/office/drawing/2010/main"/>
-              </a:ext>
-            </a:extLst>
-          </a:blip>
+          <a:blip r:embed="rId5" cstate="email"/>
           <a:srcRect/>
           <a:stretch>
             <a:fillRect/>
@@ -13225,6 +12985,13 @@
               </a:rPr>
               <a:t>模块，模块之间划分得当，项目整体架构简洁明了，分工明确。</a:t>
             </a:r>
+            <a:endParaRPr lang="zh-CN" altLang="en-US" sz="1400" dirty="0">
+              <a:solidFill>
+                <a:srgbClr val="777777"/>
+              </a:solidFill>
+              <a:latin typeface="微软雅黑" panose="020B0503020204020204" pitchFamily="34" charset="-122"/>
+              <a:ea typeface="微软雅黑" panose="020B0503020204020204" pitchFamily="34" charset="-122"/>
+            </a:endParaRPr>
           </a:p>
         </p:txBody>
       </p:sp>
@@ -13398,6 +13165,12 @@
               </a:rPr>
               <a:t>项目简介</a:t>
             </a:r>
+            <a:endParaRPr lang="zh-CN" altLang="en-US" sz="2400" b="1">
+              <a:solidFill>
+                <a:srgbClr val="777777"/>
+              </a:solidFill>
+              <a:ea typeface="微软雅黑" panose="020B0503020204020204" pitchFamily="34" charset="-122"/>
+            </a:endParaRPr>
           </a:p>
         </p:txBody>
       </p:sp>
@@ -13415,7 +13188,7 @@
               <p:cTn id="2" dur="indefinite" nodeType="mainSeq">
                 <p:childTnLst>
                   <p:par>
-                    <p:cTn id="3" fill="hold" nodeType="clickPar">
+                    <p:cTn id="3" fill="hold">
                       <p:stCondLst>
                         <p:cond delay="indefinite"/>
                         <p:cond evt="onBegin" delay="0">
@@ -13424,7 +13197,7 @@
                       </p:stCondLst>
                       <p:childTnLst>
                         <p:par>
-                          <p:cTn id="4" fill="hold" nodeType="withGroup">
+                          <p:cTn id="4" fill="hold">
                             <p:stCondLst>
                               <p:cond delay="0"/>
                             </p:stCondLst>
@@ -13665,9 +13438,9 @@
                           </p:cTn>
                         </p:par>
                         <p:par>
-                          <p:cTn id="21" fill="hold" nodeType="afterGroup">
+                          <p:cTn id="21" fill="hold">
                             <p:stCondLst>
-                              <p:cond delay="1000"/>
+                              <p:cond delay="500"/>
                             </p:stCondLst>
                             <p:childTnLst>
                               <p:par>
@@ -13765,13 +13538,7 @@
           <p:nvPr/>
         </p:nvPicPr>
         <p:blipFill>
-          <a:blip r:embed="rId2" cstate="email">
-            <a:extLst>
-              <a:ext uri="{28A0092B-C50C-407E-A947-70E740481C1C}">
-                <a14:useLocalDpi xmlns:a14="http://schemas.microsoft.com/office/drawing/2010/main"/>
-              </a:ext>
-            </a:extLst>
-          </a:blip>
+          <a:blip r:embed="rId1" cstate="email"/>
           <a:srcRect/>
           <a:stretch>
             <a:fillRect/>
@@ -13819,13 +13586,7 @@
           <p:nvPr/>
         </p:nvPicPr>
         <p:blipFill>
-          <a:blip r:embed="rId3" cstate="email">
-            <a:extLst>
-              <a:ext uri="{28A0092B-C50C-407E-A947-70E740481C1C}">
-                <a14:useLocalDpi xmlns:a14="http://schemas.microsoft.com/office/drawing/2010/main"/>
-              </a:ext>
-            </a:extLst>
-          </a:blip>
+          <a:blip r:embed="rId2" cstate="email"/>
           <a:srcRect/>
           <a:stretch>
             <a:fillRect/>
@@ -13873,13 +13634,7 @@
           <p:nvPr/>
         </p:nvPicPr>
         <p:blipFill>
-          <a:blip r:embed="rId4" cstate="email">
-            <a:extLst>
-              <a:ext uri="{28A0092B-C50C-407E-A947-70E740481C1C}">
-                <a14:useLocalDpi xmlns:a14="http://schemas.microsoft.com/office/drawing/2010/main"/>
-              </a:ext>
-            </a:extLst>
-          </a:blip>
+          <a:blip r:embed="rId3" cstate="email"/>
           <a:srcRect/>
           <a:stretch>
             <a:fillRect/>
@@ -13927,13 +13682,7 @@
           <p:nvPr/>
         </p:nvPicPr>
         <p:blipFill>
-          <a:blip r:embed="rId5" cstate="email">
-            <a:extLst>
-              <a:ext uri="{28A0092B-C50C-407E-A947-70E740481C1C}">
-                <a14:useLocalDpi xmlns:a14="http://schemas.microsoft.com/office/drawing/2010/main"/>
-              </a:ext>
-            </a:extLst>
-          </a:blip>
+          <a:blip r:embed="rId4" cstate="email"/>
           <a:srcRect/>
           <a:stretch>
             <a:fillRect/>
@@ -13981,13 +13730,7 @@
           <p:nvPr/>
         </p:nvPicPr>
         <p:blipFill>
-          <a:blip r:embed="rId6" cstate="email">
-            <a:extLst>
-              <a:ext uri="{28A0092B-C50C-407E-A947-70E740481C1C}">
-                <a14:useLocalDpi xmlns:a14="http://schemas.microsoft.com/office/drawing/2010/main"/>
-              </a:ext>
-            </a:extLst>
-          </a:blip>
+          <a:blip r:embed="rId5" cstate="email"/>
           <a:srcRect/>
           <a:stretch>
             <a:fillRect/>
@@ -14037,7 +13780,7 @@
         <p:spPr bwMode="auto">
           <a:xfrm>
             <a:off x="266700" y="1677489"/>
-            <a:ext cx="5376863" cy="3429272"/>
+            <a:ext cx="5376863" cy="3439795"/>
           </a:xfrm>
           <a:prstGeom prst="rect">
             <a:avLst/>
@@ -14194,7 +13937,37 @@
                 </a:solidFill>
                 <a:ea typeface="微软雅黑" panose="020B0503020204020204" pitchFamily="34" charset="-122"/>
               </a:rPr>
-              <a:t>熊伟</a:t>
+              <a:t>熊伟  </a:t>
+            </a:r>
+            <a:r>
+              <a:rPr lang="zh-CN" altLang="en-US" sz="1800" b="1" dirty="0">
+                <a:solidFill>
+                  <a:srgbClr val="0070C0"/>
+                </a:solidFill>
+                <a:ea typeface="微软雅黑" panose="020B0503020204020204" pitchFamily="34" charset="-122"/>
+                <a:sym typeface="+mn-ea"/>
+              </a:rPr>
+              <a:t>英译汉、汉译英及部分</a:t>
+            </a:r>
+            <a:r>
+              <a:rPr lang="en-US" altLang="zh-CN" sz="1800" b="1" dirty="0">
+                <a:solidFill>
+                  <a:srgbClr val="0070C0"/>
+                </a:solidFill>
+                <a:ea typeface="微软雅黑" panose="020B0503020204020204" pitchFamily="34" charset="-122"/>
+                <a:sym typeface="+mn-ea"/>
+              </a:rPr>
+              <a:t>favorites</a:t>
+            </a:r>
+            <a:r>
+              <a:rPr lang="zh-CN" altLang="en-US" sz="1800" b="1" dirty="0">
+                <a:solidFill>
+                  <a:srgbClr val="0070C0"/>
+                </a:solidFill>
+                <a:ea typeface="微软雅黑" panose="020B0503020204020204" pitchFamily="34" charset="-122"/>
+                <a:sym typeface="+mn-ea"/>
+              </a:rPr>
+              <a:t>功能</a:t>
             </a:r>
             <a:endParaRPr lang="en-US" altLang="zh-CN" sz="2400" b="1" dirty="0">
               <a:solidFill>
@@ -14585,6 +14358,12 @@
               </a:rPr>
               <a:t>詹伟坚</a:t>
             </a:r>
+            <a:endParaRPr lang="zh-CN" altLang="en-US" sz="2000" b="1">
+              <a:solidFill>
+                <a:schemeClr val="bg1"/>
+              </a:solidFill>
+              <a:ea typeface="微软雅黑" panose="020B0503020204020204" pitchFamily="34" charset="-122"/>
+            </a:endParaRPr>
           </a:p>
           <a:p>
             <a:pPr algn="ctr"/>
@@ -14597,6 +14376,12 @@
               </a:rPr>
               <a:t>组员</a:t>
             </a:r>
+            <a:endParaRPr lang="zh-CN" altLang="en-US" sz="1600">
+              <a:solidFill>
+                <a:schemeClr val="bg1"/>
+              </a:solidFill>
+              <a:ea typeface="微软雅黑" panose="020B0503020204020204" pitchFamily="34" charset="-122"/>
+            </a:endParaRPr>
           </a:p>
         </p:txBody>
       </p:sp>
@@ -14766,6 +14551,12 @@
               </a:rPr>
               <a:t>许敏凤</a:t>
             </a:r>
+            <a:endParaRPr lang="zh-CN" altLang="en-US" sz="1400" b="1">
+              <a:solidFill>
+                <a:schemeClr val="bg1"/>
+              </a:solidFill>
+              <a:ea typeface="微软雅黑" panose="020B0503020204020204" pitchFamily="34" charset="-122"/>
+            </a:endParaRPr>
           </a:p>
           <a:p>
             <a:pPr algn="ctr"/>
@@ -14778,6 +14569,12 @@
               </a:rPr>
               <a:t>组员</a:t>
             </a:r>
+            <a:endParaRPr lang="zh-CN" altLang="en-US" sz="1000">
+              <a:solidFill>
+                <a:schemeClr val="bg1"/>
+              </a:solidFill>
+              <a:ea typeface="微软雅黑" panose="020B0503020204020204" pitchFamily="34" charset="-122"/>
+            </a:endParaRPr>
           </a:p>
         </p:txBody>
       </p:sp>
@@ -14964,7 +14761,7 @@
               <p:cTn id="2" dur="indefinite" nodeType="mainSeq">
                 <p:childTnLst>
                   <p:par>
-                    <p:cTn id="3" fill="hold" nodeType="clickPar">
+                    <p:cTn id="3" fill="hold">
                       <p:stCondLst>
                         <p:cond delay="indefinite"/>
                         <p:cond evt="onBegin" delay="0">
@@ -14973,7 +14770,7 @@
                       </p:stCondLst>
                       <p:childTnLst>
                         <p:par>
-                          <p:cTn id="4" fill="hold" nodeType="withGroup">
+                          <p:cTn id="4" fill="hold">
                             <p:stCondLst>
                               <p:cond delay="0"/>
                             </p:stCondLst>
@@ -15302,13 +15099,7 @@
       </p:grpSpPr>
       <p:sp>
         <p:nvSpPr>
-          <p:cNvPr id="2" name="Text Box 7">
-            <a:extLst>
-              <a:ext uri="{FF2B5EF4-FFF2-40B4-BE49-F238E27FC236}">
-                <a16:creationId xmlns:a16="http://schemas.microsoft.com/office/drawing/2014/main" id="{EE019B40-4E47-4F66-889E-7D1D3C67D077}"/>
-              </a:ext>
-            </a:extLst>
-          </p:cNvPr>
+          <p:cNvPr id="2" name="Text Box 7"/>
           <p:cNvSpPr txBox="1"/>
           <p:nvPr/>
         </p:nvSpPr>
@@ -15450,6 +15241,12 @@
               </a:rPr>
               <a:t>功能：</a:t>
             </a:r>
+            <a:endParaRPr lang="zh-CN" altLang="en-US" sz="2400" b="1" noProof="1">
+              <a:solidFill>
+                <a:srgbClr val="777777"/>
+              </a:solidFill>
+              <a:ea typeface="微软雅黑" panose="020B0503020204020204" pitchFamily="34" charset="-122"/>
+            </a:endParaRPr>
           </a:p>
           <a:p>
             <a:pPr marL="0" indent="0" eaLnBrk="1">
@@ -15530,13 +15327,7 @@
       </p:sp>
       <p:sp>
         <p:nvSpPr>
-          <p:cNvPr id="3" name="文本框 2">
-            <a:extLst>
-              <a:ext uri="{FF2B5EF4-FFF2-40B4-BE49-F238E27FC236}">
-                <a16:creationId xmlns:a16="http://schemas.microsoft.com/office/drawing/2014/main" id="{B7F7C060-86F8-4221-A696-E503036BE5AC}"/>
-              </a:ext>
-            </a:extLst>
-          </p:cNvPr>
+          <p:cNvPr id="3" name="文本框 2"/>
           <p:cNvSpPr txBox="1"/>
           <p:nvPr/>
         </p:nvSpPr>
@@ -15622,15 +15413,11 @@
               <a:rPr lang="zh-CN" altLang="en-US" dirty="0"/>
               <a:t>单击退出，显示“是否退出”。选“是”就退出了</a:t>
             </a:r>
+            <a:endParaRPr lang="zh-CN" altLang="en-US" dirty="0"/>
           </a:p>
         </p:txBody>
       </p:sp>
     </p:spTree>
-    <p:extLst>
-      <p:ext uri="{BB962C8B-B14F-4D97-AF65-F5344CB8AC3E}">
-        <p14:creationId xmlns:p14="http://schemas.microsoft.com/office/powerpoint/2010/main" val="568665674"/>
-      </p:ext>
-    </p:extLst>
   </p:cSld>
   <p:clrMapOvr>
     <a:masterClrMapping/>
@@ -15753,13 +15540,7 @@
           <p:nvPr/>
         </p:nvPicPr>
         <p:blipFill>
-          <a:blip r:embed="rId2" cstate="email">
-            <a:extLst>
-              <a:ext uri="{28A0092B-C50C-407E-A947-70E740481C1C}">
-                <a14:useLocalDpi xmlns:a14="http://schemas.microsoft.com/office/drawing/2010/main"/>
-              </a:ext>
-            </a:extLst>
-          </a:blip>
+          <a:blip r:embed="rId1" cstate="email"/>
           <a:srcRect/>
           <a:stretch>
             <a:fillRect/>
@@ -15807,13 +15588,7 @@
           <p:nvPr/>
         </p:nvPicPr>
         <p:blipFill>
-          <a:blip r:embed="rId3" cstate="email">
-            <a:extLst>
-              <a:ext uri="{28A0092B-C50C-407E-A947-70E740481C1C}">
-                <a14:useLocalDpi xmlns:a14="http://schemas.microsoft.com/office/drawing/2010/main"/>
-              </a:ext>
-            </a:extLst>
-          </a:blip>
+          <a:blip r:embed="rId2" cstate="email"/>
           <a:srcRect/>
           <a:stretch>
             <a:fillRect/>
@@ -15861,13 +15636,7 @@
           <p:nvPr/>
         </p:nvPicPr>
         <p:blipFill>
-          <a:blip r:embed="rId4" cstate="email">
-            <a:extLst>
-              <a:ext uri="{28A0092B-C50C-407E-A947-70E740481C1C}">
-                <a14:useLocalDpi xmlns:a14="http://schemas.microsoft.com/office/drawing/2010/main"/>
-              </a:ext>
-            </a:extLst>
-          </a:blip>
+          <a:blip r:embed="rId3" cstate="email"/>
           <a:srcRect/>
           <a:stretch>
             <a:fillRect/>
@@ -15915,13 +15684,7 @@
           <p:nvPr/>
         </p:nvPicPr>
         <p:blipFill>
-          <a:blip r:embed="rId5" cstate="email">
-            <a:extLst>
-              <a:ext uri="{28A0092B-C50C-407E-A947-70E740481C1C}">
-                <a14:useLocalDpi xmlns:a14="http://schemas.microsoft.com/office/drawing/2010/main"/>
-              </a:ext>
-            </a:extLst>
-          </a:blip>
+          <a:blip r:embed="rId4" cstate="email"/>
           <a:srcRect/>
           <a:stretch>
             <a:fillRect/>
@@ -15969,13 +15732,7 @@
           <p:nvPr/>
         </p:nvPicPr>
         <p:blipFill>
-          <a:blip r:embed="rId6" cstate="email">
-            <a:extLst>
-              <a:ext uri="{28A0092B-C50C-407E-A947-70E740481C1C}">
-                <a14:useLocalDpi xmlns:a14="http://schemas.microsoft.com/office/drawing/2010/main"/>
-              </a:ext>
-            </a:extLst>
-          </a:blip>
+          <a:blip r:embed="rId5" cstate="email"/>
           <a:srcRect/>
           <a:stretch>
             <a:fillRect/>
@@ -16022,8 +15779,8 @@
         </p:nvSpPr>
         <p:spPr>
           <a:xfrm>
-            <a:off x="692150" y="1106488"/>
-            <a:ext cx="3568700" cy="1311128"/>
+            <a:off x="692150" y="1096010"/>
+            <a:ext cx="10565765" cy="3966210"/>
           </a:xfrm>
           <a:prstGeom prst="rect">
             <a:avLst/>
@@ -16034,7 +15791,7 @@
           </a:ln>
         </p:spPr>
         <p:txBody>
-          <a:bodyPr>
+          <a:bodyPr wrap="square">
             <a:spAutoFit/>
           </a:bodyPr>
           <a:lstStyle>
@@ -16158,6 +15915,12 @@
               </a:rPr>
               <a:t>功能：</a:t>
             </a:r>
+            <a:endParaRPr lang="zh-CN" altLang="en-US" sz="2400" b="1" noProof="1">
+              <a:solidFill>
+                <a:srgbClr val="777777"/>
+              </a:solidFill>
+              <a:ea typeface="微软雅黑" panose="020B0503020204020204" pitchFamily="34" charset="-122"/>
+            </a:endParaRPr>
           </a:p>
           <a:p>
             <a:pPr marL="0" indent="0" eaLnBrk="1">
@@ -16177,6 +15940,22 @@
               </a:rPr>
               <a:t>查单词（熊伟）：</a:t>
             </a:r>
+            <a:endParaRPr lang="zh-CN" altLang="en-US" sz="2400" b="1" dirty="0">
+              <a:solidFill>
+                <a:srgbClr val="777777"/>
+              </a:solidFill>
+              <a:ea typeface="微软雅黑" panose="020B0503020204020204" pitchFamily="34" charset="-122"/>
+            </a:endParaRPr>
+          </a:p>
+          <a:p>
+            <a:pPr marL="0" indent="0" eaLnBrk="1">
+              <a:spcBef>
+                <a:spcPct val="0"/>
+              </a:spcBef>
+              <a:buFont typeface="Arial" panose="020B0604020202020204" pitchFamily="34" charset="0"/>
+              <a:buNone/>
+              <a:defRPr/>
+            </a:pPr>
             <a:endParaRPr lang="en-US" altLang="zh-CN" sz="2400" b="1" dirty="0">
               <a:solidFill>
                 <a:srgbClr val="777777"/>
@@ -16193,6 +15972,158 @@
               <a:buNone/>
               <a:defRPr/>
             </a:pPr>
+            <a:r>
+              <a:rPr lang="zh-CN" altLang="en-US" sz="2400" b="1" dirty="0">
+                <a:solidFill>
+                  <a:schemeClr val="tx1"/>
+                </a:solidFill>
+                <a:latin typeface="楷体" panose="02010609060101010101" charset="-122"/>
+                <a:ea typeface="楷体" panose="02010609060101010101" charset="-122"/>
+              </a:rPr>
+              <a:t>  实现了英译汉以及汉译英功能。</a:t>
+            </a:r>
+            <a:endParaRPr lang="zh-CN" altLang="en-US" sz="2400" b="1" dirty="0">
+              <a:solidFill>
+                <a:schemeClr val="tx1"/>
+              </a:solidFill>
+              <a:latin typeface="楷体" panose="02010609060101010101" charset="-122"/>
+              <a:ea typeface="楷体" panose="02010609060101010101" charset="-122"/>
+            </a:endParaRPr>
+          </a:p>
+          <a:p>
+            <a:pPr marL="0" indent="0" eaLnBrk="1">
+              <a:spcBef>
+                <a:spcPct val="0"/>
+              </a:spcBef>
+              <a:buFont typeface="Arial" panose="020B0604020202020204" pitchFamily="34" charset="0"/>
+              <a:buNone/>
+              <a:defRPr/>
+            </a:pPr>
+            <a:endParaRPr lang="zh-CN" altLang="en-US" sz="2400" b="1" dirty="0">
+              <a:solidFill>
+                <a:schemeClr val="tx1"/>
+              </a:solidFill>
+              <a:latin typeface="楷体" panose="02010609060101010101" charset="-122"/>
+              <a:ea typeface="楷体" panose="02010609060101010101" charset="-122"/>
+            </a:endParaRPr>
+          </a:p>
+          <a:p>
+            <a:pPr marL="0" indent="0" eaLnBrk="1">
+              <a:spcBef>
+                <a:spcPct val="0"/>
+              </a:spcBef>
+              <a:buFont typeface="Arial" panose="020B0604020202020204" pitchFamily="34" charset="0"/>
+              <a:buNone/>
+              <a:defRPr/>
+            </a:pPr>
+            <a:r>
+              <a:rPr lang="zh-CN" altLang="en-US" sz="2400" b="1" dirty="0">
+                <a:solidFill>
+                  <a:schemeClr val="tx1"/>
+                </a:solidFill>
+                <a:latin typeface="楷体" panose="02010609060101010101" charset="-122"/>
+                <a:ea typeface="楷体" panose="02010609060101010101" charset="-122"/>
+              </a:rPr>
+              <a:t>  英译汉：</a:t>
+            </a:r>
+            <a:endParaRPr lang="zh-CN" altLang="en-US" sz="2400" b="1" dirty="0">
+              <a:solidFill>
+                <a:schemeClr val="tx1"/>
+              </a:solidFill>
+              <a:latin typeface="楷体" panose="02010609060101010101" charset="-122"/>
+              <a:ea typeface="楷体" panose="02010609060101010101" charset="-122"/>
+            </a:endParaRPr>
+          </a:p>
+          <a:p>
+            <a:pPr marL="0" indent="0" eaLnBrk="1">
+              <a:spcBef>
+                <a:spcPct val="0"/>
+              </a:spcBef>
+              <a:buFont typeface="Arial" panose="020B0604020202020204" pitchFamily="34" charset="0"/>
+              <a:buNone/>
+              <a:defRPr/>
+            </a:pPr>
+            <a:r>
+              <a:rPr lang="zh-CN" altLang="en-US" sz="2400" b="1" dirty="0">
+                <a:solidFill>
+                  <a:schemeClr val="tx1"/>
+                </a:solidFill>
+                <a:latin typeface="楷体" panose="02010609060101010101" charset="-122"/>
+                <a:ea typeface="楷体" panose="02010609060101010101" charset="-122"/>
+              </a:rPr>
+              <a:t>        用户输入英文单词，文本框可显示出对应的词条，可根据用户输入部分实时更新文本框。</a:t>
+            </a:r>
+            <a:endParaRPr lang="zh-CN" altLang="en-US" sz="2400" b="1" dirty="0">
+              <a:solidFill>
+                <a:schemeClr val="tx1"/>
+              </a:solidFill>
+              <a:latin typeface="楷体" panose="02010609060101010101" charset="-122"/>
+              <a:ea typeface="楷体" panose="02010609060101010101" charset="-122"/>
+            </a:endParaRPr>
+          </a:p>
+          <a:p>
+            <a:pPr marL="0" indent="0" eaLnBrk="1">
+              <a:spcBef>
+                <a:spcPct val="0"/>
+              </a:spcBef>
+              <a:buFont typeface="Arial" panose="020B0604020202020204" pitchFamily="34" charset="0"/>
+              <a:buNone/>
+              <a:defRPr/>
+            </a:pPr>
+            <a:endParaRPr lang="zh-CN" altLang="en-US" sz="2400" b="1" dirty="0">
+              <a:solidFill>
+                <a:schemeClr val="tx1"/>
+              </a:solidFill>
+              <a:latin typeface="楷体" panose="02010609060101010101" charset="-122"/>
+              <a:ea typeface="楷体" panose="02010609060101010101" charset="-122"/>
+            </a:endParaRPr>
+          </a:p>
+          <a:p>
+            <a:pPr marL="0" indent="0" eaLnBrk="1">
+              <a:spcBef>
+                <a:spcPct val="0"/>
+              </a:spcBef>
+              <a:buFont typeface="Arial" panose="020B0604020202020204" pitchFamily="34" charset="0"/>
+              <a:buNone/>
+              <a:defRPr/>
+            </a:pPr>
+            <a:r>
+              <a:rPr lang="zh-CN" altLang="en-US" sz="2400" b="1" dirty="0">
+                <a:solidFill>
+                  <a:schemeClr val="tx1"/>
+                </a:solidFill>
+                <a:latin typeface="楷体" panose="02010609060101010101" charset="-122"/>
+                <a:ea typeface="楷体" panose="02010609060101010101" charset="-122"/>
+              </a:rPr>
+              <a:t>  汉译英：</a:t>
+            </a:r>
+            <a:endParaRPr lang="zh-CN" altLang="en-US" sz="2400" b="1" dirty="0">
+              <a:solidFill>
+                <a:schemeClr val="tx1"/>
+              </a:solidFill>
+              <a:latin typeface="楷体" panose="02010609060101010101" charset="-122"/>
+              <a:ea typeface="楷体" panose="02010609060101010101" charset="-122"/>
+            </a:endParaRPr>
+          </a:p>
+          <a:p>
+            <a:pPr marL="0" indent="0" eaLnBrk="1">
+              <a:spcBef>
+                <a:spcPct val="0"/>
+              </a:spcBef>
+              <a:buFont typeface="Arial" panose="020B0604020202020204" pitchFamily="34" charset="0"/>
+              <a:buNone/>
+              <a:defRPr/>
+            </a:pPr>
+            <a:r>
+              <a:rPr lang="zh-CN" altLang="en-US" sz="2400" b="1" dirty="0">
+                <a:solidFill>
+                  <a:schemeClr val="tx1"/>
+                </a:solidFill>
+                <a:latin typeface="楷体" panose="02010609060101010101" charset="-122"/>
+                <a:ea typeface="楷体" panose="02010609060101010101" charset="-122"/>
+              </a:rPr>
+              <a:t>        用户输入中文，文本框实时显示出包含有该中文含义的词条。</a:t>
+            </a:r>
             <a:endParaRPr lang="en-US" altLang="zh-CN" sz="2400" b="1" dirty="0">
               <a:solidFill>
                 <a:srgbClr val="777777"/>
@@ -16232,7 +16163,7 @@
               <p:cTn id="2" dur="indefinite" nodeType="mainSeq">
                 <p:childTnLst>
                   <p:par>
-                    <p:cTn id="3" fill="hold" nodeType="clickPar">
+                    <p:cTn id="3" fill="hold">
                       <p:stCondLst>
                         <p:cond delay="indefinite"/>
                         <p:cond evt="onBegin" delay="0">
@@ -16241,7 +16172,7 @@
                       </p:stCondLst>
                       <p:childTnLst>
                         <p:par>
-                          <p:cTn id="4" fill="hold" nodeType="withGroup">
+                          <p:cTn id="4" fill="hold">
                             <p:stCondLst>
                               <p:cond delay="0"/>
                             </p:stCondLst>
@@ -16503,13 +16434,7 @@
           <p:nvPr/>
         </p:nvPicPr>
         <p:blipFill>
-          <a:blip r:embed="rId2" cstate="email">
-            <a:extLst>
-              <a:ext uri="{28A0092B-C50C-407E-A947-70E740481C1C}">
-                <a14:useLocalDpi xmlns:a14="http://schemas.microsoft.com/office/drawing/2010/main"/>
-              </a:ext>
-            </a:extLst>
-          </a:blip>
+          <a:blip r:embed="rId1" cstate="email"/>
           <a:srcRect/>
           <a:stretch>
             <a:fillRect/>
@@ -16557,13 +16482,7 @@
           <p:nvPr/>
         </p:nvPicPr>
         <p:blipFill>
-          <a:blip r:embed="rId3" cstate="email">
-            <a:extLst>
-              <a:ext uri="{28A0092B-C50C-407E-A947-70E740481C1C}">
-                <a14:useLocalDpi xmlns:a14="http://schemas.microsoft.com/office/drawing/2010/main"/>
-              </a:ext>
-            </a:extLst>
-          </a:blip>
+          <a:blip r:embed="rId2" cstate="email"/>
           <a:srcRect/>
           <a:stretch>
             <a:fillRect/>
@@ -16611,13 +16530,7 @@
           <p:nvPr/>
         </p:nvPicPr>
         <p:blipFill>
-          <a:blip r:embed="rId4" cstate="email">
-            <a:extLst>
-              <a:ext uri="{28A0092B-C50C-407E-A947-70E740481C1C}">
-                <a14:useLocalDpi xmlns:a14="http://schemas.microsoft.com/office/drawing/2010/main"/>
-              </a:ext>
-            </a:extLst>
-          </a:blip>
+          <a:blip r:embed="rId3" cstate="email"/>
           <a:srcRect/>
           <a:stretch>
             <a:fillRect/>
@@ -16665,13 +16578,7 @@
           <p:nvPr/>
         </p:nvPicPr>
         <p:blipFill>
-          <a:blip r:embed="rId5" cstate="email">
-            <a:extLst>
-              <a:ext uri="{28A0092B-C50C-407E-A947-70E740481C1C}">
-                <a14:useLocalDpi xmlns:a14="http://schemas.microsoft.com/office/drawing/2010/main"/>
-              </a:ext>
-            </a:extLst>
-          </a:blip>
+          <a:blip r:embed="rId4" cstate="email"/>
           <a:srcRect/>
           <a:stretch>
             <a:fillRect/>
@@ -16719,13 +16626,7 @@
           <p:nvPr/>
         </p:nvPicPr>
         <p:blipFill>
-          <a:blip r:embed="rId6" cstate="email">
-            <a:extLst>
-              <a:ext uri="{28A0092B-C50C-407E-A947-70E740481C1C}">
-                <a14:useLocalDpi xmlns:a14="http://schemas.microsoft.com/office/drawing/2010/main"/>
-              </a:ext>
-            </a:extLst>
-          </a:blip>
+          <a:blip r:embed="rId5" cstate="email"/>
           <a:srcRect/>
           <a:stretch>
             <a:fillRect/>
@@ -16908,6 +16809,12 @@
               </a:rPr>
               <a:t>功能：</a:t>
             </a:r>
+            <a:endParaRPr lang="zh-CN" altLang="en-US" sz="2400" b="1" noProof="1">
+              <a:solidFill>
+                <a:srgbClr val="777777"/>
+              </a:solidFill>
+              <a:ea typeface="微软雅黑" panose="020B0503020204020204" pitchFamily="34" charset="-122"/>
+            </a:endParaRPr>
           </a:p>
           <a:p>
             <a:pPr marL="0" indent="0" eaLnBrk="1">
@@ -16977,6 +16884,12 @@
               </a:rPr>
               <a:t>  随机获取词库中已有的中文释义并将其打印出来，用户需要正确并写出单词。系统会自动判断对错</a:t>
             </a:r>
+            <a:endParaRPr lang="zh-CN" altLang="en-US" sz="1600" b="1" dirty="0">
+              <a:solidFill>
+                <a:srgbClr val="777777"/>
+              </a:solidFill>
+              <a:ea typeface="微软雅黑" panose="020B0503020204020204" pitchFamily="34" charset="-122"/>
+            </a:endParaRPr>
           </a:p>
           <a:p>
             <a:pPr marL="285750" indent="-285750" eaLnBrk="1">
@@ -16997,11 +16910,6 @@
         </p:txBody>
       </p:sp>
     </p:spTree>
-    <p:extLst>
-      <p:ext uri="{BB962C8B-B14F-4D97-AF65-F5344CB8AC3E}">
-        <p14:creationId xmlns:p14="http://schemas.microsoft.com/office/powerpoint/2010/main" val="2733817632"/>
-      </p:ext>
-    </p:extLst>
   </p:cSld>
   <p:clrMapOvr>
     <a:masterClrMapping/>
@@ -17015,7 +16923,7 @@
               <p:cTn id="2" dur="indefinite" nodeType="mainSeq">
                 <p:childTnLst>
                   <p:par>
-                    <p:cTn id="3" fill="hold" nodeType="clickPar">
+                    <p:cTn id="3" fill="hold">
                       <p:stCondLst>
                         <p:cond delay="indefinite"/>
                         <p:cond evt="onBegin" delay="0">
@@ -17024,7 +16932,7 @@
                       </p:stCondLst>
                       <p:childTnLst>
                         <p:par>
-                          <p:cTn id="4" fill="hold" nodeType="withGroup">
+                          <p:cTn id="4" fill="hold">
                             <p:stCondLst>
                               <p:cond delay="0"/>
                             </p:stCondLst>
@@ -17278,11 +17186,6 @@
         </a:xfrm>
       </p:grpSpPr>
     </p:spTree>
-    <p:extLst>
-      <p:ext uri="{BB962C8B-B14F-4D97-AF65-F5344CB8AC3E}">
-        <p14:creationId xmlns:p14="http://schemas.microsoft.com/office/powerpoint/2010/main" val="3080008779"/>
-      </p:ext>
-    </p:extLst>
   </p:cSld>
   <p:clrMapOvr>
     <a:masterClrMapping/>
@@ -17309,13 +17212,7 @@
       </p:grpSpPr>
       <p:sp>
         <p:nvSpPr>
-          <p:cNvPr id="2" name="文本框 1">
-            <a:extLst>
-              <a:ext uri="{FF2B5EF4-FFF2-40B4-BE49-F238E27FC236}">
-                <a16:creationId xmlns:a16="http://schemas.microsoft.com/office/drawing/2014/main" id="{B51FFF96-07FC-49AB-BBE7-EAB48C4859DD}"/>
-              </a:ext>
-            </a:extLst>
-          </p:cNvPr>
+          <p:cNvPr id="2" name="文本框 1"/>
           <p:cNvSpPr txBox="1"/>
           <p:nvPr/>
         </p:nvSpPr>
@@ -17339,15 +17236,11 @@
               <a:rPr lang="zh-CN" altLang="en-US" sz="4800" dirty="0"/>
               <a:t>总结部分</a:t>
             </a:r>
+            <a:endParaRPr lang="zh-CN" altLang="en-US" sz="4800" dirty="0"/>
           </a:p>
         </p:txBody>
       </p:sp>
     </p:spTree>
-    <p:extLst>
-      <p:ext uri="{BB962C8B-B14F-4D97-AF65-F5344CB8AC3E}">
-        <p14:creationId xmlns:p14="http://schemas.microsoft.com/office/powerpoint/2010/main" val="375229243"/>
-      </p:ext>
-    </p:extLst>
   </p:cSld>
   <p:clrMapOvr>
     <a:masterClrMapping/>
@@ -17374,13 +17267,7 @@
       </p:grpSpPr>
       <p:sp>
         <p:nvSpPr>
-          <p:cNvPr id="2" name="矩形 1">
-            <a:extLst>
-              <a:ext uri="{FF2B5EF4-FFF2-40B4-BE49-F238E27FC236}">
-                <a16:creationId xmlns:a16="http://schemas.microsoft.com/office/drawing/2014/main" id="{356BEA1B-EC87-4DCE-8132-0B967D4D22F1}"/>
-              </a:ext>
-            </a:extLst>
-          </p:cNvPr>
+          <p:cNvPr id="2" name="矩形 1"/>
           <p:cNvSpPr/>
           <p:nvPr/>
         </p:nvSpPr>
@@ -17548,15 +17435,11 @@
               <a:rPr lang="zh-CN" altLang="en-US" dirty="0"/>
               <a:t>收获还是很大的</a:t>
             </a:r>
+            <a:endParaRPr lang="zh-CN" altLang="en-US" dirty="0"/>
           </a:p>
         </p:txBody>
       </p:sp>
     </p:spTree>
-    <p:extLst>
-      <p:ext uri="{BB962C8B-B14F-4D97-AF65-F5344CB8AC3E}">
-        <p14:creationId xmlns:p14="http://schemas.microsoft.com/office/powerpoint/2010/main" val="834949214"/>
-      </p:ext>
-    </p:extLst>
   </p:cSld>
   <p:clrMapOvr>
     <a:masterClrMapping/>
@@ -19005,8 +18888,6 @@
       </a:bgFillStyleLst>
     </a:fmtScheme>
   </a:themeElements>
-  <a:objectDefaults/>
-  <a:extraClrSchemeLst/>
   <a:extLst>
     <a:ext uri="{05A4C25C-085E-4340-85A3-A5531E510DB2}">
       <thm15:themeFamily xmlns:thm15="http://schemas.microsoft.com/office/thememl/2012/main" name="Office Theme" id="{62F939B6-93AF-4DB8-9C6B-D6C7DFDC589F}" vid="{4A3C46E8-61CC-4603-A589-7422A47A8E4A}"/>

--- a/项目答辩总ppt.pptx
+++ b/项目答辩总ppt.pptx
@@ -3,15 +3,16 @@
 <p:presentation xmlns:a="http://schemas.openxmlformats.org/drawingml/2006/main" xmlns:r="http://schemas.openxmlformats.org/officeDocument/2006/relationships" xmlns:p="http://schemas.openxmlformats.org/presentationml/2006/main">
   <p:sldMasterIdLst>
     <p:sldMasterId id="2147483648" r:id="rId1"/>
-    <p:sldMasterId id="2147483660" r:id="rId3"/>
-    <p:sldMasterId id="2147483672" r:id="rId4"/>
+    <p:sldMasterId id="2147483660" r:id="rId2"/>
+    <p:sldMasterId id="2147483672" r:id="rId3"/>
   </p:sldMasterIdLst>
   <p:notesMasterIdLst>
-    <p:notesMasterId r:id="rId17"/>
+    <p:notesMasterId r:id="rId18"/>
   </p:notesMasterIdLst>
   <p:sldIdLst>
-    <p:sldId id="256" r:id="rId5"/>
-    <p:sldId id="318" r:id="rId6"/>
+    <p:sldId id="256" r:id="rId4"/>
+    <p:sldId id="318" r:id="rId5"/>
+    <p:sldId id="327" r:id="rId6"/>
     <p:sldId id="290" r:id="rId7"/>
     <p:sldId id="326" r:id="rId8"/>
     <p:sldId id="295" r:id="rId9"/>
@@ -21,7 +22,8 @@
     <p:sldId id="319" r:id="rId13"/>
     <p:sldId id="325" r:id="rId14"/>
     <p:sldId id="322" r:id="rId15"/>
-    <p:sldId id="279" r:id="rId16"/>
+    <p:sldId id="328" r:id="rId16"/>
+    <p:sldId id="279" r:id="rId17"/>
   </p:sldIdLst>
   <p:sldSz cx="12192000" cy="6858000"/>
   <p:notesSz cx="6858000" cy="9144000"/>
@@ -155,6 +157,22 @@
       </a:defRPr>
     </a:lvl9pPr>
   </p:defaultTextStyle>
+  <p:extLst>
+    <p:ext uri="{EFAFB233-063F-42B5-8137-9DF3F51BA10A}">
+      <p15:sldGuideLst xmlns:p15="http://schemas.microsoft.com/office/powerpoint/2012/main">
+        <p15:guide id="1" orient="horz" pos="2165">
+          <p15:clr>
+            <a:srgbClr val="A4A3A4"/>
+          </p15:clr>
+        </p15:guide>
+        <p15:guide id="2" pos="3840">
+          <p15:clr>
+            <a:srgbClr val="A4A3A4"/>
+          </p15:clr>
+        </p15:guide>
+      </p15:sldGuideLst>
+    </p:ext>
+  </p:extLst>
 </p:presentation>
 </file>
 
@@ -258,7 +276,6 @@
               <a:rPr lang="zh-CN" noProof="0"/>
               <a:t>单击此处编辑母版文本样式</a:t>
             </a:r>
-            <a:endParaRPr lang="zh-CN" noProof="0"/>
           </a:p>
           <a:p>
             <a:pPr lvl="1"/>
@@ -266,7 +283,6 @@
               <a:rPr lang="zh-CN" noProof="0"/>
               <a:t>第二级</a:t>
             </a:r>
-            <a:endParaRPr lang="zh-CN" noProof="0"/>
           </a:p>
           <a:p>
             <a:pPr lvl="2"/>
@@ -274,7 +290,6 @@
               <a:rPr lang="zh-CN" noProof="0"/>
               <a:t>第三级</a:t>
             </a:r>
-            <a:endParaRPr lang="zh-CN" noProof="0"/>
           </a:p>
           <a:p>
             <a:pPr lvl="3"/>
@@ -282,7 +297,6 @@
               <a:rPr lang="zh-CN" noProof="0"/>
               <a:t>第四级</a:t>
             </a:r>
-            <a:endParaRPr lang="zh-CN" noProof="0"/>
           </a:p>
           <a:p>
             <a:pPr lvl="4"/>
@@ -290,7 +304,6 @@
               <a:rPr lang="zh-CN" noProof="0"/>
               <a:t>第五级</a:t>
             </a:r>
-            <a:endParaRPr lang="zh-CN" noProof="0"/>
           </a:p>
         </p:txBody>
       </p:sp>
@@ -447,6 +460,7 @@
           <a:p>
             <a:fld id="{92EDF170-FC22-4FFF-B31B-4310B2AB7759}" type="slidenum">
               <a:rPr lang="zh-CN" altLang="en-US"/>
+              <a:t>‹#›</a:t>
             </a:fld>
             <a:endParaRPr lang="zh-CN" altLang="en-US"/>
           </a:p>
@@ -621,7 +635,6 @@
               <a:rPr lang="zh-CN" altLang="en-US" noProof="1"/>
               <a:t>单击此处编辑母版标题样式</a:t>
             </a:r>
-            <a:endParaRPr lang="zh-CN" altLang="en-US" noProof="1"/>
           </a:p>
         </p:txBody>
       </p:sp>
@@ -686,7 +699,6 @@
               <a:rPr lang="zh-CN" altLang="en-US" noProof="1"/>
               <a:t>单击此处编辑母版副标题样式</a:t>
             </a:r>
-            <a:endParaRPr lang="zh-CN" altLang="en-US" noProof="1"/>
           </a:p>
         </p:txBody>
       </p:sp>
@@ -763,6 +775,7 @@
           <a:p>
             <a:fld id="{A552AB89-C5E4-46E4-9008-B7A1631BF54F}" type="slidenum">
               <a:rPr lang="zh-CN" altLang="en-US"/>
+              <a:t>‹#›</a:t>
             </a:fld>
             <a:endParaRPr lang="zh-CN" altLang="en-US"/>
           </a:p>
@@ -812,7 +825,6 @@
               <a:rPr lang="zh-CN" altLang="en-US" noProof="1"/>
               <a:t>单击此处编辑母版标题样式</a:t>
             </a:r>
-            <a:endParaRPr lang="zh-CN" altLang="en-US" noProof="1"/>
           </a:p>
         </p:txBody>
       </p:sp>
@@ -836,7 +848,6 @@
               <a:rPr lang="zh-CN" altLang="en-US" noProof="1"/>
               <a:t>单击此处编辑母版文本样式</a:t>
             </a:r>
-            <a:endParaRPr lang="zh-CN" altLang="en-US" noProof="1"/>
           </a:p>
           <a:p>
             <a:pPr lvl="1"/>
@@ -844,7 +855,6 @@
               <a:rPr lang="zh-CN" altLang="en-US" noProof="1"/>
               <a:t>第二级</a:t>
             </a:r>
-            <a:endParaRPr lang="zh-CN" altLang="en-US" noProof="1"/>
           </a:p>
           <a:p>
             <a:pPr lvl="2"/>
@@ -852,7 +862,6 @@
               <a:rPr lang="zh-CN" altLang="en-US" noProof="1"/>
               <a:t>第三级</a:t>
             </a:r>
-            <a:endParaRPr lang="zh-CN" altLang="en-US" noProof="1"/>
           </a:p>
           <a:p>
             <a:pPr lvl="3"/>
@@ -860,7 +869,6 @@
               <a:rPr lang="zh-CN" altLang="en-US" noProof="1"/>
               <a:t>第四级</a:t>
             </a:r>
-            <a:endParaRPr lang="zh-CN" altLang="en-US" noProof="1"/>
           </a:p>
           <a:p>
             <a:pPr lvl="4"/>
@@ -868,7 +876,6 @@
               <a:rPr lang="zh-CN" altLang="en-US" noProof="1"/>
               <a:t>第五级</a:t>
             </a:r>
-            <a:endParaRPr lang="zh-CN" altLang="en-US" noProof="1"/>
           </a:p>
         </p:txBody>
       </p:sp>
@@ -945,6 +952,7 @@
           <a:p>
             <a:fld id="{3C42EF91-7F16-4813-A1A6-28B95A302C2E}" type="slidenum">
               <a:rPr lang="zh-CN" altLang="en-US"/>
+              <a:t>‹#›</a:t>
             </a:fld>
             <a:endParaRPr lang="zh-CN" altLang="en-US"/>
           </a:p>
@@ -999,7 +1007,6 @@
               <a:rPr lang="zh-CN" altLang="en-US" noProof="1"/>
               <a:t>单击此处编辑母版标题样式</a:t>
             </a:r>
-            <a:endParaRPr lang="zh-CN" altLang="en-US" noProof="1"/>
           </a:p>
         </p:txBody>
       </p:sp>
@@ -1028,7 +1035,6 @@
               <a:rPr lang="zh-CN" altLang="en-US" noProof="1"/>
               <a:t>单击此处编辑母版文本样式</a:t>
             </a:r>
-            <a:endParaRPr lang="zh-CN" altLang="en-US" noProof="1"/>
           </a:p>
           <a:p>
             <a:pPr lvl="1"/>
@@ -1036,7 +1042,6 @@
               <a:rPr lang="zh-CN" altLang="en-US" noProof="1"/>
               <a:t>第二级</a:t>
             </a:r>
-            <a:endParaRPr lang="zh-CN" altLang="en-US" noProof="1"/>
           </a:p>
           <a:p>
             <a:pPr lvl="2"/>
@@ -1044,7 +1049,6 @@
               <a:rPr lang="zh-CN" altLang="en-US" noProof="1"/>
               <a:t>第三级</a:t>
             </a:r>
-            <a:endParaRPr lang="zh-CN" altLang="en-US" noProof="1"/>
           </a:p>
           <a:p>
             <a:pPr lvl="3"/>
@@ -1052,7 +1056,6 @@
               <a:rPr lang="zh-CN" altLang="en-US" noProof="1"/>
               <a:t>第四级</a:t>
             </a:r>
-            <a:endParaRPr lang="zh-CN" altLang="en-US" noProof="1"/>
           </a:p>
           <a:p>
             <a:pPr lvl="4"/>
@@ -1060,7 +1063,6 @@
               <a:rPr lang="zh-CN" altLang="en-US" noProof="1"/>
               <a:t>第五级</a:t>
             </a:r>
-            <a:endParaRPr lang="zh-CN" altLang="en-US" noProof="1"/>
           </a:p>
         </p:txBody>
       </p:sp>
@@ -1137,6 +1139,7 @@
           <a:p>
             <a:fld id="{9F9646EF-CFFA-4291-A938-B16EAAFFC21F}" type="slidenum">
               <a:rPr lang="zh-CN" altLang="en-US"/>
+              <a:t>‹#›</a:t>
             </a:fld>
             <a:endParaRPr lang="zh-CN" altLang="en-US"/>
           </a:p>
@@ -1191,7 +1194,6 @@
               <a:rPr lang="zh-CN" altLang="en-US" noProof="1"/>
               <a:t>单击此处编辑母版标题样式</a:t>
             </a:r>
-            <a:endParaRPr lang="zh-CN" altLang="en-US" noProof="1"/>
           </a:p>
         </p:txBody>
       </p:sp>
@@ -1256,7 +1258,6 @@
               <a:rPr lang="zh-CN" altLang="en-US" noProof="1"/>
               <a:t>单击此处编辑母版副标题样式</a:t>
             </a:r>
-            <a:endParaRPr lang="zh-CN" altLang="en-US" noProof="1"/>
           </a:p>
         </p:txBody>
       </p:sp>
@@ -1333,6 +1334,7 @@
           <a:p>
             <a:fld id="{8B0FD704-1505-4148-BB19-F3A6623C5230}" type="slidenum">
               <a:rPr lang="zh-CN" altLang="en-US"/>
+              <a:t>‹#›</a:t>
             </a:fld>
             <a:endParaRPr lang="zh-CN" altLang="en-US"/>
           </a:p>
@@ -1382,7 +1384,6 @@
               <a:rPr lang="zh-CN" altLang="en-US" noProof="1"/>
               <a:t>单击此处编辑母版标题样式</a:t>
             </a:r>
-            <a:endParaRPr lang="zh-CN" altLang="en-US" noProof="1"/>
           </a:p>
         </p:txBody>
       </p:sp>
@@ -1406,7 +1407,6 @@
               <a:rPr lang="zh-CN" altLang="en-US" noProof="1"/>
               <a:t>单击此处编辑母版文本样式</a:t>
             </a:r>
-            <a:endParaRPr lang="zh-CN" altLang="en-US" noProof="1"/>
           </a:p>
           <a:p>
             <a:pPr lvl="1"/>
@@ -1414,7 +1414,6 @@
               <a:rPr lang="zh-CN" altLang="en-US" noProof="1"/>
               <a:t>第二级</a:t>
             </a:r>
-            <a:endParaRPr lang="zh-CN" altLang="en-US" noProof="1"/>
           </a:p>
           <a:p>
             <a:pPr lvl="2"/>
@@ -1422,7 +1421,6 @@
               <a:rPr lang="zh-CN" altLang="en-US" noProof="1"/>
               <a:t>第三级</a:t>
             </a:r>
-            <a:endParaRPr lang="zh-CN" altLang="en-US" noProof="1"/>
           </a:p>
           <a:p>
             <a:pPr lvl="3"/>
@@ -1430,7 +1428,6 @@
               <a:rPr lang="zh-CN" altLang="en-US" noProof="1"/>
               <a:t>第四级</a:t>
             </a:r>
-            <a:endParaRPr lang="zh-CN" altLang="en-US" noProof="1"/>
           </a:p>
           <a:p>
             <a:pPr lvl="4"/>
@@ -1438,7 +1435,6 @@
               <a:rPr lang="zh-CN" altLang="en-US" noProof="1"/>
               <a:t>第五级</a:t>
             </a:r>
-            <a:endParaRPr lang="zh-CN" altLang="en-US" noProof="1"/>
           </a:p>
         </p:txBody>
       </p:sp>
@@ -1515,6 +1511,7 @@
           <a:p>
             <a:fld id="{457EA7F5-67CA-43BD-B2EF-EA0A32557FC5}" type="slidenum">
               <a:rPr lang="zh-CN" altLang="en-US"/>
+              <a:t>‹#›</a:t>
             </a:fld>
             <a:endParaRPr lang="zh-CN" altLang="en-US"/>
           </a:p>
@@ -1573,7 +1570,6 @@
               <a:rPr lang="zh-CN" altLang="en-US" noProof="1"/>
               <a:t>单击此处编辑母版标题样式</a:t>
             </a:r>
-            <a:endParaRPr lang="zh-CN" altLang="en-US" noProof="1"/>
           </a:p>
         </p:txBody>
       </p:sp>
@@ -1639,7 +1635,6 @@
               <a:rPr lang="zh-CN" altLang="en-US" noProof="1"/>
               <a:t>单击此处编辑母版文本样式</a:t>
             </a:r>
-            <a:endParaRPr lang="zh-CN" altLang="en-US" noProof="1"/>
           </a:p>
         </p:txBody>
       </p:sp>
@@ -1716,6 +1711,7 @@
           <a:p>
             <a:fld id="{C49510E2-A952-4817-BBFE-EAD2391D4DF0}" type="slidenum">
               <a:rPr lang="zh-CN" altLang="en-US"/>
+              <a:t>‹#›</a:t>
             </a:fld>
             <a:endParaRPr lang="zh-CN" altLang="en-US"/>
           </a:p>
@@ -1765,7 +1761,6 @@
               <a:rPr lang="zh-CN" altLang="en-US" noProof="1"/>
               <a:t>单击此处编辑母版标题样式</a:t>
             </a:r>
-            <a:endParaRPr lang="zh-CN" altLang="en-US" noProof="1"/>
           </a:p>
         </p:txBody>
       </p:sp>
@@ -1822,7 +1817,6 @@
               <a:rPr lang="zh-CN" altLang="en-US" noProof="1"/>
               <a:t>单击此处编辑母版文本样式</a:t>
             </a:r>
-            <a:endParaRPr lang="zh-CN" altLang="en-US" noProof="1"/>
           </a:p>
           <a:p>
             <a:pPr lvl="1"/>
@@ -1830,7 +1824,6 @@
               <a:rPr lang="zh-CN" altLang="en-US" noProof="1"/>
               <a:t>第二级</a:t>
             </a:r>
-            <a:endParaRPr lang="zh-CN" altLang="en-US" noProof="1"/>
           </a:p>
           <a:p>
             <a:pPr lvl="2"/>
@@ -1838,7 +1831,6 @@
               <a:rPr lang="zh-CN" altLang="en-US" noProof="1"/>
               <a:t>第三级</a:t>
             </a:r>
-            <a:endParaRPr lang="zh-CN" altLang="en-US" noProof="1"/>
           </a:p>
           <a:p>
             <a:pPr lvl="3"/>
@@ -1846,7 +1838,6 @@
               <a:rPr lang="zh-CN" altLang="en-US" noProof="1"/>
               <a:t>第四级</a:t>
             </a:r>
-            <a:endParaRPr lang="zh-CN" altLang="en-US" noProof="1"/>
           </a:p>
           <a:p>
             <a:pPr lvl="4"/>
@@ -1854,7 +1845,6 @@
               <a:rPr lang="zh-CN" altLang="en-US" noProof="1"/>
               <a:t>第五级</a:t>
             </a:r>
-            <a:endParaRPr lang="zh-CN" altLang="en-US" noProof="1"/>
           </a:p>
         </p:txBody>
       </p:sp>
@@ -1911,7 +1901,6 @@
               <a:rPr lang="zh-CN" altLang="en-US" noProof="1"/>
               <a:t>单击此处编辑母版文本样式</a:t>
             </a:r>
-            <a:endParaRPr lang="zh-CN" altLang="en-US" noProof="1"/>
           </a:p>
           <a:p>
             <a:pPr lvl="1"/>
@@ -1919,7 +1908,6 @@
               <a:rPr lang="zh-CN" altLang="en-US" noProof="1"/>
               <a:t>第二级</a:t>
             </a:r>
-            <a:endParaRPr lang="zh-CN" altLang="en-US" noProof="1"/>
           </a:p>
           <a:p>
             <a:pPr lvl="2"/>
@@ -1927,7 +1915,6 @@
               <a:rPr lang="zh-CN" altLang="en-US" noProof="1"/>
               <a:t>第三级</a:t>
             </a:r>
-            <a:endParaRPr lang="zh-CN" altLang="en-US" noProof="1"/>
           </a:p>
           <a:p>
             <a:pPr lvl="3"/>
@@ -1935,7 +1922,6 @@
               <a:rPr lang="zh-CN" altLang="en-US" noProof="1"/>
               <a:t>第四级</a:t>
             </a:r>
-            <a:endParaRPr lang="zh-CN" altLang="en-US" noProof="1"/>
           </a:p>
           <a:p>
             <a:pPr lvl="4"/>
@@ -1943,7 +1929,6 @@
               <a:rPr lang="zh-CN" altLang="en-US" noProof="1"/>
               <a:t>第五级</a:t>
             </a:r>
-            <a:endParaRPr lang="zh-CN" altLang="en-US" noProof="1"/>
           </a:p>
         </p:txBody>
       </p:sp>
@@ -2020,6 +2005,7 @@
           <a:p>
             <a:fld id="{786E1B60-C34E-44AA-8A0D-6781ADD2DC96}" type="slidenum">
               <a:rPr lang="zh-CN" altLang="en-US"/>
+              <a:t>‹#›</a:t>
             </a:fld>
             <a:endParaRPr lang="zh-CN" altLang="en-US"/>
           </a:p>
@@ -2078,7 +2064,6 @@
               <a:rPr lang="zh-CN" altLang="en-US" noProof="1"/>
               <a:t>单击此处编辑母版标题样式</a:t>
             </a:r>
-            <a:endParaRPr lang="zh-CN" altLang="en-US" noProof="1"/>
           </a:p>
         </p:txBody>
       </p:sp>
@@ -2144,7 +2129,6 @@
               <a:rPr lang="zh-CN" altLang="en-US" noProof="1"/>
               <a:t>单击此处编辑母版文本样式</a:t>
             </a:r>
-            <a:endParaRPr lang="zh-CN" altLang="en-US" noProof="1"/>
           </a:p>
         </p:txBody>
       </p:sp>
@@ -2201,7 +2185,6 @@
               <a:rPr lang="zh-CN" altLang="en-US" noProof="1"/>
               <a:t>单击此处编辑母版文本样式</a:t>
             </a:r>
-            <a:endParaRPr lang="zh-CN" altLang="en-US" noProof="1"/>
           </a:p>
           <a:p>
             <a:pPr lvl="1"/>
@@ -2209,7 +2192,6 @@
               <a:rPr lang="zh-CN" altLang="en-US" noProof="1"/>
               <a:t>第二级</a:t>
             </a:r>
-            <a:endParaRPr lang="zh-CN" altLang="en-US" noProof="1"/>
           </a:p>
           <a:p>
             <a:pPr lvl="2"/>
@@ -2217,7 +2199,6 @@
               <a:rPr lang="zh-CN" altLang="en-US" noProof="1"/>
               <a:t>第三级</a:t>
             </a:r>
-            <a:endParaRPr lang="zh-CN" altLang="en-US" noProof="1"/>
           </a:p>
           <a:p>
             <a:pPr lvl="3"/>
@@ -2225,7 +2206,6 @@
               <a:rPr lang="zh-CN" altLang="en-US" noProof="1"/>
               <a:t>第四级</a:t>
             </a:r>
-            <a:endParaRPr lang="zh-CN" altLang="en-US" noProof="1"/>
           </a:p>
           <a:p>
             <a:pPr lvl="4"/>
@@ -2233,7 +2213,6 @@
               <a:rPr lang="zh-CN" altLang="en-US" noProof="1"/>
               <a:t>第五级</a:t>
             </a:r>
-            <a:endParaRPr lang="zh-CN" altLang="en-US" noProof="1"/>
           </a:p>
         </p:txBody>
       </p:sp>
@@ -2299,7 +2278,6 @@
               <a:rPr lang="zh-CN" altLang="en-US" noProof="1"/>
               <a:t>单击此处编辑母版文本样式</a:t>
             </a:r>
-            <a:endParaRPr lang="zh-CN" altLang="en-US" noProof="1"/>
           </a:p>
         </p:txBody>
       </p:sp>
@@ -2356,7 +2334,6 @@
               <a:rPr lang="zh-CN" altLang="en-US" noProof="1"/>
               <a:t>单击此处编辑母版文本样式</a:t>
             </a:r>
-            <a:endParaRPr lang="zh-CN" altLang="en-US" noProof="1"/>
           </a:p>
           <a:p>
             <a:pPr lvl="1"/>
@@ -2364,7 +2341,6 @@
               <a:rPr lang="zh-CN" altLang="en-US" noProof="1"/>
               <a:t>第二级</a:t>
             </a:r>
-            <a:endParaRPr lang="zh-CN" altLang="en-US" noProof="1"/>
           </a:p>
           <a:p>
             <a:pPr lvl="2"/>
@@ -2372,7 +2348,6 @@
               <a:rPr lang="zh-CN" altLang="en-US" noProof="1"/>
               <a:t>第三级</a:t>
             </a:r>
-            <a:endParaRPr lang="zh-CN" altLang="en-US" noProof="1"/>
           </a:p>
           <a:p>
             <a:pPr lvl="3"/>
@@ -2380,7 +2355,6 @@
               <a:rPr lang="zh-CN" altLang="en-US" noProof="1"/>
               <a:t>第四级</a:t>
             </a:r>
-            <a:endParaRPr lang="zh-CN" altLang="en-US" noProof="1"/>
           </a:p>
           <a:p>
             <a:pPr lvl="4"/>
@@ -2388,7 +2362,6 @@
               <a:rPr lang="zh-CN" altLang="en-US" noProof="1"/>
               <a:t>第五级</a:t>
             </a:r>
-            <a:endParaRPr lang="zh-CN" altLang="en-US" noProof="1"/>
           </a:p>
         </p:txBody>
       </p:sp>
@@ -2465,6 +2438,7 @@
           <a:p>
             <a:fld id="{50CBC835-C918-478B-85A7-60DA953C5844}" type="slidenum">
               <a:rPr lang="zh-CN" altLang="en-US"/>
+              <a:t>‹#›</a:t>
             </a:fld>
             <a:endParaRPr lang="zh-CN" altLang="en-US"/>
           </a:p>
@@ -2514,7 +2488,6 @@
               <a:rPr lang="zh-CN" altLang="en-US" noProof="1"/>
               <a:t>单击此处编辑母版标题样式</a:t>
             </a:r>
-            <a:endParaRPr lang="zh-CN" altLang="en-US" noProof="1"/>
           </a:p>
         </p:txBody>
       </p:sp>
@@ -2591,6 +2564,7 @@
           <a:p>
             <a:fld id="{AB5053A4-3550-46B2-81DF-96743B958A09}" type="slidenum">
               <a:rPr lang="zh-CN" altLang="en-US"/>
+              <a:t>‹#›</a:t>
             </a:fld>
             <a:endParaRPr lang="zh-CN" altLang="en-US"/>
           </a:p>
@@ -2694,6 +2668,7 @@
           <a:p>
             <a:fld id="{8AD3F889-553E-4720-A9AC-3CAF8152009F}" type="slidenum">
               <a:rPr lang="zh-CN" altLang="en-US"/>
+              <a:t>‹#›</a:t>
             </a:fld>
             <a:endParaRPr lang="zh-CN" altLang="en-US"/>
           </a:p>
@@ -2752,7 +2727,6 @@
               <a:rPr lang="zh-CN" altLang="en-US" noProof="1"/>
               <a:t>单击此处编辑母版标题样式</a:t>
             </a:r>
-            <a:endParaRPr lang="zh-CN" altLang="en-US" noProof="1"/>
           </a:p>
         </p:txBody>
       </p:sp>
@@ -2809,7 +2783,6 @@
               <a:rPr lang="zh-CN" altLang="en-US" noProof="1"/>
               <a:t>单击此处编辑母版文本样式</a:t>
             </a:r>
-            <a:endParaRPr lang="zh-CN" altLang="en-US" noProof="1"/>
           </a:p>
           <a:p>
             <a:pPr lvl="1"/>
@@ -2817,7 +2790,6 @@
               <a:rPr lang="zh-CN" altLang="en-US" noProof="1"/>
               <a:t>第二级</a:t>
             </a:r>
-            <a:endParaRPr lang="zh-CN" altLang="en-US" noProof="1"/>
           </a:p>
           <a:p>
             <a:pPr lvl="2"/>
@@ -2825,7 +2797,6 @@
               <a:rPr lang="zh-CN" altLang="en-US" noProof="1"/>
               <a:t>第三级</a:t>
             </a:r>
-            <a:endParaRPr lang="zh-CN" altLang="en-US" noProof="1"/>
           </a:p>
           <a:p>
             <a:pPr lvl="3"/>
@@ -2833,7 +2804,6 @@
               <a:rPr lang="zh-CN" altLang="en-US" noProof="1"/>
               <a:t>第四级</a:t>
             </a:r>
-            <a:endParaRPr lang="zh-CN" altLang="en-US" noProof="1"/>
           </a:p>
           <a:p>
             <a:pPr lvl="4"/>
@@ -2841,7 +2811,6 @@
               <a:rPr lang="zh-CN" altLang="en-US" noProof="1"/>
               <a:t>第五级</a:t>
             </a:r>
-            <a:endParaRPr lang="zh-CN" altLang="en-US" noProof="1"/>
           </a:p>
         </p:txBody>
       </p:sp>
@@ -2907,7 +2876,6 @@
               <a:rPr lang="zh-CN" altLang="en-US" noProof="1"/>
               <a:t>单击此处编辑母版文本样式</a:t>
             </a:r>
-            <a:endParaRPr lang="zh-CN" altLang="en-US" noProof="1"/>
           </a:p>
         </p:txBody>
       </p:sp>
@@ -2984,6 +2952,7 @@
           <a:p>
             <a:fld id="{2D611EA2-7A8B-4E16-88B6-B9B0B206B445}" type="slidenum">
               <a:rPr lang="zh-CN" altLang="en-US"/>
+              <a:t>‹#›</a:t>
             </a:fld>
             <a:endParaRPr lang="zh-CN" altLang="en-US"/>
           </a:p>
@@ -3033,7 +3002,6 @@
               <a:rPr lang="zh-CN" altLang="en-US" noProof="1"/>
               <a:t>单击此处编辑母版标题样式</a:t>
             </a:r>
-            <a:endParaRPr lang="zh-CN" altLang="en-US" noProof="1"/>
           </a:p>
         </p:txBody>
       </p:sp>
@@ -3057,7 +3025,6 @@
               <a:rPr lang="zh-CN" altLang="en-US" noProof="1"/>
               <a:t>单击此处编辑母版文本样式</a:t>
             </a:r>
-            <a:endParaRPr lang="zh-CN" altLang="en-US" noProof="1"/>
           </a:p>
           <a:p>
             <a:pPr lvl="1"/>
@@ -3065,7 +3032,6 @@
               <a:rPr lang="zh-CN" altLang="en-US" noProof="1"/>
               <a:t>第二级</a:t>
             </a:r>
-            <a:endParaRPr lang="zh-CN" altLang="en-US" noProof="1"/>
           </a:p>
           <a:p>
             <a:pPr lvl="2"/>
@@ -3073,7 +3039,6 @@
               <a:rPr lang="zh-CN" altLang="en-US" noProof="1"/>
               <a:t>第三级</a:t>
             </a:r>
-            <a:endParaRPr lang="zh-CN" altLang="en-US" noProof="1"/>
           </a:p>
           <a:p>
             <a:pPr lvl="3"/>
@@ -3081,7 +3046,6 @@
               <a:rPr lang="zh-CN" altLang="en-US" noProof="1"/>
               <a:t>第四级</a:t>
             </a:r>
-            <a:endParaRPr lang="zh-CN" altLang="en-US" noProof="1"/>
           </a:p>
           <a:p>
             <a:pPr lvl="4"/>
@@ -3089,7 +3053,6 @@
               <a:rPr lang="zh-CN" altLang="en-US" noProof="1"/>
               <a:t>第五级</a:t>
             </a:r>
-            <a:endParaRPr lang="zh-CN" altLang="en-US" noProof="1"/>
           </a:p>
         </p:txBody>
       </p:sp>
@@ -3166,6 +3129,7 @@
           <a:p>
             <a:fld id="{542EE0B9-630D-4491-89A1-CFD6A77446CE}" type="slidenum">
               <a:rPr lang="zh-CN" altLang="en-US"/>
+              <a:t>‹#›</a:t>
             </a:fld>
             <a:endParaRPr lang="zh-CN" altLang="en-US"/>
           </a:p>
@@ -3224,7 +3188,6 @@
               <a:rPr lang="zh-CN" altLang="en-US" noProof="1"/>
               <a:t>单击此处编辑母版标题样式</a:t>
             </a:r>
-            <a:endParaRPr lang="zh-CN" altLang="en-US" noProof="1"/>
           </a:p>
         </p:txBody>
       </p:sp>
@@ -3352,7 +3315,6 @@
               <a:rPr lang="zh-CN" altLang="en-US" noProof="1"/>
               <a:t>单击此处编辑母版文本样式</a:t>
             </a:r>
-            <a:endParaRPr lang="zh-CN" altLang="en-US" noProof="1"/>
           </a:p>
         </p:txBody>
       </p:sp>
@@ -3429,6 +3391,7 @@
           <a:p>
             <a:fld id="{4D07E1A3-2A81-47D4-B03B-47998404098D}" type="slidenum">
               <a:rPr lang="zh-CN" altLang="en-US"/>
+              <a:t>‹#›</a:t>
             </a:fld>
             <a:endParaRPr lang="zh-CN" altLang="en-US"/>
           </a:p>
@@ -3478,7 +3441,6 @@
               <a:rPr lang="zh-CN" altLang="en-US" noProof="1"/>
               <a:t>单击此处编辑母版标题样式</a:t>
             </a:r>
-            <a:endParaRPr lang="zh-CN" altLang="en-US" noProof="1"/>
           </a:p>
         </p:txBody>
       </p:sp>
@@ -3502,7 +3464,6 @@
               <a:rPr lang="zh-CN" altLang="en-US" noProof="1"/>
               <a:t>单击此处编辑母版文本样式</a:t>
             </a:r>
-            <a:endParaRPr lang="zh-CN" altLang="en-US" noProof="1"/>
           </a:p>
           <a:p>
             <a:pPr lvl="1"/>
@@ -3510,7 +3471,6 @@
               <a:rPr lang="zh-CN" altLang="en-US" noProof="1"/>
               <a:t>第二级</a:t>
             </a:r>
-            <a:endParaRPr lang="zh-CN" altLang="en-US" noProof="1"/>
           </a:p>
           <a:p>
             <a:pPr lvl="2"/>
@@ -3518,7 +3478,6 @@
               <a:rPr lang="zh-CN" altLang="en-US" noProof="1"/>
               <a:t>第三级</a:t>
             </a:r>
-            <a:endParaRPr lang="zh-CN" altLang="en-US" noProof="1"/>
           </a:p>
           <a:p>
             <a:pPr lvl="3"/>
@@ -3526,7 +3485,6 @@
               <a:rPr lang="zh-CN" altLang="en-US" noProof="1"/>
               <a:t>第四级</a:t>
             </a:r>
-            <a:endParaRPr lang="zh-CN" altLang="en-US" noProof="1"/>
           </a:p>
           <a:p>
             <a:pPr lvl="4"/>
@@ -3534,7 +3492,6 @@
               <a:rPr lang="zh-CN" altLang="en-US" noProof="1"/>
               <a:t>第五级</a:t>
             </a:r>
-            <a:endParaRPr lang="zh-CN" altLang="en-US" noProof="1"/>
           </a:p>
         </p:txBody>
       </p:sp>
@@ -3611,6 +3568,7 @@
           <a:p>
             <a:fld id="{0C6A2595-DE89-4102-998E-F1D661E452F0}" type="slidenum">
               <a:rPr lang="zh-CN" altLang="en-US"/>
+              <a:t>‹#›</a:t>
             </a:fld>
             <a:endParaRPr lang="zh-CN" altLang="en-US"/>
           </a:p>
@@ -3665,7 +3623,6 @@
               <a:rPr lang="zh-CN" altLang="en-US" noProof="1"/>
               <a:t>单击此处编辑母版标题样式</a:t>
             </a:r>
-            <a:endParaRPr lang="zh-CN" altLang="en-US" noProof="1"/>
           </a:p>
         </p:txBody>
       </p:sp>
@@ -3694,7 +3651,6 @@
               <a:rPr lang="zh-CN" altLang="en-US" noProof="1"/>
               <a:t>单击此处编辑母版文本样式</a:t>
             </a:r>
-            <a:endParaRPr lang="zh-CN" altLang="en-US" noProof="1"/>
           </a:p>
           <a:p>
             <a:pPr lvl="1"/>
@@ -3702,7 +3658,6 @@
               <a:rPr lang="zh-CN" altLang="en-US" noProof="1"/>
               <a:t>第二级</a:t>
             </a:r>
-            <a:endParaRPr lang="zh-CN" altLang="en-US" noProof="1"/>
           </a:p>
           <a:p>
             <a:pPr lvl="2"/>
@@ -3710,7 +3665,6 @@
               <a:rPr lang="zh-CN" altLang="en-US" noProof="1"/>
               <a:t>第三级</a:t>
             </a:r>
-            <a:endParaRPr lang="zh-CN" altLang="en-US" noProof="1"/>
           </a:p>
           <a:p>
             <a:pPr lvl="3"/>
@@ -3718,7 +3672,6 @@
               <a:rPr lang="zh-CN" altLang="en-US" noProof="1"/>
               <a:t>第四级</a:t>
             </a:r>
-            <a:endParaRPr lang="zh-CN" altLang="en-US" noProof="1"/>
           </a:p>
           <a:p>
             <a:pPr lvl="4"/>
@@ -3726,7 +3679,6 @@
               <a:rPr lang="zh-CN" altLang="en-US" noProof="1"/>
               <a:t>第五级</a:t>
             </a:r>
-            <a:endParaRPr lang="zh-CN" altLang="en-US" noProof="1"/>
           </a:p>
         </p:txBody>
       </p:sp>
@@ -3803,6 +3755,7 @@
           <a:p>
             <a:fld id="{E463A98E-2E80-47DC-8878-09EEC11AF752}" type="slidenum">
               <a:rPr lang="zh-CN" altLang="en-US"/>
+              <a:t>‹#›</a:t>
             </a:fld>
             <a:endParaRPr lang="zh-CN" altLang="en-US"/>
           </a:p>
@@ -3857,7 +3810,6 @@
               <a:rPr lang="zh-CN" altLang="en-US" noProof="1"/>
               <a:t>单击此处编辑母版标题样式</a:t>
             </a:r>
-            <a:endParaRPr lang="zh-CN" altLang="en-US" noProof="1"/>
           </a:p>
         </p:txBody>
       </p:sp>
@@ -3922,7 +3874,6 @@
               <a:rPr lang="zh-CN" altLang="en-US" noProof="1"/>
               <a:t>单击此处编辑母版副标题样式</a:t>
             </a:r>
-            <a:endParaRPr lang="zh-CN" altLang="en-US" noProof="1"/>
           </a:p>
         </p:txBody>
       </p:sp>
@@ -3999,6 +3950,7 @@
           <a:p>
             <a:fld id="{52CF8105-AB3F-43BE-91EA-426E62C46180}" type="slidenum">
               <a:rPr lang="zh-CN" altLang="en-US"/>
+              <a:t>‹#›</a:t>
             </a:fld>
             <a:endParaRPr lang="zh-CN" altLang="en-US"/>
           </a:p>
@@ -4048,7 +4000,6 @@
               <a:rPr lang="zh-CN" altLang="en-US" noProof="1"/>
               <a:t>单击此处编辑母版标题样式</a:t>
             </a:r>
-            <a:endParaRPr lang="zh-CN" altLang="en-US" noProof="1"/>
           </a:p>
         </p:txBody>
       </p:sp>
@@ -4072,7 +4023,6 @@
               <a:rPr lang="zh-CN" altLang="en-US" noProof="1"/>
               <a:t>单击此处编辑母版文本样式</a:t>
             </a:r>
-            <a:endParaRPr lang="zh-CN" altLang="en-US" noProof="1"/>
           </a:p>
           <a:p>
             <a:pPr lvl="1"/>
@@ -4080,7 +4030,6 @@
               <a:rPr lang="zh-CN" altLang="en-US" noProof="1"/>
               <a:t>第二级</a:t>
             </a:r>
-            <a:endParaRPr lang="zh-CN" altLang="en-US" noProof="1"/>
           </a:p>
           <a:p>
             <a:pPr lvl="2"/>
@@ -4088,7 +4037,6 @@
               <a:rPr lang="zh-CN" altLang="en-US" noProof="1"/>
               <a:t>第三级</a:t>
             </a:r>
-            <a:endParaRPr lang="zh-CN" altLang="en-US" noProof="1"/>
           </a:p>
           <a:p>
             <a:pPr lvl="3"/>
@@ -4096,7 +4044,6 @@
               <a:rPr lang="zh-CN" altLang="en-US" noProof="1"/>
               <a:t>第四级</a:t>
             </a:r>
-            <a:endParaRPr lang="zh-CN" altLang="en-US" noProof="1"/>
           </a:p>
           <a:p>
             <a:pPr lvl="4"/>
@@ -4104,7 +4051,6 @@
               <a:rPr lang="zh-CN" altLang="en-US" noProof="1"/>
               <a:t>第五级</a:t>
             </a:r>
-            <a:endParaRPr lang="zh-CN" altLang="en-US" noProof="1"/>
           </a:p>
         </p:txBody>
       </p:sp>
@@ -4181,6 +4127,7 @@
           <a:p>
             <a:fld id="{BB95AB0C-43DE-4098-9EF5-BC2AD838F4BE}" type="slidenum">
               <a:rPr lang="zh-CN" altLang="en-US"/>
+              <a:t>‹#›</a:t>
             </a:fld>
             <a:endParaRPr lang="zh-CN" altLang="en-US"/>
           </a:p>
@@ -4239,7 +4186,6 @@
               <a:rPr lang="zh-CN" altLang="en-US" noProof="1"/>
               <a:t>单击此处编辑母版标题样式</a:t>
             </a:r>
-            <a:endParaRPr lang="zh-CN" altLang="en-US" noProof="1"/>
           </a:p>
         </p:txBody>
       </p:sp>
@@ -4305,7 +4251,6 @@
               <a:rPr lang="zh-CN" altLang="en-US" noProof="1"/>
               <a:t>单击此处编辑母版文本样式</a:t>
             </a:r>
-            <a:endParaRPr lang="zh-CN" altLang="en-US" noProof="1"/>
           </a:p>
         </p:txBody>
       </p:sp>
@@ -4382,6 +4327,7 @@
           <a:p>
             <a:fld id="{91093FB3-1C80-418F-A543-6D36CEEFA631}" type="slidenum">
               <a:rPr lang="zh-CN" altLang="en-US"/>
+              <a:t>‹#›</a:t>
             </a:fld>
             <a:endParaRPr lang="zh-CN" altLang="en-US"/>
           </a:p>
@@ -4431,7 +4377,6 @@
               <a:rPr lang="zh-CN" altLang="en-US" noProof="1"/>
               <a:t>单击此处编辑母版标题样式</a:t>
             </a:r>
-            <a:endParaRPr lang="zh-CN" altLang="en-US" noProof="1"/>
           </a:p>
         </p:txBody>
       </p:sp>
@@ -4488,7 +4433,6 @@
               <a:rPr lang="zh-CN" altLang="en-US" noProof="1"/>
               <a:t>单击此处编辑母版文本样式</a:t>
             </a:r>
-            <a:endParaRPr lang="zh-CN" altLang="en-US" noProof="1"/>
           </a:p>
           <a:p>
             <a:pPr lvl="1"/>
@@ -4496,7 +4440,6 @@
               <a:rPr lang="zh-CN" altLang="en-US" noProof="1"/>
               <a:t>第二级</a:t>
             </a:r>
-            <a:endParaRPr lang="zh-CN" altLang="en-US" noProof="1"/>
           </a:p>
           <a:p>
             <a:pPr lvl="2"/>
@@ -4504,7 +4447,6 @@
               <a:rPr lang="zh-CN" altLang="en-US" noProof="1"/>
               <a:t>第三级</a:t>
             </a:r>
-            <a:endParaRPr lang="zh-CN" altLang="en-US" noProof="1"/>
           </a:p>
           <a:p>
             <a:pPr lvl="3"/>
@@ -4512,7 +4454,6 @@
               <a:rPr lang="zh-CN" altLang="en-US" noProof="1"/>
               <a:t>第四级</a:t>
             </a:r>
-            <a:endParaRPr lang="zh-CN" altLang="en-US" noProof="1"/>
           </a:p>
           <a:p>
             <a:pPr lvl="4"/>
@@ -4520,7 +4461,6 @@
               <a:rPr lang="zh-CN" altLang="en-US" noProof="1"/>
               <a:t>第五级</a:t>
             </a:r>
-            <a:endParaRPr lang="zh-CN" altLang="en-US" noProof="1"/>
           </a:p>
         </p:txBody>
       </p:sp>
@@ -4577,7 +4517,6 @@
               <a:rPr lang="zh-CN" altLang="en-US" noProof="1"/>
               <a:t>单击此处编辑母版文本样式</a:t>
             </a:r>
-            <a:endParaRPr lang="zh-CN" altLang="en-US" noProof="1"/>
           </a:p>
           <a:p>
             <a:pPr lvl="1"/>
@@ -4585,7 +4524,6 @@
               <a:rPr lang="zh-CN" altLang="en-US" noProof="1"/>
               <a:t>第二级</a:t>
             </a:r>
-            <a:endParaRPr lang="zh-CN" altLang="en-US" noProof="1"/>
           </a:p>
           <a:p>
             <a:pPr lvl="2"/>
@@ -4593,7 +4531,6 @@
               <a:rPr lang="zh-CN" altLang="en-US" noProof="1"/>
               <a:t>第三级</a:t>
             </a:r>
-            <a:endParaRPr lang="zh-CN" altLang="en-US" noProof="1"/>
           </a:p>
           <a:p>
             <a:pPr lvl="3"/>
@@ -4601,7 +4538,6 @@
               <a:rPr lang="zh-CN" altLang="en-US" noProof="1"/>
               <a:t>第四级</a:t>
             </a:r>
-            <a:endParaRPr lang="zh-CN" altLang="en-US" noProof="1"/>
           </a:p>
           <a:p>
             <a:pPr lvl="4"/>
@@ -4609,7 +4545,6 @@
               <a:rPr lang="zh-CN" altLang="en-US" noProof="1"/>
               <a:t>第五级</a:t>
             </a:r>
-            <a:endParaRPr lang="zh-CN" altLang="en-US" noProof="1"/>
           </a:p>
         </p:txBody>
       </p:sp>
@@ -4686,6 +4621,7 @@
           <a:p>
             <a:fld id="{59FBAEAB-B87D-4597-8B21-8E61775A2EB6}" type="slidenum">
               <a:rPr lang="zh-CN" altLang="en-US"/>
+              <a:t>‹#›</a:t>
             </a:fld>
             <a:endParaRPr lang="zh-CN" altLang="en-US"/>
           </a:p>
@@ -4744,7 +4680,6 @@
               <a:rPr lang="zh-CN" altLang="en-US" noProof="1"/>
               <a:t>单击此处编辑母版标题样式</a:t>
             </a:r>
-            <a:endParaRPr lang="zh-CN" altLang="en-US" noProof="1"/>
           </a:p>
         </p:txBody>
       </p:sp>
@@ -4810,7 +4745,6 @@
               <a:rPr lang="zh-CN" altLang="en-US" noProof="1"/>
               <a:t>单击此处编辑母版文本样式</a:t>
             </a:r>
-            <a:endParaRPr lang="zh-CN" altLang="en-US" noProof="1"/>
           </a:p>
         </p:txBody>
       </p:sp>
@@ -4867,7 +4801,6 @@
               <a:rPr lang="zh-CN" altLang="en-US" noProof="1"/>
               <a:t>单击此处编辑母版文本样式</a:t>
             </a:r>
-            <a:endParaRPr lang="zh-CN" altLang="en-US" noProof="1"/>
           </a:p>
           <a:p>
             <a:pPr lvl="1"/>
@@ -4875,7 +4808,6 @@
               <a:rPr lang="zh-CN" altLang="en-US" noProof="1"/>
               <a:t>第二级</a:t>
             </a:r>
-            <a:endParaRPr lang="zh-CN" altLang="en-US" noProof="1"/>
           </a:p>
           <a:p>
             <a:pPr lvl="2"/>
@@ -4883,7 +4815,6 @@
               <a:rPr lang="zh-CN" altLang="en-US" noProof="1"/>
               <a:t>第三级</a:t>
             </a:r>
-            <a:endParaRPr lang="zh-CN" altLang="en-US" noProof="1"/>
           </a:p>
           <a:p>
             <a:pPr lvl="3"/>
@@ -4891,7 +4822,6 @@
               <a:rPr lang="zh-CN" altLang="en-US" noProof="1"/>
               <a:t>第四级</a:t>
             </a:r>
-            <a:endParaRPr lang="zh-CN" altLang="en-US" noProof="1"/>
           </a:p>
           <a:p>
             <a:pPr lvl="4"/>
@@ -4899,7 +4829,6 @@
               <a:rPr lang="zh-CN" altLang="en-US" noProof="1"/>
               <a:t>第五级</a:t>
             </a:r>
-            <a:endParaRPr lang="zh-CN" altLang="en-US" noProof="1"/>
           </a:p>
         </p:txBody>
       </p:sp>
@@ -4965,7 +4894,6 @@
               <a:rPr lang="zh-CN" altLang="en-US" noProof="1"/>
               <a:t>单击此处编辑母版文本样式</a:t>
             </a:r>
-            <a:endParaRPr lang="zh-CN" altLang="en-US" noProof="1"/>
           </a:p>
         </p:txBody>
       </p:sp>
@@ -5022,7 +4950,6 @@
               <a:rPr lang="zh-CN" altLang="en-US" noProof="1"/>
               <a:t>单击此处编辑母版文本样式</a:t>
             </a:r>
-            <a:endParaRPr lang="zh-CN" altLang="en-US" noProof="1"/>
           </a:p>
           <a:p>
             <a:pPr lvl="1"/>
@@ -5030,7 +4957,6 @@
               <a:rPr lang="zh-CN" altLang="en-US" noProof="1"/>
               <a:t>第二级</a:t>
             </a:r>
-            <a:endParaRPr lang="zh-CN" altLang="en-US" noProof="1"/>
           </a:p>
           <a:p>
             <a:pPr lvl="2"/>
@@ -5038,7 +4964,6 @@
               <a:rPr lang="zh-CN" altLang="en-US" noProof="1"/>
               <a:t>第三级</a:t>
             </a:r>
-            <a:endParaRPr lang="zh-CN" altLang="en-US" noProof="1"/>
           </a:p>
           <a:p>
             <a:pPr lvl="3"/>
@@ -5046,7 +4971,6 @@
               <a:rPr lang="zh-CN" altLang="en-US" noProof="1"/>
               <a:t>第四级</a:t>
             </a:r>
-            <a:endParaRPr lang="zh-CN" altLang="en-US" noProof="1"/>
           </a:p>
           <a:p>
             <a:pPr lvl="4"/>
@@ -5054,7 +4978,6 @@
               <a:rPr lang="zh-CN" altLang="en-US" noProof="1"/>
               <a:t>第五级</a:t>
             </a:r>
-            <a:endParaRPr lang="zh-CN" altLang="en-US" noProof="1"/>
           </a:p>
         </p:txBody>
       </p:sp>
@@ -5131,6 +5054,7 @@
           <a:p>
             <a:fld id="{2FBE6AF7-A260-41AD-A774-F0E725E0CC17}" type="slidenum">
               <a:rPr lang="zh-CN" altLang="en-US"/>
+              <a:t>‹#›</a:t>
             </a:fld>
             <a:endParaRPr lang="zh-CN" altLang="en-US"/>
           </a:p>
@@ -5180,7 +5104,6 @@
               <a:rPr lang="zh-CN" altLang="en-US" noProof="1"/>
               <a:t>单击此处编辑母版标题样式</a:t>
             </a:r>
-            <a:endParaRPr lang="zh-CN" altLang="en-US" noProof="1"/>
           </a:p>
         </p:txBody>
       </p:sp>
@@ -5257,6 +5180,7 @@
           <a:p>
             <a:fld id="{49DBD9B3-D802-4B52-BBC0-356DB01C943A}" type="slidenum">
               <a:rPr lang="zh-CN" altLang="en-US"/>
+              <a:t>‹#›</a:t>
             </a:fld>
             <a:endParaRPr lang="zh-CN" altLang="en-US"/>
           </a:p>
@@ -5360,6 +5284,7 @@
           <a:p>
             <a:fld id="{4AC6D94D-98F1-445B-A735-C7FB024827F3}" type="slidenum">
               <a:rPr lang="zh-CN" altLang="en-US"/>
+              <a:t>‹#›</a:t>
             </a:fld>
             <a:endParaRPr lang="zh-CN" altLang="en-US"/>
           </a:p>
@@ -5418,7 +5343,6 @@
               <a:rPr lang="zh-CN" altLang="en-US" noProof="1"/>
               <a:t>单击此处编辑母版标题样式</a:t>
             </a:r>
-            <a:endParaRPr lang="zh-CN" altLang="en-US" noProof="1"/>
           </a:p>
         </p:txBody>
       </p:sp>
@@ -5484,7 +5408,6 @@
               <a:rPr lang="zh-CN" altLang="en-US" noProof="1"/>
               <a:t>单击此处编辑母版文本样式</a:t>
             </a:r>
-            <a:endParaRPr lang="zh-CN" altLang="en-US" noProof="1"/>
           </a:p>
         </p:txBody>
       </p:sp>
@@ -5561,6 +5484,7 @@
           <a:p>
             <a:fld id="{628B05E4-2856-4481-AE21-2A268A3992CF}" type="slidenum">
               <a:rPr lang="zh-CN" altLang="en-US"/>
+              <a:t>‹#›</a:t>
             </a:fld>
             <a:endParaRPr lang="zh-CN" altLang="en-US"/>
           </a:p>
@@ -5619,7 +5543,6 @@
               <a:rPr lang="zh-CN" altLang="en-US" noProof="1"/>
               <a:t>单击此处编辑母版标题样式</a:t>
             </a:r>
-            <a:endParaRPr lang="zh-CN" altLang="en-US" noProof="1"/>
           </a:p>
         </p:txBody>
       </p:sp>
@@ -5676,7 +5599,6 @@
               <a:rPr lang="zh-CN" altLang="en-US" noProof="1"/>
               <a:t>单击此处编辑母版文本样式</a:t>
             </a:r>
-            <a:endParaRPr lang="zh-CN" altLang="en-US" noProof="1"/>
           </a:p>
           <a:p>
             <a:pPr lvl="1"/>
@@ -5684,7 +5606,6 @@
               <a:rPr lang="zh-CN" altLang="en-US" noProof="1"/>
               <a:t>第二级</a:t>
             </a:r>
-            <a:endParaRPr lang="zh-CN" altLang="en-US" noProof="1"/>
           </a:p>
           <a:p>
             <a:pPr lvl="2"/>
@@ -5692,7 +5613,6 @@
               <a:rPr lang="zh-CN" altLang="en-US" noProof="1"/>
               <a:t>第三级</a:t>
             </a:r>
-            <a:endParaRPr lang="zh-CN" altLang="en-US" noProof="1"/>
           </a:p>
           <a:p>
             <a:pPr lvl="3"/>
@@ -5700,7 +5620,6 @@
               <a:rPr lang="zh-CN" altLang="en-US" noProof="1"/>
               <a:t>第四级</a:t>
             </a:r>
-            <a:endParaRPr lang="zh-CN" altLang="en-US" noProof="1"/>
           </a:p>
           <a:p>
             <a:pPr lvl="4"/>
@@ -5708,7 +5627,6 @@
               <a:rPr lang="zh-CN" altLang="en-US" noProof="1"/>
               <a:t>第五级</a:t>
             </a:r>
-            <a:endParaRPr lang="zh-CN" altLang="en-US" noProof="1"/>
           </a:p>
         </p:txBody>
       </p:sp>
@@ -5774,7 +5692,6 @@
               <a:rPr lang="zh-CN" altLang="en-US" noProof="1"/>
               <a:t>单击此处编辑母版文本样式</a:t>
             </a:r>
-            <a:endParaRPr lang="zh-CN" altLang="en-US" noProof="1"/>
           </a:p>
         </p:txBody>
       </p:sp>
@@ -5851,6 +5768,7 @@
           <a:p>
             <a:fld id="{5855E881-E1EB-475D-A46B-8F6EE3037E25}" type="slidenum">
               <a:rPr lang="zh-CN" altLang="en-US"/>
+              <a:t>‹#›</a:t>
             </a:fld>
             <a:endParaRPr lang="zh-CN" altLang="en-US"/>
           </a:p>
@@ -5909,7 +5827,6 @@
               <a:rPr lang="zh-CN" altLang="en-US" noProof="1"/>
               <a:t>单击此处编辑母版标题样式</a:t>
             </a:r>
-            <a:endParaRPr lang="zh-CN" altLang="en-US" noProof="1"/>
           </a:p>
         </p:txBody>
       </p:sp>
@@ -6037,7 +5954,6 @@
               <a:rPr lang="zh-CN" altLang="en-US" noProof="1"/>
               <a:t>单击此处编辑母版文本样式</a:t>
             </a:r>
-            <a:endParaRPr lang="zh-CN" altLang="en-US" noProof="1"/>
           </a:p>
         </p:txBody>
       </p:sp>
@@ -6114,6 +6030,7 @@
           <a:p>
             <a:fld id="{91A4EDD2-AE65-4EC5-A6B1-91C4376D972B}" type="slidenum">
               <a:rPr lang="zh-CN" altLang="en-US"/>
+              <a:t>‹#›</a:t>
             </a:fld>
             <a:endParaRPr lang="zh-CN" altLang="en-US"/>
           </a:p>
@@ -6163,7 +6080,6 @@
               <a:rPr lang="zh-CN" altLang="en-US" noProof="1"/>
               <a:t>单击此处编辑母版标题样式</a:t>
             </a:r>
-            <a:endParaRPr lang="zh-CN" altLang="en-US" noProof="1"/>
           </a:p>
         </p:txBody>
       </p:sp>
@@ -6187,7 +6103,6 @@
               <a:rPr lang="zh-CN" altLang="en-US" noProof="1"/>
               <a:t>单击此处编辑母版文本样式</a:t>
             </a:r>
-            <a:endParaRPr lang="zh-CN" altLang="en-US" noProof="1"/>
           </a:p>
           <a:p>
             <a:pPr lvl="1"/>
@@ -6195,7 +6110,6 @@
               <a:rPr lang="zh-CN" altLang="en-US" noProof="1"/>
               <a:t>第二级</a:t>
             </a:r>
-            <a:endParaRPr lang="zh-CN" altLang="en-US" noProof="1"/>
           </a:p>
           <a:p>
             <a:pPr lvl="2"/>
@@ -6203,7 +6117,6 @@
               <a:rPr lang="zh-CN" altLang="en-US" noProof="1"/>
               <a:t>第三级</a:t>
             </a:r>
-            <a:endParaRPr lang="zh-CN" altLang="en-US" noProof="1"/>
           </a:p>
           <a:p>
             <a:pPr lvl="3"/>
@@ -6211,7 +6124,6 @@
               <a:rPr lang="zh-CN" altLang="en-US" noProof="1"/>
               <a:t>第四级</a:t>
             </a:r>
-            <a:endParaRPr lang="zh-CN" altLang="en-US" noProof="1"/>
           </a:p>
           <a:p>
             <a:pPr lvl="4"/>
@@ -6219,7 +6131,6 @@
               <a:rPr lang="zh-CN" altLang="en-US" noProof="1"/>
               <a:t>第五级</a:t>
             </a:r>
-            <a:endParaRPr lang="zh-CN" altLang="en-US" noProof="1"/>
           </a:p>
         </p:txBody>
       </p:sp>
@@ -6296,6 +6207,7 @@
           <a:p>
             <a:fld id="{5CD1289C-36B1-4E2F-A125-6015FB44921E}" type="slidenum">
               <a:rPr lang="zh-CN" altLang="en-US"/>
+              <a:t>‹#›</a:t>
             </a:fld>
             <a:endParaRPr lang="zh-CN" altLang="en-US"/>
           </a:p>
@@ -6350,7 +6262,6 @@
               <a:rPr lang="zh-CN" altLang="en-US" noProof="1"/>
               <a:t>单击此处编辑母版标题样式</a:t>
             </a:r>
-            <a:endParaRPr lang="zh-CN" altLang="en-US" noProof="1"/>
           </a:p>
         </p:txBody>
       </p:sp>
@@ -6379,7 +6290,6 @@
               <a:rPr lang="zh-CN" altLang="en-US" noProof="1"/>
               <a:t>单击此处编辑母版文本样式</a:t>
             </a:r>
-            <a:endParaRPr lang="zh-CN" altLang="en-US" noProof="1"/>
           </a:p>
           <a:p>
             <a:pPr lvl="1"/>
@@ -6387,7 +6297,6 @@
               <a:rPr lang="zh-CN" altLang="en-US" noProof="1"/>
               <a:t>第二级</a:t>
             </a:r>
-            <a:endParaRPr lang="zh-CN" altLang="en-US" noProof="1"/>
           </a:p>
           <a:p>
             <a:pPr lvl="2"/>
@@ -6395,7 +6304,6 @@
               <a:rPr lang="zh-CN" altLang="en-US" noProof="1"/>
               <a:t>第三级</a:t>
             </a:r>
-            <a:endParaRPr lang="zh-CN" altLang="en-US" noProof="1"/>
           </a:p>
           <a:p>
             <a:pPr lvl="3"/>
@@ -6403,7 +6311,6 @@
               <a:rPr lang="zh-CN" altLang="en-US" noProof="1"/>
               <a:t>第四级</a:t>
             </a:r>
-            <a:endParaRPr lang="zh-CN" altLang="en-US" noProof="1"/>
           </a:p>
           <a:p>
             <a:pPr lvl="4"/>
@@ -6411,7 +6318,6 @@
               <a:rPr lang="zh-CN" altLang="en-US" noProof="1"/>
               <a:t>第五级</a:t>
             </a:r>
-            <a:endParaRPr lang="zh-CN" altLang="en-US" noProof="1"/>
           </a:p>
         </p:txBody>
       </p:sp>
@@ -6488,6 +6394,7 @@
           <a:p>
             <a:fld id="{5463BCAD-8B50-420D-A323-34025C267196}" type="slidenum">
               <a:rPr lang="zh-CN" altLang="en-US"/>
+              <a:t>‹#›</a:t>
             </a:fld>
             <a:endParaRPr lang="zh-CN" altLang="en-US"/>
           </a:p>
@@ -6537,7 +6444,6 @@
               <a:rPr lang="zh-CN" altLang="en-US" noProof="1"/>
               <a:t>单击此处编辑母版标题样式</a:t>
             </a:r>
-            <a:endParaRPr lang="zh-CN" altLang="en-US" noProof="1"/>
           </a:p>
         </p:txBody>
       </p:sp>
@@ -6594,7 +6500,6 @@
               <a:rPr lang="zh-CN" altLang="en-US" noProof="1"/>
               <a:t>单击此处编辑母版文本样式</a:t>
             </a:r>
-            <a:endParaRPr lang="zh-CN" altLang="en-US" noProof="1"/>
           </a:p>
           <a:p>
             <a:pPr lvl="1"/>
@@ -6602,7 +6507,6 @@
               <a:rPr lang="zh-CN" altLang="en-US" noProof="1"/>
               <a:t>第二级</a:t>
             </a:r>
-            <a:endParaRPr lang="zh-CN" altLang="en-US" noProof="1"/>
           </a:p>
           <a:p>
             <a:pPr lvl="2"/>
@@ -6610,7 +6514,6 @@
               <a:rPr lang="zh-CN" altLang="en-US" noProof="1"/>
               <a:t>第三级</a:t>
             </a:r>
-            <a:endParaRPr lang="zh-CN" altLang="en-US" noProof="1"/>
           </a:p>
           <a:p>
             <a:pPr lvl="3"/>
@@ -6618,7 +6521,6 @@
               <a:rPr lang="zh-CN" altLang="en-US" noProof="1"/>
               <a:t>第四级</a:t>
             </a:r>
-            <a:endParaRPr lang="zh-CN" altLang="en-US" noProof="1"/>
           </a:p>
           <a:p>
             <a:pPr lvl="4"/>
@@ -6626,7 +6528,6 @@
               <a:rPr lang="zh-CN" altLang="en-US" noProof="1"/>
               <a:t>第五级</a:t>
             </a:r>
-            <a:endParaRPr lang="zh-CN" altLang="en-US" noProof="1"/>
           </a:p>
         </p:txBody>
       </p:sp>
@@ -6683,7 +6584,6 @@
               <a:rPr lang="zh-CN" altLang="en-US" noProof="1"/>
               <a:t>单击此处编辑母版文本样式</a:t>
             </a:r>
-            <a:endParaRPr lang="zh-CN" altLang="en-US" noProof="1"/>
           </a:p>
           <a:p>
             <a:pPr lvl="1"/>
@@ -6691,7 +6591,6 @@
               <a:rPr lang="zh-CN" altLang="en-US" noProof="1"/>
               <a:t>第二级</a:t>
             </a:r>
-            <a:endParaRPr lang="zh-CN" altLang="en-US" noProof="1"/>
           </a:p>
           <a:p>
             <a:pPr lvl="2"/>
@@ -6699,7 +6598,6 @@
               <a:rPr lang="zh-CN" altLang="en-US" noProof="1"/>
               <a:t>第三级</a:t>
             </a:r>
-            <a:endParaRPr lang="zh-CN" altLang="en-US" noProof="1"/>
           </a:p>
           <a:p>
             <a:pPr lvl="3"/>
@@ -6707,7 +6605,6 @@
               <a:rPr lang="zh-CN" altLang="en-US" noProof="1"/>
               <a:t>第四级</a:t>
             </a:r>
-            <a:endParaRPr lang="zh-CN" altLang="en-US" noProof="1"/>
           </a:p>
           <a:p>
             <a:pPr lvl="4"/>
@@ -6715,7 +6612,6 @@
               <a:rPr lang="zh-CN" altLang="en-US" noProof="1"/>
               <a:t>第五级</a:t>
             </a:r>
-            <a:endParaRPr lang="zh-CN" altLang="en-US" noProof="1"/>
           </a:p>
         </p:txBody>
       </p:sp>
@@ -6792,6 +6688,7 @@
           <a:p>
             <a:fld id="{6404D022-504E-4EAD-B00E-DB353A4E13D4}" type="slidenum">
               <a:rPr lang="zh-CN" altLang="en-US"/>
+              <a:t>‹#›</a:t>
             </a:fld>
             <a:endParaRPr lang="zh-CN" altLang="en-US"/>
           </a:p>
@@ -6850,7 +6747,6 @@
               <a:rPr lang="zh-CN" altLang="en-US" noProof="1"/>
               <a:t>单击此处编辑母版标题样式</a:t>
             </a:r>
-            <a:endParaRPr lang="zh-CN" altLang="en-US" noProof="1"/>
           </a:p>
         </p:txBody>
       </p:sp>
@@ -6916,7 +6812,6 @@
               <a:rPr lang="zh-CN" altLang="en-US" noProof="1"/>
               <a:t>单击此处编辑母版文本样式</a:t>
             </a:r>
-            <a:endParaRPr lang="zh-CN" altLang="en-US" noProof="1"/>
           </a:p>
         </p:txBody>
       </p:sp>
@@ -6973,7 +6868,6 @@
               <a:rPr lang="zh-CN" altLang="en-US" noProof="1"/>
               <a:t>单击此处编辑母版文本样式</a:t>
             </a:r>
-            <a:endParaRPr lang="zh-CN" altLang="en-US" noProof="1"/>
           </a:p>
           <a:p>
             <a:pPr lvl="1"/>
@@ -6981,7 +6875,6 @@
               <a:rPr lang="zh-CN" altLang="en-US" noProof="1"/>
               <a:t>第二级</a:t>
             </a:r>
-            <a:endParaRPr lang="zh-CN" altLang="en-US" noProof="1"/>
           </a:p>
           <a:p>
             <a:pPr lvl="2"/>
@@ -6989,7 +6882,6 @@
               <a:rPr lang="zh-CN" altLang="en-US" noProof="1"/>
               <a:t>第三级</a:t>
             </a:r>
-            <a:endParaRPr lang="zh-CN" altLang="en-US" noProof="1"/>
           </a:p>
           <a:p>
             <a:pPr lvl="3"/>
@@ -6997,7 +6889,6 @@
               <a:rPr lang="zh-CN" altLang="en-US" noProof="1"/>
               <a:t>第四级</a:t>
             </a:r>
-            <a:endParaRPr lang="zh-CN" altLang="en-US" noProof="1"/>
           </a:p>
           <a:p>
             <a:pPr lvl="4"/>
@@ -7005,7 +6896,6 @@
               <a:rPr lang="zh-CN" altLang="en-US" noProof="1"/>
               <a:t>第五级</a:t>
             </a:r>
-            <a:endParaRPr lang="zh-CN" altLang="en-US" noProof="1"/>
           </a:p>
         </p:txBody>
       </p:sp>
@@ -7071,7 +6961,6 @@
               <a:rPr lang="zh-CN" altLang="en-US" noProof="1"/>
               <a:t>单击此处编辑母版文本样式</a:t>
             </a:r>
-            <a:endParaRPr lang="zh-CN" altLang="en-US" noProof="1"/>
           </a:p>
         </p:txBody>
       </p:sp>
@@ -7128,7 +7017,6 @@
               <a:rPr lang="zh-CN" altLang="en-US" noProof="1"/>
               <a:t>单击此处编辑母版文本样式</a:t>
             </a:r>
-            <a:endParaRPr lang="zh-CN" altLang="en-US" noProof="1"/>
           </a:p>
           <a:p>
             <a:pPr lvl="1"/>
@@ -7136,7 +7024,6 @@
               <a:rPr lang="zh-CN" altLang="en-US" noProof="1"/>
               <a:t>第二级</a:t>
             </a:r>
-            <a:endParaRPr lang="zh-CN" altLang="en-US" noProof="1"/>
           </a:p>
           <a:p>
             <a:pPr lvl="2"/>
@@ -7144,7 +7031,6 @@
               <a:rPr lang="zh-CN" altLang="en-US" noProof="1"/>
               <a:t>第三级</a:t>
             </a:r>
-            <a:endParaRPr lang="zh-CN" altLang="en-US" noProof="1"/>
           </a:p>
           <a:p>
             <a:pPr lvl="3"/>
@@ -7152,7 +7038,6 @@
               <a:rPr lang="zh-CN" altLang="en-US" noProof="1"/>
               <a:t>第四级</a:t>
             </a:r>
-            <a:endParaRPr lang="zh-CN" altLang="en-US" noProof="1"/>
           </a:p>
           <a:p>
             <a:pPr lvl="4"/>
@@ -7160,7 +7045,6 @@
               <a:rPr lang="zh-CN" altLang="en-US" noProof="1"/>
               <a:t>第五级</a:t>
             </a:r>
-            <a:endParaRPr lang="zh-CN" altLang="en-US" noProof="1"/>
           </a:p>
         </p:txBody>
       </p:sp>
@@ -7237,6 +7121,7 @@
           <a:p>
             <a:fld id="{062BBA69-5369-4E07-AD2D-78FAC4C1BFBB}" type="slidenum">
               <a:rPr lang="zh-CN" altLang="en-US"/>
+              <a:t>‹#›</a:t>
             </a:fld>
             <a:endParaRPr lang="zh-CN" altLang="en-US"/>
           </a:p>
@@ -7286,7 +7171,6 @@
               <a:rPr lang="zh-CN" altLang="en-US" noProof="1"/>
               <a:t>单击此处编辑母版标题样式</a:t>
             </a:r>
-            <a:endParaRPr lang="zh-CN" altLang="en-US" noProof="1"/>
           </a:p>
         </p:txBody>
       </p:sp>
@@ -7363,6 +7247,7 @@
           <a:p>
             <a:fld id="{B0447C40-2693-4A10-9A95-BF1D4E5A7782}" type="slidenum">
               <a:rPr lang="zh-CN" altLang="en-US"/>
+              <a:t>‹#›</a:t>
             </a:fld>
             <a:endParaRPr lang="zh-CN" altLang="en-US"/>
           </a:p>
@@ -7466,6 +7351,7 @@
           <a:p>
             <a:fld id="{A4841655-5C2B-444A-9F33-658B2EF630AF}" type="slidenum">
               <a:rPr lang="zh-CN" altLang="en-US"/>
+              <a:t>‹#›</a:t>
             </a:fld>
             <a:endParaRPr lang="zh-CN" altLang="en-US"/>
           </a:p>
@@ -7524,7 +7410,6 @@
               <a:rPr lang="zh-CN" altLang="en-US" noProof="1"/>
               <a:t>单击此处编辑母版标题样式</a:t>
             </a:r>
-            <a:endParaRPr lang="zh-CN" altLang="en-US" noProof="1"/>
           </a:p>
         </p:txBody>
       </p:sp>
@@ -7581,7 +7466,6 @@
               <a:rPr lang="zh-CN" altLang="en-US" noProof="1"/>
               <a:t>单击此处编辑母版文本样式</a:t>
             </a:r>
-            <a:endParaRPr lang="zh-CN" altLang="en-US" noProof="1"/>
           </a:p>
           <a:p>
             <a:pPr lvl="1"/>
@@ -7589,7 +7473,6 @@
               <a:rPr lang="zh-CN" altLang="en-US" noProof="1"/>
               <a:t>第二级</a:t>
             </a:r>
-            <a:endParaRPr lang="zh-CN" altLang="en-US" noProof="1"/>
           </a:p>
           <a:p>
             <a:pPr lvl="2"/>
@@ -7597,7 +7480,6 @@
               <a:rPr lang="zh-CN" altLang="en-US" noProof="1"/>
               <a:t>第三级</a:t>
             </a:r>
-            <a:endParaRPr lang="zh-CN" altLang="en-US" noProof="1"/>
           </a:p>
           <a:p>
             <a:pPr lvl="3"/>
@@ -7605,7 +7487,6 @@
               <a:rPr lang="zh-CN" altLang="en-US" noProof="1"/>
               <a:t>第四级</a:t>
             </a:r>
-            <a:endParaRPr lang="zh-CN" altLang="en-US" noProof="1"/>
           </a:p>
           <a:p>
             <a:pPr lvl="4"/>
@@ -7613,7 +7494,6 @@
               <a:rPr lang="zh-CN" altLang="en-US" noProof="1"/>
               <a:t>第五级</a:t>
             </a:r>
-            <a:endParaRPr lang="zh-CN" altLang="en-US" noProof="1"/>
           </a:p>
         </p:txBody>
       </p:sp>
@@ -7679,7 +7559,6 @@
               <a:rPr lang="zh-CN" altLang="en-US" noProof="1"/>
               <a:t>单击此处编辑母版文本样式</a:t>
             </a:r>
-            <a:endParaRPr lang="zh-CN" altLang="en-US" noProof="1"/>
           </a:p>
         </p:txBody>
       </p:sp>
@@ -7756,6 +7635,7 @@
           <a:p>
             <a:fld id="{6F94A8BF-BA86-4A2E-B3E9-BEF9EDE53871}" type="slidenum">
               <a:rPr lang="zh-CN" altLang="en-US"/>
+              <a:t>‹#›</a:t>
             </a:fld>
             <a:endParaRPr lang="zh-CN" altLang="en-US"/>
           </a:p>
@@ -7814,7 +7694,6 @@
               <a:rPr lang="zh-CN" altLang="en-US" noProof="1"/>
               <a:t>单击此处编辑母版标题样式</a:t>
             </a:r>
-            <a:endParaRPr lang="zh-CN" altLang="en-US" noProof="1"/>
           </a:p>
         </p:txBody>
       </p:sp>
@@ -7942,7 +7821,6 @@
               <a:rPr lang="zh-CN" altLang="en-US" noProof="1"/>
               <a:t>单击此处编辑母版文本样式</a:t>
             </a:r>
-            <a:endParaRPr lang="zh-CN" altLang="en-US" noProof="1"/>
           </a:p>
         </p:txBody>
       </p:sp>
@@ -8019,6 +7897,7 @@
           <a:p>
             <a:fld id="{646C6A92-FB6E-448F-9672-EA9F08D76714}" type="slidenum">
               <a:rPr lang="zh-CN" altLang="en-US"/>
+              <a:t>‹#›</a:t>
             </a:fld>
             <a:endParaRPr lang="zh-CN" altLang="en-US"/>
           </a:p>
@@ -8108,7 +7987,6 @@
               <a:rPr lang="zh-CN" altLang="zh-CN"/>
               <a:t>Click to edit Master title style</a:t>
             </a:r>
-            <a:endParaRPr lang="zh-CN" altLang="zh-CN"/>
           </a:p>
         </p:txBody>
       </p:sp>
@@ -8163,7 +8041,6 @@
               <a:rPr lang="zh-CN" altLang="zh-CN"/>
               <a:t>Click to edit Master text styles</a:t>
             </a:r>
-            <a:endParaRPr lang="zh-CN" altLang="zh-CN"/>
           </a:p>
           <a:p>
             <a:pPr lvl="1"/>
@@ -8171,7 +8048,6 @@
               <a:rPr lang="zh-CN" altLang="zh-CN"/>
               <a:t>Second level</a:t>
             </a:r>
-            <a:endParaRPr lang="zh-CN" altLang="zh-CN"/>
           </a:p>
           <a:p>
             <a:pPr lvl="2"/>
@@ -8179,7 +8055,6 @@
               <a:rPr lang="zh-CN" altLang="zh-CN"/>
               <a:t>Third level</a:t>
             </a:r>
-            <a:endParaRPr lang="zh-CN" altLang="zh-CN"/>
           </a:p>
           <a:p>
             <a:pPr lvl="3"/>
@@ -8187,7 +8062,6 @@
               <a:rPr lang="zh-CN" altLang="zh-CN"/>
               <a:t>Fourth level</a:t>
             </a:r>
-            <a:endParaRPr lang="zh-CN" altLang="zh-CN"/>
           </a:p>
           <a:p>
             <a:pPr lvl="4"/>
@@ -8195,7 +8069,6 @@
               <a:rPr lang="zh-CN" altLang="zh-CN"/>
               <a:t>Fifth level</a:t>
             </a:r>
-            <a:endParaRPr lang="zh-CN" altLang="zh-CN"/>
           </a:p>
         </p:txBody>
       </p:sp>
@@ -8324,6 +8197,7 @@
           <a:p>
             <a:fld id="{CB2E9D06-BFC0-42E9-8849-C2A024C9B00C}" type="slidenum">
               <a:rPr lang="zh-CN" altLang="en-US"/>
+              <a:t>‹#›</a:t>
             </a:fld>
             <a:endParaRPr lang="zh-CN" altLang="en-US"/>
           </a:p>
@@ -8338,7 +8212,7 @@
           <p:nvPr userDrawn="1"/>
         </p:nvPicPr>
         <p:blipFill>
-          <a:blip r:embed="rId12" cstate="email"/>
+          <a:blip r:embed="rId13" cstate="email"/>
           <a:srcRect/>
           <a:stretch>
             <a:fillRect/>
@@ -8890,7 +8764,6 @@
               <a:rPr lang="zh-CN" altLang="zh-CN"/>
               <a:t>Click to edit Master title style</a:t>
             </a:r>
-            <a:endParaRPr lang="zh-CN" altLang="zh-CN"/>
           </a:p>
         </p:txBody>
       </p:sp>
@@ -8945,7 +8818,6 @@
               <a:rPr lang="zh-CN" altLang="zh-CN"/>
               <a:t>Click to edit Master text styles</a:t>
             </a:r>
-            <a:endParaRPr lang="zh-CN" altLang="zh-CN"/>
           </a:p>
           <a:p>
             <a:pPr lvl="1"/>
@@ -8953,7 +8825,6 @@
               <a:rPr lang="zh-CN" altLang="zh-CN"/>
               <a:t>Second level</a:t>
             </a:r>
-            <a:endParaRPr lang="zh-CN" altLang="zh-CN"/>
           </a:p>
           <a:p>
             <a:pPr lvl="2"/>
@@ -8961,7 +8832,6 @@
               <a:rPr lang="zh-CN" altLang="zh-CN"/>
               <a:t>Third level</a:t>
             </a:r>
-            <a:endParaRPr lang="zh-CN" altLang="zh-CN"/>
           </a:p>
           <a:p>
             <a:pPr lvl="3"/>
@@ -8969,7 +8839,6 @@
               <a:rPr lang="zh-CN" altLang="zh-CN"/>
               <a:t>Fourth level</a:t>
             </a:r>
-            <a:endParaRPr lang="zh-CN" altLang="zh-CN"/>
           </a:p>
           <a:p>
             <a:pPr lvl="4"/>
@@ -8977,7 +8846,6 @@
               <a:rPr lang="zh-CN" altLang="zh-CN"/>
               <a:t>Fifth level</a:t>
             </a:r>
-            <a:endParaRPr lang="zh-CN" altLang="zh-CN"/>
           </a:p>
         </p:txBody>
       </p:sp>
@@ -9106,6 +8974,7 @@
           <a:p>
             <a:fld id="{B782126C-6681-4D3D-B6BC-F5A69180D485}" type="slidenum">
               <a:rPr lang="zh-CN" altLang="en-US"/>
+              <a:t>‹#›</a:t>
             </a:fld>
             <a:endParaRPr lang="zh-CN" altLang="en-US"/>
           </a:p>
@@ -9120,7 +8989,7 @@
           <p:nvPr userDrawn="1"/>
         </p:nvPicPr>
         <p:blipFill>
-          <a:blip r:embed="rId12" cstate="email"/>
+          <a:blip r:embed="rId13" cstate="email"/>
           <a:srcRect/>
           <a:stretch>
             <a:fillRect/>
@@ -9672,7 +9541,6 @@
               <a:rPr lang="zh-CN" altLang="zh-CN"/>
               <a:t>Click to edit Master title style</a:t>
             </a:r>
-            <a:endParaRPr lang="zh-CN" altLang="zh-CN"/>
           </a:p>
         </p:txBody>
       </p:sp>
@@ -9727,7 +9595,6 @@
               <a:rPr lang="zh-CN" altLang="zh-CN"/>
               <a:t>Click to edit Master text styles</a:t>
             </a:r>
-            <a:endParaRPr lang="zh-CN" altLang="zh-CN"/>
           </a:p>
           <a:p>
             <a:pPr lvl="1"/>
@@ -9735,7 +9602,6 @@
               <a:rPr lang="zh-CN" altLang="zh-CN"/>
               <a:t>Second level</a:t>
             </a:r>
-            <a:endParaRPr lang="zh-CN" altLang="zh-CN"/>
           </a:p>
           <a:p>
             <a:pPr lvl="2"/>
@@ -9743,7 +9609,6 @@
               <a:rPr lang="zh-CN" altLang="zh-CN"/>
               <a:t>Third level</a:t>
             </a:r>
-            <a:endParaRPr lang="zh-CN" altLang="zh-CN"/>
           </a:p>
           <a:p>
             <a:pPr lvl="3"/>
@@ -9751,7 +9616,6 @@
               <a:rPr lang="zh-CN" altLang="zh-CN"/>
               <a:t>Fourth level</a:t>
             </a:r>
-            <a:endParaRPr lang="zh-CN" altLang="zh-CN"/>
           </a:p>
           <a:p>
             <a:pPr lvl="4"/>
@@ -9759,7 +9623,6 @@
               <a:rPr lang="zh-CN" altLang="zh-CN"/>
               <a:t>Fifth level</a:t>
             </a:r>
-            <a:endParaRPr lang="zh-CN" altLang="zh-CN"/>
           </a:p>
         </p:txBody>
       </p:sp>
@@ -9888,6 +9751,7 @@
           <a:p>
             <a:fld id="{ACE0F740-134C-4D13-9881-4C1D70DFCEEE}" type="slidenum">
               <a:rPr lang="zh-CN" altLang="en-US"/>
+              <a:t>‹#›</a:t>
             </a:fld>
             <a:endParaRPr lang="zh-CN" altLang="en-US"/>
           </a:p>
@@ -9902,7 +9766,7 @@
           <p:nvPr userDrawn="1"/>
         </p:nvPicPr>
         <p:blipFill>
-          <a:blip r:embed="rId12" cstate="email"/>
+          <a:blip r:embed="rId13" cstate="email"/>
           <a:srcRect/>
           <a:stretch>
             <a:fillRect/>
@@ -10404,7 +10268,7 @@
           <p:nvPr/>
         </p:nvPicPr>
         <p:blipFill>
-          <a:blip r:embed="rId1" cstate="email"/>
+          <a:blip r:embed="rId2" cstate="email"/>
           <a:srcRect/>
           <a:stretch>
             <a:fillRect/>
@@ -10452,7 +10316,7 @@
           <p:nvPr/>
         </p:nvPicPr>
         <p:blipFill>
-          <a:blip r:embed="rId2" cstate="email"/>
+          <a:blip r:embed="rId3" cstate="email"/>
           <a:srcRect/>
           <a:stretch>
             <a:fillRect/>
@@ -10500,7 +10364,7 @@
           <p:nvPr/>
         </p:nvPicPr>
         <p:blipFill>
-          <a:blip r:embed="rId3" cstate="email"/>
+          <a:blip r:embed="rId4" cstate="email"/>
           <a:srcRect/>
           <a:stretch>
             <a:fillRect/>
@@ -10548,7 +10412,7 @@
           <p:nvPr/>
         </p:nvPicPr>
         <p:blipFill>
-          <a:blip r:embed="rId4" cstate="email"/>
+          <a:blip r:embed="rId5" cstate="email"/>
           <a:srcRect/>
           <a:stretch>
             <a:fillRect/>
@@ -10596,7 +10460,7 @@
           <p:nvPr/>
         </p:nvPicPr>
         <p:blipFill>
-          <a:blip r:embed="rId4" cstate="email"/>
+          <a:blip r:embed="rId5" cstate="email"/>
           <a:srcRect/>
           <a:stretch>
             <a:fillRect/>
@@ -10800,12 +10664,6 @@
               </a:rPr>
               <a:t>欢迎观看！</a:t>
             </a:r>
-            <a:endParaRPr lang="zh-CN" altLang="en-US" sz="2400" b="1" dirty="0">
-              <a:solidFill>
-                <a:srgbClr val="777777"/>
-              </a:solidFill>
-              <a:ea typeface="微软雅黑" panose="020B0503020204020204" pitchFamily="34" charset="-122"/>
-            </a:endParaRPr>
           </a:p>
         </p:txBody>
       </p:sp>
@@ -11388,15 +11246,15 @@
         </p:nvSpPr>
         <p:spPr>
           <a:xfrm>
-            <a:off x="218804" y="640080"/>
-            <a:ext cx="3185487" cy="369332"/>
+            <a:off x="175098" y="688717"/>
+            <a:ext cx="34027757" cy="3416320"/>
           </a:xfrm>
           <a:prstGeom prst="rect">
             <a:avLst/>
           </a:prstGeom>
         </p:spPr>
         <p:txBody>
-          <a:bodyPr wrap="none">
+          <a:bodyPr wrap="square">
             <a:spAutoFit/>
           </a:bodyPr>
           <a:lstStyle/>
@@ -11409,63 +11267,131 @@
                 <a:latin typeface="微软雅黑" panose="020B0503020204020204" pitchFamily="34" charset="-122"/>
                 <a:ea typeface="微软雅黑" panose="020B0503020204020204" pitchFamily="34" charset="-122"/>
               </a:rPr>
-              <a:t>常智裕的总结、体会、评价：</a:t>
-            </a:r>
+              <a:t>邢国浩的总结、体会、评价：</a:t>
+            </a:r>
+            <a:endParaRPr lang="en-US" altLang="zh-CN" b="1" noProof="1">
+              <a:solidFill>
+                <a:srgbClr val="777777"/>
+              </a:solidFill>
+              <a:latin typeface="微软雅黑" panose="020B0503020204020204" pitchFamily="34" charset="-122"/>
+              <a:ea typeface="微软雅黑" panose="020B0503020204020204" pitchFamily="34" charset="-122"/>
+            </a:endParaRPr>
+          </a:p>
+          <a:p>
+            <a:endParaRPr lang="en-US" altLang="zh-CN" b="1" noProof="1">
+              <a:solidFill>
+                <a:srgbClr val="777777"/>
+              </a:solidFill>
+              <a:latin typeface="微软雅黑" panose="020B0503020204020204" pitchFamily="34" charset="-122"/>
+              <a:ea typeface="微软雅黑" panose="020B0503020204020204" pitchFamily="34" charset="-122"/>
+            </a:endParaRPr>
+          </a:p>
+          <a:p>
+            <a:endParaRPr lang="en-US" altLang="zh-CN" b="1" noProof="1">
+              <a:solidFill>
+                <a:srgbClr val="777777"/>
+              </a:solidFill>
+              <a:latin typeface="微软雅黑" panose="020B0503020204020204" pitchFamily="34" charset="-122"/>
+              <a:ea typeface="微软雅黑" panose="020B0503020204020204" pitchFamily="34" charset="-122"/>
+            </a:endParaRPr>
+          </a:p>
+          <a:p>
+            <a:r>
+              <a:rPr lang="en-US" altLang="zh-CN" dirty="0"/>
+              <a:t>	</a:t>
+            </a:r>
+            <a:r>
+              <a:rPr lang="zh-CN" altLang="en-US" dirty="0"/>
+              <a:t>短短</a:t>
+            </a:r>
+            <a:r>
+              <a:rPr lang="en-US" altLang="zh-CN" dirty="0"/>
+              <a:t>10</a:t>
+            </a:r>
+            <a:r>
+              <a:rPr lang="zh-CN" altLang="en-US" dirty="0"/>
+              <a:t>天的实训接近尾声，项目虽然比较简单，但收获了不少东西。</a:t>
+            </a:r>
+            <a:endParaRPr lang="en-US" altLang="zh-CN" dirty="0"/>
+          </a:p>
+          <a:p>
+            <a:r>
+              <a:rPr lang="zh-CN" altLang="en-US" dirty="0"/>
+              <a:t>最重要的是团队合作的能力达到了提高，选择适当的合作方式，分配任务，完成部分之后再无缝对接，</a:t>
+            </a:r>
+            <a:endParaRPr lang="en-US" altLang="zh-CN" dirty="0"/>
+          </a:p>
+          <a:p>
+            <a:r>
+              <a:rPr lang="zh-CN" altLang="en-US" dirty="0"/>
+              <a:t>这个流程正是软件工程学生的软实力之一，即使是个人的项目，也可以涉及到代码重用，爬上巨人的肩膀是</a:t>
+            </a:r>
+            <a:endParaRPr lang="en-US" altLang="zh-CN" dirty="0"/>
+          </a:p>
+          <a:p>
+            <a:r>
+              <a:rPr lang="zh-CN" altLang="en-US" dirty="0"/>
+              <a:t>每个人都应该养成的素质。</a:t>
+            </a:r>
+            <a:endParaRPr lang="en-US" altLang="zh-CN" dirty="0"/>
+          </a:p>
+          <a:p>
             <a:endParaRPr lang="zh-CN" altLang="en-US" dirty="0"/>
           </a:p>
-        </p:txBody>
-      </p:sp>
-      <p:sp>
-        <p:nvSpPr>
-          <p:cNvPr id="3" name="文本框 2"/>
-          <p:cNvSpPr txBox="1"/>
-          <p:nvPr/>
-        </p:nvSpPr>
-        <p:spPr>
-          <a:xfrm>
-            <a:off x="876693" y="1566148"/>
-            <a:ext cx="10246936" cy="2031325"/>
-          </a:xfrm>
-          <a:prstGeom prst="rect">
-            <a:avLst/>
-          </a:prstGeom>
-          <a:noFill/>
-        </p:spPr>
-        <p:txBody>
-          <a:bodyPr wrap="square" rtlCol="0">
-            <a:spAutoFit/>
-          </a:bodyPr>
-          <a:lstStyle/>
-          <a:p>
+          <a:p>
+            <a:r>
+              <a:rPr lang="en-US" altLang="zh-CN" dirty="0"/>
+              <a:t>	</a:t>
+            </a:r>
             <a:r>
               <a:rPr lang="zh-CN" altLang="en-US" dirty="0"/>
-              <a:t>         在这几天的</a:t>
+              <a:t>在代码方面，我学习了如何写一个规范的需求报告和设计报告，熟练了用</a:t>
+            </a:r>
+            <a:r>
+              <a:rPr lang="en-US" altLang="zh-CN" dirty="0" err="1"/>
+              <a:t>MicrosoftVisio</a:t>
+            </a:r>
+            <a:r>
+              <a:rPr lang="zh-CN" altLang="en-US" dirty="0"/>
+              <a:t>画流程图的操作，</a:t>
+            </a:r>
+            <a:endParaRPr lang="en-US" altLang="zh-CN" dirty="0"/>
+          </a:p>
+          <a:p>
+            <a:r>
+              <a:rPr lang="zh-CN" altLang="en-US" dirty="0"/>
+              <a:t>熟练了</a:t>
             </a:r>
             <a:r>
               <a:rPr lang="en-US" altLang="zh-CN" dirty="0"/>
-              <a:t>c</a:t>
+              <a:t>C</a:t>
             </a:r>
             <a:r>
               <a:rPr lang="zh-CN" altLang="en-US" dirty="0"/>
-              <a:t>语言实训中，我首先跟着老师复习了很多我理解到不到位的旧知识，如结构体链表。花费不少时间完成了作业之后能明显感到提升。</a:t>
+              <a:t>语言中链表的使用和文件的操作和快速架构及重用的方法，并学了诸如</a:t>
+            </a:r>
+            <a:r>
+              <a:rPr lang="en-US" altLang="zh-CN" dirty="0" err="1"/>
+              <a:t>shellExecute</a:t>
+            </a:r>
+            <a:r>
+              <a:rPr lang="zh-CN" altLang="en-US" dirty="0"/>
+              <a:t>之类的新函数。</a:t>
             </a:r>
             <a:endParaRPr lang="en-US" altLang="zh-CN" dirty="0"/>
           </a:p>
           <a:p>
             <a:r>
-              <a:rPr lang="en-US" altLang="zh-CN" dirty="0"/>
-              <a:t>         </a:t>
-            </a:r>
-            <a:r>
               <a:rPr lang="zh-CN" altLang="en-US" dirty="0"/>
-              <a:t>之后便是学习制作个人项目报告，这是我第一次上手写这些东西，大概了解了流程，学会了画流程图的方法。</a:t>
-            </a:r>
-            <a:endParaRPr lang="zh-CN" altLang="en-US" dirty="0"/>
-          </a:p>
-          <a:p>
+              <a:t>熟练了</a:t>
+            </a:r>
+            <a:r>
+              <a:rPr lang="en-US" altLang="zh-CN" dirty="0" err="1"/>
+              <a:t>github</a:t>
+            </a:r>
             <a:r>
               <a:rPr lang="zh-CN" altLang="en-US" dirty="0"/>
-              <a:t>         最后便是学习使用</a:t>
+              <a:t>的操作和掌握了</a:t>
             </a:r>
             <a:r>
               <a:rPr lang="en-US" altLang="zh-CN" dirty="0"/>
@@ -11473,17 +11399,15 @@
             </a:r>
             <a:r>
               <a:rPr lang="zh-CN" altLang="en-US" dirty="0"/>
-              <a:t>了。一开始我一头雾水，对他各种函数的调用和操作劝退了。后来经过老师讲解之后有种恍然大悟的感觉。然后经过漫长的</a:t>
-            </a:r>
-            <a:r>
-              <a:rPr lang="en-US" altLang="zh-CN" dirty="0"/>
-              <a:t>debug</a:t>
-            </a:r>
+              <a:t>的使用。对软件工程的开发流程有了一个更好的认识。</a:t>
+            </a:r>
+            <a:endParaRPr lang="en-US" altLang="zh-CN" dirty="0"/>
+          </a:p>
+          <a:p>
             <a:r>
               <a:rPr lang="zh-CN" altLang="en-US" dirty="0"/>
-              <a:t>时间终于自主万和城能了自己的功能模块，成功完成任务，没给小组拖后腿，我感到很高兴。</a:t>
-            </a:r>
-            <a:endParaRPr lang="zh-CN" altLang="en-US" dirty="0"/>
+              <a:t>收获还是很大的</a:t>
+            </a:r>
           </a:p>
         </p:txBody>
       </p:sp>
@@ -11521,7 +11445,7 @@
         <p:spPr>
           <a:xfrm>
             <a:off x="218804" y="640080"/>
-            <a:ext cx="2926080" cy="368300"/>
+            <a:ext cx="3185487" cy="369332"/>
           </a:xfrm>
           <a:prstGeom prst="rect">
             <a:avLst/>
@@ -11531,6 +11455,7 @@
           <a:bodyPr wrap="none">
             <a:spAutoFit/>
           </a:bodyPr>
+          <a:lstStyle/>
           <a:p>
             <a:r>
               <a:rPr lang="zh-CN" altLang="en-US" b="1" noProof="1">
@@ -11540,7 +11465,7 @@
                 <a:latin typeface="微软雅黑" panose="020B0503020204020204" pitchFamily="34" charset="-122"/>
                 <a:ea typeface="微软雅黑" panose="020B0503020204020204" pitchFamily="34" charset="-122"/>
               </a:rPr>
-              <a:t>熊伟的总结、体会、评价：</a:t>
+              <a:t>常智裕的总结、体会、评价：</a:t>
             </a:r>
             <a:endParaRPr lang="zh-CN" altLang="en-US" dirty="0"/>
           </a:p>
@@ -11555,7 +11480,7 @@
         <p:spPr>
           <a:xfrm>
             <a:off x="876693" y="1566148"/>
-            <a:ext cx="10246936" cy="5323205"/>
+            <a:ext cx="10246936" cy="2031325"/>
           </a:xfrm>
           <a:prstGeom prst="rect">
             <a:avLst/>
@@ -11566,127 +11491,53 @@
           <a:bodyPr wrap="square" rtlCol="0">
             <a:spAutoFit/>
           </a:bodyPr>
-          <a:p>
-            <a:r>
-              <a:rPr sz="2000" dirty="0">
-                <a:latin typeface="楷体" panose="02010609060101010101" charset="-122"/>
-                <a:ea typeface="楷体" panose="02010609060101010101" charset="-122"/>
-                <a:cs typeface="楷体" panose="02010609060101010101" charset="-122"/>
-              </a:rPr>
-              <a:t>    这次做项目的过程中我真的学会了很多很多！</a:t>
-            </a:r>
-            <a:endParaRPr sz="2000" dirty="0">
-              <a:latin typeface="楷体" panose="02010609060101010101" charset="-122"/>
-              <a:ea typeface="楷体" panose="02010609060101010101" charset="-122"/>
-              <a:cs typeface="楷体" panose="02010609060101010101" charset="-122"/>
-            </a:endParaRPr>
-          </a:p>
-          <a:p>
-            <a:r>
-              <a:rPr sz="2000" dirty="0">
-                <a:latin typeface="楷体" panose="02010609060101010101" charset="-122"/>
-                <a:ea typeface="楷体" panose="02010609060101010101" charset="-122"/>
-                <a:cs typeface="楷体" panose="02010609060101010101" charset="-122"/>
-              </a:rPr>
-              <a:t>    开始几天是对C语言的复习，在复习过程中我发现自己对C语言已经不熟悉了，在上学期学习C的过程中，我对指针，结构体，文件这一块掌握的不好，通过这个复习过程的多次练习，我已经基本掌握了这些内容，也为后续的“电子词典”代码的编写打下了基础。</a:t>
-            </a:r>
-            <a:endParaRPr sz="2000" dirty="0">
-              <a:latin typeface="楷体" panose="02010609060101010101" charset="-122"/>
-              <a:ea typeface="楷体" panose="02010609060101010101" charset="-122"/>
-              <a:cs typeface="楷体" panose="02010609060101010101" charset="-122"/>
-            </a:endParaRPr>
-          </a:p>
-          <a:p>
-            <a:r>
-              <a:rPr sz="2000" dirty="0">
-                <a:latin typeface="楷体" panose="02010609060101010101" charset="-122"/>
-                <a:ea typeface="楷体" panose="02010609060101010101" charset="-122"/>
-                <a:cs typeface="楷体" panose="02010609060101010101" charset="-122"/>
-              </a:rPr>
-              <a:t>    在写“电子词典”的过程中，有很多函数都是我借鉴网上的大神的，看了他们的方法，我学会了遍历文件、搜索关键词等方法。开始做项目的第一天上午我就做成了项目雏形，其中大部分方法都是从CSDN上学来的，从这一点我真正体会到了“学习”的重要性，真的能够节省很多时间。</a:t>
-            </a:r>
-            <a:endParaRPr sz="2000" dirty="0">
-              <a:latin typeface="楷体" panose="02010609060101010101" charset="-122"/>
-              <a:ea typeface="楷体" panose="02010609060101010101" charset="-122"/>
-              <a:cs typeface="楷体" panose="02010609060101010101" charset="-122"/>
-            </a:endParaRPr>
-          </a:p>
-          <a:p>
-            <a:r>
-              <a:rPr sz="2000" dirty="0">
-                <a:latin typeface="楷体" panose="02010609060101010101" charset="-122"/>
-                <a:ea typeface="楷体" panose="02010609060101010101" charset="-122"/>
-                <a:cs typeface="楷体" panose="02010609060101010101" charset="-122"/>
-              </a:rPr>
-              <a:t>    后在后来完善“电子词典”功能的过程中，我们小组的组员们一起讨论能够添加哪些特色功能，然后“单词听写”“收藏夹”等功能就这样出来了，讲实话，如果让我一个人来做这个项目，这些特色功能我是想不到的，从这一点我也感受到了团队合作的重要性！</a:t>
-            </a:r>
-            <a:endParaRPr sz="2000" dirty="0">
-              <a:latin typeface="楷体" panose="02010609060101010101" charset="-122"/>
-              <a:ea typeface="楷体" panose="02010609060101010101" charset="-122"/>
-              <a:cs typeface="楷体" panose="02010609060101010101" charset="-122"/>
-            </a:endParaRPr>
-          </a:p>
-          <a:p>
-            <a:r>
-              <a:rPr sz="2000" dirty="0">
-                <a:latin typeface="楷体" panose="02010609060101010101" charset="-122"/>
-                <a:ea typeface="楷体" panose="02010609060101010101" charset="-122"/>
-                <a:cs typeface="楷体" panose="02010609060101010101" charset="-122"/>
-              </a:rPr>
-              <a:t>    最后是用MFC完成小组项目，大家一起合作完成这个项目，本应该要轻松许多，但一开始其实并不轻松，因为我们都对MFC这个东西是完全陌生的，于是组长带领大家一起学习MFC的使用，最终我们使用MFC完成了这个项目，</a:t>
-            </a:r>
-            <a:r>
-              <a:rPr sz="2000" b="1" dirty="0">
-                <a:latin typeface="楷体" panose="02010609060101010101" charset="-122"/>
-                <a:ea typeface="楷体" panose="02010609060101010101" charset="-122"/>
-                <a:cs typeface="楷体" panose="02010609060101010101" charset="-122"/>
-              </a:rPr>
-              <a:t>从学习到使用再到完成</a:t>
-            </a:r>
-            <a:r>
-              <a:rPr sz="2000" dirty="0">
-                <a:latin typeface="楷体" panose="02010609060101010101" charset="-122"/>
-                <a:ea typeface="楷体" panose="02010609060101010101" charset="-122"/>
-                <a:cs typeface="楷体" panose="02010609060101010101" charset="-122"/>
-              </a:rPr>
-              <a:t>，虽然只有短短几天时间，但我们的成就却并不小，做完这个之后我们都挺有</a:t>
-            </a:r>
-            <a:r>
-              <a:rPr sz="2000" b="1" dirty="0">
-                <a:latin typeface="楷体" panose="02010609060101010101" charset="-122"/>
-                <a:ea typeface="楷体" panose="02010609060101010101" charset="-122"/>
-                <a:cs typeface="楷体" panose="02010609060101010101" charset="-122"/>
-              </a:rPr>
-              <a:t>成就感</a:t>
-            </a:r>
-            <a:r>
-              <a:rPr sz="2000" dirty="0">
-                <a:latin typeface="楷体" panose="02010609060101010101" charset="-122"/>
-                <a:ea typeface="楷体" panose="02010609060101010101" charset="-122"/>
-                <a:cs typeface="楷体" panose="02010609060101010101" charset="-122"/>
-              </a:rPr>
-              <a:t>的！</a:t>
-            </a:r>
-            <a:endParaRPr sz="2000" dirty="0">
-              <a:latin typeface="楷体" panose="02010609060101010101" charset="-122"/>
-              <a:ea typeface="楷体" panose="02010609060101010101" charset="-122"/>
-              <a:cs typeface="楷体" panose="02010609060101010101" charset="-122"/>
-            </a:endParaRPr>
-          </a:p>
-          <a:p>
-            <a:r>
-              <a:rPr sz="2000" dirty="0">
-                <a:latin typeface="楷体" panose="02010609060101010101" charset="-122"/>
-                <a:ea typeface="楷体" panose="02010609060101010101" charset="-122"/>
-                <a:cs typeface="楷体" panose="02010609060101010101" charset="-122"/>
-              </a:rPr>
-              <a:t>    很幸运能够参加这次暑假实训，真的让我学会了很多，感谢老师的帮助，感谢组员们的帮助！</a:t>
-            </a:r>
-            <a:endParaRPr sz="2000" dirty="0">
-              <a:latin typeface="楷体" panose="02010609060101010101" charset="-122"/>
-              <a:ea typeface="楷体" panose="02010609060101010101" charset="-122"/>
-              <a:cs typeface="楷体" panose="02010609060101010101" charset="-122"/>
-            </a:endParaRPr>
+          <a:lstStyle/>
+          <a:p>
+            <a:r>
+              <a:rPr lang="zh-CN" altLang="en-US" dirty="0"/>
+              <a:t>         在这几天的</a:t>
+            </a:r>
+            <a:r>
+              <a:rPr lang="en-US" altLang="zh-CN" dirty="0"/>
+              <a:t>c</a:t>
+            </a:r>
+            <a:r>
+              <a:rPr lang="zh-CN" altLang="en-US" dirty="0"/>
+              <a:t>语言实训中，我首先跟着老师复习了很多我理解到不到位的旧知识，如结构体链表。花费不少时间完成了作业之后能明显感到提升。</a:t>
+            </a:r>
+            <a:endParaRPr lang="en-US" altLang="zh-CN" dirty="0"/>
+          </a:p>
+          <a:p>
+            <a:r>
+              <a:rPr lang="en-US" altLang="zh-CN" dirty="0"/>
+              <a:t>         </a:t>
+            </a:r>
+            <a:r>
+              <a:rPr lang="zh-CN" altLang="en-US" dirty="0"/>
+              <a:t>之后便是学习制作个人项目报告，这是我第一次上手写这些东西，大概了解了流程，学会了画流程图的方法。</a:t>
+            </a:r>
+          </a:p>
+          <a:p>
+            <a:r>
+              <a:rPr lang="zh-CN" altLang="en-US" dirty="0"/>
+              <a:t>         最后便是学习使用</a:t>
+            </a:r>
+            <a:r>
+              <a:rPr lang="en-US" altLang="zh-CN" dirty="0"/>
+              <a:t>MFC</a:t>
+            </a:r>
+            <a:r>
+              <a:rPr lang="zh-CN" altLang="en-US" dirty="0"/>
+              <a:t>了。一开始我一头雾水，对他各种函数的调用和操作劝退了。后来经过老师讲解之后有种恍然大悟的感觉。然后经过漫长的</a:t>
+            </a:r>
+            <a:r>
+              <a:rPr lang="en-US" altLang="zh-CN" dirty="0"/>
+              <a:t>debug</a:t>
+            </a:r>
+            <a:r>
+              <a:rPr lang="zh-CN" altLang="en-US" dirty="0"/>
+              <a:t>时间终于自主万和城能了自己的功能模块，成功完成任务，没给小组拖后腿，我感到很高兴。</a:t>
+            </a:r>
           </a:p>
         </p:txBody>
       </p:sp>
@@ -11715,6 +11566,303 @@
           <a:chExt cx="0" cy="0"/>
         </a:xfrm>
       </p:grpSpPr>
+      <p:sp>
+        <p:nvSpPr>
+          <p:cNvPr id="2" name="矩形 1"/>
+          <p:cNvSpPr/>
+          <p:nvPr/>
+        </p:nvSpPr>
+        <p:spPr>
+          <a:xfrm>
+            <a:off x="218804" y="640080"/>
+            <a:ext cx="2926080" cy="368300"/>
+          </a:xfrm>
+          <a:prstGeom prst="rect">
+            <a:avLst/>
+          </a:prstGeom>
+        </p:spPr>
+        <p:txBody>
+          <a:bodyPr wrap="none">
+            <a:spAutoFit/>
+          </a:bodyPr>
+          <a:lstStyle/>
+          <a:p>
+            <a:r>
+              <a:rPr lang="zh-CN" altLang="en-US" b="1" noProof="1">
+                <a:solidFill>
+                  <a:srgbClr val="777777"/>
+                </a:solidFill>
+                <a:latin typeface="微软雅黑" panose="020B0503020204020204" pitchFamily="34" charset="-122"/>
+                <a:ea typeface="微软雅黑" panose="020B0503020204020204" pitchFamily="34" charset="-122"/>
+              </a:rPr>
+              <a:t>熊伟的总结、体会、评价：</a:t>
+            </a:r>
+            <a:endParaRPr lang="zh-CN" altLang="en-US" dirty="0"/>
+          </a:p>
+        </p:txBody>
+      </p:sp>
+      <p:sp>
+        <p:nvSpPr>
+          <p:cNvPr id="3" name="文本框 2"/>
+          <p:cNvSpPr txBox="1"/>
+          <p:nvPr/>
+        </p:nvSpPr>
+        <p:spPr>
+          <a:xfrm>
+            <a:off x="876693" y="1566148"/>
+            <a:ext cx="10246936" cy="5323205"/>
+          </a:xfrm>
+          <a:prstGeom prst="rect">
+            <a:avLst/>
+          </a:prstGeom>
+          <a:noFill/>
+        </p:spPr>
+        <p:txBody>
+          <a:bodyPr wrap="square" rtlCol="0">
+            <a:spAutoFit/>
+          </a:bodyPr>
+          <a:lstStyle/>
+          <a:p>
+            <a:r>
+              <a:rPr sz="2000" dirty="0">
+                <a:latin typeface="楷体" panose="02010609060101010101" charset="-122"/>
+                <a:ea typeface="楷体" panose="02010609060101010101" charset="-122"/>
+                <a:cs typeface="楷体" panose="02010609060101010101" charset="-122"/>
+              </a:rPr>
+              <a:t>    这次做项目的过程中我真的学会了很多很多！</a:t>
+            </a:r>
+          </a:p>
+          <a:p>
+            <a:r>
+              <a:rPr sz="2000" dirty="0">
+                <a:latin typeface="楷体" panose="02010609060101010101" charset="-122"/>
+                <a:ea typeface="楷体" panose="02010609060101010101" charset="-122"/>
+                <a:cs typeface="楷体" panose="02010609060101010101" charset="-122"/>
+              </a:rPr>
+              <a:t>    开始几天是对C语言的复习，在复习过程中我发现自己对C语言已经不熟悉了，在上学期学习C的过程中，我对指针，结构体，文件这一块掌握的不好，通过这个复习过程的多次练习，我已经基本掌握了这些内容，也为后续的“电子词典”代码的编写打下了基础。</a:t>
+            </a:r>
+          </a:p>
+          <a:p>
+            <a:r>
+              <a:rPr sz="2000" dirty="0">
+                <a:latin typeface="楷体" panose="02010609060101010101" charset="-122"/>
+                <a:ea typeface="楷体" panose="02010609060101010101" charset="-122"/>
+                <a:cs typeface="楷体" panose="02010609060101010101" charset="-122"/>
+              </a:rPr>
+              <a:t>    在写“电子词典”的过程中，有很多函数都是我借鉴网上的大神的，看了他们的方法，我学会了遍历文件、搜索关键词等方法。开始做项目的第一天上午我就做成了项目雏形，其中大部分方法都是从CSDN上学来的，从这一点我真正体会到了“学习”的重要性，真的能够节省很多时间。</a:t>
+            </a:r>
+          </a:p>
+          <a:p>
+            <a:r>
+              <a:rPr sz="2000" dirty="0">
+                <a:latin typeface="楷体" panose="02010609060101010101" charset="-122"/>
+                <a:ea typeface="楷体" panose="02010609060101010101" charset="-122"/>
+                <a:cs typeface="楷体" panose="02010609060101010101" charset="-122"/>
+              </a:rPr>
+              <a:t>    后在后来完善“电子词典”功能的过程中，我们小组的组员们一起讨论能够添加哪些特色功能，然后“单词听写”“收藏夹”等功能就这样出来了，讲实话，如果让我一个人来做这个项目，这些特色功能我是想不到的，从这一点我也感受到了团队合作的重要性！</a:t>
+            </a:r>
+          </a:p>
+          <a:p>
+            <a:r>
+              <a:rPr sz="2000" dirty="0">
+                <a:latin typeface="楷体" panose="02010609060101010101" charset="-122"/>
+                <a:ea typeface="楷体" panose="02010609060101010101" charset="-122"/>
+                <a:cs typeface="楷体" panose="02010609060101010101" charset="-122"/>
+              </a:rPr>
+              <a:t>    最后是用MFC完成小组项目，大家一起合作完成这个项目，本应该要轻松许多，但一开始其实并不轻松，因为我们都对MFC这个东西是完全陌生的，于是组长带领大家一起学习MFC的使用，最终我们使用MFC完成了这个项目，</a:t>
+            </a:r>
+            <a:r>
+              <a:rPr sz="2000" b="1" dirty="0">
+                <a:latin typeface="楷体" panose="02010609060101010101" charset="-122"/>
+                <a:ea typeface="楷体" panose="02010609060101010101" charset="-122"/>
+                <a:cs typeface="楷体" panose="02010609060101010101" charset="-122"/>
+              </a:rPr>
+              <a:t>从学习到使用再到完成</a:t>
+            </a:r>
+            <a:r>
+              <a:rPr sz="2000" dirty="0">
+                <a:latin typeface="楷体" panose="02010609060101010101" charset="-122"/>
+                <a:ea typeface="楷体" panose="02010609060101010101" charset="-122"/>
+                <a:cs typeface="楷体" panose="02010609060101010101" charset="-122"/>
+              </a:rPr>
+              <a:t>，虽然只有短短几天时间，但我们的成就却并不小，做完这个之后我们都挺有</a:t>
+            </a:r>
+            <a:r>
+              <a:rPr sz="2000" b="1" dirty="0">
+                <a:latin typeface="楷体" panose="02010609060101010101" charset="-122"/>
+                <a:ea typeface="楷体" panose="02010609060101010101" charset="-122"/>
+                <a:cs typeface="楷体" panose="02010609060101010101" charset="-122"/>
+              </a:rPr>
+              <a:t>成就感</a:t>
+            </a:r>
+            <a:r>
+              <a:rPr sz="2000" dirty="0">
+                <a:latin typeface="楷体" panose="02010609060101010101" charset="-122"/>
+                <a:ea typeface="楷体" panose="02010609060101010101" charset="-122"/>
+                <a:cs typeface="楷体" panose="02010609060101010101" charset="-122"/>
+              </a:rPr>
+              <a:t>的！</a:t>
+            </a:r>
+          </a:p>
+          <a:p>
+            <a:r>
+              <a:rPr sz="2000" dirty="0">
+                <a:latin typeface="楷体" panose="02010609060101010101" charset="-122"/>
+                <a:ea typeface="楷体" panose="02010609060101010101" charset="-122"/>
+                <a:cs typeface="楷体" panose="02010609060101010101" charset="-122"/>
+              </a:rPr>
+              <a:t>    很幸运能够参加这次暑假实训，真的让我学会了很多，感谢老师的帮助，感谢组员们的帮助！</a:t>
+            </a:r>
+          </a:p>
+        </p:txBody>
+      </p:sp>
+    </p:spTree>
+  </p:cSld>
+  <p:clrMapOvr>
+    <a:masterClrMapping/>
+  </p:clrMapOvr>
+</p:sld>
+</file>
+
+<file path=ppt/slides/slide13.xml><?xml version="1.0" encoding="utf-8"?>
+<p:sld xmlns:a="http://schemas.openxmlformats.org/drawingml/2006/main" xmlns:r="http://schemas.openxmlformats.org/officeDocument/2006/relationships" xmlns:p="http://schemas.openxmlformats.org/presentationml/2006/main">
+  <p:cSld>
+    <p:spTree>
+      <p:nvGrpSpPr>
+        <p:cNvPr id="1" name=""/>
+        <p:cNvGrpSpPr/>
+        <p:nvPr/>
+      </p:nvGrpSpPr>
+      <p:grpSpPr>
+        <a:xfrm>
+          <a:off x="0" y="0"/>
+          <a:ext cx="0" cy="0"/>
+          <a:chOff x="0" y="0"/>
+          <a:chExt cx="0" cy="0"/>
+        </a:xfrm>
+      </p:grpSpPr>
+      <p:sp>
+        <p:nvSpPr>
+          <p:cNvPr id="3" name="矩形 2">
+            <a:extLst>
+              <a:ext uri="{FF2B5EF4-FFF2-40B4-BE49-F238E27FC236}">
+                <a16:creationId xmlns:a16="http://schemas.microsoft.com/office/drawing/2014/main" id="{E8AAE837-58A5-41E6-9F7C-DD2E23BEFBB4}"/>
+              </a:ext>
+            </a:extLst>
+          </p:cNvPr>
+          <p:cNvSpPr/>
+          <p:nvPr/>
+        </p:nvSpPr>
+        <p:spPr>
+          <a:xfrm>
+            <a:off x="218804" y="640080"/>
+            <a:ext cx="3185487" cy="369332"/>
+          </a:xfrm>
+          <a:prstGeom prst="rect">
+            <a:avLst/>
+          </a:prstGeom>
+        </p:spPr>
+        <p:txBody>
+          <a:bodyPr wrap="none">
+            <a:spAutoFit/>
+          </a:bodyPr>
+          <a:lstStyle/>
+          <a:p>
+            <a:r>
+              <a:rPr lang="zh-CN" altLang="en-US" b="1" noProof="1">
+                <a:solidFill>
+                  <a:srgbClr val="777777"/>
+                </a:solidFill>
+                <a:latin typeface="微软雅黑" panose="020B0503020204020204" pitchFamily="34" charset="-122"/>
+                <a:ea typeface="微软雅黑" panose="020B0503020204020204" pitchFamily="34" charset="-122"/>
+              </a:rPr>
+              <a:t>王锦祥的总结、体会、评价：</a:t>
+            </a:r>
+            <a:endParaRPr lang="zh-CN" altLang="en-US" dirty="0"/>
+          </a:p>
+        </p:txBody>
+      </p:sp>
+      <p:sp>
+        <p:nvSpPr>
+          <p:cNvPr id="4" name="矩形 3">
+            <a:extLst>
+              <a:ext uri="{FF2B5EF4-FFF2-40B4-BE49-F238E27FC236}">
+                <a16:creationId xmlns:a16="http://schemas.microsoft.com/office/drawing/2014/main" id="{803BF733-2045-4D8F-8FA7-55ADAA0A9689}"/>
+              </a:ext>
+            </a:extLst>
+          </p:cNvPr>
+          <p:cNvSpPr/>
+          <p:nvPr/>
+        </p:nvSpPr>
+        <p:spPr>
+          <a:xfrm>
+            <a:off x="679269" y="1438981"/>
+            <a:ext cx="11247120" cy="2554545"/>
+          </a:xfrm>
+          <a:prstGeom prst="rect">
+            <a:avLst/>
+          </a:prstGeom>
+        </p:spPr>
+        <p:txBody>
+          <a:bodyPr wrap="square">
+            <a:spAutoFit/>
+          </a:bodyPr>
+          <a:lstStyle/>
+          <a:p>
+            <a:r>
+              <a:rPr lang="zh-CN" altLang="en-US" sz="4000" dirty="0">
+                <a:latin typeface="楷体" panose="02010609060101010101" charset="-122"/>
+                <a:ea typeface="楷体" panose="02010609060101010101" charset="-122"/>
+              </a:rPr>
+              <a:t>实训感言：刚开始做</a:t>
+            </a:r>
+            <a:r>
+              <a:rPr lang="en-US" altLang="zh-CN" sz="4000" dirty="0">
+                <a:latin typeface="楷体" panose="02010609060101010101" charset="-122"/>
+                <a:ea typeface="楷体" panose="02010609060101010101" charset="-122"/>
+              </a:rPr>
+              <a:t>MFC</a:t>
+            </a:r>
+            <a:r>
+              <a:rPr lang="zh-CN" altLang="en-US" sz="4000" dirty="0">
+                <a:latin typeface="楷体" panose="02010609060101010101" charset="-122"/>
+                <a:ea typeface="楷体" panose="02010609060101010101" charset="-122"/>
+              </a:rPr>
+              <a:t>的时候很自闭，一开始很懵心态有点爆炸，后来慢慢地在小组成员的帮助下才好了起来，非常感谢所有小组成员给与我的帮助</a:t>
+            </a:r>
+          </a:p>
+        </p:txBody>
+      </p:sp>
+    </p:spTree>
+    <p:extLst>
+      <p:ext uri="{BB962C8B-B14F-4D97-AF65-F5344CB8AC3E}">
+        <p14:creationId xmlns:p14="http://schemas.microsoft.com/office/powerpoint/2010/main" val="3817406995"/>
+      </p:ext>
+    </p:extLst>
+  </p:cSld>
+  <p:clrMapOvr>
+    <a:masterClrMapping/>
+  </p:clrMapOvr>
+</p:sld>
+</file>
+
+<file path=ppt/slides/slide14.xml><?xml version="1.0" encoding="utf-8"?>
+<p:sld xmlns:a="http://schemas.openxmlformats.org/drawingml/2006/main" xmlns:r="http://schemas.openxmlformats.org/officeDocument/2006/relationships" xmlns:p="http://schemas.openxmlformats.org/presentationml/2006/main">
+  <p:cSld>
+    <p:spTree>
+      <p:nvGrpSpPr>
+        <p:cNvPr id="1" name=""/>
+        <p:cNvGrpSpPr/>
+        <p:nvPr/>
+      </p:nvGrpSpPr>
+      <p:grpSpPr>
+        <a:xfrm>
+          <a:off x="0" y="0"/>
+          <a:ext cx="0" cy="0"/>
+          <a:chOff x="0" y="0"/>
+          <a:chExt cx="0" cy="0"/>
+        </a:xfrm>
+      </p:grpSpPr>
       <p:pic>
         <p:nvPicPr>
           <p:cNvPr id="27650" name="Picture 2" descr="12-1"/>
@@ -11724,7 +11872,7 @@
           <p:nvPr/>
         </p:nvPicPr>
         <p:blipFill>
-          <a:blip r:embed="rId1" cstate="email"/>
+          <a:blip r:embed="rId2" cstate="email"/>
           <a:srcRect/>
           <a:stretch>
             <a:fillRect/>
@@ -11772,7 +11920,7 @@
           <p:nvPr/>
         </p:nvPicPr>
         <p:blipFill>
-          <a:blip r:embed="rId2" cstate="email"/>
+          <a:blip r:embed="rId3" cstate="email"/>
           <a:srcRect/>
           <a:stretch>
             <a:fillRect/>
@@ -11820,7 +11968,7 @@
           <p:nvPr/>
         </p:nvPicPr>
         <p:blipFill>
-          <a:blip r:embed="rId3" cstate="email"/>
+          <a:blip r:embed="rId4" cstate="email"/>
           <a:srcRect/>
           <a:stretch>
             <a:fillRect/>
@@ -11868,7 +12016,7 @@
           <p:nvPr/>
         </p:nvPicPr>
         <p:blipFill>
-          <a:blip r:embed="rId4" cstate="email"/>
+          <a:blip r:embed="rId5" cstate="email"/>
           <a:srcRect/>
           <a:stretch>
             <a:fillRect/>
@@ -11916,7 +12064,7 @@
           <p:nvPr/>
         </p:nvPicPr>
         <p:blipFill>
-          <a:blip r:embed="rId5" cstate="email"/>
+          <a:blip r:embed="rId6" cstate="email"/>
           <a:srcRect/>
           <a:stretch>
             <a:fillRect/>
@@ -12125,12 +12273,6 @@
               </a:rPr>
               <a:t>谢谢观看！</a:t>
             </a:r>
-            <a:endParaRPr lang="zh-CN" altLang="en-US" sz="2400" b="1">
-              <a:solidFill>
-                <a:srgbClr val="777777"/>
-              </a:solidFill>
-              <a:ea typeface="微软雅黑" panose="020B0503020204020204" pitchFamily="34" charset="-122"/>
-            </a:endParaRPr>
           </a:p>
         </p:txBody>
       </p:sp>
@@ -12533,7 +12675,7 @@
           <p:nvPr/>
         </p:nvPicPr>
         <p:blipFill>
-          <a:blip r:embed="rId1" cstate="email"/>
+          <a:blip r:embed="rId2" cstate="email"/>
           <a:srcRect/>
           <a:stretch>
             <a:fillRect/>
@@ -12581,7 +12723,7 @@
           <p:nvPr/>
         </p:nvPicPr>
         <p:blipFill>
-          <a:blip r:embed="rId2" cstate="email"/>
+          <a:blip r:embed="rId3" cstate="email"/>
           <a:srcRect/>
           <a:stretch>
             <a:fillRect/>
@@ -12629,7 +12771,7 @@
           <p:nvPr/>
         </p:nvPicPr>
         <p:blipFill>
-          <a:blip r:embed="rId3" cstate="email"/>
+          <a:blip r:embed="rId4" cstate="email"/>
           <a:srcRect/>
           <a:stretch>
             <a:fillRect/>
@@ -12677,7 +12819,7 @@
           <p:nvPr/>
         </p:nvPicPr>
         <p:blipFill>
-          <a:blip r:embed="rId4" cstate="email"/>
+          <a:blip r:embed="rId5" cstate="email"/>
           <a:srcRect/>
           <a:stretch>
             <a:fillRect/>
@@ -12725,7 +12867,7 @@
           <p:nvPr/>
         </p:nvPicPr>
         <p:blipFill>
-          <a:blip r:embed="rId5" cstate="email"/>
+          <a:blip r:embed="rId6" cstate="email"/>
           <a:srcRect/>
           <a:stretch>
             <a:fillRect/>
@@ -12775,7 +12917,7 @@
         <p:spPr bwMode="auto">
           <a:xfrm>
             <a:off x="993775" y="2130425"/>
-            <a:ext cx="8704263" cy="1465401"/>
+            <a:ext cx="10423161" cy="2926314"/>
           </a:xfrm>
           <a:prstGeom prst="rect">
             <a:avLst/>
@@ -12805,7 +12947,7 @@
           </a:extLst>
         </p:spPr>
         <p:txBody>
-          <a:bodyPr>
+          <a:bodyPr wrap="square">
             <a:spAutoFit/>
           </a:bodyPr>
           <a:lstStyle>
@@ -12926,7 +13068,7 @@
               </a:lnSpc>
             </a:pPr>
             <a:r>
-              <a:rPr lang="zh-CN" altLang="en-US" sz="1400" dirty="0">
+              <a:rPr lang="zh-CN" altLang="en-US" sz="2400" b="1" dirty="0">
                 <a:solidFill>
                   <a:srgbClr val="777777"/>
                 </a:solidFill>
@@ -12936,7 +13078,7 @@
               <a:t>              本项目为本地电子辞典。随着信息技术的发展，书籍资料的保存与传播发生了很大变化与发展，尤其是辞典这一传统工具书，通过计算机进行信息的检索无疑是最佳的选择。本系统旨在为用户提供</a:t>
             </a:r>
             <a:r>
-              <a:rPr lang="en-US" altLang="zh-CN" sz="1400" dirty="0">
+              <a:rPr lang="en-US" altLang="zh-CN" sz="2400" b="1" dirty="0">
                 <a:solidFill>
                   <a:srgbClr val="777777"/>
                 </a:solidFill>
@@ -12946,7 +13088,7 @@
               <a:t>PC</a:t>
             </a:r>
             <a:r>
-              <a:rPr lang="zh-CN" altLang="en-US" sz="1400" dirty="0">
+              <a:rPr lang="zh-CN" altLang="en-US" sz="2400" b="1" dirty="0">
                 <a:solidFill>
                   <a:srgbClr val="777777"/>
                 </a:solidFill>
@@ -12956,7 +13098,7 @@
               <a:t>端的电子辞典，让用户能够便捷的进行中英互译。本系统的模块分为：中英互译模块，词库增删改模块，单词听写模块，用户模块，收藏夹模块，小游戏模块共</a:t>
             </a:r>
             <a:r>
-              <a:rPr lang="en-US" altLang="zh-CN" sz="1400" dirty="0">
+              <a:rPr lang="en-US" altLang="zh-CN" sz="2400" b="1" dirty="0">
                 <a:solidFill>
                   <a:srgbClr val="777777"/>
                 </a:solidFill>
@@ -12966,32 +13108,15 @@
               <a:t>6</a:t>
             </a:r>
             <a:r>
-              <a:rPr lang="zh-CN" altLang="en-US" sz="1400">
+              <a:rPr lang="zh-CN" altLang="en-US" sz="2400" b="1" dirty="0">
                 <a:solidFill>
                   <a:srgbClr val="777777"/>
                 </a:solidFill>
                 <a:latin typeface="微软雅黑" panose="020B0503020204020204" pitchFamily="34" charset="-122"/>
                 <a:ea typeface="微软雅黑" panose="020B0503020204020204" pitchFamily="34" charset="-122"/>
               </a:rPr>
-              <a:t>个</a:t>
-            </a:r>
-            <a:r>
-              <a:rPr lang="zh-CN" altLang="en-US" sz="1400" dirty="0">
-                <a:solidFill>
-                  <a:srgbClr val="777777"/>
-                </a:solidFill>
-                <a:latin typeface="微软雅黑" panose="020B0503020204020204" pitchFamily="34" charset="-122"/>
-                <a:ea typeface="微软雅黑" panose="020B0503020204020204" pitchFamily="34" charset="-122"/>
-              </a:rPr>
-              <a:t>模块，模块之间划分得当，项目整体架构简洁明了，分工明确。</a:t>
-            </a:r>
-            <a:endParaRPr lang="zh-CN" altLang="en-US" sz="1400" dirty="0">
-              <a:solidFill>
-                <a:srgbClr val="777777"/>
-              </a:solidFill>
-              <a:latin typeface="微软雅黑" panose="020B0503020204020204" pitchFamily="34" charset="-122"/>
-              <a:ea typeface="微软雅黑" panose="020B0503020204020204" pitchFamily="34" charset="-122"/>
-            </a:endParaRPr>
+              <a:t>个模块，模块之间划分得当，项目整体架构简洁明了，分工明确。</a:t>
+            </a:r>
           </a:p>
         </p:txBody>
       </p:sp>
@@ -13165,12 +13290,6 @@
               </a:rPr>
               <a:t>项目简介</a:t>
             </a:r>
-            <a:endParaRPr lang="zh-CN" altLang="en-US" sz="2400" b="1">
-              <a:solidFill>
-                <a:srgbClr val="777777"/>
-              </a:solidFill>
-              <a:ea typeface="微软雅黑" panose="020B0503020204020204" pitchFamily="34" charset="-122"/>
-            </a:endParaRPr>
           </a:p>
         </p:txBody>
       </p:sp>
@@ -13531,6 +13650,65 @@
       </p:grpSpPr>
       <p:pic>
         <p:nvPicPr>
+          <p:cNvPr id="2" name="图片 1">
+            <a:extLst>
+              <a:ext uri="{FF2B5EF4-FFF2-40B4-BE49-F238E27FC236}">
+                <a16:creationId xmlns:a16="http://schemas.microsoft.com/office/drawing/2014/main" id="{EC4932A2-D83B-4A61-B0FA-6EE6EDB50A0D}"/>
+              </a:ext>
+            </a:extLst>
+          </p:cNvPr>
+          <p:cNvPicPr>
+            <a:picLocks noChangeAspect="1"/>
+          </p:cNvPicPr>
+          <p:nvPr/>
+        </p:nvPicPr>
+        <p:blipFill rotWithShape="1">
+          <a:blip r:embed="rId2"/>
+          <a:srcRect l="11035" t="5261" r="17714" b="10602"/>
+          <a:stretch/>
+        </p:blipFill>
+        <p:spPr>
+          <a:xfrm>
+            <a:off x="873170" y="0"/>
+            <a:ext cx="10321699" cy="6858000"/>
+          </a:xfrm>
+          <a:prstGeom prst="rect">
+            <a:avLst/>
+          </a:prstGeom>
+        </p:spPr>
+      </p:pic>
+    </p:spTree>
+    <p:extLst>
+      <p:ext uri="{BB962C8B-B14F-4D97-AF65-F5344CB8AC3E}">
+        <p14:creationId xmlns:p14="http://schemas.microsoft.com/office/powerpoint/2010/main" val="3409144477"/>
+      </p:ext>
+    </p:extLst>
+  </p:cSld>
+  <p:clrMapOvr>
+    <a:masterClrMapping/>
+  </p:clrMapOvr>
+</p:sld>
+</file>
+
+<file path=ppt/slides/slide4.xml><?xml version="1.0" encoding="utf-8"?>
+<p:sld xmlns:a="http://schemas.openxmlformats.org/drawingml/2006/main" xmlns:r="http://schemas.openxmlformats.org/officeDocument/2006/relationships" xmlns:p="http://schemas.openxmlformats.org/presentationml/2006/main">
+  <p:cSld>
+    <p:spTree>
+      <p:nvGrpSpPr>
+        <p:cNvPr id="1" name=""/>
+        <p:cNvGrpSpPr/>
+        <p:nvPr/>
+      </p:nvGrpSpPr>
+      <p:grpSpPr>
+        <a:xfrm>
+          <a:off x="0" y="0"/>
+          <a:ext cx="0" cy="0"/>
+          <a:chOff x="0" y="0"/>
+          <a:chExt cx="0" cy="0"/>
+        </a:xfrm>
+      </p:grpSpPr>
+      <p:pic>
+        <p:nvPicPr>
           <p:cNvPr id="7170" name="Picture 2" descr="4-1"/>
           <p:cNvPicPr>
             <a:picLocks noChangeAspect="1" noChangeArrowheads="1"/>
@@ -13538,7 +13716,7 @@
           <p:nvPr/>
         </p:nvPicPr>
         <p:blipFill>
-          <a:blip r:embed="rId1" cstate="email"/>
+          <a:blip r:embed="rId2" cstate="email"/>
           <a:srcRect/>
           <a:stretch>
             <a:fillRect/>
@@ -13586,7 +13764,7 @@
           <p:nvPr/>
         </p:nvPicPr>
         <p:blipFill>
-          <a:blip r:embed="rId2" cstate="email"/>
+          <a:blip r:embed="rId3" cstate="email"/>
           <a:srcRect/>
           <a:stretch>
             <a:fillRect/>
@@ -13634,7 +13812,7 @@
           <p:nvPr/>
         </p:nvPicPr>
         <p:blipFill>
-          <a:blip r:embed="rId3" cstate="email"/>
+          <a:blip r:embed="rId4" cstate="email"/>
           <a:srcRect/>
           <a:stretch>
             <a:fillRect/>
@@ -13682,7 +13860,7 @@
           <p:nvPr/>
         </p:nvPicPr>
         <p:blipFill>
-          <a:blip r:embed="rId4" cstate="email"/>
+          <a:blip r:embed="rId5" cstate="email"/>
           <a:srcRect/>
           <a:stretch>
             <a:fillRect/>
@@ -13730,7 +13908,7 @@
           <p:nvPr/>
         </p:nvPicPr>
         <p:blipFill>
-          <a:blip r:embed="rId5" cstate="email"/>
+          <a:blip r:embed="rId6" cstate="email"/>
           <a:srcRect/>
           <a:stretch>
             <a:fillRect/>
@@ -13779,8 +13957,8 @@
         </p:nvSpPr>
         <p:spPr bwMode="auto">
           <a:xfrm>
-            <a:off x="266700" y="1677489"/>
-            <a:ext cx="5376863" cy="3439795"/>
+            <a:off x="619508" y="1822133"/>
+            <a:ext cx="6709980" cy="3429272"/>
           </a:xfrm>
           <a:prstGeom prst="rect">
             <a:avLst/>
@@ -13810,7 +13988,7 @@
           </a:extLst>
         </p:spPr>
         <p:txBody>
-          <a:bodyPr>
+          <a:bodyPr wrap="square">
             <a:spAutoFit/>
           </a:bodyPr>
           <a:lstStyle>
@@ -14090,7 +14268,7 @@
                 </a:solidFill>
                 <a:ea typeface="微软雅黑" panose="020B0503020204020204" pitchFamily="34" charset="-122"/>
               </a:rPr>
-              <a:t>用户登陆界面 总体界面连接</a:t>
+              <a:t>用户登陆界面 退出与使用时间 总体界面连接</a:t>
             </a:r>
             <a:endParaRPr lang="zh-CN" altLang="en-US" dirty="0">
               <a:solidFill>
@@ -14125,11 +14303,38 @@
                 </a:solidFill>
                 <a:ea typeface="微软雅黑" panose="020B0503020204020204" pitchFamily="34" charset="-122"/>
               </a:rPr>
-              <a:t>王锦祥</a:t>
-            </a:r>
-            <a:endParaRPr lang="zh-CN" altLang="en-US" sz="1200" dirty="0">
+              <a:t>王锦祥   </a:t>
+            </a:r>
+            <a:r>
+              <a:rPr lang="en-US" altLang="zh-CN" b="1" dirty="0">
+                <a:solidFill>
+                  <a:srgbClr val="0070C0"/>
+                </a:solidFill>
+                <a:ea typeface="微软雅黑" panose="020B0503020204020204" pitchFamily="34" charset="-122"/>
+              </a:rPr>
+              <a:t>favorites</a:t>
+            </a:r>
+            <a:r>
+              <a:rPr lang="zh-CN" altLang="en-US" b="1" dirty="0">
+                <a:solidFill>
+                  <a:srgbClr val="0070C0"/>
+                </a:solidFill>
+                <a:ea typeface="微软雅黑" panose="020B0503020204020204" pitchFamily="34" charset="-122"/>
+              </a:rPr>
+              <a:t>（收藏夹）功能以及部分</a:t>
+            </a:r>
+            <a:r>
+              <a:rPr lang="en-US" altLang="zh-CN" b="1" dirty="0">
+                <a:solidFill>
+                  <a:srgbClr val="0070C0"/>
+                </a:solidFill>
+                <a:ea typeface="微软雅黑" panose="020B0503020204020204" pitchFamily="34" charset="-122"/>
+              </a:rPr>
+              <a:t>UI</a:t>
+            </a:r>
+            <a:endParaRPr lang="zh-CN" altLang="en-US" b="1" dirty="0">
               <a:solidFill>
-                <a:srgbClr val="777777"/>
+                <a:srgbClr val="0070C0"/>
               </a:solidFill>
               <a:ea typeface="微软雅黑" panose="020B0503020204020204" pitchFamily="34" charset="-122"/>
             </a:endParaRPr>
@@ -14160,14 +14365,17 @@
                 </a:solidFill>
                 <a:ea typeface="微软雅黑" panose="020B0503020204020204" pitchFamily="34" charset="-122"/>
               </a:rPr>
-              <a:t>常智裕</a:t>
-            </a:r>
-            <a:endParaRPr lang="zh-CN" altLang="en-US" sz="1200" dirty="0">
-              <a:solidFill>
-                <a:srgbClr val="777777"/>
-              </a:solidFill>
-              <a:ea typeface="微软雅黑" panose="020B0503020204020204" pitchFamily="34" charset="-122"/>
-            </a:endParaRPr>
+              <a:t>常智裕   </a:t>
+            </a:r>
+            <a:r>
+              <a:rPr lang="zh-CN" altLang="en-US" b="1" dirty="0">
+                <a:solidFill>
+                  <a:srgbClr val="0070C0"/>
+                </a:solidFill>
+                <a:ea typeface="微软雅黑" panose="020B0503020204020204" pitchFamily="34" charset="-122"/>
+              </a:rPr>
+              <a:t>单词听写功能模块</a:t>
+            </a:r>
           </a:p>
           <a:p>
             <a:endParaRPr lang="zh-CN" altLang="en-US" sz="1200" dirty="0">
@@ -14358,12 +14566,6 @@
               </a:rPr>
               <a:t>詹伟坚</a:t>
             </a:r>
-            <a:endParaRPr lang="zh-CN" altLang="en-US" sz="2000" b="1">
-              <a:solidFill>
-                <a:schemeClr val="bg1"/>
-              </a:solidFill>
-              <a:ea typeface="微软雅黑" panose="020B0503020204020204" pitchFamily="34" charset="-122"/>
-            </a:endParaRPr>
           </a:p>
           <a:p>
             <a:pPr algn="ctr"/>
@@ -14376,12 +14578,6 @@
               </a:rPr>
               <a:t>组员</a:t>
             </a:r>
-            <a:endParaRPr lang="zh-CN" altLang="en-US" sz="1600">
-              <a:solidFill>
-                <a:schemeClr val="bg1"/>
-              </a:solidFill>
-              <a:ea typeface="微软雅黑" panose="020B0503020204020204" pitchFamily="34" charset="-122"/>
-            </a:endParaRPr>
           </a:p>
         </p:txBody>
       </p:sp>
@@ -14551,12 +14747,6 @@
               </a:rPr>
               <a:t>许敏凤</a:t>
             </a:r>
-            <a:endParaRPr lang="zh-CN" altLang="en-US" sz="1400" b="1">
-              <a:solidFill>
-                <a:schemeClr val="bg1"/>
-              </a:solidFill>
-              <a:ea typeface="微软雅黑" panose="020B0503020204020204" pitchFamily="34" charset="-122"/>
-            </a:endParaRPr>
           </a:p>
           <a:p>
             <a:pPr algn="ctr"/>
@@ -14569,12 +14759,6 @@
               </a:rPr>
               <a:t>组员</a:t>
             </a:r>
-            <a:endParaRPr lang="zh-CN" altLang="en-US" sz="1000">
-              <a:solidFill>
-                <a:schemeClr val="bg1"/>
-              </a:solidFill>
-              <a:ea typeface="微软雅黑" panose="020B0503020204020204" pitchFamily="34" charset="-122"/>
-            </a:endParaRPr>
           </a:p>
         </p:txBody>
       </p:sp>
@@ -15080,7 +15264,7 @@
 </p:sld>
 </file>
 
-<file path=ppt/slides/slide4.xml><?xml version="1.0" encoding="utf-8"?>
+<file path=ppt/slides/slide5.xml><?xml version="1.0" encoding="utf-8"?>
 <p:sld xmlns:a="http://schemas.openxmlformats.org/drawingml/2006/main" xmlns:r="http://schemas.openxmlformats.org/officeDocument/2006/relationships" xmlns:p="http://schemas.openxmlformats.org/presentationml/2006/main">
   <p:cSld>
     <p:spTree>
@@ -15241,12 +15425,6 @@
               </a:rPr>
               <a:t>功能：</a:t>
             </a:r>
-            <a:endParaRPr lang="zh-CN" altLang="en-US" sz="2400" b="1" noProof="1">
-              <a:solidFill>
-                <a:srgbClr val="777777"/>
-              </a:solidFill>
-              <a:ea typeface="微软雅黑" panose="020B0503020204020204" pitchFamily="34" charset="-122"/>
-            </a:endParaRPr>
           </a:p>
           <a:p>
             <a:pPr marL="0" indent="0" eaLnBrk="1">
@@ -15334,7 +15512,7 @@
         <p:spPr>
           <a:xfrm>
             <a:off x="692149" y="1970200"/>
-            <a:ext cx="10997088" cy="2585323"/>
+            <a:ext cx="10997088" cy="3416320"/>
           </a:xfrm>
           <a:prstGeom prst="rect">
             <a:avLst/>
@@ -15347,73 +15525,168 @@
           </a:bodyPr>
           <a:lstStyle/>
           <a:p>
-            <a:r>
-              <a:rPr lang="zh-CN" altLang="en-US" dirty="0"/>
+            <a:pPr hangingPunct="0">
+              <a:lnSpc>
+                <a:spcPct val="90000"/>
+              </a:lnSpc>
+              <a:defRPr/>
+            </a:pPr>
+            <a:r>
+              <a:rPr lang="zh-CN" altLang="en-US" sz="2400" b="1" dirty="0">
+                <a:latin typeface="楷体" panose="02010609060101010101" charset="-122"/>
+                <a:ea typeface="楷体" panose="02010609060101010101" charset="-122"/>
+              </a:rPr>
               <a:t>实现了</a:t>
             </a:r>
             <a:r>
-              <a:rPr lang="en-US" altLang="zh-CN" dirty="0"/>
+              <a:rPr lang="en-US" altLang="zh-CN" sz="2400" b="1" dirty="0">
+                <a:latin typeface="楷体" panose="02010609060101010101" charset="-122"/>
+                <a:ea typeface="楷体" panose="02010609060101010101" charset="-122"/>
+              </a:rPr>
               <a:t>VIP</a:t>
             </a:r>
             <a:r>
-              <a:rPr lang="zh-CN" altLang="en-US" dirty="0"/>
+              <a:rPr lang="zh-CN" altLang="en-US" sz="2400" b="1" dirty="0">
+                <a:latin typeface="楷体" panose="02010609060101010101" charset="-122"/>
+                <a:ea typeface="楷体" panose="02010609060101010101" charset="-122"/>
+              </a:rPr>
               <a:t>的登陆功能，用户用密码登陆</a:t>
             </a:r>
             <a:r>
-              <a:rPr lang="en-US" altLang="zh-CN" dirty="0"/>
+              <a:rPr lang="en-US" altLang="zh-CN" sz="2400" b="1" dirty="0">
+                <a:latin typeface="楷体" panose="02010609060101010101" charset="-122"/>
+                <a:ea typeface="楷体" panose="02010609060101010101" charset="-122"/>
+              </a:rPr>
               <a:t>VIP</a:t>
             </a:r>
             <a:r>
-              <a:rPr lang="zh-CN" altLang="en-US" dirty="0"/>
+              <a:rPr lang="zh-CN" altLang="en-US" sz="2400" b="1" dirty="0">
+                <a:latin typeface="楷体" panose="02010609060101010101" charset="-122"/>
+                <a:ea typeface="楷体" panose="02010609060101010101" charset="-122"/>
+              </a:rPr>
               <a:t>后（要选是才算登陆，否则不算登陆了）。可以拥有对词库源文件查看的权限（可以直接打开了）</a:t>
             </a:r>
-            <a:endParaRPr lang="en-US" altLang="zh-CN" dirty="0"/>
-          </a:p>
-          <a:p>
-            <a:endParaRPr lang="en-US" altLang="zh-CN" dirty="0"/>
-          </a:p>
-          <a:p>
-            <a:r>
-              <a:rPr lang="zh-CN" altLang="en-US" dirty="0"/>
+            <a:endParaRPr lang="en-US" altLang="zh-CN" sz="2400" b="1" dirty="0">
+              <a:latin typeface="楷体" panose="02010609060101010101" charset="-122"/>
+              <a:ea typeface="楷体" panose="02010609060101010101" charset="-122"/>
+            </a:endParaRPr>
+          </a:p>
+          <a:p>
+            <a:pPr hangingPunct="0">
+              <a:lnSpc>
+                <a:spcPct val="90000"/>
+              </a:lnSpc>
+              <a:defRPr/>
+            </a:pPr>
+            <a:endParaRPr lang="en-US" altLang="zh-CN" sz="2400" b="1" dirty="0">
+              <a:latin typeface="楷体" panose="02010609060101010101" charset="-122"/>
+              <a:ea typeface="楷体" panose="02010609060101010101" charset="-122"/>
+            </a:endParaRPr>
+          </a:p>
+          <a:p>
+            <a:pPr hangingPunct="0">
+              <a:lnSpc>
+                <a:spcPct val="90000"/>
+              </a:lnSpc>
+              <a:defRPr/>
+            </a:pPr>
+            <a:r>
+              <a:rPr lang="zh-CN" altLang="en-US" sz="2400" b="1" dirty="0">
+                <a:latin typeface="楷体" panose="02010609060101010101" charset="-122"/>
+                <a:ea typeface="楷体" panose="02010609060101010101" charset="-122"/>
+              </a:rPr>
               <a:t>如果它不是</a:t>
             </a:r>
             <a:r>
-              <a:rPr lang="en-US" altLang="zh-CN" dirty="0"/>
+              <a:rPr lang="en-US" altLang="zh-CN" sz="2400" b="1" dirty="0">
+                <a:latin typeface="楷体" panose="02010609060101010101" charset="-122"/>
+                <a:ea typeface="楷体" panose="02010609060101010101" charset="-122"/>
+              </a:rPr>
               <a:t>VIP</a:t>
             </a:r>
             <a:r>
-              <a:rPr lang="zh-CN" altLang="en-US" dirty="0"/>
+              <a:rPr lang="zh-CN" altLang="en-US" sz="2400" b="1" dirty="0">
+                <a:latin typeface="楷体" panose="02010609060101010101" charset="-122"/>
+                <a:ea typeface="楷体" panose="02010609060101010101" charset="-122"/>
+              </a:rPr>
               <a:t>用户 我们给出的对话框里面会提示它上网开通（当然这个网站我们没做，就用项目的</a:t>
             </a:r>
             <a:r>
-              <a:rPr lang="en-US" altLang="zh-CN" dirty="0"/>
+              <a:rPr lang="en-US" altLang="zh-CN" sz="2400" b="1" dirty="0">
+                <a:latin typeface="楷体" panose="02010609060101010101" charset="-122"/>
+                <a:ea typeface="楷体" panose="02010609060101010101" charset="-122"/>
+              </a:rPr>
               <a:t>GITHUB</a:t>
             </a:r>
             <a:r>
-              <a:rPr lang="zh-CN" altLang="en-US" dirty="0"/>
+              <a:rPr lang="zh-CN" altLang="en-US" sz="2400" b="1" dirty="0">
+                <a:latin typeface="楷体" panose="02010609060101010101" charset="-122"/>
+                <a:ea typeface="楷体" panose="02010609060101010101" charset="-122"/>
+              </a:rPr>
               <a:t>网址代替了）</a:t>
             </a:r>
-            <a:endParaRPr lang="en-US" altLang="zh-CN" dirty="0"/>
-          </a:p>
-          <a:p>
-            <a:endParaRPr lang="en-US" altLang="zh-CN" dirty="0"/>
-          </a:p>
-          <a:p>
-            <a:r>
-              <a:rPr lang="zh-CN" altLang="en-US" dirty="0"/>
+            <a:endParaRPr lang="en-US" altLang="zh-CN" sz="2400" b="1" dirty="0">
+              <a:latin typeface="楷体" panose="02010609060101010101" charset="-122"/>
+              <a:ea typeface="楷体" panose="02010609060101010101" charset="-122"/>
+            </a:endParaRPr>
+          </a:p>
+          <a:p>
+            <a:pPr hangingPunct="0">
+              <a:lnSpc>
+                <a:spcPct val="90000"/>
+              </a:lnSpc>
+              <a:defRPr/>
+            </a:pPr>
+            <a:endParaRPr lang="en-US" altLang="zh-CN" sz="2400" b="1" dirty="0">
+              <a:latin typeface="楷体" panose="02010609060101010101" charset="-122"/>
+              <a:ea typeface="楷体" panose="02010609060101010101" charset="-122"/>
+            </a:endParaRPr>
+          </a:p>
+          <a:p>
+            <a:pPr hangingPunct="0">
+              <a:lnSpc>
+                <a:spcPct val="90000"/>
+              </a:lnSpc>
+              <a:defRPr/>
+            </a:pPr>
+            <a:r>
+              <a:rPr lang="zh-CN" altLang="en-US" sz="2400" b="1" dirty="0">
+                <a:latin typeface="楷体" panose="02010609060101010101" charset="-122"/>
+                <a:ea typeface="楷体" panose="02010609060101010101" charset="-122"/>
+              </a:rPr>
               <a:t>用户单击使用时间按钮，可以看到使用时间（为了防止闪烁问题，我们并没有把这个做成自己更新）</a:t>
             </a:r>
-            <a:endParaRPr lang="en-US" altLang="zh-CN" dirty="0"/>
-          </a:p>
-          <a:p>
-            <a:endParaRPr lang="en-US" altLang="zh-CN" dirty="0"/>
-          </a:p>
-          <a:p>
-            <a:r>
-              <a:rPr lang="zh-CN" altLang="en-US" dirty="0"/>
+            <a:endParaRPr lang="en-US" altLang="zh-CN" sz="2400" b="1" dirty="0">
+              <a:latin typeface="楷体" panose="02010609060101010101" charset="-122"/>
+              <a:ea typeface="楷体" panose="02010609060101010101" charset="-122"/>
+            </a:endParaRPr>
+          </a:p>
+          <a:p>
+            <a:pPr hangingPunct="0">
+              <a:lnSpc>
+                <a:spcPct val="90000"/>
+              </a:lnSpc>
+              <a:defRPr/>
+            </a:pPr>
+            <a:endParaRPr lang="en-US" altLang="zh-CN" sz="2400" b="1" dirty="0">
+              <a:latin typeface="楷体" panose="02010609060101010101" charset="-122"/>
+              <a:ea typeface="楷体" panose="02010609060101010101" charset="-122"/>
+            </a:endParaRPr>
+          </a:p>
+          <a:p>
+            <a:pPr hangingPunct="0">
+              <a:lnSpc>
+                <a:spcPct val="90000"/>
+              </a:lnSpc>
+              <a:defRPr/>
+            </a:pPr>
+            <a:r>
+              <a:rPr lang="zh-CN" altLang="en-US" sz="2400" b="1" dirty="0">
+                <a:latin typeface="楷体" panose="02010609060101010101" charset="-122"/>
+                <a:ea typeface="楷体" panose="02010609060101010101" charset="-122"/>
+              </a:rPr>
               <a:t>单击退出，显示“是否退出”。选“是”就退出了</a:t>
             </a:r>
-            <a:endParaRPr lang="zh-CN" altLang="en-US" dirty="0"/>
           </a:p>
         </p:txBody>
       </p:sp>
@@ -15514,900 +15787,6 @@
 </p:sld>
 </file>
 
-<file path=ppt/slides/slide5.xml><?xml version="1.0" encoding="utf-8"?>
-<p:sld xmlns:a="http://schemas.openxmlformats.org/drawingml/2006/main" xmlns:r="http://schemas.openxmlformats.org/officeDocument/2006/relationships" xmlns:p="http://schemas.openxmlformats.org/presentationml/2006/main">
-  <p:cSld>
-    <p:spTree>
-      <p:nvGrpSpPr>
-        <p:cNvPr id="1" name=""/>
-        <p:cNvGrpSpPr/>
-        <p:nvPr/>
-      </p:nvGrpSpPr>
-      <p:grpSpPr>
-        <a:xfrm>
-          <a:off x="0" y="0"/>
-          <a:ext cx="0" cy="0"/>
-          <a:chOff x="0" y="0"/>
-          <a:chExt cx="0" cy="0"/>
-        </a:xfrm>
-      </p:grpSpPr>
-      <p:pic>
-        <p:nvPicPr>
-          <p:cNvPr id="8194" name="Picture 2" descr="4-1"/>
-          <p:cNvPicPr>
-            <a:picLocks noChangeAspect="1" noChangeArrowheads="1"/>
-          </p:cNvPicPr>
-          <p:nvPr/>
-        </p:nvPicPr>
-        <p:blipFill>
-          <a:blip r:embed="rId1" cstate="email"/>
-          <a:srcRect/>
-          <a:stretch>
-            <a:fillRect/>
-          </a:stretch>
-        </p:blipFill>
-        <p:spPr bwMode="auto">
-          <a:xfrm>
-            <a:off x="-23813" y="-3175"/>
-            <a:ext cx="12241213" cy="6881813"/>
-          </a:xfrm>
-          <a:prstGeom prst="rect">
-            <a:avLst/>
-          </a:prstGeom>
-          <a:noFill/>
-          <a:ln>
-            <a:noFill/>
-          </a:ln>
-          <a:extLst>
-            <a:ext uri="{909E8E84-426E-40DD-AFC4-6F175D3DCCD1}">
-              <a14:hiddenFill xmlns:a14="http://schemas.microsoft.com/office/drawing/2010/main">
-                <a:solidFill>
-                  <a:srgbClr val="FFFFFF"/>
-                </a:solidFill>
-              </a14:hiddenFill>
-            </a:ext>
-            <a:ext uri="{91240B29-F687-4F45-9708-019B960494DF}">
-              <a14:hiddenLine xmlns:a14="http://schemas.microsoft.com/office/drawing/2010/main" w="9525">
-                <a:solidFill>
-                  <a:srgbClr val="000000"/>
-                </a:solidFill>
-                <a:miter lim="800000"/>
-                <a:headEnd/>
-                <a:tailEnd/>
-              </a14:hiddenLine>
-            </a:ext>
-          </a:extLst>
-        </p:spPr>
-      </p:pic>
-      <p:pic>
-        <p:nvPicPr>
-          <p:cNvPr id="16387" name="Picture 3" descr="4-1"/>
-          <p:cNvPicPr>
-            <a:picLocks noChangeAspect="1" noChangeArrowheads="1"/>
-          </p:cNvPicPr>
-          <p:nvPr/>
-        </p:nvPicPr>
-        <p:blipFill>
-          <a:blip r:embed="rId2" cstate="email"/>
-          <a:srcRect/>
-          <a:stretch>
-            <a:fillRect/>
-          </a:stretch>
-        </p:blipFill>
-        <p:spPr bwMode="auto">
-          <a:xfrm>
-            <a:off x="11625263" y="-3175"/>
-            <a:ext cx="254000" cy="6521450"/>
-          </a:xfrm>
-          <a:prstGeom prst="rect">
-            <a:avLst/>
-          </a:prstGeom>
-          <a:noFill/>
-          <a:ln>
-            <a:noFill/>
-          </a:ln>
-          <a:extLst>
-            <a:ext uri="{909E8E84-426E-40DD-AFC4-6F175D3DCCD1}">
-              <a14:hiddenFill xmlns:a14="http://schemas.microsoft.com/office/drawing/2010/main">
-                <a:solidFill>
-                  <a:srgbClr val="FFFFFF"/>
-                </a:solidFill>
-              </a14:hiddenFill>
-            </a:ext>
-            <a:ext uri="{91240B29-F687-4F45-9708-019B960494DF}">
-              <a14:hiddenLine xmlns:a14="http://schemas.microsoft.com/office/drawing/2010/main" w="9525">
-                <a:solidFill>
-                  <a:srgbClr val="000000"/>
-                </a:solidFill>
-                <a:miter lim="800000"/>
-                <a:headEnd/>
-                <a:tailEnd/>
-              </a14:hiddenLine>
-            </a:ext>
-          </a:extLst>
-        </p:spPr>
-      </p:pic>
-      <p:pic>
-        <p:nvPicPr>
-          <p:cNvPr id="16388" name="Picture 4" descr="4-2"/>
-          <p:cNvPicPr>
-            <a:picLocks noChangeAspect="1" noChangeArrowheads="1"/>
-          </p:cNvPicPr>
-          <p:nvPr/>
-        </p:nvPicPr>
-        <p:blipFill>
-          <a:blip r:embed="rId3" cstate="email"/>
-          <a:srcRect/>
-          <a:stretch>
-            <a:fillRect/>
-          </a:stretch>
-        </p:blipFill>
-        <p:spPr bwMode="auto">
-          <a:xfrm>
-            <a:off x="1730375" y="6297613"/>
-            <a:ext cx="271463" cy="384175"/>
-          </a:xfrm>
-          <a:prstGeom prst="rect">
-            <a:avLst/>
-          </a:prstGeom>
-          <a:noFill/>
-          <a:ln>
-            <a:noFill/>
-          </a:ln>
-          <a:extLst>
-            <a:ext uri="{909E8E84-426E-40DD-AFC4-6F175D3DCCD1}">
-              <a14:hiddenFill xmlns:a14="http://schemas.microsoft.com/office/drawing/2010/main">
-                <a:solidFill>
-                  <a:srgbClr val="FFFFFF"/>
-                </a:solidFill>
-              </a14:hiddenFill>
-            </a:ext>
-            <a:ext uri="{91240B29-F687-4F45-9708-019B960494DF}">
-              <a14:hiddenLine xmlns:a14="http://schemas.microsoft.com/office/drawing/2010/main" w="9525">
-                <a:solidFill>
-                  <a:srgbClr val="000000"/>
-                </a:solidFill>
-                <a:miter lim="800000"/>
-                <a:headEnd/>
-                <a:tailEnd/>
-              </a14:hiddenLine>
-            </a:ext>
-          </a:extLst>
-        </p:spPr>
-      </p:pic>
-      <p:pic>
-        <p:nvPicPr>
-          <p:cNvPr id="8197" name="Picture 5" descr="5-6"/>
-          <p:cNvPicPr>
-            <a:picLocks noChangeAspect="1" noChangeArrowheads="1"/>
-          </p:cNvPicPr>
-          <p:nvPr/>
-        </p:nvPicPr>
-        <p:blipFill>
-          <a:blip r:embed="rId4" cstate="email"/>
-          <a:srcRect/>
-          <a:stretch>
-            <a:fillRect/>
-          </a:stretch>
-        </p:blipFill>
-        <p:spPr bwMode="auto">
-          <a:xfrm>
-            <a:off x="355600" y="4397375"/>
-            <a:ext cx="774700" cy="787400"/>
-          </a:xfrm>
-          <a:prstGeom prst="rect">
-            <a:avLst/>
-          </a:prstGeom>
-          <a:noFill/>
-          <a:ln>
-            <a:noFill/>
-          </a:ln>
-          <a:extLst>
-            <a:ext uri="{909E8E84-426E-40DD-AFC4-6F175D3DCCD1}">
-              <a14:hiddenFill xmlns:a14="http://schemas.microsoft.com/office/drawing/2010/main">
-                <a:solidFill>
-                  <a:srgbClr val="FFFFFF"/>
-                </a:solidFill>
-              </a14:hiddenFill>
-            </a:ext>
-            <a:ext uri="{91240B29-F687-4F45-9708-019B960494DF}">
-              <a14:hiddenLine xmlns:a14="http://schemas.microsoft.com/office/drawing/2010/main" w="9525">
-                <a:solidFill>
-                  <a:srgbClr val="000000"/>
-                </a:solidFill>
-                <a:miter lim="800000"/>
-                <a:headEnd/>
-                <a:tailEnd/>
-              </a14:hiddenLine>
-            </a:ext>
-          </a:extLst>
-        </p:spPr>
-      </p:pic>
-      <p:pic>
-        <p:nvPicPr>
-          <p:cNvPr id="8198" name="Picture 6" descr="5-6"/>
-          <p:cNvPicPr>
-            <a:picLocks noChangeAspect="1" noChangeArrowheads="1"/>
-          </p:cNvPicPr>
-          <p:nvPr/>
-        </p:nvPicPr>
-        <p:blipFill>
-          <a:blip r:embed="rId5" cstate="email"/>
-          <a:srcRect/>
-          <a:stretch>
-            <a:fillRect/>
-          </a:stretch>
-        </p:blipFill>
-        <p:spPr bwMode="auto">
-          <a:xfrm>
-            <a:off x="3746500" y="1330325"/>
-            <a:ext cx="776288" cy="788988"/>
-          </a:xfrm>
-          <a:prstGeom prst="rect">
-            <a:avLst/>
-          </a:prstGeom>
-          <a:noFill/>
-          <a:ln>
-            <a:noFill/>
-          </a:ln>
-          <a:extLst>
-            <a:ext uri="{909E8E84-426E-40DD-AFC4-6F175D3DCCD1}">
-              <a14:hiddenFill xmlns:a14="http://schemas.microsoft.com/office/drawing/2010/main">
-                <a:solidFill>
-                  <a:srgbClr val="FFFFFF"/>
-                </a:solidFill>
-              </a14:hiddenFill>
-            </a:ext>
-            <a:ext uri="{91240B29-F687-4F45-9708-019B960494DF}">
-              <a14:hiddenLine xmlns:a14="http://schemas.microsoft.com/office/drawing/2010/main" w="9525">
-                <a:solidFill>
-                  <a:srgbClr val="000000"/>
-                </a:solidFill>
-                <a:miter lim="800000"/>
-                <a:headEnd/>
-                <a:tailEnd/>
-              </a14:hiddenLine>
-            </a:ext>
-          </a:extLst>
-        </p:spPr>
-      </p:pic>
-      <p:sp>
-        <p:nvSpPr>
-          <p:cNvPr id="16391" name="Text Box 7"/>
-          <p:cNvSpPr txBox="1"/>
-          <p:nvPr/>
-        </p:nvSpPr>
-        <p:spPr>
-          <a:xfrm>
-            <a:off x="692150" y="1096010"/>
-            <a:ext cx="10565765" cy="3966210"/>
-          </a:xfrm>
-          <a:prstGeom prst="rect">
-            <a:avLst/>
-          </a:prstGeom>
-          <a:noFill/>
-          <a:ln w="9525">
-            <a:noFill/>
-          </a:ln>
-        </p:spPr>
-        <p:txBody>
-          <a:bodyPr wrap="square">
-            <a:spAutoFit/>
-          </a:bodyPr>
-          <a:lstStyle>
-            <a:lvl1pPr marL="228600" indent="-228600" algn="l" rtl="0" eaLnBrk="0" fontAlgn="base" hangingPunct="0">
-              <a:lnSpc>
-                <a:spcPct val="90000"/>
-              </a:lnSpc>
-              <a:spcBef>
-                <a:spcPct val="30000"/>
-              </a:spcBef>
-              <a:spcAft>
-                <a:spcPct val="0"/>
-              </a:spcAft>
-              <a:buFont typeface="Arial" panose="020B0604020202020204" pitchFamily="34" charset="0"/>
-              <a:buChar char="•"/>
-              <a:defRPr sz="2800">
-                <a:solidFill>
-                  <a:schemeClr val="tx1"/>
-                </a:solidFill>
-                <a:latin typeface="+mn-lt"/>
-                <a:ea typeface="+mn-ea"/>
-                <a:cs typeface="+mn-cs"/>
-              </a:defRPr>
-            </a:lvl1pPr>
-            <a:lvl2pPr marL="685800" indent="-228600" algn="l" rtl="0" eaLnBrk="0" fontAlgn="base" hangingPunct="0">
-              <a:lnSpc>
-                <a:spcPct val="90000"/>
-              </a:lnSpc>
-              <a:spcBef>
-                <a:spcPct val="30000"/>
-              </a:spcBef>
-              <a:spcAft>
-                <a:spcPct val="0"/>
-              </a:spcAft>
-              <a:buFont typeface="Arial" panose="020B0604020202020204" pitchFamily="34" charset="0"/>
-              <a:buChar char="•"/>
-              <a:defRPr sz="2400">
-                <a:solidFill>
-                  <a:schemeClr val="tx1"/>
-                </a:solidFill>
-                <a:latin typeface="+mn-lt"/>
-                <a:ea typeface="+mn-ea"/>
-              </a:defRPr>
-            </a:lvl2pPr>
-            <a:lvl3pPr marL="1143000" indent="-228600" algn="l" rtl="0" eaLnBrk="0" fontAlgn="base" hangingPunct="0">
-              <a:lnSpc>
-                <a:spcPct val="90000"/>
-              </a:lnSpc>
-              <a:spcBef>
-                <a:spcPct val="30000"/>
-              </a:spcBef>
-              <a:spcAft>
-                <a:spcPct val="0"/>
-              </a:spcAft>
-              <a:buFont typeface="Arial" panose="020B0604020202020204" pitchFamily="34" charset="0"/>
-              <a:buChar char="•"/>
-              <a:defRPr sz="2000">
-                <a:solidFill>
-                  <a:schemeClr val="tx1"/>
-                </a:solidFill>
-                <a:latin typeface="+mn-lt"/>
-                <a:ea typeface="+mn-ea"/>
-              </a:defRPr>
-            </a:lvl3pPr>
-            <a:lvl4pPr marL="1600200" indent="-228600" algn="l" rtl="0" eaLnBrk="0" fontAlgn="base" hangingPunct="0">
-              <a:lnSpc>
-                <a:spcPct val="90000"/>
-              </a:lnSpc>
-              <a:spcBef>
-                <a:spcPct val="30000"/>
-              </a:spcBef>
-              <a:spcAft>
-                <a:spcPct val="0"/>
-              </a:spcAft>
-              <a:buFont typeface="Arial" panose="020B0604020202020204" pitchFamily="34" charset="0"/>
-              <a:buChar char="•"/>
-              <a:defRPr sz="2000">
-                <a:solidFill>
-                  <a:schemeClr val="tx1"/>
-                </a:solidFill>
-                <a:latin typeface="+mn-lt"/>
-                <a:ea typeface="+mn-ea"/>
-              </a:defRPr>
-            </a:lvl4pPr>
-            <a:lvl5pPr marL="2057400" indent="-228600" algn="l" rtl="0" eaLnBrk="0" fontAlgn="base" hangingPunct="0">
-              <a:lnSpc>
-                <a:spcPct val="90000"/>
-              </a:lnSpc>
-              <a:spcBef>
-                <a:spcPct val="30000"/>
-              </a:spcBef>
-              <a:spcAft>
-                <a:spcPct val="0"/>
-              </a:spcAft>
-              <a:buFont typeface="Arial" panose="020B0604020202020204" pitchFamily="34" charset="0"/>
-              <a:buChar char="•"/>
-              <a:defRPr sz="2000">
-                <a:solidFill>
-                  <a:schemeClr val="tx1"/>
-                </a:solidFill>
-                <a:latin typeface="+mn-lt"/>
-                <a:ea typeface="+mn-ea"/>
-              </a:defRPr>
-            </a:lvl5pPr>
-          </a:lstStyle>
-          <a:p>
-            <a:pPr marL="0" indent="0" eaLnBrk="1">
-              <a:spcBef>
-                <a:spcPct val="0"/>
-              </a:spcBef>
-              <a:buFont typeface="Arial" panose="020B0604020202020204" pitchFamily="34" charset="0"/>
-              <a:buNone/>
-              <a:defRPr/>
-            </a:pPr>
-            <a:r>
-              <a:rPr lang="zh-CN" altLang="en-US" sz="2400" b="1" noProof="1">
-                <a:solidFill>
-                  <a:srgbClr val="777777"/>
-                </a:solidFill>
-                <a:ea typeface="微软雅黑" panose="020B0503020204020204" pitchFamily="34" charset="-122"/>
-              </a:rPr>
-              <a:t>功能：</a:t>
-            </a:r>
-            <a:endParaRPr lang="zh-CN" altLang="en-US" sz="2400" b="1" noProof="1">
-              <a:solidFill>
-                <a:srgbClr val="777777"/>
-              </a:solidFill>
-              <a:ea typeface="微软雅黑" panose="020B0503020204020204" pitchFamily="34" charset="-122"/>
-            </a:endParaRPr>
-          </a:p>
-          <a:p>
-            <a:pPr marL="0" indent="0" eaLnBrk="1">
-              <a:spcBef>
-                <a:spcPct val="0"/>
-              </a:spcBef>
-              <a:buFont typeface="Arial" panose="020B0604020202020204" pitchFamily="34" charset="0"/>
-              <a:buNone/>
-              <a:defRPr/>
-            </a:pPr>
-            <a:r>
-              <a:rPr lang="zh-CN" altLang="en-US" sz="2400" b="1" dirty="0">
-                <a:solidFill>
-                  <a:srgbClr val="777777"/>
-                </a:solidFill>
-                <a:ea typeface="微软雅黑" panose="020B0503020204020204" pitchFamily="34" charset="-122"/>
-              </a:rPr>
-              <a:t>查单词（熊伟）：</a:t>
-            </a:r>
-            <a:endParaRPr lang="zh-CN" altLang="en-US" sz="2400" b="1" dirty="0">
-              <a:solidFill>
-                <a:srgbClr val="777777"/>
-              </a:solidFill>
-              <a:ea typeface="微软雅黑" panose="020B0503020204020204" pitchFamily="34" charset="-122"/>
-            </a:endParaRPr>
-          </a:p>
-          <a:p>
-            <a:pPr marL="0" indent="0" eaLnBrk="1">
-              <a:spcBef>
-                <a:spcPct val="0"/>
-              </a:spcBef>
-              <a:buFont typeface="Arial" panose="020B0604020202020204" pitchFamily="34" charset="0"/>
-              <a:buNone/>
-              <a:defRPr/>
-            </a:pPr>
-            <a:endParaRPr lang="en-US" altLang="zh-CN" sz="2400" b="1" dirty="0">
-              <a:solidFill>
-                <a:srgbClr val="777777"/>
-              </a:solidFill>
-              <a:ea typeface="微软雅黑" panose="020B0503020204020204" pitchFamily="34" charset="-122"/>
-            </a:endParaRPr>
-          </a:p>
-          <a:p>
-            <a:pPr marL="0" indent="0" eaLnBrk="1">
-              <a:spcBef>
-                <a:spcPct val="0"/>
-              </a:spcBef>
-              <a:buFont typeface="Arial" panose="020B0604020202020204" pitchFamily="34" charset="0"/>
-              <a:buNone/>
-              <a:defRPr/>
-            </a:pPr>
-            <a:r>
-              <a:rPr lang="zh-CN" altLang="en-US" sz="2400" b="1" dirty="0">
-                <a:solidFill>
-                  <a:schemeClr val="tx1"/>
-                </a:solidFill>
-                <a:latin typeface="楷体" panose="02010609060101010101" charset="-122"/>
-                <a:ea typeface="楷体" panose="02010609060101010101" charset="-122"/>
-              </a:rPr>
-              <a:t>  实现了英译汉以及汉译英功能。</a:t>
-            </a:r>
-            <a:endParaRPr lang="zh-CN" altLang="en-US" sz="2400" b="1" dirty="0">
-              <a:solidFill>
-                <a:schemeClr val="tx1"/>
-              </a:solidFill>
-              <a:latin typeface="楷体" panose="02010609060101010101" charset="-122"/>
-              <a:ea typeface="楷体" panose="02010609060101010101" charset="-122"/>
-            </a:endParaRPr>
-          </a:p>
-          <a:p>
-            <a:pPr marL="0" indent="0" eaLnBrk="1">
-              <a:spcBef>
-                <a:spcPct val="0"/>
-              </a:spcBef>
-              <a:buFont typeface="Arial" panose="020B0604020202020204" pitchFamily="34" charset="0"/>
-              <a:buNone/>
-              <a:defRPr/>
-            </a:pPr>
-            <a:endParaRPr lang="zh-CN" altLang="en-US" sz="2400" b="1" dirty="0">
-              <a:solidFill>
-                <a:schemeClr val="tx1"/>
-              </a:solidFill>
-              <a:latin typeface="楷体" panose="02010609060101010101" charset="-122"/>
-              <a:ea typeface="楷体" panose="02010609060101010101" charset="-122"/>
-            </a:endParaRPr>
-          </a:p>
-          <a:p>
-            <a:pPr marL="0" indent="0" eaLnBrk="1">
-              <a:spcBef>
-                <a:spcPct val="0"/>
-              </a:spcBef>
-              <a:buFont typeface="Arial" panose="020B0604020202020204" pitchFamily="34" charset="0"/>
-              <a:buNone/>
-              <a:defRPr/>
-            </a:pPr>
-            <a:r>
-              <a:rPr lang="zh-CN" altLang="en-US" sz="2400" b="1" dirty="0">
-                <a:solidFill>
-                  <a:schemeClr val="tx1"/>
-                </a:solidFill>
-                <a:latin typeface="楷体" panose="02010609060101010101" charset="-122"/>
-                <a:ea typeface="楷体" panose="02010609060101010101" charset="-122"/>
-              </a:rPr>
-              <a:t>  英译汉：</a:t>
-            </a:r>
-            <a:endParaRPr lang="zh-CN" altLang="en-US" sz="2400" b="1" dirty="0">
-              <a:solidFill>
-                <a:schemeClr val="tx1"/>
-              </a:solidFill>
-              <a:latin typeface="楷体" panose="02010609060101010101" charset="-122"/>
-              <a:ea typeface="楷体" panose="02010609060101010101" charset="-122"/>
-            </a:endParaRPr>
-          </a:p>
-          <a:p>
-            <a:pPr marL="0" indent="0" eaLnBrk="1">
-              <a:spcBef>
-                <a:spcPct val="0"/>
-              </a:spcBef>
-              <a:buFont typeface="Arial" panose="020B0604020202020204" pitchFamily="34" charset="0"/>
-              <a:buNone/>
-              <a:defRPr/>
-            </a:pPr>
-            <a:r>
-              <a:rPr lang="zh-CN" altLang="en-US" sz="2400" b="1" dirty="0">
-                <a:solidFill>
-                  <a:schemeClr val="tx1"/>
-                </a:solidFill>
-                <a:latin typeface="楷体" panose="02010609060101010101" charset="-122"/>
-                <a:ea typeface="楷体" panose="02010609060101010101" charset="-122"/>
-              </a:rPr>
-              <a:t>        用户输入英文单词，文本框可显示出对应的词条，可根据用户输入部分实时更新文本框。</a:t>
-            </a:r>
-            <a:endParaRPr lang="zh-CN" altLang="en-US" sz="2400" b="1" dirty="0">
-              <a:solidFill>
-                <a:schemeClr val="tx1"/>
-              </a:solidFill>
-              <a:latin typeface="楷体" panose="02010609060101010101" charset="-122"/>
-              <a:ea typeface="楷体" panose="02010609060101010101" charset="-122"/>
-            </a:endParaRPr>
-          </a:p>
-          <a:p>
-            <a:pPr marL="0" indent="0" eaLnBrk="1">
-              <a:spcBef>
-                <a:spcPct val="0"/>
-              </a:spcBef>
-              <a:buFont typeface="Arial" panose="020B0604020202020204" pitchFamily="34" charset="0"/>
-              <a:buNone/>
-              <a:defRPr/>
-            </a:pPr>
-            <a:endParaRPr lang="zh-CN" altLang="en-US" sz="2400" b="1" dirty="0">
-              <a:solidFill>
-                <a:schemeClr val="tx1"/>
-              </a:solidFill>
-              <a:latin typeface="楷体" panose="02010609060101010101" charset="-122"/>
-              <a:ea typeface="楷体" panose="02010609060101010101" charset="-122"/>
-            </a:endParaRPr>
-          </a:p>
-          <a:p>
-            <a:pPr marL="0" indent="0" eaLnBrk="1">
-              <a:spcBef>
-                <a:spcPct val="0"/>
-              </a:spcBef>
-              <a:buFont typeface="Arial" panose="020B0604020202020204" pitchFamily="34" charset="0"/>
-              <a:buNone/>
-              <a:defRPr/>
-            </a:pPr>
-            <a:r>
-              <a:rPr lang="zh-CN" altLang="en-US" sz="2400" b="1" dirty="0">
-                <a:solidFill>
-                  <a:schemeClr val="tx1"/>
-                </a:solidFill>
-                <a:latin typeface="楷体" panose="02010609060101010101" charset="-122"/>
-                <a:ea typeface="楷体" panose="02010609060101010101" charset="-122"/>
-              </a:rPr>
-              <a:t>  汉译英：</a:t>
-            </a:r>
-            <a:endParaRPr lang="zh-CN" altLang="en-US" sz="2400" b="1" dirty="0">
-              <a:solidFill>
-                <a:schemeClr val="tx1"/>
-              </a:solidFill>
-              <a:latin typeface="楷体" panose="02010609060101010101" charset="-122"/>
-              <a:ea typeface="楷体" panose="02010609060101010101" charset="-122"/>
-            </a:endParaRPr>
-          </a:p>
-          <a:p>
-            <a:pPr marL="0" indent="0" eaLnBrk="1">
-              <a:spcBef>
-                <a:spcPct val="0"/>
-              </a:spcBef>
-              <a:buFont typeface="Arial" panose="020B0604020202020204" pitchFamily="34" charset="0"/>
-              <a:buNone/>
-              <a:defRPr/>
-            </a:pPr>
-            <a:r>
-              <a:rPr lang="zh-CN" altLang="en-US" sz="2400" b="1" dirty="0">
-                <a:solidFill>
-                  <a:schemeClr val="tx1"/>
-                </a:solidFill>
-                <a:latin typeface="楷体" panose="02010609060101010101" charset="-122"/>
-                <a:ea typeface="楷体" panose="02010609060101010101" charset="-122"/>
-              </a:rPr>
-              <a:t>        用户输入中文，文本框实时显示出包含有该中文含义的词条。</a:t>
-            </a:r>
-            <a:endParaRPr lang="en-US" altLang="zh-CN" sz="2400" b="1" dirty="0">
-              <a:solidFill>
-                <a:srgbClr val="777777"/>
-              </a:solidFill>
-              <a:ea typeface="微软雅黑" panose="020B0503020204020204" pitchFamily="34" charset="-122"/>
-            </a:endParaRPr>
-          </a:p>
-          <a:p>
-            <a:pPr marL="285750" indent="-285750" eaLnBrk="1">
-              <a:spcBef>
-                <a:spcPct val="0"/>
-              </a:spcBef>
-              <a:buFont typeface="Wingdings" panose="05000000000000000000" charset="0"/>
-              <a:buChar char="Ø"/>
-              <a:defRPr/>
-            </a:pPr>
-            <a:endParaRPr lang="zh-CN" altLang="en-US" sz="1600" b="1" dirty="0">
-              <a:solidFill>
-                <a:srgbClr val="777777"/>
-              </a:solidFill>
-              <a:ea typeface="微软雅黑" panose="020B0503020204020204" pitchFamily="34" charset="-122"/>
-            </a:endParaRPr>
-          </a:p>
-        </p:txBody>
-      </p:sp>
-    </p:spTree>
-  </p:cSld>
-  <p:clrMapOvr>
-    <a:masterClrMapping/>
-  </p:clrMapOvr>
-  <p:timing>
-    <p:tnLst>
-      <p:par>
-        <p:cTn id="1" dur="indefinite" restart="never" nodeType="tmRoot">
-          <p:childTnLst>
-            <p:seq concurrent="1" nextAc="seek">
-              <p:cTn id="2" dur="indefinite" nodeType="mainSeq">
-                <p:childTnLst>
-                  <p:par>
-                    <p:cTn id="3" fill="hold">
-                      <p:stCondLst>
-                        <p:cond delay="indefinite"/>
-                        <p:cond evt="onBegin" delay="0">
-                          <p:tn val="2"/>
-                        </p:cond>
-                      </p:stCondLst>
-                      <p:childTnLst>
-                        <p:par>
-                          <p:cTn id="4" fill="hold">
-                            <p:stCondLst>
-                              <p:cond delay="0"/>
-                            </p:stCondLst>
-                            <p:childTnLst>
-                              <p:par>
-                                <p:cTn id="5" presetID="29" presetClass="entr" presetSubtype="0" fill="hold" nodeType="withEffect">
-                                  <p:stCondLst>
-                                    <p:cond delay="0"/>
-                                  </p:stCondLst>
-                                  <p:childTnLst>
-                                    <p:set>
-                                      <p:cBhvr>
-                                        <p:cTn id="6" dur="1" fill="hold">
-                                          <p:stCondLst>
-                                            <p:cond delay="0"/>
-                                          </p:stCondLst>
-                                        </p:cTn>
-                                        <p:tgtEl>
-                                          <p:spTgt spid="16388"/>
-                                        </p:tgtEl>
-                                        <p:attrNameLst>
-                                          <p:attrName>style.visibility</p:attrName>
-                                        </p:attrNameLst>
-                                      </p:cBhvr>
-                                      <p:to>
-                                        <p:strVal val="visible"/>
-                                      </p:to>
-                                    </p:set>
-                                    <p:anim calcmode="lin" valueType="num">
-                                      <p:cBhvr>
-                                        <p:cTn id="7" dur="500" fill="hold"/>
-                                        <p:tgtEl>
-                                          <p:spTgt spid="16388"/>
-                                        </p:tgtEl>
-                                        <p:attrNameLst>
-                                          <p:attrName>ppt_x</p:attrName>
-                                        </p:attrNameLst>
-                                      </p:cBhvr>
-                                      <p:tavLst>
-                                        <p:tav tm="0">
-                                          <p:val>
-                                            <p:strVal val="#ppt_x-.2"/>
-                                          </p:val>
-                                        </p:tav>
-                                        <p:tav tm="100000">
-                                          <p:val>
-                                            <p:strVal val="#ppt_x"/>
-                                          </p:val>
-                                        </p:tav>
-                                      </p:tavLst>
-                                    </p:anim>
-                                    <p:anim calcmode="lin" valueType="num">
-                                      <p:cBhvr>
-                                        <p:cTn id="8" dur="500" fill="hold"/>
-                                        <p:tgtEl>
-                                          <p:spTgt spid="16388"/>
-                                        </p:tgtEl>
-                                        <p:attrNameLst>
-                                          <p:attrName>ppt_y</p:attrName>
-                                        </p:attrNameLst>
-                                      </p:cBhvr>
-                                      <p:tavLst>
-                                        <p:tav tm="0">
-                                          <p:val>
-                                            <p:strVal val="#ppt_y"/>
-                                          </p:val>
-                                        </p:tav>
-                                        <p:tav tm="100000">
-                                          <p:val>
-                                            <p:strVal val="#ppt_y"/>
-                                          </p:val>
-                                        </p:tav>
-                                      </p:tavLst>
-                                    </p:anim>
-                                    <p:animEffect transition="in" filter="wipe(right)" prLst="gradientSize: 0.1">
-                                      <p:cBhvr>
-                                        <p:cTn id="9" dur="500"/>
-                                        <p:tgtEl>
-                                          <p:spTgt spid="16388"/>
-                                        </p:tgtEl>
-                                      </p:cBhvr>
-                                    </p:animEffect>
-                                  </p:childTnLst>
-                                </p:cTn>
-                              </p:par>
-                              <p:par>
-                                <p:cTn id="10" presetID="47" presetClass="entr" presetSubtype="0" fill="hold" nodeType="withEffect">
-                                  <p:stCondLst>
-                                    <p:cond delay="0"/>
-                                  </p:stCondLst>
-                                  <p:childTnLst>
-                                    <p:set>
-                                      <p:cBhvr>
-                                        <p:cTn id="11" dur="1" fill="hold">
-                                          <p:stCondLst>
-                                            <p:cond delay="0"/>
-                                          </p:stCondLst>
-                                        </p:cTn>
-                                        <p:tgtEl>
-                                          <p:spTgt spid="16387"/>
-                                        </p:tgtEl>
-                                        <p:attrNameLst>
-                                          <p:attrName>style.visibility</p:attrName>
-                                        </p:attrNameLst>
-                                      </p:cBhvr>
-                                      <p:to>
-                                        <p:strVal val="visible"/>
-                                      </p:to>
-                                    </p:set>
-                                    <p:animEffect transition="in" filter="fade">
-                                      <p:cBhvr>
-                                        <p:cTn id="12" dur="500"/>
-                                        <p:tgtEl>
-                                          <p:spTgt spid="16387"/>
-                                        </p:tgtEl>
-                                      </p:cBhvr>
-                                    </p:animEffect>
-                                    <p:anim calcmode="lin" valueType="num">
-                                      <p:cBhvr>
-                                        <p:cTn id="13" dur="500" fill="hold"/>
-                                        <p:tgtEl>
-                                          <p:spTgt spid="16387"/>
-                                        </p:tgtEl>
-                                        <p:attrNameLst>
-                                          <p:attrName>ppt_x</p:attrName>
-                                        </p:attrNameLst>
-                                      </p:cBhvr>
-                                      <p:tavLst>
-                                        <p:tav tm="0">
-                                          <p:val>
-                                            <p:strVal val="#ppt_x"/>
-                                          </p:val>
-                                        </p:tav>
-                                        <p:tav tm="100000">
-                                          <p:val>
-                                            <p:strVal val="#ppt_x"/>
-                                          </p:val>
-                                        </p:tav>
-                                      </p:tavLst>
-                                    </p:anim>
-                                    <p:anim calcmode="lin" valueType="num">
-                                      <p:cBhvr>
-                                        <p:cTn id="14" dur="500" fill="hold"/>
-                                        <p:tgtEl>
-                                          <p:spTgt spid="16387"/>
-                                        </p:tgtEl>
-                                        <p:attrNameLst>
-                                          <p:attrName>ppt_y</p:attrName>
-                                        </p:attrNameLst>
-                                      </p:cBhvr>
-                                      <p:tavLst>
-                                        <p:tav tm="0">
-                                          <p:val>
-                                            <p:strVal val="#ppt_y-.1"/>
-                                          </p:val>
-                                        </p:tav>
-                                        <p:tav tm="100000">
-                                          <p:val>
-                                            <p:strVal val="#ppt_y"/>
-                                          </p:val>
-                                        </p:tav>
-                                      </p:tavLst>
-                                    </p:anim>
-                                  </p:childTnLst>
-                                </p:cTn>
-                              </p:par>
-                              <p:par>
-                                <p:cTn id="15" presetID="10" presetClass="entr" presetSubtype="0" fill="hold" grpId="0" nodeType="withEffect">
-                                  <p:stCondLst>
-                                    <p:cond delay="500"/>
-                                  </p:stCondLst>
-                                  <p:childTnLst>
-                                    <p:set>
-                                      <p:cBhvr>
-                                        <p:cTn id="16" dur="1" fill="hold">
-                                          <p:stCondLst>
-                                            <p:cond delay="0"/>
-                                          </p:stCondLst>
-                                        </p:cTn>
-                                        <p:tgtEl>
-                                          <p:spTgt spid="16391"/>
-                                        </p:tgtEl>
-                                        <p:attrNameLst>
-                                          <p:attrName>style.visibility</p:attrName>
-                                        </p:attrNameLst>
-                                      </p:cBhvr>
-                                      <p:to>
-                                        <p:strVal val="visible"/>
-                                      </p:to>
-                                    </p:set>
-                                    <p:animEffect transition="in" filter="fade">
-                                      <p:cBhvr>
-                                        <p:cTn id="17" dur="500"/>
-                                        <p:tgtEl>
-                                          <p:spTgt spid="16391"/>
-                                        </p:tgtEl>
-                                      </p:cBhvr>
-                                    </p:animEffect>
-                                  </p:childTnLst>
-                                </p:cTn>
-                              </p:par>
-                            </p:childTnLst>
-                          </p:cTn>
-                        </p:par>
-                      </p:childTnLst>
-                    </p:cTn>
-                  </p:par>
-                </p:childTnLst>
-              </p:cTn>
-              <p:prevCondLst>
-                <p:cond evt="onPrev" delay="0">
-                  <p:tgtEl>
-                    <p:sldTgt/>
-                  </p:tgtEl>
-                </p:cond>
-              </p:prevCondLst>
-              <p:nextCondLst>
-                <p:cond evt="onNext" delay="0">
-                  <p:tgtEl>
-                    <p:sldTgt/>
-                  </p:tgtEl>
-                </p:cond>
-              </p:nextCondLst>
-            </p:seq>
-          </p:childTnLst>
-        </p:cTn>
-      </p:par>
-    </p:tnLst>
-    <p:bldLst>
-      <p:bldP spid="16391" grpId="0" bldLvl="0"/>
-    </p:bldLst>
-  </p:timing>
-</p:sld>
-</file>
-
 <file path=ppt/slides/slide6.xml><?xml version="1.0" encoding="utf-8"?>
 <p:sld xmlns:a="http://schemas.openxmlformats.org/drawingml/2006/main" xmlns:r="http://schemas.openxmlformats.org/officeDocument/2006/relationships" xmlns:p="http://schemas.openxmlformats.org/presentationml/2006/main">
   <p:cSld>
@@ -16434,7 +15813,7 @@
           <p:nvPr/>
         </p:nvPicPr>
         <p:blipFill>
-          <a:blip r:embed="rId1" cstate="email"/>
+          <a:blip r:embed="rId2" cstate="email"/>
           <a:srcRect/>
           <a:stretch>
             <a:fillRect/>
@@ -16442,7 +15821,7 @@
         </p:blipFill>
         <p:spPr bwMode="auto">
           <a:xfrm>
-            <a:off x="0" y="-3175"/>
+            <a:off x="-23813" y="-3175"/>
             <a:ext cx="12241213" cy="6881813"/>
           </a:xfrm>
           <a:prstGeom prst="rect">
@@ -16482,7 +15861,7 @@
           <p:nvPr/>
         </p:nvPicPr>
         <p:blipFill>
-          <a:blip r:embed="rId2" cstate="email"/>
+          <a:blip r:embed="rId3" cstate="email"/>
           <a:srcRect/>
           <a:stretch>
             <a:fillRect/>
@@ -16530,7 +15909,7 @@
           <p:nvPr/>
         </p:nvPicPr>
         <p:blipFill>
-          <a:blip r:embed="rId3" cstate="email"/>
+          <a:blip r:embed="rId4" cstate="email"/>
           <a:srcRect/>
           <a:stretch>
             <a:fillRect/>
@@ -16578,7 +15957,7 @@
           <p:nvPr/>
         </p:nvPicPr>
         <p:blipFill>
-          <a:blip r:embed="rId4" cstate="email"/>
+          <a:blip r:embed="rId5" cstate="email"/>
           <a:srcRect/>
           <a:stretch>
             <a:fillRect/>
@@ -16626,7 +16005,7 @@
           <p:nvPr/>
         </p:nvPicPr>
         <p:blipFill>
-          <a:blip r:embed="rId5" cstate="email"/>
+          <a:blip r:embed="rId6" cstate="email"/>
           <a:srcRect/>
           <a:stretch>
             <a:fillRect/>
@@ -16673,8 +16052,8 @@
         </p:nvSpPr>
         <p:spPr>
           <a:xfrm>
-            <a:off x="742950" y="1300903"/>
-            <a:ext cx="10625776" cy="1532727"/>
+            <a:off x="692150" y="1096010"/>
+            <a:ext cx="10565765" cy="3966210"/>
           </a:xfrm>
           <a:prstGeom prst="rect">
             <a:avLst/>
@@ -16809,12 +16188,6 @@
               </a:rPr>
               <a:t>功能：</a:t>
             </a:r>
-            <a:endParaRPr lang="zh-CN" altLang="en-US" sz="2400" b="1" noProof="1">
-              <a:solidFill>
-                <a:srgbClr val="777777"/>
-              </a:solidFill>
-              <a:ea typeface="微软雅黑" panose="020B0503020204020204" pitchFamily="34" charset="-122"/>
-            </a:endParaRPr>
           </a:p>
           <a:p>
             <a:pPr marL="0" indent="0" eaLnBrk="1">
@@ -16832,14 +16205,8 @@
                 </a:solidFill>
                 <a:ea typeface="微软雅黑" panose="020B0503020204020204" pitchFamily="34" charset="-122"/>
               </a:rPr>
-              <a:t>单词听写（常智裕）：</a:t>
-            </a:r>
-            <a:endParaRPr lang="en-US" altLang="zh-CN" sz="2400" b="1" dirty="0">
-              <a:solidFill>
-                <a:srgbClr val="777777"/>
-              </a:solidFill>
-              <a:ea typeface="微软雅黑" panose="020B0503020204020204" pitchFamily="34" charset="-122"/>
-            </a:endParaRPr>
+              <a:t>查单词（熊伟）：</a:t>
+            </a:r>
           </a:p>
           <a:p>
             <a:pPr marL="0" indent="0" eaLnBrk="1">
@@ -16858,33 +16225,139 @@
             </a:endParaRPr>
           </a:p>
           <a:p>
-            <a:pPr marL="342900" indent="-342900" eaLnBrk="1">
+            <a:pPr marL="0" indent="0" eaLnBrk="1">
               <a:spcBef>
                 <a:spcPct val="0"/>
               </a:spcBef>
-              <a:buFont typeface="Wingdings" panose="05000000000000000000" charset="0"/>
-              <a:buChar char="Ø"/>
+              <a:buFont typeface="Arial" panose="020B0604020202020204" pitchFamily="34" charset="0"/>
+              <a:buNone/>
               <a:defRPr/>
             </a:pPr>
             <a:r>
-              <a:rPr lang="en-US" altLang="zh-CN" sz="1600" b="1" noProof="1">
-                <a:solidFill>
-                  <a:srgbClr val="777777"/>
-                </a:solidFill>
-                <a:ea typeface="微软雅黑" panose="020B0503020204020204" pitchFamily="34" charset="-122"/>
+              <a:rPr lang="zh-CN" altLang="en-US" sz="2400" b="1" dirty="0">
+                <a:solidFill>
+                  <a:schemeClr val="tx1"/>
+                </a:solidFill>
+                <a:latin typeface="楷体" panose="02010609060101010101" charset="-122"/>
+                <a:ea typeface="楷体" panose="02010609060101010101" charset="-122"/>
               </a:rPr>
-              <a:t>  </a:t>
-            </a:r>
-            <a:r>
-              <a:rPr lang="zh-CN" altLang="en-US" sz="1600" b="1" dirty="0">
-                <a:solidFill>
-                  <a:srgbClr val="777777"/>
-                </a:solidFill>
-                <a:ea typeface="微软雅黑" panose="020B0503020204020204" pitchFamily="34" charset="-122"/>
+              <a:t>  实现了英译汉以及汉译英功能。</a:t>
+            </a:r>
+          </a:p>
+          <a:p>
+            <a:pPr marL="0" indent="0" eaLnBrk="1">
+              <a:spcBef>
+                <a:spcPct val="0"/>
+              </a:spcBef>
+              <a:buFont typeface="Arial" panose="020B0604020202020204" pitchFamily="34" charset="0"/>
+              <a:buNone/>
+              <a:defRPr/>
+            </a:pPr>
+            <a:endParaRPr lang="zh-CN" altLang="en-US" sz="2400" b="1" dirty="0">
+              <a:solidFill>
+                <a:schemeClr val="tx1"/>
+              </a:solidFill>
+              <a:latin typeface="楷体" panose="02010609060101010101" charset="-122"/>
+              <a:ea typeface="楷体" panose="02010609060101010101" charset="-122"/>
+            </a:endParaRPr>
+          </a:p>
+          <a:p>
+            <a:pPr marL="0" indent="0" eaLnBrk="1">
+              <a:spcBef>
+                <a:spcPct val="0"/>
+              </a:spcBef>
+              <a:buFont typeface="Arial" panose="020B0604020202020204" pitchFamily="34" charset="0"/>
+              <a:buNone/>
+              <a:defRPr/>
+            </a:pPr>
+            <a:r>
+              <a:rPr lang="zh-CN" altLang="en-US" sz="2400" b="1" dirty="0">
+                <a:solidFill>
+                  <a:schemeClr val="tx1"/>
+                </a:solidFill>
+                <a:latin typeface="楷体" panose="02010609060101010101" charset="-122"/>
+                <a:ea typeface="楷体" panose="02010609060101010101" charset="-122"/>
               </a:rPr>
-              <a:t>  随机获取词库中已有的中文释义并将其打印出来，用户需要正确并写出单词。系统会自动判断对错</a:t>
-            </a:r>
-            <a:endParaRPr lang="zh-CN" altLang="en-US" sz="1600" b="1" dirty="0">
+              <a:t>  英译汉：</a:t>
+            </a:r>
+          </a:p>
+          <a:p>
+            <a:pPr marL="0" indent="0" eaLnBrk="1">
+              <a:spcBef>
+                <a:spcPct val="0"/>
+              </a:spcBef>
+              <a:buFont typeface="Arial" panose="020B0604020202020204" pitchFamily="34" charset="0"/>
+              <a:buNone/>
+              <a:defRPr/>
+            </a:pPr>
+            <a:r>
+              <a:rPr lang="zh-CN" altLang="en-US" sz="2400" b="1" dirty="0">
+                <a:solidFill>
+                  <a:schemeClr val="tx1"/>
+                </a:solidFill>
+                <a:latin typeface="楷体" panose="02010609060101010101" charset="-122"/>
+                <a:ea typeface="楷体" panose="02010609060101010101" charset="-122"/>
+              </a:rPr>
+              <a:t>        用户输入英文单词，文本框可显示出对应的词条，可根据用户输入部分实时更新文本框。</a:t>
+            </a:r>
+          </a:p>
+          <a:p>
+            <a:pPr marL="0" indent="0" eaLnBrk="1">
+              <a:spcBef>
+                <a:spcPct val="0"/>
+              </a:spcBef>
+              <a:buFont typeface="Arial" panose="020B0604020202020204" pitchFamily="34" charset="0"/>
+              <a:buNone/>
+              <a:defRPr/>
+            </a:pPr>
+            <a:endParaRPr lang="zh-CN" altLang="en-US" sz="2400" b="1" dirty="0">
+              <a:solidFill>
+                <a:schemeClr val="tx1"/>
+              </a:solidFill>
+              <a:latin typeface="楷体" panose="02010609060101010101" charset="-122"/>
+              <a:ea typeface="楷体" panose="02010609060101010101" charset="-122"/>
+            </a:endParaRPr>
+          </a:p>
+          <a:p>
+            <a:pPr marL="0" indent="0" eaLnBrk="1">
+              <a:spcBef>
+                <a:spcPct val="0"/>
+              </a:spcBef>
+              <a:buFont typeface="Arial" panose="020B0604020202020204" pitchFamily="34" charset="0"/>
+              <a:buNone/>
+              <a:defRPr/>
+            </a:pPr>
+            <a:r>
+              <a:rPr lang="zh-CN" altLang="en-US" sz="2400" b="1" dirty="0">
+                <a:solidFill>
+                  <a:schemeClr val="tx1"/>
+                </a:solidFill>
+                <a:latin typeface="楷体" panose="02010609060101010101" charset="-122"/>
+                <a:ea typeface="楷体" panose="02010609060101010101" charset="-122"/>
+              </a:rPr>
+              <a:t>  汉译英：</a:t>
+            </a:r>
+          </a:p>
+          <a:p>
+            <a:pPr marL="0" indent="0" eaLnBrk="1">
+              <a:spcBef>
+                <a:spcPct val="0"/>
+              </a:spcBef>
+              <a:buFont typeface="Arial" panose="020B0604020202020204" pitchFamily="34" charset="0"/>
+              <a:buNone/>
+              <a:defRPr/>
+            </a:pPr>
+            <a:r>
+              <a:rPr lang="zh-CN" altLang="en-US" sz="2400" b="1" dirty="0">
+                <a:solidFill>
+                  <a:schemeClr val="tx1"/>
+                </a:solidFill>
+                <a:latin typeface="楷体" panose="02010609060101010101" charset="-122"/>
+                <a:ea typeface="楷体" panose="02010609060101010101" charset="-122"/>
+              </a:rPr>
+              <a:t>        用户输入中文，文本框实时显示出包含有该中文含义的词条。</a:t>
+            </a:r>
+            <a:endParaRPr lang="en-US" altLang="zh-CN" sz="2400" b="1" dirty="0">
               <a:solidFill>
                 <a:srgbClr val="777777"/>
               </a:solidFill>
@@ -17185,11 +16658,740 @@
           <a:chExt cx="0" cy="0"/>
         </a:xfrm>
       </p:grpSpPr>
+      <p:pic>
+        <p:nvPicPr>
+          <p:cNvPr id="8194" name="Picture 2" descr="4-1"/>
+          <p:cNvPicPr>
+            <a:picLocks noChangeAspect="1" noChangeArrowheads="1"/>
+          </p:cNvPicPr>
+          <p:nvPr/>
+        </p:nvPicPr>
+        <p:blipFill>
+          <a:blip r:embed="rId2" cstate="email"/>
+          <a:srcRect/>
+          <a:stretch>
+            <a:fillRect/>
+          </a:stretch>
+        </p:blipFill>
+        <p:spPr bwMode="auto">
+          <a:xfrm>
+            <a:off x="0" y="-3175"/>
+            <a:ext cx="12241213" cy="6881813"/>
+          </a:xfrm>
+          <a:prstGeom prst="rect">
+            <a:avLst/>
+          </a:prstGeom>
+          <a:noFill/>
+          <a:ln>
+            <a:noFill/>
+          </a:ln>
+          <a:extLst>
+            <a:ext uri="{909E8E84-426E-40DD-AFC4-6F175D3DCCD1}">
+              <a14:hiddenFill xmlns:a14="http://schemas.microsoft.com/office/drawing/2010/main">
+                <a:solidFill>
+                  <a:srgbClr val="FFFFFF"/>
+                </a:solidFill>
+              </a14:hiddenFill>
+            </a:ext>
+            <a:ext uri="{91240B29-F687-4F45-9708-019B960494DF}">
+              <a14:hiddenLine xmlns:a14="http://schemas.microsoft.com/office/drawing/2010/main" w="9525">
+                <a:solidFill>
+                  <a:srgbClr val="000000"/>
+                </a:solidFill>
+                <a:miter lim="800000"/>
+                <a:headEnd/>
+                <a:tailEnd/>
+              </a14:hiddenLine>
+            </a:ext>
+          </a:extLst>
+        </p:spPr>
+      </p:pic>
+      <p:pic>
+        <p:nvPicPr>
+          <p:cNvPr id="16387" name="Picture 3" descr="4-1"/>
+          <p:cNvPicPr>
+            <a:picLocks noChangeAspect="1" noChangeArrowheads="1"/>
+          </p:cNvPicPr>
+          <p:nvPr/>
+        </p:nvPicPr>
+        <p:blipFill>
+          <a:blip r:embed="rId3" cstate="email"/>
+          <a:srcRect/>
+          <a:stretch>
+            <a:fillRect/>
+          </a:stretch>
+        </p:blipFill>
+        <p:spPr bwMode="auto">
+          <a:xfrm>
+            <a:off x="11625263" y="-3175"/>
+            <a:ext cx="254000" cy="6521450"/>
+          </a:xfrm>
+          <a:prstGeom prst="rect">
+            <a:avLst/>
+          </a:prstGeom>
+          <a:noFill/>
+          <a:ln>
+            <a:noFill/>
+          </a:ln>
+          <a:extLst>
+            <a:ext uri="{909E8E84-426E-40DD-AFC4-6F175D3DCCD1}">
+              <a14:hiddenFill xmlns:a14="http://schemas.microsoft.com/office/drawing/2010/main">
+                <a:solidFill>
+                  <a:srgbClr val="FFFFFF"/>
+                </a:solidFill>
+              </a14:hiddenFill>
+            </a:ext>
+            <a:ext uri="{91240B29-F687-4F45-9708-019B960494DF}">
+              <a14:hiddenLine xmlns:a14="http://schemas.microsoft.com/office/drawing/2010/main" w="9525">
+                <a:solidFill>
+                  <a:srgbClr val="000000"/>
+                </a:solidFill>
+                <a:miter lim="800000"/>
+                <a:headEnd/>
+                <a:tailEnd/>
+              </a14:hiddenLine>
+            </a:ext>
+          </a:extLst>
+        </p:spPr>
+      </p:pic>
+      <p:pic>
+        <p:nvPicPr>
+          <p:cNvPr id="16388" name="Picture 4" descr="4-2"/>
+          <p:cNvPicPr>
+            <a:picLocks noChangeAspect="1" noChangeArrowheads="1"/>
+          </p:cNvPicPr>
+          <p:nvPr/>
+        </p:nvPicPr>
+        <p:blipFill>
+          <a:blip r:embed="rId4" cstate="email"/>
+          <a:srcRect/>
+          <a:stretch>
+            <a:fillRect/>
+          </a:stretch>
+        </p:blipFill>
+        <p:spPr bwMode="auto">
+          <a:xfrm>
+            <a:off x="1730375" y="6297613"/>
+            <a:ext cx="271463" cy="384175"/>
+          </a:xfrm>
+          <a:prstGeom prst="rect">
+            <a:avLst/>
+          </a:prstGeom>
+          <a:noFill/>
+          <a:ln>
+            <a:noFill/>
+          </a:ln>
+          <a:extLst>
+            <a:ext uri="{909E8E84-426E-40DD-AFC4-6F175D3DCCD1}">
+              <a14:hiddenFill xmlns:a14="http://schemas.microsoft.com/office/drawing/2010/main">
+                <a:solidFill>
+                  <a:srgbClr val="FFFFFF"/>
+                </a:solidFill>
+              </a14:hiddenFill>
+            </a:ext>
+            <a:ext uri="{91240B29-F687-4F45-9708-019B960494DF}">
+              <a14:hiddenLine xmlns:a14="http://schemas.microsoft.com/office/drawing/2010/main" w="9525">
+                <a:solidFill>
+                  <a:srgbClr val="000000"/>
+                </a:solidFill>
+                <a:miter lim="800000"/>
+                <a:headEnd/>
+                <a:tailEnd/>
+              </a14:hiddenLine>
+            </a:ext>
+          </a:extLst>
+        </p:spPr>
+      </p:pic>
+      <p:pic>
+        <p:nvPicPr>
+          <p:cNvPr id="8197" name="Picture 5" descr="5-6"/>
+          <p:cNvPicPr>
+            <a:picLocks noChangeAspect="1" noChangeArrowheads="1"/>
+          </p:cNvPicPr>
+          <p:nvPr/>
+        </p:nvPicPr>
+        <p:blipFill>
+          <a:blip r:embed="rId5" cstate="email"/>
+          <a:srcRect/>
+          <a:stretch>
+            <a:fillRect/>
+          </a:stretch>
+        </p:blipFill>
+        <p:spPr bwMode="auto">
+          <a:xfrm>
+            <a:off x="355600" y="4397375"/>
+            <a:ext cx="774700" cy="787400"/>
+          </a:xfrm>
+          <a:prstGeom prst="rect">
+            <a:avLst/>
+          </a:prstGeom>
+          <a:noFill/>
+          <a:ln>
+            <a:noFill/>
+          </a:ln>
+          <a:extLst>
+            <a:ext uri="{909E8E84-426E-40DD-AFC4-6F175D3DCCD1}">
+              <a14:hiddenFill xmlns:a14="http://schemas.microsoft.com/office/drawing/2010/main">
+                <a:solidFill>
+                  <a:srgbClr val="FFFFFF"/>
+                </a:solidFill>
+              </a14:hiddenFill>
+            </a:ext>
+            <a:ext uri="{91240B29-F687-4F45-9708-019B960494DF}">
+              <a14:hiddenLine xmlns:a14="http://schemas.microsoft.com/office/drawing/2010/main" w="9525">
+                <a:solidFill>
+                  <a:srgbClr val="000000"/>
+                </a:solidFill>
+                <a:miter lim="800000"/>
+                <a:headEnd/>
+                <a:tailEnd/>
+              </a14:hiddenLine>
+            </a:ext>
+          </a:extLst>
+        </p:spPr>
+      </p:pic>
+      <p:pic>
+        <p:nvPicPr>
+          <p:cNvPr id="8198" name="Picture 6" descr="5-6"/>
+          <p:cNvPicPr>
+            <a:picLocks noChangeAspect="1" noChangeArrowheads="1"/>
+          </p:cNvPicPr>
+          <p:nvPr/>
+        </p:nvPicPr>
+        <p:blipFill>
+          <a:blip r:embed="rId6" cstate="email"/>
+          <a:srcRect/>
+          <a:stretch>
+            <a:fillRect/>
+          </a:stretch>
+        </p:blipFill>
+        <p:spPr bwMode="auto">
+          <a:xfrm>
+            <a:off x="3746500" y="1330325"/>
+            <a:ext cx="776288" cy="788988"/>
+          </a:xfrm>
+          <a:prstGeom prst="rect">
+            <a:avLst/>
+          </a:prstGeom>
+          <a:noFill/>
+          <a:ln>
+            <a:noFill/>
+          </a:ln>
+          <a:extLst>
+            <a:ext uri="{909E8E84-426E-40DD-AFC4-6F175D3DCCD1}">
+              <a14:hiddenFill xmlns:a14="http://schemas.microsoft.com/office/drawing/2010/main">
+                <a:solidFill>
+                  <a:srgbClr val="FFFFFF"/>
+                </a:solidFill>
+              </a14:hiddenFill>
+            </a:ext>
+            <a:ext uri="{91240B29-F687-4F45-9708-019B960494DF}">
+              <a14:hiddenLine xmlns:a14="http://schemas.microsoft.com/office/drawing/2010/main" w="9525">
+                <a:solidFill>
+                  <a:srgbClr val="000000"/>
+                </a:solidFill>
+                <a:miter lim="800000"/>
+                <a:headEnd/>
+                <a:tailEnd/>
+              </a14:hiddenLine>
+            </a:ext>
+          </a:extLst>
+        </p:spPr>
+      </p:pic>
+      <p:sp>
+        <p:nvSpPr>
+          <p:cNvPr id="16391" name="Text Box 7"/>
+          <p:cNvSpPr txBox="1"/>
+          <p:nvPr/>
+        </p:nvSpPr>
+        <p:spPr>
+          <a:xfrm>
+            <a:off x="742950" y="1300903"/>
+            <a:ext cx="10625776" cy="1975926"/>
+          </a:xfrm>
+          <a:prstGeom prst="rect">
+            <a:avLst/>
+          </a:prstGeom>
+          <a:noFill/>
+          <a:ln w="9525">
+            <a:noFill/>
+          </a:ln>
+        </p:spPr>
+        <p:txBody>
+          <a:bodyPr wrap="square">
+            <a:spAutoFit/>
+          </a:bodyPr>
+          <a:lstStyle>
+            <a:lvl1pPr marL="228600" indent="-228600" algn="l" rtl="0" eaLnBrk="0" fontAlgn="base" hangingPunct="0">
+              <a:lnSpc>
+                <a:spcPct val="90000"/>
+              </a:lnSpc>
+              <a:spcBef>
+                <a:spcPct val="30000"/>
+              </a:spcBef>
+              <a:spcAft>
+                <a:spcPct val="0"/>
+              </a:spcAft>
+              <a:buFont typeface="Arial" panose="020B0604020202020204" pitchFamily="34" charset="0"/>
+              <a:buChar char="•"/>
+              <a:defRPr sz="2800">
+                <a:solidFill>
+                  <a:schemeClr val="tx1"/>
+                </a:solidFill>
+                <a:latin typeface="+mn-lt"/>
+                <a:ea typeface="+mn-ea"/>
+                <a:cs typeface="+mn-cs"/>
+              </a:defRPr>
+            </a:lvl1pPr>
+            <a:lvl2pPr marL="685800" indent="-228600" algn="l" rtl="0" eaLnBrk="0" fontAlgn="base" hangingPunct="0">
+              <a:lnSpc>
+                <a:spcPct val="90000"/>
+              </a:lnSpc>
+              <a:spcBef>
+                <a:spcPct val="30000"/>
+              </a:spcBef>
+              <a:spcAft>
+                <a:spcPct val="0"/>
+              </a:spcAft>
+              <a:buFont typeface="Arial" panose="020B0604020202020204" pitchFamily="34" charset="0"/>
+              <a:buChar char="•"/>
+              <a:defRPr sz="2400">
+                <a:solidFill>
+                  <a:schemeClr val="tx1"/>
+                </a:solidFill>
+                <a:latin typeface="+mn-lt"/>
+                <a:ea typeface="+mn-ea"/>
+              </a:defRPr>
+            </a:lvl2pPr>
+            <a:lvl3pPr marL="1143000" indent="-228600" algn="l" rtl="0" eaLnBrk="0" fontAlgn="base" hangingPunct="0">
+              <a:lnSpc>
+                <a:spcPct val="90000"/>
+              </a:lnSpc>
+              <a:spcBef>
+                <a:spcPct val="30000"/>
+              </a:spcBef>
+              <a:spcAft>
+                <a:spcPct val="0"/>
+              </a:spcAft>
+              <a:buFont typeface="Arial" panose="020B0604020202020204" pitchFamily="34" charset="0"/>
+              <a:buChar char="•"/>
+              <a:defRPr sz="2000">
+                <a:solidFill>
+                  <a:schemeClr val="tx1"/>
+                </a:solidFill>
+                <a:latin typeface="+mn-lt"/>
+                <a:ea typeface="+mn-ea"/>
+              </a:defRPr>
+            </a:lvl3pPr>
+            <a:lvl4pPr marL="1600200" indent="-228600" algn="l" rtl="0" eaLnBrk="0" fontAlgn="base" hangingPunct="0">
+              <a:lnSpc>
+                <a:spcPct val="90000"/>
+              </a:lnSpc>
+              <a:spcBef>
+                <a:spcPct val="30000"/>
+              </a:spcBef>
+              <a:spcAft>
+                <a:spcPct val="0"/>
+              </a:spcAft>
+              <a:buFont typeface="Arial" panose="020B0604020202020204" pitchFamily="34" charset="0"/>
+              <a:buChar char="•"/>
+              <a:defRPr sz="2000">
+                <a:solidFill>
+                  <a:schemeClr val="tx1"/>
+                </a:solidFill>
+                <a:latin typeface="+mn-lt"/>
+                <a:ea typeface="+mn-ea"/>
+              </a:defRPr>
+            </a:lvl4pPr>
+            <a:lvl5pPr marL="2057400" indent="-228600" algn="l" rtl="0" eaLnBrk="0" fontAlgn="base" hangingPunct="0">
+              <a:lnSpc>
+                <a:spcPct val="90000"/>
+              </a:lnSpc>
+              <a:spcBef>
+                <a:spcPct val="30000"/>
+              </a:spcBef>
+              <a:spcAft>
+                <a:spcPct val="0"/>
+              </a:spcAft>
+              <a:buFont typeface="Arial" panose="020B0604020202020204" pitchFamily="34" charset="0"/>
+              <a:buChar char="•"/>
+              <a:defRPr sz="2000">
+                <a:solidFill>
+                  <a:schemeClr val="tx1"/>
+                </a:solidFill>
+                <a:latin typeface="+mn-lt"/>
+                <a:ea typeface="+mn-ea"/>
+              </a:defRPr>
+            </a:lvl5pPr>
+          </a:lstStyle>
+          <a:p>
+            <a:pPr marL="0" indent="0" eaLnBrk="1">
+              <a:spcBef>
+                <a:spcPct val="0"/>
+              </a:spcBef>
+              <a:buFont typeface="Arial" panose="020B0604020202020204" pitchFamily="34" charset="0"/>
+              <a:buNone/>
+              <a:defRPr/>
+            </a:pPr>
+            <a:r>
+              <a:rPr lang="zh-CN" altLang="en-US" sz="2400" b="1" noProof="1">
+                <a:solidFill>
+                  <a:srgbClr val="777777"/>
+                </a:solidFill>
+                <a:ea typeface="微软雅黑" panose="020B0503020204020204" pitchFamily="34" charset="-122"/>
+              </a:rPr>
+              <a:t>功能：</a:t>
+            </a:r>
+          </a:p>
+          <a:p>
+            <a:pPr marL="0" indent="0" eaLnBrk="1">
+              <a:spcBef>
+                <a:spcPct val="0"/>
+              </a:spcBef>
+              <a:buFont typeface="Arial" panose="020B0604020202020204" pitchFamily="34" charset="0"/>
+              <a:buNone/>
+              <a:defRPr/>
+            </a:pPr>
+            <a:r>
+              <a:rPr lang="zh-CN" altLang="en-US" sz="2400" b="1" dirty="0">
+                <a:solidFill>
+                  <a:srgbClr val="777777"/>
+                </a:solidFill>
+                <a:ea typeface="微软雅黑" panose="020B0503020204020204" pitchFamily="34" charset="-122"/>
+              </a:rPr>
+              <a:t>单词听写（常智裕）：</a:t>
+            </a:r>
+            <a:endParaRPr lang="en-US" altLang="zh-CN" sz="2400" b="1" dirty="0">
+              <a:solidFill>
+                <a:srgbClr val="777777"/>
+              </a:solidFill>
+              <a:ea typeface="微软雅黑" panose="020B0503020204020204" pitchFamily="34" charset="-122"/>
+            </a:endParaRPr>
+          </a:p>
+          <a:p>
+            <a:pPr marL="0" indent="0" eaLnBrk="1">
+              <a:spcBef>
+                <a:spcPct val="0"/>
+              </a:spcBef>
+              <a:buFont typeface="Arial" panose="020B0604020202020204" pitchFamily="34" charset="0"/>
+              <a:buNone/>
+              <a:defRPr/>
+            </a:pPr>
+            <a:endParaRPr lang="en-US" altLang="zh-CN" sz="2400" b="1" dirty="0">
+              <a:solidFill>
+                <a:srgbClr val="777777"/>
+              </a:solidFill>
+              <a:ea typeface="微软雅黑" panose="020B0503020204020204" pitchFamily="34" charset="-122"/>
+            </a:endParaRPr>
+          </a:p>
+          <a:p>
+            <a:pPr marL="0" indent="0" eaLnBrk="1">
+              <a:spcBef>
+                <a:spcPct val="0"/>
+              </a:spcBef>
+              <a:buNone/>
+              <a:defRPr/>
+            </a:pPr>
+            <a:r>
+              <a:rPr lang="en-US" altLang="zh-CN" sz="1600" b="1" noProof="1">
+                <a:solidFill>
+                  <a:srgbClr val="777777"/>
+                </a:solidFill>
+                <a:ea typeface="微软雅黑" panose="020B0503020204020204" pitchFamily="34" charset="-122"/>
+              </a:rPr>
+              <a:t>  </a:t>
+            </a:r>
+            <a:r>
+              <a:rPr lang="zh-CN" altLang="en-US" sz="1600" b="1" dirty="0">
+                <a:solidFill>
+                  <a:srgbClr val="777777"/>
+                </a:solidFill>
+                <a:ea typeface="微软雅黑" panose="020B0503020204020204" pitchFamily="34" charset="-122"/>
+              </a:rPr>
+              <a:t>  </a:t>
+            </a:r>
+            <a:r>
+              <a:rPr lang="zh-CN" altLang="en-US" sz="2400" b="1" dirty="0">
+                <a:latin typeface="楷体" panose="02010609060101010101" charset="-122"/>
+                <a:ea typeface="楷体" panose="02010609060101010101" charset="-122"/>
+              </a:rPr>
+              <a:t>随机获取词库中已有的中文释义并将其打印出来，用户需要正确并写出单词。系统会自动判断对错</a:t>
+            </a:r>
+          </a:p>
+          <a:p>
+            <a:pPr marL="285750" indent="-285750" eaLnBrk="1">
+              <a:spcBef>
+                <a:spcPct val="0"/>
+              </a:spcBef>
+              <a:buFont typeface="Wingdings" panose="05000000000000000000" charset="0"/>
+              <a:buChar char="Ø"/>
+              <a:defRPr/>
+            </a:pPr>
+            <a:endParaRPr lang="zh-CN" altLang="en-US" sz="1600" b="1" dirty="0">
+              <a:solidFill>
+                <a:srgbClr val="777777"/>
+              </a:solidFill>
+              <a:ea typeface="微软雅黑" panose="020B0503020204020204" pitchFamily="34" charset="-122"/>
+            </a:endParaRPr>
+          </a:p>
+        </p:txBody>
+      </p:sp>
     </p:spTree>
   </p:cSld>
   <p:clrMapOvr>
     <a:masterClrMapping/>
   </p:clrMapOvr>
+  <p:timing>
+    <p:tnLst>
+      <p:par>
+        <p:cTn id="1" dur="indefinite" restart="never" nodeType="tmRoot">
+          <p:childTnLst>
+            <p:seq concurrent="1" nextAc="seek">
+              <p:cTn id="2" dur="indefinite" nodeType="mainSeq">
+                <p:childTnLst>
+                  <p:par>
+                    <p:cTn id="3" fill="hold">
+                      <p:stCondLst>
+                        <p:cond delay="indefinite"/>
+                        <p:cond evt="onBegin" delay="0">
+                          <p:tn val="2"/>
+                        </p:cond>
+                      </p:stCondLst>
+                      <p:childTnLst>
+                        <p:par>
+                          <p:cTn id="4" fill="hold">
+                            <p:stCondLst>
+                              <p:cond delay="0"/>
+                            </p:stCondLst>
+                            <p:childTnLst>
+                              <p:par>
+                                <p:cTn id="5" presetID="29" presetClass="entr" presetSubtype="0" fill="hold" nodeType="withEffect">
+                                  <p:stCondLst>
+                                    <p:cond delay="0"/>
+                                  </p:stCondLst>
+                                  <p:childTnLst>
+                                    <p:set>
+                                      <p:cBhvr>
+                                        <p:cTn id="6" dur="1" fill="hold">
+                                          <p:stCondLst>
+                                            <p:cond delay="0"/>
+                                          </p:stCondLst>
+                                        </p:cTn>
+                                        <p:tgtEl>
+                                          <p:spTgt spid="16388"/>
+                                        </p:tgtEl>
+                                        <p:attrNameLst>
+                                          <p:attrName>style.visibility</p:attrName>
+                                        </p:attrNameLst>
+                                      </p:cBhvr>
+                                      <p:to>
+                                        <p:strVal val="visible"/>
+                                      </p:to>
+                                    </p:set>
+                                    <p:anim calcmode="lin" valueType="num">
+                                      <p:cBhvr>
+                                        <p:cTn id="7" dur="500" fill="hold"/>
+                                        <p:tgtEl>
+                                          <p:spTgt spid="16388"/>
+                                        </p:tgtEl>
+                                        <p:attrNameLst>
+                                          <p:attrName>ppt_x</p:attrName>
+                                        </p:attrNameLst>
+                                      </p:cBhvr>
+                                      <p:tavLst>
+                                        <p:tav tm="0">
+                                          <p:val>
+                                            <p:strVal val="#ppt_x-.2"/>
+                                          </p:val>
+                                        </p:tav>
+                                        <p:tav tm="100000">
+                                          <p:val>
+                                            <p:strVal val="#ppt_x"/>
+                                          </p:val>
+                                        </p:tav>
+                                      </p:tavLst>
+                                    </p:anim>
+                                    <p:anim calcmode="lin" valueType="num">
+                                      <p:cBhvr>
+                                        <p:cTn id="8" dur="500" fill="hold"/>
+                                        <p:tgtEl>
+                                          <p:spTgt spid="16388"/>
+                                        </p:tgtEl>
+                                        <p:attrNameLst>
+                                          <p:attrName>ppt_y</p:attrName>
+                                        </p:attrNameLst>
+                                      </p:cBhvr>
+                                      <p:tavLst>
+                                        <p:tav tm="0">
+                                          <p:val>
+                                            <p:strVal val="#ppt_y"/>
+                                          </p:val>
+                                        </p:tav>
+                                        <p:tav tm="100000">
+                                          <p:val>
+                                            <p:strVal val="#ppt_y"/>
+                                          </p:val>
+                                        </p:tav>
+                                      </p:tavLst>
+                                    </p:anim>
+                                    <p:animEffect transition="in" filter="wipe(right)" prLst="gradientSize: 0.1">
+                                      <p:cBhvr>
+                                        <p:cTn id="9" dur="500"/>
+                                        <p:tgtEl>
+                                          <p:spTgt spid="16388"/>
+                                        </p:tgtEl>
+                                      </p:cBhvr>
+                                    </p:animEffect>
+                                  </p:childTnLst>
+                                </p:cTn>
+                              </p:par>
+                              <p:par>
+                                <p:cTn id="10" presetID="47" presetClass="entr" presetSubtype="0" fill="hold" nodeType="withEffect">
+                                  <p:stCondLst>
+                                    <p:cond delay="0"/>
+                                  </p:stCondLst>
+                                  <p:childTnLst>
+                                    <p:set>
+                                      <p:cBhvr>
+                                        <p:cTn id="11" dur="1" fill="hold">
+                                          <p:stCondLst>
+                                            <p:cond delay="0"/>
+                                          </p:stCondLst>
+                                        </p:cTn>
+                                        <p:tgtEl>
+                                          <p:spTgt spid="16387"/>
+                                        </p:tgtEl>
+                                        <p:attrNameLst>
+                                          <p:attrName>style.visibility</p:attrName>
+                                        </p:attrNameLst>
+                                      </p:cBhvr>
+                                      <p:to>
+                                        <p:strVal val="visible"/>
+                                      </p:to>
+                                    </p:set>
+                                    <p:animEffect transition="in" filter="fade">
+                                      <p:cBhvr>
+                                        <p:cTn id="12" dur="500"/>
+                                        <p:tgtEl>
+                                          <p:spTgt spid="16387"/>
+                                        </p:tgtEl>
+                                      </p:cBhvr>
+                                    </p:animEffect>
+                                    <p:anim calcmode="lin" valueType="num">
+                                      <p:cBhvr>
+                                        <p:cTn id="13" dur="500" fill="hold"/>
+                                        <p:tgtEl>
+                                          <p:spTgt spid="16387"/>
+                                        </p:tgtEl>
+                                        <p:attrNameLst>
+                                          <p:attrName>ppt_x</p:attrName>
+                                        </p:attrNameLst>
+                                      </p:cBhvr>
+                                      <p:tavLst>
+                                        <p:tav tm="0">
+                                          <p:val>
+                                            <p:strVal val="#ppt_x"/>
+                                          </p:val>
+                                        </p:tav>
+                                        <p:tav tm="100000">
+                                          <p:val>
+                                            <p:strVal val="#ppt_x"/>
+                                          </p:val>
+                                        </p:tav>
+                                      </p:tavLst>
+                                    </p:anim>
+                                    <p:anim calcmode="lin" valueType="num">
+                                      <p:cBhvr>
+                                        <p:cTn id="14" dur="500" fill="hold"/>
+                                        <p:tgtEl>
+                                          <p:spTgt spid="16387"/>
+                                        </p:tgtEl>
+                                        <p:attrNameLst>
+                                          <p:attrName>ppt_y</p:attrName>
+                                        </p:attrNameLst>
+                                      </p:cBhvr>
+                                      <p:tavLst>
+                                        <p:tav tm="0">
+                                          <p:val>
+                                            <p:strVal val="#ppt_y-.1"/>
+                                          </p:val>
+                                        </p:tav>
+                                        <p:tav tm="100000">
+                                          <p:val>
+                                            <p:strVal val="#ppt_y"/>
+                                          </p:val>
+                                        </p:tav>
+                                      </p:tavLst>
+                                    </p:anim>
+                                  </p:childTnLst>
+                                </p:cTn>
+                              </p:par>
+                              <p:par>
+                                <p:cTn id="15" presetID="10" presetClass="entr" presetSubtype="0" fill="hold" grpId="0" nodeType="withEffect">
+                                  <p:stCondLst>
+                                    <p:cond delay="500"/>
+                                  </p:stCondLst>
+                                  <p:childTnLst>
+                                    <p:set>
+                                      <p:cBhvr>
+                                        <p:cTn id="16" dur="1" fill="hold">
+                                          <p:stCondLst>
+                                            <p:cond delay="0"/>
+                                          </p:stCondLst>
+                                        </p:cTn>
+                                        <p:tgtEl>
+                                          <p:spTgt spid="16391"/>
+                                        </p:tgtEl>
+                                        <p:attrNameLst>
+                                          <p:attrName>style.visibility</p:attrName>
+                                        </p:attrNameLst>
+                                      </p:cBhvr>
+                                      <p:to>
+                                        <p:strVal val="visible"/>
+                                      </p:to>
+                                    </p:set>
+                                    <p:animEffect transition="in" filter="fade">
+                                      <p:cBhvr>
+                                        <p:cTn id="17" dur="500"/>
+                                        <p:tgtEl>
+                                          <p:spTgt spid="16391"/>
+                                        </p:tgtEl>
+                                      </p:cBhvr>
+                                    </p:animEffect>
+                                  </p:childTnLst>
+                                </p:cTn>
+                              </p:par>
+                            </p:childTnLst>
+                          </p:cTn>
+                        </p:par>
+                      </p:childTnLst>
+                    </p:cTn>
+                  </p:par>
+                </p:childTnLst>
+              </p:cTn>
+              <p:prevCondLst>
+                <p:cond evt="onPrev" delay="0">
+                  <p:tgtEl>
+                    <p:sldTgt/>
+                  </p:tgtEl>
+                </p:cond>
+              </p:prevCondLst>
+              <p:nextCondLst>
+                <p:cond evt="onNext" delay="0">
+                  <p:tgtEl>
+                    <p:sldTgt/>
+                  </p:tgtEl>
+                </p:cond>
+              </p:nextCondLst>
+            </p:seq>
+          </p:childTnLst>
+        </p:cTn>
+      </p:par>
+    </p:tnLst>
+    <p:bldLst>
+      <p:bldP spid="16391" grpId="0" bldLvl="0"/>
+    </p:bldLst>
+  </p:timing>
 </p:sld>
 </file>
 
@@ -17212,14 +17414,276 @@
       </p:grpSpPr>
       <p:sp>
         <p:nvSpPr>
-          <p:cNvPr id="2" name="文本框 1"/>
+          <p:cNvPr id="4" name="Text Box 7">
+            <a:extLst>
+              <a:ext uri="{FF2B5EF4-FFF2-40B4-BE49-F238E27FC236}">
+                <a16:creationId xmlns:a16="http://schemas.microsoft.com/office/drawing/2014/main" id="{2AEA8C50-1B34-42E0-99F9-E6DE1B1CA767}"/>
+              </a:ext>
+            </a:extLst>
+          </p:cNvPr>
           <p:cNvSpPr txBox="1"/>
           <p:nvPr/>
         </p:nvSpPr>
         <p:spPr>
-          <a:xfrm rot="12434109" flipH="1" flipV="1">
-            <a:off x="4746070" y="3418606"/>
-            <a:ext cx="5611129" cy="830997"/>
+          <a:xfrm>
+            <a:off x="783112" y="661833"/>
+            <a:ext cx="10625776" cy="1975926"/>
+          </a:xfrm>
+          <a:prstGeom prst="rect">
+            <a:avLst/>
+          </a:prstGeom>
+          <a:noFill/>
+          <a:ln w="9525">
+            <a:noFill/>
+          </a:ln>
+        </p:spPr>
+        <p:txBody>
+          <a:bodyPr wrap="square">
+            <a:spAutoFit/>
+          </a:bodyPr>
+          <a:lstStyle>
+            <a:lvl1pPr marL="228600" indent="-228600" algn="l" rtl="0" eaLnBrk="0" fontAlgn="base" hangingPunct="0">
+              <a:lnSpc>
+                <a:spcPct val="90000"/>
+              </a:lnSpc>
+              <a:spcBef>
+                <a:spcPct val="30000"/>
+              </a:spcBef>
+              <a:spcAft>
+                <a:spcPct val="0"/>
+              </a:spcAft>
+              <a:buFont typeface="Arial" panose="020B0604020202020204" pitchFamily="34" charset="0"/>
+              <a:buChar char="•"/>
+              <a:defRPr sz="2800">
+                <a:solidFill>
+                  <a:schemeClr val="tx1"/>
+                </a:solidFill>
+                <a:latin typeface="+mn-lt"/>
+                <a:ea typeface="+mn-ea"/>
+                <a:cs typeface="+mn-cs"/>
+              </a:defRPr>
+            </a:lvl1pPr>
+            <a:lvl2pPr marL="685800" indent="-228600" algn="l" rtl="0" eaLnBrk="0" fontAlgn="base" hangingPunct="0">
+              <a:lnSpc>
+                <a:spcPct val="90000"/>
+              </a:lnSpc>
+              <a:spcBef>
+                <a:spcPct val="30000"/>
+              </a:spcBef>
+              <a:spcAft>
+                <a:spcPct val="0"/>
+              </a:spcAft>
+              <a:buFont typeface="Arial" panose="020B0604020202020204" pitchFamily="34" charset="0"/>
+              <a:buChar char="•"/>
+              <a:defRPr sz="2400">
+                <a:solidFill>
+                  <a:schemeClr val="tx1"/>
+                </a:solidFill>
+                <a:latin typeface="+mn-lt"/>
+                <a:ea typeface="+mn-ea"/>
+              </a:defRPr>
+            </a:lvl2pPr>
+            <a:lvl3pPr marL="1143000" indent="-228600" algn="l" rtl="0" eaLnBrk="0" fontAlgn="base" hangingPunct="0">
+              <a:lnSpc>
+                <a:spcPct val="90000"/>
+              </a:lnSpc>
+              <a:spcBef>
+                <a:spcPct val="30000"/>
+              </a:spcBef>
+              <a:spcAft>
+                <a:spcPct val="0"/>
+              </a:spcAft>
+              <a:buFont typeface="Arial" panose="020B0604020202020204" pitchFamily="34" charset="0"/>
+              <a:buChar char="•"/>
+              <a:defRPr sz="2000">
+                <a:solidFill>
+                  <a:schemeClr val="tx1"/>
+                </a:solidFill>
+                <a:latin typeface="+mn-lt"/>
+                <a:ea typeface="+mn-ea"/>
+              </a:defRPr>
+            </a:lvl3pPr>
+            <a:lvl4pPr marL="1600200" indent="-228600" algn="l" rtl="0" eaLnBrk="0" fontAlgn="base" hangingPunct="0">
+              <a:lnSpc>
+                <a:spcPct val="90000"/>
+              </a:lnSpc>
+              <a:spcBef>
+                <a:spcPct val="30000"/>
+              </a:spcBef>
+              <a:spcAft>
+                <a:spcPct val="0"/>
+              </a:spcAft>
+              <a:buFont typeface="Arial" panose="020B0604020202020204" pitchFamily="34" charset="0"/>
+              <a:buChar char="•"/>
+              <a:defRPr sz="2000">
+                <a:solidFill>
+                  <a:schemeClr val="tx1"/>
+                </a:solidFill>
+                <a:latin typeface="+mn-lt"/>
+                <a:ea typeface="+mn-ea"/>
+              </a:defRPr>
+            </a:lvl4pPr>
+            <a:lvl5pPr marL="2057400" indent="-228600" algn="l" rtl="0" eaLnBrk="0" fontAlgn="base" hangingPunct="0">
+              <a:lnSpc>
+                <a:spcPct val="90000"/>
+              </a:lnSpc>
+              <a:spcBef>
+                <a:spcPct val="30000"/>
+              </a:spcBef>
+              <a:spcAft>
+                <a:spcPct val="0"/>
+              </a:spcAft>
+              <a:buFont typeface="Arial" panose="020B0604020202020204" pitchFamily="34" charset="0"/>
+              <a:buChar char="•"/>
+              <a:defRPr sz="2000">
+                <a:solidFill>
+                  <a:schemeClr val="tx1"/>
+                </a:solidFill>
+                <a:latin typeface="+mn-lt"/>
+                <a:ea typeface="+mn-ea"/>
+              </a:defRPr>
+            </a:lvl5pPr>
+          </a:lstStyle>
+          <a:p>
+            <a:pPr marL="0" indent="0" eaLnBrk="1">
+              <a:spcBef>
+                <a:spcPct val="0"/>
+              </a:spcBef>
+              <a:buFont typeface="Arial" panose="020B0604020202020204" pitchFamily="34" charset="0"/>
+              <a:buNone/>
+              <a:defRPr/>
+            </a:pPr>
+            <a:r>
+              <a:rPr lang="zh-CN" altLang="en-US" sz="2400" b="1" noProof="1">
+                <a:solidFill>
+                  <a:srgbClr val="777777"/>
+                </a:solidFill>
+                <a:ea typeface="微软雅黑" panose="020B0503020204020204" pitchFamily="34" charset="-122"/>
+              </a:rPr>
+              <a:t>功能：</a:t>
+            </a:r>
+          </a:p>
+          <a:p>
+            <a:pPr marL="0" indent="0" eaLnBrk="1">
+              <a:spcBef>
+                <a:spcPct val="0"/>
+              </a:spcBef>
+              <a:buFont typeface="Arial" panose="020B0604020202020204" pitchFamily="34" charset="0"/>
+              <a:buNone/>
+              <a:defRPr/>
+            </a:pPr>
+            <a:r>
+              <a:rPr lang="zh-CN" altLang="en-US" sz="2400" b="1" dirty="0">
+                <a:solidFill>
+                  <a:srgbClr val="777777"/>
+                </a:solidFill>
+                <a:ea typeface="微软雅黑" panose="020B0503020204020204" pitchFamily="34" charset="-122"/>
+              </a:rPr>
+              <a:t>单词听写（王锦祥）：</a:t>
+            </a:r>
+            <a:endParaRPr lang="en-US" altLang="zh-CN" sz="2400" b="1" dirty="0">
+              <a:solidFill>
+                <a:srgbClr val="777777"/>
+              </a:solidFill>
+              <a:ea typeface="微软雅黑" panose="020B0503020204020204" pitchFamily="34" charset="-122"/>
+            </a:endParaRPr>
+          </a:p>
+          <a:p>
+            <a:pPr marL="0" indent="0" eaLnBrk="1">
+              <a:spcBef>
+                <a:spcPct val="0"/>
+              </a:spcBef>
+              <a:buFont typeface="Arial" panose="020B0604020202020204" pitchFamily="34" charset="0"/>
+              <a:buNone/>
+              <a:defRPr/>
+            </a:pPr>
+            <a:endParaRPr lang="en-US" altLang="zh-CN" sz="2400" b="1" dirty="0">
+              <a:solidFill>
+                <a:srgbClr val="777777"/>
+              </a:solidFill>
+              <a:ea typeface="微软雅黑" panose="020B0503020204020204" pitchFamily="34" charset="-122"/>
+            </a:endParaRPr>
+          </a:p>
+          <a:p>
+            <a:pPr marL="0" indent="0" eaLnBrk="1">
+              <a:spcBef>
+                <a:spcPct val="0"/>
+              </a:spcBef>
+              <a:buNone/>
+              <a:defRPr/>
+            </a:pPr>
+            <a:r>
+              <a:rPr lang="zh-CN" altLang="en-US" sz="2400" b="1" dirty="0">
+                <a:latin typeface="楷体" panose="02010609060101010101" charset="-122"/>
+                <a:ea typeface="楷体" panose="02010609060101010101" charset="-122"/>
+              </a:rPr>
+              <a:t>此功能允许用户输入单词并存入收藏夹中，同时也可以删除收藏夹中已有单词，还可以打开文件展示收藏夹内容</a:t>
+            </a:r>
+          </a:p>
+          <a:p>
+            <a:pPr marL="285750" indent="-285750" eaLnBrk="1">
+              <a:spcBef>
+                <a:spcPct val="0"/>
+              </a:spcBef>
+              <a:buFont typeface="Wingdings" panose="05000000000000000000" charset="0"/>
+              <a:buChar char="Ø"/>
+              <a:defRPr/>
+            </a:pPr>
+            <a:endParaRPr lang="zh-CN" altLang="en-US" sz="1600" b="1" dirty="0">
+              <a:solidFill>
+                <a:srgbClr val="777777"/>
+              </a:solidFill>
+              <a:ea typeface="微软雅黑" panose="020B0503020204020204" pitchFamily="34" charset="-122"/>
+            </a:endParaRPr>
+          </a:p>
+        </p:txBody>
+      </p:sp>
+      <p:pic>
+        <p:nvPicPr>
+          <p:cNvPr id="5" name="图片 4">
+            <a:extLst>
+              <a:ext uri="{FF2B5EF4-FFF2-40B4-BE49-F238E27FC236}">
+                <a16:creationId xmlns:a16="http://schemas.microsoft.com/office/drawing/2014/main" id="{F49A255E-FB46-4662-961E-32CB7E931AF8}"/>
+              </a:ext>
+            </a:extLst>
+          </p:cNvPr>
+          <p:cNvPicPr>
+            <a:picLocks noChangeAspect="1"/>
+          </p:cNvPicPr>
+          <p:nvPr/>
+        </p:nvPicPr>
+        <p:blipFill>
+          <a:blip r:embed="rId2"/>
+          <a:stretch>
+            <a:fillRect/>
+          </a:stretch>
+        </p:blipFill>
+        <p:spPr>
+          <a:xfrm>
+            <a:off x="6266952" y="2637759"/>
+            <a:ext cx="4956715" cy="4000423"/>
+          </a:xfrm>
+          <a:prstGeom prst="rect">
+            <a:avLst/>
+          </a:prstGeom>
+        </p:spPr>
+      </p:pic>
+      <p:sp>
+        <p:nvSpPr>
+          <p:cNvPr id="6" name="文本框 5">
+            <a:extLst>
+              <a:ext uri="{FF2B5EF4-FFF2-40B4-BE49-F238E27FC236}">
+                <a16:creationId xmlns:a16="http://schemas.microsoft.com/office/drawing/2014/main" id="{0E9643BB-4D00-4F3B-B548-775202CE132C}"/>
+              </a:ext>
+            </a:extLst>
+          </p:cNvPr>
+          <p:cNvSpPr txBox="1"/>
+          <p:nvPr/>
+        </p:nvSpPr>
+        <p:spPr>
+          <a:xfrm>
+            <a:off x="4189230" y="2967335"/>
+            <a:ext cx="2295525" cy="461665"/>
           </a:xfrm>
           <a:prstGeom prst="rect">
             <a:avLst/>
@@ -17233,10 +17697,9 @@
           <a:lstStyle/>
           <a:p>
             <a:r>
-              <a:rPr lang="zh-CN" altLang="en-US" sz="4800" dirty="0"/>
-              <a:t>总结部分</a:t>
-            </a:r>
-            <a:endParaRPr lang="zh-CN" altLang="en-US" sz="4800" dirty="0"/>
+              <a:rPr lang="zh-CN" altLang="en-US" sz="2400" b="1" dirty="0"/>
+              <a:t>部分代码展示</a:t>
+            </a:r>
           </a:p>
         </p:txBody>
       </p:sp>
@@ -17245,6 +17708,95 @@
   <p:clrMapOvr>
     <a:masterClrMapping/>
   </p:clrMapOvr>
+  <p:timing>
+    <p:tnLst>
+      <p:par>
+        <p:cTn id="1" dur="indefinite" restart="never" nodeType="tmRoot">
+          <p:childTnLst>
+            <p:seq concurrent="1" nextAc="seek">
+              <p:cTn id="2" dur="indefinite" nodeType="mainSeq">
+                <p:childTnLst>
+                  <p:par>
+                    <p:cTn id="3" fill="hold">
+                      <p:stCondLst>
+                        <p:cond delay="indefinite"/>
+                        <p:cond evt="onBegin" delay="0">
+                          <p:tn val="2"/>
+                        </p:cond>
+                      </p:stCondLst>
+                      <p:childTnLst>
+                        <p:par>
+                          <p:cTn id="4" fill="hold">
+                            <p:stCondLst>
+                              <p:cond delay="0"/>
+                            </p:stCondLst>
+                            <p:childTnLst>
+                              <p:par>
+                                <p:cTn id="5" presetID="10" presetClass="entr" presetSubtype="0" fill="hold" grpId="0" nodeType="withEffect">
+                                  <p:stCondLst>
+                                    <p:cond delay="500"/>
+                                  </p:stCondLst>
+                                  <p:childTnLst>
+                                    <p:set>
+                                      <p:cBhvr>
+                                        <p:cTn id="6" dur="1" fill="hold">
+                                          <p:stCondLst>
+                                            <p:cond delay="0"/>
+                                          </p:stCondLst>
+                                        </p:cTn>
+                                        <p:tgtEl>
+                                          <p:spTgt spid="4"/>
+                                        </p:tgtEl>
+                                        <p:attrNameLst>
+                                          <p:attrName>style.visibility</p:attrName>
+                                        </p:attrNameLst>
+                                      </p:cBhvr>
+                                      <p:to>
+                                        <p:strVal val="visible"/>
+                                      </p:to>
+                                    </p:set>
+                                    <p:animEffect transition="in" filter="fade">
+                                      <p:cBhvr>
+                                        <p:cTn id="7" dur="500"/>
+                                        <p:tgtEl>
+                                          <p:spTgt spid="4"/>
+                                        </p:tgtEl>
+                                      </p:cBhvr>
+                                    </p:animEffect>
+                                  </p:childTnLst>
+                                </p:cTn>
+                              </p:par>
+                            </p:childTnLst>
+                          </p:cTn>
+                        </p:par>
+                      </p:childTnLst>
+                    </p:cTn>
+                  </p:par>
+                </p:childTnLst>
+              </p:cTn>
+              <p:prevCondLst>
+                <p:cond evt="onPrev" delay="0">
+                  <p:tgtEl>
+                    <p:sldTgt/>
+                  </p:tgtEl>
+                </p:cond>
+              </p:prevCondLst>
+              <p:nextCondLst>
+                <p:cond evt="onNext" delay="0">
+                  <p:tgtEl>
+                    <p:sldTgt/>
+                  </p:tgtEl>
+                </p:cond>
+              </p:nextCondLst>
+            </p:seq>
+          </p:childTnLst>
+        </p:cTn>
+      </p:par>
+    </p:tnLst>
+    <p:bldLst>
+      <p:bldP spid="4" grpId="0" bldLvl="0"/>
+    </p:bldLst>
+  </p:timing>
 </p:sld>
 </file>
 
@@ -17267,175 +17819,30 @@
       </p:grpSpPr>
       <p:sp>
         <p:nvSpPr>
-          <p:cNvPr id="2" name="矩形 1"/>
-          <p:cNvSpPr/>
+          <p:cNvPr id="2" name="文本框 1"/>
+          <p:cNvSpPr txBox="1"/>
           <p:nvPr/>
         </p:nvSpPr>
         <p:spPr>
-          <a:xfrm>
-            <a:off x="175098" y="688717"/>
-            <a:ext cx="34027757" cy="3416320"/>
+          <a:xfrm rot="12434109" flipH="1" flipV="1">
+            <a:off x="4746070" y="3418606"/>
+            <a:ext cx="5611129" cy="830997"/>
           </a:xfrm>
           <a:prstGeom prst="rect">
             <a:avLst/>
           </a:prstGeom>
+          <a:noFill/>
         </p:spPr>
         <p:txBody>
-          <a:bodyPr wrap="square">
+          <a:bodyPr wrap="square" rtlCol="0">
             <a:spAutoFit/>
           </a:bodyPr>
           <a:lstStyle/>
           <a:p>
             <a:r>
-              <a:rPr lang="zh-CN" altLang="en-US" b="1" noProof="1">
-                <a:solidFill>
-                  <a:srgbClr val="777777"/>
-                </a:solidFill>
-                <a:latin typeface="微软雅黑" panose="020B0503020204020204" pitchFamily="34" charset="-122"/>
-                <a:ea typeface="微软雅黑" panose="020B0503020204020204" pitchFamily="34" charset="-122"/>
-              </a:rPr>
-              <a:t>邢国浩的总结、体会、评价：</a:t>
-            </a:r>
-            <a:endParaRPr lang="en-US" altLang="zh-CN" b="1" noProof="1">
-              <a:solidFill>
-                <a:srgbClr val="777777"/>
-              </a:solidFill>
-              <a:latin typeface="微软雅黑" panose="020B0503020204020204" pitchFamily="34" charset="-122"/>
-              <a:ea typeface="微软雅黑" panose="020B0503020204020204" pitchFamily="34" charset="-122"/>
-            </a:endParaRPr>
-          </a:p>
-          <a:p>
-            <a:endParaRPr lang="en-US" altLang="zh-CN" b="1" noProof="1">
-              <a:solidFill>
-                <a:srgbClr val="777777"/>
-              </a:solidFill>
-              <a:latin typeface="微软雅黑" panose="020B0503020204020204" pitchFamily="34" charset="-122"/>
-              <a:ea typeface="微软雅黑" panose="020B0503020204020204" pitchFamily="34" charset="-122"/>
-            </a:endParaRPr>
-          </a:p>
-          <a:p>
-            <a:endParaRPr lang="en-US" altLang="zh-CN" b="1" noProof="1">
-              <a:solidFill>
-                <a:srgbClr val="777777"/>
-              </a:solidFill>
-              <a:latin typeface="微软雅黑" panose="020B0503020204020204" pitchFamily="34" charset="-122"/>
-              <a:ea typeface="微软雅黑" panose="020B0503020204020204" pitchFamily="34" charset="-122"/>
-            </a:endParaRPr>
-          </a:p>
-          <a:p>
-            <a:r>
-              <a:rPr lang="en-US" altLang="zh-CN" dirty="0"/>
-              <a:t>	</a:t>
-            </a:r>
-            <a:r>
-              <a:rPr lang="zh-CN" altLang="en-US" dirty="0"/>
-              <a:t>短短</a:t>
-            </a:r>
-            <a:r>
-              <a:rPr lang="en-US" altLang="zh-CN" dirty="0"/>
-              <a:t>10</a:t>
-            </a:r>
-            <a:r>
-              <a:rPr lang="zh-CN" altLang="en-US" dirty="0"/>
-              <a:t>天的实训接近尾声，项目虽然比较简单，但收获了不少东西。</a:t>
-            </a:r>
-            <a:endParaRPr lang="en-US" altLang="zh-CN" dirty="0"/>
-          </a:p>
-          <a:p>
-            <a:r>
-              <a:rPr lang="zh-CN" altLang="en-US" dirty="0"/>
-              <a:t>最重要的是团队合作的能力达到了提高，选择适当的合作方式，分配任务，完成部分之后再无缝对接，</a:t>
-            </a:r>
-            <a:endParaRPr lang="en-US" altLang="zh-CN" dirty="0"/>
-          </a:p>
-          <a:p>
-            <a:r>
-              <a:rPr lang="zh-CN" altLang="en-US" dirty="0"/>
-              <a:t>这个流程正是软件工程学生的软实力之一，即使是个人的项目，也可以涉及到代码重用，爬上巨人的肩膀是</a:t>
-            </a:r>
-            <a:endParaRPr lang="en-US" altLang="zh-CN" dirty="0"/>
-          </a:p>
-          <a:p>
-            <a:r>
-              <a:rPr lang="zh-CN" altLang="en-US" dirty="0"/>
-              <a:t>每个人都应该养成的素质。</a:t>
-            </a:r>
-            <a:endParaRPr lang="en-US" altLang="zh-CN" dirty="0"/>
-          </a:p>
-          <a:p>
-            <a:endParaRPr lang="zh-CN" altLang="en-US" dirty="0"/>
-          </a:p>
-          <a:p>
-            <a:r>
-              <a:rPr lang="en-US" altLang="zh-CN" dirty="0"/>
-              <a:t>	</a:t>
-            </a:r>
-            <a:r>
-              <a:rPr lang="zh-CN" altLang="en-US" dirty="0"/>
-              <a:t>在代码方面，我学习了如何写一个规范的需求报告和设计报告，熟练了用</a:t>
-            </a:r>
-            <a:r>
-              <a:rPr lang="en-US" altLang="zh-CN" dirty="0" err="1"/>
-              <a:t>MicrosoftVisio</a:t>
-            </a:r>
-            <a:r>
-              <a:rPr lang="zh-CN" altLang="en-US" dirty="0"/>
-              <a:t>画流程图的操作，</a:t>
-            </a:r>
-            <a:endParaRPr lang="en-US" altLang="zh-CN" dirty="0"/>
-          </a:p>
-          <a:p>
-            <a:r>
-              <a:rPr lang="zh-CN" altLang="en-US" dirty="0"/>
-              <a:t>熟练了</a:t>
-            </a:r>
-            <a:r>
-              <a:rPr lang="en-US" altLang="zh-CN" dirty="0"/>
-              <a:t>C</a:t>
-            </a:r>
-            <a:r>
-              <a:rPr lang="zh-CN" altLang="en-US" dirty="0"/>
-              <a:t>语言中链表的使用和文件的操作和快速架构及重用的方法，并学了诸如</a:t>
-            </a:r>
-            <a:r>
-              <a:rPr lang="en-US" altLang="zh-CN" dirty="0" err="1"/>
-              <a:t>shellExecute</a:t>
-            </a:r>
-            <a:r>
-              <a:rPr lang="zh-CN" altLang="en-US" dirty="0"/>
-              <a:t>之类的新函数。</a:t>
-            </a:r>
-            <a:endParaRPr lang="en-US" altLang="zh-CN" dirty="0"/>
-          </a:p>
-          <a:p>
-            <a:r>
-              <a:rPr lang="zh-CN" altLang="en-US" dirty="0"/>
-              <a:t>熟练了</a:t>
-            </a:r>
-            <a:r>
-              <a:rPr lang="en-US" altLang="zh-CN" dirty="0" err="1"/>
-              <a:t>github</a:t>
-            </a:r>
-            <a:r>
-              <a:rPr lang="zh-CN" altLang="en-US" dirty="0"/>
-              <a:t>的操作和掌握了</a:t>
-            </a:r>
-            <a:r>
-              <a:rPr lang="en-US" altLang="zh-CN" dirty="0"/>
-              <a:t>MFC</a:t>
-            </a:r>
-            <a:r>
-              <a:rPr lang="zh-CN" altLang="en-US" dirty="0"/>
-              <a:t>的使用。对软件工程的开发流程有了一个更好的认识。</a:t>
-            </a:r>
-            <a:endParaRPr lang="en-US" altLang="zh-CN" dirty="0"/>
-          </a:p>
-          <a:p>
-            <a:r>
-              <a:rPr lang="zh-CN" altLang="en-US" dirty="0"/>
-              <a:t>收获还是很大的</a:t>
-            </a:r>
-            <a:endParaRPr lang="zh-CN" altLang="en-US" dirty="0"/>
+              <a:rPr lang="zh-CN" altLang="en-US" sz="4800" dirty="0"/>
+              <a:t>总结部分</a:t>
+            </a:r>
           </a:p>
         </p:txBody>
       </p:sp>
@@ -18888,6 +19295,8 @@
       </a:bgFillStyleLst>
     </a:fmtScheme>
   </a:themeElements>
+  <a:objectDefaults/>
+  <a:extraClrSchemeLst/>
   <a:extLst>
     <a:ext uri="{05A4C25C-085E-4340-85A3-A5531E510DB2}">
       <thm15:themeFamily xmlns:thm15="http://schemas.microsoft.com/office/thememl/2012/main" name="Office Theme" id="{62F939B6-93AF-4DB8-9C6B-D6C7DFDC589F}" vid="{4A3C46E8-61CC-4603-A589-7422A47A8E4A}"/>

--- a/项目答辩总ppt.pptx
+++ b/项目答辩总ppt.pptx
@@ -7,7 +7,7 @@
     <p:sldMasterId id="2147483672" r:id="rId3"/>
   </p:sldMasterIdLst>
   <p:notesMasterIdLst>
-    <p:notesMasterId r:id="rId18"/>
+    <p:notesMasterId r:id="rId20"/>
   </p:notesMasterIdLst>
   <p:sldIdLst>
     <p:sldId id="256" r:id="rId4"/>
@@ -16,14 +16,16 @@
     <p:sldId id="290" r:id="rId7"/>
     <p:sldId id="326" r:id="rId8"/>
     <p:sldId id="295" r:id="rId9"/>
-    <p:sldId id="324" r:id="rId10"/>
-    <p:sldId id="320" r:id="rId11"/>
-    <p:sldId id="321" r:id="rId12"/>
-    <p:sldId id="319" r:id="rId13"/>
-    <p:sldId id="325" r:id="rId14"/>
-    <p:sldId id="322" r:id="rId15"/>
-    <p:sldId id="328" r:id="rId16"/>
-    <p:sldId id="279" r:id="rId17"/>
+    <p:sldId id="329" r:id="rId10"/>
+    <p:sldId id="324" r:id="rId11"/>
+    <p:sldId id="320" r:id="rId12"/>
+    <p:sldId id="321" r:id="rId13"/>
+    <p:sldId id="319" r:id="rId14"/>
+    <p:sldId id="325" r:id="rId15"/>
+    <p:sldId id="330" r:id="rId16"/>
+    <p:sldId id="322" r:id="rId17"/>
+    <p:sldId id="328" r:id="rId18"/>
+    <p:sldId id="279" r:id="rId19"/>
   </p:sldIdLst>
   <p:sldSz cx="12192000" cy="6858000"/>
   <p:notesSz cx="6858000" cy="9144000"/>
@@ -159,7 +161,7 @@
   </p:defaultTextStyle>
   <p:extLst>
     <p:ext uri="{EFAFB233-063F-42B5-8137-9DF3F51BA10A}">
-      <p15:sldGuideLst xmlns:p15="http://schemas.microsoft.com/office/powerpoint/2012/main">
+      <p15:sldGuideLst xmlns:p15="http://schemas.microsoft.com/office/powerpoint/2012/main" xmlns="">
         <p15:guide id="1" orient="horz" pos="2165">
           <p15:clr>
             <a:srgbClr val="A4A3A4"/>
@@ -467,6 +469,11 @@
         </p:txBody>
       </p:sp>
     </p:spTree>
+    <p:extLst>
+      <p:ext uri="{BB962C8B-B14F-4D97-AF65-F5344CB8AC3E}">
+        <p14:creationId xmlns:p14="http://schemas.microsoft.com/office/powerpoint/2010/main" val="953235680"/>
+      </p:ext>
+    </p:extLst>
   </p:cSld>
   <p:clrMap bg1="lt1" tx1="dk1" bg2="lt2" tx2="dk2" accent1="accent1" accent2="accent2" accent3="accent3" accent4="accent4" accent5="accent5" accent6="accent6" hlink="hlink" folHlink="folHlink"/>
   <p:notesStyle>
@@ -11240,173 +11247,29 @@
       </p:grpSpPr>
       <p:sp>
         <p:nvSpPr>
-          <p:cNvPr id="2" name="矩形 1"/>
-          <p:cNvSpPr/>
+          <p:cNvPr id="2" name="文本框 1"/>
+          <p:cNvSpPr txBox="1"/>
           <p:nvPr/>
         </p:nvSpPr>
         <p:spPr>
-          <a:xfrm>
-            <a:off x="175098" y="688717"/>
-            <a:ext cx="34027757" cy="3416320"/>
+          <a:xfrm rot="12434109" flipH="1" flipV="1">
+            <a:off x="4746070" y="3418606"/>
+            <a:ext cx="5611129" cy="830997"/>
           </a:xfrm>
           <a:prstGeom prst="rect">
             <a:avLst/>
           </a:prstGeom>
+          <a:noFill/>
         </p:spPr>
         <p:txBody>
-          <a:bodyPr wrap="square">
+          <a:bodyPr wrap="square" rtlCol="0">
             <a:spAutoFit/>
           </a:bodyPr>
           <a:lstStyle/>
           <a:p>
             <a:r>
-              <a:rPr lang="zh-CN" altLang="en-US" b="1" noProof="1">
-                <a:solidFill>
-                  <a:srgbClr val="777777"/>
-                </a:solidFill>
-                <a:latin typeface="微软雅黑" panose="020B0503020204020204" pitchFamily="34" charset="-122"/>
-                <a:ea typeface="微软雅黑" panose="020B0503020204020204" pitchFamily="34" charset="-122"/>
-              </a:rPr>
-              <a:t>邢国浩的总结、体会、评价：</a:t>
-            </a:r>
-            <a:endParaRPr lang="en-US" altLang="zh-CN" b="1" noProof="1">
-              <a:solidFill>
-                <a:srgbClr val="777777"/>
-              </a:solidFill>
-              <a:latin typeface="微软雅黑" panose="020B0503020204020204" pitchFamily="34" charset="-122"/>
-              <a:ea typeface="微软雅黑" panose="020B0503020204020204" pitchFamily="34" charset="-122"/>
-            </a:endParaRPr>
-          </a:p>
-          <a:p>
-            <a:endParaRPr lang="en-US" altLang="zh-CN" b="1" noProof="1">
-              <a:solidFill>
-                <a:srgbClr val="777777"/>
-              </a:solidFill>
-              <a:latin typeface="微软雅黑" panose="020B0503020204020204" pitchFamily="34" charset="-122"/>
-              <a:ea typeface="微软雅黑" panose="020B0503020204020204" pitchFamily="34" charset="-122"/>
-            </a:endParaRPr>
-          </a:p>
-          <a:p>
-            <a:endParaRPr lang="en-US" altLang="zh-CN" b="1" noProof="1">
-              <a:solidFill>
-                <a:srgbClr val="777777"/>
-              </a:solidFill>
-              <a:latin typeface="微软雅黑" panose="020B0503020204020204" pitchFamily="34" charset="-122"/>
-              <a:ea typeface="微软雅黑" panose="020B0503020204020204" pitchFamily="34" charset="-122"/>
-            </a:endParaRPr>
-          </a:p>
-          <a:p>
-            <a:r>
-              <a:rPr lang="en-US" altLang="zh-CN" dirty="0"/>
-              <a:t>	</a:t>
-            </a:r>
-            <a:r>
-              <a:rPr lang="zh-CN" altLang="en-US" dirty="0"/>
-              <a:t>短短</a:t>
-            </a:r>
-            <a:r>
-              <a:rPr lang="en-US" altLang="zh-CN" dirty="0"/>
-              <a:t>10</a:t>
-            </a:r>
-            <a:r>
-              <a:rPr lang="zh-CN" altLang="en-US" dirty="0"/>
-              <a:t>天的实训接近尾声，项目虽然比较简单，但收获了不少东西。</a:t>
-            </a:r>
-            <a:endParaRPr lang="en-US" altLang="zh-CN" dirty="0"/>
-          </a:p>
-          <a:p>
-            <a:r>
-              <a:rPr lang="zh-CN" altLang="en-US" dirty="0"/>
-              <a:t>最重要的是团队合作的能力达到了提高，选择适当的合作方式，分配任务，完成部分之后再无缝对接，</a:t>
-            </a:r>
-            <a:endParaRPr lang="en-US" altLang="zh-CN" dirty="0"/>
-          </a:p>
-          <a:p>
-            <a:r>
-              <a:rPr lang="zh-CN" altLang="en-US" dirty="0"/>
-              <a:t>这个流程正是软件工程学生的软实力之一，即使是个人的项目，也可以涉及到代码重用，爬上巨人的肩膀是</a:t>
-            </a:r>
-            <a:endParaRPr lang="en-US" altLang="zh-CN" dirty="0"/>
-          </a:p>
-          <a:p>
-            <a:r>
-              <a:rPr lang="zh-CN" altLang="en-US" dirty="0"/>
-              <a:t>每个人都应该养成的素质。</a:t>
-            </a:r>
-            <a:endParaRPr lang="en-US" altLang="zh-CN" dirty="0"/>
-          </a:p>
-          <a:p>
-            <a:endParaRPr lang="zh-CN" altLang="en-US" dirty="0"/>
-          </a:p>
-          <a:p>
-            <a:r>
-              <a:rPr lang="en-US" altLang="zh-CN" dirty="0"/>
-              <a:t>	</a:t>
-            </a:r>
-            <a:r>
-              <a:rPr lang="zh-CN" altLang="en-US" dirty="0"/>
-              <a:t>在代码方面，我学习了如何写一个规范的需求报告和设计报告，熟练了用</a:t>
-            </a:r>
-            <a:r>
-              <a:rPr lang="en-US" altLang="zh-CN" dirty="0" err="1"/>
-              <a:t>MicrosoftVisio</a:t>
-            </a:r>
-            <a:r>
-              <a:rPr lang="zh-CN" altLang="en-US" dirty="0"/>
-              <a:t>画流程图的操作，</a:t>
-            </a:r>
-            <a:endParaRPr lang="en-US" altLang="zh-CN" dirty="0"/>
-          </a:p>
-          <a:p>
-            <a:r>
-              <a:rPr lang="zh-CN" altLang="en-US" dirty="0"/>
-              <a:t>熟练了</a:t>
-            </a:r>
-            <a:r>
-              <a:rPr lang="en-US" altLang="zh-CN" dirty="0"/>
-              <a:t>C</a:t>
-            </a:r>
-            <a:r>
-              <a:rPr lang="zh-CN" altLang="en-US" dirty="0"/>
-              <a:t>语言中链表的使用和文件的操作和快速架构及重用的方法，并学了诸如</a:t>
-            </a:r>
-            <a:r>
-              <a:rPr lang="en-US" altLang="zh-CN" dirty="0" err="1"/>
-              <a:t>shellExecute</a:t>
-            </a:r>
-            <a:r>
-              <a:rPr lang="zh-CN" altLang="en-US" dirty="0"/>
-              <a:t>之类的新函数。</a:t>
-            </a:r>
-            <a:endParaRPr lang="en-US" altLang="zh-CN" dirty="0"/>
-          </a:p>
-          <a:p>
-            <a:r>
-              <a:rPr lang="zh-CN" altLang="en-US" dirty="0"/>
-              <a:t>熟练了</a:t>
-            </a:r>
-            <a:r>
-              <a:rPr lang="en-US" altLang="zh-CN" dirty="0" err="1"/>
-              <a:t>github</a:t>
-            </a:r>
-            <a:r>
-              <a:rPr lang="zh-CN" altLang="en-US" dirty="0"/>
-              <a:t>的操作和掌握了</a:t>
-            </a:r>
-            <a:r>
-              <a:rPr lang="en-US" altLang="zh-CN" dirty="0"/>
-              <a:t>MFC</a:t>
-            </a:r>
-            <a:r>
-              <a:rPr lang="zh-CN" altLang="en-US" dirty="0"/>
-              <a:t>的使用。对软件工程的开发流程有了一个更好的认识。</a:t>
-            </a:r>
-            <a:endParaRPr lang="en-US" altLang="zh-CN" dirty="0"/>
-          </a:p>
-          <a:p>
-            <a:r>
-              <a:rPr lang="zh-CN" altLang="en-US" dirty="0"/>
-              <a:t>收获还是很大的</a:t>
+              <a:rPr lang="zh-CN" altLang="en-US" sz="4800" dirty="0"/>
+              <a:t>总结部分</a:t>
             </a:r>
           </a:p>
         </p:txBody>
@@ -11444,15 +11307,15 @@
         </p:nvSpPr>
         <p:spPr>
           <a:xfrm>
-            <a:off x="218804" y="640080"/>
-            <a:ext cx="3185487" cy="369332"/>
+            <a:off x="175098" y="688717"/>
+            <a:ext cx="34027757" cy="3416320"/>
           </a:xfrm>
           <a:prstGeom prst="rect">
             <a:avLst/>
           </a:prstGeom>
         </p:spPr>
         <p:txBody>
-          <a:bodyPr wrap="none">
+          <a:bodyPr wrap="square">
             <a:spAutoFit/>
           </a:bodyPr>
           <a:lstStyle/>
@@ -11465,62 +11328,131 @@
                 <a:latin typeface="微软雅黑" panose="020B0503020204020204" pitchFamily="34" charset="-122"/>
                 <a:ea typeface="微软雅黑" panose="020B0503020204020204" pitchFamily="34" charset="-122"/>
               </a:rPr>
-              <a:t>常智裕的总结、体会、评价：</a:t>
-            </a:r>
+              <a:t>邢国浩的总结、体会、评价：</a:t>
+            </a:r>
+            <a:endParaRPr lang="en-US" altLang="zh-CN" b="1" noProof="1">
+              <a:solidFill>
+                <a:srgbClr val="777777"/>
+              </a:solidFill>
+              <a:latin typeface="微软雅黑" panose="020B0503020204020204" pitchFamily="34" charset="-122"/>
+              <a:ea typeface="微软雅黑" panose="020B0503020204020204" pitchFamily="34" charset="-122"/>
+            </a:endParaRPr>
+          </a:p>
+          <a:p>
+            <a:endParaRPr lang="en-US" altLang="zh-CN" b="1" noProof="1">
+              <a:solidFill>
+                <a:srgbClr val="777777"/>
+              </a:solidFill>
+              <a:latin typeface="微软雅黑" panose="020B0503020204020204" pitchFamily="34" charset="-122"/>
+              <a:ea typeface="微软雅黑" panose="020B0503020204020204" pitchFamily="34" charset="-122"/>
+            </a:endParaRPr>
+          </a:p>
+          <a:p>
+            <a:endParaRPr lang="en-US" altLang="zh-CN" b="1" noProof="1">
+              <a:solidFill>
+                <a:srgbClr val="777777"/>
+              </a:solidFill>
+              <a:latin typeface="微软雅黑" panose="020B0503020204020204" pitchFamily="34" charset="-122"/>
+              <a:ea typeface="微软雅黑" panose="020B0503020204020204" pitchFamily="34" charset="-122"/>
+            </a:endParaRPr>
+          </a:p>
+          <a:p>
+            <a:r>
+              <a:rPr lang="en-US" altLang="zh-CN" dirty="0"/>
+              <a:t>	</a:t>
+            </a:r>
+            <a:r>
+              <a:rPr lang="zh-CN" altLang="en-US" dirty="0"/>
+              <a:t>短短</a:t>
+            </a:r>
+            <a:r>
+              <a:rPr lang="en-US" altLang="zh-CN" dirty="0"/>
+              <a:t>10</a:t>
+            </a:r>
+            <a:r>
+              <a:rPr lang="zh-CN" altLang="en-US" dirty="0"/>
+              <a:t>天的实训接近尾声，项目虽然比较简单，但收获了不少东西。</a:t>
+            </a:r>
+            <a:endParaRPr lang="en-US" altLang="zh-CN" dirty="0"/>
+          </a:p>
+          <a:p>
+            <a:r>
+              <a:rPr lang="zh-CN" altLang="en-US" dirty="0"/>
+              <a:t>最重要的是团队合作的能力达到了提高，选择适当的合作方式，分配任务，完成部分之后再无缝对接，</a:t>
+            </a:r>
+            <a:endParaRPr lang="en-US" altLang="zh-CN" dirty="0"/>
+          </a:p>
+          <a:p>
+            <a:r>
+              <a:rPr lang="zh-CN" altLang="en-US" dirty="0"/>
+              <a:t>这个流程正是软件工程学生的软实力之一，即使是个人的项目，也可以涉及到代码重用，爬上巨人的肩膀是</a:t>
+            </a:r>
+            <a:endParaRPr lang="en-US" altLang="zh-CN" dirty="0"/>
+          </a:p>
+          <a:p>
+            <a:r>
+              <a:rPr lang="zh-CN" altLang="en-US" dirty="0"/>
+              <a:t>每个人都应该养成的素质。</a:t>
+            </a:r>
+            <a:endParaRPr lang="en-US" altLang="zh-CN" dirty="0"/>
+          </a:p>
+          <a:p>
             <a:endParaRPr lang="zh-CN" altLang="en-US" dirty="0"/>
           </a:p>
-        </p:txBody>
-      </p:sp>
-      <p:sp>
-        <p:nvSpPr>
-          <p:cNvPr id="3" name="文本框 2"/>
-          <p:cNvSpPr txBox="1"/>
-          <p:nvPr/>
-        </p:nvSpPr>
-        <p:spPr>
-          <a:xfrm>
-            <a:off x="876693" y="1566148"/>
-            <a:ext cx="10246936" cy="2031325"/>
-          </a:xfrm>
-          <a:prstGeom prst="rect">
-            <a:avLst/>
-          </a:prstGeom>
-          <a:noFill/>
-        </p:spPr>
-        <p:txBody>
-          <a:bodyPr wrap="square" rtlCol="0">
-            <a:spAutoFit/>
-          </a:bodyPr>
-          <a:lstStyle/>
-          <a:p>
+          <a:p>
+            <a:r>
+              <a:rPr lang="en-US" altLang="zh-CN" dirty="0"/>
+              <a:t>	</a:t>
+            </a:r>
             <a:r>
               <a:rPr lang="zh-CN" altLang="en-US" dirty="0"/>
-              <a:t>         在这几天的</a:t>
+              <a:t>在代码方面，我学习了如何写一个规范的需求报告和设计报告，熟练了用</a:t>
+            </a:r>
+            <a:r>
+              <a:rPr lang="en-US" altLang="zh-CN" dirty="0" err="1"/>
+              <a:t>MicrosoftVisio</a:t>
+            </a:r>
+            <a:r>
+              <a:rPr lang="zh-CN" altLang="en-US" dirty="0"/>
+              <a:t>画流程图的操作，</a:t>
+            </a:r>
+            <a:endParaRPr lang="en-US" altLang="zh-CN" dirty="0"/>
+          </a:p>
+          <a:p>
+            <a:r>
+              <a:rPr lang="zh-CN" altLang="en-US" dirty="0"/>
+              <a:t>熟练了</a:t>
             </a:r>
             <a:r>
               <a:rPr lang="en-US" altLang="zh-CN" dirty="0"/>
-              <a:t>c</a:t>
+              <a:t>C</a:t>
             </a:r>
             <a:r>
               <a:rPr lang="zh-CN" altLang="en-US" dirty="0"/>
-              <a:t>语言实训中，我首先跟着老师复习了很多我理解到不到位的旧知识，如结构体链表。花费不少时间完成了作业之后能明显感到提升。</a:t>
+              <a:t>语言中链表的使用和文件的操作和快速架构及重用的方法，并学了诸如</a:t>
+            </a:r>
+            <a:r>
+              <a:rPr lang="en-US" altLang="zh-CN" dirty="0" err="1"/>
+              <a:t>shellExecute</a:t>
+            </a:r>
+            <a:r>
+              <a:rPr lang="zh-CN" altLang="en-US" dirty="0"/>
+              <a:t>之类的新函数。</a:t>
             </a:r>
             <a:endParaRPr lang="en-US" altLang="zh-CN" dirty="0"/>
           </a:p>
           <a:p>
             <a:r>
-              <a:rPr lang="en-US" altLang="zh-CN" dirty="0"/>
-              <a:t>         </a:t>
-            </a:r>
-            <a:r>
               <a:rPr lang="zh-CN" altLang="en-US" dirty="0"/>
-              <a:t>之后便是学习制作个人项目报告，这是我第一次上手写这些东西，大概了解了流程，学会了画流程图的方法。</a:t>
-            </a:r>
-          </a:p>
-          <a:p>
+              <a:t>熟练了</a:t>
+            </a:r>
+            <a:r>
+              <a:rPr lang="en-US" altLang="zh-CN" dirty="0" err="1"/>
+              <a:t>github</a:t>
+            </a:r>
             <a:r>
               <a:rPr lang="zh-CN" altLang="en-US" dirty="0"/>
-              <a:t>         最后便是学习使用</a:t>
+              <a:t>的操作和掌握了</a:t>
             </a:r>
             <a:r>
               <a:rPr lang="en-US" altLang="zh-CN" dirty="0"/>
@@ -11528,15 +11460,14 @@
             </a:r>
             <a:r>
               <a:rPr lang="zh-CN" altLang="en-US" dirty="0"/>
-              <a:t>了。一开始我一头雾水，对他各种函数的调用和操作劝退了。后来经过老师讲解之后有种恍然大悟的感觉。然后经过漫长的</a:t>
-            </a:r>
-            <a:r>
-              <a:rPr lang="en-US" altLang="zh-CN" dirty="0"/>
-              <a:t>debug</a:t>
-            </a:r>
+              <a:t>的使用。对软件工程的开发流程有了一个更好的认识。</a:t>
+            </a:r>
+            <a:endParaRPr lang="en-US" altLang="zh-CN" dirty="0"/>
+          </a:p>
+          <a:p>
             <a:r>
               <a:rPr lang="zh-CN" altLang="en-US" dirty="0"/>
-              <a:t>时间终于自主万和城能了自己的功能模块，成功完成任务，没给小组拖后腿，我感到很高兴。</a:t>
+              <a:t>收获还是很大的</a:t>
             </a:r>
           </a:p>
         </p:txBody>
@@ -11575,7 +11506,7 @@
         <p:spPr>
           <a:xfrm>
             <a:off x="218804" y="640080"/>
-            <a:ext cx="2926080" cy="368300"/>
+            <a:ext cx="3185487" cy="369332"/>
           </a:xfrm>
           <a:prstGeom prst="rect">
             <a:avLst/>
@@ -11595,7 +11526,7 @@
                 <a:latin typeface="微软雅黑" panose="020B0503020204020204" pitchFamily="34" charset="-122"/>
                 <a:ea typeface="微软雅黑" panose="020B0503020204020204" pitchFamily="34" charset="-122"/>
               </a:rPr>
-              <a:t>熊伟的总结、体会、评价：</a:t>
+              <a:t>常智裕的总结、体会、评价：</a:t>
             </a:r>
             <a:endParaRPr lang="zh-CN" altLang="en-US" dirty="0"/>
           </a:p>
@@ -11610,7 +11541,7 @@
         <p:spPr>
           <a:xfrm>
             <a:off x="876693" y="1566148"/>
-            <a:ext cx="10246936" cy="5323205"/>
+            <a:ext cx="10246936" cy="2031325"/>
           </a:xfrm>
           <a:prstGeom prst="rect">
             <a:avLst/>
@@ -11624,94 +11555,49 @@
           <a:lstStyle/>
           <a:p>
             <a:r>
-              <a:rPr sz="2000" dirty="0">
-                <a:latin typeface="楷体" panose="02010609060101010101" charset="-122"/>
-                <a:ea typeface="楷体" panose="02010609060101010101" charset="-122"/>
-                <a:cs typeface="楷体" panose="02010609060101010101" charset="-122"/>
-              </a:rPr>
-              <a:t>    这次做项目的过程中我真的学会了很多很多！</a:t>
-            </a:r>
-          </a:p>
-          <a:p>
-            <a:r>
-              <a:rPr sz="2000" dirty="0">
-                <a:latin typeface="楷体" panose="02010609060101010101" charset="-122"/>
-                <a:ea typeface="楷体" panose="02010609060101010101" charset="-122"/>
-                <a:cs typeface="楷体" panose="02010609060101010101" charset="-122"/>
-              </a:rPr>
-              <a:t>    开始几天是对C语言的复习，在复习过程中我发现自己对C语言已经不熟悉了，在上学期学习C的过程中，我对指针，结构体，文件这一块掌握的不好，通过这个复习过程的多次练习，我已经基本掌握了这些内容，也为后续的“电子词典”代码的编写打下了基础。</a:t>
-            </a:r>
-          </a:p>
-          <a:p>
-            <a:r>
-              <a:rPr sz="2000" dirty="0">
-                <a:latin typeface="楷体" panose="02010609060101010101" charset="-122"/>
-                <a:ea typeface="楷体" panose="02010609060101010101" charset="-122"/>
-                <a:cs typeface="楷体" panose="02010609060101010101" charset="-122"/>
-              </a:rPr>
-              <a:t>    在写“电子词典”的过程中，有很多函数都是我借鉴网上的大神的，看了他们的方法，我学会了遍历文件、搜索关键词等方法。开始做项目的第一天上午我就做成了项目雏形，其中大部分方法都是从CSDN上学来的，从这一点我真正体会到了“学习”的重要性，真的能够节省很多时间。</a:t>
-            </a:r>
-          </a:p>
-          <a:p>
-            <a:r>
-              <a:rPr sz="2000" dirty="0">
-                <a:latin typeface="楷体" panose="02010609060101010101" charset="-122"/>
-                <a:ea typeface="楷体" panose="02010609060101010101" charset="-122"/>
-                <a:cs typeface="楷体" panose="02010609060101010101" charset="-122"/>
-              </a:rPr>
-              <a:t>    后在后来完善“电子词典”功能的过程中，我们小组的组员们一起讨论能够添加哪些特色功能，然后“单词听写”“收藏夹”等功能就这样出来了，讲实话，如果让我一个人来做这个项目，这些特色功能我是想不到的，从这一点我也感受到了团队合作的重要性！</a:t>
-            </a:r>
-          </a:p>
-          <a:p>
-            <a:r>
-              <a:rPr sz="2000" dirty="0">
-                <a:latin typeface="楷体" panose="02010609060101010101" charset="-122"/>
-                <a:ea typeface="楷体" panose="02010609060101010101" charset="-122"/>
-                <a:cs typeface="楷体" panose="02010609060101010101" charset="-122"/>
-              </a:rPr>
-              <a:t>    最后是用MFC完成小组项目，大家一起合作完成这个项目，本应该要轻松许多，但一开始其实并不轻松，因为我们都对MFC这个东西是完全陌生的，于是组长带领大家一起学习MFC的使用，最终我们使用MFC完成了这个项目，</a:t>
-            </a:r>
-            <a:r>
-              <a:rPr sz="2000" b="1" dirty="0">
-                <a:latin typeface="楷体" panose="02010609060101010101" charset="-122"/>
-                <a:ea typeface="楷体" panose="02010609060101010101" charset="-122"/>
-                <a:cs typeface="楷体" panose="02010609060101010101" charset="-122"/>
-              </a:rPr>
-              <a:t>从学习到使用再到完成</a:t>
-            </a:r>
-            <a:r>
-              <a:rPr sz="2000" dirty="0">
-                <a:latin typeface="楷体" panose="02010609060101010101" charset="-122"/>
-                <a:ea typeface="楷体" panose="02010609060101010101" charset="-122"/>
-                <a:cs typeface="楷体" panose="02010609060101010101" charset="-122"/>
-              </a:rPr>
-              <a:t>，虽然只有短短几天时间，但我们的成就却并不小，做完这个之后我们都挺有</a:t>
-            </a:r>
-            <a:r>
-              <a:rPr sz="2000" b="1" dirty="0">
-                <a:latin typeface="楷体" panose="02010609060101010101" charset="-122"/>
-                <a:ea typeface="楷体" panose="02010609060101010101" charset="-122"/>
-                <a:cs typeface="楷体" panose="02010609060101010101" charset="-122"/>
-              </a:rPr>
-              <a:t>成就感</a:t>
-            </a:r>
-            <a:r>
-              <a:rPr sz="2000" dirty="0">
-                <a:latin typeface="楷体" panose="02010609060101010101" charset="-122"/>
-                <a:ea typeface="楷体" panose="02010609060101010101" charset="-122"/>
-                <a:cs typeface="楷体" panose="02010609060101010101" charset="-122"/>
-              </a:rPr>
-              <a:t>的！</a:t>
-            </a:r>
-          </a:p>
-          <a:p>
-            <a:r>
-              <a:rPr sz="2000" dirty="0">
-                <a:latin typeface="楷体" panose="02010609060101010101" charset="-122"/>
-                <a:ea typeface="楷体" panose="02010609060101010101" charset="-122"/>
-                <a:cs typeface="楷体" panose="02010609060101010101" charset="-122"/>
-              </a:rPr>
-              <a:t>    很幸运能够参加这次暑假实训，真的让我学会了很多，感谢老师的帮助，感谢组员们的帮助！</a:t>
+              <a:rPr lang="zh-CN" altLang="en-US" dirty="0"/>
+              <a:t>         在这几天的</a:t>
+            </a:r>
+            <a:r>
+              <a:rPr lang="en-US" altLang="zh-CN" dirty="0"/>
+              <a:t>c</a:t>
+            </a:r>
+            <a:r>
+              <a:rPr lang="zh-CN" altLang="en-US" dirty="0"/>
+              <a:t>语言实训中，我首先跟着老师复习了很多我理解到不到位的旧知识，如结构体链表。花费不少时间完成了作业之后能明显感到提升。</a:t>
+            </a:r>
+            <a:endParaRPr lang="en-US" altLang="zh-CN" dirty="0"/>
+          </a:p>
+          <a:p>
+            <a:r>
+              <a:rPr lang="en-US" altLang="zh-CN" dirty="0"/>
+              <a:t>         </a:t>
+            </a:r>
+            <a:r>
+              <a:rPr lang="zh-CN" altLang="en-US" dirty="0"/>
+              <a:t>之后便是学习制作个人项目报告，这是我第一次上手写这些东西，大概了解了流程，学会了画流程图的方法。</a:t>
+            </a:r>
+          </a:p>
+          <a:p>
+            <a:r>
+              <a:rPr lang="zh-CN" altLang="en-US" dirty="0"/>
+              <a:t>         最后便是学习使用</a:t>
+            </a:r>
+            <a:r>
+              <a:rPr lang="en-US" altLang="zh-CN" dirty="0"/>
+              <a:t>MFC</a:t>
+            </a:r>
+            <a:r>
+              <a:rPr lang="zh-CN" altLang="en-US" dirty="0"/>
+              <a:t>了。一开始我一头雾水，对他各种函数的调用和操作劝退了。后来经过老师讲解之后有种恍然大悟的感觉。然后经过漫长的</a:t>
+            </a:r>
+            <a:r>
+              <a:rPr lang="en-US" altLang="zh-CN" dirty="0"/>
+              <a:t>debug</a:t>
+            </a:r>
+            <a:r>
+              <a:rPr lang="zh-CN" altLang="en-US" dirty="0"/>
+              <a:t>时间终于自主万和城能了自己的功能模块，成功完成任务，没给小组拖后腿，我感到很高兴。</a:t>
             </a:r>
           </a:p>
         </p:txBody>
@@ -11743,10 +11629,466 @@
       </p:grpSpPr>
       <p:sp>
         <p:nvSpPr>
+          <p:cNvPr id="2" name="矩形 1"/>
+          <p:cNvSpPr/>
+          <p:nvPr/>
+        </p:nvSpPr>
+        <p:spPr>
+          <a:xfrm>
+            <a:off x="1026366" y="1449681"/>
+            <a:ext cx="9274629" cy="3693319"/>
+          </a:xfrm>
+          <a:prstGeom prst="rect">
+            <a:avLst/>
+          </a:prstGeom>
+        </p:spPr>
+        <p:txBody>
+          <a:bodyPr wrap="square">
+            <a:spAutoFit/>
+          </a:bodyPr>
+          <a:lstStyle/>
+          <a:p>
+            <a:r>
+              <a:rPr lang="zh-CN" altLang="en-US" b="1" noProof="1">
+                <a:solidFill>
+                  <a:srgbClr val="777777"/>
+                </a:solidFill>
+                <a:latin typeface="微软雅黑" panose="020B0503020204020204" pitchFamily="34" charset="-122"/>
+                <a:ea typeface="微软雅黑" panose="020B0503020204020204" pitchFamily="34" charset="-122"/>
+              </a:rPr>
+              <a:t>樊阳</a:t>
+            </a:r>
+            <a:r>
+              <a:rPr lang="zh-CN" altLang="en-US" b="1" noProof="1" smtClean="0">
+                <a:solidFill>
+                  <a:srgbClr val="777777"/>
+                </a:solidFill>
+                <a:latin typeface="微软雅黑" panose="020B0503020204020204" pitchFamily="34" charset="-122"/>
+                <a:ea typeface="微软雅黑" panose="020B0503020204020204" pitchFamily="34" charset="-122"/>
+              </a:rPr>
+              <a:t>总结</a:t>
+            </a:r>
+            <a:r>
+              <a:rPr lang="zh-CN" altLang="en-US" b="1" noProof="1">
+                <a:solidFill>
+                  <a:srgbClr val="777777"/>
+                </a:solidFill>
+                <a:latin typeface="微软雅黑" panose="020B0503020204020204" pitchFamily="34" charset="-122"/>
+                <a:ea typeface="微软雅黑" panose="020B0503020204020204" pitchFamily="34" charset="-122"/>
+              </a:rPr>
+              <a:t>、体会、</a:t>
+            </a:r>
+            <a:r>
+              <a:rPr lang="zh-CN" altLang="en-US" b="1" noProof="1">
+                <a:solidFill>
+                  <a:srgbClr val="777777"/>
+                </a:solidFill>
+                <a:latin typeface="微软雅黑" panose="020B0503020204020204" pitchFamily="34" charset="-122"/>
+                <a:ea typeface="微软雅黑" panose="020B0503020204020204" pitchFamily="34" charset="-122"/>
+              </a:rPr>
+              <a:t>评价</a:t>
+            </a:r>
+            <a:r>
+              <a:rPr lang="zh-CN" altLang="en-US" b="1" noProof="1" smtClean="0">
+                <a:solidFill>
+                  <a:srgbClr val="777777"/>
+                </a:solidFill>
+                <a:latin typeface="微软雅黑" panose="020B0503020204020204" pitchFamily="34" charset="-122"/>
+                <a:ea typeface="微软雅黑" panose="020B0503020204020204" pitchFamily="34" charset="-122"/>
+              </a:rPr>
+              <a:t>：</a:t>
+            </a:r>
+            <a:endParaRPr lang="en-US" altLang="zh-CN" b="1" noProof="1" smtClean="0">
+              <a:solidFill>
+                <a:srgbClr val="777777"/>
+              </a:solidFill>
+              <a:latin typeface="微软雅黑" panose="020B0503020204020204" pitchFamily="34" charset="-122"/>
+              <a:ea typeface="微软雅黑" panose="020B0503020204020204" pitchFamily="34" charset="-122"/>
+            </a:endParaRPr>
+          </a:p>
+          <a:p>
+            <a:endParaRPr lang="en-US" altLang="zh-CN" b="1" noProof="1" smtClean="0">
+              <a:solidFill>
+                <a:srgbClr val="777777"/>
+              </a:solidFill>
+              <a:latin typeface="微软雅黑" panose="020B0503020204020204" pitchFamily="34" charset="-122"/>
+              <a:ea typeface="微软雅黑" panose="020B0503020204020204" pitchFamily="34" charset="-122"/>
+            </a:endParaRPr>
+          </a:p>
+          <a:p>
+            <a:r>
+              <a:rPr lang="en-US" altLang="zh-CN" b="1" noProof="1">
+                <a:solidFill>
+                  <a:srgbClr val="777777"/>
+                </a:solidFill>
+                <a:latin typeface="微软雅黑" panose="020B0503020204020204" pitchFamily="34" charset="-122"/>
+                <a:ea typeface="微软雅黑" panose="020B0503020204020204" pitchFamily="34" charset="-122"/>
+              </a:rPr>
+              <a:t> </a:t>
+            </a:r>
+            <a:r>
+              <a:rPr lang="en-US" altLang="zh-CN" b="1" noProof="1" smtClean="0">
+                <a:solidFill>
+                  <a:srgbClr val="777777"/>
+                </a:solidFill>
+                <a:latin typeface="微软雅黑" panose="020B0503020204020204" pitchFamily="34" charset="-122"/>
+                <a:ea typeface="微软雅黑" panose="020B0503020204020204" pitchFamily="34" charset="-122"/>
+              </a:rPr>
+              <a:t>      </a:t>
+            </a:r>
+            <a:r>
+              <a:rPr lang="zh-CN" altLang="en-US" sz="2000" noProof="1">
+                <a:latin typeface="楷体" panose="02010609060101010101" charset="-122"/>
+                <a:ea typeface="楷体" panose="02010609060101010101" charset="-122"/>
+                <a:cs typeface="楷体" panose="02010609060101010101" charset="-122"/>
+              </a:rPr>
+              <a:t>虽然实训只有短短</a:t>
+            </a:r>
+            <a:r>
+              <a:rPr lang="en-US" altLang="zh-CN" sz="2000" noProof="1">
+                <a:latin typeface="楷体" panose="02010609060101010101" charset="-122"/>
+                <a:ea typeface="楷体" panose="02010609060101010101" charset="-122"/>
+                <a:cs typeface="楷体" panose="02010609060101010101" charset="-122"/>
+              </a:rPr>
+              <a:t>10</a:t>
+            </a:r>
+            <a:r>
+              <a:rPr lang="zh-CN" altLang="en-US" sz="2000" noProof="1">
+                <a:latin typeface="楷体" panose="02010609060101010101" charset="-122"/>
+                <a:ea typeface="楷体" panose="02010609060101010101" charset="-122"/>
+                <a:cs typeface="楷体" panose="02010609060101010101" charset="-122"/>
+              </a:rPr>
+              <a:t>天，但让我收获颇多。我们既复习了大一的</a:t>
+            </a:r>
+            <a:r>
+              <a:rPr lang="en-US" altLang="zh-CN" sz="2000" noProof="1">
+                <a:latin typeface="楷体" panose="02010609060101010101" charset="-122"/>
+                <a:ea typeface="楷体" panose="02010609060101010101" charset="-122"/>
+                <a:cs typeface="楷体" panose="02010609060101010101" charset="-122"/>
+              </a:rPr>
+              <a:t>c</a:t>
+            </a:r>
+            <a:r>
+              <a:rPr lang="zh-CN" altLang="en-US" sz="2000" noProof="1">
+                <a:latin typeface="楷体" panose="02010609060101010101" charset="-122"/>
+                <a:ea typeface="楷体" panose="02010609060101010101" charset="-122"/>
+                <a:cs typeface="楷体" panose="02010609060101010101" charset="-122"/>
+              </a:rPr>
+              <a:t>语言知识，还学习了</a:t>
+            </a:r>
+            <a:r>
+              <a:rPr lang="en-US" altLang="zh-CN" sz="2000" noProof="1">
+                <a:latin typeface="楷体" panose="02010609060101010101" charset="-122"/>
+                <a:ea typeface="楷体" panose="02010609060101010101" charset="-122"/>
+                <a:cs typeface="楷体" panose="02010609060101010101" charset="-122"/>
+              </a:rPr>
+              <a:t>MFC</a:t>
+            </a:r>
+            <a:r>
+              <a:rPr lang="zh-CN" altLang="en-US" sz="2000" noProof="1">
+                <a:latin typeface="楷体" panose="02010609060101010101" charset="-122"/>
+                <a:ea typeface="楷体" panose="02010609060101010101" charset="-122"/>
+                <a:cs typeface="楷体" panose="02010609060101010101" charset="-122"/>
+              </a:rPr>
+              <a:t>的相关知识。做个人项目的过程中不止要写需求分析和项目报告，还要准备答辩所用的</a:t>
+            </a:r>
+            <a:r>
+              <a:rPr lang="en-US" altLang="zh-CN" sz="2000" noProof="1">
+                <a:latin typeface="楷体" panose="02010609060101010101" charset="-122"/>
+                <a:ea typeface="楷体" panose="02010609060101010101" charset="-122"/>
+                <a:cs typeface="楷体" panose="02010609060101010101" charset="-122"/>
+              </a:rPr>
+              <a:t>ppt</a:t>
+            </a:r>
+            <a:r>
+              <a:rPr lang="zh-CN" altLang="en-US" sz="2000" noProof="1">
+                <a:latin typeface="楷体" panose="02010609060101010101" charset="-122"/>
+                <a:ea typeface="楷体" panose="02010609060101010101" charset="-122"/>
+                <a:cs typeface="楷体" panose="02010609060101010101" charset="-122"/>
+              </a:rPr>
+              <a:t>，让我知道做一个项目的完整流程。小组项目就让我体会到了合作的重要性。做图形用户界面的过程中让我体会最深的一句话就是“万事开头难”，</a:t>
+            </a:r>
+            <a:r>
+              <a:rPr lang="en-US" altLang="zh-CN" sz="2000" noProof="1">
+                <a:latin typeface="楷体" panose="02010609060101010101" charset="-122"/>
+                <a:ea typeface="楷体" panose="02010609060101010101" charset="-122"/>
+                <a:cs typeface="楷体" panose="02010609060101010101" charset="-122"/>
+              </a:rPr>
+              <a:t>MFC</a:t>
+            </a:r>
+            <a:r>
+              <a:rPr lang="zh-CN" altLang="en-US" sz="2000" noProof="1">
+                <a:latin typeface="楷体" panose="02010609060101010101" charset="-122"/>
+                <a:ea typeface="楷体" panose="02010609060101010101" charset="-122"/>
+                <a:cs typeface="楷体" panose="02010609060101010101" charset="-122"/>
+              </a:rPr>
+              <a:t>的知识对我们来说完全是一个全新的知识，并且</a:t>
+            </a:r>
+            <a:r>
+              <a:rPr lang="en-US" altLang="zh-CN" sz="2000" noProof="1">
+                <a:latin typeface="楷体" panose="02010609060101010101" charset="-122"/>
+                <a:ea typeface="楷体" panose="02010609060101010101" charset="-122"/>
+                <a:cs typeface="楷体" panose="02010609060101010101" charset="-122"/>
+              </a:rPr>
+              <a:t>MFC</a:t>
+            </a:r>
+            <a:r>
+              <a:rPr lang="zh-CN" altLang="en-US" sz="2000" noProof="1">
+                <a:latin typeface="楷体" panose="02010609060101010101" charset="-122"/>
+                <a:ea typeface="楷体" panose="02010609060101010101" charset="-122"/>
+                <a:cs typeface="楷体" panose="02010609060101010101" charset="-122"/>
+              </a:rPr>
+              <a:t>的知识在</a:t>
+            </a:r>
+            <a:r>
+              <a:rPr lang="en-US" altLang="zh-CN" sz="2000" noProof="1">
+                <a:latin typeface="楷体" panose="02010609060101010101" charset="-122"/>
+                <a:ea typeface="楷体" panose="02010609060101010101" charset="-122"/>
+                <a:cs typeface="楷体" panose="02010609060101010101" charset="-122"/>
+              </a:rPr>
+              <a:t>CSDNs</a:t>
+            </a:r>
+            <a:r>
+              <a:rPr lang="zh-CN" altLang="en-US" sz="2000" noProof="1">
+                <a:latin typeface="楷体" panose="02010609060101010101" charset="-122"/>
+                <a:ea typeface="楷体" panose="02010609060101010101" charset="-122"/>
+                <a:cs typeface="楷体" panose="02010609060101010101" charset="-122"/>
+              </a:rPr>
+              <a:t>上并没有一个系统的讲解，所以刚开始学的时候特别迷茫，后来慢慢查资料，慢慢看教程，不会的再问问同学，终于把组内分配给自己的任务给做完。十分感谢组长和组员的帮助，这次实训让我学到了更多知识。</a:t>
+            </a:r>
+            <a:endParaRPr lang="en-US" altLang="zh-CN" sz="2000" noProof="1">
+              <a:latin typeface="楷体" panose="02010609060101010101" charset="-122"/>
+              <a:ea typeface="楷体" panose="02010609060101010101" charset="-122"/>
+              <a:cs typeface="楷体" panose="02010609060101010101" charset="-122"/>
+            </a:endParaRPr>
+          </a:p>
+          <a:p>
+            <a:endParaRPr lang="en-US" altLang="zh-CN" sz="2000" noProof="1">
+              <a:latin typeface="楷体" panose="02010609060101010101" charset="-122"/>
+              <a:ea typeface="楷体" panose="02010609060101010101" charset="-122"/>
+              <a:cs typeface="楷体" panose="02010609060101010101" charset="-122"/>
+            </a:endParaRPr>
+          </a:p>
+          <a:p>
+            <a:r>
+              <a:rPr lang="en-US" altLang="zh-CN" dirty="0"/>
+              <a:t>	</a:t>
+            </a:r>
+            <a:endParaRPr lang="zh-CN" altLang="en-US" dirty="0"/>
+          </a:p>
+        </p:txBody>
+      </p:sp>
+    </p:spTree>
+    <p:extLst>
+      <p:ext uri="{BB962C8B-B14F-4D97-AF65-F5344CB8AC3E}">
+        <p14:creationId xmlns:p14="http://schemas.microsoft.com/office/powerpoint/2010/main" val="2226659813"/>
+      </p:ext>
+    </p:extLst>
+  </p:cSld>
+  <p:clrMapOvr>
+    <a:masterClrMapping/>
+  </p:clrMapOvr>
+</p:sld>
+</file>
+
+<file path=ppt/slides/slide14.xml><?xml version="1.0" encoding="utf-8"?>
+<p:sld xmlns:a="http://schemas.openxmlformats.org/drawingml/2006/main" xmlns:r="http://schemas.openxmlformats.org/officeDocument/2006/relationships" xmlns:p="http://schemas.openxmlformats.org/presentationml/2006/main">
+  <p:cSld>
+    <p:spTree>
+      <p:nvGrpSpPr>
+        <p:cNvPr id="1" name=""/>
+        <p:cNvGrpSpPr/>
+        <p:nvPr/>
+      </p:nvGrpSpPr>
+      <p:grpSpPr>
+        <a:xfrm>
+          <a:off x="0" y="0"/>
+          <a:ext cx="0" cy="0"/>
+          <a:chOff x="0" y="0"/>
+          <a:chExt cx="0" cy="0"/>
+        </a:xfrm>
+      </p:grpSpPr>
+      <p:sp>
+        <p:nvSpPr>
+          <p:cNvPr id="2" name="矩形 1"/>
+          <p:cNvSpPr/>
+          <p:nvPr/>
+        </p:nvSpPr>
+        <p:spPr>
+          <a:xfrm>
+            <a:off x="218804" y="640080"/>
+            <a:ext cx="2926080" cy="368300"/>
+          </a:xfrm>
+          <a:prstGeom prst="rect">
+            <a:avLst/>
+          </a:prstGeom>
+        </p:spPr>
+        <p:txBody>
+          <a:bodyPr wrap="none">
+            <a:spAutoFit/>
+          </a:bodyPr>
+          <a:lstStyle/>
+          <a:p>
+            <a:r>
+              <a:rPr lang="zh-CN" altLang="en-US" b="1" noProof="1">
+                <a:solidFill>
+                  <a:srgbClr val="777777"/>
+                </a:solidFill>
+                <a:latin typeface="微软雅黑" panose="020B0503020204020204" pitchFamily="34" charset="-122"/>
+                <a:ea typeface="微软雅黑" panose="020B0503020204020204" pitchFamily="34" charset="-122"/>
+              </a:rPr>
+              <a:t>熊伟的总结、体会、评价：</a:t>
+            </a:r>
+            <a:endParaRPr lang="zh-CN" altLang="en-US" dirty="0"/>
+          </a:p>
+        </p:txBody>
+      </p:sp>
+      <p:sp>
+        <p:nvSpPr>
+          <p:cNvPr id="3" name="文本框 2"/>
+          <p:cNvSpPr txBox="1"/>
+          <p:nvPr/>
+        </p:nvSpPr>
+        <p:spPr>
+          <a:xfrm>
+            <a:off x="876693" y="1566148"/>
+            <a:ext cx="10246936" cy="5323205"/>
+          </a:xfrm>
+          <a:prstGeom prst="rect">
+            <a:avLst/>
+          </a:prstGeom>
+          <a:noFill/>
+        </p:spPr>
+        <p:txBody>
+          <a:bodyPr wrap="square" rtlCol="0">
+            <a:spAutoFit/>
+          </a:bodyPr>
+          <a:lstStyle/>
+          <a:p>
+            <a:r>
+              <a:rPr sz="2000" dirty="0">
+                <a:latin typeface="楷体" panose="02010609060101010101" charset="-122"/>
+                <a:ea typeface="楷体" panose="02010609060101010101" charset="-122"/>
+                <a:cs typeface="楷体" panose="02010609060101010101" charset="-122"/>
+              </a:rPr>
+              <a:t>    这次做项目的过程中我真的学会了很多很多！</a:t>
+            </a:r>
+          </a:p>
+          <a:p>
+            <a:r>
+              <a:rPr sz="2000" dirty="0">
+                <a:latin typeface="楷体" panose="02010609060101010101" charset="-122"/>
+                <a:ea typeface="楷体" panose="02010609060101010101" charset="-122"/>
+                <a:cs typeface="楷体" panose="02010609060101010101" charset="-122"/>
+              </a:rPr>
+              <a:t>    开始几天是对C语言的复习，在复习过程中我发现自己对C语言已经不熟悉了，在上学期学习C的过程中，我对指针，结构体，文件这一块掌握的不好，通过这个复习过程的多次练习，我已经基本掌握了这些内容，也为后续的“电子词典”代码的编写打下了基础。</a:t>
+            </a:r>
+          </a:p>
+          <a:p>
+            <a:r>
+              <a:rPr sz="2000" dirty="0">
+                <a:latin typeface="楷体" panose="02010609060101010101" charset="-122"/>
+                <a:ea typeface="楷体" panose="02010609060101010101" charset="-122"/>
+                <a:cs typeface="楷体" panose="02010609060101010101" charset="-122"/>
+              </a:rPr>
+              <a:t>    在写“电子词典”的过程中，有很多函数都是我借鉴网上的大神的，看了他们的方法，我学会了遍历文件、搜索关键词等方法。开始做项目的第一天上午我就做成了项目雏形，其中大部分方法都是从CSDN上学来的，从这一点我真正体会到了“学习”的重要性，真的能够节省很多时间。</a:t>
+            </a:r>
+          </a:p>
+          <a:p>
+            <a:r>
+              <a:rPr sz="2000" dirty="0">
+                <a:latin typeface="楷体" panose="02010609060101010101" charset="-122"/>
+                <a:ea typeface="楷体" panose="02010609060101010101" charset="-122"/>
+                <a:cs typeface="楷体" panose="02010609060101010101" charset="-122"/>
+              </a:rPr>
+              <a:t>    后在后来完善“电子词典”功能的过程中，我们小组的组员们一起讨论能够添加哪些特色功能，然后“单词听写”“收藏夹”等功能就这样出来了，讲实话，如果让我一个人来做这个项目，这些特色功能我是想不到的，从这一点我也感受到了团队合作的重要性！</a:t>
+            </a:r>
+          </a:p>
+          <a:p>
+            <a:r>
+              <a:rPr sz="2000" dirty="0">
+                <a:latin typeface="楷体" panose="02010609060101010101" charset="-122"/>
+                <a:ea typeface="楷体" panose="02010609060101010101" charset="-122"/>
+                <a:cs typeface="楷体" panose="02010609060101010101" charset="-122"/>
+              </a:rPr>
+              <a:t>    最后是用MFC完成小组项目，大家一起合作完成这个项目，本应该要轻松许多，但一开始其实并不轻松，因为我们都对MFC这个东西是完全陌生的，于是组长带领大家一起学习MFC的使用，最终我们使用MFC完成了这个项目，</a:t>
+            </a:r>
+            <a:r>
+              <a:rPr sz="2000" b="1" dirty="0">
+                <a:latin typeface="楷体" panose="02010609060101010101" charset="-122"/>
+                <a:ea typeface="楷体" panose="02010609060101010101" charset="-122"/>
+                <a:cs typeface="楷体" panose="02010609060101010101" charset="-122"/>
+              </a:rPr>
+              <a:t>从学习到使用再到完成</a:t>
+            </a:r>
+            <a:r>
+              <a:rPr sz="2000" dirty="0">
+                <a:latin typeface="楷体" panose="02010609060101010101" charset="-122"/>
+                <a:ea typeface="楷体" panose="02010609060101010101" charset="-122"/>
+                <a:cs typeface="楷体" panose="02010609060101010101" charset="-122"/>
+              </a:rPr>
+              <a:t>，虽然只有短短几天时间，但我们的成就却并不小，做完这个之后我们都挺有</a:t>
+            </a:r>
+            <a:r>
+              <a:rPr sz="2000" b="1" dirty="0">
+                <a:latin typeface="楷体" panose="02010609060101010101" charset="-122"/>
+                <a:ea typeface="楷体" panose="02010609060101010101" charset="-122"/>
+                <a:cs typeface="楷体" panose="02010609060101010101" charset="-122"/>
+              </a:rPr>
+              <a:t>成就感</a:t>
+            </a:r>
+            <a:r>
+              <a:rPr sz="2000" dirty="0">
+                <a:latin typeface="楷体" panose="02010609060101010101" charset="-122"/>
+                <a:ea typeface="楷体" panose="02010609060101010101" charset="-122"/>
+                <a:cs typeface="楷体" panose="02010609060101010101" charset="-122"/>
+              </a:rPr>
+              <a:t>的！</a:t>
+            </a:r>
+          </a:p>
+          <a:p>
+            <a:r>
+              <a:rPr sz="2000" dirty="0">
+                <a:latin typeface="楷体" panose="02010609060101010101" charset="-122"/>
+                <a:ea typeface="楷体" panose="02010609060101010101" charset="-122"/>
+                <a:cs typeface="楷体" panose="02010609060101010101" charset="-122"/>
+              </a:rPr>
+              <a:t>    很幸运能够参加这次暑假实训，真的让我学会了很多，感谢老师的帮助，感谢组员们的帮助！</a:t>
+            </a:r>
+          </a:p>
+        </p:txBody>
+      </p:sp>
+    </p:spTree>
+  </p:cSld>
+  <p:clrMapOvr>
+    <a:masterClrMapping/>
+  </p:clrMapOvr>
+</p:sld>
+</file>
+
+<file path=ppt/slides/slide15.xml><?xml version="1.0" encoding="utf-8"?>
+<p:sld xmlns:a="http://schemas.openxmlformats.org/drawingml/2006/main" xmlns:r="http://schemas.openxmlformats.org/officeDocument/2006/relationships" xmlns:p="http://schemas.openxmlformats.org/presentationml/2006/main">
+  <p:cSld>
+    <p:spTree>
+      <p:nvGrpSpPr>
+        <p:cNvPr id="1" name=""/>
+        <p:cNvGrpSpPr/>
+        <p:nvPr/>
+      </p:nvGrpSpPr>
+      <p:grpSpPr>
+        <a:xfrm>
+          <a:off x="0" y="0"/>
+          <a:ext cx="0" cy="0"/>
+          <a:chOff x="0" y="0"/>
+          <a:chExt cx="0" cy="0"/>
+        </a:xfrm>
+      </p:grpSpPr>
+      <p:sp>
+        <p:nvSpPr>
           <p:cNvPr id="3" name="矩形 2">
             <a:extLst>
               <a:ext uri="{FF2B5EF4-FFF2-40B4-BE49-F238E27FC236}">
-                <a16:creationId xmlns:a16="http://schemas.microsoft.com/office/drawing/2014/main" id="{E8AAE837-58A5-41E6-9F7C-DD2E23BEFBB4}"/>
+                <a16:creationId xmlns:a16="http://schemas.microsoft.com/office/drawing/2014/main" xmlns="" id="{E8AAE837-58A5-41E6-9F7C-DD2E23BEFBB4}"/>
               </a:ext>
             </a:extLst>
           </p:cNvPr>
@@ -11787,7 +12129,7 @@
           <p:cNvPr id="4" name="矩形 3">
             <a:extLst>
               <a:ext uri="{FF2B5EF4-FFF2-40B4-BE49-F238E27FC236}">
-                <a16:creationId xmlns:a16="http://schemas.microsoft.com/office/drawing/2014/main" id="{803BF733-2045-4D8F-8FA7-55ADAA0A9689}"/>
+                <a16:creationId xmlns:a16="http://schemas.microsoft.com/office/drawing/2014/main" xmlns="" id="{803BF733-2045-4D8F-8FA7-55ADAA0A9689}"/>
               </a:ext>
             </a:extLst>
           </p:cNvPr>
@@ -11846,7 +12188,7 @@
 </p:sld>
 </file>
 
-<file path=ppt/slides/slide14.xml><?xml version="1.0" encoding="utf-8"?>
+<file path=ppt/slides/slide16.xml><?xml version="1.0" encoding="utf-8"?>
 <p:sld xmlns:a="http://schemas.openxmlformats.org/drawingml/2006/main" xmlns:r="http://schemas.openxmlformats.org/officeDocument/2006/relationships" xmlns:p="http://schemas.openxmlformats.org/presentationml/2006/main">
   <p:cSld>
     <p:spTree>
@@ -13653,7 +13995,7 @@
           <p:cNvPr id="2" name="图片 1">
             <a:extLst>
               <a:ext uri="{FF2B5EF4-FFF2-40B4-BE49-F238E27FC236}">
-                <a16:creationId xmlns:a16="http://schemas.microsoft.com/office/drawing/2014/main" id="{EC4932A2-D83B-4A61-B0FA-6EE6EDB50A0D}"/>
+                <a16:creationId xmlns:a16="http://schemas.microsoft.com/office/drawing/2014/main" xmlns="" id="{EC4932A2-D83B-4A61-B0FA-6EE6EDB50A0D}"/>
               </a:ext>
             </a:extLst>
           </p:cNvPr>
@@ -14180,7 +14522,16 @@
                 </a:solidFill>
                 <a:ea typeface="微软雅黑" panose="020B0503020204020204" pitchFamily="34" charset="-122"/>
               </a:rPr>
-              <a:t>贾聪</a:t>
+              <a:t>贾</a:t>
+            </a:r>
+            <a:r>
+              <a:rPr lang="zh-CN" altLang="en-US" sz="2400" b="1" dirty="0" smtClean="0">
+                <a:solidFill>
+                  <a:srgbClr val="777777"/>
+                </a:solidFill>
+                <a:ea typeface="微软雅黑" panose="020B0503020204020204" pitchFamily="34" charset="-122"/>
+              </a:rPr>
+              <a:t>聪   </a:t>
             </a:r>
             <a:endParaRPr lang="en-US" altLang="zh-CN" sz="2400" b="1" dirty="0">
               <a:solidFill>
@@ -14215,11 +14566,38 @@
                 </a:solidFill>
                 <a:ea typeface="微软雅黑" panose="020B0503020204020204" pitchFamily="34" charset="-122"/>
               </a:rPr>
-              <a:t>樊阳</a:t>
-            </a:r>
-            <a:endParaRPr lang="en-US" altLang="zh-CN" sz="2400" b="1" dirty="0">
+              <a:t>樊阳  </a:t>
+            </a:r>
+            <a:r>
+              <a:rPr lang="zh-CN" altLang="en-US" b="1" dirty="0">
+                <a:solidFill>
+                  <a:srgbClr val="0070C0"/>
+                </a:solidFill>
+                <a:ea typeface="微软雅黑" panose="020B0503020204020204" pitchFamily="34" charset="-122"/>
+              </a:rPr>
+              <a:t>  </a:t>
+            </a:r>
+            <a:r>
+              <a:rPr lang="zh-CN" altLang="en-US" b="1" dirty="0" smtClean="0">
+                <a:solidFill>
+                  <a:srgbClr val="0070C0"/>
+                </a:solidFill>
+                <a:ea typeface="微软雅黑" panose="020B0503020204020204" pitchFamily="34" charset="-122"/>
+              </a:rPr>
+              <a:t>    建立一个备份文件来增加</a:t>
+            </a:r>
+            <a:r>
+              <a:rPr lang="zh-CN" altLang="en-US" b="1" dirty="0">
+                <a:solidFill>
+                  <a:srgbClr val="0070C0"/>
+                </a:solidFill>
+                <a:ea typeface="微软雅黑" panose="020B0503020204020204" pitchFamily="34" charset="-122"/>
+              </a:rPr>
+              <a:t>词库单词和修改词库单词</a:t>
+            </a:r>
+            <a:endParaRPr lang="en-US" altLang="zh-CN" b="1" dirty="0">
               <a:solidFill>
-                <a:srgbClr val="777777"/>
+                <a:srgbClr val="0070C0"/>
               </a:solidFill>
               <a:ea typeface="微软雅黑" panose="020B0503020204020204" pitchFamily="34" charset="-122"/>
             </a:endParaRPr>
@@ -16658,6 +17036,349 @@
           <a:chExt cx="0" cy="0"/>
         </a:xfrm>
       </p:grpSpPr>
+      <p:sp>
+        <p:nvSpPr>
+          <p:cNvPr id="2" name="矩形 1"/>
+          <p:cNvSpPr/>
+          <p:nvPr/>
+        </p:nvSpPr>
+        <p:spPr>
+          <a:xfrm>
+            <a:off x="2152262" y="1454317"/>
+            <a:ext cx="6096000" cy="646331"/>
+          </a:xfrm>
+          <a:prstGeom prst="rect">
+            <a:avLst/>
+          </a:prstGeom>
+        </p:spPr>
+        <p:txBody>
+          <a:bodyPr>
+            <a:spAutoFit/>
+          </a:bodyPr>
+          <a:lstStyle/>
+          <a:p>
+            <a:endParaRPr lang="zh-CN" altLang="en-US" dirty="0"/>
+          </a:p>
+          <a:p>
+            <a:endParaRPr lang="zh-CN" altLang="en-US" dirty="0"/>
+          </a:p>
+        </p:txBody>
+      </p:sp>
+      <p:sp>
+        <p:nvSpPr>
+          <p:cNvPr id="4" name="矩形 3"/>
+          <p:cNvSpPr/>
+          <p:nvPr/>
+        </p:nvSpPr>
+        <p:spPr>
+          <a:xfrm>
+            <a:off x="1048139" y="595620"/>
+            <a:ext cx="8304245" cy="4672048"/>
+          </a:xfrm>
+          <a:prstGeom prst="rect">
+            <a:avLst/>
+          </a:prstGeom>
+        </p:spPr>
+        <p:txBody>
+          <a:bodyPr wrap="square">
+            <a:spAutoFit/>
+          </a:bodyPr>
+          <a:lstStyle/>
+          <a:p>
+            <a:pPr hangingPunct="0">
+              <a:lnSpc>
+                <a:spcPct val="90000"/>
+              </a:lnSpc>
+              <a:defRPr/>
+            </a:pPr>
+            <a:r>
+              <a:rPr lang="zh-CN" altLang="en-US" sz="2400" b="1" noProof="1">
+                <a:solidFill>
+                  <a:srgbClr val="777777"/>
+                </a:solidFill>
+                <a:latin typeface="+mn-lt"/>
+                <a:ea typeface="微软雅黑" panose="020B0503020204020204" pitchFamily="34" charset="-122"/>
+              </a:rPr>
+              <a:t>功能</a:t>
+            </a:r>
+            <a:r>
+              <a:rPr lang="zh-CN" altLang="en-US" sz="2400" b="1" noProof="1">
+                <a:solidFill>
+                  <a:srgbClr val="777777"/>
+                </a:solidFill>
+                <a:latin typeface="+mn-lt"/>
+                <a:ea typeface="微软雅黑" panose="020B0503020204020204" pitchFamily="34" charset="-122"/>
+              </a:rPr>
+              <a:t>：建立一个备份文件来对词库进行增加和修改</a:t>
+            </a:r>
+            <a:r>
+              <a:rPr lang="en-US" altLang="zh-CN" sz="2400" b="1" noProof="1">
+                <a:solidFill>
+                  <a:srgbClr val="777777"/>
+                </a:solidFill>
+                <a:latin typeface="+mn-lt"/>
+                <a:ea typeface="微软雅黑" panose="020B0503020204020204" pitchFamily="34" charset="-122"/>
+              </a:rPr>
+              <a:t>(</a:t>
+            </a:r>
+            <a:r>
+              <a:rPr lang="zh-CN" altLang="en-US" sz="2400" b="1" noProof="1">
+                <a:solidFill>
+                  <a:srgbClr val="777777"/>
+                </a:solidFill>
+                <a:latin typeface="+mn-lt"/>
+                <a:ea typeface="微软雅黑" panose="020B0503020204020204" pitchFamily="34" charset="-122"/>
+              </a:rPr>
+              <a:t>樊阳</a:t>
+            </a:r>
+            <a:r>
+              <a:rPr lang="en-US" altLang="zh-CN" sz="2400" b="1" noProof="1">
+                <a:solidFill>
+                  <a:srgbClr val="777777"/>
+                </a:solidFill>
+                <a:latin typeface="+mn-lt"/>
+                <a:ea typeface="微软雅黑" panose="020B0503020204020204" pitchFamily="34" charset="-122"/>
+              </a:rPr>
+              <a:t>)</a:t>
+            </a:r>
+            <a:r>
+              <a:rPr lang="zh-CN" altLang="en-US" sz="2400" b="1" dirty="0">
+                <a:solidFill>
+                  <a:srgbClr val="777777"/>
+                </a:solidFill>
+                <a:latin typeface="+mn-lt"/>
+                <a:ea typeface="微软雅黑" panose="020B0503020204020204" pitchFamily="34" charset="-122"/>
+              </a:rPr>
+              <a:t>：</a:t>
+            </a:r>
+            <a:endParaRPr lang="zh-CN" altLang="en-US" sz="2400" b="1" dirty="0">
+              <a:solidFill>
+                <a:srgbClr val="777777"/>
+              </a:solidFill>
+              <a:latin typeface="+mn-lt"/>
+              <a:ea typeface="微软雅黑" panose="020B0503020204020204" pitchFamily="34" charset="-122"/>
+            </a:endParaRPr>
+          </a:p>
+          <a:p>
+            <a:pPr>
+              <a:defRPr/>
+            </a:pPr>
+            <a:endParaRPr lang="en-US" altLang="zh-CN" b="1" dirty="0">
+              <a:solidFill>
+                <a:srgbClr val="777777"/>
+              </a:solidFill>
+              <a:ea typeface="微软雅黑" panose="020B0503020204020204" pitchFamily="34" charset="-122"/>
+            </a:endParaRPr>
+          </a:p>
+          <a:p>
+            <a:pPr hangingPunct="0">
+              <a:lnSpc>
+                <a:spcPct val="90000"/>
+              </a:lnSpc>
+              <a:defRPr/>
+            </a:pPr>
+            <a:r>
+              <a:rPr lang="zh-CN" altLang="en-US" sz="2400" b="1" dirty="0">
+                <a:latin typeface="楷体" panose="02010609060101010101" charset="-122"/>
+                <a:ea typeface="楷体" panose="02010609060101010101" charset="-122"/>
+              </a:rPr>
+              <a:t>词库的增加</a:t>
+            </a:r>
+            <a:r>
+              <a:rPr lang="zh-CN" altLang="en-US" sz="2400" b="1" dirty="0" smtClean="0">
+                <a:latin typeface="楷体" panose="02010609060101010101" charset="-122"/>
+                <a:ea typeface="楷体" panose="02010609060101010101" charset="-122"/>
+              </a:rPr>
+              <a:t>：</a:t>
+            </a:r>
+            <a:endParaRPr lang="en-US" altLang="zh-CN" sz="2400" b="1" dirty="0" smtClean="0">
+              <a:latin typeface="楷体" panose="02010609060101010101" charset="-122"/>
+              <a:ea typeface="楷体" panose="02010609060101010101" charset="-122"/>
+            </a:endParaRPr>
+          </a:p>
+          <a:p>
+            <a:pPr hangingPunct="0">
+              <a:lnSpc>
+                <a:spcPct val="90000"/>
+              </a:lnSpc>
+              <a:defRPr/>
+            </a:pPr>
+            <a:endParaRPr lang="en-US" altLang="zh-CN" sz="2400" b="1" dirty="0">
+              <a:latin typeface="楷体" panose="02010609060101010101" charset="-122"/>
+              <a:ea typeface="楷体" panose="02010609060101010101" charset="-122"/>
+            </a:endParaRPr>
+          </a:p>
+          <a:p>
+            <a:pPr hangingPunct="0">
+              <a:lnSpc>
+                <a:spcPct val="90000"/>
+              </a:lnSpc>
+              <a:defRPr/>
+            </a:pPr>
+            <a:r>
+              <a:rPr lang="en-US" altLang="zh-CN" sz="2400" b="1" dirty="0">
+                <a:latin typeface="楷体" panose="02010609060101010101" charset="-122"/>
+                <a:ea typeface="楷体" panose="02010609060101010101" charset="-122"/>
+              </a:rPr>
+              <a:t> </a:t>
+            </a:r>
+            <a:r>
+              <a:rPr lang="en-US" altLang="zh-CN" sz="2400" b="1" dirty="0" smtClean="0">
+                <a:latin typeface="楷体" panose="02010609060101010101" charset="-122"/>
+                <a:ea typeface="楷体" panose="02010609060101010101" charset="-122"/>
+              </a:rPr>
+              <a:t>  </a:t>
+            </a:r>
+            <a:r>
+              <a:rPr lang="zh-CN" altLang="en-US" sz="2400" b="1" dirty="0" smtClean="0">
+                <a:latin typeface="楷体" panose="02010609060101010101" charset="-122"/>
+                <a:ea typeface="楷体" panose="02010609060101010101" charset="-122"/>
+              </a:rPr>
+              <a:t>用户</a:t>
+            </a:r>
+            <a:r>
+              <a:rPr lang="zh-CN" altLang="en-US" sz="2400" b="1" dirty="0">
+                <a:latin typeface="楷体" panose="02010609060101010101" charset="-122"/>
+                <a:ea typeface="楷体" panose="02010609060101010101" charset="-122"/>
+              </a:rPr>
+              <a:t>首先输入想要增加的单词，再输入其对应的中文释义，输入完毕后点击添加，若添加成功则会输出提示信息，若添加失败会输出打开文件失败</a:t>
+            </a:r>
+            <a:r>
+              <a:rPr lang="zh-CN" altLang="en-US" sz="2400" b="1" dirty="0" smtClean="0">
+                <a:latin typeface="楷体" panose="02010609060101010101" charset="-122"/>
+                <a:ea typeface="楷体" panose="02010609060101010101" charset="-122"/>
+              </a:rPr>
+              <a:t>。</a:t>
+            </a:r>
+            <a:endParaRPr lang="en-US" altLang="zh-CN" sz="2400" b="1" dirty="0" smtClean="0">
+              <a:latin typeface="楷体" panose="02010609060101010101" charset="-122"/>
+              <a:ea typeface="楷体" panose="02010609060101010101" charset="-122"/>
+            </a:endParaRPr>
+          </a:p>
+          <a:p>
+            <a:pPr hangingPunct="0">
+              <a:lnSpc>
+                <a:spcPct val="90000"/>
+              </a:lnSpc>
+              <a:defRPr/>
+            </a:pPr>
+            <a:endParaRPr lang="en-US" altLang="zh-CN" sz="2400" b="1" dirty="0">
+              <a:latin typeface="楷体" panose="02010609060101010101" charset="-122"/>
+              <a:ea typeface="楷体" panose="02010609060101010101" charset="-122"/>
+            </a:endParaRPr>
+          </a:p>
+          <a:p>
+            <a:pPr hangingPunct="0">
+              <a:lnSpc>
+                <a:spcPct val="90000"/>
+              </a:lnSpc>
+              <a:defRPr/>
+            </a:pPr>
+            <a:r>
+              <a:rPr lang="zh-CN" altLang="en-US" sz="2400" b="1" dirty="0">
+                <a:latin typeface="楷体" panose="02010609060101010101" charset="-122"/>
+                <a:ea typeface="楷体" panose="02010609060101010101" charset="-122"/>
+              </a:rPr>
+              <a:t>词库的修改</a:t>
+            </a:r>
+            <a:r>
+              <a:rPr lang="zh-CN" altLang="en-US" sz="2400" b="1" dirty="0" smtClean="0">
+                <a:latin typeface="楷体" panose="02010609060101010101" charset="-122"/>
+                <a:ea typeface="楷体" panose="02010609060101010101" charset="-122"/>
+              </a:rPr>
+              <a:t>：</a:t>
+            </a:r>
+            <a:endParaRPr lang="en-US" altLang="zh-CN" sz="2400" b="1" dirty="0" smtClean="0">
+              <a:latin typeface="楷体" panose="02010609060101010101" charset="-122"/>
+              <a:ea typeface="楷体" panose="02010609060101010101" charset="-122"/>
+            </a:endParaRPr>
+          </a:p>
+          <a:p>
+            <a:pPr hangingPunct="0">
+              <a:lnSpc>
+                <a:spcPct val="90000"/>
+              </a:lnSpc>
+              <a:defRPr/>
+            </a:pPr>
+            <a:r>
+              <a:rPr lang="en-US" altLang="zh-CN" sz="2400" b="1" dirty="0">
+                <a:latin typeface="楷体" panose="02010609060101010101" charset="-122"/>
+                <a:ea typeface="楷体" panose="02010609060101010101" charset="-122"/>
+              </a:rPr>
+              <a:t> </a:t>
+            </a:r>
+            <a:r>
+              <a:rPr lang="en-US" altLang="zh-CN" sz="2400" b="1" dirty="0" smtClean="0">
+                <a:latin typeface="楷体" panose="02010609060101010101" charset="-122"/>
+                <a:ea typeface="楷体" panose="02010609060101010101" charset="-122"/>
+              </a:rPr>
+              <a:t>  </a:t>
+            </a:r>
+            <a:r>
+              <a:rPr lang="zh-CN" altLang="en-US" sz="2400" b="1" dirty="0" smtClean="0">
+                <a:latin typeface="楷体" panose="02010609060101010101" charset="-122"/>
+                <a:ea typeface="楷体" panose="02010609060101010101" charset="-122"/>
+              </a:rPr>
+              <a:t>用户首先输入想要修改的单词，再输入修改之后的单词，若词库中有该单词，则会显示“修改成功”，若词库中没有该单词，则会显示“修改失败，没有找到该单词”。</a:t>
+            </a:r>
+            <a:endParaRPr lang="en-US" altLang="zh-CN" sz="2400" b="1" dirty="0">
+              <a:latin typeface="楷体" panose="02010609060101010101" charset="-122"/>
+              <a:ea typeface="楷体" panose="02010609060101010101" charset="-122"/>
+            </a:endParaRPr>
+          </a:p>
+          <a:p>
+            <a:pPr>
+              <a:defRPr/>
+            </a:pPr>
+            <a:endParaRPr lang="en-US" altLang="zh-CN" sz="2400" b="1" dirty="0">
+              <a:latin typeface="楷体" panose="02010609060101010101" charset="-122"/>
+              <a:ea typeface="楷体" panose="02010609060101010101" charset="-122"/>
+            </a:endParaRPr>
+          </a:p>
+          <a:p>
+            <a:pPr>
+              <a:defRPr/>
+            </a:pPr>
+            <a:endParaRPr lang="en-US" altLang="zh-CN" b="1" dirty="0" smtClean="0">
+              <a:solidFill>
+                <a:srgbClr val="777777"/>
+              </a:solidFill>
+              <a:latin typeface="楷体" panose="02010609060101010101" charset="-122"/>
+              <a:ea typeface="楷体" panose="02010609060101010101" charset="-122"/>
+            </a:endParaRPr>
+          </a:p>
+        </p:txBody>
+      </p:sp>
+    </p:spTree>
+    <p:extLst>
+      <p:ext uri="{BB962C8B-B14F-4D97-AF65-F5344CB8AC3E}">
+        <p14:creationId xmlns:p14="http://schemas.microsoft.com/office/powerpoint/2010/main" val="3801244875"/>
+      </p:ext>
+    </p:extLst>
+  </p:cSld>
+  <p:clrMapOvr>
+    <a:masterClrMapping/>
+  </p:clrMapOvr>
+</p:sld>
+</file>
+
+<file path=ppt/slides/slide8.xml><?xml version="1.0" encoding="utf-8"?>
+<p:sld xmlns:a="http://schemas.openxmlformats.org/drawingml/2006/main" xmlns:r="http://schemas.openxmlformats.org/officeDocument/2006/relationships" xmlns:p="http://schemas.openxmlformats.org/presentationml/2006/main">
+  <p:cSld>
+    <p:spTree>
+      <p:nvGrpSpPr>
+        <p:cNvPr id="1" name=""/>
+        <p:cNvGrpSpPr/>
+        <p:nvPr/>
+      </p:nvGrpSpPr>
+      <p:grpSpPr>
+        <a:xfrm>
+          <a:off x="0" y="0"/>
+          <a:ext cx="0" cy="0"/>
+          <a:chOff x="0" y="0"/>
+          <a:chExt cx="0" cy="0"/>
+        </a:xfrm>
+      </p:grpSpPr>
       <p:pic>
         <p:nvPicPr>
           <p:cNvPr id="8194" name="Picture 2" descr="4-1"/>
@@ -17395,7 +18116,7 @@
 </p:sld>
 </file>
 
-<file path=ppt/slides/slide8.xml><?xml version="1.0" encoding="utf-8"?>
+<file path=ppt/slides/slide9.xml><?xml version="1.0" encoding="utf-8"?>
 <p:sld xmlns:a="http://schemas.openxmlformats.org/drawingml/2006/main" xmlns:r="http://schemas.openxmlformats.org/officeDocument/2006/relationships" xmlns:p="http://schemas.openxmlformats.org/presentationml/2006/main">
   <p:cSld>
     <p:spTree>
@@ -17417,7 +18138,7 @@
           <p:cNvPr id="4" name="Text Box 7">
             <a:extLst>
               <a:ext uri="{FF2B5EF4-FFF2-40B4-BE49-F238E27FC236}">
-                <a16:creationId xmlns:a16="http://schemas.microsoft.com/office/drawing/2014/main" id="{2AEA8C50-1B34-42E0-99F9-E6DE1B1CA767}"/>
+                <a16:creationId xmlns:a16="http://schemas.microsoft.com/office/drawing/2014/main" xmlns="" id="{2AEA8C50-1B34-42E0-99F9-E6DE1B1CA767}"/>
               </a:ext>
             </a:extLst>
           </p:cNvPr>
@@ -17643,7 +18364,7 @@
           <p:cNvPr id="5" name="图片 4">
             <a:extLst>
               <a:ext uri="{FF2B5EF4-FFF2-40B4-BE49-F238E27FC236}">
-                <a16:creationId xmlns:a16="http://schemas.microsoft.com/office/drawing/2014/main" id="{F49A255E-FB46-4662-961E-32CB7E931AF8}"/>
+                <a16:creationId xmlns:a16="http://schemas.microsoft.com/office/drawing/2014/main" xmlns="" id="{F49A255E-FB46-4662-961E-32CB7E931AF8}"/>
               </a:ext>
             </a:extLst>
           </p:cNvPr>
@@ -17673,7 +18394,7 @@
           <p:cNvPr id="6" name="文本框 5">
             <a:extLst>
               <a:ext uri="{FF2B5EF4-FFF2-40B4-BE49-F238E27FC236}">
-                <a16:creationId xmlns:a16="http://schemas.microsoft.com/office/drawing/2014/main" id="{0E9643BB-4D00-4F3B-B548-775202CE132C}"/>
+                <a16:creationId xmlns:a16="http://schemas.microsoft.com/office/drawing/2014/main" xmlns="" id="{0E9643BB-4D00-4F3B-B548-775202CE132C}"/>
               </a:ext>
             </a:extLst>
           </p:cNvPr>
@@ -17797,60 +18518,6 @@
       <p:bldP spid="4" grpId="0" bldLvl="0"/>
     </p:bldLst>
   </p:timing>
-</p:sld>
-</file>
-
-<file path=ppt/slides/slide9.xml><?xml version="1.0" encoding="utf-8"?>
-<p:sld xmlns:a="http://schemas.openxmlformats.org/drawingml/2006/main" xmlns:r="http://schemas.openxmlformats.org/officeDocument/2006/relationships" xmlns:p="http://schemas.openxmlformats.org/presentationml/2006/main">
-  <p:cSld>
-    <p:spTree>
-      <p:nvGrpSpPr>
-        <p:cNvPr id="1" name=""/>
-        <p:cNvGrpSpPr/>
-        <p:nvPr/>
-      </p:nvGrpSpPr>
-      <p:grpSpPr>
-        <a:xfrm>
-          <a:off x="0" y="0"/>
-          <a:ext cx="0" cy="0"/>
-          <a:chOff x="0" y="0"/>
-          <a:chExt cx="0" cy="0"/>
-        </a:xfrm>
-      </p:grpSpPr>
-      <p:sp>
-        <p:nvSpPr>
-          <p:cNvPr id="2" name="文本框 1"/>
-          <p:cNvSpPr txBox="1"/>
-          <p:nvPr/>
-        </p:nvSpPr>
-        <p:spPr>
-          <a:xfrm rot="12434109" flipH="1" flipV="1">
-            <a:off x="4746070" y="3418606"/>
-            <a:ext cx="5611129" cy="830997"/>
-          </a:xfrm>
-          <a:prstGeom prst="rect">
-            <a:avLst/>
-          </a:prstGeom>
-          <a:noFill/>
-        </p:spPr>
-        <p:txBody>
-          <a:bodyPr wrap="square" rtlCol="0">
-            <a:spAutoFit/>
-          </a:bodyPr>
-          <a:lstStyle/>
-          <a:p>
-            <a:r>
-              <a:rPr lang="zh-CN" altLang="en-US" sz="4800" dirty="0"/>
-              <a:t>总结部分</a:t>
-            </a:r>
-          </a:p>
-        </p:txBody>
-      </p:sp>
-    </p:spTree>
-  </p:cSld>
-  <p:clrMapOvr>
-    <a:masterClrMapping/>
-  </p:clrMapOvr>
 </p:sld>
 </file>
 
@@ -18235,7 +18902,7 @@
   </a:extraClrSchemeLst>
   <a:extLst>
     <a:ext uri="{05A4C25C-085E-4340-85A3-A5531E510DB2}">
-      <thm15:themeFamily xmlns:thm15="http://schemas.microsoft.com/office/thememl/2012/main" name="Office Theme" id="{62F939B6-93AF-4DB8-9C6B-D6C7DFDC589F}" vid="{4A3C46E8-61CC-4603-A589-7422A47A8E4A}"/>
+      <thm15:themeFamily xmlns:thm15="http://schemas.microsoft.com/office/thememl/2012/main" xmlns="" name="Office Theme" id="{62F939B6-93AF-4DB8-9C6B-D6C7DFDC589F}" vid="{4A3C46E8-61CC-4603-A589-7422A47A8E4A}"/>
     </a:ext>
   </a:extLst>
 </a:theme>
@@ -18622,7 +19289,7 @@
   </a:extraClrSchemeLst>
   <a:extLst>
     <a:ext uri="{05A4C25C-085E-4340-85A3-A5531E510DB2}">
-      <thm15:themeFamily xmlns:thm15="http://schemas.microsoft.com/office/thememl/2012/main" name="Office Theme" id="{62F939B6-93AF-4DB8-9C6B-D6C7DFDC589F}" vid="{4A3C46E8-61CC-4603-A589-7422A47A8E4A}"/>
+      <thm15:themeFamily xmlns:thm15="http://schemas.microsoft.com/office/thememl/2012/main" xmlns="" name="Office Theme" id="{62F939B6-93AF-4DB8-9C6B-D6C7DFDC589F}" vid="{4A3C46E8-61CC-4603-A589-7422A47A8E4A}"/>
     </a:ext>
   </a:extLst>
 </a:theme>
@@ -19009,7 +19676,7 @@
   </a:extraClrSchemeLst>
   <a:extLst>
     <a:ext uri="{05A4C25C-085E-4340-85A3-A5531E510DB2}">
-      <thm15:themeFamily xmlns:thm15="http://schemas.microsoft.com/office/thememl/2012/main" name="Office Theme" id="{62F939B6-93AF-4DB8-9C6B-D6C7DFDC589F}" vid="{4A3C46E8-61CC-4603-A589-7422A47A8E4A}"/>
+      <thm15:themeFamily xmlns:thm15="http://schemas.microsoft.com/office/thememl/2012/main" xmlns="" name="Office Theme" id="{62F939B6-93AF-4DB8-9C6B-D6C7DFDC589F}" vid="{4A3C46E8-61CC-4603-A589-7422A47A8E4A}"/>
     </a:ext>
   </a:extLst>
 </a:theme>
@@ -19299,7 +19966,7 @@
   <a:extraClrSchemeLst/>
   <a:extLst>
     <a:ext uri="{05A4C25C-085E-4340-85A3-A5531E510DB2}">
-      <thm15:themeFamily xmlns:thm15="http://schemas.microsoft.com/office/thememl/2012/main" name="Office Theme" id="{62F939B6-93AF-4DB8-9C6B-D6C7DFDC589F}" vid="{4A3C46E8-61CC-4603-A589-7422A47A8E4A}"/>
+      <thm15:themeFamily xmlns:thm15="http://schemas.microsoft.com/office/thememl/2012/main" xmlns="" name="Office Theme" id="{62F939B6-93AF-4DB8-9C6B-D6C7DFDC589F}" vid="{4A3C46E8-61CC-4603-A589-7422A47A8E4A}"/>
     </a:ext>
   </a:extLst>
 </a:theme>

--- a/项目答辩总ppt.pptx
+++ b/项目答辩总ppt.pptx
@@ -161,7 +161,7 @@
   </p:defaultTextStyle>
   <p:extLst>
     <p:ext uri="{EFAFB233-063F-42B5-8137-9DF3F51BA10A}">
-      <p15:sldGuideLst xmlns:p15="http://schemas.microsoft.com/office/powerpoint/2012/main" xmlns="">
+      <p15:sldGuideLst xmlns="" xmlns:p15="http://schemas.microsoft.com/office/powerpoint/2012/main">
         <p15:guide id="1" orient="horz" pos="2165">
           <p15:clr>
             <a:srgbClr val="A4A3A4"/>
@@ -11676,17 +11676,7 @@
                 <a:latin typeface="微软雅黑" panose="020B0503020204020204" pitchFamily="34" charset="-122"/>
                 <a:ea typeface="微软雅黑" panose="020B0503020204020204" pitchFamily="34" charset="-122"/>
               </a:rPr>
-              <a:t>、体会、</a:t>
-            </a:r>
-            <a:r>
-              <a:rPr lang="zh-CN" altLang="en-US" b="1" noProof="1">
-                <a:solidFill>
-                  <a:srgbClr val="777777"/>
-                </a:solidFill>
-                <a:latin typeface="微软雅黑" panose="020B0503020204020204" pitchFamily="34" charset="-122"/>
-                <a:ea typeface="微软雅黑" panose="020B0503020204020204" pitchFamily="34" charset="-122"/>
-              </a:rPr>
-              <a:t>评价</a:t>
+              <a:t>、体会、评价</a:t>
             </a:r>
             <a:r>
               <a:rPr lang="zh-CN" altLang="en-US" b="1" noProof="1" smtClean="0">
@@ -12088,7 +12078,7 @@
           <p:cNvPr id="3" name="矩形 2">
             <a:extLst>
               <a:ext uri="{FF2B5EF4-FFF2-40B4-BE49-F238E27FC236}">
-                <a16:creationId xmlns:a16="http://schemas.microsoft.com/office/drawing/2014/main" xmlns="" id="{E8AAE837-58A5-41E6-9F7C-DD2E23BEFBB4}"/>
+                <a16:creationId xmlns="" xmlns:a16="http://schemas.microsoft.com/office/drawing/2014/main" id="{E8AAE837-58A5-41E6-9F7C-DD2E23BEFBB4}"/>
               </a:ext>
             </a:extLst>
           </p:cNvPr>
@@ -12129,7 +12119,7 @@
           <p:cNvPr id="4" name="矩形 3">
             <a:extLst>
               <a:ext uri="{FF2B5EF4-FFF2-40B4-BE49-F238E27FC236}">
-                <a16:creationId xmlns:a16="http://schemas.microsoft.com/office/drawing/2014/main" xmlns="" id="{803BF733-2045-4D8F-8FA7-55ADAA0A9689}"/>
+                <a16:creationId xmlns="" xmlns:a16="http://schemas.microsoft.com/office/drawing/2014/main" id="{803BF733-2045-4D8F-8FA7-55ADAA0A9689}"/>
               </a:ext>
             </a:extLst>
           </p:cNvPr>
@@ -13995,7 +13985,7 @@
           <p:cNvPr id="2" name="图片 1">
             <a:extLst>
               <a:ext uri="{FF2B5EF4-FFF2-40B4-BE49-F238E27FC236}">
-                <a16:creationId xmlns:a16="http://schemas.microsoft.com/office/drawing/2014/main" xmlns="" id="{EC4932A2-D83B-4A61-B0FA-6EE6EDB50A0D}"/>
+                <a16:creationId xmlns="" xmlns:a16="http://schemas.microsoft.com/office/drawing/2014/main" id="{EC4932A2-D83B-4A61-B0FA-6EE6EDB50A0D}"/>
               </a:ext>
             </a:extLst>
           </p:cNvPr>
@@ -17073,7 +17063,7 @@
         <p:spPr>
           <a:xfrm>
             <a:off x="1048139" y="595620"/>
-            <a:ext cx="8304245" cy="4672048"/>
+            <a:ext cx="8304245" cy="5004447"/>
           </a:xfrm>
           <a:prstGeom prst="rect">
             <a:avLst/>
@@ -17102,47 +17092,7 @@
               <a:t>功能</a:t>
             </a:r>
             <a:r>
-              <a:rPr lang="zh-CN" altLang="en-US" sz="2400" b="1" noProof="1">
-                <a:solidFill>
-                  <a:srgbClr val="777777"/>
-                </a:solidFill>
-                <a:latin typeface="+mn-lt"/>
-                <a:ea typeface="微软雅黑" panose="020B0503020204020204" pitchFamily="34" charset="-122"/>
-              </a:rPr>
-              <a:t>：建立一个备份文件来对词库进行增加和修改</a:t>
-            </a:r>
-            <a:r>
-              <a:rPr lang="en-US" altLang="zh-CN" sz="2400" b="1" noProof="1">
-                <a:solidFill>
-                  <a:srgbClr val="777777"/>
-                </a:solidFill>
-                <a:latin typeface="+mn-lt"/>
-                <a:ea typeface="微软雅黑" panose="020B0503020204020204" pitchFamily="34" charset="-122"/>
-              </a:rPr>
-              <a:t>(</a:t>
-            </a:r>
-            <a:r>
-              <a:rPr lang="zh-CN" altLang="en-US" sz="2400" b="1" noProof="1">
-                <a:solidFill>
-                  <a:srgbClr val="777777"/>
-                </a:solidFill>
-                <a:latin typeface="+mn-lt"/>
-                <a:ea typeface="微软雅黑" panose="020B0503020204020204" pitchFamily="34" charset="-122"/>
-              </a:rPr>
-              <a:t>樊阳</a:t>
-            </a:r>
-            <a:r>
-              <a:rPr lang="en-US" altLang="zh-CN" sz="2400" b="1" noProof="1">
-                <a:solidFill>
-                  <a:srgbClr val="777777"/>
-                </a:solidFill>
-                <a:latin typeface="+mn-lt"/>
-                <a:ea typeface="微软雅黑" panose="020B0503020204020204" pitchFamily="34" charset="-122"/>
-              </a:rPr>
-              <a:t>)</a:t>
-            </a:r>
-            <a:r>
-              <a:rPr lang="zh-CN" altLang="en-US" sz="2400" b="1" dirty="0">
+              <a:rPr lang="zh-CN" altLang="en-US" sz="2400" b="1" noProof="1" smtClean="0">
                 <a:solidFill>
                   <a:srgbClr val="777777"/>
                 </a:solidFill>
@@ -17151,13 +17101,81 @@
               </a:rPr>
               <a:t>：</a:t>
             </a:r>
-            <a:endParaRPr lang="zh-CN" altLang="en-US" sz="2400" b="1" dirty="0">
+            <a:endParaRPr lang="en-US" altLang="zh-CN" sz="2400" b="1" noProof="1" smtClean="0">
               <a:solidFill>
                 <a:srgbClr val="777777"/>
               </a:solidFill>
               <a:latin typeface="+mn-lt"/>
               <a:ea typeface="微软雅黑" panose="020B0503020204020204" pitchFamily="34" charset="-122"/>
             </a:endParaRPr>
+          </a:p>
+          <a:p>
+            <a:pPr hangingPunct="0">
+              <a:lnSpc>
+                <a:spcPct val="90000"/>
+              </a:lnSpc>
+              <a:defRPr/>
+            </a:pPr>
+            <a:r>
+              <a:rPr lang="zh-CN" altLang="en-US" sz="2400" b="1" noProof="1" smtClean="0">
+                <a:solidFill>
+                  <a:srgbClr val="777777"/>
+                </a:solidFill>
+                <a:latin typeface="+mn-lt"/>
+                <a:ea typeface="微软雅黑" panose="020B0503020204020204" pitchFamily="34" charset="-122"/>
+              </a:rPr>
+              <a:t>建立</a:t>
+            </a:r>
+            <a:r>
+              <a:rPr lang="zh-CN" altLang="en-US" sz="2400" b="1" noProof="1">
+                <a:solidFill>
+                  <a:srgbClr val="777777"/>
+                </a:solidFill>
+                <a:latin typeface="+mn-lt"/>
+                <a:ea typeface="微软雅黑" panose="020B0503020204020204" pitchFamily="34" charset="-122"/>
+              </a:rPr>
+              <a:t>一个备份文件来对词库进行增加和修改</a:t>
+            </a:r>
+            <a:r>
+              <a:rPr lang="en-US" altLang="zh-CN" sz="2400" b="1" noProof="1">
+                <a:solidFill>
+                  <a:srgbClr val="777777"/>
+                </a:solidFill>
+                <a:latin typeface="+mn-lt"/>
+                <a:ea typeface="微软雅黑" panose="020B0503020204020204" pitchFamily="34" charset="-122"/>
+              </a:rPr>
+              <a:t>(</a:t>
+            </a:r>
+            <a:r>
+              <a:rPr lang="zh-CN" altLang="en-US" sz="2400" b="1" noProof="1">
+                <a:solidFill>
+                  <a:srgbClr val="777777"/>
+                </a:solidFill>
+                <a:latin typeface="+mn-lt"/>
+                <a:ea typeface="微软雅黑" panose="020B0503020204020204" pitchFamily="34" charset="-122"/>
+              </a:rPr>
+              <a:t>樊阳</a:t>
+            </a:r>
+            <a:r>
+              <a:rPr lang="en-US" altLang="zh-CN" sz="2400" b="1" noProof="1">
+                <a:solidFill>
+                  <a:srgbClr val="777777"/>
+                </a:solidFill>
+                <a:latin typeface="+mn-lt"/>
+                <a:ea typeface="微软雅黑" panose="020B0503020204020204" pitchFamily="34" charset="-122"/>
+              </a:rPr>
+              <a:t>)</a:t>
+            </a:r>
+            <a:r>
+              <a:rPr lang="zh-CN" altLang="en-US" sz="2400" b="1" dirty="0">
+                <a:solidFill>
+                  <a:srgbClr val="777777"/>
+                </a:solidFill>
+                <a:latin typeface="+mn-lt"/>
+                <a:ea typeface="微软雅黑" panose="020B0503020204020204" pitchFamily="34" charset="-122"/>
+              </a:rPr>
+              <a:t>：</a:t>
+            </a:r>
           </a:p>
           <a:p>
             <a:pPr>
@@ -18138,7 +18156,7 @@
           <p:cNvPr id="4" name="Text Box 7">
             <a:extLst>
               <a:ext uri="{FF2B5EF4-FFF2-40B4-BE49-F238E27FC236}">
-                <a16:creationId xmlns:a16="http://schemas.microsoft.com/office/drawing/2014/main" xmlns="" id="{2AEA8C50-1B34-42E0-99F9-E6DE1B1CA767}"/>
+                <a16:creationId xmlns="" xmlns:a16="http://schemas.microsoft.com/office/drawing/2014/main" id="{2AEA8C50-1B34-42E0-99F9-E6DE1B1CA767}"/>
               </a:ext>
             </a:extLst>
           </p:cNvPr>
@@ -18364,7 +18382,7 @@
           <p:cNvPr id="5" name="图片 4">
             <a:extLst>
               <a:ext uri="{FF2B5EF4-FFF2-40B4-BE49-F238E27FC236}">
-                <a16:creationId xmlns:a16="http://schemas.microsoft.com/office/drawing/2014/main" xmlns="" id="{F49A255E-FB46-4662-961E-32CB7E931AF8}"/>
+                <a16:creationId xmlns="" xmlns:a16="http://schemas.microsoft.com/office/drawing/2014/main" id="{F49A255E-FB46-4662-961E-32CB7E931AF8}"/>
               </a:ext>
             </a:extLst>
           </p:cNvPr>
@@ -18394,7 +18412,7 @@
           <p:cNvPr id="6" name="文本框 5">
             <a:extLst>
               <a:ext uri="{FF2B5EF4-FFF2-40B4-BE49-F238E27FC236}">
-                <a16:creationId xmlns:a16="http://schemas.microsoft.com/office/drawing/2014/main" xmlns="" id="{0E9643BB-4D00-4F3B-B548-775202CE132C}"/>
+                <a16:creationId xmlns="" xmlns:a16="http://schemas.microsoft.com/office/drawing/2014/main" id="{0E9643BB-4D00-4F3B-B548-775202CE132C}"/>
               </a:ext>
             </a:extLst>
           </p:cNvPr>
@@ -18902,7 +18920,7 @@
   </a:extraClrSchemeLst>
   <a:extLst>
     <a:ext uri="{05A4C25C-085E-4340-85A3-A5531E510DB2}">
-      <thm15:themeFamily xmlns:thm15="http://schemas.microsoft.com/office/thememl/2012/main" xmlns="" name="Office Theme" id="{62F939B6-93AF-4DB8-9C6B-D6C7DFDC589F}" vid="{4A3C46E8-61CC-4603-A589-7422A47A8E4A}"/>
+      <thm15:themeFamily xmlns="" xmlns:thm15="http://schemas.microsoft.com/office/thememl/2012/main" name="Office Theme" id="{62F939B6-93AF-4DB8-9C6B-D6C7DFDC589F}" vid="{4A3C46E8-61CC-4603-A589-7422A47A8E4A}"/>
     </a:ext>
   </a:extLst>
 </a:theme>
@@ -19289,7 +19307,7 @@
   </a:extraClrSchemeLst>
   <a:extLst>
     <a:ext uri="{05A4C25C-085E-4340-85A3-A5531E510DB2}">
-      <thm15:themeFamily xmlns:thm15="http://schemas.microsoft.com/office/thememl/2012/main" xmlns="" name="Office Theme" id="{62F939B6-93AF-4DB8-9C6B-D6C7DFDC589F}" vid="{4A3C46E8-61CC-4603-A589-7422A47A8E4A}"/>
+      <thm15:themeFamily xmlns="" xmlns:thm15="http://schemas.microsoft.com/office/thememl/2012/main" name="Office Theme" id="{62F939B6-93AF-4DB8-9C6B-D6C7DFDC589F}" vid="{4A3C46E8-61CC-4603-A589-7422A47A8E4A}"/>
     </a:ext>
   </a:extLst>
 </a:theme>
@@ -19676,7 +19694,7 @@
   </a:extraClrSchemeLst>
   <a:extLst>
     <a:ext uri="{05A4C25C-085E-4340-85A3-A5531E510DB2}">
-      <thm15:themeFamily xmlns:thm15="http://schemas.microsoft.com/office/thememl/2012/main" xmlns="" name="Office Theme" id="{62F939B6-93AF-4DB8-9C6B-D6C7DFDC589F}" vid="{4A3C46E8-61CC-4603-A589-7422A47A8E4A}"/>
+      <thm15:themeFamily xmlns="" xmlns:thm15="http://schemas.microsoft.com/office/thememl/2012/main" name="Office Theme" id="{62F939B6-93AF-4DB8-9C6B-D6C7DFDC589F}" vid="{4A3C46E8-61CC-4603-A589-7422A47A8E4A}"/>
     </a:ext>
   </a:extLst>
 </a:theme>
@@ -19966,7 +19984,7 @@
   <a:extraClrSchemeLst/>
   <a:extLst>
     <a:ext uri="{05A4C25C-085E-4340-85A3-A5531E510DB2}">
-      <thm15:themeFamily xmlns:thm15="http://schemas.microsoft.com/office/thememl/2012/main" xmlns="" name="Office Theme" id="{62F939B6-93AF-4DB8-9C6B-D6C7DFDC589F}" vid="{4A3C46E8-61CC-4603-A589-7422A47A8E4A}"/>
+      <thm15:themeFamily xmlns="" xmlns:thm15="http://schemas.microsoft.com/office/thememl/2012/main" name="Office Theme" id="{62F939B6-93AF-4DB8-9C6B-D6C7DFDC589F}" vid="{4A3C46E8-61CC-4603-A589-7422A47A8E4A}"/>
     </a:ext>
   </a:extLst>
 </a:theme>
